--- a/doc_ideas/202305_flowchart.pptx
+++ b/doc_ideas/202305_flowchart.pptx
@@ -5,10 +5,12 @@
     <p:sldMasterId id="2147483648" r:id="rId1"/>
   </p:sldMasterIdLst>
   <p:sldIdLst>
-    <p:sldId id="256" r:id="rId2"/>
-    <p:sldId id="257" r:id="rId3"/>
-    <p:sldId id="258" r:id="rId4"/>
-    <p:sldId id="259" r:id="rId5"/>
+    <p:sldId id="261" r:id="rId2"/>
+    <p:sldId id="259" r:id="rId3"/>
+    <p:sldId id="260" r:id="rId4"/>
+    <p:sldId id="256" r:id="rId5"/>
+    <p:sldId id="257" r:id="rId6"/>
+    <p:sldId id="258" r:id="rId7"/>
   </p:sldIdLst>
   <p:sldSz cx="12192000" cy="6858000"/>
   <p:notesSz cx="6858000" cy="9144000"/>
@@ -264,7 +266,7 @@
           <a:p>
             <a:fld id="{F467A90D-6061-43A1-9F48-580B251C3410}" type="datetimeFigureOut">
               <a:rPr lang="en-GB" smtClean="0"/>
-              <a:t>12/06/2023</a:t>
+              <a:t>29/06/2023</a:t>
             </a:fld>
             <a:endParaRPr lang="en-GB"/>
           </a:p>
@@ -496,7 +498,7 @@
           <a:p>
             <a:fld id="{F467A90D-6061-43A1-9F48-580B251C3410}" type="datetimeFigureOut">
               <a:rPr lang="en-GB" smtClean="0"/>
-              <a:t>12/06/2023</a:t>
+              <a:t>29/06/2023</a:t>
             </a:fld>
             <a:endParaRPr lang="en-GB"/>
           </a:p>
@@ -738,7 +740,7 @@
           <a:p>
             <a:fld id="{F467A90D-6061-43A1-9F48-580B251C3410}" type="datetimeFigureOut">
               <a:rPr lang="en-GB" smtClean="0"/>
-              <a:t>12/06/2023</a:t>
+              <a:t>29/06/2023</a:t>
             </a:fld>
             <a:endParaRPr lang="en-GB"/>
           </a:p>
@@ -970,7 +972,7 @@
           <a:p>
             <a:fld id="{F467A90D-6061-43A1-9F48-580B251C3410}" type="datetimeFigureOut">
               <a:rPr lang="en-GB" smtClean="0"/>
-              <a:t>12/06/2023</a:t>
+              <a:t>29/06/2023</a:t>
             </a:fld>
             <a:endParaRPr lang="en-GB"/>
           </a:p>
@@ -1246,7 +1248,7 @@
           <a:p>
             <a:fld id="{F467A90D-6061-43A1-9F48-580B251C3410}" type="datetimeFigureOut">
               <a:rPr lang="en-GB" smtClean="0"/>
-              <a:t>12/06/2023</a:t>
+              <a:t>29/06/2023</a:t>
             </a:fld>
             <a:endParaRPr lang="en-GB"/>
           </a:p>
@@ -1578,7 +1580,7 @@
           <a:p>
             <a:fld id="{F467A90D-6061-43A1-9F48-580B251C3410}" type="datetimeFigureOut">
               <a:rPr lang="en-GB" smtClean="0"/>
-              <a:t>12/06/2023</a:t>
+              <a:t>29/06/2023</a:t>
             </a:fld>
             <a:endParaRPr lang="en-GB"/>
           </a:p>
@@ -2057,7 +2059,7 @@
           <a:p>
             <a:fld id="{F467A90D-6061-43A1-9F48-580B251C3410}" type="datetimeFigureOut">
               <a:rPr lang="en-GB" smtClean="0"/>
-              <a:t>12/06/2023</a:t>
+              <a:t>29/06/2023</a:t>
             </a:fld>
             <a:endParaRPr lang="en-GB"/>
           </a:p>
@@ -2199,7 +2201,7 @@
           <a:p>
             <a:fld id="{F467A90D-6061-43A1-9F48-580B251C3410}" type="datetimeFigureOut">
               <a:rPr lang="en-GB" smtClean="0"/>
-              <a:t>12/06/2023</a:t>
+              <a:t>29/06/2023</a:t>
             </a:fld>
             <a:endParaRPr lang="en-GB"/>
           </a:p>
@@ -2312,7 +2314,7 @@
           <a:p>
             <a:fld id="{F467A90D-6061-43A1-9F48-580B251C3410}" type="datetimeFigureOut">
               <a:rPr lang="en-GB" smtClean="0"/>
-              <a:t>12/06/2023</a:t>
+              <a:t>29/06/2023</a:t>
             </a:fld>
             <a:endParaRPr lang="en-GB"/>
           </a:p>
@@ -2657,7 +2659,7 @@
           <a:p>
             <a:fld id="{F467A90D-6061-43A1-9F48-580B251C3410}" type="datetimeFigureOut">
               <a:rPr lang="en-GB" smtClean="0"/>
-              <a:t>12/06/2023</a:t>
+              <a:t>29/06/2023</a:t>
             </a:fld>
             <a:endParaRPr lang="en-GB"/>
           </a:p>
@@ -2946,7 +2948,7 @@
           <a:p>
             <a:fld id="{F467A90D-6061-43A1-9F48-580B251C3410}" type="datetimeFigureOut">
               <a:rPr lang="en-GB" smtClean="0"/>
-              <a:t>12/06/2023</a:t>
+              <a:t>29/06/2023</a:t>
             </a:fld>
             <a:endParaRPr lang="en-GB"/>
           </a:p>
@@ -3221,7 +3223,7 @@
           <a:p>
             <a:fld id="{F467A90D-6061-43A1-9F48-580B251C3410}" type="datetimeFigureOut">
               <a:rPr lang="en-GB" smtClean="0"/>
-              <a:t>12/06/2023</a:t>
+              <a:t>29/06/2023</a:t>
             </a:fld>
             <a:endParaRPr lang="en-GB"/>
           </a:p>
@@ -3643,7 +3645,7 @@
           <p:cNvPr id="4" name="テキスト ボックス 3">
             <a:extLst>
               <a:ext uri="{FF2B5EF4-FFF2-40B4-BE49-F238E27FC236}">
-                <a16:creationId xmlns:a16="http://schemas.microsoft.com/office/drawing/2014/main" id="{21230F41-A4F3-45F6-16D7-60CBD85BBC69}"/>
+                <a16:creationId xmlns:a16="http://schemas.microsoft.com/office/drawing/2014/main" id="{4F4E67A6-F9BA-55F6-8FAE-F9F36A48090E}"/>
               </a:ext>
             </a:extLst>
           </p:cNvPr>
@@ -3652,8 +3654,8 @@
         </p:nvSpPr>
         <p:spPr>
           <a:xfrm>
-            <a:off x="654440" y="765161"/>
-            <a:ext cx="2761957" cy="400110"/>
+            <a:off x="819659" y="907477"/>
+            <a:ext cx="2925788" cy="400110"/>
           </a:xfrm>
           <a:prstGeom prst="rect">
             <a:avLst/>
@@ -3671,17 +3673,17 @@
                 <a:latin typeface="Times New Roman" panose="02020603050405020304" pitchFamily="18" charset="0"/>
                 <a:cs typeface="Times New Roman" panose="02020603050405020304" pitchFamily="18" charset="0"/>
               </a:rPr>
-              <a:t>Natural history of polio</a:t>
-            </a:r>
-          </a:p>
-        </p:txBody>
-      </p:sp>
-      <p:sp>
-        <p:nvSpPr>
-          <p:cNvPr id="9" name="正方形/長方形 8">
-            <a:extLst>
-              <a:ext uri="{FF2B5EF4-FFF2-40B4-BE49-F238E27FC236}">
-                <a16:creationId xmlns:a16="http://schemas.microsoft.com/office/drawing/2014/main" id="{C78163F6-C15B-D180-D851-456E4EC78B12}"/>
+              <a:t>SEIR model</a:t>
+            </a:r>
+          </a:p>
+        </p:txBody>
+      </p:sp>
+      <p:sp>
+        <p:nvSpPr>
+          <p:cNvPr id="5" name="正方形/長方形 4">
+            <a:extLst>
+              <a:ext uri="{FF2B5EF4-FFF2-40B4-BE49-F238E27FC236}">
+                <a16:creationId xmlns:a16="http://schemas.microsoft.com/office/drawing/2014/main" id="{DAAEDDBD-F0E9-C0A2-693C-8E00F255F2F2}"/>
               </a:ext>
             </a:extLst>
           </p:cNvPr>
@@ -3690,8 +3692,8 @@
         </p:nvSpPr>
         <p:spPr>
           <a:xfrm>
-            <a:off x="508488" y="1472417"/>
-            <a:ext cx="1397391" cy="614289"/>
+            <a:off x="710126" y="1595616"/>
+            <a:ext cx="785740" cy="614289"/>
           </a:xfrm>
           <a:prstGeom prst="rect">
             <a:avLst/>
@@ -3726,17 +3728,17 @@
                 <a:latin typeface="Times New Roman" panose="02020603050405020304" pitchFamily="18" charset="0"/>
                 <a:cs typeface="Times New Roman" panose="02020603050405020304" pitchFamily="18" charset="0"/>
               </a:rPr>
-              <a:t>Susceptible</a:t>
-            </a:r>
-          </a:p>
-        </p:txBody>
-      </p:sp>
-      <p:sp>
-        <p:nvSpPr>
-          <p:cNvPr id="10" name="正方形/長方形 9">
-            <a:extLst>
-              <a:ext uri="{FF2B5EF4-FFF2-40B4-BE49-F238E27FC236}">
-                <a16:creationId xmlns:a16="http://schemas.microsoft.com/office/drawing/2014/main" id="{5C93BC17-5801-56D4-05EF-52C229E346C5}"/>
+              <a:t>S</a:t>
+            </a:r>
+          </a:p>
+        </p:txBody>
+      </p:sp>
+      <p:sp>
+        <p:nvSpPr>
+          <p:cNvPr id="6" name="正方形/長方形 5">
+            <a:extLst>
+              <a:ext uri="{FF2B5EF4-FFF2-40B4-BE49-F238E27FC236}">
+                <a16:creationId xmlns:a16="http://schemas.microsoft.com/office/drawing/2014/main" id="{A9DD66EA-AA08-2FBA-86E5-4ECE1F3CBC36}"/>
               </a:ext>
             </a:extLst>
           </p:cNvPr>
@@ -3745,8 +3747,8 @@
         </p:nvSpPr>
         <p:spPr>
           <a:xfrm>
-            <a:off x="2717702" y="1472416"/>
-            <a:ext cx="1397391" cy="614289"/>
+            <a:off x="2264897" y="1595615"/>
+            <a:ext cx="857836" cy="614289"/>
           </a:xfrm>
           <a:prstGeom prst="rect">
             <a:avLst/>
@@ -3781,17 +3783,17 @@
                 <a:latin typeface="Times New Roman" panose="02020603050405020304" pitchFamily="18" charset="0"/>
                 <a:cs typeface="Times New Roman" panose="02020603050405020304" pitchFamily="18" charset="0"/>
               </a:rPr>
-              <a:t>Infected</a:t>
-            </a:r>
-          </a:p>
-        </p:txBody>
-      </p:sp>
-      <p:sp>
-        <p:nvSpPr>
-          <p:cNvPr id="12" name="正方形/長方形 11">
-            <a:extLst>
-              <a:ext uri="{FF2B5EF4-FFF2-40B4-BE49-F238E27FC236}">
-                <a16:creationId xmlns:a16="http://schemas.microsoft.com/office/drawing/2014/main" id="{071A0224-0E89-E83C-F4B2-9CE21785B42C}"/>
+              <a:t>E</a:t>
+            </a:r>
+          </a:p>
+        </p:txBody>
+      </p:sp>
+      <p:sp>
+        <p:nvSpPr>
+          <p:cNvPr id="7" name="正方形/長方形 6">
+            <a:extLst>
+              <a:ext uri="{FF2B5EF4-FFF2-40B4-BE49-F238E27FC236}">
+                <a16:creationId xmlns:a16="http://schemas.microsoft.com/office/drawing/2014/main" id="{14C35C08-62AD-557C-6CF6-661F744E78C6}"/>
               </a:ext>
             </a:extLst>
           </p:cNvPr>
@@ -3800,8 +3802,8 @@
         </p:nvSpPr>
         <p:spPr>
           <a:xfrm>
-            <a:off x="5261611" y="858127"/>
-            <a:ext cx="1397391" cy="614289"/>
+            <a:off x="3891764" y="1079800"/>
+            <a:ext cx="857836" cy="614289"/>
           </a:xfrm>
           <a:prstGeom prst="rect">
             <a:avLst/>
@@ -3832,34 +3834,39 @@
           <a:p>
             <a:pPr algn="ctr"/>
             <a:r>
-              <a:rPr lang="en-GB" dirty="0">
+              <a:rPr lang="en-GB" dirty="0" err="1">
                 <a:latin typeface="Times New Roman" panose="02020603050405020304" pitchFamily="18" charset="0"/>
                 <a:cs typeface="Times New Roman" panose="02020603050405020304" pitchFamily="18" charset="0"/>
               </a:rPr>
-              <a:t>Onset of AFP</a:t>
-            </a:r>
+              <a:t>Ia</a:t>
+            </a:r>
+            <a:endParaRPr lang="en-GB" dirty="0">
+              <a:latin typeface="Times New Roman" panose="02020603050405020304" pitchFamily="18" charset="0"/>
+              <a:cs typeface="Times New Roman" panose="02020603050405020304" pitchFamily="18" charset="0"/>
+            </a:endParaRPr>
           </a:p>
         </p:txBody>
       </p:sp>
       <p:cxnSp>
         <p:nvCxnSpPr>
-          <p:cNvPr id="14" name="直線矢印コネクタ 13">
-            <a:extLst>
-              <a:ext uri="{FF2B5EF4-FFF2-40B4-BE49-F238E27FC236}">
-                <a16:creationId xmlns:a16="http://schemas.microsoft.com/office/drawing/2014/main" id="{C6F46BDE-C67D-D7EA-2B31-4F87A26BBE37}"/>
+          <p:cNvPr id="9" name="直線矢印コネクタ 8">
+            <a:extLst>
+              <a:ext uri="{FF2B5EF4-FFF2-40B4-BE49-F238E27FC236}">
+                <a16:creationId xmlns:a16="http://schemas.microsoft.com/office/drawing/2014/main" id="{B30EBF94-F7AC-6D2E-F7D5-E221FE8F8893}"/>
               </a:ext>
             </a:extLst>
           </p:cNvPr>
           <p:cNvCxnSpPr>
-            <a:stCxn id="9" idx="3"/>
-            <a:endCxn id="10" idx="1"/>
+            <a:cxnSpLocks/>
+            <a:stCxn id="5" idx="3"/>
+            <a:endCxn id="6" idx="1"/>
           </p:cNvCxnSpPr>
           <p:nvPr/>
         </p:nvCxnSpPr>
         <p:spPr>
           <a:xfrm flipV="1">
-            <a:off x="1905879" y="1779561"/>
-            <a:ext cx="811823" cy="1"/>
+            <a:off x="1495866" y="1902760"/>
+            <a:ext cx="769031" cy="1"/>
           </a:xfrm>
           <a:prstGeom prst="straightConnector1">
             <a:avLst/>
@@ -3888,24 +3895,24 @@
       </p:cxnSp>
       <p:cxnSp>
         <p:nvCxnSpPr>
-          <p:cNvPr id="15" name="直線矢印コネクタ 14">
-            <a:extLst>
-              <a:ext uri="{FF2B5EF4-FFF2-40B4-BE49-F238E27FC236}">
-                <a16:creationId xmlns:a16="http://schemas.microsoft.com/office/drawing/2014/main" id="{3FC421C2-DA3B-326D-3EDC-D9941322B11D}"/>
+          <p:cNvPr id="13" name="直線矢印コネクタ 12">
+            <a:extLst>
+              <a:ext uri="{FF2B5EF4-FFF2-40B4-BE49-F238E27FC236}">
+                <a16:creationId xmlns:a16="http://schemas.microsoft.com/office/drawing/2014/main" id="{721B60B5-886D-359C-497B-278477619A6F}"/>
               </a:ext>
             </a:extLst>
           </p:cNvPr>
           <p:cNvCxnSpPr>
             <a:cxnSpLocks/>
-            <a:stCxn id="10" idx="3"/>
-            <a:endCxn id="12" idx="1"/>
+            <a:stCxn id="6" idx="3"/>
+            <a:endCxn id="7" idx="1"/>
           </p:cNvCxnSpPr>
           <p:nvPr/>
         </p:nvCxnSpPr>
         <p:spPr>
           <a:xfrm flipV="1">
-            <a:off x="4115093" y="1165272"/>
-            <a:ext cx="1146518" cy="614289"/>
+            <a:off x="3122733" y="1386945"/>
+            <a:ext cx="769031" cy="515815"/>
           </a:xfrm>
           <a:prstGeom prst="straightConnector1">
             <a:avLst/>
@@ -3932,12 +3939,58 @@
           </a:fontRef>
         </p:style>
       </p:cxnSp>
-      <p:sp>
-        <p:nvSpPr>
-          <p:cNvPr id="21" name="正方形/長方形 20">
-            <a:extLst>
-              <a:ext uri="{FF2B5EF4-FFF2-40B4-BE49-F238E27FC236}">
-                <a16:creationId xmlns:a16="http://schemas.microsoft.com/office/drawing/2014/main" id="{2C1B784D-3F47-EC80-379E-CE537C8F1ACB}"/>
+      <p:cxnSp>
+        <p:nvCxnSpPr>
+          <p:cNvPr id="17" name="直線矢印コネクタ 16">
+            <a:extLst>
+              <a:ext uri="{FF2B5EF4-FFF2-40B4-BE49-F238E27FC236}">
+                <a16:creationId xmlns:a16="http://schemas.microsoft.com/office/drawing/2014/main" id="{EB4F7E7A-AF55-2C0F-79B0-2D8A51FDDB09}"/>
+              </a:ext>
+            </a:extLst>
+          </p:cNvPr>
+          <p:cNvCxnSpPr>
+            <a:cxnSpLocks/>
+            <a:stCxn id="7" idx="3"/>
+            <a:endCxn id="3" idx="1"/>
+          </p:cNvCxnSpPr>
+          <p:nvPr/>
+        </p:nvCxnSpPr>
+        <p:spPr>
+          <a:xfrm>
+            <a:off x="4749600" y="1386945"/>
+            <a:ext cx="975289" cy="531353"/>
+          </a:xfrm>
+          <a:prstGeom prst="straightConnector1">
+            <a:avLst/>
+          </a:prstGeom>
+          <a:ln w="19050">
+            <a:solidFill>
+              <a:schemeClr val="tx1"/>
+            </a:solidFill>
+            <a:tailEnd type="triangle"/>
+          </a:ln>
+        </p:spPr>
+        <p:style>
+          <a:lnRef idx="1">
+            <a:schemeClr val="accent1"/>
+          </a:lnRef>
+          <a:fillRef idx="0">
+            <a:schemeClr val="accent1"/>
+          </a:fillRef>
+          <a:effectRef idx="0">
+            <a:schemeClr val="accent1"/>
+          </a:effectRef>
+          <a:fontRef idx="minor">
+            <a:schemeClr val="tx1"/>
+          </a:fontRef>
+        </p:style>
+      </p:cxnSp>
+      <p:sp>
+        <p:nvSpPr>
+          <p:cNvPr id="35" name="正方形/長方形 34">
+            <a:extLst>
+              <a:ext uri="{FF2B5EF4-FFF2-40B4-BE49-F238E27FC236}">
+                <a16:creationId xmlns:a16="http://schemas.microsoft.com/office/drawing/2014/main" id="{A10583FD-1679-6011-1EFF-64D6BC3B6BAD}"/>
               </a:ext>
             </a:extLst>
           </p:cNvPr>
@@ -3946,8 +3999,8 @@
         </p:nvSpPr>
         <p:spPr>
           <a:xfrm>
-            <a:off x="7378214" y="858124"/>
-            <a:ext cx="1397391" cy="614289"/>
+            <a:off x="3891764" y="2209904"/>
+            <a:ext cx="857836" cy="614289"/>
           </a:xfrm>
           <a:prstGeom prst="rect">
             <a:avLst/>
@@ -3982,31 +4035,42 @@
                 <a:latin typeface="Times New Roman" panose="02020603050405020304" pitchFamily="18" charset="0"/>
                 <a:cs typeface="Times New Roman" panose="02020603050405020304" pitchFamily="18" charset="0"/>
               </a:rPr>
-              <a:t>Seeking healthcare</a:t>
-            </a:r>
+              <a:t>I</a:t>
+            </a:r>
+            <a:r>
+              <a:rPr lang="en-GB" sz="2000" baseline="-25000" dirty="0">
+                <a:latin typeface="Times New Roman" panose="02020603050405020304" pitchFamily="18" charset="0"/>
+                <a:cs typeface="Times New Roman" panose="02020603050405020304" pitchFamily="18" charset="0"/>
+              </a:rPr>
+              <a:t>AFP</a:t>
+            </a:r>
+            <a:endParaRPr lang="en-GB" baseline="-25000" dirty="0">
+              <a:latin typeface="Times New Roman" panose="02020603050405020304" pitchFamily="18" charset="0"/>
+              <a:cs typeface="Times New Roman" panose="02020603050405020304" pitchFamily="18" charset="0"/>
+            </a:endParaRPr>
           </a:p>
         </p:txBody>
       </p:sp>
       <p:cxnSp>
         <p:nvCxnSpPr>
-          <p:cNvPr id="22" name="直線矢印コネクタ 21">
-            <a:extLst>
-              <a:ext uri="{FF2B5EF4-FFF2-40B4-BE49-F238E27FC236}">
-                <a16:creationId xmlns:a16="http://schemas.microsoft.com/office/drawing/2014/main" id="{55E4BE6A-EE40-D556-C041-2652B1116B5C}"/>
+          <p:cNvPr id="36" name="直線矢印コネクタ 35">
+            <a:extLst>
+              <a:ext uri="{FF2B5EF4-FFF2-40B4-BE49-F238E27FC236}">
+                <a16:creationId xmlns:a16="http://schemas.microsoft.com/office/drawing/2014/main" id="{0C009F64-879D-9700-77DB-70F3BE7669FE}"/>
               </a:ext>
             </a:extLst>
           </p:cNvPr>
           <p:cNvCxnSpPr>
             <a:cxnSpLocks/>
-            <a:stCxn id="12" idx="3"/>
-            <a:endCxn id="21" idx="1"/>
+            <a:stCxn id="6" idx="3"/>
+            <a:endCxn id="35" idx="1"/>
           </p:cNvCxnSpPr>
           <p:nvPr/>
         </p:nvCxnSpPr>
         <p:spPr>
-          <a:xfrm flipV="1">
-            <a:off x="6659002" y="1165269"/>
-            <a:ext cx="719212" cy="3"/>
+          <a:xfrm>
+            <a:off x="3122733" y="1902760"/>
+            <a:ext cx="769031" cy="614289"/>
           </a:xfrm>
           <a:prstGeom prst="straightConnector1">
             <a:avLst/>
@@ -4035,24 +4099,24 @@
       </p:cxnSp>
       <p:cxnSp>
         <p:nvCxnSpPr>
-          <p:cNvPr id="26" name="直線矢印コネクタ 25">
-            <a:extLst>
-              <a:ext uri="{FF2B5EF4-FFF2-40B4-BE49-F238E27FC236}">
-                <a16:creationId xmlns:a16="http://schemas.microsoft.com/office/drawing/2014/main" id="{84867389-54E0-8EAB-5604-B9567DCED117}"/>
+          <p:cNvPr id="41" name="直線矢印コネクタ 40">
+            <a:extLst>
+              <a:ext uri="{FF2B5EF4-FFF2-40B4-BE49-F238E27FC236}">
+                <a16:creationId xmlns:a16="http://schemas.microsoft.com/office/drawing/2014/main" id="{D02CDAF2-38C1-3C91-02D9-0FF51115A22A}"/>
               </a:ext>
             </a:extLst>
           </p:cNvPr>
           <p:cNvCxnSpPr>
             <a:cxnSpLocks/>
-            <a:stCxn id="21" idx="3"/>
-            <a:endCxn id="29" idx="1"/>
+            <a:stCxn id="35" idx="3"/>
+            <a:endCxn id="3" idx="1"/>
           </p:cNvCxnSpPr>
           <p:nvPr/>
         </p:nvCxnSpPr>
         <p:spPr>
-          <a:xfrm>
-            <a:off x="8775605" y="1165269"/>
-            <a:ext cx="907950" cy="1"/>
+          <a:xfrm flipV="1">
+            <a:off x="4749600" y="1918298"/>
+            <a:ext cx="975289" cy="598751"/>
           </a:xfrm>
           <a:prstGeom prst="straightConnector1">
             <a:avLst/>
@@ -4081,10 +4145,134 @@
       </p:cxnSp>
       <p:sp>
         <p:nvSpPr>
-          <p:cNvPr id="29" name="正方形/長方形 28">
-            <a:extLst>
-              <a:ext uri="{FF2B5EF4-FFF2-40B4-BE49-F238E27FC236}">
-                <a16:creationId xmlns:a16="http://schemas.microsoft.com/office/drawing/2014/main" id="{BA4D8A8A-ED52-1714-72B0-AB2E1BCF3E86}"/>
+          <p:cNvPr id="19" name="テキスト ボックス 18">
+            <a:extLst>
+              <a:ext uri="{FF2B5EF4-FFF2-40B4-BE49-F238E27FC236}">
+                <a16:creationId xmlns:a16="http://schemas.microsoft.com/office/drawing/2014/main" id="{0BE1140A-DC93-A89B-F351-DCF375DDF165}"/>
+              </a:ext>
+            </a:extLst>
+          </p:cNvPr>
+          <p:cNvSpPr txBox="1"/>
+          <p:nvPr/>
+        </p:nvSpPr>
+        <p:spPr>
+          <a:xfrm>
+            <a:off x="2711670" y="1062621"/>
+            <a:ext cx="1259280" cy="369332"/>
+          </a:xfrm>
+          <a:prstGeom prst="rect">
+            <a:avLst/>
+          </a:prstGeom>
+          <a:noFill/>
+        </p:spPr>
+        <p:txBody>
+          <a:bodyPr wrap="square" rtlCol="0">
+            <a:spAutoFit/>
+          </a:bodyPr>
+          <a:lstStyle/>
+          <a:p>
+            <a:r>
+              <a:rPr lang="en-US" altLang="ja-JP" dirty="0"/>
+              <a:t>(1-pAFP)</a:t>
+            </a:r>
+            <a:r>
+              <a:rPr lang="el-GR" altLang="ja-JP" dirty="0"/>
+              <a:t>γ</a:t>
+            </a:r>
+            <a:r>
+              <a:rPr lang="en-US" altLang="ja-JP" dirty="0"/>
+              <a:t>1</a:t>
+            </a:r>
+            <a:endParaRPr lang="en-GB" dirty="0"/>
+          </a:p>
+        </p:txBody>
+      </p:sp>
+      <p:sp>
+        <p:nvSpPr>
+          <p:cNvPr id="21" name="テキスト ボックス 20">
+            <a:extLst>
+              <a:ext uri="{FF2B5EF4-FFF2-40B4-BE49-F238E27FC236}">
+                <a16:creationId xmlns:a16="http://schemas.microsoft.com/office/drawing/2014/main" id="{47C084D1-B02E-D8FC-3C29-B8D8EFE2B96C}"/>
+              </a:ext>
+            </a:extLst>
+          </p:cNvPr>
+          <p:cNvSpPr txBox="1"/>
+          <p:nvPr/>
+        </p:nvSpPr>
+        <p:spPr>
+          <a:xfrm>
+            <a:off x="4905076" y="1015734"/>
+            <a:ext cx="546884" cy="371209"/>
+          </a:xfrm>
+          <a:prstGeom prst="rect">
+            <a:avLst/>
+          </a:prstGeom>
+          <a:noFill/>
+        </p:spPr>
+        <p:txBody>
+          <a:bodyPr wrap="square" rtlCol="0">
+            <a:spAutoFit/>
+          </a:bodyPr>
+          <a:lstStyle/>
+          <a:p>
+            <a:r>
+              <a:rPr lang="el-GR" altLang="ja-JP" dirty="0"/>
+              <a:t>γ</a:t>
+            </a:r>
+            <a:r>
+              <a:rPr lang="en-US" altLang="ja-JP" dirty="0"/>
+              <a:t>2</a:t>
+            </a:r>
+            <a:endParaRPr lang="en-GB" dirty="0"/>
+          </a:p>
+        </p:txBody>
+      </p:sp>
+      <p:sp>
+        <p:nvSpPr>
+          <p:cNvPr id="22" name="テキスト ボックス 21">
+            <a:extLst>
+              <a:ext uri="{FF2B5EF4-FFF2-40B4-BE49-F238E27FC236}">
+                <a16:creationId xmlns:a16="http://schemas.microsoft.com/office/drawing/2014/main" id="{5ADAC251-9665-E6AC-75D0-4065AF0398B2}"/>
+              </a:ext>
+            </a:extLst>
+          </p:cNvPr>
+          <p:cNvSpPr txBox="1"/>
+          <p:nvPr/>
+        </p:nvSpPr>
+        <p:spPr>
+          <a:xfrm>
+            <a:off x="4987036" y="2225443"/>
+            <a:ext cx="525225" cy="371209"/>
+          </a:xfrm>
+          <a:prstGeom prst="rect">
+            <a:avLst/>
+          </a:prstGeom>
+          <a:noFill/>
+        </p:spPr>
+        <p:txBody>
+          <a:bodyPr wrap="square" rtlCol="0">
+            <a:spAutoFit/>
+          </a:bodyPr>
+          <a:lstStyle/>
+          <a:p>
+            <a:r>
+              <a:rPr lang="el-GR" altLang="ja-JP" dirty="0"/>
+              <a:t>γ</a:t>
+            </a:r>
+            <a:r>
+              <a:rPr lang="en-US" altLang="ja-JP" dirty="0"/>
+              <a:t>3</a:t>
+            </a:r>
+            <a:endParaRPr lang="en-GB" dirty="0"/>
+          </a:p>
+        </p:txBody>
+      </p:sp>
+      <p:sp>
+        <p:nvSpPr>
+          <p:cNvPr id="3" name="正方形/長方形 7">
+            <a:extLst>
+              <a:ext uri="{FF2B5EF4-FFF2-40B4-BE49-F238E27FC236}">
+                <a16:creationId xmlns:a16="http://schemas.microsoft.com/office/drawing/2014/main" id="{5F79FB49-6C50-85B6-B91B-3EACA8D7DB5A}"/>
               </a:ext>
             </a:extLst>
           </p:cNvPr>
@@ -4093,8 +4281,8 @@
         </p:nvSpPr>
         <p:spPr>
           <a:xfrm>
-            <a:off x="9683555" y="858125"/>
-            <a:ext cx="1397391" cy="614289"/>
+            <a:off x="5724889" y="1631010"/>
+            <a:ext cx="857836" cy="574575"/>
           </a:xfrm>
           <a:prstGeom prst="rect">
             <a:avLst/>
@@ -4129,219 +4317,17 @@
                 <a:latin typeface="Times New Roman" panose="02020603050405020304" pitchFamily="18" charset="0"/>
                 <a:cs typeface="Times New Roman" panose="02020603050405020304" pitchFamily="18" charset="0"/>
               </a:rPr>
-              <a:t>Notified as polio</a:t>
-            </a:r>
-          </a:p>
-        </p:txBody>
-      </p:sp>
-      <p:sp>
-        <p:nvSpPr>
-          <p:cNvPr id="32" name="正方形/長方形 31">
-            <a:extLst>
-              <a:ext uri="{FF2B5EF4-FFF2-40B4-BE49-F238E27FC236}">
-                <a16:creationId xmlns:a16="http://schemas.microsoft.com/office/drawing/2014/main" id="{E6A7F4BA-2BB6-FB98-34BF-B1E2214A7209}"/>
-              </a:ext>
-            </a:extLst>
-          </p:cNvPr>
-          <p:cNvSpPr/>
-          <p:nvPr/>
-        </p:nvSpPr>
-        <p:spPr>
-          <a:xfrm>
-            <a:off x="5205339" y="2086705"/>
-            <a:ext cx="1397391" cy="614289"/>
-          </a:xfrm>
-          <a:prstGeom prst="rect">
-            <a:avLst/>
-          </a:prstGeom>
-          <a:ln>
-            <a:solidFill>
-              <a:schemeClr val="tx1"/>
-            </a:solidFill>
-          </a:ln>
-        </p:spPr>
-        <p:style>
-          <a:lnRef idx="2">
-            <a:schemeClr val="accent6"/>
-          </a:lnRef>
-          <a:fillRef idx="1">
-            <a:schemeClr val="lt1"/>
-          </a:fillRef>
-          <a:effectRef idx="0">
-            <a:schemeClr val="accent6"/>
-          </a:effectRef>
-          <a:fontRef idx="minor">
-            <a:schemeClr val="dk1"/>
-          </a:fontRef>
-        </p:style>
-        <p:txBody>
-          <a:bodyPr rtlCol="0" anchor="ctr"/>
-          <a:lstStyle/>
-          <a:p>
-            <a:pPr algn="ctr"/>
-            <a:r>
-              <a:rPr lang="en-GB" dirty="0">
-                <a:latin typeface="Times New Roman" panose="02020603050405020304" pitchFamily="18" charset="0"/>
-                <a:cs typeface="Times New Roman" panose="02020603050405020304" pitchFamily="18" charset="0"/>
-              </a:rPr>
-              <a:t>Secretion in sewage</a:t>
-            </a:r>
-          </a:p>
-        </p:txBody>
-      </p:sp>
-      <p:cxnSp>
-        <p:nvCxnSpPr>
-          <p:cNvPr id="33" name="直線矢印コネクタ 32">
-            <a:extLst>
-              <a:ext uri="{FF2B5EF4-FFF2-40B4-BE49-F238E27FC236}">
-                <a16:creationId xmlns:a16="http://schemas.microsoft.com/office/drawing/2014/main" id="{98CFBD4D-716D-89F3-54A7-EE3181FB477D}"/>
-              </a:ext>
-            </a:extLst>
-          </p:cNvPr>
-          <p:cNvCxnSpPr>
-            <a:cxnSpLocks/>
-            <a:stCxn id="10" idx="3"/>
-            <a:endCxn id="32" idx="1"/>
-          </p:cNvCxnSpPr>
-          <p:nvPr/>
-        </p:nvCxnSpPr>
-        <p:spPr>
-          <a:xfrm>
-            <a:off x="4115093" y="1779561"/>
-            <a:ext cx="1090246" cy="614289"/>
-          </a:xfrm>
-          <a:prstGeom prst="straightConnector1">
-            <a:avLst/>
-          </a:prstGeom>
-          <a:ln w="19050">
-            <a:solidFill>
-              <a:schemeClr val="tx1"/>
-            </a:solidFill>
-            <a:tailEnd type="triangle"/>
-          </a:ln>
-        </p:spPr>
-        <p:style>
-          <a:lnRef idx="1">
-            <a:schemeClr val="accent1"/>
-          </a:lnRef>
-          <a:fillRef idx="0">
-            <a:schemeClr val="accent1"/>
-          </a:fillRef>
-          <a:effectRef idx="0">
-            <a:schemeClr val="accent1"/>
-          </a:effectRef>
-          <a:fontRef idx="minor">
-            <a:schemeClr val="tx1"/>
-          </a:fontRef>
-        </p:style>
-      </p:cxnSp>
-      <p:sp>
-        <p:nvSpPr>
-          <p:cNvPr id="36" name="正方形/長方形 35">
-            <a:extLst>
-              <a:ext uri="{FF2B5EF4-FFF2-40B4-BE49-F238E27FC236}">
-                <a16:creationId xmlns:a16="http://schemas.microsoft.com/office/drawing/2014/main" id="{8C66B611-8016-BC55-3ADA-3A12A3637C74}"/>
-              </a:ext>
-            </a:extLst>
-          </p:cNvPr>
-          <p:cNvSpPr/>
-          <p:nvPr/>
-        </p:nvSpPr>
-        <p:spPr>
-          <a:xfrm>
-            <a:off x="7371471" y="2086704"/>
-            <a:ext cx="1397391" cy="614289"/>
-          </a:xfrm>
-          <a:prstGeom prst="rect">
-            <a:avLst/>
-          </a:prstGeom>
-          <a:ln>
-            <a:solidFill>
-              <a:schemeClr val="tx1"/>
-            </a:solidFill>
-          </a:ln>
-        </p:spPr>
-        <p:style>
-          <a:lnRef idx="2">
-            <a:schemeClr val="accent6"/>
-          </a:lnRef>
-          <a:fillRef idx="1">
-            <a:schemeClr val="lt1"/>
-          </a:fillRef>
-          <a:effectRef idx="0">
-            <a:schemeClr val="accent6"/>
-          </a:effectRef>
-          <a:fontRef idx="minor">
-            <a:schemeClr val="dk1"/>
-          </a:fontRef>
-        </p:style>
-        <p:txBody>
-          <a:bodyPr rtlCol="0" anchor="ctr"/>
-          <a:lstStyle/>
-          <a:p>
-            <a:pPr algn="ctr"/>
-            <a:r>
-              <a:rPr lang="en-GB" dirty="0">
-                <a:latin typeface="Times New Roman" panose="02020603050405020304" pitchFamily="18" charset="0"/>
-                <a:cs typeface="Times New Roman" panose="02020603050405020304" pitchFamily="18" charset="0"/>
-              </a:rPr>
-              <a:t>Detected in sewage</a:t>
-            </a:r>
-          </a:p>
-        </p:txBody>
-      </p:sp>
-      <p:cxnSp>
-        <p:nvCxnSpPr>
-          <p:cNvPr id="37" name="直線矢印コネクタ 36">
-            <a:extLst>
-              <a:ext uri="{FF2B5EF4-FFF2-40B4-BE49-F238E27FC236}">
-                <a16:creationId xmlns:a16="http://schemas.microsoft.com/office/drawing/2014/main" id="{A3EBF08E-B76F-3714-6745-BB30F9E45156}"/>
-              </a:ext>
-            </a:extLst>
-          </p:cNvPr>
-          <p:cNvCxnSpPr>
-            <a:cxnSpLocks/>
-            <a:stCxn id="32" idx="3"/>
-            <a:endCxn id="36" idx="1"/>
-          </p:cNvCxnSpPr>
-          <p:nvPr/>
-        </p:nvCxnSpPr>
-        <p:spPr>
-          <a:xfrm flipV="1">
-            <a:off x="6602730" y="2393849"/>
-            <a:ext cx="768741" cy="1"/>
-          </a:xfrm>
-          <a:prstGeom prst="straightConnector1">
-            <a:avLst/>
-          </a:prstGeom>
-          <a:ln w="19050">
-            <a:solidFill>
-              <a:schemeClr val="tx1"/>
-            </a:solidFill>
-            <a:tailEnd type="triangle"/>
-          </a:ln>
-        </p:spPr>
-        <p:style>
-          <a:lnRef idx="1">
-            <a:schemeClr val="accent1"/>
-          </a:lnRef>
-          <a:fillRef idx="0">
-            <a:schemeClr val="accent1"/>
-          </a:fillRef>
-          <a:effectRef idx="0">
-            <a:schemeClr val="accent1"/>
-          </a:effectRef>
-          <a:fontRef idx="minor">
-            <a:schemeClr val="tx1"/>
-          </a:fontRef>
-        </p:style>
-      </p:cxnSp>
-      <p:sp>
-        <p:nvSpPr>
-          <p:cNvPr id="45" name="テキスト ボックス 44">
-            <a:extLst>
-              <a:ext uri="{FF2B5EF4-FFF2-40B4-BE49-F238E27FC236}">
-                <a16:creationId xmlns:a16="http://schemas.microsoft.com/office/drawing/2014/main" id="{98D124C9-85D3-8E4D-20DC-6E866FE168F3}"/>
+              <a:t>R</a:t>
+            </a:r>
+          </a:p>
+        </p:txBody>
+      </p:sp>
+      <p:sp>
+        <p:nvSpPr>
+          <p:cNvPr id="16" name="テキスト ボックス 18">
+            <a:extLst>
+              <a:ext uri="{FF2B5EF4-FFF2-40B4-BE49-F238E27FC236}">
+                <a16:creationId xmlns:a16="http://schemas.microsoft.com/office/drawing/2014/main" id="{4FC3355B-8165-27B6-AB99-226946C4C4D0}"/>
               </a:ext>
             </a:extLst>
           </p:cNvPr>
@@ -4350,8 +4336,8 @@
         </p:nvSpPr>
         <p:spPr>
           <a:xfrm>
-            <a:off x="3840774" y="2736063"/>
-            <a:ext cx="914400" cy="646331"/>
+            <a:off x="2796492" y="2260013"/>
+            <a:ext cx="1259280" cy="369332"/>
           </a:xfrm>
           <a:prstGeom prst="rect">
             <a:avLst/>
@@ -4364,224 +4350,17 @@
           </a:bodyPr>
           <a:lstStyle/>
           <a:p>
-            <a:endParaRPr lang="en-GB" dirty="0"/>
-          </a:p>
-          <a:p>
-            <a:endParaRPr lang="en-GB" dirty="0"/>
-          </a:p>
-        </p:txBody>
-      </p:sp>
-      <p:sp>
-        <p:nvSpPr>
-          <p:cNvPr id="46" name="テキスト ボックス 45">
-            <a:extLst>
-              <a:ext uri="{FF2B5EF4-FFF2-40B4-BE49-F238E27FC236}">
-                <a16:creationId xmlns:a16="http://schemas.microsoft.com/office/drawing/2014/main" id="{499A47F3-D5B5-E755-ED1B-00BBA036A3C2}"/>
-              </a:ext>
-            </a:extLst>
-          </p:cNvPr>
-          <p:cNvSpPr txBox="1"/>
-          <p:nvPr/>
-        </p:nvSpPr>
-        <p:spPr>
-          <a:xfrm>
-            <a:off x="2204230" y="1426597"/>
-            <a:ext cx="914400" cy="369332"/>
-          </a:xfrm>
-          <a:prstGeom prst="rect">
-            <a:avLst/>
-          </a:prstGeom>
-          <a:noFill/>
-        </p:spPr>
-        <p:txBody>
-          <a:bodyPr wrap="square" rtlCol="0">
-            <a:spAutoFit/>
-          </a:bodyPr>
-          <a:lstStyle/>
-          <a:p>
+            <a:r>
+              <a:rPr lang="en-US" altLang="ja-JP" dirty="0" err="1"/>
+              <a:t>pAFP</a:t>
+            </a:r>
+            <a:r>
+              <a:rPr lang="el-GR" altLang="ja-JP" dirty="0"/>
+              <a:t>γ</a:t>
+            </a:r>
             <a:r>
               <a:rPr lang="en-US" altLang="ja-JP" dirty="0"/>
-              <a:t>λ</a:t>
-            </a:r>
-            <a:endParaRPr lang="en-GB" dirty="0"/>
-          </a:p>
-        </p:txBody>
-      </p:sp>
-      <p:sp>
-        <p:nvSpPr>
-          <p:cNvPr id="47" name="テキスト ボックス 46">
-            <a:extLst>
-              <a:ext uri="{FF2B5EF4-FFF2-40B4-BE49-F238E27FC236}">
-                <a16:creationId xmlns:a16="http://schemas.microsoft.com/office/drawing/2014/main" id="{58EA09DF-D8A2-0DA8-C5A3-44A43E7EA331}"/>
-              </a:ext>
-            </a:extLst>
-          </p:cNvPr>
-          <p:cNvSpPr txBox="1"/>
-          <p:nvPr/>
-        </p:nvSpPr>
-        <p:spPr>
-          <a:xfrm>
-            <a:off x="4410223" y="1050102"/>
-            <a:ext cx="602565" cy="369332"/>
-          </a:xfrm>
-          <a:prstGeom prst="rect">
-            <a:avLst/>
-          </a:prstGeom>
-          <a:noFill/>
-        </p:spPr>
-        <p:txBody>
-          <a:bodyPr wrap="square" rtlCol="0">
-            <a:spAutoFit/>
-          </a:bodyPr>
-          <a:lstStyle/>
-          <a:p>
-            <a:r>
-              <a:rPr lang="en-US" altLang="ja-JP" dirty="0"/>
-              <a:t>γ1</a:t>
-            </a:r>
-            <a:endParaRPr lang="en-GB" dirty="0"/>
-          </a:p>
-        </p:txBody>
-      </p:sp>
-      <p:sp>
-        <p:nvSpPr>
-          <p:cNvPr id="51" name="テキスト ボックス 50">
-            <a:extLst>
-              <a:ext uri="{FF2B5EF4-FFF2-40B4-BE49-F238E27FC236}">
-                <a16:creationId xmlns:a16="http://schemas.microsoft.com/office/drawing/2014/main" id="{41FE5B16-A1D1-2F85-FFB1-DDB0DD4B5810}"/>
-              </a:ext>
-            </a:extLst>
-          </p:cNvPr>
-          <p:cNvSpPr txBox="1"/>
-          <p:nvPr/>
-        </p:nvSpPr>
-        <p:spPr>
-          <a:xfrm>
-            <a:off x="6811694" y="764845"/>
-            <a:ext cx="602565" cy="369332"/>
-          </a:xfrm>
-          <a:prstGeom prst="rect">
-            <a:avLst/>
-          </a:prstGeom>
-          <a:noFill/>
-        </p:spPr>
-        <p:txBody>
-          <a:bodyPr wrap="square" rtlCol="0">
-            <a:spAutoFit/>
-          </a:bodyPr>
-          <a:lstStyle/>
-          <a:p>
-            <a:r>
-              <a:rPr lang="en-US" altLang="ja-JP" dirty="0"/>
-              <a:t>γ2</a:t>
-            </a:r>
-            <a:endParaRPr lang="en-GB" dirty="0"/>
-          </a:p>
-        </p:txBody>
-      </p:sp>
-      <p:sp>
-        <p:nvSpPr>
-          <p:cNvPr id="52" name="テキスト ボックス 51">
-            <a:extLst>
-              <a:ext uri="{FF2B5EF4-FFF2-40B4-BE49-F238E27FC236}">
-                <a16:creationId xmlns:a16="http://schemas.microsoft.com/office/drawing/2014/main" id="{4B7E9364-0D37-079B-9C57-189C0A47767A}"/>
-              </a:ext>
-            </a:extLst>
-          </p:cNvPr>
-          <p:cNvSpPr txBox="1"/>
-          <p:nvPr/>
-        </p:nvSpPr>
-        <p:spPr>
-          <a:xfrm>
-            <a:off x="8892252" y="680770"/>
-            <a:ext cx="602565" cy="369332"/>
-          </a:xfrm>
-          <a:prstGeom prst="rect">
-            <a:avLst/>
-          </a:prstGeom>
-          <a:noFill/>
-        </p:spPr>
-        <p:txBody>
-          <a:bodyPr wrap="square" rtlCol="0">
-            <a:spAutoFit/>
-          </a:bodyPr>
-          <a:lstStyle/>
-          <a:p>
-            <a:r>
-              <a:rPr lang="en-US" altLang="ja-JP" dirty="0"/>
-              <a:t>γ3</a:t>
-            </a:r>
-            <a:endParaRPr lang="en-GB" dirty="0"/>
-          </a:p>
-        </p:txBody>
-      </p:sp>
-      <p:sp>
-        <p:nvSpPr>
-          <p:cNvPr id="53" name="テキスト ボックス 52">
-            <a:extLst>
-              <a:ext uri="{FF2B5EF4-FFF2-40B4-BE49-F238E27FC236}">
-                <a16:creationId xmlns:a16="http://schemas.microsoft.com/office/drawing/2014/main" id="{9B780C6E-8915-57E7-7310-3FC1F52F88AA}"/>
-              </a:ext>
-            </a:extLst>
-          </p:cNvPr>
-          <p:cNvSpPr txBox="1"/>
-          <p:nvPr/>
-        </p:nvSpPr>
-        <p:spPr>
-          <a:xfrm>
-            <a:off x="4403188" y="2139688"/>
-            <a:ext cx="602565" cy="369332"/>
-          </a:xfrm>
-          <a:prstGeom prst="rect">
-            <a:avLst/>
-          </a:prstGeom>
-          <a:noFill/>
-        </p:spPr>
-        <p:txBody>
-          <a:bodyPr wrap="square" rtlCol="0">
-            <a:spAutoFit/>
-          </a:bodyPr>
-          <a:lstStyle/>
-          <a:p>
-            <a:r>
-              <a:rPr lang="en-US" altLang="ja-JP" dirty="0"/>
-              <a:t>τ1</a:t>
-            </a:r>
-            <a:endParaRPr lang="en-GB" dirty="0"/>
-          </a:p>
-        </p:txBody>
-      </p:sp>
-      <p:sp>
-        <p:nvSpPr>
-          <p:cNvPr id="54" name="テキスト ボックス 53">
-            <a:extLst>
-              <a:ext uri="{FF2B5EF4-FFF2-40B4-BE49-F238E27FC236}">
-                <a16:creationId xmlns:a16="http://schemas.microsoft.com/office/drawing/2014/main" id="{E097E5DF-FE42-B757-062C-C2FF69A5DD65}"/>
-              </a:ext>
-            </a:extLst>
-          </p:cNvPr>
-          <p:cNvSpPr txBox="1"/>
-          <p:nvPr/>
-        </p:nvSpPr>
-        <p:spPr>
-          <a:xfrm>
-            <a:off x="6717325" y="1984217"/>
-            <a:ext cx="602565" cy="369332"/>
-          </a:xfrm>
-          <a:prstGeom prst="rect">
-            <a:avLst/>
-          </a:prstGeom>
-          <a:noFill/>
-        </p:spPr>
-        <p:txBody>
-          <a:bodyPr wrap="square" rtlCol="0">
-            <a:spAutoFit/>
-          </a:bodyPr>
-          <a:lstStyle/>
-          <a:p>
-            <a:r>
-              <a:rPr lang="en-US" altLang="ja-JP" dirty="0"/>
-              <a:t>τ2</a:t>
+              <a:t>1</a:t>
             </a:r>
             <a:endParaRPr lang="en-GB" dirty="0"/>
           </a:p>
@@ -4590,7 +4369,7 @@
     </p:spTree>
     <p:extLst>
       <p:ext uri="{BB962C8B-B14F-4D97-AF65-F5344CB8AC3E}">
-        <p14:creationId xmlns:p14="http://schemas.microsoft.com/office/powerpoint/2010/main" val="1977013916"/>
+        <p14:creationId xmlns:p14="http://schemas.microsoft.com/office/powerpoint/2010/main" val="2459115173"/>
       </p:ext>
     </p:extLst>
   </p:cSld>
@@ -4622,7 +4401,7 @@
           <p:cNvPr id="4" name="テキスト ボックス 3">
             <a:extLst>
               <a:ext uri="{FF2B5EF4-FFF2-40B4-BE49-F238E27FC236}">
-                <a16:creationId xmlns:a16="http://schemas.microsoft.com/office/drawing/2014/main" id="{21230F41-A4F3-45F6-16D7-60CBD85BBC69}"/>
+                <a16:creationId xmlns:a16="http://schemas.microsoft.com/office/drawing/2014/main" id="{4F4E67A6-F9BA-55F6-8FAE-F9F36A48090E}"/>
               </a:ext>
             </a:extLst>
           </p:cNvPr>
@@ -4631,8 +4410,8 @@
         </p:nvSpPr>
         <p:spPr>
           <a:xfrm>
-            <a:off x="491783" y="40429"/>
-            <a:ext cx="2761957" cy="400110"/>
+            <a:off x="825590" y="928983"/>
+            <a:ext cx="2925788" cy="400110"/>
           </a:xfrm>
           <a:prstGeom prst="rect">
             <a:avLst/>
@@ -4650,17 +4429,17 @@
                 <a:latin typeface="Times New Roman" panose="02020603050405020304" pitchFamily="18" charset="0"/>
                 <a:cs typeface="Times New Roman" panose="02020603050405020304" pitchFamily="18" charset="0"/>
               </a:rPr>
-              <a:t>Natural history of polio</a:t>
-            </a:r>
-          </a:p>
-        </p:txBody>
-      </p:sp>
-      <p:sp>
-        <p:nvSpPr>
-          <p:cNvPr id="9" name="正方形/長方形 8">
-            <a:extLst>
-              <a:ext uri="{FF2B5EF4-FFF2-40B4-BE49-F238E27FC236}">
-                <a16:creationId xmlns:a16="http://schemas.microsoft.com/office/drawing/2014/main" id="{C78163F6-C15B-D180-D851-456E4EC78B12}"/>
+              <a:t>SEIR model</a:t>
+            </a:r>
+          </a:p>
+        </p:txBody>
+      </p:sp>
+      <p:sp>
+        <p:nvSpPr>
+          <p:cNvPr id="5" name="正方形/長方形 4">
+            <a:extLst>
+              <a:ext uri="{FF2B5EF4-FFF2-40B4-BE49-F238E27FC236}">
+                <a16:creationId xmlns:a16="http://schemas.microsoft.com/office/drawing/2014/main" id="{DAAEDDBD-F0E9-C0A2-693C-8E00F255F2F2}"/>
               </a:ext>
             </a:extLst>
           </p:cNvPr>
@@ -4669,8 +4448,8 @@
         </p:nvSpPr>
         <p:spPr>
           <a:xfrm>
-            <a:off x="508487" y="2107720"/>
-            <a:ext cx="1397391" cy="614289"/>
+            <a:off x="710126" y="1595616"/>
+            <a:ext cx="785740" cy="614289"/>
           </a:xfrm>
           <a:prstGeom prst="rect">
             <a:avLst/>
@@ -4705,17 +4484,17 @@
                 <a:latin typeface="Times New Roman" panose="02020603050405020304" pitchFamily="18" charset="0"/>
                 <a:cs typeface="Times New Roman" panose="02020603050405020304" pitchFamily="18" charset="0"/>
               </a:rPr>
-              <a:t>Susceptible</a:t>
-            </a:r>
-          </a:p>
-        </p:txBody>
-      </p:sp>
-      <p:sp>
-        <p:nvSpPr>
-          <p:cNvPr id="10" name="正方形/長方形 9">
-            <a:extLst>
-              <a:ext uri="{FF2B5EF4-FFF2-40B4-BE49-F238E27FC236}">
-                <a16:creationId xmlns:a16="http://schemas.microsoft.com/office/drawing/2014/main" id="{5C93BC17-5801-56D4-05EF-52C229E346C5}"/>
+              <a:t>S</a:t>
+            </a:r>
+          </a:p>
+        </p:txBody>
+      </p:sp>
+      <p:sp>
+        <p:nvSpPr>
+          <p:cNvPr id="6" name="正方形/長方形 5">
+            <a:extLst>
+              <a:ext uri="{FF2B5EF4-FFF2-40B4-BE49-F238E27FC236}">
+                <a16:creationId xmlns:a16="http://schemas.microsoft.com/office/drawing/2014/main" id="{A9DD66EA-AA08-2FBA-86E5-4ECE1F3CBC36}"/>
               </a:ext>
             </a:extLst>
           </p:cNvPr>
@@ -4724,8 +4503,8 @@
         </p:nvSpPr>
         <p:spPr>
           <a:xfrm>
-            <a:off x="2717701" y="2107719"/>
-            <a:ext cx="1397391" cy="614289"/>
+            <a:off x="2264897" y="1595615"/>
+            <a:ext cx="857836" cy="614289"/>
           </a:xfrm>
           <a:prstGeom prst="rect">
             <a:avLst/>
@@ -4760,17 +4539,17 @@
                 <a:latin typeface="Times New Roman" panose="02020603050405020304" pitchFamily="18" charset="0"/>
                 <a:cs typeface="Times New Roman" panose="02020603050405020304" pitchFamily="18" charset="0"/>
               </a:rPr>
-              <a:t>Infected</a:t>
-            </a:r>
-          </a:p>
-        </p:txBody>
-      </p:sp>
-      <p:sp>
-        <p:nvSpPr>
-          <p:cNvPr id="12" name="正方形/長方形 11">
-            <a:extLst>
-              <a:ext uri="{FF2B5EF4-FFF2-40B4-BE49-F238E27FC236}">
-                <a16:creationId xmlns:a16="http://schemas.microsoft.com/office/drawing/2014/main" id="{071A0224-0E89-E83C-F4B2-9CE21785B42C}"/>
+              <a:t>E</a:t>
+            </a:r>
+          </a:p>
+        </p:txBody>
+      </p:sp>
+      <p:sp>
+        <p:nvSpPr>
+          <p:cNvPr id="7" name="正方形/長方形 6">
+            <a:extLst>
+              <a:ext uri="{FF2B5EF4-FFF2-40B4-BE49-F238E27FC236}">
+                <a16:creationId xmlns:a16="http://schemas.microsoft.com/office/drawing/2014/main" id="{14C35C08-62AD-557C-6CF6-661F744E78C6}"/>
               </a:ext>
             </a:extLst>
           </p:cNvPr>
@@ -4779,8 +4558,8 @@
         </p:nvSpPr>
         <p:spPr>
           <a:xfrm>
-            <a:off x="5261610" y="1493430"/>
-            <a:ext cx="1397391" cy="614289"/>
+            <a:off x="3891764" y="1079800"/>
+            <a:ext cx="857836" cy="614289"/>
           </a:xfrm>
           <a:prstGeom prst="rect">
             <a:avLst/>
@@ -4811,34 +4590,39 @@
           <a:p>
             <a:pPr algn="ctr"/>
             <a:r>
-              <a:rPr lang="en-GB" dirty="0">
+              <a:rPr lang="en-GB" dirty="0" err="1">
                 <a:latin typeface="Times New Roman" panose="02020603050405020304" pitchFamily="18" charset="0"/>
                 <a:cs typeface="Times New Roman" panose="02020603050405020304" pitchFamily="18" charset="0"/>
               </a:rPr>
-              <a:t>Onset of AFP</a:t>
-            </a:r>
+              <a:t>Ia</a:t>
+            </a:r>
+            <a:endParaRPr lang="en-GB" dirty="0">
+              <a:latin typeface="Times New Roman" panose="02020603050405020304" pitchFamily="18" charset="0"/>
+              <a:cs typeface="Times New Roman" panose="02020603050405020304" pitchFamily="18" charset="0"/>
+            </a:endParaRPr>
           </a:p>
         </p:txBody>
       </p:sp>
       <p:cxnSp>
         <p:nvCxnSpPr>
-          <p:cNvPr id="14" name="直線矢印コネクタ 13">
-            <a:extLst>
-              <a:ext uri="{FF2B5EF4-FFF2-40B4-BE49-F238E27FC236}">
-                <a16:creationId xmlns:a16="http://schemas.microsoft.com/office/drawing/2014/main" id="{C6F46BDE-C67D-D7EA-2B31-4F87A26BBE37}"/>
+          <p:cNvPr id="9" name="直線矢印コネクタ 8">
+            <a:extLst>
+              <a:ext uri="{FF2B5EF4-FFF2-40B4-BE49-F238E27FC236}">
+                <a16:creationId xmlns:a16="http://schemas.microsoft.com/office/drawing/2014/main" id="{B30EBF94-F7AC-6D2E-F7D5-E221FE8F8893}"/>
               </a:ext>
             </a:extLst>
           </p:cNvPr>
           <p:cNvCxnSpPr>
-            <a:stCxn id="9" idx="3"/>
-            <a:endCxn id="10" idx="1"/>
+            <a:cxnSpLocks/>
+            <a:stCxn id="5" idx="3"/>
+            <a:endCxn id="6" idx="1"/>
           </p:cNvCxnSpPr>
           <p:nvPr/>
         </p:nvCxnSpPr>
         <p:spPr>
           <a:xfrm flipV="1">
-            <a:off x="1905878" y="2414864"/>
-            <a:ext cx="811823" cy="1"/>
+            <a:off x="1495866" y="1902760"/>
+            <a:ext cx="769031" cy="1"/>
           </a:xfrm>
           <a:prstGeom prst="straightConnector1">
             <a:avLst/>
@@ -4867,24 +4651,24 @@
       </p:cxnSp>
       <p:cxnSp>
         <p:nvCxnSpPr>
-          <p:cNvPr id="15" name="直線矢印コネクタ 14">
-            <a:extLst>
-              <a:ext uri="{FF2B5EF4-FFF2-40B4-BE49-F238E27FC236}">
-                <a16:creationId xmlns:a16="http://schemas.microsoft.com/office/drawing/2014/main" id="{3FC421C2-DA3B-326D-3EDC-D9941322B11D}"/>
+          <p:cNvPr id="13" name="直線矢印コネクタ 12">
+            <a:extLst>
+              <a:ext uri="{FF2B5EF4-FFF2-40B4-BE49-F238E27FC236}">
+                <a16:creationId xmlns:a16="http://schemas.microsoft.com/office/drawing/2014/main" id="{721B60B5-886D-359C-497B-278477619A6F}"/>
               </a:ext>
             </a:extLst>
           </p:cNvPr>
           <p:cNvCxnSpPr>
             <a:cxnSpLocks/>
-            <a:stCxn id="10" idx="3"/>
-            <a:endCxn id="12" idx="1"/>
+            <a:stCxn id="6" idx="3"/>
+            <a:endCxn id="7" idx="1"/>
           </p:cNvCxnSpPr>
           <p:nvPr/>
         </p:nvCxnSpPr>
         <p:spPr>
           <a:xfrm flipV="1">
-            <a:off x="4115092" y="1800575"/>
-            <a:ext cx="1146518" cy="614289"/>
+            <a:off x="3122733" y="1386945"/>
+            <a:ext cx="769031" cy="515815"/>
           </a:xfrm>
           <a:prstGeom prst="straightConnector1">
             <a:avLst/>
@@ -4911,12 +4695,58 @@
           </a:fontRef>
         </p:style>
       </p:cxnSp>
-      <p:sp>
-        <p:nvSpPr>
-          <p:cNvPr id="21" name="正方形/長方形 20">
-            <a:extLst>
-              <a:ext uri="{FF2B5EF4-FFF2-40B4-BE49-F238E27FC236}">
-                <a16:creationId xmlns:a16="http://schemas.microsoft.com/office/drawing/2014/main" id="{2C1B784D-3F47-EC80-379E-CE537C8F1ACB}"/>
+      <p:cxnSp>
+        <p:nvCxnSpPr>
+          <p:cNvPr id="17" name="直線矢印コネクタ 16">
+            <a:extLst>
+              <a:ext uri="{FF2B5EF4-FFF2-40B4-BE49-F238E27FC236}">
+                <a16:creationId xmlns:a16="http://schemas.microsoft.com/office/drawing/2014/main" id="{EB4F7E7A-AF55-2C0F-79B0-2D8A51FDDB09}"/>
+              </a:ext>
+            </a:extLst>
+          </p:cNvPr>
+          <p:cNvCxnSpPr>
+            <a:cxnSpLocks/>
+            <a:stCxn id="7" idx="3"/>
+            <a:endCxn id="46" idx="1"/>
+          </p:cNvCxnSpPr>
+          <p:nvPr/>
+        </p:nvCxnSpPr>
+        <p:spPr>
+          <a:xfrm flipV="1">
+            <a:off x="4749600" y="1386928"/>
+            <a:ext cx="549293" cy="17"/>
+          </a:xfrm>
+          <a:prstGeom prst="straightConnector1">
+            <a:avLst/>
+          </a:prstGeom>
+          <a:ln w="19050">
+            <a:solidFill>
+              <a:schemeClr val="tx1"/>
+            </a:solidFill>
+            <a:tailEnd type="triangle"/>
+          </a:ln>
+        </p:spPr>
+        <p:style>
+          <a:lnRef idx="1">
+            <a:schemeClr val="accent1"/>
+          </a:lnRef>
+          <a:fillRef idx="0">
+            <a:schemeClr val="accent1"/>
+          </a:fillRef>
+          <a:effectRef idx="0">
+            <a:schemeClr val="accent1"/>
+          </a:effectRef>
+          <a:fontRef idx="minor">
+            <a:schemeClr val="tx1"/>
+          </a:fontRef>
+        </p:style>
+      </p:cxnSp>
+      <p:sp>
+        <p:nvSpPr>
+          <p:cNvPr id="35" name="正方形/長方形 34">
+            <a:extLst>
+              <a:ext uri="{FF2B5EF4-FFF2-40B4-BE49-F238E27FC236}">
+                <a16:creationId xmlns:a16="http://schemas.microsoft.com/office/drawing/2014/main" id="{A10583FD-1679-6011-1EFF-64D6BC3B6BAD}"/>
               </a:ext>
             </a:extLst>
           </p:cNvPr>
@@ -4925,8 +4755,8 @@
         </p:nvSpPr>
         <p:spPr>
           <a:xfrm>
-            <a:off x="7378213" y="1493427"/>
-            <a:ext cx="1397391" cy="614289"/>
+            <a:off x="3891764" y="2209904"/>
+            <a:ext cx="857836" cy="614289"/>
           </a:xfrm>
           <a:prstGeom prst="rect">
             <a:avLst/>
@@ -4961,31 +4791,42 @@
                 <a:latin typeface="Times New Roman" panose="02020603050405020304" pitchFamily="18" charset="0"/>
                 <a:cs typeface="Times New Roman" panose="02020603050405020304" pitchFamily="18" charset="0"/>
               </a:rPr>
-              <a:t>Seeking healthcare</a:t>
-            </a:r>
+              <a:t>I</a:t>
+            </a:r>
+            <a:r>
+              <a:rPr lang="en-GB" sz="2000" baseline="-25000" dirty="0">
+                <a:latin typeface="Times New Roman" panose="02020603050405020304" pitchFamily="18" charset="0"/>
+                <a:cs typeface="Times New Roman" panose="02020603050405020304" pitchFamily="18" charset="0"/>
+              </a:rPr>
+              <a:t>AFP</a:t>
+            </a:r>
+            <a:endParaRPr lang="en-GB" baseline="-25000" dirty="0">
+              <a:latin typeface="Times New Roman" panose="02020603050405020304" pitchFamily="18" charset="0"/>
+              <a:cs typeface="Times New Roman" panose="02020603050405020304" pitchFamily="18" charset="0"/>
+            </a:endParaRPr>
           </a:p>
         </p:txBody>
       </p:sp>
       <p:cxnSp>
         <p:nvCxnSpPr>
-          <p:cNvPr id="22" name="直線矢印コネクタ 21">
-            <a:extLst>
-              <a:ext uri="{FF2B5EF4-FFF2-40B4-BE49-F238E27FC236}">
-                <a16:creationId xmlns:a16="http://schemas.microsoft.com/office/drawing/2014/main" id="{55E4BE6A-EE40-D556-C041-2652B1116B5C}"/>
+          <p:cNvPr id="36" name="直線矢印コネクタ 35">
+            <a:extLst>
+              <a:ext uri="{FF2B5EF4-FFF2-40B4-BE49-F238E27FC236}">
+                <a16:creationId xmlns:a16="http://schemas.microsoft.com/office/drawing/2014/main" id="{0C009F64-879D-9700-77DB-70F3BE7669FE}"/>
               </a:ext>
             </a:extLst>
           </p:cNvPr>
           <p:cNvCxnSpPr>
             <a:cxnSpLocks/>
-            <a:stCxn id="12" idx="3"/>
-            <a:endCxn id="21" idx="1"/>
+            <a:stCxn id="6" idx="3"/>
+            <a:endCxn id="35" idx="1"/>
           </p:cNvCxnSpPr>
           <p:nvPr/>
         </p:nvCxnSpPr>
         <p:spPr>
-          <a:xfrm flipV="1">
-            <a:off x="6659001" y="1800572"/>
-            <a:ext cx="719212" cy="3"/>
+          <a:xfrm>
+            <a:off x="3122733" y="1902760"/>
+            <a:ext cx="769031" cy="614289"/>
           </a:xfrm>
           <a:prstGeom prst="straightConnector1">
             <a:avLst/>
@@ -5014,24 +4855,24 @@
       </p:cxnSp>
       <p:cxnSp>
         <p:nvCxnSpPr>
-          <p:cNvPr id="26" name="直線矢印コネクタ 25">
-            <a:extLst>
-              <a:ext uri="{FF2B5EF4-FFF2-40B4-BE49-F238E27FC236}">
-                <a16:creationId xmlns:a16="http://schemas.microsoft.com/office/drawing/2014/main" id="{84867389-54E0-8EAB-5604-B9567DCED117}"/>
+          <p:cNvPr id="41" name="直線矢印コネクタ 40">
+            <a:extLst>
+              <a:ext uri="{FF2B5EF4-FFF2-40B4-BE49-F238E27FC236}">
+                <a16:creationId xmlns:a16="http://schemas.microsoft.com/office/drawing/2014/main" id="{D02CDAF2-38C1-3C91-02D9-0FF51115A22A}"/>
               </a:ext>
             </a:extLst>
           </p:cNvPr>
           <p:cNvCxnSpPr>
             <a:cxnSpLocks/>
-            <a:stCxn id="21" idx="3"/>
-            <a:endCxn id="29" idx="1"/>
+            <a:stCxn id="35" idx="3"/>
+            <a:endCxn id="12" idx="1"/>
           </p:cNvCxnSpPr>
           <p:nvPr/>
         </p:nvCxnSpPr>
         <p:spPr>
-          <a:xfrm>
-            <a:off x="8775604" y="1800572"/>
-            <a:ext cx="907950" cy="1"/>
+          <a:xfrm flipV="1">
+            <a:off x="4749600" y="2517048"/>
+            <a:ext cx="917482" cy="1"/>
           </a:xfrm>
           <a:prstGeom prst="straightConnector1">
             <a:avLst/>
@@ -5060,10 +4901,10 @@
       </p:cxnSp>
       <p:sp>
         <p:nvSpPr>
-          <p:cNvPr id="29" name="正方形/長方形 28">
-            <a:extLst>
-              <a:ext uri="{FF2B5EF4-FFF2-40B4-BE49-F238E27FC236}">
-                <a16:creationId xmlns:a16="http://schemas.microsoft.com/office/drawing/2014/main" id="{BA4D8A8A-ED52-1714-72B0-AB2E1BCF3E86}"/>
+          <p:cNvPr id="12" name="正方形/長方形 11">
+            <a:extLst>
+              <a:ext uri="{FF2B5EF4-FFF2-40B4-BE49-F238E27FC236}">
+                <a16:creationId xmlns:a16="http://schemas.microsoft.com/office/drawing/2014/main" id="{6A1B3995-1E73-B21C-8AA4-8602BF14562D}"/>
               </a:ext>
             </a:extLst>
           </p:cNvPr>
@@ -5072,8 +4913,8 @@
         </p:nvSpPr>
         <p:spPr>
           <a:xfrm>
-            <a:off x="9683554" y="1493428"/>
-            <a:ext cx="1397391" cy="614289"/>
+            <a:off x="5667082" y="2209903"/>
+            <a:ext cx="857836" cy="614289"/>
           </a:xfrm>
           <a:prstGeom prst="rect">
             <a:avLst/>
@@ -5108,17 +4949,177 @@
                 <a:latin typeface="Times New Roman" panose="02020603050405020304" pitchFamily="18" charset="0"/>
                 <a:cs typeface="Times New Roman" panose="02020603050405020304" pitchFamily="18" charset="0"/>
               </a:rPr>
-              <a:t>Notified as polio</a:t>
-            </a:r>
-          </a:p>
-        </p:txBody>
-      </p:sp>
-      <p:sp>
-        <p:nvSpPr>
-          <p:cNvPr id="32" name="正方形/長方形 31">
-            <a:extLst>
-              <a:ext uri="{FF2B5EF4-FFF2-40B4-BE49-F238E27FC236}">
-                <a16:creationId xmlns:a16="http://schemas.microsoft.com/office/drawing/2014/main" id="{E6A7F4BA-2BB6-FB98-34BF-B1E2214A7209}"/>
+              <a:t>H</a:t>
+            </a:r>
+          </a:p>
+        </p:txBody>
+      </p:sp>
+      <p:sp>
+        <p:nvSpPr>
+          <p:cNvPr id="19" name="テキスト ボックス 18">
+            <a:extLst>
+              <a:ext uri="{FF2B5EF4-FFF2-40B4-BE49-F238E27FC236}">
+                <a16:creationId xmlns:a16="http://schemas.microsoft.com/office/drawing/2014/main" id="{0BE1140A-DC93-A89B-F351-DCF375DDF165}"/>
+              </a:ext>
+            </a:extLst>
+          </p:cNvPr>
+          <p:cNvSpPr txBox="1"/>
+          <p:nvPr/>
+        </p:nvSpPr>
+        <p:spPr>
+          <a:xfrm>
+            <a:off x="3205966" y="1238516"/>
+            <a:ext cx="602565" cy="369332"/>
+          </a:xfrm>
+          <a:prstGeom prst="rect">
+            <a:avLst/>
+          </a:prstGeom>
+          <a:noFill/>
+        </p:spPr>
+        <p:txBody>
+          <a:bodyPr wrap="square" rtlCol="0">
+            <a:spAutoFit/>
+          </a:bodyPr>
+          <a:lstStyle/>
+          <a:p>
+            <a:r>
+              <a:rPr lang="el-GR" altLang="ja-JP" dirty="0"/>
+              <a:t>γ</a:t>
+            </a:r>
+            <a:r>
+              <a:rPr lang="en-US" altLang="ja-JP" dirty="0"/>
+              <a:t>1</a:t>
+            </a:r>
+            <a:endParaRPr lang="en-GB" dirty="0"/>
+          </a:p>
+        </p:txBody>
+      </p:sp>
+      <p:sp>
+        <p:nvSpPr>
+          <p:cNvPr id="20" name="テキスト ボックス 19">
+            <a:extLst>
+              <a:ext uri="{FF2B5EF4-FFF2-40B4-BE49-F238E27FC236}">
+                <a16:creationId xmlns:a16="http://schemas.microsoft.com/office/drawing/2014/main" id="{E0350099-D1B7-1ED8-9FD7-41FEB3D718E1}"/>
+              </a:ext>
+            </a:extLst>
+          </p:cNvPr>
+          <p:cNvSpPr txBox="1"/>
+          <p:nvPr/>
+        </p:nvSpPr>
+        <p:spPr>
+          <a:xfrm>
+            <a:off x="3227650" y="2182076"/>
+            <a:ext cx="546884" cy="371209"/>
+          </a:xfrm>
+          <a:prstGeom prst="rect">
+            <a:avLst/>
+          </a:prstGeom>
+          <a:noFill/>
+        </p:spPr>
+        <p:txBody>
+          <a:bodyPr wrap="square" rtlCol="0">
+            <a:spAutoFit/>
+          </a:bodyPr>
+          <a:lstStyle/>
+          <a:p>
+            <a:r>
+              <a:rPr lang="el-GR" altLang="ja-JP" dirty="0"/>
+              <a:t>γ</a:t>
+            </a:r>
+            <a:r>
+              <a:rPr lang="en-US" altLang="ja-JP" dirty="0"/>
+              <a:t>1</a:t>
+            </a:r>
+            <a:endParaRPr lang="en-GB" dirty="0"/>
+          </a:p>
+        </p:txBody>
+      </p:sp>
+      <p:sp>
+        <p:nvSpPr>
+          <p:cNvPr id="21" name="テキスト ボックス 20">
+            <a:extLst>
+              <a:ext uri="{FF2B5EF4-FFF2-40B4-BE49-F238E27FC236}">
+                <a16:creationId xmlns:a16="http://schemas.microsoft.com/office/drawing/2014/main" id="{47C084D1-B02E-D8FC-3C29-B8D8EFE2B96C}"/>
+              </a:ext>
+            </a:extLst>
+          </p:cNvPr>
+          <p:cNvSpPr txBox="1"/>
+          <p:nvPr/>
+        </p:nvSpPr>
+        <p:spPr>
+          <a:xfrm>
+            <a:off x="4905076" y="1015734"/>
+            <a:ext cx="546884" cy="371209"/>
+          </a:xfrm>
+          <a:prstGeom prst="rect">
+            <a:avLst/>
+          </a:prstGeom>
+          <a:noFill/>
+        </p:spPr>
+        <p:txBody>
+          <a:bodyPr wrap="square" rtlCol="0">
+            <a:spAutoFit/>
+          </a:bodyPr>
+          <a:lstStyle/>
+          <a:p>
+            <a:r>
+              <a:rPr lang="el-GR" altLang="ja-JP" dirty="0"/>
+              <a:t>γ</a:t>
+            </a:r>
+            <a:r>
+              <a:rPr lang="en-US" altLang="ja-JP" dirty="0"/>
+              <a:t>2</a:t>
+            </a:r>
+            <a:endParaRPr lang="en-GB" dirty="0"/>
+          </a:p>
+        </p:txBody>
+      </p:sp>
+      <p:sp>
+        <p:nvSpPr>
+          <p:cNvPr id="22" name="テキスト ボックス 21">
+            <a:extLst>
+              <a:ext uri="{FF2B5EF4-FFF2-40B4-BE49-F238E27FC236}">
+                <a16:creationId xmlns:a16="http://schemas.microsoft.com/office/drawing/2014/main" id="{5ADAC251-9665-E6AC-75D0-4065AF0398B2}"/>
+              </a:ext>
+            </a:extLst>
+          </p:cNvPr>
+          <p:cNvSpPr txBox="1"/>
+          <p:nvPr/>
+        </p:nvSpPr>
+        <p:spPr>
+          <a:xfrm>
+            <a:off x="4934899" y="2107049"/>
+            <a:ext cx="517061" cy="371209"/>
+          </a:xfrm>
+          <a:prstGeom prst="rect">
+            <a:avLst/>
+          </a:prstGeom>
+          <a:noFill/>
+        </p:spPr>
+        <p:txBody>
+          <a:bodyPr wrap="square" rtlCol="0">
+            <a:spAutoFit/>
+          </a:bodyPr>
+          <a:lstStyle/>
+          <a:p>
+            <a:r>
+              <a:rPr lang="el-GR" altLang="ja-JP" dirty="0"/>
+              <a:t>γ</a:t>
+            </a:r>
+            <a:r>
+              <a:rPr lang="en-US" altLang="ja-JP" dirty="0"/>
+              <a:t>3</a:t>
+            </a:r>
+            <a:endParaRPr lang="en-GB" dirty="0"/>
+          </a:p>
+        </p:txBody>
+      </p:sp>
+      <p:sp>
+        <p:nvSpPr>
+          <p:cNvPr id="3" name="正方形/長方形 7">
+            <a:extLst>
+              <a:ext uri="{FF2B5EF4-FFF2-40B4-BE49-F238E27FC236}">
+                <a16:creationId xmlns:a16="http://schemas.microsoft.com/office/drawing/2014/main" id="{5F79FB49-6C50-85B6-B91B-3EACA8D7DB5A}"/>
               </a:ext>
             </a:extLst>
           </p:cNvPr>
@@ -5127,8 +5128,8 @@
         </p:nvSpPr>
         <p:spPr>
           <a:xfrm>
-            <a:off x="5205338" y="2722008"/>
-            <a:ext cx="1397391" cy="614289"/>
+            <a:off x="8301566" y="1088767"/>
+            <a:ext cx="857836" cy="574575"/>
           </a:xfrm>
           <a:prstGeom prst="rect">
             <a:avLst/>
@@ -5163,63 +5164,17 @@
                 <a:latin typeface="Times New Roman" panose="02020603050405020304" pitchFamily="18" charset="0"/>
                 <a:cs typeface="Times New Roman" panose="02020603050405020304" pitchFamily="18" charset="0"/>
               </a:rPr>
-              <a:t>Secretion in sewage</a:t>
-            </a:r>
-          </a:p>
-        </p:txBody>
-      </p:sp>
-      <p:cxnSp>
-        <p:nvCxnSpPr>
-          <p:cNvPr id="33" name="直線矢印コネクタ 32">
-            <a:extLst>
-              <a:ext uri="{FF2B5EF4-FFF2-40B4-BE49-F238E27FC236}">
-                <a16:creationId xmlns:a16="http://schemas.microsoft.com/office/drawing/2014/main" id="{98CFBD4D-716D-89F3-54A7-EE3181FB477D}"/>
-              </a:ext>
-            </a:extLst>
-          </p:cNvPr>
-          <p:cNvCxnSpPr>
-            <a:cxnSpLocks/>
-            <a:stCxn id="10" idx="3"/>
-            <a:endCxn id="32" idx="1"/>
-          </p:cNvCxnSpPr>
-          <p:nvPr/>
-        </p:nvCxnSpPr>
-        <p:spPr>
-          <a:xfrm>
-            <a:off x="4115092" y="2414864"/>
-            <a:ext cx="1090246" cy="614289"/>
-          </a:xfrm>
-          <a:prstGeom prst="straightConnector1">
-            <a:avLst/>
-          </a:prstGeom>
-          <a:ln w="19050">
-            <a:solidFill>
-              <a:schemeClr val="tx1"/>
-            </a:solidFill>
-            <a:tailEnd type="triangle"/>
-          </a:ln>
-        </p:spPr>
-        <p:style>
-          <a:lnRef idx="1">
-            <a:schemeClr val="accent1"/>
-          </a:lnRef>
-          <a:fillRef idx="0">
-            <a:schemeClr val="accent1"/>
-          </a:fillRef>
-          <a:effectRef idx="0">
-            <a:schemeClr val="accent1"/>
-          </a:effectRef>
-          <a:fontRef idx="minor">
-            <a:schemeClr val="tx1"/>
-          </a:fontRef>
-        </p:style>
-      </p:cxnSp>
-      <p:sp>
-        <p:nvSpPr>
-          <p:cNvPr id="36" name="正方形/長方形 35">
-            <a:extLst>
-              <a:ext uri="{FF2B5EF4-FFF2-40B4-BE49-F238E27FC236}">
-                <a16:creationId xmlns:a16="http://schemas.microsoft.com/office/drawing/2014/main" id="{8C66B611-8016-BC55-3ADA-3A12A3637C74}"/>
+              <a:t>R</a:t>
+            </a:r>
+          </a:p>
+        </p:txBody>
+      </p:sp>
+      <p:sp>
+        <p:nvSpPr>
+          <p:cNvPr id="10" name="正方形/長方形 6">
+            <a:extLst>
+              <a:ext uri="{FF2B5EF4-FFF2-40B4-BE49-F238E27FC236}">
+                <a16:creationId xmlns:a16="http://schemas.microsoft.com/office/drawing/2014/main" id="{B0EC1827-EB48-8E23-7AC7-17CF541D2DFC}"/>
               </a:ext>
             </a:extLst>
           </p:cNvPr>
@@ -5228,8 +5183,8 @@
         </p:nvSpPr>
         <p:spPr>
           <a:xfrm>
-            <a:off x="7371470" y="2722007"/>
-            <a:ext cx="1397391" cy="614289"/>
+            <a:off x="6420017" y="1068911"/>
+            <a:ext cx="857836" cy="614289"/>
           </a:xfrm>
           <a:prstGeom prst="rect">
             <a:avLst/>
@@ -5260,35 +5215,39 @@
           <a:p>
             <a:pPr algn="ctr"/>
             <a:r>
-              <a:rPr lang="en-GB" dirty="0">
+              <a:rPr lang="en-GB" dirty="0" err="1">
                 <a:latin typeface="Times New Roman" panose="02020603050405020304" pitchFamily="18" charset="0"/>
                 <a:cs typeface="Times New Roman" panose="02020603050405020304" pitchFamily="18" charset="0"/>
               </a:rPr>
-              <a:t>Detected in sewage</a:t>
-            </a:r>
+              <a:t>Ia</a:t>
+            </a:r>
+            <a:endParaRPr lang="en-GB" dirty="0">
+              <a:latin typeface="Times New Roman" panose="02020603050405020304" pitchFamily="18" charset="0"/>
+              <a:cs typeface="Times New Roman" panose="02020603050405020304" pitchFamily="18" charset="0"/>
+            </a:endParaRPr>
           </a:p>
         </p:txBody>
       </p:sp>
       <p:cxnSp>
         <p:nvCxnSpPr>
-          <p:cNvPr id="37" name="直線矢印コネクタ 36">
-            <a:extLst>
-              <a:ext uri="{FF2B5EF4-FFF2-40B4-BE49-F238E27FC236}">
-                <a16:creationId xmlns:a16="http://schemas.microsoft.com/office/drawing/2014/main" id="{A3EBF08E-B76F-3714-6745-BB30F9E45156}"/>
+          <p:cNvPr id="15" name="直線矢印コネクタ 16">
+            <a:extLst>
+              <a:ext uri="{FF2B5EF4-FFF2-40B4-BE49-F238E27FC236}">
+                <a16:creationId xmlns:a16="http://schemas.microsoft.com/office/drawing/2014/main" id="{0CC3BBAD-2929-E946-D72A-60FD7F0D177A}"/>
               </a:ext>
             </a:extLst>
           </p:cNvPr>
           <p:cNvCxnSpPr>
             <a:cxnSpLocks/>
-            <a:stCxn id="32" idx="3"/>
-            <a:endCxn id="36" idx="1"/>
+            <a:stCxn id="10" idx="3"/>
+            <a:endCxn id="3" idx="1"/>
           </p:cNvCxnSpPr>
           <p:nvPr/>
         </p:nvCxnSpPr>
         <p:spPr>
           <a:xfrm flipV="1">
-            <a:off x="6602729" y="3029152"/>
-            <a:ext cx="768741" cy="1"/>
+            <a:off x="7277853" y="1376055"/>
+            <a:ext cx="1023713" cy="1"/>
           </a:xfrm>
           <a:prstGeom prst="straightConnector1">
             <a:avLst/>
@@ -5317,10 +5276,10 @@
       </p:cxnSp>
       <p:sp>
         <p:nvSpPr>
-          <p:cNvPr id="45" name="テキスト ボックス 44">
-            <a:extLst>
-              <a:ext uri="{FF2B5EF4-FFF2-40B4-BE49-F238E27FC236}">
-                <a16:creationId xmlns:a16="http://schemas.microsoft.com/office/drawing/2014/main" id="{98D124C9-85D3-8E4D-20DC-6E866FE168F3}"/>
+          <p:cNvPr id="31" name="テキスト ボックス 20">
+            <a:extLst>
+              <a:ext uri="{FF2B5EF4-FFF2-40B4-BE49-F238E27FC236}">
+                <a16:creationId xmlns:a16="http://schemas.microsoft.com/office/drawing/2014/main" id="{EAB38820-D57D-A785-BA54-DF5ABD2B15E6}"/>
               </a:ext>
             </a:extLst>
           </p:cNvPr>
@@ -5329,8 +5288,8 @@
         </p:nvSpPr>
         <p:spPr>
           <a:xfrm>
-            <a:off x="3847516" y="3299660"/>
-            <a:ext cx="914400" cy="646331"/>
+            <a:off x="7581274" y="943433"/>
+            <a:ext cx="546884" cy="371209"/>
           </a:xfrm>
           <a:prstGeom prst="rect">
             <a:avLst/>
@@ -5343,19 +5302,73 @@
           </a:bodyPr>
           <a:lstStyle/>
           <a:p>
+            <a:r>
+              <a:rPr lang="el-GR" altLang="ja-JP" dirty="0"/>
+              <a:t>γ</a:t>
+            </a:r>
+            <a:r>
+              <a:rPr lang="en-US" altLang="ja-JP" dirty="0"/>
+              <a:t>2</a:t>
+            </a:r>
             <a:endParaRPr lang="en-GB" dirty="0"/>
           </a:p>
-          <a:p>
-            <a:endParaRPr lang="en-GB" dirty="0"/>
-          </a:p>
-        </p:txBody>
-      </p:sp>
-      <p:sp>
-        <p:nvSpPr>
-          <p:cNvPr id="46" name="テキスト ボックス 45">
-            <a:extLst>
-              <a:ext uri="{FF2B5EF4-FFF2-40B4-BE49-F238E27FC236}">
-                <a16:creationId xmlns:a16="http://schemas.microsoft.com/office/drawing/2014/main" id="{499A47F3-D5B5-E755-ED1B-00BBA036A3C2}"/>
+        </p:txBody>
+      </p:sp>
+      <p:sp>
+        <p:nvSpPr>
+          <p:cNvPr id="32" name="Left Brace 31">
+            <a:extLst>
+              <a:ext uri="{FF2B5EF4-FFF2-40B4-BE49-F238E27FC236}">
+                <a16:creationId xmlns:a16="http://schemas.microsoft.com/office/drawing/2014/main" id="{A3D00E51-6E7B-3A7D-2EFF-E8B3341C7DD5}"/>
+              </a:ext>
+            </a:extLst>
+          </p:cNvPr>
+          <p:cNvSpPr/>
+          <p:nvPr/>
+        </p:nvSpPr>
+        <p:spPr>
+          <a:xfrm rot="5400000">
+            <a:off x="5475831" y="-864844"/>
+            <a:ext cx="268636" cy="3181502"/>
+          </a:xfrm>
+          <a:prstGeom prst="leftBrace">
+            <a:avLst/>
+          </a:prstGeom>
+          <a:ln>
+            <a:solidFill>
+              <a:schemeClr val="tx1"/>
+            </a:solidFill>
+          </a:ln>
+        </p:spPr>
+        <p:style>
+          <a:lnRef idx="1">
+            <a:schemeClr val="accent1"/>
+          </a:lnRef>
+          <a:fillRef idx="0">
+            <a:schemeClr val="accent1"/>
+          </a:fillRef>
+          <a:effectRef idx="0">
+            <a:schemeClr val="accent1"/>
+          </a:effectRef>
+          <a:fontRef idx="minor">
+            <a:schemeClr val="tx1"/>
+          </a:fontRef>
+        </p:style>
+        <p:txBody>
+          <a:bodyPr rtlCol="0" anchor="ctr"/>
+          <a:lstStyle/>
+          <a:p>
+            <a:pPr algn="ctr"/>
+            <a:endParaRPr lang="en-GB"/>
+          </a:p>
+        </p:txBody>
+      </p:sp>
+      <p:sp>
+        <p:nvSpPr>
+          <p:cNvPr id="33" name="TextBox 32">
+            <a:extLst>
+              <a:ext uri="{FF2B5EF4-FFF2-40B4-BE49-F238E27FC236}">
+                <a16:creationId xmlns:a16="http://schemas.microsoft.com/office/drawing/2014/main" id="{1F401F88-89E1-E651-F2EA-616B61B055DA}"/>
               </a:ext>
             </a:extLst>
           </p:cNvPr>
@@ -5364,8 +5377,8 @@
         </p:nvSpPr>
         <p:spPr>
           <a:xfrm>
-            <a:off x="2204229" y="2061900"/>
-            <a:ext cx="914400" cy="369332"/>
+            <a:off x="3458300" y="189520"/>
+            <a:ext cx="3987319" cy="369332"/>
           </a:xfrm>
           <a:prstGeom prst="rect">
             <a:avLst/>
@@ -5379,19 +5392,18 @@
           <a:lstStyle/>
           <a:p>
             <a:r>
-              <a:rPr lang="en-US" altLang="ja-JP" dirty="0"/>
-              <a:t>λ</a:t>
-            </a:r>
-            <a:endParaRPr lang="en-GB" dirty="0"/>
-          </a:p>
-        </p:txBody>
-      </p:sp>
-      <p:sp>
-        <p:nvSpPr>
-          <p:cNvPr id="47" name="テキスト ボックス 46">
-            <a:extLst>
-              <a:ext uri="{FF2B5EF4-FFF2-40B4-BE49-F238E27FC236}">
-                <a16:creationId xmlns:a16="http://schemas.microsoft.com/office/drawing/2014/main" id="{58EA09DF-D8A2-0DA8-C5A3-44A43E7EA331}"/>
+              <a:rPr lang="en-GB" dirty="0"/>
+              <a:t>For gamma-distributed shedding</a:t>
+            </a:r>
+          </a:p>
+        </p:txBody>
+      </p:sp>
+      <p:sp>
+        <p:nvSpPr>
+          <p:cNvPr id="46" name="TextBox 45">
+            <a:extLst>
+              <a:ext uri="{FF2B5EF4-FFF2-40B4-BE49-F238E27FC236}">
+                <a16:creationId xmlns:a16="http://schemas.microsoft.com/office/drawing/2014/main" id="{FB75918D-697B-EA6A-602C-8792FA84F416}"/>
               </a:ext>
             </a:extLst>
           </p:cNvPr>
@@ -5400,8 +5412,8 @@
         </p:nvSpPr>
         <p:spPr>
           <a:xfrm>
-            <a:off x="4516316" y="1685405"/>
-            <a:ext cx="602565" cy="369332"/>
+            <a:off x="5298893" y="1202262"/>
+            <a:ext cx="408432" cy="369332"/>
           </a:xfrm>
           <a:prstGeom prst="rect">
             <a:avLst/>
@@ -5415,177 +5427,32 @@
           <a:lstStyle/>
           <a:p>
             <a:r>
-              <a:rPr lang="en-US" altLang="ja-JP" dirty="0"/>
-              <a:t>pγ1</a:t>
-            </a:r>
-            <a:endParaRPr lang="en-GB" dirty="0"/>
-          </a:p>
-        </p:txBody>
-      </p:sp>
-      <p:sp>
-        <p:nvSpPr>
-          <p:cNvPr id="51" name="テキスト ボックス 50">
-            <a:extLst>
-              <a:ext uri="{FF2B5EF4-FFF2-40B4-BE49-F238E27FC236}">
-                <a16:creationId xmlns:a16="http://schemas.microsoft.com/office/drawing/2014/main" id="{41FE5B16-A1D1-2F85-FFB1-DDB0DD4B5810}"/>
-              </a:ext>
-            </a:extLst>
-          </p:cNvPr>
-          <p:cNvSpPr txBox="1"/>
-          <p:nvPr/>
-        </p:nvSpPr>
-        <p:spPr>
-          <a:xfrm>
-            <a:off x="6811693" y="1400148"/>
-            <a:ext cx="602565" cy="369332"/>
-          </a:xfrm>
-          <a:prstGeom prst="rect">
-            <a:avLst/>
-          </a:prstGeom>
-          <a:noFill/>
-        </p:spPr>
-        <p:txBody>
-          <a:bodyPr wrap="square" rtlCol="0">
-            <a:spAutoFit/>
-          </a:bodyPr>
-          <a:lstStyle/>
-          <a:p>
-            <a:r>
-              <a:rPr lang="en-US" altLang="ja-JP" dirty="0"/>
-              <a:t>γ2</a:t>
-            </a:r>
-            <a:endParaRPr lang="en-GB" dirty="0"/>
-          </a:p>
-        </p:txBody>
-      </p:sp>
-      <p:sp>
-        <p:nvSpPr>
-          <p:cNvPr id="52" name="テキスト ボックス 51">
-            <a:extLst>
-              <a:ext uri="{FF2B5EF4-FFF2-40B4-BE49-F238E27FC236}">
-                <a16:creationId xmlns:a16="http://schemas.microsoft.com/office/drawing/2014/main" id="{4B7E9364-0D37-079B-9C57-189C0A47767A}"/>
-              </a:ext>
-            </a:extLst>
-          </p:cNvPr>
-          <p:cNvSpPr txBox="1"/>
-          <p:nvPr/>
-        </p:nvSpPr>
-        <p:spPr>
-          <a:xfrm>
-            <a:off x="8892251" y="1316073"/>
-            <a:ext cx="602565" cy="369332"/>
-          </a:xfrm>
-          <a:prstGeom prst="rect">
-            <a:avLst/>
-          </a:prstGeom>
-          <a:noFill/>
-        </p:spPr>
-        <p:txBody>
-          <a:bodyPr wrap="square" rtlCol="0">
-            <a:spAutoFit/>
-          </a:bodyPr>
-          <a:lstStyle/>
-          <a:p>
-            <a:r>
-              <a:rPr lang="en-US" altLang="ja-JP" dirty="0"/>
-              <a:t>γ3</a:t>
-            </a:r>
-            <a:endParaRPr lang="en-GB" dirty="0"/>
-          </a:p>
-        </p:txBody>
-      </p:sp>
-      <p:sp>
-        <p:nvSpPr>
-          <p:cNvPr id="53" name="テキスト ボックス 52">
-            <a:extLst>
-              <a:ext uri="{FF2B5EF4-FFF2-40B4-BE49-F238E27FC236}">
-                <a16:creationId xmlns:a16="http://schemas.microsoft.com/office/drawing/2014/main" id="{9B780C6E-8915-57E7-7310-3FC1F52F88AA}"/>
-              </a:ext>
-            </a:extLst>
-          </p:cNvPr>
-          <p:cNvSpPr txBox="1"/>
-          <p:nvPr/>
-        </p:nvSpPr>
-        <p:spPr>
-          <a:xfrm>
-            <a:off x="4403187" y="2774991"/>
-            <a:ext cx="602565" cy="369332"/>
-          </a:xfrm>
-          <a:prstGeom prst="rect">
-            <a:avLst/>
-          </a:prstGeom>
-          <a:noFill/>
-        </p:spPr>
-        <p:txBody>
-          <a:bodyPr wrap="square" rtlCol="0">
-            <a:spAutoFit/>
-          </a:bodyPr>
-          <a:lstStyle/>
-          <a:p>
-            <a:r>
-              <a:rPr lang="en-US" altLang="ja-JP" dirty="0"/>
-              <a:t>τ1</a:t>
-            </a:r>
-            <a:endParaRPr lang="en-GB" dirty="0"/>
-          </a:p>
-        </p:txBody>
-      </p:sp>
-      <p:sp>
-        <p:nvSpPr>
-          <p:cNvPr id="54" name="テキスト ボックス 53">
-            <a:extLst>
-              <a:ext uri="{FF2B5EF4-FFF2-40B4-BE49-F238E27FC236}">
-                <a16:creationId xmlns:a16="http://schemas.microsoft.com/office/drawing/2014/main" id="{E097E5DF-FE42-B757-062C-C2FF69A5DD65}"/>
-              </a:ext>
-            </a:extLst>
-          </p:cNvPr>
-          <p:cNvSpPr txBox="1"/>
-          <p:nvPr/>
-        </p:nvSpPr>
-        <p:spPr>
-          <a:xfrm>
-            <a:off x="6717324" y="2619520"/>
-            <a:ext cx="602565" cy="369332"/>
-          </a:xfrm>
-          <a:prstGeom prst="rect">
-            <a:avLst/>
-          </a:prstGeom>
-          <a:noFill/>
-        </p:spPr>
-        <p:txBody>
-          <a:bodyPr wrap="square" rtlCol="0">
-            <a:spAutoFit/>
-          </a:bodyPr>
-          <a:lstStyle/>
-          <a:p>
-            <a:r>
-              <a:rPr lang="en-US" altLang="ja-JP" dirty="0"/>
-              <a:t>τ2</a:t>
-            </a:r>
-            <a:endParaRPr lang="en-GB" dirty="0"/>
+              <a:rPr lang="en-GB" dirty="0"/>
+              <a:t>…</a:t>
+            </a:r>
           </a:p>
         </p:txBody>
       </p:sp>
       <p:cxnSp>
         <p:nvCxnSpPr>
-          <p:cNvPr id="34" name="直線矢印コネクタ 33">
-            <a:extLst>
-              <a:ext uri="{FF2B5EF4-FFF2-40B4-BE49-F238E27FC236}">
-                <a16:creationId xmlns:a16="http://schemas.microsoft.com/office/drawing/2014/main" id="{8A5341B1-A03F-591C-4115-701D13A266A9}"/>
+          <p:cNvPr id="47" name="直線矢印コネクタ 16">
+            <a:extLst>
+              <a:ext uri="{FF2B5EF4-FFF2-40B4-BE49-F238E27FC236}">
+                <a16:creationId xmlns:a16="http://schemas.microsoft.com/office/drawing/2014/main" id="{2B7DFEEF-FDCA-99DC-F9A2-498F969644E6}"/>
               </a:ext>
             </a:extLst>
           </p:cNvPr>
           <p:cNvCxnSpPr>
             <a:cxnSpLocks/>
-            <a:stCxn id="10" idx="3"/>
-            <a:endCxn id="39" idx="1"/>
+            <a:stCxn id="46" idx="3"/>
+            <a:endCxn id="10" idx="1"/>
           </p:cNvCxnSpPr>
           <p:nvPr/>
         </p:nvCxnSpPr>
         <p:spPr>
           <a:xfrm flipV="1">
-            <a:off x="4115092" y="849926"/>
-            <a:ext cx="1146517" cy="1564938"/>
+            <a:off x="5707325" y="1376056"/>
+            <a:ext cx="712692" cy="10872"/>
           </a:xfrm>
           <a:prstGeom prst="straightConnector1">
             <a:avLst/>
@@ -5612,101 +5479,10 @@
           </a:fontRef>
         </p:style>
       </p:cxnSp>
-      <p:sp>
-        <p:nvSpPr>
-          <p:cNvPr id="39" name="正方形/長方形 38">
-            <a:extLst>
-              <a:ext uri="{FF2B5EF4-FFF2-40B4-BE49-F238E27FC236}">
-                <a16:creationId xmlns:a16="http://schemas.microsoft.com/office/drawing/2014/main" id="{BCFAC2D2-29F5-CC45-12BF-FD7ADA0750BC}"/>
-              </a:ext>
-            </a:extLst>
-          </p:cNvPr>
-          <p:cNvSpPr/>
-          <p:nvPr/>
-        </p:nvSpPr>
-        <p:spPr>
-          <a:xfrm>
-            <a:off x="5261609" y="542781"/>
-            <a:ext cx="1550084" cy="614289"/>
-          </a:xfrm>
-          <a:prstGeom prst="rect">
-            <a:avLst/>
-          </a:prstGeom>
-          <a:ln>
-            <a:solidFill>
-              <a:schemeClr val="tx1"/>
-            </a:solidFill>
-          </a:ln>
-        </p:spPr>
-        <p:style>
-          <a:lnRef idx="2">
-            <a:schemeClr val="accent6"/>
-          </a:lnRef>
-          <a:fillRef idx="1">
-            <a:schemeClr val="lt1"/>
-          </a:fillRef>
-          <a:effectRef idx="0">
-            <a:schemeClr val="accent6"/>
-          </a:effectRef>
-          <a:fontRef idx="minor">
-            <a:schemeClr val="dk1"/>
-          </a:fontRef>
-        </p:style>
-        <p:txBody>
-          <a:bodyPr rtlCol="0" anchor="ctr"/>
-          <a:lstStyle/>
-          <a:p>
-            <a:pPr algn="ctr"/>
-            <a:r>
-              <a:rPr lang="en-GB" dirty="0">
-                <a:latin typeface="Times New Roman" panose="02020603050405020304" pitchFamily="18" charset="0"/>
-                <a:cs typeface="Times New Roman" panose="02020603050405020304" pitchFamily="18" charset="0"/>
-              </a:rPr>
-              <a:t>Asymptomatic</a:t>
-            </a:r>
-          </a:p>
-        </p:txBody>
-      </p:sp>
-      <p:sp>
-        <p:nvSpPr>
-          <p:cNvPr id="40" name="テキスト ボックス 39">
-            <a:extLst>
-              <a:ext uri="{FF2B5EF4-FFF2-40B4-BE49-F238E27FC236}">
-                <a16:creationId xmlns:a16="http://schemas.microsoft.com/office/drawing/2014/main" id="{25AE3B70-E08A-D078-2FA0-235CCC7D1B2E}"/>
-              </a:ext>
-            </a:extLst>
-          </p:cNvPr>
-          <p:cNvSpPr txBox="1"/>
-          <p:nvPr/>
-        </p:nvSpPr>
-        <p:spPr>
-          <a:xfrm>
-            <a:off x="4051204" y="1115697"/>
-            <a:ext cx="850799" cy="369332"/>
-          </a:xfrm>
-          <a:prstGeom prst="rect">
-            <a:avLst/>
-          </a:prstGeom>
-          <a:noFill/>
-        </p:spPr>
-        <p:txBody>
-          <a:bodyPr wrap="square" rtlCol="0">
-            <a:spAutoFit/>
-          </a:bodyPr>
-          <a:lstStyle/>
-          <a:p>
-            <a:r>
-              <a:rPr lang="en-US" altLang="ja-JP" dirty="0"/>
-              <a:t>(1-p)γ1</a:t>
-            </a:r>
-            <a:endParaRPr lang="en-GB" dirty="0"/>
-          </a:p>
-        </p:txBody>
-      </p:sp>
     </p:spTree>
     <p:extLst>
       <p:ext uri="{BB962C8B-B14F-4D97-AF65-F5344CB8AC3E}">
-        <p14:creationId xmlns:p14="http://schemas.microsoft.com/office/powerpoint/2010/main" val="55718201"/>
+        <p14:creationId xmlns:p14="http://schemas.microsoft.com/office/powerpoint/2010/main" val="1758449626"/>
       </p:ext>
     </p:extLst>
   </p:cSld>
@@ -5733,1061 +5509,10 @@
           <a:chExt cx="0" cy="0"/>
         </a:xfrm>
       </p:grpSpPr>
-      <p:sp>
-        <p:nvSpPr>
-          <p:cNvPr id="2" name="テキスト ボックス 1">
-            <a:extLst>
-              <a:ext uri="{FF2B5EF4-FFF2-40B4-BE49-F238E27FC236}">
-                <a16:creationId xmlns:a16="http://schemas.microsoft.com/office/drawing/2014/main" id="{ACDF29B9-FBCE-C2FF-C9BD-69407049127E}"/>
-              </a:ext>
-            </a:extLst>
-          </p:cNvPr>
-          <p:cNvSpPr txBox="1"/>
-          <p:nvPr/>
-        </p:nvSpPr>
-        <p:spPr>
-          <a:xfrm>
-            <a:off x="382464" y="131094"/>
-            <a:ext cx="2925788" cy="400110"/>
-          </a:xfrm>
-          <a:prstGeom prst="rect">
-            <a:avLst/>
-          </a:prstGeom>
-          <a:noFill/>
-        </p:spPr>
-        <p:txBody>
-          <a:bodyPr wrap="square" rtlCol="0">
-            <a:spAutoFit/>
-          </a:bodyPr>
-          <a:lstStyle/>
-          <a:p>
-            <a:r>
-              <a:rPr lang="en-GB" sz="2000" dirty="0">
-                <a:latin typeface="Times New Roman" panose="02020603050405020304" pitchFamily="18" charset="0"/>
-                <a:cs typeface="Times New Roman" panose="02020603050405020304" pitchFamily="18" charset="0"/>
-              </a:rPr>
-              <a:t>Vaccinated against polio</a:t>
-            </a:r>
-          </a:p>
-        </p:txBody>
-      </p:sp>
-      <p:sp>
-        <p:nvSpPr>
-          <p:cNvPr id="3" name="正方形/長方形 2">
-            <a:extLst>
-              <a:ext uri="{FF2B5EF4-FFF2-40B4-BE49-F238E27FC236}">
-                <a16:creationId xmlns:a16="http://schemas.microsoft.com/office/drawing/2014/main" id="{A6385CE2-A276-B9D8-E36C-C29C3AFF9F8F}"/>
-              </a:ext>
-            </a:extLst>
-          </p:cNvPr>
-          <p:cNvSpPr/>
-          <p:nvPr/>
-        </p:nvSpPr>
-        <p:spPr>
-          <a:xfrm>
-            <a:off x="316229" y="2847641"/>
-            <a:ext cx="1397391" cy="614289"/>
-          </a:xfrm>
-          <a:prstGeom prst="rect">
-            <a:avLst/>
-          </a:prstGeom>
-          <a:ln>
-            <a:solidFill>
-              <a:schemeClr val="tx1"/>
-            </a:solidFill>
-          </a:ln>
-        </p:spPr>
-        <p:style>
-          <a:lnRef idx="2">
-            <a:schemeClr val="accent6"/>
-          </a:lnRef>
-          <a:fillRef idx="1">
-            <a:schemeClr val="lt1"/>
-          </a:fillRef>
-          <a:effectRef idx="0">
-            <a:schemeClr val="accent6"/>
-          </a:effectRef>
-          <a:fontRef idx="minor">
-            <a:schemeClr val="dk1"/>
-          </a:fontRef>
-        </p:style>
-        <p:txBody>
-          <a:bodyPr rtlCol="0" anchor="ctr"/>
-          <a:lstStyle/>
-          <a:p>
-            <a:pPr algn="ctr"/>
-            <a:r>
-              <a:rPr lang="en-GB" dirty="0">
-                <a:latin typeface="Times New Roman" panose="02020603050405020304" pitchFamily="18" charset="0"/>
-                <a:cs typeface="Times New Roman" panose="02020603050405020304" pitchFamily="18" charset="0"/>
-              </a:rPr>
-              <a:t>Susceptible</a:t>
-            </a:r>
-          </a:p>
-        </p:txBody>
-      </p:sp>
-      <p:sp>
-        <p:nvSpPr>
-          <p:cNvPr id="5" name="正方形/長方形 4">
-            <a:extLst>
-              <a:ext uri="{FF2B5EF4-FFF2-40B4-BE49-F238E27FC236}">
-                <a16:creationId xmlns:a16="http://schemas.microsoft.com/office/drawing/2014/main" id="{1B323B96-E9B4-4A8E-CCA3-E64721346B33}"/>
-              </a:ext>
-            </a:extLst>
-          </p:cNvPr>
-          <p:cNvSpPr/>
-          <p:nvPr/>
-        </p:nvSpPr>
-        <p:spPr>
-          <a:xfrm>
-            <a:off x="2525443" y="2847640"/>
-            <a:ext cx="1397391" cy="614289"/>
-          </a:xfrm>
-          <a:prstGeom prst="rect">
-            <a:avLst/>
-          </a:prstGeom>
-          <a:ln>
-            <a:solidFill>
-              <a:schemeClr val="tx1"/>
-            </a:solidFill>
-          </a:ln>
-        </p:spPr>
-        <p:style>
-          <a:lnRef idx="2">
-            <a:schemeClr val="accent6"/>
-          </a:lnRef>
-          <a:fillRef idx="1">
-            <a:schemeClr val="lt1"/>
-          </a:fillRef>
-          <a:effectRef idx="0">
-            <a:schemeClr val="accent6"/>
-          </a:effectRef>
-          <a:fontRef idx="minor">
-            <a:schemeClr val="dk1"/>
-          </a:fontRef>
-        </p:style>
-        <p:txBody>
-          <a:bodyPr rtlCol="0" anchor="ctr"/>
-          <a:lstStyle/>
-          <a:p>
-            <a:pPr algn="ctr"/>
-            <a:r>
-              <a:rPr lang="en-GB" dirty="0">
-                <a:latin typeface="Times New Roman" panose="02020603050405020304" pitchFamily="18" charset="0"/>
-                <a:cs typeface="Times New Roman" panose="02020603050405020304" pitchFamily="18" charset="0"/>
-              </a:rPr>
-              <a:t>Infected</a:t>
-            </a:r>
-          </a:p>
-        </p:txBody>
-      </p:sp>
-      <p:sp>
-        <p:nvSpPr>
-          <p:cNvPr id="6" name="正方形/長方形 5">
-            <a:extLst>
-              <a:ext uri="{FF2B5EF4-FFF2-40B4-BE49-F238E27FC236}">
-                <a16:creationId xmlns:a16="http://schemas.microsoft.com/office/drawing/2014/main" id="{BF950409-2803-8D54-1504-24F529420628}"/>
-              </a:ext>
-            </a:extLst>
-          </p:cNvPr>
-          <p:cNvSpPr/>
-          <p:nvPr/>
-        </p:nvSpPr>
-        <p:spPr>
-          <a:xfrm>
-            <a:off x="5006046" y="2212027"/>
-            <a:ext cx="1397391" cy="614289"/>
-          </a:xfrm>
-          <a:prstGeom prst="rect">
-            <a:avLst/>
-          </a:prstGeom>
-          <a:ln>
-            <a:solidFill>
-              <a:schemeClr val="tx1"/>
-            </a:solidFill>
-          </a:ln>
-        </p:spPr>
-        <p:style>
-          <a:lnRef idx="2">
-            <a:schemeClr val="accent6"/>
-          </a:lnRef>
-          <a:fillRef idx="1">
-            <a:schemeClr val="lt1"/>
-          </a:fillRef>
-          <a:effectRef idx="0">
-            <a:schemeClr val="accent6"/>
-          </a:effectRef>
-          <a:fontRef idx="minor">
-            <a:schemeClr val="dk1"/>
-          </a:fontRef>
-        </p:style>
-        <p:txBody>
-          <a:bodyPr rtlCol="0" anchor="ctr"/>
-          <a:lstStyle/>
-          <a:p>
-            <a:pPr algn="ctr"/>
-            <a:r>
-              <a:rPr lang="en-GB" dirty="0">
-                <a:latin typeface="Times New Roman" panose="02020603050405020304" pitchFamily="18" charset="0"/>
-                <a:cs typeface="Times New Roman" panose="02020603050405020304" pitchFamily="18" charset="0"/>
-              </a:rPr>
-              <a:t>Onset of AFP</a:t>
-            </a:r>
-          </a:p>
-        </p:txBody>
-      </p:sp>
-      <p:cxnSp>
-        <p:nvCxnSpPr>
-          <p:cNvPr id="7" name="直線矢印コネクタ 6">
-            <a:extLst>
-              <a:ext uri="{FF2B5EF4-FFF2-40B4-BE49-F238E27FC236}">
-                <a16:creationId xmlns:a16="http://schemas.microsoft.com/office/drawing/2014/main" id="{7046F4A2-66FE-A2B8-2EAC-C0F2918F1E53}"/>
-              </a:ext>
-            </a:extLst>
-          </p:cNvPr>
-          <p:cNvCxnSpPr>
-            <a:stCxn id="3" idx="3"/>
-            <a:endCxn id="5" idx="1"/>
-          </p:cNvCxnSpPr>
-          <p:nvPr/>
-        </p:nvCxnSpPr>
-        <p:spPr>
-          <a:xfrm flipV="1">
-            <a:off x="1713620" y="3154785"/>
-            <a:ext cx="811823" cy="1"/>
-          </a:xfrm>
-          <a:prstGeom prst="straightConnector1">
-            <a:avLst/>
-          </a:prstGeom>
-          <a:ln w="19050">
-            <a:solidFill>
-              <a:schemeClr val="tx1"/>
-            </a:solidFill>
-            <a:tailEnd type="triangle"/>
-          </a:ln>
-        </p:spPr>
-        <p:style>
-          <a:lnRef idx="1">
-            <a:schemeClr val="accent1"/>
-          </a:lnRef>
-          <a:fillRef idx="0">
-            <a:schemeClr val="accent1"/>
-          </a:fillRef>
-          <a:effectRef idx="0">
-            <a:schemeClr val="accent1"/>
-          </a:effectRef>
-          <a:fontRef idx="minor">
-            <a:schemeClr val="tx1"/>
-          </a:fontRef>
-        </p:style>
-      </p:cxnSp>
-      <p:cxnSp>
-        <p:nvCxnSpPr>
-          <p:cNvPr id="8" name="直線矢印コネクタ 7">
-            <a:extLst>
-              <a:ext uri="{FF2B5EF4-FFF2-40B4-BE49-F238E27FC236}">
-                <a16:creationId xmlns:a16="http://schemas.microsoft.com/office/drawing/2014/main" id="{BCD39187-5AF3-C9CF-3E00-7CDC11EC403D}"/>
-              </a:ext>
-            </a:extLst>
-          </p:cNvPr>
-          <p:cNvCxnSpPr>
-            <a:cxnSpLocks/>
-            <a:stCxn id="5" idx="3"/>
-            <a:endCxn id="6" idx="1"/>
-          </p:cNvCxnSpPr>
-          <p:nvPr/>
-        </p:nvCxnSpPr>
-        <p:spPr>
-          <a:xfrm flipV="1">
-            <a:off x="3922834" y="2519172"/>
-            <a:ext cx="1083212" cy="635613"/>
-          </a:xfrm>
-          <a:prstGeom prst="straightConnector1">
-            <a:avLst/>
-          </a:prstGeom>
-          <a:ln w="19050">
-            <a:solidFill>
-              <a:schemeClr val="tx1"/>
-            </a:solidFill>
-            <a:tailEnd type="triangle"/>
-          </a:ln>
-        </p:spPr>
-        <p:style>
-          <a:lnRef idx="1">
-            <a:schemeClr val="accent1"/>
-          </a:lnRef>
-          <a:fillRef idx="0">
-            <a:schemeClr val="accent1"/>
-          </a:fillRef>
-          <a:effectRef idx="0">
-            <a:schemeClr val="accent1"/>
-          </a:effectRef>
-          <a:fontRef idx="minor">
-            <a:schemeClr val="tx1"/>
-          </a:fontRef>
-        </p:style>
-      </p:cxnSp>
-      <p:sp>
-        <p:nvSpPr>
-          <p:cNvPr id="11" name="正方形/長方形 10">
-            <a:extLst>
-              <a:ext uri="{FF2B5EF4-FFF2-40B4-BE49-F238E27FC236}">
-                <a16:creationId xmlns:a16="http://schemas.microsoft.com/office/drawing/2014/main" id="{4AD4A421-3BAD-6764-C0A4-2F848E2EA0AB}"/>
-              </a:ext>
-            </a:extLst>
-          </p:cNvPr>
-          <p:cNvSpPr/>
-          <p:nvPr/>
-        </p:nvSpPr>
-        <p:spPr>
-          <a:xfrm>
-            <a:off x="7185955" y="2233348"/>
-            <a:ext cx="1397391" cy="614289"/>
-          </a:xfrm>
-          <a:prstGeom prst="rect">
-            <a:avLst/>
-          </a:prstGeom>
-          <a:ln>
-            <a:solidFill>
-              <a:schemeClr val="tx1"/>
-            </a:solidFill>
-          </a:ln>
-        </p:spPr>
-        <p:style>
-          <a:lnRef idx="2">
-            <a:schemeClr val="accent6"/>
-          </a:lnRef>
-          <a:fillRef idx="1">
-            <a:schemeClr val="lt1"/>
-          </a:fillRef>
-          <a:effectRef idx="0">
-            <a:schemeClr val="accent6"/>
-          </a:effectRef>
-          <a:fontRef idx="minor">
-            <a:schemeClr val="dk1"/>
-          </a:fontRef>
-        </p:style>
-        <p:txBody>
-          <a:bodyPr rtlCol="0" anchor="ctr"/>
-          <a:lstStyle/>
-          <a:p>
-            <a:pPr algn="ctr"/>
-            <a:r>
-              <a:rPr lang="en-GB" dirty="0">
-                <a:latin typeface="Times New Roman" panose="02020603050405020304" pitchFamily="18" charset="0"/>
-                <a:cs typeface="Times New Roman" panose="02020603050405020304" pitchFamily="18" charset="0"/>
-              </a:rPr>
-              <a:t>Seeking healthcare</a:t>
-            </a:r>
-          </a:p>
-        </p:txBody>
-      </p:sp>
-      <p:cxnSp>
-        <p:nvCxnSpPr>
-          <p:cNvPr id="13" name="直線矢印コネクタ 12">
-            <a:extLst>
-              <a:ext uri="{FF2B5EF4-FFF2-40B4-BE49-F238E27FC236}">
-                <a16:creationId xmlns:a16="http://schemas.microsoft.com/office/drawing/2014/main" id="{62DF7E0C-8E8F-C31D-333B-BBB23716249D}"/>
-              </a:ext>
-            </a:extLst>
-          </p:cNvPr>
-          <p:cNvCxnSpPr>
-            <a:cxnSpLocks/>
-            <a:stCxn id="6" idx="3"/>
-            <a:endCxn id="11" idx="1"/>
-          </p:cNvCxnSpPr>
-          <p:nvPr/>
-        </p:nvCxnSpPr>
-        <p:spPr>
-          <a:xfrm>
-            <a:off x="6403437" y="2519172"/>
-            <a:ext cx="782518" cy="21321"/>
-          </a:xfrm>
-          <a:prstGeom prst="straightConnector1">
-            <a:avLst/>
-          </a:prstGeom>
-          <a:ln w="19050">
-            <a:solidFill>
-              <a:schemeClr val="tx1"/>
-            </a:solidFill>
-            <a:tailEnd type="triangle"/>
-          </a:ln>
-        </p:spPr>
-        <p:style>
-          <a:lnRef idx="1">
-            <a:schemeClr val="accent1"/>
-          </a:lnRef>
-          <a:fillRef idx="0">
-            <a:schemeClr val="accent1"/>
-          </a:fillRef>
-          <a:effectRef idx="0">
-            <a:schemeClr val="accent1"/>
-          </a:effectRef>
-          <a:fontRef idx="minor">
-            <a:schemeClr val="tx1"/>
-          </a:fontRef>
-        </p:style>
-      </p:cxnSp>
-      <p:cxnSp>
-        <p:nvCxnSpPr>
-          <p:cNvPr id="16" name="直線矢印コネクタ 15">
-            <a:extLst>
-              <a:ext uri="{FF2B5EF4-FFF2-40B4-BE49-F238E27FC236}">
-                <a16:creationId xmlns:a16="http://schemas.microsoft.com/office/drawing/2014/main" id="{F4F351E6-85A0-5797-5E96-C7F27CA2B47B}"/>
-              </a:ext>
-            </a:extLst>
-          </p:cNvPr>
-          <p:cNvCxnSpPr>
-            <a:cxnSpLocks/>
-            <a:stCxn id="11" idx="3"/>
-            <a:endCxn id="17" idx="1"/>
-          </p:cNvCxnSpPr>
-          <p:nvPr/>
-        </p:nvCxnSpPr>
-        <p:spPr>
-          <a:xfrm>
-            <a:off x="8583346" y="2540493"/>
-            <a:ext cx="907950" cy="1"/>
-          </a:xfrm>
-          <a:prstGeom prst="straightConnector1">
-            <a:avLst/>
-          </a:prstGeom>
-          <a:ln w="19050">
-            <a:solidFill>
-              <a:schemeClr val="tx1"/>
-            </a:solidFill>
-            <a:tailEnd type="triangle"/>
-          </a:ln>
-        </p:spPr>
-        <p:style>
-          <a:lnRef idx="1">
-            <a:schemeClr val="accent1"/>
-          </a:lnRef>
-          <a:fillRef idx="0">
-            <a:schemeClr val="accent1"/>
-          </a:fillRef>
-          <a:effectRef idx="0">
-            <a:schemeClr val="accent1"/>
-          </a:effectRef>
-          <a:fontRef idx="minor">
-            <a:schemeClr val="tx1"/>
-          </a:fontRef>
-        </p:style>
-      </p:cxnSp>
-      <p:sp>
-        <p:nvSpPr>
-          <p:cNvPr id="17" name="正方形/長方形 16">
-            <a:extLst>
-              <a:ext uri="{FF2B5EF4-FFF2-40B4-BE49-F238E27FC236}">
-                <a16:creationId xmlns:a16="http://schemas.microsoft.com/office/drawing/2014/main" id="{2090DA9E-2E17-3415-E883-DDB8CF980824}"/>
-              </a:ext>
-            </a:extLst>
-          </p:cNvPr>
-          <p:cNvSpPr/>
-          <p:nvPr/>
-        </p:nvSpPr>
-        <p:spPr>
-          <a:xfrm>
-            <a:off x="9491296" y="2233349"/>
-            <a:ext cx="1397391" cy="614289"/>
-          </a:xfrm>
-          <a:prstGeom prst="rect">
-            <a:avLst/>
-          </a:prstGeom>
-          <a:ln>
-            <a:solidFill>
-              <a:schemeClr val="tx1"/>
-            </a:solidFill>
-          </a:ln>
-        </p:spPr>
-        <p:style>
-          <a:lnRef idx="2">
-            <a:schemeClr val="accent6"/>
-          </a:lnRef>
-          <a:fillRef idx="1">
-            <a:schemeClr val="lt1"/>
-          </a:fillRef>
-          <a:effectRef idx="0">
-            <a:schemeClr val="accent6"/>
-          </a:effectRef>
-          <a:fontRef idx="minor">
-            <a:schemeClr val="dk1"/>
-          </a:fontRef>
-        </p:style>
-        <p:txBody>
-          <a:bodyPr rtlCol="0" anchor="ctr"/>
-          <a:lstStyle/>
-          <a:p>
-            <a:pPr algn="ctr"/>
-            <a:r>
-              <a:rPr lang="en-GB" dirty="0">
-                <a:latin typeface="Times New Roman" panose="02020603050405020304" pitchFamily="18" charset="0"/>
-                <a:cs typeface="Times New Roman" panose="02020603050405020304" pitchFamily="18" charset="0"/>
-              </a:rPr>
-              <a:t>Notified as polio</a:t>
-            </a:r>
-          </a:p>
-        </p:txBody>
-      </p:sp>
-      <p:sp>
-        <p:nvSpPr>
-          <p:cNvPr id="18" name="正方形/長方形 17">
-            <a:extLst>
-              <a:ext uri="{FF2B5EF4-FFF2-40B4-BE49-F238E27FC236}">
-                <a16:creationId xmlns:a16="http://schemas.microsoft.com/office/drawing/2014/main" id="{FA2D3C30-A379-A1F6-BB2E-CA37F185E94E}"/>
-              </a:ext>
-            </a:extLst>
-          </p:cNvPr>
-          <p:cNvSpPr/>
-          <p:nvPr/>
-        </p:nvSpPr>
-        <p:spPr>
-          <a:xfrm>
-            <a:off x="5013080" y="3461929"/>
-            <a:ext cx="1397391" cy="614289"/>
-          </a:xfrm>
-          <a:prstGeom prst="rect">
-            <a:avLst/>
-          </a:prstGeom>
-          <a:ln>
-            <a:solidFill>
-              <a:schemeClr val="tx1"/>
-            </a:solidFill>
-          </a:ln>
-        </p:spPr>
-        <p:style>
-          <a:lnRef idx="2">
-            <a:schemeClr val="accent6"/>
-          </a:lnRef>
-          <a:fillRef idx="1">
-            <a:schemeClr val="lt1"/>
-          </a:fillRef>
-          <a:effectRef idx="0">
-            <a:schemeClr val="accent6"/>
-          </a:effectRef>
-          <a:fontRef idx="minor">
-            <a:schemeClr val="dk1"/>
-          </a:fontRef>
-        </p:style>
-        <p:txBody>
-          <a:bodyPr rtlCol="0" anchor="ctr"/>
-          <a:lstStyle/>
-          <a:p>
-            <a:pPr algn="ctr"/>
-            <a:r>
-              <a:rPr lang="en-GB" dirty="0">
-                <a:latin typeface="Times New Roman" panose="02020603050405020304" pitchFamily="18" charset="0"/>
-                <a:cs typeface="Times New Roman" panose="02020603050405020304" pitchFamily="18" charset="0"/>
-              </a:rPr>
-              <a:t>Secretion in sewage</a:t>
-            </a:r>
-          </a:p>
-        </p:txBody>
-      </p:sp>
-      <p:cxnSp>
-        <p:nvCxnSpPr>
-          <p:cNvPr id="19" name="直線矢印コネクタ 18">
-            <a:extLst>
-              <a:ext uri="{FF2B5EF4-FFF2-40B4-BE49-F238E27FC236}">
-                <a16:creationId xmlns:a16="http://schemas.microsoft.com/office/drawing/2014/main" id="{2632A4F3-CFC0-861C-F83F-FEC8D49CC315}"/>
-              </a:ext>
-            </a:extLst>
-          </p:cNvPr>
-          <p:cNvCxnSpPr>
-            <a:cxnSpLocks/>
-            <a:stCxn id="5" idx="3"/>
-            <a:endCxn id="18" idx="1"/>
-          </p:cNvCxnSpPr>
-          <p:nvPr/>
-        </p:nvCxnSpPr>
-        <p:spPr>
-          <a:xfrm>
-            <a:off x="3922834" y="3154785"/>
-            <a:ext cx="1090246" cy="614289"/>
-          </a:xfrm>
-          <a:prstGeom prst="straightConnector1">
-            <a:avLst/>
-          </a:prstGeom>
-          <a:ln w="19050">
-            <a:solidFill>
-              <a:schemeClr val="tx1"/>
-            </a:solidFill>
-            <a:tailEnd type="triangle"/>
-          </a:ln>
-        </p:spPr>
-        <p:style>
-          <a:lnRef idx="1">
-            <a:schemeClr val="accent1"/>
-          </a:lnRef>
-          <a:fillRef idx="0">
-            <a:schemeClr val="accent1"/>
-          </a:fillRef>
-          <a:effectRef idx="0">
-            <a:schemeClr val="accent1"/>
-          </a:effectRef>
-          <a:fontRef idx="minor">
-            <a:schemeClr val="tx1"/>
-          </a:fontRef>
-        </p:style>
-      </p:cxnSp>
-      <p:sp>
-        <p:nvSpPr>
-          <p:cNvPr id="20" name="正方形/長方形 19">
-            <a:extLst>
-              <a:ext uri="{FF2B5EF4-FFF2-40B4-BE49-F238E27FC236}">
-                <a16:creationId xmlns:a16="http://schemas.microsoft.com/office/drawing/2014/main" id="{36EED60D-087F-9A92-A86A-3C886294B6C2}"/>
-              </a:ext>
-            </a:extLst>
-          </p:cNvPr>
-          <p:cNvSpPr/>
-          <p:nvPr/>
-        </p:nvSpPr>
-        <p:spPr>
-          <a:xfrm>
-            <a:off x="7179212" y="3461928"/>
-            <a:ext cx="1397391" cy="614289"/>
-          </a:xfrm>
-          <a:prstGeom prst="rect">
-            <a:avLst/>
-          </a:prstGeom>
-          <a:ln>
-            <a:solidFill>
-              <a:schemeClr val="tx1"/>
-            </a:solidFill>
-          </a:ln>
-        </p:spPr>
-        <p:style>
-          <a:lnRef idx="2">
-            <a:schemeClr val="accent6"/>
-          </a:lnRef>
-          <a:fillRef idx="1">
-            <a:schemeClr val="lt1"/>
-          </a:fillRef>
-          <a:effectRef idx="0">
-            <a:schemeClr val="accent6"/>
-          </a:effectRef>
-          <a:fontRef idx="minor">
-            <a:schemeClr val="dk1"/>
-          </a:fontRef>
-        </p:style>
-        <p:txBody>
-          <a:bodyPr rtlCol="0" anchor="ctr"/>
-          <a:lstStyle/>
-          <a:p>
-            <a:pPr algn="ctr"/>
-            <a:r>
-              <a:rPr lang="en-GB" dirty="0">
-                <a:latin typeface="Times New Roman" panose="02020603050405020304" pitchFamily="18" charset="0"/>
-                <a:cs typeface="Times New Roman" panose="02020603050405020304" pitchFamily="18" charset="0"/>
-              </a:rPr>
-              <a:t>Detected in sewage</a:t>
-            </a:r>
-          </a:p>
-        </p:txBody>
-      </p:sp>
-      <p:cxnSp>
-        <p:nvCxnSpPr>
-          <p:cNvPr id="23" name="直線矢印コネクタ 22">
-            <a:extLst>
-              <a:ext uri="{FF2B5EF4-FFF2-40B4-BE49-F238E27FC236}">
-                <a16:creationId xmlns:a16="http://schemas.microsoft.com/office/drawing/2014/main" id="{CF74AE59-AC8B-B03C-8FBD-D99A868197F2}"/>
-              </a:ext>
-            </a:extLst>
-          </p:cNvPr>
-          <p:cNvCxnSpPr>
-            <a:cxnSpLocks/>
-            <a:stCxn id="18" idx="3"/>
-            <a:endCxn id="20" idx="1"/>
-          </p:cNvCxnSpPr>
-          <p:nvPr/>
-        </p:nvCxnSpPr>
-        <p:spPr>
-          <a:xfrm flipV="1">
-            <a:off x="6410471" y="3769073"/>
-            <a:ext cx="768741" cy="1"/>
-          </a:xfrm>
-          <a:prstGeom prst="straightConnector1">
-            <a:avLst/>
-          </a:prstGeom>
-          <a:ln w="19050">
-            <a:solidFill>
-              <a:schemeClr val="tx1"/>
-            </a:solidFill>
-            <a:tailEnd type="triangle"/>
-          </a:ln>
-        </p:spPr>
-        <p:style>
-          <a:lnRef idx="1">
-            <a:schemeClr val="accent1"/>
-          </a:lnRef>
-          <a:fillRef idx="0">
-            <a:schemeClr val="accent1"/>
-          </a:fillRef>
-          <a:effectRef idx="0">
-            <a:schemeClr val="accent1"/>
-          </a:effectRef>
-          <a:fontRef idx="minor">
-            <a:schemeClr val="tx1"/>
-          </a:fontRef>
-        </p:style>
-      </p:cxnSp>
-      <p:sp>
-        <p:nvSpPr>
-          <p:cNvPr id="24" name="テキスト ボックス 23">
-            <a:extLst>
-              <a:ext uri="{FF2B5EF4-FFF2-40B4-BE49-F238E27FC236}">
-                <a16:creationId xmlns:a16="http://schemas.microsoft.com/office/drawing/2014/main" id="{FD2F83FD-00BD-DAC6-2392-C7CA3642A009}"/>
-              </a:ext>
-            </a:extLst>
-          </p:cNvPr>
-          <p:cNvSpPr txBox="1"/>
-          <p:nvPr/>
-        </p:nvSpPr>
-        <p:spPr>
-          <a:xfrm>
-            <a:off x="1903827" y="2794658"/>
-            <a:ext cx="914400" cy="369332"/>
-          </a:xfrm>
-          <a:prstGeom prst="rect">
-            <a:avLst/>
-          </a:prstGeom>
-          <a:noFill/>
-        </p:spPr>
-        <p:txBody>
-          <a:bodyPr wrap="square" rtlCol="0">
-            <a:spAutoFit/>
-          </a:bodyPr>
-          <a:lstStyle/>
-          <a:p>
-            <a:r>
-              <a:rPr lang="en-US" altLang="ja-JP" dirty="0" err="1"/>
-              <a:t>λv</a:t>
-            </a:r>
-            <a:endParaRPr lang="en-GB" dirty="0"/>
-          </a:p>
-        </p:txBody>
-      </p:sp>
-      <p:sp>
-        <p:nvSpPr>
-          <p:cNvPr id="25" name="テキスト ボックス 24">
-            <a:extLst>
-              <a:ext uri="{FF2B5EF4-FFF2-40B4-BE49-F238E27FC236}">
-                <a16:creationId xmlns:a16="http://schemas.microsoft.com/office/drawing/2014/main" id="{6B89CB76-01CB-03A4-3FD3-271EF2B0B7D4}"/>
-              </a:ext>
-            </a:extLst>
-          </p:cNvPr>
-          <p:cNvSpPr txBox="1"/>
-          <p:nvPr/>
-        </p:nvSpPr>
-        <p:spPr>
-          <a:xfrm>
-            <a:off x="4190118" y="2816545"/>
-            <a:ext cx="1199859" cy="369332"/>
-          </a:xfrm>
-          <a:prstGeom prst="rect">
-            <a:avLst/>
-          </a:prstGeom>
-          <a:noFill/>
-        </p:spPr>
-        <p:txBody>
-          <a:bodyPr wrap="square" rtlCol="0">
-            <a:spAutoFit/>
-          </a:bodyPr>
-          <a:lstStyle/>
-          <a:p>
-            <a:r>
-              <a:rPr lang="en-US" altLang="ja-JP" dirty="0"/>
-              <a:t>pvγ1v</a:t>
-            </a:r>
-            <a:endParaRPr lang="en-GB" dirty="0"/>
-          </a:p>
-        </p:txBody>
-      </p:sp>
-      <p:sp>
-        <p:nvSpPr>
-          <p:cNvPr id="27" name="テキスト ボックス 26">
-            <a:extLst>
-              <a:ext uri="{FF2B5EF4-FFF2-40B4-BE49-F238E27FC236}">
-                <a16:creationId xmlns:a16="http://schemas.microsoft.com/office/drawing/2014/main" id="{5D26AF91-3544-C174-FAF2-AF19CFC64484}"/>
-              </a:ext>
-            </a:extLst>
-          </p:cNvPr>
-          <p:cNvSpPr txBox="1"/>
-          <p:nvPr/>
-        </p:nvSpPr>
-        <p:spPr>
-          <a:xfrm>
-            <a:off x="6619435" y="2140069"/>
-            <a:ext cx="602565" cy="369332"/>
-          </a:xfrm>
-          <a:prstGeom prst="rect">
-            <a:avLst/>
-          </a:prstGeom>
-          <a:noFill/>
-        </p:spPr>
-        <p:txBody>
-          <a:bodyPr wrap="square" rtlCol="0">
-            <a:spAutoFit/>
-          </a:bodyPr>
-          <a:lstStyle/>
-          <a:p>
-            <a:r>
-              <a:rPr lang="en-US" altLang="ja-JP" dirty="0"/>
-              <a:t>γ2</a:t>
-            </a:r>
-            <a:endParaRPr lang="en-GB" dirty="0"/>
-          </a:p>
-        </p:txBody>
-      </p:sp>
-      <p:sp>
-        <p:nvSpPr>
-          <p:cNvPr id="28" name="テキスト ボックス 27">
-            <a:extLst>
-              <a:ext uri="{FF2B5EF4-FFF2-40B4-BE49-F238E27FC236}">
-                <a16:creationId xmlns:a16="http://schemas.microsoft.com/office/drawing/2014/main" id="{C2F5DABA-6D22-A230-3E43-2FB25DAAFD0C}"/>
-              </a:ext>
-            </a:extLst>
-          </p:cNvPr>
-          <p:cNvSpPr txBox="1"/>
-          <p:nvPr/>
-        </p:nvSpPr>
-        <p:spPr>
-          <a:xfrm>
-            <a:off x="8699993" y="2055994"/>
-            <a:ext cx="602565" cy="369332"/>
-          </a:xfrm>
-          <a:prstGeom prst="rect">
-            <a:avLst/>
-          </a:prstGeom>
-          <a:noFill/>
-        </p:spPr>
-        <p:txBody>
-          <a:bodyPr wrap="square" rtlCol="0">
-            <a:spAutoFit/>
-          </a:bodyPr>
-          <a:lstStyle/>
-          <a:p>
-            <a:r>
-              <a:rPr lang="en-US" altLang="ja-JP" dirty="0"/>
-              <a:t>γ3</a:t>
-            </a:r>
-            <a:endParaRPr lang="en-GB" dirty="0"/>
-          </a:p>
-        </p:txBody>
-      </p:sp>
-      <p:sp>
-        <p:nvSpPr>
-          <p:cNvPr id="30" name="テキスト ボックス 29">
-            <a:extLst>
-              <a:ext uri="{FF2B5EF4-FFF2-40B4-BE49-F238E27FC236}">
-                <a16:creationId xmlns:a16="http://schemas.microsoft.com/office/drawing/2014/main" id="{2DD6EB87-6565-8CE7-F962-24D44B2C4C67}"/>
-              </a:ext>
-            </a:extLst>
-          </p:cNvPr>
-          <p:cNvSpPr txBox="1"/>
-          <p:nvPr/>
-        </p:nvSpPr>
-        <p:spPr>
-          <a:xfrm>
-            <a:off x="4210929" y="3514912"/>
-            <a:ext cx="602565" cy="369332"/>
-          </a:xfrm>
-          <a:prstGeom prst="rect">
-            <a:avLst/>
-          </a:prstGeom>
-          <a:noFill/>
-        </p:spPr>
-        <p:txBody>
-          <a:bodyPr wrap="square" rtlCol="0">
-            <a:spAutoFit/>
-          </a:bodyPr>
-          <a:lstStyle/>
-          <a:p>
-            <a:r>
-              <a:rPr lang="en-US" altLang="ja-JP" dirty="0"/>
-              <a:t>τ1v</a:t>
-            </a:r>
-            <a:endParaRPr lang="en-GB" dirty="0"/>
-          </a:p>
-        </p:txBody>
-      </p:sp>
-      <p:sp>
-        <p:nvSpPr>
-          <p:cNvPr id="31" name="テキスト ボックス 30">
-            <a:extLst>
-              <a:ext uri="{FF2B5EF4-FFF2-40B4-BE49-F238E27FC236}">
-                <a16:creationId xmlns:a16="http://schemas.microsoft.com/office/drawing/2014/main" id="{9FC83A52-6338-11EE-52EF-8BA69FFAF0D0}"/>
-              </a:ext>
-            </a:extLst>
-          </p:cNvPr>
-          <p:cNvSpPr txBox="1"/>
-          <p:nvPr/>
-        </p:nvSpPr>
-        <p:spPr>
-          <a:xfrm>
-            <a:off x="6525066" y="3359441"/>
-            <a:ext cx="602565" cy="369332"/>
-          </a:xfrm>
-          <a:prstGeom prst="rect">
-            <a:avLst/>
-          </a:prstGeom>
-          <a:noFill/>
-        </p:spPr>
-        <p:txBody>
-          <a:bodyPr wrap="square" rtlCol="0">
-            <a:spAutoFit/>
-          </a:bodyPr>
-          <a:lstStyle/>
-          <a:p>
-            <a:r>
-              <a:rPr lang="en-US" altLang="ja-JP" dirty="0"/>
-              <a:t>τ2v</a:t>
-            </a:r>
-            <a:endParaRPr lang="en-GB" dirty="0"/>
-          </a:p>
-        </p:txBody>
-      </p:sp>
-      <p:cxnSp>
-        <p:nvCxnSpPr>
-          <p:cNvPr id="42" name="直線矢印コネクタ 41">
-            <a:extLst>
-              <a:ext uri="{FF2B5EF4-FFF2-40B4-BE49-F238E27FC236}">
-                <a16:creationId xmlns:a16="http://schemas.microsoft.com/office/drawing/2014/main" id="{138B28BC-8E41-F09A-C11B-95D67F2CFB7B}"/>
-              </a:ext>
-            </a:extLst>
-          </p:cNvPr>
-          <p:cNvCxnSpPr>
-            <a:cxnSpLocks/>
-            <a:stCxn id="5" idx="3"/>
-            <a:endCxn id="43" idx="1"/>
-          </p:cNvCxnSpPr>
-          <p:nvPr/>
-        </p:nvCxnSpPr>
-        <p:spPr>
-          <a:xfrm flipV="1">
-            <a:off x="3922834" y="1158346"/>
-            <a:ext cx="1090246" cy="1996439"/>
-          </a:xfrm>
-          <a:prstGeom prst="straightConnector1">
-            <a:avLst/>
-          </a:prstGeom>
-          <a:ln w="19050">
-            <a:solidFill>
-              <a:schemeClr val="tx1"/>
-            </a:solidFill>
-            <a:tailEnd type="triangle"/>
-          </a:ln>
-        </p:spPr>
-        <p:style>
-          <a:lnRef idx="1">
-            <a:schemeClr val="accent1"/>
-          </a:lnRef>
-          <a:fillRef idx="0">
-            <a:schemeClr val="accent1"/>
-          </a:fillRef>
-          <a:effectRef idx="0">
-            <a:schemeClr val="accent1"/>
-          </a:effectRef>
-          <a:fontRef idx="minor">
-            <a:schemeClr val="tx1"/>
-          </a:fontRef>
-        </p:style>
-      </p:cxnSp>
-      <p:sp>
-        <p:nvSpPr>
-          <p:cNvPr id="43" name="正方形/長方形 42">
-            <a:extLst>
-              <a:ext uri="{FF2B5EF4-FFF2-40B4-BE49-F238E27FC236}">
-                <a16:creationId xmlns:a16="http://schemas.microsoft.com/office/drawing/2014/main" id="{64B718A0-2B17-96E0-F091-FB07568EBB17}"/>
-              </a:ext>
-            </a:extLst>
-          </p:cNvPr>
-          <p:cNvSpPr/>
-          <p:nvPr/>
-        </p:nvSpPr>
-        <p:spPr>
-          <a:xfrm>
-            <a:off x="5013080" y="851201"/>
-            <a:ext cx="1550084" cy="614289"/>
-          </a:xfrm>
-          <a:prstGeom prst="rect">
-            <a:avLst/>
-          </a:prstGeom>
-          <a:ln>
-            <a:solidFill>
-              <a:schemeClr val="tx1"/>
-            </a:solidFill>
-          </a:ln>
-        </p:spPr>
-        <p:style>
-          <a:lnRef idx="2">
-            <a:schemeClr val="accent6"/>
-          </a:lnRef>
-          <a:fillRef idx="1">
-            <a:schemeClr val="lt1"/>
-          </a:fillRef>
-          <a:effectRef idx="0">
-            <a:schemeClr val="accent6"/>
-          </a:effectRef>
-          <a:fontRef idx="minor">
-            <a:schemeClr val="dk1"/>
-          </a:fontRef>
-        </p:style>
-        <p:txBody>
-          <a:bodyPr rtlCol="0" anchor="ctr"/>
-          <a:lstStyle/>
-          <a:p>
-            <a:pPr algn="ctr"/>
-            <a:r>
-              <a:rPr lang="en-GB" dirty="0">
-                <a:latin typeface="Times New Roman" panose="02020603050405020304" pitchFamily="18" charset="0"/>
-                <a:cs typeface="Times New Roman" panose="02020603050405020304" pitchFamily="18" charset="0"/>
-              </a:rPr>
-              <a:t>Asymptomatic</a:t>
-            </a:r>
-          </a:p>
-        </p:txBody>
-      </p:sp>
-      <p:sp>
-        <p:nvSpPr>
-          <p:cNvPr id="44" name="テキスト ボックス 43">
-            <a:extLst>
-              <a:ext uri="{FF2B5EF4-FFF2-40B4-BE49-F238E27FC236}">
-                <a16:creationId xmlns:a16="http://schemas.microsoft.com/office/drawing/2014/main" id="{46CD95CE-ED38-351B-67D6-528BB0CFA5E5}"/>
-              </a:ext>
-            </a:extLst>
-          </p:cNvPr>
-          <p:cNvSpPr txBox="1"/>
-          <p:nvPr/>
-        </p:nvSpPr>
-        <p:spPr>
-          <a:xfrm>
-            <a:off x="3691301" y="1096158"/>
-            <a:ext cx="1199859" cy="369332"/>
-          </a:xfrm>
-          <a:prstGeom prst="rect">
-            <a:avLst/>
-          </a:prstGeom>
-          <a:noFill/>
-        </p:spPr>
-        <p:txBody>
-          <a:bodyPr wrap="square" rtlCol="0">
-            <a:spAutoFit/>
-          </a:bodyPr>
-          <a:lstStyle/>
-          <a:p>
-            <a:r>
-              <a:rPr lang="en-US" altLang="ja-JP" dirty="0"/>
-              <a:t>(1-pv)γ1v</a:t>
-            </a:r>
-            <a:endParaRPr lang="en-GB" dirty="0"/>
-          </a:p>
-        </p:txBody>
-      </p:sp>
     </p:spTree>
     <p:extLst>
       <p:ext uri="{BB962C8B-B14F-4D97-AF65-F5344CB8AC3E}">
-        <p14:creationId xmlns:p14="http://schemas.microsoft.com/office/powerpoint/2010/main" val="3078950530"/>
+        <p14:creationId xmlns:p14="http://schemas.microsoft.com/office/powerpoint/2010/main" val="2784511762"/>
       </p:ext>
     </p:extLst>
   </p:cSld>
@@ -6819,7 +5544,7 @@
           <p:cNvPr id="4" name="テキスト ボックス 3">
             <a:extLst>
               <a:ext uri="{FF2B5EF4-FFF2-40B4-BE49-F238E27FC236}">
-                <a16:creationId xmlns:a16="http://schemas.microsoft.com/office/drawing/2014/main" id="{4F4E67A6-F9BA-55F6-8FAE-F9F36A48090E}"/>
+                <a16:creationId xmlns:a16="http://schemas.microsoft.com/office/drawing/2014/main" id="{21230F41-A4F3-45F6-16D7-60CBD85BBC69}"/>
               </a:ext>
             </a:extLst>
           </p:cNvPr>
@@ -6828,8 +5553,8 @@
         </p:nvSpPr>
         <p:spPr>
           <a:xfrm>
-            <a:off x="825590" y="928983"/>
-            <a:ext cx="2925788" cy="400110"/>
+            <a:off x="654440" y="765161"/>
+            <a:ext cx="2761957" cy="400110"/>
           </a:xfrm>
           <a:prstGeom prst="rect">
             <a:avLst/>
@@ -6847,17 +5572,17 @@
                 <a:latin typeface="Times New Roman" panose="02020603050405020304" pitchFamily="18" charset="0"/>
                 <a:cs typeface="Times New Roman" panose="02020603050405020304" pitchFamily="18" charset="0"/>
               </a:rPr>
-              <a:t>SEIR model</a:t>
-            </a:r>
-          </a:p>
-        </p:txBody>
-      </p:sp>
-      <p:sp>
-        <p:nvSpPr>
-          <p:cNvPr id="5" name="正方形/長方形 4">
-            <a:extLst>
-              <a:ext uri="{FF2B5EF4-FFF2-40B4-BE49-F238E27FC236}">
-                <a16:creationId xmlns:a16="http://schemas.microsoft.com/office/drawing/2014/main" id="{DAAEDDBD-F0E9-C0A2-693C-8E00F255F2F2}"/>
+              <a:t>Natural history of polio</a:t>
+            </a:r>
+          </a:p>
+        </p:txBody>
+      </p:sp>
+      <p:sp>
+        <p:nvSpPr>
+          <p:cNvPr id="9" name="正方形/長方形 8">
+            <a:extLst>
+              <a:ext uri="{FF2B5EF4-FFF2-40B4-BE49-F238E27FC236}">
+                <a16:creationId xmlns:a16="http://schemas.microsoft.com/office/drawing/2014/main" id="{C78163F6-C15B-D180-D851-456E4EC78B12}"/>
               </a:ext>
             </a:extLst>
           </p:cNvPr>
@@ -6866,8 +5591,8 @@
         </p:nvSpPr>
         <p:spPr>
           <a:xfrm>
-            <a:off x="710126" y="1595616"/>
-            <a:ext cx="785740" cy="614289"/>
+            <a:off x="508488" y="1472417"/>
+            <a:ext cx="1397391" cy="614289"/>
           </a:xfrm>
           <a:prstGeom prst="rect">
             <a:avLst/>
@@ -6902,17 +5627,17 @@
                 <a:latin typeface="Times New Roman" panose="02020603050405020304" pitchFamily="18" charset="0"/>
                 <a:cs typeface="Times New Roman" panose="02020603050405020304" pitchFamily="18" charset="0"/>
               </a:rPr>
-              <a:t>S</a:t>
-            </a:r>
-          </a:p>
-        </p:txBody>
-      </p:sp>
-      <p:sp>
-        <p:nvSpPr>
-          <p:cNvPr id="6" name="正方形/長方形 5">
-            <a:extLst>
-              <a:ext uri="{FF2B5EF4-FFF2-40B4-BE49-F238E27FC236}">
-                <a16:creationId xmlns:a16="http://schemas.microsoft.com/office/drawing/2014/main" id="{A9DD66EA-AA08-2FBA-86E5-4ECE1F3CBC36}"/>
+              <a:t>Susceptible</a:t>
+            </a:r>
+          </a:p>
+        </p:txBody>
+      </p:sp>
+      <p:sp>
+        <p:nvSpPr>
+          <p:cNvPr id="10" name="正方形/長方形 9">
+            <a:extLst>
+              <a:ext uri="{FF2B5EF4-FFF2-40B4-BE49-F238E27FC236}">
+                <a16:creationId xmlns:a16="http://schemas.microsoft.com/office/drawing/2014/main" id="{5C93BC17-5801-56D4-05EF-52C229E346C5}"/>
               </a:ext>
             </a:extLst>
           </p:cNvPr>
@@ -6921,8 +5646,8 @@
         </p:nvSpPr>
         <p:spPr>
           <a:xfrm>
-            <a:off x="2264897" y="1595615"/>
-            <a:ext cx="857836" cy="614289"/>
+            <a:off x="2717702" y="1472416"/>
+            <a:ext cx="1397391" cy="614289"/>
           </a:xfrm>
           <a:prstGeom prst="rect">
             <a:avLst/>
@@ -6957,17 +5682,17 @@
                 <a:latin typeface="Times New Roman" panose="02020603050405020304" pitchFamily="18" charset="0"/>
                 <a:cs typeface="Times New Roman" panose="02020603050405020304" pitchFamily="18" charset="0"/>
               </a:rPr>
-              <a:t>E</a:t>
-            </a:r>
-          </a:p>
-        </p:txBody>
-      </p:sp>
-      <p:sp>
-        <p:nvSpPr>
-          <p:cNvPr id="7" name="正方形/長方形 6">
-            <a:extLst>
-              <a:ext uri="{FF2B5EF4-FFF2-40B4-BE49-F238E27FC236}">
-                <a16:creationId xmlns:a16="http://schemas.microsoft.com/office/drawing/2014/main" id="{14C35C08-62AD-557C-6CF6-661F744E78C6}"/>
+              <a:t>Infected</a:t>
+            </a:r>
+          </a:p>
+        </p:txBody>
+      </p:sp>
+      <p:sp>
+        <p:nvSpPr>
+          <p:cNvPr id="12" name="正方形/長方形 11">
+            <a:extLst>
+              <a:ext uri="{FF2B5EF4-FFF2-40B4-BE49-F238E27FC236}">
+                <a16:creationId xmlns:a16="http://schemas.microsoft.com/office/drawing/2014/main" id="{071A0224-0E89-E83C-F4B2-9CE21785B42C}"/>
               </a:ext>
             </a:extLst>
           </p:cNvPr>
@@ -6976,8 +5701,8 @@
         </p:nvSpPr>
         <p:spPr>
           <a:xfrm>
-            <a:off x="3891764" y="1079800"/>
-            <a:ext cx="857836" cy="614289"/>
+            <a:off x="5261611" y="858127"/>
+            <a:ext cx="1397391" cy="614289"/>
           </a:xfrm>
           <a:prstGeom prst="rect">
             <a:avLst/>
@@ -7008,25 +5733,112 @@
           <a:p>
             <a:pPr algn="ctr"/>
             <a:r>
-              <a:rPr lang="en-GB" dirty="0" err="1">
+              <a:rPr lang="en-GB" dirty="0">
                 <a:latin typeface="Times New Roman" panose="02020603050405020304" pitchFamily="18" charset="0"/>
                 <a:cs typeface="Times New Roman" panose="02020603050405020304" pitchFamily="18" charset="0"/>
               </a:rPr>
-              <a:t>Ia</a:t>
-            </a:r>
-            <a:endParaRPr lang="en-GB" dirty="0">
-              <a:latin typeface="Times New Roman" panose="02020603050405020304" pitchFamily="18" charset="0"/>
-              <a:cs typeface="Times New Roman" panose="02020603050405020304" pitchFamily="18" charset="0"/>
-            </a:endParaRPr>
-          </a:p>
-        </p:txBody>
-      </p:sp>
-      <p:sp>
-        <p:nvSpPr>
-          <p:cNvPr id="8" name="正方形/長方形 7">
-            <a:extLst>
-              <a:ext uri="{FF2B5EF4-FFF2-40B4-BE49-F238E27FC236}">
-                <a16:creationId xmlns:a16="http://schemas.microsoft.com/office/drawing/2014/main" id="{E1EB8FBC-354C-B43E-4071-65E0BC239BC9}"/>
+              <a:t>Onset of AFP</a:t>
+            </a:r>
+          </a:p>
+        </p:txBody>
+      </p:sp>
+      <p:cxnSp>
+        <p:nvCxnSpPr>
+          <p:cNvPr id="14" name="直線矢印コネクタ 13">
+            <a:extLst>
+              <a:ext uri="{FF2B5EF4-FFF2-40B4-BE49-F238E27FC236}">
+                <a16:creationId xmlns:a16="http://schemas.microsoft.com/office/drawing/2014/main" id="{C6F46BDE-C67D-D7EA-2B31-4F87A26BBE37}"/>
+              </a:ext>
+            </a:extLst>
+          </p:cNvPr>
+          <p:cNvCxnSpPr>
+            <a:stCxn id="9" idx="3"/>
+            <a:endCxn id="10" idx="1"/>
+          </p:cNvCxnSpPr>
+          <p:nvPr/>
+        </p:nvCxnSpPr>
+        <p:spPr>
+          <a:xfrm flipV="1">
+            <a:off x="1905879" y="1779561"/>
+            <a:ext cx="811823" cy="1"/>
+          </a:xfrm>
+          <a:prstGeom prst="straightConnector1">
+            <a:avLst/>
+          </a:prstGeom>
+          <a:ln w="19050">
+            <a:solidFill>
+              <a:schemeClr val="tx1"/>
+            </a:solidFill>
+            <a:tailEnd type="triangle"/>
+          </a:ln>
+        </p:spPr>
+        <p:style>
+          <a:lnRef idx="1">
+            <a:schemeClr val="accent1"/>
+          </a:lnRef>
+          <a:fillRef idx="0">
+            <a:schemeClr val="accent1"/>
+          </a:fillRef>
+          <a:effectRef idx="0">
+            <a:schemeClr val="accent1"/>
+          </a:effectRef>
+          <a:fontRef idx="minor">
+            <a:schemeClr val="tx1"/>
+          </a:fontRef>
+        </p:style>
+      </p:cxnSp>
+      <p:cxnSp>
+        <p:nvCxnSpPr>
+          <p:cNvPr id="15" name="直線矢印コネクタ 14">
+            <a:extLst>
+              <a:ext uri="{FF2B5EF4-FFF2-40B4-BE49-F238E27FC236}">
+                <a16:creationId xmlns:a16="http://schemas.microsoft.com/office/drawing/2014/main" id="{3FC421C2-DA3B-326D-3EDC-D9941322B11D}"/>
+              </a:ext>
+            </a:extLst>
+          </p:cNvPr>
+          <p:cNvCxnSpPr>
+            <a:cxnSpLocks/>
+            <a:stCxn id="10" idx="3"/>
+            <a:endCxn id="12" idx="1"/>
+          </p:cNvCxnSpPr>
+          <p:nvPr/>
+        </p:nvCxnSpPr>
+        <p:spPr>
+          <a:xfrm flipV="1">
+            <a:off x="4115093" y="1165272"/>
+            <a:ext cx="1146518" cy="614289"/>
+          </a:xfrm>
+          <a:prstGeom prst="straightConnector1">
+            <a:avLst/>
+          </a:prstGeom>
+          <a:ln w="19050">
+            <a:solidFill>
+              <a:schemeClr val="tx1"/>
+            </a:solidFill>
+            <a:tailEnd type="triangle"/>
+          </a:ln>
+        </p:spPr>
+        <p:style>
+          <a:lnRef idx="1">
+            <a:schemeClr val="accent1"/>
+          </a:lnRef>
+          <a:fillRef idx="0">
+            <a:schemeClr val="accent1"/>
+          </a:fillRef>
+          <a:effectRef idx="0">
+            <a:schemeClr val="accent1"/>
+          </a:effectRef>
+          <a:fontRef idx="minor">
+            <a:schemeClr val="tx1"/>
+          </a:fontRef>
+        </p:style>
+      </p:cxnSp>
+      <p:sp>
+        <p:nvSpPr>
+          <p:cNvPr id="21" name="正方形/長方形 20">
+            <a:extLst>
+              <a:ext uri="{FF2B5EF4-FFF2-40B4-BE49-F238E27FC236}">
+                <a16:creationId xmlns:a16="http://schemas.microsoft.com/office/drawing/2014/main" id="{2C1B784D-3F47-EC80-379E-CE537C8F1ACB}"/>
               </a:ext>
             </a:extLst>
           </p:cNvPr>
@@ -7035,8 +5847,8 @@
         </p:nvSpPr>
         <p:spPr>
           <a:xfrm>
-            <a:off x="5667082" y="1079799"/>
-            <a:ext cx="857836" cy="614289"/>
+            <a:off x="7378214" y="858124"/>
+            <a:ext cx="1397391" cy="614289"/>
           </a:xfrm>
           <a:prstGeom prst="rect">
             <a:avLst/>
@@ -7071,31 +5883,31 @@
                 <a:latin typeface="Times New Roman" panose="02020603050405020304" pitchFamily="18" charset="0"/>
                 <a:cs typeface="Times New Roman" panose="02020603050405020304" pitchFamily="18" charset="0"/>
               </a:rPr>
-              <a:t>R</a:t>
+              <a:t>Seeking healthcare</a:t>
             </a:r>
           </a:p>
         </p:txBody>
       </p:sp>
       <p:cxnSp>
         <p:nvCxnSpPr>
-          <p:cNvPr id="9" name="直線矢印コネクタ 8">
-            <a:extLst>
-              <a:ext uri="{FF2B5EF4-FFF2-40B4-BE49-F238E27FC236}">
-                <a16:creationId xmlns:a16="http://schemas.microsoft.com/office/drawing/2014/main" id="{B30EBF94-F7AC-6D2E-F7D5-E221FE8F8893}"/>
+          <p:cNvPr id="22" name="直線矢印コネクタ 21">
+            <a:extLst>
+              <a:ext uri="{FF2B5EF4-FFF2-40B4-BE49-F238E27FC236}">
+                <a16:creationId xmlns:a16="http://schemas.microsoft.com/office/drawing/2014/main" id="{55E4BE6A-EE40-D556-C041-2652B1116B5C}"/>
               </a:ext>
             </a:extLst>
           </p:cNvPr>
           <p:cNvCxnSpPr>
             <a:cxnSpLocks/>
-            <a:stCxn id="5" idx="3"/>
-            <a:endCxn id="6" idx="1"/>
+            <a:stCxn id="12" idx="3"/>
+            <a:endCxn id="21" idx="1"/>
           </p:cNvCxnSpPr>
           <p:nvPr/>
         </p:nvCxnSpPr>
         <p:spPr>
           <a:xfrm flipV="1">
-            <a:off x="1495866" y="1902760"/>
-            <a:ext cx="769031" cy="1"/>
+            <a:off x="6659002" y="1165269"/>
+            <a:ext cx="719212" cy="3"/>
           </a:xfrm>
           <a:prstGeom prst="straightConnector1">
             <a:avLst/>
@@ -7124,24 +5936,24 @@
       </p:cxnSp>
       <p:cxnSp>
         <p:nvCxnSpPr>
-          <p:cNvPr id="13" name="直線矢印コネクタ 12">
-            <a:extLst>
-              <a:ext uri="{FF2B5EF4-FFF2-40B4-BE49-F238E27FC236}">
-                <a16:creationId xmlns:a16="http://schemas.microsoft.com/office/drawing/2014/main" id="{721B60B5-886D-359C-497B-278477619A6F}"/>
+          <p:cNvPr id="26" name="直線矢印コネクタ 25">
+            <a:extLst>
+              <a:ext uri="{FF2B5EF4-FFF2-40B4-BE49-F238E27FC236}">
+                <a16:creationId xmlns:a16="http://schemas.microsoft.com/office/drawing/2014/main" id="{84867389-54E0-8EAB-5604-B9567DCED117}"/>
               </a:ext>
             </a:extLst>
           </p:cNvPr>
           <p:cNvCxnSpPr>
             <a:cxnSpLocks/>
-            <a:stCxn id="6" idx="3"/>
-            <a:endCxn id="7" idx="1"/>
+            <a:stCxn id="21" idx="3"/>
+            <a:endCxn id="29" idx="1"/>
           </p:cNvCxnSpPr>
           <p:nvPr/>
         </p:nvCxnSpPr>
         <p:spPr>
-          <a:xfrm flipV="1">
-            <a:off x="3122733" y="1386945"/>
-            <a:ext cx="769031" cy="515815"/>
+          <a:xfrm>
+            <a:off x="8775605" y="1165269"/>
+            <a:ext cx="907950" cy="1"/>
           </a:xfrm>
           <a:prstGeom prst="straightConnector1">
             <a:avLst/>
@@ -7168,105 +5980,12 @@
           </a:fontRef>
         </p:style>
       </p:cxnSp>
-      <p:cxnSp>
-        <p:nvCxnSpPr>
-          <p:cNvPr id="17" name="直線矢印コネクタ 16">
-            <a:extLst>
-              <a:ext uri="{FF2B5EF4-FFF2-40B4-BE49-F238E27FC236}">
-                <a16:creationId xmlns:a16="http://schemas.microsoft.com/office/drawing/2014/main" id="{EB4F7E7A-AF55-2C0F-79B0-2D8A51FDDB09}"/>
-              </a:ext>
-            </a:extLst>
-          </p:cNvPr>
-          <p:cNvCxnSpPr>
-            <a:cxnSpLocks/>
-            <a:stCxn id="7" idx="3"/>
-            <a:endCxn id="8" idx="1"/>
-          </p:cNvCxnSpPr>
-          <p:nvPr/>
-        </p:nvCxnSpPr>
-        <p:spPr>
-          <a:xfrm flipV="1">
-            <a:off x="4749600" y="1386944"/>
-            <a:ext cx="917482" cy="1"/>
-          </a:xfrm>
-          <a:prstGeom prst="straightConnector1">
-            <a:avLst/>
-          </a:prstGeom>
-          <a:ln w="19050">
-            <a:solidFill>
-              <a:schemeClr val="tx1"/>
-            </a:solidFill>
-            <a:tailEnd type="triangle"/>
-          </a:ln>
-        </p:spPr>
-        <p:style>
-          <a:lnRef idx="1">
-            <a:schemeClr val="accent1"/>
-          </a:lnRef>
-          <a:fillRef idx="0">
-            <a:schemeClr val="accent1"/>
-          </a:fillRef>
-          <a:effectRef idx="0">
-            <a:schemeClr val="accent1"/>
-          </a:effectRef>
-          <a:fontRef idx="minor">
-            <a:schemeClr val="tx1"/>
-          </a:fontRef>
-        </p:style>
-      </p:cxnSp>
-      <p:cxnSp>
-        <p:nvCxnSpPr>
-          <p:cNvPr id="24" name="直線矢印コネクタ 23">
-            <a:extLst>
-              <a:ext uri="{FF2B5EF4-FFF2-40B4-BE49-F238E27FC236}">
-                <a16:creationId xmlns:a16="http://schemas.microsoft.com/office/drawing/2014/main" id="{6A2B578C-92BE-F65F-6522-10A3F5A6A145}"/>
-              </a:ext>
-            </a:extLst>
-          </p:cNvPr>
-          <p:cNvCxnSpPr>
-            <a:cxnSpLocks/>
-            <a:stCxn id="6" idx="2"/>
-            <a:endCxn id="2" idx="0"/>
-          </p:cNvCxnSpPr>
-          <p:nvPr/>
-        </p:nvCxnSpPr>
-        <p:spPr>
-          <a:xfrm>
-            <a:off x="2693815" y="2209904"/>
-            <a:ext cx="606024" cy="1130104"/>
-          </a:xfrm>
-          <a:prstGeom prst="straightConnector1">
-            <a:avLst/>
-          </a:prstGeom>
-          <a:ln w="19050">
-            <a:solidFill>
-              <a:schemeClr val="tx1"/>
-            </a:solidFill>
-            <a:prstDash val="sysDash"/>
-            <a:tailEnd type="triangle"/>
-          </a:ln>
-        </p:spPr>
-        <p:style>
-          <a:lnRef idx="1">
-            <a:schemeClr val="accent1"/>
-          </a:lnRef>
-          <a:fillRef idx="0">
-            <a:schemeClr val="accent1"/>
-          </a:fillRef>
-          <a:effectRef idx="0">
-            <a:schemeClr val="accent1"/>
-          </a:effectRef>
-          <a:fontRef idx="minor">
-            <a:schemeClr val="tx1"/>
-          </a:fontRef>
-        </p:style>
-      </p:cxnSp>
-      <p:sp>
-        <p:nvSpPr>
-          <p:cNvPr id="35" name="正方形/長方形 34">
-            <a:extLst>
-              <a:ext uri="{FF2B5EF4-FFF2-40B4-BE49-F238E27FC236}">
-                <a16:creationId xmlns:a16="http://schemas.microsoft.com/office/drawing/2014/main" id="{A10583FD-1679-6011-1EFF-64D6BC3B6BAD}"/>
+      <p:sp>
+        <p:nvSpPr>
+          <p:cNvPr id="29" name="正方形/長方形 28">
+            <a:extLst>
+              <a:ext uri="{FF2B5EF4-FFF2-40B4-BE49-F238E27FC236}">
+                <a16:creationId xmlns:a16="http://schemas.microsoft.com/office/drawing/2014/main" id="{BA4D8A8A-ED52-1714-72B0-AB2E1BCF3E86}"/>
               </a:ext>
             </a:extLst>
           </p:cNvPr>
@@ -7275,8 +5994,8 @@
         </p:nvSpPr>
         <p:spPr>
           <a:xfrm>
-            <a:off x="3891764" y="2209904"/>
-            <a:ext cx="857836" cy="614289"/>
+            <a:off x="9683555" y="858125"/>
+            <a:ext cx="1397391" cy="614289"/>
           </a:xfrm>
           <a:prstGeom prst="rect">
             <a:avLst/>
@@ -7311,120 +6030,17 @@
                 <a:latin typeface="Times New Roman" panose="02020603050405020304" pitchFamily="18" charset="0"/>
                 <a:cs typeface="Times New Roman" panose="02020603050405020304" pitchFamily="18" charset="0"/>
               </a:rPr>
-              <a:t>I</a:t>
-            </a:r>
-            <a:r>
-              <a:rPr lang="en-GB" sz="2000" baseline="-25000" dirty="0">
-                <a:latin typeface="Times New Roman" panose="02020603050405020304" pitchFamily="18" charset="0"/>
-                <a:cs typeface="Times New Roman" panose="02020603050405020304" pitchFamily="18" charset="0"/>
-              </a:rPr>
-              <a:t>AFP</a:t>
-            </a:r>
-            <a:endParaRPr lang="en-GB" baseline="-25000" dirty="0">
-              <a:latin typeface="Times New Roman" panose="02020603050405020304" pitchFamily="18" charset="0"/>
-              <a:cs typeface="Times New Roman" panose="02020603050405020304" pitchFamily="18" charset="0"/>
-            </a:endParaRPr>
-          </a:p>
-        </p:txBody>
-      </p:sp>
-      <p:cxnSp>
-        <p:nvCxnSpPr>
-          <p:cNvPr id="36" name="直線矢印コネクタ 35">
-            <a:extLst>
-              <a:ext uri="{FF2B5EF4-FFF2-40B4-BE49-F238E27FC236}">
-                <a16:creationId xmlns:a16="http://schemas.microsoft.com/office/drawing/2014/main" id="{0C009F64-879D-9700-77DB-70F3BE7669FE}"/>
-              </a:ext>
-            </a:extLst>
-          </p:cNvPr>
-          <p:cNvCxnSpPr>
-            <a:cxnSpLocks/>
-            <a:stCxn id="6" idx="3"/>
-            <a:endCxn id="35" idx="1"/>
-          </p:cNvCxnSpPr>
-          <p:nvPr/>
-        </p:nvCxnSpPr>
-        <p:spPr>
-          <a:xfrm>
-            <a:off x="3122733" y="1902760"/>
-            <a:ext cx="769031" cy="614289"/>
-          </a:xfrm>
-          <a:prstGeom prst="straightConnector1">
-            <a:avLst/>
-          </a:prstGeom>
-          <a:ln w="19050">
-            <a:solidFill>
-              <a:schemeClr val="tx1"/>
-            </a:solidFill>
-            <a:tailEnd type="triangle"/>
-          </a:ln>
-        </p:spPr>
-        <p:style>
-          <a:lnRef idx="1">
-            <a:schemeClr val="accent1"/>
-          </a:lnRef>
-          <a:fillRef idx="0">
-            <a:schemeClr val="accent1"/>
-          </a:fillRef>
-          <a:effectRef idx="0">
-            <a:schemeClr val="accent1"/>
-          </a:effectRef>
-          <a:fontRef idx="minor">
-            <a:schemeClr val="tx1"/>
-          </a:fontRef>
-        </p:style>
-      </p:cxnSp>
-      <p:cxnSp>
-        <p:nvCxnSpPr>
-          <p:cNvPr id="41" name="直線矢印コネクタ 40">
-            <a:extLst>
-              <a:ext uri="{FF2B5EF4-FFF2-40B4-BE49-F238E27FC236}">
-                <a16:creationId xmlns:a16="http://schemas.microsoft.com/office/drawing/2014/main" id="{D02CDAF2-38C1-3C91-02D9-0FF51115A22A}"/>
-              </a:ext>
-            </a:extLst>
-          </p:cNvPr>
-          <p:cNvCxnSpPr>
-            <a:cxnSpLocks/>
-            <a:stCxn id="35" idx="3"/>
-            <a:endCxn id="12" idx="1"/>
-          </p:cNvCxnSpPr>
-          <p:nvPr/>
-        </p:nvCxnSpPr>
-        <p:spPr>
-          <a:xfrm flipV="1">
-            <a:off x="4749600" y="2517048"/>
-            <a:ext cx="917482" cy="1"/>
-          </a:xfrm>
-          <a:prstGeom prst="straightConnector1">
-            <a:avLst/>
-          </a:prstGeom>
-          <a:ln w="19050">
-            <a:solidFill>
-              <a:schemeClr val="tx1"/>
-            </a:solidFill>
-            <a:tailEnd type="triangle"/>
-          </a:ln>
-        </p:spPr>
-        <p:style>
-          <a:lnRef idx="1">
-            <a:schemeClr val="accent1"/>
-          </a:lnRef>
-          <a:fillRef idx="0">
-            <a:schemeClr val="accent1"/>
-          </a:fillRef>
-          <a:effectRef idx="0">
-            <a:schemeClr val="accent1"/>
-          </a:effectRef>
-          <a:fontRef idx="minor">
-            <a:schemeClr val="tx1"/>
-          </a:fontRef>
-        </p:style>
-      </p:cxnSp>
-      <p:sp>
-        <p:nvSpPr>
-          <p:cNvPr id="12" name="正方形/長方形 11">
-            <a:extLst>
-              <a:ext uri="{FF2B5EF4-FFF2-40B4-BE49-F238E27FC236}">
-                <a16:creationId xmlns:a16="http://schemas.microsoft.com/office/drawing/2014/main" id="{6A1B3995-1E73-B21C-8AA4-8602BF14562D}"/>
+              <a:t>Notified as polio</a:t>
+            </a:r>
+          </a:p>
+        </p:txBody>
+      </p:sp>
+      <p:sp>
+        <p:nvSpPr>
+          <p:cNvPr id="32" name="正方形/長方形 31">
+            <a:extLst>
+              <a:ext uri="{FF2B5EF4-FFF2-40B4-BE49-F238E27FC236}">
+                <a16:creationId xmlns:a16="http://schemas.microsoft.com/office/drawing/2014/main" id="{E6A7F4BA-2BB6-FB98-34BF-B1E2214A7209}"/>
               </a:ext>
             </a:extLst>
           </p:cNvPr>
@@ -7433,8 +6049,8 @@
         </p:nvSpPr>
         <p:spPr>
           <a:xfrm>
-            <a:off x="5667082" y="2209903"/>
-            <a:ext cx="857836" cy="614289"/>
+            <a:off x="5205339" y="2086705"/>
+            <a:ext cx="1397391" cy="614289"/>
           </a:xfrm>
           <a:prstGeom prst="rect">
             <a:avLst/>
@@ -7469,177 +6085,63 @@
                 <a:latin typeface="Times New Roman" panose="02020603050405020304" pitchFamily="18" charset="0"/>
                 <a:cs typeface="Times New Roman" panose="02020603050405020304" pitchFamily="18" charset="0"/>
               </a:rPr>
-              <a:t>H</a:t>
-            </a:r>
-          </a:p>
-        </p:txBody>
-      </p:sp>
-      <p:sp>
-        <p:nvSpPr>
-          <p:cNvPr id="19" name="テキスト ボックス 18">
-            <a:extLst>
-              <a:ext uri="{FF2B5EF4-FFF2-40B4-BE49-F238E27FC236}">
-                <a16:creationId xmlns:a16="http://schemas.microsoft.com/office/drawing/2014/main" id="{0BE1140A-DC93-A89B-F351-DCF375DDF165}"/>
-              </a:ext>
-            </a:extLst>
-          </p:cNvPr>
-          <p:cNvSpPr txBox="1"/>
-          <p:nvPr/>
-        </p:nvSpPr>
-        <p:spPr>
-          <a:xfrm>
-            <a:off x="3205966" y="1238516"/>
-            <a:ext cx="602565" cy="369332"/>
-          </a:xfrm>
-          <a:prstGeom prst="rect">
-            <a:avLst/>
-          </a:prstGeom>
-          <a:noFill/>
-        </p:spPr>
-        <p:txBody>
-          <a:bodyPr wrap="square" rtlCol="0">
-            <a:spAutoFit/>
-          </a:bodyPr>
-          <a:lstStyle/>
-          <a:p>
-            <a:r>
-              <a:rPr lang="el-GR" altLang="ja-JP" dirty="0"/>
-              <a:t>γ</a:t>
-            </a:r>
-            <a:r>
-              <a:rPr lang="en-US" altLang="ja-JP" dirty="0"/>
-              <a:t>1</a:t>
-            </a:r>
-            <a:endParaRPr lang="en-GB" dirty="0"/>
-          </a:p>
-        </p:txBody>
-      </p:sp>
-      <p:sp>
-        <p:nvSpPr>
-          <p:cNvPr id="20" name="テキスト ボックス 19">
-            <a:extLst>
-              <a:ext uri="{FF2B5EF4-FFF2-40B4-BE49-F238E27FC236}">
-                <a16:creationId xmlns:a16="http://schemas.microsoft.com/office/drawing/2014/main" id="{E0350099-D1B7-1ED8-9FD7-41FEB3D718E1}"/>
-              </a:ext>
-            </a:extLst>
-          </p:cNvPr>
-          <p:cNvSpPr txBox="1"/>
-          <p:nvPr/>
-        </p:nvSpPr>
-        <p:spPr>
-          <a:xfrm>
-            <a:off x="3227650" y="2182076"/>
-            <a:ext cx="546884" cy="371209"/>
-          </a:xfrm>
-          <a:prstGeom prst="rect">
-            <a:avLst/>
-          </a:prstGeom>
-          <a:noFill/>
-        </p:spPr>
-        <p:txBody>
-          <a:bodyPr wrap="square" rtlCol="0">
-            <a:spAutoFit/>
-          </a:bodyPr>
-          <a:lstStyle/>
-          <a:p>
-            <a:r>
-              <a:rPr lang="el-GR" altLang="ja-JP" dirty="0"/>
-              <a:t>γ</a:t>
-            </a:r>
-            <a:r>
-              <a:rPr lang="en-US" altLang="ja-JP" dirty="0"/>
-              <a:t>1</a:t>
-            </a:r>
-            <a:endParaRPr lang="en-GB" dirty="0"/>
-          </a:p>
-        </p:txBody>
-      </p:sp>
-      <p:sp>
-        <p:nvSpPr>
-          <p:cNvPr id="21" name="テキスト ボックス 20">
-            <a:extLst>
-              <a:ext uri="{FF2B5EF4-FFF2-40B4-BE49-F238E27FC236}">
-                <a16:creationId xmlns:a16="http://schemas.microsoft.com/office/drawing/2014/main" id="{47C084D1-B02E-D8FC-3C29-B8D8EFE2B96C}"/>
-              </a:ext>
-            </a:extLst>
-          </p:cNvPr>
-          <p:cNvSpPr txBox="1"/>
-          <p:nvPr/>
-        </p:nvSpPr>
-        <p:spPr>
-          <a:xfrm>
-            <a:off x="4905076" y="1015734"/>
-            <a:ext cx="546884" cy="371209"/>
-          </a:xfrm>
-          <a:prstGeom prst="rect">
-            <a:avLst/>
-          </a:prstGeom>
-          <a:noFill/>
-        </p:spPr>
-        <p:txBody>
-          <a:bodyPr wrap="square" rtlCol="0">
-            <a:spAutoFit/>
-          </a:bodyPr>
-          <a:lstStyle/>
-          <a:p>
-            <a:r>
-              <a:rPr lang="el-GR" altLang="ja-JP" dirty="0"/>
-              <a:t>γ</a:t>
-            </a:r>
-            <a:r>
-              <a:rPr lang="en-US" altLang="ja-JP" dirty="0"/>
-              <a:t>2</a:t>
-            </a:r>
-            <a:endParaRPr lang="en-GB" dirty="0"/>
-          </a:p>
-        </p:txBody>
-      </p:sp>
-      <p:sp>
-        <p:nvSpPr>
-          <p:cNvPr id="22" name="テキスト ボックス 21">
-            <a:extLst>
-              <a:ext uri="{FF2B5EF4-FFF2-40B4-BE49-F238E27FC236}">
-                <a16:creationId xmlns:a16="http://schemas.microsoft.com/office/drawing/2014/main" id="{5ADAC251-9665-E6AC-75D0-4065AF0398B2}"/>
-              </a:ext>
-            </a:extLst>
-          </p:cNvPr>
-          <p:cNvSpPr txBox="1"/>
-          <p:nvPr/>
-        </p:nvSpPr>
-        <p:spPr>
-          <a:xfrm>
-            <a:off x="4934899" y="2107049"/>
-            <a:ext cx="517061" cy="371209"/>
-          </a:xfrm>
-          <a:prstGeom prst="rect">
-            <a:avLst/>
-          </a:prstGeom>
-          <a:noFill/>
-        </p:spPr>
-        <p:txBody>
-          <a:bodyPr wrap="square" rtlCol="0">
-            <a:spAutoFit/>
-          </a:bodyPr>
-          <a:lstStyle/>
-          <a:p>
-            <a:r>
-              <a:rPr lang="el-GR" altLang="ja-JP" dirty="0"/>
-              <a:t>γ</a:t>
-            </a:r>
-            <a:r>
-              <a:rPr lang="en-US" altLang="ja-JP" dirty="0"/>
-              <a:t>3</a:t>
-            </a:r>
-            <a:endParaRPr lang="en-GB" dirty="0"/>
-          </a:p>
-        </p:txBody>
-      </p:sp>
-      <p:sp>
-        <p:nvSpPr>
-          <p:cNvPr id="2" name="正方形/長方形 1">
-            <a:extLst>
-              <a:ext uri="{FF2B5EF4-FFF2-40B4-BE49-F238E27FC236}">
-                <a16:creationId xmlns:a16="http://schemas.microsoft.com/office/drawing/2014/main" id="{01D9DCF7-F760-EF07-421C-9B1B145F66D2}"/>
+              <a:t>Secretion in sewage</a:t>
+            </a:r>
+          </a:p>
+        </p:txBody>
+      </p:sp>
+      <p:cxnSp>
+        <p:nvCxnSpPr>
+          <p:cNvPr id="33" name="直線矢印コネクタ 32">
+            <a:extLst>
+              <a:ext uri="{FF2B5EF4-FFF2-40B4-BE49-F238E27FC236}">
+                <a16:creationId xmlns:a16="http://schemas.microsoft.com/office/drawing/2014/main" id="{98CFBD4D-716D-89F3-54A7-EE3181FB477D}"/>
+              </a:ext>
+            </a:extLst>
+          </p:cNvPr>
+          <p:cNvCxnSpPr>
+            <a:cxnSpLocks/>
+            <a:stCxn id="10" idx="3"/>
+            <a:endCxn id="32" idx="1"/>
+          </p:cNvCxnSpPr>
+          <p:nvPr/>
+        </p:nvCxnSpPr>
+        <p:spPr>
+          <a:xfrm>
+            <a:off x="4115093" y="1779561"/>
+            <a:ext cx="1090246" cy="614289"/>
+          </a:xfrm>
+          <a:prstGeom prst="straightConnector1">
+            <a:avLst/>
+          </a:prstGeom>
+          <a:ln w="19050">
+            <a:solidFill>
+              <a:schemeClr val="tx1"/>
+            </a:solidFill>
+            <a:tailEnd type="triangle"/>
+          </a:ln>
+        </p:spPr>
+        <p:style>
+          <a:lnRef idx="1">
+            <a:schemeClr val="accent1"/>
+          </a:lnRef>
+          <a:fillRef idx="0">
+            <a:schemeClr val="accent1"/>
+          </a:fillRef>
+          <a:effectRef idx="0">
+            <a:schemeClr val="accent1"/>
+          </a:effectRef>
+          <a:fontRef idx="minor">
+            <a:schemeClr val="tx1"/>
+          </a:fontRef>
+        </p:style>
+      </p:cxnSp>
+      <p:sp>
+        <p:nvSpPr>
+          <p:cNvPr id="36" name="正方形/長方形 35">
+            <a:extLst>
+              <a:ext uri="{FF2B5EF4-FFF2-40B4-BE49-F238E27FC236}">
+                <a16:creationId xmlns:a16="http://schemas.microsoft.com/office/drawing/2014/main" id="{8C66B611-8016-BC55-3ADA-3A12A3637C74}"/>
               </a:ext>
             </a:extLst>
           </p:cNvPr>
@@ -7648,8 +6150,8 @@
         </p:nvSpPr>
         <p:spPr>
           <a:xfrm>
-            <a:off x="2450416" y="3340008"/>
-            <a:ext cx="1698846" cy="614289"/>
+            <a:off x="7371471" y="2086704"/>
+            <a:ext cx="1397391" cy="614289"/>
           </a:xfrm>
           <a:prstGeom prst="rect">
             <a:avLst/>
@@ -7684,125 +6186,2509 @@
                 <a:latin typeface="Times New Roman" panose="02020603050405020304" pitchFamily="18" charset="0"/>
                 <a:cs typeface="Times New Roman" panose="02020603050405020304" pitchFamily="18" charset="0"/>
               </a:rPr>
-              <a:t>New </a:t>
-            </a:r>
-            <a:r>
-              <a:rPr lang="en-GB" dirty="0" err="1">
+              <a:t>Detected in sewage</a:t>
+            </a:r>
+          </a:p>
+        </p:txBody>
+      </p:sp>
+      <p:cxnSp>
+        <p:nvCxnSpPr>
+          <p:cNvPr id="37" name="直線矢印コネクタ 36">
+            <a:extLst>
+              <a:ext uri="{FF2B5EF4-FFF2-40B4-BE49-F238E27FC236}">
+                <a16:creationId xmlns:a16="http://schemas.microsoft.com/office/drawing/2014/main" id="{A3EBF08E-B76F-3714-6745-BB30F9E45156}"/>
+              </a:ext>
+            </a:extLst>
+          </p:cNvPr>
+          <p:cNvCxnSpPr>
+            <a:cxnSpLocks/>
+            <a:stCxn id="32" idx="3"/>
+            <a:endCxn id="36" idx="1"/>
+          </p:cNvCxnSpPr>
+          <p:nvPr/>
+        </p:nvCxnSpPr>
+        <p:spPr>
+          <a:xfrm flipV="1">
+            <a:off x="6602730" y="2393849"/>
+            <a:ext cx="768741" cy="1"/>
+          </a:xfrm>
+          <a:prstGeom prst="straightConnector1">
+            <a:avLst/>
+          </a:prstGeom>
+          <a:ln w="19050">
+            <a:solidFill>
+              <a:schemeClr val="tx1"/>
+            </a:solidFill>
+            <a:tailEnd type="triangle"/>
+          </a:ln>
+        </p:spPr>
+        <p:style>
+          <a:lnRef idx="1">
+            <a:schemeClr val="accent1"/>
+          </a:lnRef>
+          <a:fillRef idx="0">
+            <a:schemeClr val="accent1"/>
+          </a:fillRef>
+          <a:effectRef idx="0">
+            <a:schemeClr val="accent1"/>
+          </a:effectRef>
+          <a:fontRef idx="minor">
+            <a:schemeClr val="tx1"/>
+          </a:fontRef>
+        </p:style>
+      </p:cxnSp>
+      <p:sp>
+        <p:nvSpPr>
+          <p:cNvPr id="45" name="テキスト ボックス 44">
+            <a:extLst>
+              <a:ext uri="{FF2B5EF4-FFF2-40B4-BE49-F238E27FC236}">
+                <a16:creationId xmlns:a16="http://schemas.microsoft.com/office/drawing/2014/main" id="{98D124C9-85D3-8E4D-20DC-6E866FE168F3}"/>
+              </a:ext>
+            </a:extLst>
+          </p:cNvPr>
+          <p:cNvSpPr txBox="1"/>
+          <p:nvPr/>
+        </p:nvSpPr>
+        <p:spPr>
+          <a:xfrm>
+            <a:off x="3840774" y="2736063"/>
+            <a:ext cx="914400" cy="646331"/>
+          </a:xfrm>
+          <a:prstGeom prst="rect">
+            <a:avLst/>
+          </a:prstGeom>
+          <a:noFill/>
+        </p:spPr>
+        <p:txBody>
+          <a:bodyPr wrap="square" rtlCol="0">
+            <a:spAutoFit/>
+          </a:bodyPr>
+          <a:lstStyle/>
+          <a:p>
+            <a:endParaRPr lang="en-GB" dirty="0"/>
+          </a:p>
+          <a:p>
+            <a:endParaRPr lang="en-GB" dirty="0"/>
+          </a:p>
+        </p:txBody>
+      </p:sp>
+      <p:sp>
+        <p:nvSpPr>
+          <p:cNvPr id="46" name="テキスト ボックス 45">
+            <a:extLst>
+              <a:ext uri="{FF2B5EF4-FFF2-40B4-BE49-F238E27FC236}">
+                <a16:creationId xmlns:a16="http://schemas.microsoft.com/office/drawing/2014/main" id="{499A47F3-D5B5-E755-ED1B-00BBA036A3C2}"/>
+              </a:ext>
+            </a:extLst>
+          </p:cNvPr>
+          <p:cNvSpPr txBox="1"/>
+          <p:nvPr/>
+        </p:nvSpPr>
+        <p:spPr>
+          <a:xfrm>
+            <a:off x="2204230" y="1426597"/>
+            <a:ext cx="914400" cy="369332"/>
+          </a:xfrm>
+          <a:prstGeom prst="rect">
+            <a:avLst/>
+          </a:prstGeom>
+          <a:noFill/>
+        </p:spPr>
+        <p:txBody>
+          <a:bodyPr wrap="square" rtlCol="0">
+            <a:spAutoFit/>
+          </a:bodyPr>
+          <a:lstStyle/>
+          <a:p>
+            <a:r>
+              <a:rPr lang="en-US" altLang="ja-JP" dirty="0"/>
+              <a:t>λ</a:t>
+            </a:r>
+            <a:endParaRPr lang="en-GB" dirty="0"/>
+          </a:p>
+        </p:txBody>
+      </p:sp>
+      <p:sp>
+        <p:nvSpPr>
+          <p:cNvPr id="47" name="テキスト ボックス 46">
+            <a:extLst>
+              <a:ext uri="{FF2B5EF4-FFF2-40B4-BE49-F238E27FC236}">
+                <a16:creationId xmlns:a16="http://schemas.microsoft.com/office/drawing/2014/main" id="{58EA09DF-D8A2-0DA8-C5A3-44A43E7EA331}"/>
+              </a:ext>
+            </a:extLst>
+          </p:cNvPr>
+          <p:cNvSpPr txBox="1"/>
+          <p:nvPr/>
+        </p:nvSpPr>
+        <p:spPr>
+          <a:xfrm>
+            <a:off x="4410223" y="1050102"/>
+            <a:ext cx="602565" cy="369332"/>
+          </a:xfrm>
+          <a:prstGeom prst="rect">
+            <a:avLst/>
+          </a:prstGeom>
+          <a:noFill/>
+        </p:spPr>
+        <p:txBody>
+          <a:bodyPr wrap="square" rtlCol="0">
+            <a:spAutoFit/>
+          </a:bodyPr>
+          <a:lstStyle/>
+          <a:p>
+            <a:r>
+              <a:rPr lang="en-US" altLang="ja-JP" dirty="0"/>
+              <a:t>γ1</a:t>
+            </a:r>
+            <a:endParaRPr lang="en-GB" dirty="0"/>
+          </a:p>
+        </p:txBody>
+      </p:sp>
+      <p:sp>
+        <p:nvSpPr>
+          <p:cNvPr id="51" name="テキスト ボックス 50">
+            <a:extLst>
+              <a:ext uri="{FF2B5EF4-FFF2-40B4-BE49-F238E27FC236}">
+                <a16:creationId xmlns:a16="http://schemas.microsoft.com/office/drawing/2014/main" id="{41FE5B16-A1D1-2F85-FFB1-DDB0DD4B5810}"/>
+              </a:ext>
+            </a:extLst>
+          </p:cNvPr>
+          <p:cNvSpPr txBox="1"/>
+          <p:nvPr/>
+        </p:nvSpPr>
+        <p:spPr>
+          <a:xfrm>
+            <a:off x="6811694" y="764845"/>
+            <a:ext cx="602565" cy="369332"/>
+          </a:xfrm>
+          <a:prstGeom prst="rect">
+            <a:avLst/>
+          </a:prstGeom>
+          <a:noFill/>
+        </p:spPr>
+        <p:txBody>
+          <a:bodyPr wrap="square" rtlCol="0">
+            <a:spAutoFit/>
+          </a:bodyPr>
+          <a:lstStyle/>
+          <a:p>
+            <a:r>
+              <a:rPr lang="en-US" altLang="ja-JP" dirty="0"/>
+              <a:t>γ2</a:t>
+            </a:r>
+            <a:endParaRPr lang="en-GB" dirty="0"/>
+          </a:p>
+        </p:txBody>
+      </p:sp>
+      <p:sp>
+        <p:nvSpPr>
+          <p:cNvPr id="52" name="テキスト ボックス 51">
+            <a:extLst>
+              <a:ext uri="{FF2B5EF4-FFF2-40B4-BE49-F238E27FC236}">
+                <a16:creationId xmlns:a16="http://schemas.microsoft.com/office/drawing/2014/main" id="{4B7E9364-0D37-079B-9C57-189C0A47767A}"/>
+              </a:ext>
+            </a:extLst>
+          </p:cNvPr>
+          <p:cNvSpPr txBox="1"/>
+          <p:nvPr/>
+        </p:nvSpPr>
+        <p:spPr>
+          <a:xfrm>
+            <a:off x="8892252" y="680770"/>
+            <a:ext cx="602565" cy="369332"/>
+          </a:xfrm>
+          <a:prstGeom prst="rect">
+            <a:avLst/>
+          </a:prstGeom>
+          <a:noFill/>
+        </p:spPr>
+        <p:txBody>
+          <a:bodyPr wrap="square" rtlCol="0">
+            <a:spAutoFit/>
+          </a:bodyPr>
+          <a:lstStyle/>
+          <a:p>
+            <a:r>
+              <a:rPr lang="en-US" altLang="ja-JP" dirty="0"/>
+              <a:t>γ3</a:t>
+            </a:r>
+            <a:endParaRPr lang="en-GB" dirty="0"/>
+          </a:p>
+        </p:txBody>
+      </p:sp>
+      <p:sp>
+        <p:nvSpPr>
+          <p:cNvPr id="53" name="テキスト ボックス 52">
+            <a:extLst>
+              <a:ext uri="{FF2B5EF4-FFF2-40B4-BE49-F238E27FC236}">
+                <a16:creationId xmlns:a16="http://schemas.microsoft.com/office/drawing/2014/main" id="{9B780C6E-8915-57E7-7310-3FC1F52F88AA}"/>
+              </a:ext>
+            </a:extLst>
+          </p:cNvPr>
+          <p:cNvSpPr txBox="1"/>
+          <p:nvPr/>
+        </p:nvSpPr>
+        <p:spPr>
+          <a:xfrm>
+            <a:off x="4403188" y="2139688"/>
+            <a:ext cx="602565" cy="369332"/>
+          </a:xfrm>
+          <a:prstGeom prst="rect">
+            <a:avLst/>
+          </a:prstGeom>
+          <a:noFill/>
+        </p:spPr>
+        <p:txBody>
+          <a:bodyPr wrap="square" rtlCol="0">
+            <a:spAutoFit/>
+          </a:bodyPr>
+          <a:lstStyle/>
+          <a:p>
+            <a:r>
+              <a:rPr lang="en-US" altLang="ja-JP" dirty="0"/>
+              <a:t>τ1</a:t>
+            </a:r>
+            <a:endParaRPr lang="en-GB" dirty="0"/>
+          </a:p>
+        </p:txBody>
+      </p:sp>
+      <p:sp>
+        <p:nvSpPr>
+          <p:cNvPr id="54" name="テキスト ボックス 53">
+            <a:extLst>
+              <a:ext uri="{FF2B5EF4-FFF2-40B4-BE49-F238E27FC236}">
+                <a16:creationId xmlns:a16="http://schemas.microsoft.com/office/drawing/2014/main" id="{E097E5DF-FE42-B757-062C-C2FF69A5DD65}"/>
+              </a:ext>
+            </a:extLst>
+          </p:cNvPr>
+          <p:cNvSpPr txBox="1"/>
+          <p:nvPr/>
+        </p:nvSpPr>
+        <p:spPr>
+          <a:xfrm>
+            <a:off x="6717325" y="1984217"/>
+            <a:ext cx="602565" cy="369332"/>
+          </a:xfrm>
+          <a:prstGeom prst="rect">
+            <a:avLst/>
+          </a:prstGeom>
+          <a:noFill/>
+        </p:spPr>
+        <p:txBody>
+          <a:bodyPr wrap="square" rtlCol="0">
+            <a:spAutoFit/>
+          </a:bodyPr>
+          <a:lstStyle/>
+          <a:p>
+            <a:r>
+              <a:rPr lang="en-US" altLang="ja-JP" dirty="0"/>
+              <a:t>τ2</a:t>
+            </a:r>
+            <a:endParaRPr lang="en-GB" dirty="0"/>
+          </a:p>
+        </p:txBody>
+      </p:sp>
+    </p:spTree>
+    <p:extLst>
+      <p:ext uri="{BB962C8B-B14F-4D97-AF65-F5344CB8AC3E}">
+        <p14:creationId xmlns:p14="http://schemas.microsoft.com/office/powerpoint/2010/main" val="1977013916"/>
+      </p:ext>
+    </p:extLst>
+  </p:cSld>
+  <p:clrMapOvr>
+    <a:masterClrMapping/>
+  </p:clrMapOvr>
+</p:sld>
+</file>
+
+<file path=ppt/slides/slide5.xml><?xml version="1.0" encoding="utf-8"?>
+<p:sld xmlns:a="http://schemas.openxmlformats.org/drawingml/2006/main" xmlns:r="http://schemas.openxmlformats.org/officeDocument/2006/relationships" xmlns:p="http://schemas.openxmlformats.org/presentationml/2006/main">
+  <p:cSld>
+    <p:spTree>
+      <p:nvGrpSpPr>
+        <p:cNvPr id="1" name=""/>
+        <p:cNvGrpSpPr/>
+        <p:nvPr/>
+      </p:nvGrpSpPr>
+      <p:grpSpPr>
+        <a:xfrm>
+          <a:off x="0" y="0"/>
+          <a:ext cx="0" cy="0"/>
+          <a:chOff x="0" y="0"/>
+          <a:chExt cx="0" cy="0"/>
+        </a:xfrm>
+      </p:grpSpPr>
+      <p:sp>
+        <p:nvSpPr>
+          <p:cNvPr id="4" name="テキスト ボックス 3">
+            <a:extLst>
+              <a:ext uri="{FF2B5EF4-FFF2-40B4-BE49-F238E27FC236}">
+                <a16:creationId xmlns:a16="http://schemas.microsoft.com/office/drawing/2014/main" id="{21230F41-A4F3-45F6-16D7-60CBD85BBC69}"/>
+              </a:ext>
+            </a:extLst>
+          </p:cNvPr>
+          <p:cNvSpPr txBox="1"/>
+          <p:nvPr/>
+        </p:nvSpPr>
+        <p:spPr>
+          <a:xfrm>
+            <a:off x="491783" y="40429"/>
+            <a:ext cx="2761957" cy="400110"/>
+          </a:xfrm>
+          <a:prstGeom prst="rect">
+            <a:avLst/>
+          </a:prstGeom>
+          <a:noFill/>
+        </p:spPr>
+        <p:txBody>
+          <a:bodyPr wrap="square" rtlCol="0">
+            <a:spAutoFit/>
+          </a:bodyPr>
+          <a:lstStyle/>
+          <a:p>
+            <a:r>
+              <a:rPr lang="en-GB" sz="2000" dirty="0">
                 <a:latin typeface="Times New Roman" panose="02020603050405020304" pitchFamily="18" charset="0"/>
                 <a:cs typeface="Times New Roman" panose="02020603050405020304" pitchFamily="18" charset="0"/>
               </a:rPr>
-              <a:t>Ia</a:t>
-            </a:r>
+              <a:t>Natural history of polio</a:t>
+            </a:r>
+          </a:p>
+        </p:txBody>
+      </p:sp>
+      <p:sp>
+        <p:nvSpPr>
+          <p:cNvPr id="9" name="正方形/長方形 8">
+            <a:extLst>
+              <a:ext uri="{FF2B5EF4-FFF2-40B4-BE49-F238E27FC236}">
+                <a16:creationId xmlns:a16="http://schemas.microsoft.com/office/drawing/2014/main" id="{C78163F6-C15B-D180-D851-456E4EC78B12}"/>
+              </a:ext>
+            </a:extLst>
+          </p:cNvPr>
+          <p:cNvSpPr/>
+          <p:nvPr/>
+        </p:nvSpPr>
+        <p:spPr>
+          <a:xfrm>
+            <a:off x="508487" y="2107720"/>
+            <a:ext cx="1397391" cy="614289"/>
+          </a:xfrm>
+          <a:prstGeom prst="rect">
+            <a:avLst/>
+          </a:prstGeom>
+          <a:ln>
+            <a:solidFill>
+              <a:schemeClr val="tx1"/>
+            </a:solidFill>
+          </a:ln>
+        </p:spPr>
+        <p:style>
+          <a:lnRef idx="2">
+            <a:schemeClr val="accent6"/>
+          </a:lnRef>
+          <a:fillRef idx="1">
+            <a:schemeClr val="lt1"/>
+          </a:fillRef>
+          <a:effectRef idx="0">
+            <a:schemeClr val="accent6"/>
+          </a:effectRef>
+          <a:fontRef idx="minor">
+            <a:schemeClr val="dk1"/>
+          </a:fontRef>
+        </p:style>
+        <p:txBody>
+          <a:bodyPr rtlCol="0" anchor="ctr"/>
+          <a:lstStyle/>
+          <a:p>
+            <a:pPr algn="ctr"/>
             <a:r>
               <a:rPr lang="en-GB" dirty="0">
                 <a:latin typeface="Times New Roman" panose="02020603050405020304" pitchFamily="18" charset="0"/>
                 <a:cs typeface="Times New Roman" panose="02020603050405020304" pitchFamily="18" charset="0"/>
               </a:rPr>
-              <a:t> + I</a:t>
-            </a:r>
-            <a:r>
-              <a:rPr lang="en-GB" sz="1800" baseline="-25000" dirty="0">
-                <a:latin typeface="Times New Roman" panose="02020603050405020304" pitchFamily="18" charset="0"/>
-                <a:cs typeface="Times New Roman" panose="02020603050405020304" pitchFamily="18" charset="0"/>
-              </a:rPr>
-              <a:t>AFP</a:t>
-            </a:r>
-            <a:endParaRPr lang="en-GB" baseline="-25000" dirty="0">
-              <a:latin typeface="Times New Roman" panose="02020603050405020304" pitchFamily="18" charset="0"/>
-              <a:cs typeface="Times New Roman" panose="02020603050405020304" pitchFamily="18" charset="0"/>
-            </a:endParaRPr>
-          </a:p>
-        </p:txBody>
-      </p:sp>
-      <p:pic>
-        <p:nvPicPr>
-          <p:cNvPr id="1028" name="Picture 4">
-            <a:extLst>
-              <a:ext uri="{FF2B5EF4-FFF2-40B4-BE49-F238E27FC236}">
-                <a16:creationId xmlns:a16="http://schemas.microsoft.com/office/drawing/2014/main" id="{07E4633C-6F7E-542D-8A14-6F19927F1C87}"/>
-              </a:ext>
-            </a:extLst>
-          </p:cNvPr>
-          <p:cNvPicPr>
-            <a:picLocks noChangeAspect="1" noChangeArrowheads="1"/>
-          </p:cNvPicPr>
-          <p:nvPr/>
-        </p:nvPicPr>
-        <p:blipFill>
-          <a:blip r:embed="rId2">
-            <a:extLst>
-              <a:ext uri="{28A0092B-C50C-407E-A947-70E740481C1C}">
-                <a14:useLocalDpi xmlns:a14="http://schemas.microsoft.com/office/drawing/2010/main" val="0"/>
-              </a:ext>
-            </a:extLst>
-          </a:blip>
-          <a:srcRect/>
-          <a:stretch>
-            <a:fillRect/>
-          </a:stretch>
-        </p:blipFill>
-        <p:spPr bwMode="auto">
-          <a:xfrm>
-            <a:off x="4400700" y="3631397"/>
-            <a:ext cx="2315229" cy="1543486"/>
+              <a:t>Susceptible</a:t>
+            </a:r>
+          </a:p>
+        </p:txBody>
+      </p:sp>
+      <p:sp>
+        <p:nvSpPr>
+          <p:cNvPr id="10" name="正方形/長方形 9">
+            <a:extLst>
+              <a:ext uri="{FF2B5EF4-FFF2-40B4-BE49-F238E27FC236}">
+                <a16:creationId xmlns:a16="http://schemas.microsoft.com/office/drawing/2014/main" id="{5C93BC17-5801-56D4-05EF-52C229E346C5}"/>
+              </a:ext>
+            </a:extLst>
+          </p:cNvPr>
+          <p:cNvSpPr/>
+          <p:nvPr/>
+        </p:nvSpPr>
+        <p:spPr>
+          <a:xfrm>
+            <a:off x="2717701" y="2107719"/>
+            <a:ext cx="1397391" cy="614289"/>
           </a:xfrm>
           <a:prstGeom prst="rect">
             <a:avLst/>
           </a:prstGeom>
-          <a:noFill/>
-          <a:extLst>
-            <a:ext uri="{909E8E84-426E-40DD-AFC4-6F175D3DCCD1}">
-              <a14:hiddenFill xmlns:a14="http://schemas.microsoft.com/office/drawing/2010/main">
-                <a:solidFill>
-                  <a:srgbClr val="FFFFFF"/>
-                </a:solidFill>
-              </a14:hiddenFill>
-            </a:ext>
-          </a:extLst>
-        </p:spPr>
-      </p:pic>
-      <p:sp>
-        <p:nvSpPr>
-          <p:cNvPr id="14" name="テキスト ボックス 13">
-            <a:extLst>
-              <a:ext uri="{FF2B5EF4-FFF2-40B4-BE49-F238E27FC236}">
-                <a16:creationId xmlns:a16="http://schemas.microsoft.com/office/drawing/2014/main" id="{CA76303D-B7B3-0B1D-D02A-B621BE1AAB7C}"/>
-              </a:ext>
-            </a:extLst>
-          </p:cNvPr>
-          <p:cNvSpPr txBox="1"/>
-          <p:nvPr/>
-        </p:nvSpPr>
-        <p:spPr>
-          <a:xfrm>
-            <a:off x="2450416" y="4033808"/>
-            <a:ext cx="2211261" cy="369332"/>
-          </a:xfrm>
-          <a:prstGeom prst="rect">
-            <a:avLst/>
-          </a:prstGeom>
-          <a:noFill/>
-        </p:spPr>
-        <p:txBody>
-          <a:bodyPr wrap="square" rtlCol="0">
-            <a:spAutoFit/>
-          </a:bodyPr>
-          <a:lstStyle/>
-          <a:p>
+          <a:ln>
+            <a:solidFill>
+              <a:schemeClr val="tx1"/>
+            </a:solidFill>
+          </a:ln>
+        </p:spPr>
+        <p:style>
+          <a:lnRef idx="2">
+            <a:schemeClr val="accent6"/>
+          </a:lnRef>
+          <a:fillRef idx="1">
+            <a:schemeClr val="lt1"/>
+          </a:fillRef>
+          <a:effectRef idx="0">
+            <a:schemeClr val="accent6"/>
+          </a:effectRef>
+          <a:fontRef idx="minor">
+            <a:schemeClr val="dk1"/>
+          </a:fontRef>
+        </p:style>
+        <p:txBody>
+          <a:bodyPr rtlCol="0" anchor="ctr"/>
+          <a:lstStyle/>
+          <a:p>
+            <a:pPr algn="ctr"/>
             <a:r>
               <a:rPr lang="en-GB" dirty="0">
                 <a:latin typeface="Times New Roman" panose="02020603050405020304" pitchFamily="18" charset="0"/>
                 <a:cs typeface="Times New Roman" panose="02020603050405020304" pitchFamily="18" charset="0"/>
               </a:rPr>
-              <a:t>Shedding following</a:t>
-            </a:r>
+              <a:t>Infected</a:t>
+            </a:r>
+          </a:p>
+        </p:txBody>
+      </p:sp>
+      <p:sp>
+        <p:nvSpPr>
+          <p:cNvPr id="12" name="正方形/長方形 11">
+            <a:extLst>
+              <a:ext uri="{FF2B5EF4-FFF2-40B4-BE49-F238E27FC236}">
+                <a16:creationId xmlns:a16="http://schemas.microsoft.com/office/drawing/2014/main" id="{071A0224-0E89-E83C-F4B2-9CE21785B42C}"/>
+              </a:ext>
+            </a:extLst>
+          </p:cNvPr>
+          <p:cNvSpPr/>
+          <p:nvPr/>
+        </p:nvSpPr>
+        <p:spPr>
+          <a:xfrm>
+            <a:off x="5261610" y="1493430"/>
+            <a:ext cx="1397391" cy="614289"/>
+          </a:xfrm>
+          <a:prstGeom prst="rect">
+            <a:avLst/>
+          </a:prstGeom>
+          <a:ln>
+            <a:solidFill>
+              <a:schemeClr val="tx1"/>
+            </a:solidFill>
+          </a:ln>
+        </p:spPr>
+        <p:style>
+          <a:lnRef idx="2">
+            <a:schemeClr val="accent6"/>
+          </a:lnRef>
+          <a:fillRef idx="1">
+            <a:schemeClr val="lt1"/>
+          </a:fillRef>
+          <a:effectRef idx="0">
+            <a:schemeClr val="accent6"/>
+          </a:effectRef>
+          <a:fontRef idx="minor">
+            <a:schemeClr val="dk1"/>
+          </a:fontRef>
+        </p:style>
+        <p:txBody>
+          <a:bodyPr rtlCol="0" anchor="ctr"/>
+          <a:lstStyle/>
+          <a:p>
+            <a:pPr algn="ctr"/>
+            <a:r>
+              <a:rPr lang="en-GB" dirty="0">
+                <a:latin typeface="Times New Roman" panose="02020603050405020304" pitchFamily="18" charset="0"/>
+                <a:cs typeface="Times New Roman" panose="02020603050405020304" pitchFamily="18" charset="0"/>
+              </a:rPr>
+              <a:t>Onset of AFP</a:t>
+            </a:r>
+          </a:p>
+        </p:txBody>
+      </p:sp>
+      <p:cxnSp>
+        <p:nvCxnSpPr>
+          <p:cNvPr id="14" name="直線矢印コネクタ 13">
+            <a:extLst>
+              <a:ext uri="{FF2B5EF4-FFF2-40B4-BE49-F238E27FC236}">
+                <a16:creationId xmlns:a16="http://schemas.microsoft.com/office/drawing/2014/main" id="{C6F46BDE-C67D-D7EA-2B31-4F87A26BBE37}"/>
+              </a:ext>
+            </a:extLst>
+          </p:cNvPr>
+          <p:cNvCxnSpPr>
+            <a:stCxn id="9" idx="3"/>
+            <a:endCxn id="10" idx="1"/>
+          </p:cNvCxnSpPr>
+          <p:nvPr/>
+        </p:nvCxnSpPr>
+        <p:spPr>
+          <a:xfrm flipV="1">
+            <a:off x="1905878" y="2414864"/>
+            <a:ext cx="811823" cy="1"/>
+          </a:xfrm>
+          <a:prstGeom prst="straightConnector1">
+            <a:avLst/>
+          </a:prstGeom>
+          <a:ln w="19050">
+            <a:solidFill>
+              <a:schemeClr val="tx1"/>
+            </a:solidFill>
+            <a:tailEnd type="triangle"/>
+          </a:ln>
+        </p:spPr>
+        <p:style>
+          <a:lnRef idx="1">
+            <a:schemeClr val="accent1"/>
+          </a:lnRef>
+          <a:fillRef idx="0">
+            <a:schemeClr val="accent1"/>
+          </a:fillRef>
+          <a:effectRef idx="0">
+            <a:schemeClr val="accent1"/>
+          </a:effectRef>
+          <a:fontRef idx="minor">
+            <a:schemeClr val="tx1"/>
+          </a:fontRef>
+        </p:style>
+      </p:cxnSp>
+      <p:cxnSp>
+        <p:nvCxnSpPr>
+          <p:cNvPr id="15" name="直線矢印コネクタ 14">
+            <a:extLst>
+              <a:ext uri="{FF2B5EF4-FFF2-40B4-BE49-F238E27FC236}">
+                <a16:creationId xmlns:a16="http://schemas.microsoft.com/office/drawing/2014/main" id="{3FC421C2-DA3B-326D-3EDC-D9941322B11D}"/>
+              </a:ext>
+            </a:extLst>
+          </p:cNvPr>
+          <p:cNvCxnSpPr>
+            <a:cxnSpLocks/>
+            <a:stCxn id="10" idx="3"/>
+            <a:endCxn id="12" idx="1"/>
+          </p:cNvCxnSpPr>
+          <p:nvPr/>
+        </p:nvCxnSpPr>
+        <p:spPr>
+          <a:xfrm flipV="1">
+            <a:off x="4115092" y="1800575"/>
+            <a:ext cx="1146518" cy="614289"/>
+          </a:xfrm>
+          <a:prstGeom prst="straightConnector1">
+            <a:avLst/>
+          </a:prstGeom>
+          <a:ln w="19050">
+            <a:solidFill>
+              <a:schemeClr val="tx1"/>
+            </a:solidFill>
+            <a:tailEnd type="triangle"/>
+          </a:ln>
+        </p:spPr>
+        <p:style>
+          <a:lnRef idx="1">
+            <a:schemeClr val="accent1"/>
+          </a:lnRef>
+          <a:fillRef idx="0">
+            <a:schemeClr val="accent1"/>
+          </a:fillRef>
+          <a:effectRef idx="0">
+            <a:schemeClr val="accent1"/>
+          </a:effectRef>
+          <a:fontRef idx="minor">
+            <a:schemeClr val="tx1"/>
+          </a:fontRef>
+        </p:style>
+      </p:cxnSp>
+      <p:sp>
+        <p:nvSpPr>
+          <p:cNvPr id="21" name="正方形/長方形 20">
+            <a:extLst>
+              <a:ext uri="{FF2B5EF4-FFF2-40B4-BE49-F238E27FC236}">
+                <a16:creationId xmlns:a16="http://schemas.microsoft.com/office/drawing/2014/main" id="{2C1B784D-3F47-EC80-379E-CE537C8F1ACB}"/>
+              </a:ext>
+            </a:extLst>
+          </p:cNvPr>
+          <p:cNvSpPr/>
+          <p:nvPr/>
+        </p:nvSpPr>
+        <p:spPr>
+          <a:xfrm>
+            <a:off x="7378213" y="1493427"/>
+            <a:ext cx="1397391" cy="614289"/>
+          </a:xfrm>
+          <a:prstGeom prst="rect">
+            <a:avLst/>
+          </a:prstGeom>
+          <a:ln>
+            <a:solidFill>
+              <a:schemeClr val="tx1"/>
+            </a:solidFill>
+          </a:ln>
+        </p:spPr>
+        <p:style>
+          <a:lnRef idx="2">
+            <a:schemeClr val="accent6"/>
+          </a:lnRef>
+          <a:fillRef idx="1">
+            <a:schemeClr val="lt1"/>
+          </a:fillRef>
+          <a:effectRef idx="0">
+            <a:schemeClr val="accent6"/>
+          </a:effectRef>
+          <a:fontRef idx="minor">
+            <a:schemeClr val="dk1"/>
+          </a:fontRef>
+        </p:style>
+        <p:txBody>
+          <a:bodyPr rtlCol="0" anchor="ctr"/>
+          <a:lstStyle/>
+          <a:p>
+            <a:pPr algn="ctr"/>
+            <a:r>
+              <a:rPr lang="en-GB" dirty="0">
+                <a:latin typeface="Times New Roman" panose="02020603050405020304" pitchFamily="18" charset="0"/>
+                <a:cs typeface="Times New Roman" panose="02020603050405020304" pitchFamily="18" charset="0"/>
+              </a:rPr>
+              <a:t>Seeking healthcare</a:t>
+            </a:r>
+          </a:p>
+        </p:txBody>
+      </p:sp>
+      <p:cxnSp>
+        <p:nvCxnSpPr>
+          <p:cNvPr id="22" name="直線矢印コネクタ 21">
+            <a:extLst>
+              <a:ext uri="{FF2B5EF4-FFF2-40B4-BE49-F238E27FC236}">
+                <a16:creationId xmlns:a16="http://schemas.microsoft.com/office/drawing/2014/main" id="{55E4BE6A-EE40-D556-C041-2652B1116B5C}"/>
+              </a:ext>
+            </a:extLst>
+          </p:cNvPr>
+          <p:cNvCxnSpPr>
+            <a:cxnSpLocks/>
+            <a:stCxn id="12" idx="3"/>
+            <a:endCxn id="21" idx="1"/>
+          </p:cNvCxnSpPr>
+          <p:nvPr/>
+        </p:nvCxnSpPr>
+        <p:spPr>
+          <a:xfrm flipV="1">
+            <a:off x="6659001" y="1800572"/>
+            <a:ext cx="719212" cy="3"/>
+          </a:xfrm>
+          <a:prstGeom prst="straightConnector1">
+            <a:avLst/>
+          </a:prstGeom>
+          <a:ln w="19050">
+            <a:solidFill>
+              <a:schemeClr val="tx1"/>
+            </a:solidFill>
+            <a:tailEnd type="triangle"/>
+          </a:ln>
+        </p:spPr>
+        <p:style>
+          <a:lnRef idx="1">
+            <a:schemeClr val="accent1"/>
+          </a:lnRef>
+          <a:fillRef idx="0">
+            <a:schemeClr val="accent1"/>
+          </a:fillRef>
+          <a:effectRef idx="0">
+            <a:schemeClr val="accent1"/>
+          </a:effectRef>
+          <a:fontRef idx="minor">
+            <a:schemeClr val="tx1"/>
+          </a:fontRef>
+        </p:style>
+      </p:cxnSp>
+      <p:cxnSp>
+        <p:nvCxnSpPr>
+          <p:cNvPr id="26" name="直線矢印コネクタ 25">
+            <a:extLst>
+              <a:ext uri="{FF2B5EF4-FFF2-40B4-BE49-F238E27FC236}">
+                <a16:creationId xmlns:a16="http://schemas.microsoft.com/office/drawing/2014/main" id="{84867389-54E0-8EAB-5604-B9567DCED117}"/>
+              </a:ext>
+            </a:extLst>
+          </p:cNvPr>
+          <p:cNvCxnSpPr>
+            <a:cxnSpLocks/>
+            <a:stCxn id="21" idx="3"/>
+            <a:endCxn id="29" idx="1"/>
+          </p:cNvCxnSpPr>
+          <p:nvPr/>
+        </p:nvCxnSpPr>
+        <p:spPr>
+          <a:xfrm>
+            <a:off x="8775604" y="1800572"/>
+            <a:ext cx="907950" cy="1"/>
+          </a:xfrm>
+          <a:prstGeom prst="straightConnector1">
+            <a:avLst/>
+          </a:prstGeom>
+          <a:ln w="19050">
+            <a:solidFill>
+              <a:schemeClr val="tx1"/>
+            </a:solidFill>
+            <a:tailEnd type="triangle"/>
+          </a:ln>
+        </p:spPr>
+        <p:style>
+          <a:lnRef idx="1">
+            <a:schemeClr val="accent1"/>
+          </a:lnRef>
+          <a:fillRef idx="0">
+            <a:schemeClr val="accent1"/>
+          </a:fillRef>
+          <a:effectRef idx="0">
+            <a:schemeClr val="accent1"/>
+          </a:effectRef>
+          <a:fontRef idx="minor">
+            <a:schemeClr val="tx1"/>
+          </a:fontRef>
+        </p:style>
+      </p:cxnSp>
+      <p:sp>
+        <p:nvSpPr>
+          <p:cNvPr id="29" name="正方形/長方形 28">
+            <a:extLst>
+              <a:ext uri="{FF2B5EF4-FFF2-40B4-BE49-F238E27FC236}">
+                <a16:creationId xmlns:a16="http://schemas.microsoft.com/office/drawing/2014/main" id="{BA4D8A8A-ED52-1714-72B0-AB2E1BCF3E86}"/>
+              </a:ext>
+            </a:extLst>
+          </p:cNvPr>
+          <p:cNvSpPr/>
+          <p:nvPr/>
+        </p:nvSpPr>
+        <p:spPr>
+          <a:xfrm>
+            <a:off x="9683554" y="1493428"/>
+            <a:ext cx="1397391" cy="614289"/>
+          </a:xfrm>
+          <a:prstGeom prst="rect">
+            <a:avLst/>
+          </a:prstGeom>
+          <a:ln>
+            <a:solidFill>
+              <a:schemeClr val="tx1"/>
+            </a:solidFill>
+          </a:ln>
+        </p:spPr>
+        <p:style>
+          <a:lnRef idx="2">
+            <a:schemeClr val="accent6"/>
+          </a:lnRef>
+          <a:fillRef idx="1">
+            <a:schemeClr val="lt1"/>
+          </a:fillRef>
+          <a:effectRef idx="0">
+            <a:schemeClr val="accent6"/>
+          </a:effectRef>
+          <a:fontRef idx="minor">
+            <a:schemeClr val="dk1"/>
+          </a:fontRef>
+        </p:style>
+        <p:txBody>
+          <a:bodyPr rtlCol="0" anchor="ctr"/>
+          <a:lstStyle/>
+          <a:p>
+            <a:pPr algn="ctr"/>
+            <a:r>
+              <a:rPr lang="en-GB" dirty="0">
+                <a:latin typeface="Times New Roman" panose="02020603050405020304" pitchFamily="18" charset="0"/>
+                <a:cs typeface="Times New Roman" panose="02020603050405020304" pitchFamily="18" charset="0"/>
+              </a:rPr>
+              <a:t>Notified as polio</a:t>
+            </a:r>
+          </a:p>
+        </p:txBody>
+      </p:sp>
+      <p:sp>
+        <p:nvSpPr>
+          <p:cNvPr id="32" name="正方形/長方形 31">
+            <a:extLst>
+              <a:ext uri="{FF2B5EF4-FFF2-40B4-BE49-F238E27FC236}">
+                <a16:creationId xmlns:a16="http://schemas.microsoft.com/office/drawing/2014/main" id="{E6A7F4BA-2BB6-FB98-34BF-B1E2214A7209}"/>
+              </a:ext>
+            </a:extLst>
+          </p:cNvPr>
+          <p:cNvSpPr/>
+          <p:nvPr/>
+        </p:nvSpPr>
+        <p:spPr>
+          <a:xfrm>
+            <a:off x="5205338" y="2722008"/>
+            <a:ext cx="1397391" cy="614289"/>
+          </a:xfrm>
+          <a:prstGeom prst="rect">
+            <a:avLst/>
+          </a:prstGeom>
+          <a:ln>
+            <a:solidFill>
+              <a:schemeClr val="tx1"/>
+            </a:solidFill>
+          </a:ln>
+        </p:spPr>
+        <p:style>
+          <a:lnRef idx="2">
+            <a:schemeClr val="accent6"/>
+          </a:lnRef>
+          <a:fillRef idx="1">
+            <a:schemeClr val="lt1"/>
+          </a:fillRef>
+          <a:effectRef idx="0">
+            <a:schemeClr val="accent6"/>
+          </a:effectRef>
+          <a:fontRef idx="minor">
+            <a:schemeClr val="dk1"/>
+          </a:fontRef>
+        </p:style>
+        <p:txBody>
+          <a:bodyPr rtlCol="0" anchor="ctr"/>
+          <a:lstStyle/>
+          <a:p>
+            <a:pPr algn="ctr"/>
+            <a:r>
+              <a:rPr lang="en-GB" dirty="0">
+                <a:latin typeface="Times New Roman" panose="02020603050405020304" pitchFamily="18" charset="0"/>
+                <a:cs typeface="Times New Roman" panose="02020603050405020304" pitchFamily="18" charset="0"/>
+              </a:rPr>
+              <a:t>Secretion in sewage</a:t>
+            </a:r>
+          </a:p>
+        </p:txBody>
+      </p:sp>
+      <p:cxnSp>
+        <p:nvCxnSpPr>
+          <p:cNvPr id="33" name="直線矢印コネクタ 32">
+            <a:extLst>
+              <a:ext uri="{FF2B5EF4-FFF2-40B4-BE49-F238E27FC236}">
+                <a16:creationId xmlns:a16="http://schemas.microsoft.com/office/drawing/2014/main" id="{98CFBD4D-716D-89F3-54A7-EE3181FB477D}"/>
+              </a:ext>
+            </a:extLst>
+          </p:cNvPr>
+          <p:cNvCxnSpPr>
+            <a:cxnSpLocks/>
+            <a:stCxn id="10" idx="3"/>
+            <a:endCxn id="32" idx="1"/>
+          </p:cNvCxnSpPr>
+          <p:nvPr/>
+        </p:nvCxnSpPr>
+        <p:spPr>
+          <a:xfrm>
+            <a:off x="4115092" y="2414864"/>
+            <a:ext cx="1090246" cy="614289"/>
+          </a:xfrm>
+          <a:prstGeom prst="straightConnector1">
+            <a:avLst/>
+          </a:prstGeom>
+          <a:ln w="19050">
+            <a:solidFill>
+              <a:schemeClr val="tx1"/>
+            </a:solidFill>
+            <a:tailEnd type="triangle"/>
+          </a:ln>
+        </p:spPr>
+        <p:style>
+          <a:lnRef idx="1">
+            <a:schemeClr val="accent1"/>
+          </a:lnRef>
+          <a:fillRef idx="0">
+            <a:schemeClr val="accent1"/>
+          </a:fillRef>
+          <a:effectRef idx="0">
+            <a:schemeClr val="accent1"/>
+          </a:effectRef>
+          <a:fontRef idx="minor">
+            <a:schemeClr val="tx1"/>
+          </a:fontRef>
+        </p:style>
+      </p:cxnSp>
+      <p:sp>
+        <p:nvSpPr>
+          <p:cNvPr id="36" name="正方形/長方形 35">
+            <a:extLst>
+              <a:ext uri="{FF2B5EF4-FFF2-40B4-BE49-F238E27FC236}">
+                <a16:creationId xmlns:a16="http://schemas.microsoft.com/office/drawing/2014/main" id="{8C66B611-8016-BC55-3ADA-3A12A3637C74}"/>
+              </a:ext>
+            </a:extLst>
+          </p:cNvPr>
+          <p:cNvSpPr/>
+          <p:nvPr/>
+        </p:nvSpPr>
+        <p:spPr>
+          <a:xfrm>
+            <a:off x="7371470" y="2722007"/>
+            <a:ext cx="1397391" cy="614289"/>
+          </a:xfrm>
+          <a:prstGeom prst="rect">
+            <a:avLst/>
+          </a:prstGeom>
+          <a:ln>
+            <a:solidFill>
+              <a:schemeClr val="tx1"/>
+            </a:solidFill>
+          </a:ln>
+        </p:spPr>
+        <p:style>
+          <a:lnRef idx="2">
+            <a:schemeClr val="accent6"/>
+          </a:lnRef>
+          <a:fillRef idx="1">
+            <a:schemeClr val="lt1"/>
+          </a:fillRef>
+          <a:effectRef idx="0">
+            <a:schemeClr val="accent6"/>
+          </a:effectRef>
+          <a:fontRef idx="minor">
+            <a:schemeClr val="dk1"/>
+          </a:fontRef>
+        </p:style>
+        <p:txBody>
+          <a:bodyPr rtlCol="0" anchor="ctr"/>
+          <a:lstStyle/>
+          <a:p>
+            <a:pPr algn="ctr"/>
+            <a:r>
+              <a:rPr lang="en-GB" dirty="0">
+                <a:latin typeface="Times New Roman" panose="02020603050405020304" pitchFamily="18" charset="0"/>
+                <a:cs typeface="Times New Roman" panose="02020603050405020304" pitchFamily="18" charset="0"/>
+              </a:rPr>
+              <a:t>Detected in sewage</a:t>
+            </a:r>
+          </a:p>
+        </p:txBody>
+      </p:sp>
+      <p:cxnSp>
+        <p:nvCxnSpPr>
+          <p:cNvPr id="37" name="直線矢印コネクタ 36">
+            <a:extLst>
+              <a:ext uri="{FF2B5EF4-FFF2-40B4-BE49-F238E27FC236}">
+                <a16:creationId xmlns:a16="http://schemas.microsoft.com/office/drawing/2014/main" id="{A3EBF08E-B76F-3714-6745-BB30F9E45156}"/>
+              </a:ext>
+            </a:extLst>
+          </p:cNvPr>
+          <p:cNvCxnSpPr>
+            <a:cxnSpLocks/>
+            <a:stCxn id="32" idx="3"/>
+            <a:endCxn id="36" idx="1"/>
+          </p:cNvCxnSpPr>
+          <p:nvPr/>
+        </p:nvCxnSpPr>
+        <p:spPr>
+          <a:xfrm flipV="1">
+            <a:off x="6602729" y="3029152"/>
+            <a:ext cx="768741" cy="1"/>
+          </a:xfrm>
+          <a:prstGeom prst="straightConnector1">
+            <a:avLst/>
+          </a:prstGeom>
+          <a:ln w="19050">
+            <a:solidFill>
+              <a:schemeClr val="tx1"/>
+            </a:solidFill>
+            <a:tailEnd type="triangle"/>
+          </a:ln>
+        </p:spPr>
+        <p:style>
+          <a:lnRef idx="1">
+            <a:schemeClr val="accent1"/>
+          </a:lnRef>
+          <a:fillRef idx="0">
+            <a:schemeClr val="accent1"/>
+          </a:fillRef>
+          <a:effectRef idx="0">
+            <a:schemeClr val="accent1"/>
+          </a:effectRef>
+          <a:fontRef idx="minor">
+            <a:schemeClr val="tx1"/>
+          </a:fontRef>
+        </p:style>
+      </p:cxnSp>
+      <p:sp>
+        <p:nvSpPr>
+          <p:cNvPr id="45" name="テキスト ボックス 44">
+            <a:extLst>
+              <a:ext uri="{FF2B5EF4-FFF2-40B4-BE49-F238E27FC236}">
+                <a16:creationId xmlns:a16="http://schemas.microsoft.com/office/drawing/2014/main" id="{98D124C9-85D3-8E4D-20DC-6E866FE168F3}"/>
+              </a:ext>
+            </a:extLst>
+          </p:cNvPr>
+          <p:cNvSpPr txBox="1"/>
+          <p:nvPr/>
+        </p:nvSpPr>
+        <p:spPr>
+          <a:xfrm>
+            <a:off x="3847516" y="3299660"/>
+            <a:ext cx="914400" cy="646331"/>
+          </a:xfrm>
+          <a:prstGeom prst="rect">
+            <a:avLst/>
+          </a:prstGeom>
+          <a:noFill/>
+        </p:spPr>
+        <p:txBody>
+          <a:bodyPr wrap="square" rtlCol="0">
+            <a:spAutoFit/>
+          </a:bodyPr>
+          <a:lstStyle/>
+          <a:p>
+            <a:endParaRPr lang="en-GB" dirty="0"/>
+          </a:p>
+          <a:p>
+            <a:endParaRPr lang="en-GB" dirty="0"/>
+          </a:p>
+        </p:txBody>
+      </p:sp>
+      <p:sp>
+        <p:nvSpPr>
+          <p:cNvPr id="46" name="テキスト ボックス 45">
+            <a:extLst>
+              <a:ext uri="{FF2B5EF4-FFF2-40B4-BE49-F238E27FC236}">
+                <a16:creationId xmlns:a16="http://schemas.microsoft.com/office/drawing/2014/main" id="{499A47F3-D5B5-E755-ED1B-00BBA036A3C2}"/>
+              </a:ext>
+            </a:extLst>
+          </p:cNvPr>
+          <p:cNvSpPr txBox="1"/>
+          <p:nvPr/>
+        </p:nvSpPr>
+        <p:spPr>
+          <a:xfrm>
+            <a:off x="2204229" y="2061900"/>
+            <a:ext cx="914400" cy="369332"/>
+          </a:xfrm>
+          <a:prstGeom prst="rect">
+            <a:avLst/>
+          </a:prstGeom>
+          <a:noFill/>
+        </p:spPr>
+        <p:txBody>
+          <a:bodyPr wrap="square" rtlCol="0">
+            <a:spAutoFit/>
+          </a:bodyPr>
+          <a:lstStyle/>
+          <a:p>
+            <a:r>
+              <a:rPr lang="en-US" altLang="ja-JP" dirty="0"/>
+              <a:t>λ</a:t>
+            </a:r>
+            <a:endParaRPr lang="en-GB" dirty="0"/>
+          </a:p>
+        </p:txBody>
+      </p:sp>
+      <p:sp>
+        <p:nvSpPr>
+          <p:cNvPr id="47" name="テキスト ボックス 46">
+            <a:extLst>
+              <a:ext uri="{FF2B5EF4-FFF2-40B4-BE49-F238E27FC236}">
+                <a16:creationId xmlns:a16="http://schemas.microsoft.com/office/drawing/2014/main" id="{58EA09DF-D8A2-0DA8-C5A3-44A43E7EA331}"/>
+              </a:ext>
+            </a:extLst>
+          </p:cNvPr>
+          <p:cNvSpPr txBox="1"/>
+          <p:nvPr/>
+        </p:nvSpPr>
+        <p:spPr>
+          <a:xfrm>
+            <a:off x="4516316" y="1685405"/>
+            <a:ext cx="602565" cy="369332"/>
+          </a:xfrm>
+          <a:prstGeom prst="rect">
+            <a:avLst/>
+          </a:prstGeom>
+          <a:noFill/>
+        </p:spPr>
+        <p:txBody>
+          <a:bodyPr wrap="square" rtlCol="0">
+            <a:spAutoFit/>
+          </a:bodyPr>
+          <a:lstStyle/>
+          <a:p>
+            <a:r>
+              <a:rPr lang="en-US" altLang="ja-JP" dirty="0"/>
+              <a:t>pγ1</a:t>
+            </a:r>
+            <a:endParaRPr lang="en-GB" dirty="0"/>
+          </a:p>
+        </p:txBody>
+      </p:sp>
+      <p:sp>
+        <p:nvSpPr>
+          <p:cNvPr id="51" name="テキスト ボックス 50">
+            <a:extLst>
+              <a:ext uri="{FF2B5EF4-FFF2-40B4-BE49-F238E27FC236}">
+                <a16:creationId xmlns:a16="http://schemas.microsoft.com/office/drawing/2014/main" id="{41FE5B16-A1D1-2F85-FFB1-DDB0DD4B5810}"/>
+              </a:ext>
+            </a:extLst>
+          </p:cNvPr>
+          <p:cNvSpPr txBox="1"/>
+          <p:nvPr/>
+        </p:nvSpPr>
+        <p:spPr>
+          <a:xfrm>
+            <a:off x="6811693" y="1400148"/>
+            <a:ext cx="602565" cy="369332"/>
+          </a:xfrm>
+          <a:prstGeom prst="rect">
+            <a:avLst/>
+          </a:prstGeom>
+          <a:noFill/>
+        </p:spPr>
+        <p:txBody>
+          <a:bodyPr wrap="square" rtlCol="0">
+            <a:spAutoFit/>
+          </a:bodyPr>
+          <a:lstStyle/>
+          <a:p>
+            <a:r>
+              <a:rPr lang="en-US" altLang="ja-JP" dirty="0"/>
+              <a:t>γ2</a:t>
+            </a:r>
+            <a:endParaRPr lang="en-GB" dirty="0"/>
+          </a:p>
+        </p:txBody>
+      </p:sp>
+      <p:sp>
+        <p:nvSpPr>
+          <p:cNvPr id="52" name="テキスト ボックス 51">
+            <a:extLst>
+              <a:ext uri="{FF2B5EF4-FFF2-40B4-BE49-F238E27FC236}">
+                <a16:creationId xmlns:a16="http://schemas.microsoft.com/office/drawing/2014/main" id="{4B7E9364-0D37-079B-9C57-189C0A47767A}"/>
+              </a:ext>
+            </a:extLst>
+          </p:cNvPr>
+          <p:cNvSpPr txBox="1"/>
+          <p:nvPr/>
+        </p:nvSpPr>
+        <p:spPr>
+          <a:xfrm>
+            <a:off x="8892251" y="1316073"/>
+            <a:ext cx="602565" cy="369332"/>
+          </a:xfrm>
+          <a:prstGeom prst="rect">
+            <a:avLst/>
+          </a:prstGeom>
+          <a:noFill/>
+        </p:spPr>
+        <p:txBody>
+          <a:bodyPr wrap="square" rtlCol="0">
+            <a:spAutoFit/>
+          </a:bodyPr>
+          <a:lstStyle/>
+          <a:p>
+            <a:r>
+              <a:rPr lang="en-US" altLang="ja-JP" dirty="0"/>
+              <a:t>γ3</a:t>
+            </a:r>
+            <a:endParaRPr lang="en-GB" dirty="0"/>
+          </a:p>
+        </p:txBody>
+      </p:sp>
+      <p:sp>
+        <p:nvSpPr>
+          <p:cNvPr id="53" name="テキスト ボックス 52">
+            <a:extLst>
+              <a:ext uri="{FF2B5EF4-FFF2-40B4-BE49-F238E27FC236}">
+                <a16:creationId xmlns:a16="http://schemas.microsoft.com/office/drawing/2014/main" id="{9B780C6E-8915-57E7-7310-3FC1F52F88AA}"/>
+              </a:ext>
+            </a:extLst>
+          </p:cNvPr>
+          <p:cNvSpPr txBox="1"/>
+          <p:nvPr/>
+        </p:nvSpPr>
+        <p:spPr>
+          <a:xfrm>
+            <a:off x="4403187" y="2774991"/>
+            <a:ext cx="602565" cy="369332"/>
+          </a:xfrm>
+          <a:prstGeom prst="rect">
+            <a:avLst/>
+          </a:prstGeom>
+          <a:noFill/>
+        </p:spPr>
+        <p:txBody>
+          <a:bodyPr wrap="square" rtlCol="0">
+            <a:spAutoFit/>
+          </a:bodyPr>
+          <a:lstStyle/>
+          <a:p>
+            <a:r>
+              <a:rPr lang="en-US" altLang="ja-JP" dirty="0"/>
+              <a:t>τ1</a:t>
+            </a:r>
+            <a:endParaRPr lang="en-GB" dirty="0"/>
+          </a:p>
+        </p:txBody>
+      </p:sp>
+      <p:sp>
+        <p:nvSpPr>
+          <p:cNvPr id="54" name="テキスト ボックス 53">
+            <a:extLst>
+              <a:ext uri="{FF2B5EF4-FFF2-40B4-BE49-F238E27FC236}">
+                <a16:creationId xmlns:a16="http://schemas.microsoft.com/office/drawing/2014/main" id="{E097E5DF-FE42-B757-062C-C2FF69A5DD65}"/>
+              </a:ext>
+            </a:extLst>
+          </p:cNvPr>
+          <p:cNvSpPr txBox="1"/>
+          <p:nvPr/>
+        </p:nvSpPr>
+        <p:spPr>
+          <a:xfrm>
+            <a:off x="6717324" y="2619520"/>
+            <a:ext cx="602565" cy="369332"/>
+          </a:xfrm>
+          <a:prstGeom prst="rect">
+            <a:avLst/>
+          </a:prstGeom>
+          <a:noFill/>
+        </p:spPr>
+        <p:txBody>
+          <a:bodyPr wrap="square" rtlCol="0">
+            <a:spAutoFit/>
+          </a:bodyPr>
+          <a:lstStyle/>
+          <a:p>
+            <a:r>
+              <a:rPr lang="en-US" altLang="ja-JP" dirty="0"/>
+              <a:t>τ2</a:t>
+            </a:r>
+            <a:endParaRPr lang="en-GB" dirty="0"/>
+          </a:p>
+        </p:txBody>
+      </p:sp>
+      <p:cxnSp>
+        <p:nvCxnSpPr>
+          <p:cNvPr id="34" name="直線矢印コネクタ 33">
+            <a:extLst>
+              <a:ext uri="{FF2B5EF4-FFF2-40B4-BE49-F238E27FC236}">
+                <a16:creationId xmlns:a16="http://schemas.microsoft.com/office/drawing/2014/main" id="{8A5341B1-A03F-591C-4115-701D13A266A9}"/>
+              </a:ext>
+            </a:extLst>
+          </p:cNvPr>
+          <p:cNvCxnSpPr>
+            <a:cxnSpLocks/>
+            <a:stCxn id="10" idx="3"/>
+            <a:endCxn id="39" idx="1"/>
+          </p:cNvCxnSpPr>
+          <p:nvPr/>
+        </p:nvCxnSpPr>
+        <p:spPr>
+          <a:xfrm flipV="1">
+            <a:off x="4115092" y="849926"/>
+            <a:ext cx="1146517" cy="1564938"/>
+          </a:xfrm>
+          <a:prstGeom prst="straightConnector1">
+            <a:avLst/>
+          </a:prstGeom>
+          <a:ln w="19050">
+            <a:solidFill>
+              <a:schemeClr val="tx1"/>
+            </a:solidFill>
+            <a:tailEnd type="triangle"/>
+          </a:ln>
+        </p:spPr>
+        <p:style>
+          <a:lnRef idx="1">
+            <a:schemeClr val="accent1"/>
+          </a:lnRef>
+          <a:fillRef idx="0">
+            <a:schemeClr val="accent1"/>
+          </a:fillRef>
+          <a:effectRef idx="0">
+            <a:schemeClr val="accent1"/>
+          </a:effectRef>
+          <a:fontRef idx="minor">
+            <a:schemeClr val="tx1"/>
+          </a:fontRef>
+        </p:style>
+      </p:cxnSp>
+      <p:sp>
+        <p:nvSpPr>
+          <p:cNvPr id="39" name="正方形/長方形 38">
+            <a:extLst>
+              <a:ext uri="{FF2B5EF4-FFF2-40B4-BE49-F238E27FC236}">
+                <a16:creationId xmlns:a16="http://schemas.microsoft.com/office/drawing/2014/main" id="{BCFAC2D2-29F5-CC45-12BF-FD7ADA0750BC}"/>
+              </a:ext>
+            </a:extLst>
+          </p:cNvPr>
+          <p:cNvSpPr/>
+          <p:nvPr/>
+        </p:nvSpPr>
+        <p:spPr>
+          <a:xfrm>
+            <a:off x="5261609" y="542781"/>
+            <a:ext cx="1550084" cy="614289"/>
+          </a:xfrm>
+          <a:prstGeom prst="rect">
+            <a:avLst/>
+          </a:prstGeom>
+          <a:ln>
+            <a:solidFill>
+              <a:schemeClr val="tx1"/>
+            </a:solidFill>
+          </a:ln>
+        </p:spPr>
+        <p:style>
+          <a:lnRef idx="2">
+            <a:schemeClr val="accent6"/>
+          </a:lnRef>
+          <a:fillRef idx="1">
+            <a:schemeClr val="lt1"/>
+          </a:fillRef>
+          <a:effectRef idx="0">
+            <a:schemeClr val="accent6"/>
+          </a:effectRef>
+          <a:fontRef idx="minor">
+            <a:schemeClr val="dk1"/>
+          </a:fontRef>
+        </p:style>
+        <p:txBody>
+          <a:bodyPr rtlCol="0" anchor="ctr"/>
+          <a:lstStyle/>
+          <a:p>
+            <a:pPr algn="ctr"/>
+            <a:r>
+              <a:rPr lang="en-GB" dirty="0">
+                <a:latin typeface="Times New Roman" panose="02020603050405020304" pitchFamily="18" charset="0"/>
+                <a:cs typeface="Times New Roman" panose="02020603050405020304" pitchFamily="18" charset="0"/>
+              </a:rPr>
+              <a:t>Asymptomatic</a:t>
+            </a:r>
+          </a:p>
+        </p:txBody>
+      </p:sp>
+      <p:sp>
+        <p:nvSpPr>
+          <p:cNvPr id="40" name="テキスト ボックス 39">
+            <a:extLst>
+              <a:ext uri="{FF2B5EF4-FFF2-40B4-BE49-F238E27FC236}">
+                <a16:creationId xmlns:a16="http://schemas.microsoft.com/office/drawing/2014/main" id="{25AE3B70-E08A-D078-2FA0-235CCC7D1B2E}"/>
+              </a:ext>
+            </a:extLst>
+          </p:cNvPr>
+          <p:cNvSpPr txBox="1"/>
+          <p:nvPr/>
+        </p:nvSpPr>
+        <p:spPr>
+          <a:xfrm>
+            <a:off x="4051204" y="1115697"/>
+            <a:ext cx="850799" cy="369332"/>
+          </a:xfrm>
+          <a:prstGeom prst="rect">
+            <a:avLst/>
+          </a:prstGeom>
+          <a:noFill/>
+        </p:spPr>
+        <p:txBody>
+          <a:bodyPr wrap="square" rtlCol="0">
+            <a:spAutoFit/>
+          </a:bodyPr>
+          <a:lstStyle/>
+          <a:p>
+            <a:r>
+              <a:rPr lang="en-US" altLang="ja-JP" dirty="0"/>
+              <a:t>(1-p)γ1</a:t>
+            </a:r>
+            <a:endParaRPr lang="en-GB" dirty="0"/>
           </a:p>
         </p:txBody>
       </p:sp>
     </p:spTree>
     <p:extLst>
       <p:ext uri="{BB962C8B-B14F-4D97-AF65-F5344CB8AC3E}">
-        <p14:creationId xmlns:p14="http://schemas.microsoft.com/office/powerpoint/2010/main" val="1758449626"/>
+        <p14:creationId xmlns:p14="http://schemas.microsoft.com/office/powerpoint/2010/main" val="55718201"/>
+      </p:ext>
+    </p:extLst>
+  </p:cSld>
+  <p:clrMapOvr>
+    <a:masterClrMapping/>
+  </p:clrMapOvr>
+</p:sld>
+</file>
+
+<file path=ppt/slides/slide6.xml><?xml version="1.0" encoding="utf-8"?>
+<p:sld xmlns:a="http://schemas.openxmlformats.org/drawingml/2006/main" xmlns:r="http://schemas.openxmlformats.org/officeDocument/2006/relationships" xmlns:p="http://schemas.openxmlformats.org/presentationml/2006/main">
+  <p:cSld>
+    <p:spTree>
+      <p:nvGrpSpPr>
+        <p:cNvPr id="1" name=""/>
+        <p:cNvGrpSpPr/>
+        <p:nvPr/>
+      </p:nvGrpSpPr>
+      <p:grpSpPr>
+        <a:xfrm>
+          <a:off x="0" y="0"/>
+          <a:ext cx="0" cy="0"/>
+          <a:chOff x="0" y="0"/>
+          <a:chExt cx="0" cy="0"/>
+        </a:xfrm>
+      </p:grpSpPr>
+      <p:sp>
+        <p:nvSpPr>
+          <p:cNvPr id="2" name="テキスト ボックス 1">
+            <a:extLst>
+              <a:ext uri="{FF2B5EF4-FFF2-40B4-BE49-F238E27FC236}">
+                <a16:creationId xmlns:a16="http://schemas.microsoft.com/office/drawing/2014/main" id="{ACDF29B9-FBCE-C2FF-C9BD-69407049127E}"/>
+              </a:ext>
+            </a:extLst>
+          </p:cNvPr>
+          <p:cNvSpPr txBox="1"/>
+          <p:nvPr/>
+        </p:nvSpPr>
+        <p:spPr>
+          <a:xfrm>
+            <a:off x="382464" y="131094"/>
+            <a:ext cx="2925788" cy="400110"/>
+          </a:xfrm>
+          <a:prstGeom prst="rect">
+            <a:avLst/>
+          </a:prstGeom>
+          <a:noFill/>
+        </p:spPr>
+        <p:txBody>
+          <a:bodyPr wrap="square" rtlCol="0">
+            <a:spAutoFit/>
+          </a:bodyPr>
+          <a:lstStyle/>
+          <a:p>
+            <a:r>
+              <a:rPr lang="en-GB" sz="2000" dirty="0">
+                <a:latin typeface="Times New Roman" panose="02020603050405020304" pitchFamily="18" charset="0"/>
+                <a:cs typeface="Times New Roman" panose="02020603050405020304" pitchFamily="18" charset="0"/>
+              </a:rPr>
+              <a:t>Vaccinated against polio</a:t>
+            </a:r>
+          </a:p>
+        </p:txBody>
+      </p:sp>
+      <p:sp>
+        <p:nvSpPr>
+          <p:cNvPr id="3" name="正方形/長方形 2">
+            <a:extLst>
+              <a:ext uri="{FF2B5EF4-FFF2-40B4-BE49-F238E27FC236}">
+                <a16:creationId xmlns:a16="http://schemas.microsoft.com/office/drawing/2014/main" id="{A6385CE2-A276-B9D8-E36C-C29C3AFF9F8F}"/>
+              </a:ext>
+            </a:extLst>
+          </p:cNvPr>
+          <p:cNvSpPr/>
+          <p:nvPr/>
+        </p:nvSpPr>
+        <p:spPr>
+          <a:xfrm>
+            <a:off x="316229" y="2847641"/>
+            <a:ext cx="1397391" cy="614289"/>
+          </a:xfrm>
+          <a:prstGeom prst="rect">
+            <a:avLst/>
+          </a:prstGeom>
+          <a:ln>
+            <a:solidFill>
+              <a:schemeClr val="tx1"/>
+            </a:solidFill>
+          </a:ln>
+        </p:spPr>
+        <p:style>
+          <a:lnRef idx="2">
+            <a:schemeClr val="accent6"/>
+          </a:lnRef>
+          <a:fillRef idx="1">
+            <a:schemeClr val="lt1"/>
+          </a:fillRef>
+          <a:effectRef idx="0">
+            <a:schemeClr val="accent6"/>
+          </a:effectRef>
+          <a:fontRef idx="minor">
+            <a:schemeClr val="dk1"/>
+          </a:fontRef>
+        </p:style>
+        <p:txBody>
+          <a:bodyPr rtlCol="0" anchor="ctr"/>
+          <a:lstStyle/>
+          <a:p>
+            <a:pPr algn="ctr"/>
+            <a:r>
+              <a:rPr lang="en-GB" dirty="0">
+                <a:latin typeface="Times New Roman" panose="02020603050405020304" pitchFamily="18" charset="0"/>
+                <a:cs typeface="Times New Roman" panose="02020603050405020304" pitchFamily="18" charset="0"/>
+              </a:rPr>
+              <a:t>Susceptible</a:t>
+            </a:r>
+          </a:p>
+        </p:txBody>
+      </p:sp>
+      <p:sp>
+        <p:nvSpPr>
+          <p:cNvPr id="5" name="正方形/長方形 4">
+            <a:extLst>
+              <a:ext uri="{FF2B5EF4-FFF2-40B4-BE49-F238E27FC236}">
+                <a16:creationId xmlns:a16="http://schemas.microsoft.com/office/drawing/2014/main" id="{1B323B96-E9B4-4A8E-CCA3-E64721346B33}"/>
+              </a:ext>
+            </a:extLst>
+          </p:cNvPr>
+          <p:cNvSpPr/>
+          <p:nvPr/>
+        </p:nvSpPr>
+        <p:spPr>
+          <a:xfrm>
+            <a:off x="2525443" y="2847640"/>
+            <a:ext cx="1397391" cy="614289"/>
+          </a:xfrm>
+          <a:prstGeom prst="rect">
+            <a:avLst/>
+          </a:prstGeom>
+          <a:ln>
+            <a:solidFill>
+              <a:schemeClr val="tx1"/>
+            </a:solidFill>
+          </a:ln>
+        </p:spPr>
+        <p:style>
+          <a:lnRef idx="2">
+            <a:schemeClr val="accent6"/>
+          </a:lnRef>
+          <a:fillRef idx="1">
+            <a:schemeClr val="lt1"/>
+          </a:fillRef>
+          <a:effectRef idx="0">
+            <a:schemeClr val="accent6"/>
+          </a:effectRef>
+          <a:fontRef idx="minor">
+            <a:schemeClr val="dk1"/>
+          </a:fontRef>
+        </p:style>
+        <p:txBody>
+          <a:bodyPr rtlCol="0" anchor="ctr"/>
+          <a:lstStyle/>
+          <a:p>
+            <a:pPr algn="ctr"/>
+            <a:r>
+              <a:rPr lang="en-GB" dirty="0">
+                <a:latin typeface="Times New Roman" panose="02020603050405020304" pitchFamily="18" charset="0"/>
+                <a:cs typeface="Times New Roman" panose="02020603050405020304" pitchFamily="18" charset="0"/>
+              </a:rPr>
+              <a:t>Infected</a:t>
+            </a:r>
+          </a:p>
+        </p:txBody>
+      </p:sp>
+      <p:sp>
+        <p:nvSpPr>
+          <p:cNvPr id="6" name="正方形/長方形 5">
+            <a:extLst>
+              <a:ext uri="{FF2B5EF4-FFF2-40B4-BE49-F238E27FC236}">
+                <a16:creationId xmlns:a16="http://schemas.microsoft.com/office/drawing/2014/main" id="{BF950409-2803-8D54-1504-24F529420628}"/>
+              </a:ext>
+            </a:extLst>
+          </p:cNvPr>
+          <p:cNvSpPr/>
+          <p:nvPr/>
+        </p:nvSpPr>
+        <p:spPr>
+          <a:xfrm>
+            <a:off x="5006046" y="2212027"/>
+            <a:ext cx="1397391" cy="614289"/>
+          </a:xfrm>
+          <a:prstGeom prst="rect">
+            <a:avLst/>
+          </a:prstGeom>
+          <a:ln>
+            <a:solidFill>
+              <a:schemeClr val="tx1"/>
+            </a:solidFill>
+          </a:ln>
+        </p:spPr>
+        <p:style>
+          <a:lnRef idx="2">
+            <a:schemeClr val="accent6"/>
+          </a:lnRef>
+          <a:fillRef idx="1">
+            <a:schemeClr val="lt1"/>
+          </a:fillRef>
+          <a:effectRef idx="0">
+            <a:schemeClr val="accent6"/>
+          </a:effectRef>
+          <a:fontRef idx="minor">
+            <a:schemeClr val="dk1"/>
+          </a:fontRef>
+        </p:style>
+        <p:txBody>
+          <a:bodyPr rtlCol="0" anchor="ctr"/>
+          <a:lstStyle/>
+          <a:p>
+            <a:pPr algn="ctr"/>
+            <a:r>
+              <a:rPr lang="en-GB" dirty="0">
+                <a:latin typeface="Times New Roman" panose="02020603050405020304" pitchFamily="18" charset="0"/>
+                <a:cs typeface="Times New Roman" panose="02020603050405020304" pitchFamily="18" charset="0"/>
+              </a:rPr>
+              <a:t>Onset of AFP</a:t>
+            </a:r>
+          </a:p>
+        </p:txBody>
+      </p:sp>
+      <p:cxnSp>
+        <p:nvCxnSpPr>
+          <p:cNvPr id="7" name="直線矢印コネクタ 6">
+            <a:extLst>
+              <a:ext uri="{FF2B5EF4-FFF2-40B4-BE49-F238E27FC236}">
+                <a16:creationId xmlns:a16="http://schemas.microsoft.com/office/drawing/2014/main" id="{7046F4A2-66FE-A2B8-2EAC-C0F2918F1E53}"/>
+              </a:ext>
+            </a:extLst>
+          </p:cNvPr>
+          <p:cNvCxnSpPr>
+            <a:stCxn id="3" idx="3"/>
+            <a:endCxn id="5" idx="1"/>
+          </p:cNvCxnSpPr>
+          <p:nvPr/>
+        </p:nvCxnSpPr>
+        <p:spPr>
+          <a:xfrm flipV="1">
+            <a:off x="1713620" y="3154785"/>
+            <a:ext cx="811823" cy="1"/>
+          </a:xfrm>
+          <a:prstGeom prst="straightConnector1">
+            <a:avLst/>
+          </a:prstGeom>
+          <a:ln w="19050">
+            <a:solidFill>
+              <a:schemeClr val="tx1"/>
+            </a:solidFill>
+            <a:tailEnd type="triangle"/>
+          </a:ln>
+        </p:spPr>
+        <p:style>
+          <a:lnRef idx="1">
+            <a:schemeClr val="accent1"/>
+          </a:lnRef>
+          <a:fillRef idx="0">
+            <a:schemeClr val="accent1"/>
+          </a:fillRef>
+          <a:effectRef idx="0">
+            <a:schemeClr val="accent1"/>
+          </a:effectRef>
+          <a:fontRef idx="minor">
+            <a:schemeClr val="tx1"/>
+          </a:fontRef>
+        </p:style>
+      </p:cxnSp>
+      <p:cxnSp>
+        <p:nvCxnSpPr>
+          <p:cNvPr id="8" name="直線矢印コネクタ 7">
+            <a:extLst>
+              <a:ext uri="{FF2B5EF4-FFF2-40B4-BE49-F238E27FC236}">
+                <a16:creationId xmlns:a16="http://schemas.microsoft.com/office/drawing/2014/main" id="{BCD39187-5AF3-C9CF-3E00-7CDC11EC403D}"/>
+              </a:ext>
+            </a:extLst>
+          </p:cNvPr>
+          <p:cNvCxnSpPr>
+            <a:cxnSpLocks/>
+            <a:stCxn id="5" idx="3"/>
+            <a:endCxn id="6" idx="1"/>
+          </p:cNvCxnSpPr>
+          <p:nvPr/>
+        </p:nvCxnSpPr>
+        <p:spPr>
+          <a:xfrm flipV="1">
+            <a:off x="3922834" y="2519172"/>
+            <a:ext cx="1083212" cy="635613"/>
+          </a:xfrm>
+          <a:prstGeom prst="straightConnector1">
+            <a:avLst/>
+          </a:prstGeom>
+          <a:ln w="19050">
+            <a:solidFill>
+              <a:schemeClr val="tx1"/>
+            </a:solidFill>
+            <a:tailEnd type="triangle"/>
+          </a:ln>
+        </p:spPr>
+        <p:style>
+          <a:lnRef idx="1">
+            <a:schemeClr val="accent1"/>
+          </a:lnRef>
+          <a:fillRef idx="0">
+            <a:schemeClr val="accent1"/>
+          </a:fillRef>
+          <a:effectRef idx="0">
+            <a:schemeClr val="accent1"/>
+          </a:effectRef>
+          <a:fontRef idx="minor">
+            <a:schemeClr val="tx1"/>
+          </a:fontRef>
+        </p:style>
+      </p:cxnSp>
+      <p:sp>
+        <p:nvSpPr>
+          <p:cNvPr id="11" name="正方形/長方形 10">
+            <a:extLst>
+              <a:ext uri="{FF2B5EF4-FFF2-40B4-BE49-F238E27FC236}">
+                <a16:creationId xmlns:a16="http://schemas.microsoft.com/office/drawing/2014/main" id="{4AD4A421-3BAD-6764-C0A4-2F848E2EA0AB}"/>
+              </a:ext>
+            </a:extLst>
+          </p:cNvPr>
+          <p:cNvSpPr/>
+          <p:nvPr/>
+        </p:nvSpPr>
+        <p:spPr>
+          <a:xfrm>
+            <a:off x="7185955" y="2233348"/>
+            <a:ext cx="1397391" cy="614289"/>
+          </a:xfrm>
+          <a:prstGeom prst="rect">
+            <a:avLst/>
+          </a:prstGeom>
+          <a:ln>
+            <a:solidFill>
+              <a:schemeClr val="tx1"/>
+            </a:solidFill>
+          </a:ln>
+        </p:spPr>
+        <p:style>
+          <a:lnRef idx="2">
+            <a:schemeClr val="accent6"/>
+          </a:lnRef>
+          <a:fillRef idx="1">
+            <a:schemeClr val="lt1"/>
+          </a:fillRef>
+          <a:effectRef idx="0">
+            <a:schemeClr val="accent6"/>
+          </a:effectRef>
+          <a:fontRef idx="minor">
+            <a:schemeClr val="dk1"/>
+          </a:fontRef>
+        </p:style>
+        <p:txBody>
+          <a:bodyPr rtlCol="0" anchor="ctr"/>
+          <a:lstStyle/>
+          <a:p>
+            <a:pPr algn="ctr"/>
+            <a:r>
+              <a:rPr lang="en-GB" dirty="0">
+                <a:latin typeface="Times New Roman" panose="02020603050405020304" pitchFamily="18" charset="0"/>
+                <a:cs typeface="Times New Roman" panose="02020603050405020304" pitchFamily="18" charset="0"/>
+              </a:rPr>
+              <a:t>Seeking healthcare</a:t>
+            </a:r>
+          </a:p>
+        </p:txBody>
+      </p:sp>
+      <p:cxnSp>
+        <p:nvCxnSpPr>
+          <p:cNvPr id="13" name="直線矢印コネクタ 12">
+            <a:extLst>
+              <a:ext uri="{FF2B5EF4-FFF2-40B4-BE49-F238E27FC236}">
+                <a16:creationId xmlns:a16="http://schemas.microsoft.com/office/drawing/2014/main" id="{62DF7E0C-8E8F-C31D-333B-BBB23716249D}"/>
+              </a:ext>
+            </a:extLst>
+          </p:cNvPr>
+          <p:cNvCxnSpPr>
+            <a:cxnSpLocks/>
+            <a:stCxn id="6" idx="3"/>
+            <a:endCxn id="11" idx="1"/>
+          </p:cNvCxnSpPr>
+          <p:nvPr/>
+        </p:nvCxnSpPr>
+        <p:spPr>
+          <a:xfrm>
+            <a:off x="6403437" y="2519172"/>
+            <a:ext cx="782518" cy="21321"/>
+          </a:xfrm>
+          <a:prstGeom prst="straightConnector1">
+            <a:avLst/>
+          </a:prstGeom>
+          <a:ln w="19050">
+            <a:solidFill>
+              <a:schemeClr val="tx1"/>
+            </a:solidFill>
+            <a:tailEnd type="triangle"/>
+          </a:ln>
+        </p:spPr>
+        <p:style>
+          <a:lnRef idx="1">
+            <a:schemeClr val="accent1"/>
+          </a:lnRef>
+          <a:fillRef idx="0">
+            <a:schemeClr val="accent1"/>
+          </a:fillRef>
+          <a:effectRef idx="0">
+            <a:schemeClr val="accent1"/>
+          </a:effectRef>
+          <a:fontRef idx="minor">
+            <a:schemeClr val="tx1"/>
+          </a:fontRef>
+        </p:style>
+      </p:cxnSp>
+      <p:cxnSp>
+        <p:nvCxnSpPr>
+          <p:cNvPr id="16" name="直線矢印コネクタ 15">
+            <a:extLst>
+              <a:ext uri="{FF2B5EF4-FFF2-40B4-BE49-F238E27FC236}">
+                <a16:creationId xmlns:a16="http://schemas.microsoft.com/office/drawing/2014/main" id="{F4F351E6-85A0-5797-5E96-C7F27CA2B47B}"/>
+              </a:ext>
+            </a:extLst>
+          </p:cNvPr>
+          <p:cNvCxnSpPr>
+            <a:cxnSpLocks/>
+            <a:stCxn id="11" idx="3"/>
+            <a:endCxn id="17" idx="1"/>
+          </p:cNvCxnSpPr>
+          <p:nvPr/>
+        </p:nvCxnSpPr>
+        <p:spPr>
+          <a:xfrm>
+            <a:off x="8583346" y="2540493"/>
+            <a:ext cx="907950" cy="1"/>
+          </a:xfrm>
+          <a:prstGeom prst="straightConnector1">
+            <a:avLst/>
+          </a:prstGeom>
+          <a:ln w="19050">
+            <a:solidFill>
+              <a:schemeClr val="tx1"/>
+            </a:solidFill>
+            <a:tailEnd type="triangle"/>
+          </a:ln>
+        </p:spPr>
+        <p:style>
+          <a:lnRef idx="1">
+            <a:schemeClr val="accent1"/>
+          </a:lnRef>
+          <a:fillRef idx="0">
+            <a:schemeClr val="accent1"/>
+          </a:fillRef>
+          <a:effectRef idx="0">
+            <a:schemeClr val="accent1"/>
+          </a:effectRef>
+          <a:fontRef idx="minor">
+            <a:schemeClr val="tx1"/>
+          </a:fontRef>
+        </p:style>
+      </p:cxnSp>
+      <p:sp>
+        <p:nvSpPr>
+          <p:cNvPr id="17" name="正方形/長方形 16">
+            <a:extLst>
+              <a:ext uri="{FF2B5EF4-FFF2-40B4-BE49-F238E27FC236}">
+                <a16:creationId xmlns:a16="http://schemas.microsoft.com/office/drawing/2014/main" id="{2090DA9E-2E17-3415-E883-DDB8CF980824}"/>
+              </a:ext>
+            </a:extLst>
+          </p:cNvPr>
+          <p:cNvSpPr/>
+          <p:nvPr/>
+        </p:nvSpPr>
+        <p:spPr>
+          <a:xfrm>
+            <a:off x="9491296" y="2233349"/>
+            <a:ext cx="1397391" cy="614289"/>
+          </a:xfrm>
+          <a:prstGeom prst="rect">
+            <a:avLst/>
+          </a:prstGeom>
+          <a:ln>
+            <a:solidFill>
+              <a:schemeClr val="tx1"/>
+            </a:solidFill>
+          </a:ln>
+        </p:spPr>
+        <p:style>
+          <a:lnRef idx="2">
+            <a:schemeClr val="accent6"/>
+          </a:lnRef>
+          <a:fillRef idx="1">
+            <a:schemeClr val="lt1"/>
+          </a:fillRef>
+          <a:effectRef idx="0">
+            <a:schemeClr val="accent6"/>
+          </a:effectRef>
+          <a:fontRef idx="minor">
+            <a:schemeClr val="dk1"/>
+          </a:fontRef>
+        </p:style>
+        <p:txBody>
+          <a:bodyPr rtlCol="0" anchor="ctr"/>
+          <a:lstStyle/>
+          <a:p>
+            <a:pPr algn="ctr"/>
+            <a:r>
+              <a:rPr lang="en-GB" dirty="0">
+                <a:latin typeface="Times New Roman" panose="02020603050405020304" pitchFamily="18" charset="0"/>
+                <a:cs typeface="Times New Roman" panose="02020603050405020304" pitchFamily="18" charset="0"/>
+              </a:rPr>
+              <a:t>Notified as polio</a:t>
+            </a:r>
+          </a:p>
+        </p:txBody>
+      </p:sp>
+      <p:sp>
+        <p:nvSpPr>
+          <p:cNvPr id="18" name="正方形/長方形 17">
+            <a:extLst>
+              <a:ext uri="{FF2B5EF4-FFF2-40B4-BE49-F238E27FC236}">
+                <a16:creationId xmlns:a16="http://schemas.microsoft.com/office/drawing/2014/main" id="{FA2D3C30-A379-A1F6-BB2E-CA37F185E94E}"/>
+              </a:ext>
+            </a:extLst>
+          </p:cNvPr>
+          <p:cNvSpPr/>
+          <p:nvPr/>
+        </p:nvSpPr>
+        <p:spPr>
+          <a:xfrm>
+            <a:off x="5013080" y="3461929"/>
+            <a:ext cx="1397391" cy="614289"/>
+          </a:xfrm>
+          <a:prstGeom prst="rect">
+            <a:avLst/>
+          </a:prstGeom>
+          <a:ln>
+            <a:solidFill>
+              <a:schemeClr val="tx1"/>
+            </a:solidFill>
+          </a:ln>
+        </p:spPr>
+        <p:style>
+          <a:lnRef idx="2">
+            <a:schemeClr val="accent6"/>
+          </a:lnRef>
+          <a:fillRef idx="1">
+            <a:schemeClr val="lt1"/>
+          </a:fillRef>
+          <a:effectRef idx="0">
+            <a:schemeClr val="accent6"/>
+          </a:effectRef>
+          <a:fontRef idx="minor">
+            <a:schemeClr val="dk1"/>
+          </a:fontRef>
+        </p:style>
+        <p:txBody>
+          <a:bodyPr rtlCol="0" anchor="ctr"/>
+          <a:lstStyle/>
+          <a:p>
+            <a:pPr algn="ctr"/>
+            <a:r>
+              <a:rPr lang="en-GB" dirty="0">
+                <a:latin typeface="Times New Roman" panose="02020603050405020304" pitchFamily="18" charset="0"/>
+                <a:cs typeface="Times New Roman" panose="02020603050405020304" pitchFamily="18" charset="0"/>
+              </a:rPr>
+              <a:t>Secretion in sewage</a:t>
+            </a:r>
+          </a:p>
+        </p:txBody>
+      </p:sp>
+      <p:cxnSp>
+        <p:nvCxnSpPr>
+          <p:cNvPr id="19" name="直線矢印コネクタ 18">
+            <a:extLst>
+              <a:ext uri="{FF2B5EF4-FFF2-40B4-BE49-F238E27FC236}">
+                <a16:creationId xmlns:a16="http://schemas.microsoft.com/office/drawing/2014/main" id="{2632A4F3-CFC0-861C-F83F-FEC8D49CC315}"/>
+              </a:ext>
+            </a:extLst>
+          </p:cNvPr>
+          <p:cNvCxnSpPr>
+            <a:cxnSpLocks/>
+            <a:stCxn id="5" idx="3"/>
+            <a:endCxn id="18" idx="1"/>
+          </p:cNvCxnSpPr>
+          <p:nvPr/>
+        </p:nvCxnSpPr>
+        <p:spPr>
+          <a:xfrm>
+            <a:off x="3922834" y="3154785"/>
+            <a:ext cx="1090246" cy="614289"/>
+          </a:xfrm>
+          <a:prstGeom prst="straightConnector1">
+            <a:avLst/>
+          </a:prstGeom>
+          <a:ln w="19050">
+            <a:solidFill>
+              <a:schemeClr val="tx1"/>
+            </a:solidFill>
+            <a:tailEnd type="triangle"/>
+          </a:ln>
+        </p:spPr>
+        <p:style>
+          <a:lnRef idx="1">
+            <a:schemeClr val="accent1"/>
+          </a:lnRef>
+          <a:fillRef idx="0">
+            <a:schemeClr val="accent1"/>
+          </a:fillRef>
+          <a:effectRef idx="0">
+            <a:schemeClr val="accent1"/>
+          </a:effectRef>
+          <a:fontRef idx="minor">
+            <a:schemeClr val="tx1"/>
+          </a:fontRef>
+        </p:style>
+      </p:cxnSp>
+      <p:sp>
+        <p:nvSpPr>
+          <p:cNvPr id="20" name="正方形/長方形 19">
+            <a:extLst>
+              <a:ext uri="{FF2B5EF4-FFF2-40B4-BE49-F238E27FC236}">
+                <a16:creationId xmlns:a16="http://schemas.microsoft.com/office/drawing/2014/main" id="{36EED60D-087F-9A92-A86A-3C886294B6C2}"/>
+              </a:ext>
+            </a:extLst>
+          </p:cNvPr>
+          <p:cNvSpPr/>
+          <p:nvPr/>
+        </p:nvSpPr>
+        <p:spPr>
+          <a:xfrm>
+            <a:off x="7179212" y="3461928"/>
+            <a:ext cx="1397391" cy="614289"/>
+          </a:xfrm>
+          <a:prstGeom prst="rect">
+            <a:avLst/>
+          </a:prstGeom>
+          <a:ln>
+            <a:solidFill>
+              <a:schemeClr val="tx1"/>
+            </a:solidFill>
+          </a:ln>
+        </p:spPr>
+        <p:style>
+          <a:lnRef idx="2">
+            <a:schemeClr val="accent6"/>
+          </a:lnRef>
+          <a:fillRef idx="1">
+            <a:schemeClr val="lt1"/>
+          </a:fillRef>
+          <a:effectRef idx="0">
+            <a:schemeClr val="accent6"/>
+          </a:effectRef>
+          <a:fontRef idx="minor">
+            <a:schemeClr val="dk1"/>
+          </a:fontRef>
+        </p:style>
+        <p:txBody>
+          <a:bodyPr rtlCol="0" anchor="ctr"/>
+          <a:lstStyle/>
+          <a:p>
+            <a:pPr algn="ctr"/>
+            <a:r>
+              <a:rPr lang="en-GB" dirty="0">
+                <a:latin typeface="Times New Roman" panose="02020603050405020304" pitchFamily="18" charset="0"/>
+                <a:cs typeface="Times New Roman" panose="02020603050405020304" pitchFamily="18" charset="0"/>
+              </a:rPr>
+              <a:t>Detected in sewage</a:t>
+            </a:r>
+          </a:p>
+        </p:txBody>
+      </p:sp>
+      <p:cxnSp>
+        <p:nvCxnSpPr>
+          <p:cNvPr id="23" name="直線矢印コネクタ 22">
+            <a:extLst>
+              <a:ext uri="{FF2B5EF4-FFF2-40B4-BE49-F238E27FC236}">
+                <a16:creationId xmlns:a16="http://schemas.microsoft.com/office/drawing/2014/main" id="{CF74AE59-AC8B-B03C-8FBD-D99A868197F2}"/>
+              </a:ext>
+            </a:extLst>
+          </p:cNvPr>
+          <p:cNvCxnSpPr>
+            <a:cxnSpLocks/>
+            <a:stCxn id="18" idx="3"/>
+            <a:endCxn id="20" idx="1"/>
+          </p:cNvCxnSpPr>
+          <p:nvPr/>
+        </p:nvCxnSpPr>
+        <p:spPr>
+          <a:xfrm flipV="1">
+            <a:off x="6410471" y="3769073"/>
+            <a:ext cx="768741" cy="1"/>
+          </a:xfrm>
+          <a:prstGeom prst="straightConnector1">
+            <a:avLst/>
+          </a:prstGeom>
+          <a:ln w="19050">
+            <a:solidFill>
+              <a:schemeClr val="tx1"/>
+            </a:solidFill>
+            <a:tailEnd type="triangle"/>
+          </a:ln>
+        </p:spPr>
+        <p:style>
+          <a:lnRef idx="1">
+            <a:schemeClr val="accent1"/>
+          </a:lnRef>
+          <a:fillRef idx="0">
+            <a:schemeClr val="accent1"/>
+          </a:fillRef>
+          <a:effectRef idx="0">
+            <a:schemeClr val="accent1"/>
+          </a:effectRef>
+          <a:fontRef idx="minor">
+            <a:schemeClr val="tx1"/>
+          </a:fontRef>
+        </p:style>
+      </p:cxnSp>
+      <p:sp>
+        <p:nvSpPr>
+          <p:cNvPr id="24" name="テキスト ボックス 23">
+            <a:extLst>
+              <a:ext uri="{FF2B5EF4-FFF2-40B4-BE49-F238E27FC236}">
+                <a16:creationId xmlns:a16="http://schemas.microsoft.com/office/drawing/2014/main" id="{FD2F83FD-00BD-DAC6-2392-C7CA3642A009}"/>
+              </a:ext>
+            </a:extLst>
+          </p:cNvPr>
+          <p:cNvSpPr txBox="1"/>
+          <p:nvPr/>
+        </p:nvSpPr>
+        <p:spPr>
+          <a:xfrm>
+            <a:off x="1903827" y="2794658"/>
+            <a:ext cx="914400" cy="369332"/>
+          </a:xfrm>
+          <a:prstGeom prst="rect">
+            <a:avLst/>
+          </a:prstGeom>
+          <a:noFill/>
+        </p:spPr>
+        <p:txBody>
+          <a:bodyPr wrap="square" rtlCol="0">
+            <a:spAutoFit/>
+          </a:bodyPr>
+          <a:lstStyle/>
+          <a:p>
+            <a:r>
+              <a:rPr lang="en-US" altLang="ja-JP" dirty="0" err="1"/>
+              <a:t>λv</a:t>
+            </a:r>
+            <a:endParaRPr lang="en-GB" dirty="0"/>
+          </a:p>
+        </p:txBody>
+      </p:sp>
+      <p:sp>
+        <p:nvSpPr>
+          <p:cNvPr id="25" name="テキスト ボックス 24">
+            <a:extLst>
+              <a:ext uri="{FF2B5EF4-FFF2-40B4-BE49-F238E27FC236}">
+                <a16:creationId xmlns:a16="http://schemas.microsoft.com/office/drawing/2014/main" id="{6B89CB76-01CB-03A4-3FD3-271EF2B0B7D4}"/>
+              </a:ext>
+            </a:extLst>
+          </p:cNvPr>
+          <p:cNvSpPr txBox="1"/>
+          <p:nvPr/>
+        </p:nvSpPr>
+        <p:spPr>
+          <a:xfrm>
+            <a:off x="4190118" y="2816545"/>
+            <a:ext cx="1199859" cy="369332"/>
+          </a:xfrm>
+          <a:prstGeom prst="rect">
+            <a:avLst/>
+          </a:prstGeom>
+          <a:noFill/>
+        </p:spPr>
+        <p:txBody>
+          <a:bodyPr wrap="square" rtlCol="0">
+            <a:spAutoFit/>
+          </a:bodyPr>
+          <a:lstStyle/>
+          <a:p>
+            <a:r>
+              <a:rPr lang="en-US" altLang="ja-JP" dirty="0"/>
+              <a:t>pvγ1v</a:t>
+            </a:r>
+            <a:endParaRPr lang="en-GB" dirty="0"/>
+          </a:p>
+        </p:txBody>
+      </p:sp>
+      <p:sp>
+        <p:nvSpPr>
+          <p:cNvPr id="27" name="テキスト ボックス 26">
+            <a:extLst>
+              <a:ext uri="{FF2B5EF4-FFF2-40B4-BE49-F238E27FC236}">
+                <a16:creationId xmlns:a16="http://schemas.microsoft.com/office/drawing/2014/main" id="{5D26AF91-3544-C174-FAF2-AF19CFC64484}"/>
+              </a:ext>
+            </a:extLst>
+          </p:cNvPr>
+          <p:cNvSpPr txBox="1"/>
+          <p:nvPr/>
+        </p:nvSpPr>
+        <p:spPr>
+          <a:xfrm>
+            <a:off x="6619435" y="2140069"/>
+            <a:ext cx="602565" cy="369332"/>
+          </a:xfrm>
+          <a:prstGeom prst="rect">
+            <a:avLst/>
+          </a:prstGeom>
+          <a:noFill/>
+        </p:spPr>
+        <p:txBody>
+          <a:bodyPr wrap="square" rtlCol="0">
+            <a:spAutoFit/>
+          </a:bodyPr>
+          <a:lstStyle/>
+          <a:p>
+            <a:r>
+              <a:rPr lang="en-US" altLang="ja-JP" dirty="0"/>
+              <a:t>γ2</a:t>
+            </a:r>
+            <a:endParaRPr lang="en-GB" dirty="0"/>
+          </a:p>
+        </p:txBody>
+      </p:sp>
+      <p:sp>
+        <p:nvSpPr>
+          <p:cNvPr id="28" name="テキスト ボックス 27">
+            <a:extLst>
+              <a:ext uri="{FF2B5EF4-FFF2-40B4-BE49-F238E27FC236}">
+                <a16:creationId xmlns:a16="http://schemas.microsoft.com/office/drawing/2014/main" id="{C2F5DABA-6D22-A230-3E43-2FB25DAAFD0C}"/>
+              </a:ext>
+            </a:extLst>
+          </p:cNvPr>
+          <p:cNvSpPr txBox="1"/>
+          <p:nvPr/>
+        </p:nvSpPr>
+        <p:spPr>
+          <a:xfrm>
+            <a:off x="8699993" y="2055994"/>
+            <a:ext cx="602565" cy="369332"/>
+          </a:xfrm>
+          <a:prstGeom prst="rect">
+            <a:avLst/>
+          </a:prstGeom>
+          <a:noFill/>
+        </p:spPr>
+        <p:txBody>
+          <a:bodyPr wrap="square" rtlCol="0">
+            <a:spAutoFit/>
+          </a:bodyPr>
+          <a:lstStyle/>
+          <a:p>
+            <a:r>
+              <a:rPr lang="en-US" altLang="ja-JP" dirty="0"/>
+              <a:t>γ3</a:t>
+            </a:r>
+            <a:endParaRPr lang="en-GB" dirty="0"/>
+          </a:p>
+        </p:txBody>
+      </p:sp>
+      <p:sp>
+        <p:nvSpPr>
+          <p:cNvPr id="30" name="テキスト ボックス 29">
+            <a:extLst>
+              <a:ext uri="{FF2B5EF4-FFF2-40B4-BE49-F238E27FC236}">
+                <a16:creationId xmlns:a16="http://schemas.microsoft.com/office/drawing/2014/main" id="{2DD6EB87-6565-8CE7-F962-24D44B2C4C67}"/>
+              </a:ext>
+            </a:extLst>
+          </p:cNvPr>
+          <p:cNvSpPr txBox="1"/>
+          <p:nvPr/>
+        </p:nvSpPr>
+        <p:spPr>
+          <a:xfrm>
+            <a:off x="4210929" y="3514912"/>
+            <a:ext cx="602565" cy="369332"/>
+          </a:xfrm>
+          <a:prstGeom prst="rect">
+            <a:avLst/>
+          </a:prstGeom>
+          <a:noFill/>
+        </p:spPr>
+        <p:txBody>
+          <a:bodyPr wrap="square" rtlCol="0">
+            <a:spAutoFit/>
+          </a:bodyPr>
+          <a:lstStyle/>
+          <a:p>
+            <a:r>
+              <a:rPr lang="en-US" altLang="ja-JP" dirty="0"/>
+              <a:t>τ1v</a:t>
+            </a:r>
+            <a:endParaRPr lang="en-GB" dirty="0"/>
+          </a:p>
+        </p:txBody>
+      </p:sp>
+      <p:sp>
+        <p:nvSpPr>
+          <p:cNvPr id="31" name="テキスト ボックス 30">
+            <a:extLst>
+              <a:ext uri="{FF2B5EF4-FFF2-40B4-BE49-F238E27FC236}">
+                <a16:creationId xmlns:a16="http://schemas.microsoft.com/office/drawing/2014/main" id="{9FC83A52-6338-11EE-52EF-8BA69FFAF0D0}"/>
+              </a:ext>
+            </a:extLst>
+          </p:cNvPr>
+          <p:cNvSpPr txBox="1"/>
+          <p:nvPr/>
+        </p:nvSpPr>
+        <p:spPr>
+          <a:xfrm>
+            <a:off x="6525066" y="3359441"/>
+            <a:ext cx="602565" cy="369332"/>
+          </a:xfrm>
+          <a:prstGeom prst="rect">
+            <a:avLst/>
+          </a:prstGeom>
+          <a:noFill/>
+        </p:spPr>
+        <p:txBody>
+          <a:bodyPr wrap="square" rtlCol="0">
+            <a:spAutoFit/>
+          </a:bodyPr>
+          <a:lstStyle/>
+          <a:p>
+            <a:r>
+              <a:rPr lang="en-US" altLang="ja-JP" dirty="0"/>
+              <a:t>τ2v</a:t>
+            </a:r>
+            <a:endParaRPr lang="en-GB" dirty="0"/>
+          </a:p>
+        </p:txBody>
+      </p:sp>
+      <p:cxnSp>
+        <p:nvCxnSpPr>
+          <p:cNvPr id="42" name="直線矢印コネクタ 41">
+            <a:extLst>
+              <a:ext uri="{FF2B5EF4-FFF2-40B4-BE49-F238E27FC236}">
+                <a16:creationId xmlns:a16="http://schemas.microsoft.com/office/drawing/2014/main" id="{138B28BC-8E41-F09A-C11B-95D67F2CFB7B}"/>
+              </a:ext>
+            </a:extLst>
+          </p:cNvPr>
+          <p:cNvCxnSpPr>
+            <a:cxnSpLocks/>
+            <a:stCxn id="5" idx="3"/>
+            <a:endCxn id="43" idx="1"/>
+          </p:cNvCxnSpPr>
+          <p:nvPr/>
+        </p:nvCxnSpPr>
+        <p:spPr>
+          <a:xfrm flipV="1">
+            <a:off x="3922834" y="1158346"/>
+            <a:ext cx="1090246" cy="1996439"/>
+          </a:xfrm>
+          <a:prstGeom prst="straightConnector1">
+            <a:avLst/>
+          </a:prstGeom>
+          <a:ln w="19050">
+            <a:solidFill>
+              <a:schemeClr val="tx1"/>
+            </a:solidFill>
+            <a:tailEnd type="triangle"/>
+          </a:ln>
+        </p:spPr>
+        <p:style>
+          <a:lnRef idx="1">
+            <a:schemeClr val="accent1"/>
+          </a:lnRef>
+          <a:fillRef idx="0">
+            <a:schemeClr val="accent1"/>
+          </a:fillRef>
+          <a:effectRef idx="0">
+            <a:schemeClr val="accent1"/>
+          </a:effectRef>
+          <a:fontRef idx="minor">
+            <a:schemeClr val="tx1"/>
+          </a:fontRef>
+        </p:style>
+      </p:cxnSp>
+      <p:sp>
+        <p:nvSpPr>
+          <p:cNvPr id="43" name="正方形/長方形 42">
+            <a:extLst>
+              <a:ext uri="{FF2B5EF4-FFF2-40B4-BE49-F238E27FC236}">
+                <a16:creationId xmlns:a16="http://schemas.microsoft.com/office/drawing/2014/main" id="{64B718A0-2B17-96E0-F091-FB07568EBB17}"/>
+              </a:ext>
+            </a:extLst>
+          </p:cNvPr>
+          <p:cNvSpPr/>
+          <p:nvPr/>
+        </p:nvSpPr>
+        <p:spPr>
+          <a:xfrm>
+            <a:off x="5013080" y="851201"/>
+            <a:ext cx="1550084" cy="614289"/>
+          </a:xfrm>
+          <a:prstGeom prst="rect">
+            <a:avLst/>
+          </a:prstGeom>
+          <a:ln>
+            <a:solidFill>
+              <a:schemeClr val="tx1"/>
+            </a:solidFill>
+          </a:ln>
+        </p:spPr>
+        <p:style>
+          <a:lnRef idx="2">
+            <a:schemeClr val="accent6"/>
+          </a:lnRef>
+          <a:fillRef idx="1">
+            <a:schemeClr val="lt1"/>
+          </a:fillRef>
+          <a:effectRef idx="0">
+            <a:schemeClr val="accent6"/>
+          </a:effectRef>
+          <a:fontRef idx="minor">
+            <a:schemeClr val="dk1"/>
+          </a:fontRef>
+        </p:style>
+        <p:txBody>
+          <a:bodyPr rtlCol="0" anchor="ctr"/>
+          <a:lstStyle/>
+          <a:p>
+            <a:pPr algn="ctr"/>
+            <a:r>
+              <a:rPr lang="en-GB" dirty="0">
+                <a:latin typeface="Times New Roman" panose="02020603050405020304" pitchFamily="18" charset="0"/>
+                <a:cs typeface="Times New Roman" panose="02020603050405020304" pitchFamily="18" charset="0"/>
+              </a:rPr>
+              <a:t>Asymptomatic</a:t>
+            </a:r>
+          </a:p>
+        </p:txBody>
+      </p:sp>
+      <p:sp>
+        <p:nvSpPr>
+          <p:cNvPr id="44" name="テキスト ボックス 43">
+            <a:extLst>
+              <a:ext uri="{FF2B5EF4-FFF2-40B4-BE49-F238E27FC236}">
+                <a16:creationId xmlns:a16="http://schemas.microsoft.com/office/drawing/2014/main" id="{46CD95CE-ED38-351B-67D6-528BB0CFA5E5}"/>
+              </a:ext>
+            </a:extLst>
+          </p:cNvPr>
+          <p:cNvSpPr txBox="1"/>
+          <p:nvPr/>
+        </p:nvSpPr>
+        <p:spPr>
+          <a:xfrm>
+            <a:off x="3691301" y="1096158"/>
+            <a:ext cx="1199859" cy="369332"/>
+          </a:xfrm>
+          <a:prstGeom prst="rect">
+            <a:avLst/>
+          </a:prstGeom>
+          <a:noFill/>
+        </p:spPr>
+        <p:txBody>
+          <a:bodyPr wrap="square" rtlCol="0">
+            <a:spAutoFit/>
+          </a:bodyPr>
+          <a:lstStyle/>
+          <a:p>
+            <a:r>
+              <a:rPr lang="en-US" altLang="ja-JP" dirty="0"/>
+              <a:t>(1-pv)γ1v</a:t>
+            </a:r>
+            <a:endParaRPr lang="en-GB" dirty="0"/>
+          </a:p>
+        </p:txBody>
+      </p:sp>
+    </p:spTree>
+    <p:extLst>
+      <p:ext uri="{BB962C8B-B14F-4D97-AF65-F5344CB8AC3E}">
+        <p14:creationId xmlns:p14="http://schemas.microsoft.com/office/powerpoint/2010/main" val="3078950530"/>
       </p:ext>
     </p:extLst>
   </p:cSld>

--- a/doc_ideas/202305_flowchart.pptx
+++ b/doc_ideas/202305_flowchart.pptx
@@ -6,8 +6,8 @@
   </p:sldMasterIdLst>
   <p:sldIdLst>
     <p:sldId id="261" r:id="rId2"/>
-    <p:sldId id="259" r:id="rId3"/>
-    <p:sldId id="260" r:id="rId4"/>
+    <p:sldId id="262" r:id="rId3"/>
+    <p:sldId id="259" r:id="rId4"/>
     <p:sldId id="256" r:id="rId5"/>
     <p:sldId id="257" r:id="rId6"/>
     <p:sldId id="258" r:id="rId7"/>
@@ -266,7 +266,7 @@
           <a:p>
             <a:fld id="{F467A90D-6061-43A1-9F48-580B251C3410}" type="datetimeFigureOut">
               <a:rPr lang="en-GB" smtClean="0"/>
-              <a:t>29/06/2023</a:t>
+              <a:t>30/06/2023</a:t>
             </a:fld>
             <a:endParaRPr lang="en-GB"/>
           </a:p>
@@ -498,7 +498,7 @@
           <a:p>
             <a:fld id="{F467A90D-6061-43A1-9F48-580B251C3410}" type="datetimeFigureOut">
               <a:rPr lang="en-GB" smtClean="0"/>
-              <a:t>29/06/2023</a:t>
+              <a:t>30/06/2023</a:t>
             </a:fld>
             <a:endParaRPr lang="en-GB"/>
           </a:p>
@@ -740,7 +740,7 @@
           <a:p>
             <a:fld id="{F467A90D-6061-43A1-9F48-580B251C3410}" type="datetimeFigureOut">
               <a:rPr lang="en-GB" smtClean="0"/>
-              <a:t>29/06/2023</a:t>
+              <a:t>30/06/2023</a:t>
             </a:fld>
             <a:endParaRPr lang="en-GB"/>
           </a:p>
@@ -972,7 +972,7 @@
           <a:p>
             <a:fld id="{F467A90D-6061-43A1-9F48-580B251C3410}" type="datetimeFigureOut">
               <a:rPr lang="en-GB" smtClean="0"/>
-              <a:t>29/06/2023</a:t>
+              <a:t>30/06/2023</a:t>
             </a:fld>
             <a:endParaRPr lang="en-GB"/>
           </a:p>
@@ -1248,7 +1248,7 @@
           <a:p>
             <a:fld id="{F467A90D-6061-43A1-9F48-580B251C3410}" type="datetimeFigureOut">
               <a:rPr lang="en-GB" smtClean="0"/>
-              <a:t>29/06/2023</a:t>
+              <a:t>30/06/2023</a:t>
             </a:fld>
             <a:endParaRPr lang="en-GB"/>
           </a:p>
@@ -1580,7 +1580,7 @@
           <a:p>
             <a:fld id="{F467A90D-6061-43A1-9F48-580B251C3410}" type="datetimeFigureOut">
               <a:rPr lang="en-GB" smtClean="0"/>
-              <a:t>29/06/2023</a:t>
+              <a:t>30/06/2023</a:t>
             </a:fld>
             <a:endParaRPr lang="en-GB"/>
           </a:p>
@@ -2059,7 +2059,7 @@
           <a:p>
             <a:fld id="{F467A90D-6061-43A1-9F48-580B251C3410}" type="datetimeFigureOut">
               <a:rPr lang="en-GB" smtClean="0"/>
-              <a:t>29/06/2023</a:t>
+              <a:t>30/06/2023</a:t>
             </a:fld>
             <a:endParaRPr lang="en-GB"/>
           </a:p>
@@ -2201,7 +2201,7 @@
           <a:p>
             <a:fld id="{F467A90D-6061-43A1-9F48-580B251C3410}" type="datetimeFigureOut">
               <a:rPr lang="en-GB" smtClean="0"/>
-              <a:t>29/06/2023</a:t>
+              <a:t>30/06/2023</a:t>
             </a:fld>
             <a:endParaRPr lang="en-GB"/>
           </a:p>
@@ -2314,7 +2314,7 @@
           <a:p>
             <a:fld id="{F467A90D-6061-43A1-9F48-580B251C3410}" type="datetimeFigureOut">
               <a:rPr lang="en-GB" smtClean="0"/>
-              <a:t>29/06/2023</a:t>
+              <a:t>30/06/2023</a:t>
             </a:fld>
             <a:endParaRPr lang="en-GB"/>
           </a:p>
@@ -2659,7 +2659,7 @@
           <a:p>
             <a:fld id="{F467A90D-6061-43A1-9F48-580B251C3410}" type="datetimeFigureOut">
               <a:rPr lang="en-GB" smtClean="0"/>
-              <a:t>29/06/2023</a:t>
+              <a:t>30/06/2023</a:t>
             </a:fld>
             <a:endParaRPr lang="en-GB"/>
           </a:p>
@@ -2948,7 +2948,7 @@
           <a:p>
             <a:fld id="{F467A90D-6061-43A1-9F48-580B251C3410}" type="datetimeFigureOut">
               <a:rPr lang="en-GB" smtClean="0"/>
-              <a:t>29/06/2023</a:t>
+              <a:t>30/06/2023</a:t>
             </a:fld>
             <a:endParaRPr lang="en-GB"/>
           </a:p>
@@ -3223,7 +3223,7 @@
           <a:p>
             <a:fld id="{F467A90D-6061-43A1-9F48-580B251C3410}" type="datetimeFigureOut">
               <a:rPr lang="en-GB" smtClean="0"/>
-              <a:t>29/06/2023</a:t>
+              <a:t>30/06/2023</a:t>
             </a:fld>
             <a:endParaRPr lang="en-GB"/>
           </a:p>
@@ -3654,7 +3654,7 @@
         </p:nvSpPr>
         <p:spPr>
           <a:xfrm>
-            <a:off x="819659" y="907477"/>
+            <a:off x="751257" y="749405"/>
             <a:ext cx="2925788" cy="400110"/>
           </a:xfrm>
           <a:prstGeom prst="rect">
@@ -3730,6 +3730,13 @@
               </a:rPr>
               <a:t>S</a:t>
             </a:r>
+            <a:r>
+              <a:rPr lang="en-GB" baseline="-25000" dirty="0">
+                <a:latin typeface="Times New Roman" panose="02020603050405020304" pitchFamily="18" charset="0"/>
+                <a:cs typeface="Times New Roman" panose="02020603050405020304" pitchFamily="18" charset="0"/>
+              </a:rPr>
+              <a:t>i</a:t>
+            </a:r>
           </a:p>
         </p:txBody>
       </p:sp>
@@ -3785,6 +3792,13 @@
               </a:rPr>
               <a:t>E</a:t>
             </a:r>
+            <a:r>
+              <a:rPr lang="en-GB" baseline="-25000" dirty="0">
+                <a:latin typeface="Times New Roman" panose="02020603050405020304" pitchFamily="18" charset="0"/>
+                <a:cs typeface="Times New Roman" panose="02020603050405020304" pitchFamily="18" charset="0"/>
+              </a:rPr>
+              <a:t>i</a:t>
+            </a:r>
           </a:p>
         </p:txBody>
       </p:sp>
@@ -3838,9 +3852,16 @@
                 <a:latin typeface="Times New Roman" panose="02020603050405020304" pitchFamily="18" charset="0"/>
                 <a:cs typeface="Times New Roman" panose="02020603050405020304" pitchFamily="18" charset="0"/>
               </a:rPr>
-              <a:t>Ia</a:t>
-            </a:r>
-            <a:endParaRPr lang="en-GB" dirty="0">
+              <a:t>I</a:t>
+            </a:r>
+            <a:r>
+              <a:rPr lang="en-GB" baseline="-25000" dirty="0" err="1">
+                <a:latin typeface="Times New Roman" panose="02020603050405020304" pitchFamily="18" charset="0"/>
+                <a:cs typeface="Times New Roman" panose="02020603050405020304" pitchFamily="18" charset="0"/>
+              </a:rPr>
+              <a:t>a,i</a:t>
+            </a:r>
+            <a:endParaRPr lang="en-GB" baseline="-25000" dirty="0">
               <a:latin typeface="Times New Roman" panose="02020603050405020304" pitchFamily="18" charset="0"/>
               <a:cs typeface="Times New Roman" panose="02020603050405020304" pitchFamily="18" charset="0"/>
             </a:endParaRPr>
@@ -4038,11 +4059,18 @@
               <a:t>I</a:t>
             </a:r>
             <a:r>
-              <a:rPr lang="en-GB" sz="2000" baseline="-25000" dirty="0">
+              <a:rPr lang="en-GB" baseline="-25000" dirty="0">
                 <a:latin typeface="Times New Roman" panose="02020603050405020304" pitchFamily="18" charset="0"/>
                 <a:cs typeface="Times New Roman" panose="02020603050405020304" pitchFamily="18" charset="0"/>
               </a:rPr>
-              <a:t>AFP</a:t>
+              <a:t>AFP, </a:t>
+            </a:r>
+            <a:r>
+              <a:rPr lang="en-GB" baseline="-25000" dirty="0" err="1">
+                <a:latin typeface="Times New Roman" panose="02020603050405020304" pitchFamily="18" charset="0"/>
+                <a:cs typeface="Times New Roman" panose="02020603050405020304" pitchFamily="18" charset="0"/>
+              </a:rPr>
+              <a:t>i</a:t>
             </a:r>
             <a:endParaRPr lang="en-GB" baseline="-25000" dirty="0">
               <a:latin typeface="Times New Roman" panose="02020603050405020304" pitchFamily="18" charset="0"/>
@@ -4173,17 +4201,25 @@
           <a:p>
             <a:r>
               <a:rPr lang="en-US" altLang="ja-JP" dirty="0"/>
-              <a:t>(1-pAFP)</a:t>
+              <a:t>(1-p</a:t>
+            </a:r>
+            <a:r>
+              <a:rPr lang="en-US" altLang="ja-JP" baseline="-25000" dirty="0"/>
+              <a:t>AFP</a:t>
+            </a:r>
+            <a:r>
+              <a:rPr lang="en-US" altLang="ja-JP" dirty="0"/>
+              <a:t>)</a:t>
             </a:r>
             <a:r>
               <a:rPr lang="el-GR" altLang="ja-JP" dirty="0"/>
               <a:t>γ</a:t>
             </a:r>
             <a:r>
-              <a:rPr lang="en-US" altLang="ja-JP" dirty="0"/>
+              <a:rPr lang="en-US" altLang="ja-JP" baseline="-25000" dirty="0"/>
               <a:t>1</a:t>
             </a:r>
-            <a:endParaRPr lang="en-GB" dirty="0"/>
+            <a:endParaRPr lang="en-GB" baseline="-25000" dirty="0"/>
           </a:p>
         </p:txBody>
       </p:sp>
@@ -4220,10 +4256,10 @@
               <a:t>γ</a:t>
             </a:r>
             <a:r>
-              <a:rPr lang="en-US" altLang="ja-JP" dirty="0"/>
+              <a:rPr lang="en-US" altLang="ja-JP" baseline="-25000" dirty="0"/>
               <a:t>2</a:t>
             </a:r>
-            <a:endParaRPr lang="en-GB" dirty="0"/>
+            <a:endParaRPr lang="en-GB" baseline="-25000" dirty="0"/>
           </a:p>
         </p:txBody>
       </p:sp>
@@ -4241,7 +4277,7 @@
         </p:nvSpPr>
         <p:spPr>
           <a:xfrm>
-            <a:off x="4987036" y="2225443"/>
+            <a:off x="4993406" y="2299412"/>
             <a:ext cx="525225" cy="371209"/>
           </a:xfrm>
           <a:prstGeom prst="rect">
@@ -4260,10 +4296,10 @@
               <a:t>γ</a:t>
             </a:r>
             <a:r>
-              <a:rPr lang="en-US" altLang="ja-JP" dirty="0"/>
+              <a:rPr lang="en-US" altLang="ja-JP" baseline="-25000" dirty="0"/>
               <a:t>3</a:t>
             </a:r>
-            <a:endParaRPr lang="en-GB" dirty="0"/>
+            <a:endParaRPr lang="en-GB" baseline="-25000" dirty="0"/>
           </a:p>
         </p:txBody>
       </p:sp>
@@ -4319,6 +4355,13 @@
               </a:rPr>
               <a:t>R</a:t>
             </a:r>
+            <a:r>
+              <a:rPr lang="en-GB" baseline="-25000" dirty="0">
+                <a:latin typeface="Times New Roman" panose="02020603050405020304" pitchFamily="18" charset="0"/>
+                <a:cs typeface="Times New Roman" panose="02020603050405020304" pitchFamily="18" charset="0"/>
+              </a:rPr>
+              <a:t>i</a:t>
+            </a:r>
           </a:p>
         </p:txBody>
       </p:sp>
@@ -4336,7 +4379,7 @@
         </p:nvSpPr>
         <p:spPr>
           <a:xfrm>
-            <a:off x="2796492" y="2260013"/>
+            <a:off x="2773970" y="2284655"/>
             <a:ext cx="1259280" cy="369332"/>
           </a:xfrm>
           <a:prstGeom prst="rect">
@@ -4352,17 +4395,21 @@
           <a:p>
             <a:r>
               <a:rPr lang="en-US" altLang="ja-JP" dirty="0" err="1"/>
-              <a:t>pAFP</a:t>
+              <a:t>p</a:t>
+            </a:r>
+            <a:r>
+              <a:rPr lang="en-US" altLang="ja-JP" baseline="-25000" dirty="0" err="1"/>
+              <a:t>AFP</a:t>
             </a:r>
             <a:r>
               <a:rPr lang="el-GR" altLang="ja-JP" dirty="0"/>
               <a:t>γ</a:t>
             </a:r>
             <a:r>
-              <a:rPr lang="en-US" altLang="ja-JP" dirty="0"/>
+              <a:rPr lang="en-US" altLang="ja-JP" baseline="-25000" dirty="0"/>
               <a:t>1</a:t>
             </a:r>
-            <a:endParaRPr lang="en-GB" dirty="0"/>
+            <a:endParaRPr lang="en-GB" baseline="-25000" dirty="0"/>
           </a:p>
         </p:txBody>
       </p:sp>
@@ -4410,7 +4457,7 @@
         </p:nvSpPr>
         <p:spPr>
           <a:xfrm>
-            <a:off x="825590" y="928983"/>
+            <a:off x="819659" y="907477"/>
             <a:ext cx="2925788" cy="400110"/>
           </a:xfrm>
           <a:prstGeom prst="rect">
@@ -4707,14 +4754,14 @@
           <p:cNvCxnSpPr>
             <a:cxnSpLocks/>
             <a:stCxn id="7" idx="3"/>
-            <a:endCxn id="46" idx="1"/>
+            <a:endCxn id="3" idx="1"/>
           </p:cNvCxnSpPr>
           <p:nvPr/>
         </p:nvCxnSpPr>
         <p:spPr>
-          <a:xfrm flipV="1">
-            <a:off x="4749600" y="1386928"/>
-            <a:ext cx="549293" cy="17"/>
+          <a:xfrm>
+            <a:off x="4749600" y="1386945"/>
+            <a:ext cx="975289" cy="531353"/>
           </a:xfrm>
           <a:prstGeom prst="straightConnector1">
             <a:avLst/>
@@ -4865,14 +4912,14 @@
           <p:cNvCxnSpPr>
             <a:cxnSpLocks/>
             <a:stCxn id="35" idx="3"/>
-            <a:endCxn id="12" idx="1"/>
+            <a:endCxn id="3" idx="1"/>
           </p:cNvCxnSpPr>
           <p:nvPr/>
         </p:nvCxnSpPr>
         <p:spPr>
           <a:xfrm flipV="1">
-            <a:off x="4749600" y="2517048"/>
-            <a:ext cx="917482" cy="1"/>
+            <a:off x="4749600" y="1918298"/>
+            <a:ext cx="975289" cy="598751"/>
           </a:xfrm>
           <a:prstGeom prst="straightConnector1">
             <a:avLst/>
@@ -4901,10 +4948,134 @@
       </p:cxnSp>
       <p:sp>
         <p:nvSpPr>
-          <p:cNvPr id="12" name="正方形/長方形 11">
-            <a:extLst>
-              <a:ext uri="{FF2B5EF4-FFF2-40B4-BE49-F238E27FC236}">
-                <a16:creationId xmlns:a16="http://schemas.microsoft.com/office/drawing/2014/main" id="{6A1B3995-1E73-B21C-8AA4-8602BF14562D}"/>
+          <p:cNvPr id="19" name="テキスト ボックス 18">
+            <a:extLst>
+              <a:ext uri="{FF2B5EF4-FFF2-40B4-BE49-F238E27FC236}">
+                <a16:creationId xmlns:a16="http://schemas.microsoft.com/office/drawing/2014/main" id="{0BE1140A-DC93-A89B-F351-DCF375DDF165}"/>
+              </a:ext>
+            </a:extLst>
+          </p:cNvPr>
+          <p:cNvSpPr txBox="1"/>
+          <p:nvPr/>
+        </p:nvSpPr>
+        <p:spPr>
+          <a:xfrm>
+            <a:off x="2711670" y="1062621"/>
+            <a:ext cx="1259280" cy="369332"/>
+          </a:xfrm>
+          <a:prstGeom prst="rect">
+            <a:avLst/>
+          </a:prstGeom>
+          <a:noFill/>
+        </p:spPr>
+        <p:txBody>
+          <a:bodyPr wrap="square" rtlCol="0">
+            <a:spAutoFit/>
+          </a:bodyPr>
+          <a:lstStyle/>
+          <a:p>
+            <a:r>
+              <a:rPr lang="en-US" altLang="ja-JP" dirty="0"/>
+              <a:t>(1-pAFP)</a:t>
+            </a:r>
+            <a:r>
+              <a:rPr lang="el-GR" altLang="ja-JP" dirty="0"/>
+              <a:t>γ</a:t>
+            </a:r>
+            <a:r>
+              <a:rPr lang="en-US" altLang="ja-JP" dirty="0"/>
+              <a:t>1</a:t>
+            </a:r>
+            <a:endParaRPr lang="en-GB" dirty="0"/>
+          </a:p>
+        </p:txBody>
+      </p:sp>
+      <p:sp>
+        <p:nvSpPr>
+          <p:cNvPr id="21" name="テキスト ボックス 20">
+            <a:extLst>
+              <a:ext uri="{FF2B5EF4-FFF2-40B4-BE49-F238E27FC236}">
+                <a16:creationId xmlns:a16="http://schemas.microsoft.com/office/drawing/2014/main" id="{47C084D1-B02E-D8FC-3C29-B8D8EFE2B96C}"/>
+              </a:ext>
+            </a:extLst>
+          </p:cNvPr>
+          <p:cNvSpPr txBox="1"/>
+          <p:nvPr/>
+        </p:nvSpPr>
+        <p:spPr>
+          <a:xfrm>
+            <a:off x="4905076" y="1015734"/>
+            <a:ext cx="546884" cy="371209"/>
+          </a:xfrm>
+          <a:prstGeom prst="rect">
+            <a:avLst/>
+          </a:prstGeom>
+          <a:noFill/>
+        </p:spPr>
+        <p:txBody>
+          <a:bodyPr wrap="square" rtlCol="0">
+            <a:spAutoFit/>
+          </a:bodyPr>
+          <a:lstStyle/>
+          <a:p>
+            <a:r>
+              <a:rPr lang="el-GR" altLang="ja-JP" dirty="0"/>
+              <a:t>γ</a:t>
+            </a:r>
+            <a:r>
+              <a:rPr lang="en-US" altLang="ja-JP" dirty="0"/>
+              <a:t>2</a:t>
+            </a:r>
+            <a:endParaRPr lang="en-GB" dirty="0"/>
+          </a:p>
+        </p:txBody>
+      </p:sp>
+      <p:sp>
+        <p:nvSpPr>
+          <p:cNvPr id="22" name="テキスト ボックス 21">
+            <a:extLst>
+              <a:ext uri="{FF2B5EF4-FFF2-40B4-BE49-F238E27FC236}">
+                <a16:creationId xmlns:a16="http://schemas.microsoft.com/office/drawing/2014/main" id="{5ADAC251-9665-E6AC-75D0-4065AF0398B2}"/>
+              </a:ext>
+            </a:extLst>
+          </p:cNvPr>
+          <p:cNvSpPr txBox="1"/>
+          <p:nvPr/>
+        </p:nvSpPr>
+        <p:spPr>
+          <a:xfrm>
+            <a:off x="4987036" y="2225443"/>
+            <a:ext cx="525225" cy="371209"/>
+          </a:xfrm>
+          <a:prstGeom prst="rect">
+            <a:avLst/>
+          </a:prstGeom>
+          <a:noFill/>
+        </p:spPr>
+        <p:txBody>
+          <a:bodyPr wrap="square" rtlCol="0">
+            <a:spAutoFit/>
+          </a:bodyPr>
+          <a:lstStyle/>
+          <a:p>
+            <a:r>
+              <a:rPr lang="el-GR" altLang="ja-JP" dirty="0"/>
+              <a:t>γ</a:t>
+            </a:r>
+            <a:r>
+              <a:rPr lang="en-US" altLang="ja-JP" dirty="0"/>
+              <a:t>3</a:t>
+            </a:r>
+            <a:endParaRPr lang="en-GB" dirty="0"/>
+          </a:p>
+        </p:txBody>
+      </p:sp>
+      <p:sp>
+        <p:nvSpPr>
+          <p:cNvPr id="3" name="正方形/長方形 7">
+            <a:extLst>
+              <a:ext uri="{FF2B5EF4-FFF2-40B4-BE49-F238E27FC236}">
+                <a16:creationId xmlns:a16="http://schemas.microsoft.com/office/drawing/2014/main" id="{5F79FB49-6C50-85B6-B91B-3EACA8D7DB5A}"/>
               </a:ext>
             </a:extLst>
           </p:cNvPr>
@@ -4913,8 +5084,8 @@
         </p:nvSpPr>
         <p:spPr>
           <a:xfrm>
-            <a:off x="5667082" y="2209903"/>
-            <a:ext cx="857836" cy="614289"/>
+            <a:off x="5724889" y="1631010"/>
+            <a:ext cx="857836" cy="574575"/>
           </a:xfrm>
           <a:prstGeom prst="rect">
             <a:avLst/>
@@ -4949,17 +5120,17 @@
                 <a:latin typeface="Times New Roman" panose="02020603050405020304" pitchFamily="18" charset="0"/>
                 <a:cs typeface="Times New Roman" panose="02020603050405020304" pitchFamily="18" charset="0"/>
               </a:rPr>
-              <a:t>H</a:t>
-            </a:r>
-          </a:p>
-        </p:txBody>
-      </p:sp>
-      <p:sp>
-        <p:nvSpPr>
-          <p:cNvPr id="19" name="テキスト ボックス 18">
-            <a:extLst>
-              <a:ext uri="{FF2B5EF4-FFF2-40B4-BE49-F238E27FC236}">
-                <a16:creationId xmlns:a16="http://schemas.microsoft.com/office/drawing/2014/main" id="{0BE1140A-DC93-A89B-F351-DCF375DDF165}"/>
+              <a:t>R</a:t>
+            </a:r>
+          </a:p>
+        </p:txBody>
+      </p:sp>
+      <p:sp>
+        <p:nvSpPr>
+          <p:cNvPr id="16" name="テキスト ボックス 18">
+            <a:extLst>
+              <a:ext uri="{FF2B5EF4-FFF2-40B4-BE49-F238E27FC236}">
+                <a16:creationId xmlns:a16="http://schemas.microsoft.com/office/drawing/2014/main" id="{4FC3355B-8165-27B6-AB99-226946C4C4D0}"/>
               </a:ext>
             </a:extLst>
           </p:cNvPr>
@@ -4968,8 +5139,8 @@
         </p:nvSpPr>
         <p:spPr>
           <a:xfrm>
-            <a:off x="3205966" y="1238516"/>
-            <a:ext cx="602565" cy="369332"/>
+            <a:off x="2796492" y="2260013"/>
+            <a:ext cx="1259280" cy="369332"/>
           </a:xfrm>
           <a:prstGeom prst="rect">
             <a:avLst/>
@@ -4983,6 +5154,10 @@
           <a:lstStyle/>
           <a:p>
             <a:r>
+              <a:rPr lang="en-US" altLang="ja-JP" dirty="0" err="1"/>
+              <a:t>pAFP</a:t>
+            </a:r>
+            <a:r>
               <a:rPr lang="el-GR" altLang="ja-JP" dirty="0"/>
               <a:t>γ</a:t>
             </a:r>
@@ -4994,495 +5169,10 @@
           </a:p>
         </p:txBody>
       </p:sp>
-      <p:sp>
-        <p:nvSpPr>
-          <p:cNvPr id="20" name="テキスト ボックス 19">
-            <a:extLst>
-              <a:ext uri="{FF2B5EF4-FFF2-40B4-BE49-F238E27FC236}">
-                <a16:creationId xmlns:a16="http://schemas.microsoft.com/office/drawing/2014/main" id="{E0350099-D1B7-1ED8-9FD7-41FEB3D718E1}"/>
-              </a:ext>
-            </a:extLst>
-          </p:cNvPr>
-          <p:cNvSpPr txBox="1"/>
-          <p:nvPr/>
-        </p:nvSpPr>
-        <p:spPr>
-          <a:xfrm>
-            <a:off x="3227650" y="2182076"/>
-            <a:ext cx="546884" cy="371209"/>
-          </a:xfrm>
-          <a:prstGeom prst="rect">
-            <a:avLst/>
-          </a:prstGeom>
-          <a:noFill/>
-        </p:spPr>
-        <p:txBody>
-          <a:bodyPr wrap="square" rtlCol="0">
-            <a:spAutoFit/>
-          </a:bodyPr>
-          <a:lstStyle/>
-          <a:p>
-            <a:r>
-              <a:rPr lang="el-GR" altLang="ja-JP" dirty="0"/>
-              <a:t>γ</a:t>
-            </a:r>
-            <a:r>
-              <a:rPr lang="en-US" altLang="ja-JP" dirty="0"/>
-              <a:t>1</a:t>
-            </a:r>
-            <a:endParaRPr lang="en-GB" dirty="0"/>
-          </a:p>
-        </p:txBody>
-      </p:sp>
-      <p:sp>
-        <p:nvSpPr>
-          <p:cNvPr id="21" name="テキスト ボックス 20">
-            <a:extLst>
-              <a:ext uri="{FF2B5EF4-FFF2-40B4-BE49-F238E27FC236}">
-                <a16:creationId xmlns:a16="http://schemas.microsoft.com/office/drawing/2014/main" id="{47C084D1-B02E-D8FC-3C29-B8D8EFE2B96C}"/>
-              </a:ext>
-            </a:extLst>
-          </p:cNvPr>
-          <p:cNvSpPr txBox="1"/>
-          <p:nvPr/>
-        </p:nvSpPr>
-        <p:spPr>
-          <a:xfrm>
-            <a:off x="4905076" y="1015734"/>
-            <a:ext cx="546884" cy="371209"/>
-          </a:xfrm>
-          <a:prstGeom prst="rect">
-            <a:avLst/>
-          </a:prstGeom>
-          <a:noFill/>
-        </p:spPr>
-        <p:txBody>
-          <a:bodyPr wrap="square" rtlCol="0">
-            <a:spAutoFit/>
-          </a:bodyPr>
-          <a:lstStyle/>
-          <a:p>
-            <a:r>
-              <a:rPr lang="el-GR" altLang="ja-JP" dirty="0"/>
-              <a:t>γ</a:t>
-            </a:r>
-            <a:r>
-              <a:rPr lang="en-US" altLang="ja-JP" dirty="0"/>
-              <a:t>2</a:t>
-            </a:r>
-            <a:endParaRPr lang="en-GB" dirty="0"/>
-          </a:p>
-        </p:txBody>
-      </p:sp>
-      <p:sp>
-        <p:nvSpPr>
-          <p:cNvPr id="22" name="テキスト ボックス 21">
-            <a:extLst>
-              <a:ext uri="{FF2B5EF4-FFF2-40B4-BE49-F238E27FC236}">
-                <a16:creationId xmlns:a16="http://schemas.microsoft.com/office/drawing/2014/main" id="{5ADAC251-9665-E6AC-75D0-4065AF0398B2}"/>
-              </a:ext>
-            </a:extLst>
-          </p:cNvPr>
-          <p:cNvSpPr txBox="1"/>
-          <p:nvPr/>
-        </p:nvSpPr>
-        <p:spPr>
-          <a:xfrm>
-            <a:off x="4934899" y="2107049"/>
-            <a:ext cx="517061" cy="371209"/>
-          </a:xfrm>
-          <a:prstGeom prst="rect">
-            <a:avLst/>
-          </a:prstGeom>
-          <a:noFill/>
-        </p:spPr>
-        <p:txBody>
-          <a:bodyPr wrap="square" rtlCol="0">
-            <a:spAutoFit/>
-          </a:bodyPr>
-          <a:lstStyle/>
-          <a:p>
-            <a:r>
-              <a:rPr lang="el-GR" altLang="ja-JP" dirty="0"/>
-              <a:t>γ</a:t>
-            </a:r>
-            <a:r>
-              <a:rPr lang="en-US" altLang="ja-JP" dirty="0"/>
-              <a:t>3</a:t>
-            </a:r>
-            <a:endParaRPr lang="en-GB" dirty="0"/>
-          </a:p>
-        </p:txBody>
-      </p:sp>
-      <p:sp>
-        <p:nvSpPr>
-          <p:cNvPr id="3" name="正方形/長方形 7">
-            <a:extLst>
-              <a:ext uri="{FF2B5EF4-FFF2-40B4-BE49-F238E27FC236}">
-                <a16:creationId xmlns:a16="http://schemas.microsoft.com/office/drawing/2014/main" id="{5F79FB49-6C50-85B6-B91B-3EACA8D7DB5A}"/>
-              </a:ext>
-            </a:extLst>
-          </p:cNvPr>
-          <p:cNvSpPr/>
-          <p:nvPr/>
-        </p:nvSpPr>
-        <p:spPr>
-          <a:xfrm>
-            <a:off x="8301566" y="1088767"/>
-            <a:ext cx="857836" cy="574575"/>
-          </a:xfrm>
-          <a:prstGeom prst="rect">
-            <a:avLst/>
-          </a:prstGeom>
-          <a:ln>
-            <a:solidFill>
-              <a:schemeClr val="tx1"/>
-            </a:solidFill>
-          </a:ln>
-        </p:spPr>
-        <p:style>
-          <a:lnRef idx="2">
-            <a:schemeClr val="accent6"/>
-          </a:lnRef>
-          <a:fillRef idx="1">
-            <a:schemeClr val="lt1"/>
-          </a:fillRef>
-          <a:effectRef idx="0">
-            <a:schemeClr val="accent6"/>
-          </a:effectRef>
-          <a:fontRef idx="minor">
-            <a:schemeClr val="dk1"/>
-          </a:fontRef>
-        </p:style>
-        <p:txBody>
-          <a:bodyPr rtlCol="0" anchor="ctr"/>
-          <a:lstStyle/>
-          <a:p>
-            <a:pPr algn="ctr"/>
-            <a:r>
-              <a:rPr lang="en-GB" dirty="0">
-                <a:latin typeface="Times New Roman" panose="02020603050405020304" pitchFamily="18" charset="0"/>
-                <a:cs typeface="Times New Roman" panose="02020603050405020304" pitchFamily="18" charset="0"/>
-              </a:rPr>
-              <a:t>R</a:t>
-            </a:r>
-          </a:p>
-        </p:txBody>
-      </p:sp>
-      <p:sp>
-        <p:nvSpPr>
-          <p:cNvPr id="10" name="正方形/長方形 6">
-            <a:extLst>
-              <a:ext uri="{FF2B5EF4-FFF2-40B4-BE49-F238E27FC236}">
-                <a16:creationId xmlns:a16="http://schemas.microsoft.com/office/drawing/2014/main" id="{B0EC1827-EB48-8E23-7AC7-17CF541D2DFC}"/>
-              </a:ext>
-            </a:extLst>
-          </p:cNvPr>
-          <p:cNvSpPr/>
-          <p:nvPr/>
-        </p:nvSpPr>
-        <p:spPr>
-          <a:xfrm>
-            <a:off x="6420017" y="1068911"/>
-            <a:ext cx="857836" cy="614289"/>
-          </a:xfrm>
-          <a:prstGeom prst="rect">
-            <a:avLst/>
-          </a:prstGeom>
-          <a:ln>
-            <a:solidFill>
-              <a:schemeClr val="tx1"/>
-            </a:solidFill>
-          </a:ln>
-        </p:spPr>
-        <p:style>
-          <a:lnRef idx="2">
-            <a:schemeClr val="accent6"/>
-          </a:lnRef>
-          <a:fillRef idx="1">
-            <a:schemeClr val="lt1"/>
-          </a:fillRef>
-          <a:effectRef idx="0">
-            <a:schemeClr val="accent6"/>
-          </a:effectRef>
-          <a:fontRef idx="minor">
-            <a:schemeClr val="dk1"/>
-          </a:fontRef>
-        </p:style>
-        <p:txBody>
-          <a:bodyPr rtlCol="0" anchor="ctr"/>
-          <a:lstStyle/>
-          <a:p>
-            <a:pPr algn="ctr"/>
-            <a:r>
-              <a:rPr lang="en-GB" dirty="0" err="1">
-                <a:latin typeface="Times New Roman" panose="02020603050405020304" pitchFamily="18" charset="0"/>
-                <a:cs typeface="Times New Roman" panose="02020603050405020304" pitchFamily="18" charset="0"/>
-              </a:rPr>
-              <a:t>Ia</a:t>
-            </a:r>
-            <a:endParaRPr lang="en-GB" dirty="0">
-              <a:latin typeface="Times New Roman" panose="02020603050405020304" pitchFamily="18" charset="0"/>
-              <a:cs typeface="Times New Roman" panose="02020603050405020304" pitchFamily="18" charset="0"/>
-            </a:endParaRPr>
-          </a:p>
-        </p:txBody>
-      </p:sp>
-      <p:cxnSp>
-        <p:nvCxnSpPr>
-          <p:cNvPr id="15" name="直線矢印コネクタ 16">
-            <a:extLst>
-              <a:ext uri="{FF2B5EF4-FFF2-40B4-BE49-F238E27FC236}">
-                <a16:creationId xmlns:a16="http://schemas.microsoft.com/office/drawing/2014/main" id="{0CC3BBAD-2929-E946-D72A-60FD7F0D177A}"/>
-              </a:ext>
-            </a:extLst>
-          </p:cNvPr>
-          <p:cNvCxnSpPr>
-            <a:cxnSpLocks/>
-            <a:stCxn id="10" idx="3"/>
-            <a:endCxn id="3" idx="1"/>
-          </p:cNvCxnSpPr>
-          <p:nvPr/>
-        </p:nvCxnSpPr>
-        <p:spPr>
-          <a:xfrm flipV="1">
-            <a:off x="7277853" y="1376055"/>
-            <a:ext cx="1023713" cy="1"/>
-          </a:xfrm>
-          <a:prstGeom prst="straightConnector1">
-            <a:avLst/>
-          </a:prstGeom>
-          <a:ln w="19050">
-            <a:solidFill>
-              <a:schemeClr val="tx1"/>
-            </a:solidFill>
-            <a:tailEnd type="triangle"/>
-          </a:ln>
-        </p:spPr>
-        <p:style>
-          <a:lnRef idx="1">
-            <a:schemeClr val="accent1"/>
-          </a:lnRef>
-          <a:fillRef idx="0">
-            <a:schemeClr val="accent1"/>
-          </a:fillRef>
-          <a:effectRef idx="0">
-            <a:schemeClr val="accent1"/>
-          </a:effectRef>
-          <a:fontRef idx="minor">
-            <a:schemeClr val="tx1"/>
-          </a:fontRef>
-        </p:style>
-      </p:cxnSp>
-      <p:sp>
-        <p:nvSpPr>
-          <p:cNvPr id="31" name="テキスト ボックス 20">
-            <a:extLst>
-              <a:ext uri="{FF2B5EF4-FFF2-40B4-BE49-F238E27FC236}">
-                <a16:creationId xmlns:a16="http://schemas.microsoft.com/office/drawing/2014/main" id="{EAB38820-D57D-A785-BA54-DF5ABD2B15E6}"/>
-              </a:ext>
-            </a:extLst>
-          </p:cNvPr>
-          <p:cNvSpPr txBox="1"/>
-          <p:nvPr/>
-        </p:nvSpPr>
-        <p:spPr>
-          <a:xfrm>
-            <a:off x="7581274" y="943433"/>
-            <a:ext cx="546884" cy="371209"/>
-          </a:xfrm>
-          <a:prstGeom prst="rect">
-            <a:avLst/>
-          </a:prstGeom>
-          <a:noFill/>
-        </p:spPr>
-        <p:txBody>
-          <a:bodyPr wrap="square" rtlCol="0">
-            <a:spAutoFit/>
-          </a:bodyPr>
-          <a:lstStyle/>
-          <a:p>
-            <a:r>
-              <a:rPr lang="el-GR" altLang="ja-JP" dirty="0"/>
-              <a:t>γ</a:t>
-            </a:r>
-            <a:r>
-              <a:rPr lang="en-US" altLang="ja-JP" dirty="0"/>
-              <a:t>2</a:t>
-            </a:r>
-            <a:endParaRPr lang="en-GB" dirty="0"/>
-          </a:p>
-        </p:txBody>
-      </p:sp>
-      <p:sp>
-        <p:nvSpPr>
-          <p:cNvPr id="32" name="Left Brace 31">
-            <a:extLst>
-              <a:ext uri="{FF2B5EF4-FFF2-40B4-BE49-F238E27FC236}">
-                <a16:creationId xmlns:a16="http://schemas.microsoft.com/office/drawing/2014/main" id="{A3D00E51-6E7B-3A7D-2EFF-E8B3341C7DD5}"/>
-              </a:ext>
-            </a:extLst>
-          </p:cNvPr>
-          <p:cNvSpPr/>
-          <p:nvPr/>
-        </p:nvSpPr>
-        <p:spPr>
-          <a:xfrm rot="5400000">
-            <a:off x="5475831" y="-864844"/>
-            <a:ext cx="268636" cy="3181502"/>
-          </a:xfrm>
-          <a:prstGeom prst="leftBrace">
-            <a:avLst/>
-          </a:prstGeom>
-          <a:ln>
-            <a:solidFill>
-              <a:schemeClr val="tx1"/>
-            </a:solidFill>
-          </a:ln>
-        </p:spPr>
-        <p:style>
-          <a:lnRef idx="1">
-            <a:schemeClr val="accent1"/>
-          </a:lnRef>
-          <a:fillRef idx="0">
-            <a:schemeClr val="accent1"/>
-          </a:fillRef>
-          <a:effectRef idx="0">
-            <a:schemeClr val="accent1"/>
-          </a:effectRef>
-          <a:fontRef idx="minor">
-            <a:schemeClr val="tx1"/>
-          </a:fontRef>
-        </p:style>
-        <p:txBody>
-          <a:bodyPr rtlCol="0" anchor="ctr"/>
-          <a:lstStyle/>
-          <a:p>
-            <a:pPr algn="ctr"/>
-            <a:endParaRPr lang="en-GB"/>
-          </a:p>
-        </p:txBody>
-      </p:sp>
-      <p:sp>
-        <p:nvSpPr>
-          <p:cNvPr id="33" name="TextBox 32">
-            <a:extLst>
-              <a:ext uri="{FF2B5EF4-FFF2-40B4-BE49-F238E27FC236}">
-                <a16:creationId xmlns:a16="http://schemas.microsoft.com/office/drawing/2014/main" id="{1F401F88-89E1-E651-F2EA-616B61B055DA}"/>
-              </a:ext>
-            </a:extLst>
-          </p:cNvPr>
-          <p:cNvSpPr txBox="1"/>
-          <p:nvPr/>
-        </p:nvSpPr>
-        <p:spPr>
-          <a:xfrm>
-            <a:off x="3458300" y="189520"/>
-            <a:ext cx="3987319" cy="369332"/>
-          </a:xfrm>
-          <a:prstGeom prst="rect">
-            <a:avLst/>
-          </a:prstGeom>
-          <a:noFill/>
-        </p:spPr>
-        <p:txBody>
-          <a:bodyPr wrap="square" rtlCol="0">
-            <a:spAutoFit/>
-          </a:bodyPr>
-          <a:lstStyle/>
-          <a:p>
-            <a:r>
-              <a:rPr lang="en-GB" dirty="0"/>
-              <a:t>For gamma-distributed shedding</a:t>
-            </a:r>
-          </a:p>
-        </p:txBody>
-      </p:sp>
-      <p:sp>
-        <p:nvSpPr>
-          <p:cNvPr id="46" name="TextBox 45">
-            <a:extLst>
-              <a:ext uri="{FF2B5EF4-FFF2-40B4-BE49-F238E27FC236}">
-                <a16:creationId xmlns:a16="http://schemas.microsoft.com/office/drawing/2014/main" id="{FB75918D-697B-EA6A-602C-8792FA84F416}"/>
-              </a:ext>
-            </a:extLst>
-          </p:cNvPr>
-          <p:cNvSpPr txBox="1"/>
-          <p:nvPr/>
-        </p:nvSpPr>
-        <p:spPr>
-          <a:xfrm>
-            <a:off x="5298893" y="1202262"/>
-            <a:ext cx="408432" cy="369332"/>
-          </a:xfrm>
-          <a:prstGeom prst="rect">
-            <a:avLst/>
-          </a:prstGeom>
-          <a:noFill/>
-        </p:spPr>
-        <p:txBody>
-          <a:bodyPr wrap="square" rtlCol="0">
-            <a:spAutoFit/>
-          </a:bodyPr>
-          <a:lstStyle/>
-          <a:p>
-            <a:r>
-              <a:rPr lang="en-GB" dirty="0"/>
-              <a:t>…</a:t>
-            </a:r>
-          </a:p>
-        </p:txBody>
-      </p:sp>
-      <p:cxnSp>
-        <p:nvCxnSpPr>
-          <p:cNvPr id="47" name="直線矢印コネクタ 16">
-            <a:extLst>
-              <a:ext uri="{FF2B5EF4-FFF2-40B4-BE49-F238E27FC236}">
-                <a16:creationId xmlns:a16="http://schemas.microsoft.com/office/drawing/2014/main" id="{2B7DFEEF-FDCA-99DC-F9A2-498F969644E6}"/>
-              </a:ext>
-            </a:extLst>
-          </p:cNvPr>
-          <p:cNvCxnSpPr>
-            <a:cxnSpLocks/>
-            <a:stCxn id="46" idx="3"/>
-            <a:endCxn id="10" idx="1"/>
-          </p:cNvCxnSpPr>
-          <p:nvPr/>
-        </p:nvCxnSpPr>
-        <p:spPr>
-          <a:xfrm flipV="1">
-            <a:off x="5707325" y="1376056"/>
-            <a:ext cx="712692" cy="10872"/>
-          </a:xfrm>
-          <a:prstGeom prst="straightConnector1">
-            <a:avLst/>
-          </a:prstGeom>
-          <a:ln w="19050">
-            <a:solidFill>
-              <a:schemeClr val="tx1"/>
-            </a:solidFill>
-            <a:tailEnd type="triangle"/>
-          </a:ln>
-        </p:spPr>
-        <p:style>
-          <a:lnRef idx="1">
-            <a:schemeClr val="accent1"/>
-          </a:lnRef>
-          <a:fillRef idx="0">
-            <a:schemeClr val="accent1"/>
-          </a:fillRef>
-          <a:effectRef idx="0">
-            <a:schemeClr val="accent1"/>
-          </a:effectRef>
-          <a:fontRef idx="minor">
-            <a:schemeClr val="tx1"/>
-          </a:fontRef>
-        </p:style>
-      </p:cxnSp>
     </p:spTree>
     <p:extLst>
       <p:ext uri="{BB962C8B-B14F-4D97-AF65-F5344CB8AC3E}">
-        <p14:creationId xmlns:p14="http://schemas.microsoft.com/office/powerpoint/2010/main" val="1758449626"/>
+        <p14:creationId xmlns:p14="http://schemas.microsoft.com/office/powerpoint/2010/main" val="2967361661"/>
       </p:ext>
     </p:extLst>
   </p:cSld>
@@ -5509,10 +5199,1093 @@
           <a:chExt cx="0" cy="0"/>
         </a:xfrm>
       </p:grpSpPr>
+      <p:sp>
+        <p:nvSpPr>
+          <p:cNvPr id="4" name="テキスト ボックス 3">
+            <a:extLst>
+              <a:ext uri="{FF2B5EF4-FFF2-40B4-BE49-F238E27FC236}">
+                <a16:creationId xmlns:a16="http://schemas.microsoft.com/office/drawing/2014/main" id="{4F4E67A6-F9BA-55F6-8FAE-F9F36A48090E}"/>
+              </a:ext>
+            </a:extLst>
+          </p:cNvPr>
+          <p:cNvSpPr txBox="1"/>
+          <p:nvPr/>
+        </p:nvSpPr>
+        <p:spPr>
+          <a:xfrm>
+            <a:off x="825590" y="928983"/>
+            <a:ext cx="2925788" cy="400110"/>
+          </a:xfrm>
+          <a:prstGeom prst="rect">
+            <a:avLst/>
+          </a:prstGeom>
+          <a:noFill/>
+        </p:spPr>
+        <p:txBody>
+          <a:bodyPr wrap="square" rtlCol="0">
+            <a:spAutoFit/>
+          </a:bodyPr>
+          <a:lstStyle/>
+          <a:p>
+            <a:r>
+              <a:rPr lang="en-GB" sz="2000" dirty="0">
+                <a:latin typeface="Times New Roman" panose="02020603050405020304" pitchFamily="18" charset="0"/>
+                <a:cs typeface="Times New Roman" panose="02020603050405020304" pitchFamily="18" charset="0"/>
+              </a:rPr>
+              <a:t>SEIR model</a:t>
+            </a:r>
+          </a:p>
+        </p:txBody>
+      </p:sp>
+      <p:sp>
+        <p:nvSpPr>
+          <p:cNvPr id="5" name="正方形/長方形 4">
+            <a:extLst>
+              <a:ext uri="{FF2B5EF4-FFF2-40B4-BE49-F238E27FC236}">
+                <a16:creationId xmlns:a16="http://schemas.microsoft.com/office/drawing/2014/main" id="{DAAEDDBD-F0E9-C0A2-693C-8E00F255F2F2}"/>
+              </a:ext>
+            </a:extLst>
+          </p:cNvPr>
+          <p:cNvSpPr/>
+          <p:nvPr/>
+        </p:nvSpPr>
+        <p:spPr>
+          <a:xfrm>
+            <a:off x="710126" y="1595616"/>
+            <a:ext cx="785740" cy="614289"/>
+          </a:xfrm>
+          <a:prstGeom prst="rect">
+            <a:avLst/>
+          </a:prstGeom>
+          <a:ln>
+            <a:solidFill>
+              <a:schemeClr val="tx1"/>
+            </a:solidFill>
+          </a:ln>
+        </p:spPr>
+        <p:style>
+          <a:lnRef idx="2">
+            <a:schemeClr val="accent6"/>
+          </a:lnRef>
+          <a:fillRef idx="1">
+            <a:schemeClr val="lt1"/>
+          </a:fillRef>
+          <a:effectRef idx="0">
+            <a:schemeClr val="accent6"/>
+          </a:effectRef>
+          <a:fontRef idx="minor">
+            <a:schemeClr val="dk1"/>
+          </a:fontRef>
+        </p:style>
+        <p:txBody>
+          <a:bodyPr rtlCol="0" anchor="ctr"/>
+          <a:lstStyle/>
+          <a:p>
+            <a:pPr algn="ctr"/>
+            <a:r>
+              <a:rPr lang="en-GB" dirty="0">
+                <a:latin typeface="Times New Roman" panose="02020603050405020304" pitchFamily="18" charset="0"/>
+                <a:cs typeface="Times New Roman" panose="02020603050405020304" pitchFamily="18" charset="0"/>
+              </a:rPr>
+              <a:t>S</a:t>
+            </a:r>
+          </a:p>
+        </p:txBody>
+      </p:sp>
+      <p:sp>
+        <p:nvSpPr>
+          <p:cNvPr id="6" name="正方形/長方形 5">
+            <a:extLst>
+              <a:ext uri="{FF2B5EF4-FFF2-40B4-BE49-F238E27FC236}">
+                <a16:creationId xmlns:a16="http://schemas.microsoft.com/office/drawing/2014/main" id="{A9DD66EA-AA08-2FBA-86E5-4ECE1F3CBC36}"/>
+              </a:ext>
+            </a:extLst>
+          </p:cNvPr>
+          <p:cNvSpPr/>
+          <p:nvPr/>
+        </p:nvSpPr>
+        <p:spPr>
+          <a:xfrm>
+            <a:off x="2264897" y="1595615"/>
+            <a:ext cx="857836" cy="614289"/>
+          </a:xfrm>
+          <a:prstGeom prst="rect">
+            <a:avLst/>
+          </a:prstGeom>
+          <a:ln>
+            <a:solidFill>
+              <a:schemeClr val="tx1"/>
+            </a:solidFill>
+          </a:ln>
+        </p:spPr>
+        <p:style>
+          <a:lnRef idx="2">
+            <a:schemeClr val="accent6"/>
+          </a:lnRef>
+          <a:fillRef idx="1">
+            <a:schemeClr val="lt1"/>
+          </a:fillRef>
+          <a:effectRef idx="0">
+            <a:schemeClr val="accent6"/>
+          </a:effectRef>
+          <a:fontRef idx="minor">
+            <a:schemeClr val="dk1"/>
+          </a:fontRef>
+        </p:style>
+        <p:txBody>
+          <a:bodyPr rtlCol="0" anchor="ctr"/>
+          <a:lstStyle/>
+          <a:p>
+            <a:pPr algn="ctr"/>
+            <a:r>
+              <a:rPr lang="en-GB" dirty="0">
+                <a:latin typeface="Times New Roman" panose="02020603050405020304" pitchFamily="18" charset="0"/>
+                <a:cs typeface="Times New Roman" panose="02020603050405020304" pitchFamily="18" charset="0"/>
+              </a:rPr>
+              <a:t>E</a:t>
+            </a:r>
+          </a:p>
+        </p:txBody>
+      </p:sp>
+      <p:sp>
+        <p:nvSpPr>
+          <p:cNvPr id="7" name="正方形/長方形 6">
+            <a:extLst>
+              <a:ext uri="{FF2B5EF4-FFF2-40B4-BE49-F238E27FC236}">
+                <a16:creationId xmlns:a16="http://schemas.microsoft.com/office/drawing/2014/main" id="{14C35C08-62AD-557C-6CF6-661F744E78C6}"/>
+              </a:ext>
+            </a:extLst>
+          </p:cNvPr>
+          <p:cNvSpPr/>
+          <p:nvPr/>
+        </p:nvSpPr>
+        <p:spPr>
+          <a:xfrm>
+            <a:off x="3891764" y="1079800"/>
+            <a:ext cx="857836" cy="614289"/>
+          </a:xfrm>
+          <a:prstGeom prst="rect">
+            <a:avLst/>
+          </a:prstGeom>
+          <a:ln>
+            <a:solidFill>
+              <a:schemeClr val="tx1"/>
+            </a:solidFill>
+          </a:ln>
+        </p:spPr>
+        <p:style>
+          <a:lnRef idx="2">
+            <a:schemeClr val="accent6"/>
+          </a:lnRef>
+          <a:fillRef idx="1">
+            <a:schemeClr val="lt1"/>
+          </a:fillRef>
+          <a:effectRef idx="0">
+            <a:schemeClr val="accent6"/>
+          </a:effectRef>
+          <a:fontRef idx="minor">
+            <a:schemeClr val="dk1"/>
+          </a:fontRef>
+        </p:style>
+        <p:txBody>
+          <a:bodyPr rtlCol="0" anchor="ctr"/>
+          <a:lstStyle/>
+          <a:p>
+            <a:pPr algn="ctr"/>
+            <a:r>
+              <a:rPr lang="en-GB" dirty="0" err="1">
+                <a:latin typeface="Times New Roman" panose="02020603050405020304" pitchFamily="18" charset="0"/>
+                <a:cs typeface="Times New Roman" panose="02020603050405020304" pitchFamily="18" charset="0"/>
+              </a:rPr>
+              <a:t>Ia</a:t>
+            </a:r>
+            <a:endParaRPr lang="en-GB" dirty="0">
+              <a:latin typeface="Times New Roman" panose="02020603050405020304" pitchFamily="18" charset="0"/>
+              <a:cs typeface="Times New Roman" panose="02020603050405020304" pitchFamily="18" charset="0"/>
+            </a:endParaRPr>
+          </a:p>
+        </p:txBody>
+      </p:sp>
+      <p:cxnSp>
+        <p:nvCxnSpPr>
+          <p:cNvPr id="9" name="直線矢印コネクタ 8">
+            <a:extLst>
+              <a:ext uri="{FF2B5EF4-FFF2-40B4-BE49-F238E27FC236}">
+                <a16:creationId xmlns:a16="http://schemas.microsoft.com/office/drawing/2014/main" id="{B30EBF94-F7AC-6D2E-F7D5-E221FE8F8893}"/>
+              </a:ext>
+            </a:extLst>
+          </p:cNvPr>
+          <p:cNvCxnSpPr>
+            <a:cxnSpLocks/>
+            <a:stCxn id="5" idx="3"/>
+            <a:endCxn id="6" idx="1"/>
+          </p:cNvCxnSpPr>
+          <p:nvPr/>
+        </p:nvCxnSpPr>
+        <p:spPr>
+          <a:xfrm flipV="1">
+            <a:off x="1495866" y="1902760"/>
+            <a:ext cx="769031" cy="1"/>
+          </a:xfrm>
+          <a:prstGeom prst="straightConnector1">
+            <a:avLst/>
+          </a:prstGeom>
+          <a:ln w="19050">
+            <a:solidFill>
+              <a:schemeClr val="tx1"/>
+            </a:solidFill>
+            <a:tailEnd type="triangle"/>
+          </a:ln>
+        </p:spPr>
+        <p:style>
+          <a:lnRef idx="1">
+            <a:schemeClr val="accent1"/>
+          </a:lnRef>
+          <a:fillRef idx="0">
+            <a:schemeClr val="accent1"/>
+          </a:fillRef>
+          <a:effectRef idx="0">
+            <a:schemeClr val="accent1"/>
+          </a:effectRef>
+          <a:fontRef idx="minor">
+            <a:schemeClr val="tx1"/>
+          </a:fontRef>
+        </p:style>
+      </p:cxnSp>
+      <p:cxnSp>
+        <p:nvCxnSpPr>
+          <p:cNvPr id="13" name="直線矢印コネクタ 12">
+            <a:extLst>
+              <a:ext uri="{FF2B5EF4-FFF2-40B4-BE49-F238E27FC236}">
+                <a16:creationId xmlns:a16="http://schemas.microsoft.com/office/drawing/2014/main" id="{721B60B5-886D-359C-497B-278477619A6F}"/>
+              </a:ext>
+            </a:extLst>
+          </p:cNvPr>
+          <p:cNvCxnSpPr>
+            <a:cxnSpLocks/>
+            <a:stCxn id="6" idx="3"/>
+            <a:endCxn id="7" idx="1"/>
+          </p:cNvCxnSpPr>
+          <p:nvPr/>
+        </p:nvCxnSpPr>
+        <p:spPr>
+          <a:xfrm flipV="1">
+            <a:off x="3122733" y="1386945"/>
+            <a:ext cx="769031" cy="515815"/>
+          </a:xfrm>
+          <a:prstGeom prst="straightConnector1">
+            <a:avLst/>
+          </a:prstGeom>
+          <a:ln w="19050">
+            <a:solidFill>
+              <a:schemeClr val="tx1"/>
+            </a:solidFill>
+            <a:tailEnd type="triangle"/>
+          </a:ln>
+        </p:spPr>
+        <p:style>
+          <a:lnRef idx="1">
+            <a:schemeClr val="accent1"/>
+          </a:lnRef>
+          <a:fillRef idx="0">
+            <a:schemeClr val="accent1"/>
+          </a:fillRef>
+          <a:effectRef idx="0">
+            <a:schemeClr val="accent1"/>
+          </a:effectRef>
+          <a:fontRef idx="minor">
+            <a:schemeClr val="tx1"/>
+          </a:fontRef>
+        </p:style>
+      </p:cxnSp>
+      <p:cxnSp>
+        <p:nvCxnSpPr>
+          <p:cNvPr id="17" name="直線矢印コネクタ 16">
+            <a:extLst>
+              <a:ext uri="{FF2B5EF4-FFF2-40B4-BE49-F238E27FC236}">
+                <a16:creationId xmlns:a16="http://schemas.microsoft.com/office/drawing/2014/main" id="{EB4F7E7A-AF55-2C0F-79B0-2D8A51FDDB09}"/>
+              </a:ext>
+            </a:extLst>
+          </p:cNvPr>
+          <p:cNvCxnSpPr>
+            <a:cxnSpLocks/>
+            <a:stCxn id="7" idx="3"/>
+            <a:endCxn id="46" idx="1"/>
+          </p:cNvCxnSpPr>
+          <p:nvPr/>
+        </p:nvCxnSpPr>
+        <p:spPr>
+          <a:xfrm flipV="1">
+            <a:off x="4749600" y="1386928"/>
+            <a:ext cx="549293" cy="17"/>
+          </a:xfrm>
+          <a:prstGeom prst="straightConnector1">
+            <a:avLst/>
+          </a:prstGeom>
+          <a:ln w="19050">
+            <a:solidFill>
+              <a:schemeClr val="tx1"/>
+            </a:solidFill>
+            <a:tailEnd type="triangle"/>
+          </a:ln>
+        </p:spPr>
+        <p:style>
+          <a:lnRef idx="1">
+            <a:schemeClr val="accent1"/>
+          </a:lnRef>
+          <a:fillRef idx="0">
+            <a:schemeClr val="accent1"/>
+          </a:fillRef>
+          <a:effectRef idx="0">
+            <a:schemeClr val="accent1"/>
+          </a:effectRef>
+          <a:fontRef idx="minor">
+            <a:schemeClr val="tx1"/>
+          </a:fontRef>
+        </p:style>
+      </p:cxnSp>
+      <p:sp>
+        <p:nvSpPr>
+          <p:cNvPr id="35" name="正方形/長方形 34">
+            <a:extLst>
+              <a:ext uri="{FF2B5EF4-FFF2-40B4-BE49-F238E27FC236}">
+                <a16:creationId xmlns:a16="http://schemas.microsoft.com/office/drawing/2014/main" id="{A10583FD-1679-6011-1EFF-64D6BC3B6BAD}"/>
+              </a:ext>
+            </a:extLst>
+          </p:cNvPr>
+          <p:cNvSpPr/>
+          <p:nvPr/>
+        </p:nvSpPr>
+        <p:spPr>
+          <a:xfrm>
+            <a:off x="3891764" y="2209904"/>
+            <a:ext cx="857836" cy="614289"/>
+          </a:xfrm>
+          <a:prstGeom prst="rect">
+            <a:avLst/>
+          </a:prstGeom>
+          <a:ln>
+            <a:solidFill>
+              <a:schemeClr val="tx1"/>
+            </a:solidFill>
+          </a:ln>
+        </p:spPr>
+        <p:style>
+          <a:lnRef idx="2">
+            <a:schemeClr val="accent6"/>
+          </a:lnRef>
+          <a:fillRef idx="1">
+            <a:schemeClr val="lt1"/>
+          </a:fillRef>
+          <a:effectRef idx="0">
+            <a:schemeClr val="accent6"/>
+          </a:effectRef>
+          <a:fontRef idx="minor">
+            <a:schemeClr val="dk1"/>
+          </a:fontRef>
+        </p:style>
+        <p:txBody>
+          <a:bodyPr rtlCol="0" anchor="ctr"/>
+          <a:lstStyle/>
+          <a:p>
+            <a:pPr algn="ctr"/>
+            <a:r>
+              <a:rPr lang="en-GB" dirty="0">
+                <a:latin typeface="Times New Roman" panose="02020603050405020304" pitchFamily="18" charset="0"/>
+                <a:cs typeface="Times New Roman" panose="02020603050405020304" pitchFamily="18" charset="0"/>
+              </a:rPr>
+              <a:t>I</a:t>
+            </a:r>
+            <a:r>
+              <a:rPr lang="en-GB" sz="2000" baseline="-25000" dirty="0">
+                <a:latin typeface="Times New Roman" panose="02020603050405020304" pitchFamily="18" charset="0"/>
+                <a:cs typeface="Times New Roman" panose="02020603050405020304" pitchFamily="18" charset="0"/>
+              </a:rPr>
+              <a:t>AFP</a:t>
+            </a:r>
+            <a:endParaRPr lang="en-GB" baseline="-25000" dirty="0">
+              <a:latin typeface="Times New Roman" panose="02020603050405020304" pitchFamily="18" charset="0"/>
+              <a:cs typeface="Times New Roman" panose="02020603050405020304" pitchFamily="18" charset="0"/>
+            </a:endParaRPr>
+          </a:p>
+        </p:txBody>
+      </p:sp>
+      <p:cxnSp>
+        <p:nvCxnSpPr>
+          <p:cNvPr id="36" name="直線矢印コネクタ 35">
+            <a:extLst>
+              <a:ext uri="{FF2B5EF4-FFF2-40B4-BE49-F238E27FC236}">
+                <a16:creationId xmlns:a16="http://schemas.microsoft.com/office/drawing/2014/main" id="{0C009F64-879D-9700-77DB-70F3BE7669FE}"/>
+              </a:ext>
+            </a:extLst>
+          </p:cNvPr>
+          <p:cNvCxnSpPr>
+            <a:cxnSpLocks/>
+            <a:stCxn id="6" idx="3"/>
+            <a:endCxn id="35" idx="1"/>
+          </p:cNvCxnSpPr>
+          <p:nvPr/>
+        </p:nvCxnSpPr>
+        <p:spPr>
+          <a:xfrm>
+            <a:off x="3122733" y="1902760"/>
+            <a:ext cx="769031" cy="614289"/>
+          </a:xfrm>
+          <a:prstGeom prst="straightConnector1">
+            <a:avLst/>
+          </a:prstGeom>
+          <a:ln w="19050">
+            <a:solidFill>
+              <a:schemeClr val="tx1"/>
+            </a:solidFill>
+            <a:tailEnd type="triangle"/>
+          </a:ln>
+        </p:spPr>
+        <p:style>
+          <a:lnRef idx="1">
+            <a:schemeClr val="accent1"/>
+          </a:lnRef>
+          <a:fillRef idx="0">
+            <a:schemeClr val="accent1"/>
+          </a:fillRef>
+          <a:effectRef idx="0">
+            <a:schemeClr val="accent1"/>
+          </a:effectRef>
+          <a:fontRef idx="minor">
+            <a:schemeClr val="tx1"/>
+          </a:fontRef>
+        </p:style>
+      </p:cxnSp>
+      <p:cxnSp>
+        <p:nvCxnSpPr>
+          <p:cNvPr id="41" name="直線矢印コネクタ 40">
+            <a:extLst>
+              <a:ext uri="{FF2B5EF4-FFF2-40B4-BE49-F238E27FC236}">
+                <a16:creationId xmlns:a16="http://schemas.microsoft.com/office/drawing/2014/main" id="{D02CDAF2-38C1-3C91-02D9-0FF51115A22A}"/>
+              </a:ext>
+            </a:extLst>
+          </p:cNvPr>
+          <p:cNvCxnSpPr>
+            <a:cxnSpLocks/>
+            <a:stCxn id="35" idx="3"/>
+            <a:endCxn id="12" idx="1"/>
+          </p:cNvCxnSpPr>
+          <p:nvPr/>
+        </p:nvCxnSpPr>
+        <p:spPr>
+          <a:xfrm flipV="1">
+            <a:off x="4749600" y="2517048"/>
+            <a:ext cx="917482" cy="1"/>
+          </a:xfrm>
+          <a:prstGeom prst="straightConnector1">
+            <a:avLst/>
+          </a:prstGeom>
+          <a:ln w="19050">
+            <a:solidFill>
+              <a:schemeClr val="tx1"/>
+            </a:solidFill>
+            <a:tailEnd type="triangle"/>
+          </a:ln>
+        </p:spPr>
+        <p:style>
+          <a:lnRef idx="1">
+            <a:schemeClr val="accent1"/>
+          </a:lnRef>
+          <a:fillRef idx="0">
+            <a:schemeClr val="accent1"/>
+          </a:fillRef>
+          <a:effectRef idx="0">
+            <a:schemeClr val="accent1"/>
+          </a:effectRef>
+          <a:fontRef idx="minor">
+            <a:schemeClr val="tx1"/>
+          </a:fontRef>
+        </p:style>
+      </p:cxnSp>
+      <p:sp>
+        <p:nvSpPr>
+          <p:cNvPr id="12" name="正方形/長方形 11">
+            <a:extLst>
+              <a:ext uri="{FF2B5EF4-FFF2-40B4-BE49-F238E27FC236}">
+                <a16:creationId xmlns:a16="http://schemas.microsoft.com/office/drawing/2014/main" id="{6A1B3995-1E73-B21C-8AA4-8602BF14562D}"/>
+              </a:ext>
+            </a:extLst>
+          </p:cNvPr>
+          <p:cNvSpPr/>
+          <p:nvPr/>
+        </p:nvSpPr>
+        <p:spPr>
+          <a:xfrm>
+            <a:off x="5667082" y="2209903"/>
+            <a:ext cx="857836" cy="614289"/>
+          </a:xfrm>
+          <a:prstGeom prst="rect">
+            <a:avLst/>
+          </a:prstGeom>
+          <a:ln>
+            <a:solidFill>
+              <a:schemeClr val="tx1"/>
+            </a:solidFill>
+          </a:ln>
+        </p:spPr>
+        <p:style>
+          <a:lnRef idx="2">
+            <a:schemeClr val="accent6"/>
+          </a:lnRef>
+          <a:fillRef idx="1">
+            <a:schemeClr val="lt1"/>
+          </a:fillRef>
+          <a:effectRef idx="0">
+            <a:schemeClr val="accent6"/>
+          </a:effectRef>
+          <a:fontRef idx="minor">
+            <a:schemeClr val="dk1"/>
+          </a:fontRef>
+        </p:style>
+        <p:txBody>
+          <a:bodyPr rtlCol="0" anchor="ctr"/>
+          <a:lstStyle/>
+          <a:p>
+            <a:pPr algn="ctr"/>
+            <a:r>
+              <a:rPr lang="en-GB" dirty="0">
+                <a:latin typeface="Times New Roman" panose="02020603050405020304" pitchFamily="18" charset="0"/>
+                <a:cs typeface="Times New Roman" panose="02020603050405020304" pitchFamily="18" charset="0"/>
+              </a:rPr>
+              <a:t>H</a:t>
+            </a:r>
+          </a:p>
+        </p:txBody>
+      </p:sp>
+      <p:sp>
+        <p:nvSpPr>
+          <p:cNvPr id="19" name="テキスト ボックス 18">
+            <a:extLst>
+              <a:ext uri="{FF2B5EF4-FFF2-40B4-BE49-F238E27FC236}">
+                <a16:creationId xmlns:a16="http://schemas.microsoft.com/office/drawing/2014/main" id="{0BE1140A-DC93-A89B-F351-DCF375DDF165}"/>
+              </a:ext>
+            </a:extLst>
+          </p:cNvPr>
+          <p:cNvSpPr txBox="1"/>
+          <p:nvPr/>
+        </p:nvSpPr>
+        <p:spPr>
+          <a:xfrm>
+            <a:off x="3205966" y="1238516"/>
+            <a:ext cx="602565" cy="369332"/>
+          </a:xfrm>
+          <a:prstGeom prst="rect">
+            <a:avLst/>
+          </a:prstGeom>
+          <a:noFill/>
+        </p:spPr>
+        <p:txBody>
+          <a:bodyPr wrap="square" rtlCol="0">
+            <a:spAutoFit/>
+          </a:bodyPr>
+          <a:lstStyle/>
+          <a:p>
+            <a:r>
+              <a:rPr lang="el-GR" altLang="ja-JP" dirty="0"/>
+              <a:t>γ</a:t>
+            </a:r>
+            <a:r>
+              <a:rPr lang="en-US" altLang="ja-JP" dirty="0"/>
+              <a:t>1</a:t>
+            </a:r>
+            <a:endParaRPr lang="en-GB" dirty="0"/>
+          </a:p>
+        </p:txBody>
+      </p:sp>
+      <p:sp>
+        <p:nvSpPr>
+          <p:cNvPr id="20" name="テキスト ボックス 19">
+            <a:extLst>
+              <a:ext uri="{FF2B5EF4-FFF2-40B4-BE49-F238E27FC236}">
+                <a16:creationId xmlns:a16="http://schemas.microsoft.com/office/drawing/2014/main" id="{E0350099-D1B7-1ED8-9FD7-41FEB3D718E1}"/>
+              </a:ext>
+            </a:extLst>
+          </p:cNvPr>
+          <p:cNvSpPr txBox="1"/>
+          <p:nvPr/>
+        </p:nvSpPr>
+        <p:spPr>
+          <a:xfrm>
+            <a:off x="3227650" y="2182076"/>
+            <a:ext cx="546884" cy="371209"/>
+          </a:xfrm>
+          <a:prstGeom prst="rect">
+            <a:avLst/>
+          </a:prstGeom>
+          <a:noFill/>
+        </p:spPr>
+        <p:txBody>
+          <a:bodyPr wrap="square" rtlCol="0">
+            <a:spAutoFit/>
+          </a:bodyPr>
+          <a:lstStyle/>
+          <a:p>
+            <a:r>
+              <a:rPr lang="el-GR" altLang="ja-JP" dirty="0"/>
+              <a:t>γ</a:t>
+            </a:r>
+            <a:r>
+              <a:rPr lang="en-US" altLang="ja-JP" dirty="0"/>
+              <a:t>1</a:t>
+            </a:r>
+            <a:endParaRPr lang="en-GB" dirty="0"/>
+          </a:p>
+        </p:txBody>
+      </p:sp>
+      <p:sp>
+        <p:nvSpPr>
+          <p:cNvPr id="21" name="テキスト ボックス 20">
+            <a:extLst>
+              <a:ext uri="{FF2B5EF4-FFF2-40B4-BE49-F238E27FC236}">
+                <a16:creationId xmlns:a16="http://schemas.microsoft.com/office/drawing/2014/main" id="{47C084D1-B02E-D8FC-3C29-B8D8EFE2B96C}"/>
+              </a:ext>
+            </a:extLst>
+          </p:cNvPr>
+          <p:cNvSpPr txBox="1"/>
+          <p:nvPr/>
+        </p:nvSpPr>
+        <p:spPr>
+          <a:xfrm>
+            <a:off x="4905076" y="1015734"/>
+            <a:ext cx="546884" cy="371209"/>
+          </a:xfrm>
+          <a:prstGeom prst="rect">
+            <a:avLst/>
+          </a:prstGeom>
+          <a:noFill/>
+        </p:spPr>
+        <p:txBody>
+          <a:bodyPr wrap="square" rtlCol="0">
+            <a:spAutoFit/>
+          </a:bodyPr>
+          <a:lstStyle/>
+          <a:p>
+            <a:r>
+              <a:rPr lang="el-GR" altLang="ja-JP" dirty="0"/>
+              <a:t>γ</a:t>
+            </a:r>
+            <a:r>
+              <a:rPr lang="en-US" altLang="ja-JP" dirty="0"/>
+              <a:t>2</a:t>
+            </a:r>
+            <a:endParaRPr lang="en-GB" dirty="0"/>
+          </a:p>
+        </p:txBody>
+      </p:sp>
+      <p:sp>
+        <p:nvSpPr>
+          <p:cNvPr id="22" name="テキスト ボックス 21">
+            <a:extLst>
+              <a:ext uri="{FF2B5EF4-FFF2-40B4-BE49-F238E27FC236}">
+                <a16:creationId xmlns:a16="http://schemas.microsoft.com/office/drawing/2014/main" id="{5ADAC251-9665-E6AC-75D0-4065AF0398B2}"/>
+              </a:ext>
+            </a:extLst>
+          </p:cNvPr>
+          <p:cNvSpPr txBox="1"/>
+          <p:nvPr/>
+        </p:nvSpPr>
+        <p:spPr>
+          <a:xfrm>
+            <a:off x="4934899" y="2107049"/>
+            <a:ext cx="517061" cy="371209"/>
+          </a:xfrm>
+          <a:prstGeom prst="rect">
+            <a:avLst/>
+          </a:prstGeom>
+          <a:noFill/>
+        </p:spPr>
+        <p:txBody>
+          <a:bodyPr wrap="square" rtlCol="0">
+            <a:spAutoFit/>
+          </a:bodyPr>
+          <a:lstStyle/>
+          <a:p>
+            <a:r>
+              <a:rPr lang="el-GR" altLang="ja-JP" dirty="0"/>
+              <a:t>γ</a:t>
+            </a:r>
+            <a:r>
+              <a:rPr lang="en-US" altLang="ja-JP" dirty="0"/>
+              <a:t>3</a:t>
+            </a:r>
+            <a:endParaRPr lang="en-GB" dirty="0"/>
+          </a:p>
+        </p:txBody>
+      </p:sp>
+      <p:sp>
+        <p:nvSpPr>
+          <p:cNvPr id="3" name="正方形/長方形 7">
+            <a:extLst>
+              <a:ext uri="{FF2B5EF4-FFF2-40B4-BE49-F238E27FC236}">
+                <a16:creationId xmlns:a16="http://schemas.microsoft.com/office/drawing/2014/main" id="{5F79FB49-6C50-85B6-B91B-3EACA8D7DB5A}"/>
+              </a:ext>
+            </a:extLst>
+          </p:cNvPr>
+          <p:cNvSpPr/>
+          <p:nvPr/>
+        </p:nvSpPr>
+        <p:spPr>
+          <a:xfrm>
+            <a:off x="8301566" y="1088767"/>
+            <a:ext cx="857836" cy="574575"/>
+          </a:xfrm>
+          <a:prstGeom prst="rect">
+            <a:avLst/>
+          </a:prstGeom>
+          <a:ln>
+            <a:solidFill>
+              <a:schemeClr val="tx1"/>
+            </a:solidFill>
+          </a:ln>
+        </p:spPr>
+        <p:style>
+          <a:lnRef idx="2">
+            <a:schemeClr val="accent6"/>
+          </a:lnRef>
+          <a:fillRef idx="1">
+            <a:schemeClr val="lt1"/>
+          </a:fillRef>
+          <a:effectRef idx="0">
+            <a:schemeClr val="accent6"/>
+          </a:effectRef>
+          <a:fontRef idx="minor">
+            <a:schemeClr val="dk1"/>
+          </a:fontRef>
+        </p:style>
+        <p:txBody>
+          <a:bodyPr rtlCol="0" anchor="ctr"/>
+          <a:lstStyle/>
+          <a:p>
+            <a:pPr algn="ctr"/>
+            <a:r>
+              <a:rPr lang="en-GB" dirty="0">
+                <a:latin typeface="Times New Roman" panose="02020603050405020304" pitchFamily="18" charset="0"/>
+                <a:cs typeface="Times New Roman" panose="02020603050405020304" pitchFamily="18" charset="0"/>
+              </a:rPr>
+              <a:t>R</a:t>
+            </a:r>
+          </a:p>
+        </p:txBody>
+      </p:sp>
+      <p:sp>
+        <p:nvSpPr>
+          <p:cNvPr id="10" name="正方形/長方形 6">
+            <a:extLst>
+              <a:ext uri="{FF2B5EF4-FFF2-40B4-BE49-F238E27FC236}">
+                <a16:creationId xmlns:a16="http://schemas.microsoft.com/office/drawing/2014/main" id="{B0EC1827-EB48-8E23-7AC7-17CF541D2DFC}"/>
+              </a:ext>
+            </a:extLst>
+          </p:cNvPr>
+          <p:cNvSpPr/>
+          <p:nvPr/>
+        </p:nvSpPr>
+        <p:spPr>
+          <a:xfrm>
+            <a:off x="6420017" y="1068911"/>
+            <a:ext cx="857836" cy="614289"/>
+          </a:xfrm>
+          <a:prstGeom prst="rect">
+            <a:avLst/>
+          </a:prstGeom>
+          <a:ln>
+            <a:solidFill>
+              <a:schemeClr val="tx1"/>
+            </a:solidFill>
+          </a:ln>
+        </p:spPr>
+        <p:style>
+          <a:lnRef idx="2">
+            <a:schemeClr val="accent6"/>
+          </a:lnRef>
+          <a:fillRef idx="1">
+            <a:schemeClr val="lt1"/>
+          </a:fillRef>
+          <a:effectRef idx="0">
+            <a:schemeClr val="accent6"/>
+          </a:effectRef>
+          <a:fontRef idx="minor">
+            <a:schemeClr val="dk1"/>
+          </a:fontRef>
+        </p:style>
+        <p:txBody>
+          <a:bodyPr rtlCol="0" anchor="ctr"/>
+          <a:lstStyle/>
+          <a:p>
+            <a:pPr algn="ctr"/>
+            <a:r>
+              <a:rPr lang="en-GB" dirty="0" err="1">
+                <a:latin typeface="Times New Roman" panose="02020603050405020304" pitchFamily="18" charset="0"/>
+                <a:cs typeface="Times New Roman" panose="02020603050405020304" pitchFamily="18" charset="0"/>
+              </a:rPr>
+              <a:t>Ia</a:t>
+            </a:r>
+            <a:endParaRPr lang="en-GB" dirty="0">
+              <a:latin typeface="Times New Roman" panose="02020603050405020304" pitchFamily="18" charset="0"/>
+              <a:cs typeface="Times New Roman" panose="02020603050405020304" pitchFamily="18" charset="0"/>
+            </a:endParaRPr>
+          </a:p>
+        </p:txBody>
+      </p:sp>
+      <p:cxnSp>
+        <p:nvCxnSpPr>
+          <p:cNvPr id="15" name="直線矢印コネクタ 16">
+            <a:extLst>
+              <a:ext uri="{FF2B5EF4-FFF2-40B4-BE49-F238E27FC236}">
+                <a16:creationId xmlns:a16="http://schemas.microsoft.com/office/drawing/2014/main" id="{0CC3BBAD-2929-E946-D72A-60FD7F0D177A}"/>
+              </a:ext>
+            </a:extLst>
+          </p:cNvPr>
+          <p:cNvCxnSpPr>
+            <a:cxnSpLocks/>
+            <a:stCxn id="10" idx="3"/>
+            <a:endCxn id="3" idx="1"/>
+          </p:cNvCxnSpPr>
+          <p:nvPr/>
+        </p:nvCxnSpPr>
+        <p:spPr>
+          <a:xfrm flipV="1">
+            <a:off x="7277853" y="1376055"/>
+            <a:ext cx="1023713" cy="1"/>
+          </a:xfrm>
+          <a:prstGeom prst="straightConnector1">
+            <a:avLst/>
+          </a:prstGeom>
+          <a:ln w="19050">
+            <a:solidFill>
+              <a:schemeClr val="tx1"/>
+            </a:solidFill>
+            <a:tailEnd type="triangle"/>
+          </a:ln>
+        </p:spPr>
+        <p:style>
+          <a:lnRef idx="1">
+            <a:schemeClr val="accent1"/>
+          </a:lnRef>
+          <a:fillRef idx="0">
+            <a:schemeClr val="accent1"/>
+          </a:fillRef>
+          <a:effectRef idx="0">
+            <a:schemeClr val="accent1"/>
+          </a:effectRef>
+          <a:fontRef idx="minor">
+            <a:schemeClr val="tx1"/>
+          </a:fontRef>
+        </p:style>
+      </p:cxnSp>
+      <p:sp>
+        <p:nvSpPr>
+          <p:cNvPr id="31" name="テキスト ボックス 20">
+            <a:extLst>
+              <a:ext uri="{FF2B5EF4-FFF2-40B4-BE49-F238E27FC236}">
+                <a16:creationId xmlns:a16="http://schemas.microsoft.com/office/drawing/2014/main" id="{EAB38820-D57D-A785-BA54-DF5ABD2B15E6}"/>
+              </a:ext>
+            </a:extLst>
+          </p:cNvPr>
+          <p:cNvSpPr txBox="1"/>
+          <p:nvPr/>
+        </p:nvSpPr>
+        <p:spPr>
+          <a:xfrm>
+            <a:off x="7581274" y="943433"/>
+            <a:ext cx="546884" cy="371209"/>
+          </a:xfrm>
+          <a:prstGeom prst="rect">
+            <a:avLst/>
+          </a:prstGeom>
+          <a:noFill/>
+        </p:spPr>
+        <p:txBody>
+          <a:bodyPr wrap="square" rtlCol="0">
+            <a:spAutoFit/>
+          </a:bodyPr>
+          <a:lstStyle/>
+          <a:p>
+            <a:r>
+              <a:rPr lang="el-GR" altLang="ja-JP" dirty="0"/>
+              <a:t>γ</a:t>
+            </a:r>
+            <a:r>
+              <a:rPr lang="en-US" altLang="ja-JP" dirty="0"/>
+              <a:t>2</a:t>
+            </a:r>
+            <a:endParaRPr lang="en-GB" dirty="0"/>
+          </a:p>
+        </p:txBody>
+      </p:sp>
+      <p:sp>
+        <p:nvSpPr>
+          <p:cNvPr id="32" name="Left Brace 31">
+            <a:extLst>
+              <a:ext uri="{FF2B5EF4-FFF2-40B4-BE49-F238E27FC236}">
+                <a16:creationId xmlns:a16="http://schemas.microsoft.com/office/drawing/2014/main" id="{A3D00E51-6E7B-3A7D-2EFF-E8B3341C7DD5}"/>
+              </a:ext>
+            </a:extLst>
+          </p:cNvPr>
+          <p:cNvSpPr/>
+          <p:nvPr/>
+        </p:nvSpPr>
+        <p:spPr>
+          <a:xfrm rot="5400000">
+            <a:off x="5475831" y="-864844"/>
+            <a:ext cx="268636" cy="3181502"/>
+          </a:xfrm>
+          <a:prstGeom prst="leftBrace">
+            <a:avLst/>
+          </a:prstGeom>
+          <a:ln>
+            <a:solidFill>
+              <a:schemeClr val="tx1"/>
+            </a:solidFill>
+          </a:ln>
+        </p:spPr>
+        <p:style>
+          <a:lnRef idx="1">
+            <a:schemeClr val="accent1"/>
+          </a:lnRef>
+          <a:fillRef idx="0">
+            <a:schemeClr val="accent1"/>
+          </a:fillRef>
+          <a:effectRef idx="0">
+            <a:schemeClr val="accent1"/>
+          </a:effectRef>
+          <a:fontRef idx="minor">
+            <a:schemeClr val="tx1"/>
+          </a:fontRef>
+        </p:style>
+        <p:txBody>
+          <a:bodyPr rtlCol="0" anchor="ctr"/>
+          <a:lstStyle/>
+          <a:p>
+            <a:pPr algn="ctr"/>
+            <a:endParaRPr lang="en-GB"/>
+          </a:p>
+        </p:txBody>
+      </p:sp>
+      <p:sp>
+        <p:nvSpPr>
+          <p:cNvPr id="33" name="TextBox 32">
+            <a:extLst>
+              <a:ext uri="{FF2B5EF4-FFF2-40B4-BE49-F238E27FC236}">
+                <a16:creationId xmlns:a16="http://schemas.microsoft.com/office/drawing/2014/main" id="{1F401F88-89E1-E651-F2EA-616B61B055DA}"/>
+              </a:ext>
+            </a:extLst>
+          </p:cNvPr>
+          <p:cNvSpPr txBox="1"/>
+          <p:nvPr/>
+        </p:nvSpPr>
+        <p:spPr>
+          <a:xfrm>
+            <a:off x="3458300" y="189520"/>
+            <a:ext cx="3987319" cy="369332"/>
+          </a:xfrm>
+          <a:prstGeom prst="rect">
+            <a:avLst/>
+          </a:prstGeom>
+          <a:noFill/>
+        </p:spPr>
+        <p:txBody>
+          <a:bodyPr wrap="square" rtlCol="0">
+            <a:spAutoFit/>
+          </a:bodyPr>
+          <a:lstStyle/>
+          <a:p>
+            <a:r>
+              <a:rPr lang="en-GB" dirty="0"/>
+              <a:t>For gamma-distributed shedding</a:t>
+            </a:r>
+          </a:p>
+        </p:txBody>
+      </p:sp>
+      <p:sp>
+        <p:nvSpPr>
+          <p:cNvPr id="46" name="TextBox 45">
+            <a:extLst>
+              <a:ext uri="{FF2B5EF4-FFF2-40B4-BE49-F238E27FC236}">
+                <a16:creationId xmlns:a16="http://schemas.microsoft.com/office/drawing/2014/main" id="{FB75918D-697B-EA6A-602C-8792FA84F416}"/>
+              </a:ext>
+            </a:extLst>
+          </p:cNvPr>
+          <p:cNvSpPr txBox="1"/>
+          <p:nvPr/>
+        </p:nvSpPr>
+        <p:spPr>
+          <a:xfrm>
+            <a:off x="5298893" y="1202262"/>
+            <a:ext cx="408432" cy="369332"/>
+          </a:xfrm>
+          <a:prstGeom prst="rect">
+            <a:avLst/>
+          </a:prstGeom>
+          <a:noFill/>
+        </p:spPr>
+        <p:txBody>
+          <a:bodyPr wrap="square" rtlCol="0">
+            <a:spAutoFit/>
+          </a:bodyPr>
+          <a:lstStyle/>
+          <a:p>
+            <a:r>
+              <a:rPr lang="en-GB" dirty="0"/>
+              <a:t>…</a:t>
+            </a:r>
+          </a:p>
+        </p:txBody>
+      </p:sp>
+      <p:cxnSp>
+        <p:nvCxnSpPr>
+          <p:cNvPr id="47" name="直線矢印コネクタ 16">
+            <a:extLst>
+              <a:ext uri="{FF2B5EF4-FFF2-40B4-BE49-F238E27FC236}">
+                <a16:creationId xmlns:a16="http://schemas.microsoft.com/office/drawing/2014/main" id="{2B7DFEEF-FDCA-99DC-F9A2-498F969644E6}"/>
+              </a:ext>
+            </a:extLst>
+          </p:cNvPr>
+          <p:cNvCxnSpPr>
+            <a:cxnSpLocks/>
+            <a:stCxn id="46" idx="3"/>
+            <a:endCxn id="10" idx="1"/>
+          </p:cNvCxnSpPr>
+          <p:nvPr/>
+        </p:nvCxnSpPr>
+        <p:spPr>
+          <a:xfrm flipV="1">
+            <a:off x="5707325" y="1376056"/>
+            <a:ext cx="712692" cy="10872"/>
+          </a:xfrm>
+          <a:prstGeom prst="straightConnector1">
+            <a:avLst/>
+          </a:prstGeom>
+          <a:ln w="19050">
+            <a:solidFill>
+              <a:schemeClr val="tx1"/>
+            </a:solidFill>
+            <a:tailEnd type="triangle"/>
+          </a:ln>
+        </p:spPr>
+        <p:style>
+          <a:lnRef idx="1">
+            <a:schemeClr val="accent1"/>
+          </a:lnRef>
+          <a:fillRef idx="0">
+            <a:schemeClr val="accent1"/>
+          </a:fillRef>
+          <a:effectRef idx="0">
+            <a:schemeClr val="accent1"/>
+          </a:effectRef>
+          <a:fontRef idx="minor">
+            <a:schemeClr val="tx1"/>
+          </a:fontRef>
+        </p:style>
+      </p:cxnSp>
     </p:spTree>
     <p:extLst>
       <p:ext uri="{BB962C8B-B14F-4D97-AF65-F5344CB8AC3E}">
-        <p14:creationId xmlns:p14="http://schemas.microsoft.com/office/powerpoint/2010/main" val="2784511762"/>
+        <p14:creationId xmlns:p14="http://schemas.microsoft.com/office/powerpoint/2010/main" val="1758449626"/>
       </p:ext>
     </p:extLst>
   </p:cSld>

--- a/doc_ideas/202305_flowchart.pptx
+++ b/doc_ideas/202305_flowchart.pptx
@@ -5,12 +5,14 @@
     <p:sldMasterId id="2147483648" r:id="rId1"/>
   </p:sldMasterIdLst>
   <p:sldIdLst>
-    <p:sldId id="261" r:id="rId2"/>
-    <p:sldId id="262" r:id="rId3"/>
-    <p:sldId id="259" r:id="rId4"/>
-    <p:sldId id="256" r:id="rId5"/>
-    <p:sldId id="257" r:id="rId6"/>
-    <p:sldId id="258" r:id="rId7"/>
+    <p:sldId id="264" r:id="rId2"/>
+    <p:sldId id="263" r:id="rId3"/>
+    <p:sldId id="261" r:id="rId4"/>
+    <p:sldId id="262" r:id="rId5"/>
+    <p:sldId id="259" r:id="rId6"/>
+    <p:sldId id="256" r:id="rId7"/>
+    <p:sldId id="257" r:id="rId8"/>
+    <p:sldId id="258" r:id="rId9"/>
   </p:sldIdLst>
   <p:sldSz cx="12192000" cy="6858000"/>
   <p:notesSz cx="6858000" cy="9144000"/>
@@ -266,7 +268,7 @@
           <a:p>
             <a:fld id="{F467A90D-6061-43A1-9F48-580B251C3410}" type="datetimeFigureOut">
               <a:rPr lang="en-GB" smtClean="0"/>
-              <a:t>30/06/2023</a:t>
+              <a:t>11/07/2023</a:t>
             </a:fld>
             <a:endParaRPr lang="en-GB"/>
           </a:p>
@@ -498,7 +500,7 @@
           <a:p>
             <a:fld id="{F467A90D-6061-43A1-9F48-580B251C3410}" type="datetimeFigureOut">
               <a:rPr lang="en-GB" smtClean="0"/>
-              <a:t>30/06/2023</a:t>
+              <a:t>11/07/2023</a:t>
             </a:fld>
             <a:endParaRPr lang="en-GB"/>
           </a:p>
@@ -740,7 +742,7 @@
           <a:p>
             <a:fld id="{F467A90D-6061-43A1-9F48-580B251C3410}" type="datetimeFigureOut">
               <a:rPr lang="en-GB" smtClean="0"/>
-              <a:t>30/06/2023</a:t>
+              <a:t>11/07/2023</a:t>
             </a:fld>
             <a:endParaRPr lang="en-GB"/>
           </a:p>
@@ -972,7 +974,7 @@
           <a:p>
             <a:fld id="{F467A90D-6061-43A1-9F48-580B251C3410}" type="datetimeFigureOut">
               <a:rPr lang="en-GB" smtClean="0"/>
-              <a:t>30/06/2023</a:t>
+              <a:t>11/07/2023</a:t>
             </a:fld>
             <a:endParaRPr lang="en-GB"/>
           </a:p>
@@ -1248,7 +1250,7 @@
           <a:p>
             <a:fld id="{F467A90D-6061-43A1-9F48-580B251C3410}" type="datetimeFigureOut">
               <a:rPr lang="en-GB" smtClean="0"/>
-              <a:t>30/06/2023</a:t>
+              <a:t>11/07/2023</a:t>
             </a:fld>
             <a:endParaRPr lang="en-GB"/>
           </a:p>
@@ -1580,7 +1582,7 @@
           <a:p>
             <a:fld id="{F467A90D-6061-43A1-9F48-580B251C3410}" type="datetimeFigureOut">
               <a:rPr lang="en-GB" smtClean="0"/>
-              <a:t>30/06/2023</a:t>
+              <a:t>11/07/2023</a:t>
             </a:fld>
             <a:endParaRPr lang="en-GB"/>
           </a:p>
@@ -2059,7 +2061,7 @@
           <a:p>
             <a:fld id="{F467A90D-6061-43A1-9F48-580B251C3410}" type="datetimeFigureOut">
               <a:rPr lang="en-GB" smtClean="0"/>
-              <a:t>30/06/2023</a:t>
+              <a:t>11/07/2023</a:t>
             </a:fld>
             <a:endParaRPr lang="en-GB"/>
           </a:p>
@@ -2201,7 +2203,7 @@
           <a:p>
             <a:fld id="{F467A90D-6061-43A1-9F48-580B251C3410}" type="datetimeFigureOut">
               <a:rPr lang="en-GB" smtClean="0"/>
-              <a:t>30/06/2023</a:t>
+              <a:t>11/07/2023</a:t>
             </a:fld>
             <a:endParaRPr lang="en-GB"/>
           </a:p>
@@ -2314,7 +2316,7 @@
           <a:p>
             <a:fld id="{F467A90D-6061-43A1-9F48-580B251C3410}" type="datetimeFigureOut">
               <a:rPr lang="en-GB" smtClean="0"/>
-              <a:t>30/06/2023</a:t>
+              <a:t>11/07/2023</a:t>
             </a:fld>
             <a:endParaRPr lang="en-GB"/>
           </a:p>
@@ -2659,7 +2661,7 @@
           <a:p>
             <a:fld id="{F467A90D-6061-43A1-9F48-580B251C3410}" type="datetimeFigureOut">
               <a:rPr lang="en-GB" smtClean="0"/>
-              <a:t>30/06/2023</a:t>
+              <a:t>11/07/2023</a:t>
             </a:fld>
             <a:endParaRPr lang="en-GB"/>
           </a:p>
@@ -2948,7 +2950,7 @@
           <a:p>
             <a:fld id="{F467A90D-6061-43A1-9F48-580B251C3410}" type="datetimeFigureOut">
               <a:rPr lang="en-GB" smtClean="0"/>
-              <a:t>30/06/2023</a:t>
+              <a:t>11/07/2023</a:t>
             </a:fld>
             <a:endParaRPr lang="en-GB"/>
           </a:p>
@@ -3223,7 +3225,7 @@
           <a:p>
             <a:fld id="{F467A90D-6061-43A1-9F48-580B251C3410}" type="datetimeFigureOut">
               <a:rPr lang="en-GB" smtClean="0"/>
-              <a:t>30/06/2023</a:t>
+              <a:t>11/07/2023</a:t>
             </a:fld>
             <a:endParaRPr lang="en-GB"/>
           </a:p>
@@ -3642,48 +3644,352 @@
       </p:grpSpPr>
       <p:sp>
         <p:nvSpPr>
-          <p:cNvPr id="4" name="テキスト ボックス 3">
-            <a:extLst>
-              <a:ext uri="{FF2B5EF4-FFF2-40B4-BE49-F238E27FC236}">
-                <a16:creationId xmlns:a16="http://schemas.microsoft.com/office/drawing/2014/main" id="{4F4E67A6-F9BA-55F6-8FAE-F9F36A48090E}"/>
-              </a:ext>
-            </a:extLst>
-          </p:cNvPr>
-          <p:cNvSpPr txBox="1"/>
-          <p:nvPr/>
-        </p:nvSpPr>
-        <p:spPr>
-          <a:xfrm>
-            <a:off x="751257" y="749405"/>
-            <a:ext cx="2925788" cy="400110"/>
+          <p:cNvPr id="159" name="Rectangle 158">
+            <a:extLst>
+              <a:ext uri="{FF2B5EF4-FFF2-40B4-BE49-F238E27FC236}">
+                <a16:creationId xmlns:a16="http://schemas.microsoft.com/office/drawing/2014/main" id="{4091D693-0C0C-1202-7A2E-B9A231B0891F}"/>
+              </a:ext>
+            </a:extLst>
+          </p:cNvPr>
+          <p:cNvSpPr/>
+          <p:nvPr/>
+        </p:nvSpPr>
+        <p:spPr>
+          <a:xfrm>
+            <a:off x="2169085" y="3775960"/>
+            <a:ext cx="4697622" cy="1437810"/>
           </a:xfrm>
           <a:prstGeom prst="rect">
             <a:avLst/>
           </a:prstGeom>
-          <a:noFill/>
-        </p:spPr>
-        <p:txBody>
-          <a:bodyPr wrap="square" rtlCol="0">
-            <a:spAutoFit/>
-          </a:bodyPr>
-          <a:lstStyle/>
-          <a:p>
-            <a:r>
-              <a:rPr lang="en-GB" sz="2000" dirty="0">
-                <a:latin typeface="Times New Roman" panose="02020603050405020304" pitchFamily="18" charset="0"/>
-                <a:cs typeface="Times New Roman" panose="02020603050405020304" pitchFamily="18" charset="0"/>
-              </a:rPr>
-              <a:t>SEIR model</a:t>
-            </a:r>
-          </a:p>
-        </p:txBody>
-      </p:sp>
-      <p:sp>
-        <p:nvSpPr>
-          <p:cNvPr id="5" name="正方形/長方形 4">
-            <a:extLst>
-              <a:ext uri="{FF2B5EF4-FFF2-40B4-BE49-F238E27FC236}">
-                <a16:creationId xmlns:a16="http://schemas.microsoft.com/office/drawing/2014/main" id="{DAAEDDBD-F0E9-C0A2-693C-8E00F255F2F2}"/>
+          <a:solidFill>
+            <a:schemeClr val="accent2">
+              <a:lumMod val="20000"/>
+              <a:lumOff val="80000"/>
+            </a:schemeClr>
+          </a:solidFill>
+        </p:spPr>
+        <p:style>
+          <a:lnRef idx="2">
+            <a:schemeClr val="accent1">
+              <a:shade val="15000"/>
+            </a:schemeClr>
+          </a:lnRef>
+          <a:fillRef idx="1">
+            <a:schemeClr val="accent1"/>
+          </a:fillRef>
+          <a:effectRef idx="0">
+            <a:schemeClr val="accent1"/>
+          </a:effectRef>
+          <a:fontRef idx="minor">
+            <a:schemeClr val="lt1"/>
+          </a:fontRef>
+        </p:style>
+        <p:txBody>
+          <a:bodyPr rtlCol="0" anchor="ctr"/>
+          <a:lstStyle/>
+          <a:p>
+            <a:pPr algn="ctr"/>
+            <a:endParaRPr lang="en-GB"/>
+          </a:p>
+        </p:txBody>
+      </p:sp>
+      <p:grpSp>
+        <p:nvGrpSpPr>
+          <p:cNvPr id="108" name="Group 107">
+            <a:extLst>
+              <a:ext uri="{FF2B5EF4-FFF2-40B4-BE49-F238E27FC236}">
+                <a16:creationId xmlns:a16="http://schemas.microsoft.com/office/drawing/2014/main" id="{CE2EB727-E93F-C7AA-22D2-21559D1ACB4A}"/>
+              </a:ext>
+            </a:extLst>
+          </p:cNvPr>
+          <p:cNvGrpSpPr/>
+          <p:nvPr/>
+        </p:nvGrpSpPr>
+        <p:grpSpPr>
+          <a:xfrm>
+            <a:off x="7246254" y="2956149"/>
+            <a:ext cx="2472645" cy="1408589"/>
+            <a:chOff x="5962485" y="2963862"/>
+            <a:chExt cx="2472645" cy="1408589"/>
+          </a:xfrm>
+        </p:grpSpPr>
+        <p:sp>
+          <p:nvSpPr>
+            <p:cNvPr id="104" name="Rectangle 103">
+              <a:extLst>
+                <a:ext uri="{FF2B5EF4-FFF2-40B4-BE49-F238E27FC236}">
+                  <a16:creationId xmlns:a16="http://schemas.microsoft.com/office/drawing/2014/main" id="{BE9CF26A-CD09-FD93-2B35-7079FB6204B8}"/>
+                </a:ext>
+              </a:extLst>
+            </p:cNvPr>
+            <p:cNvSpPr/>
+            <p:nvPr/>
+          </p:nvSpPr>
+          <p:spPr>
+            <a:xfrm>
+              <a:off x="5962485" y="2963862"/>
+              <a:ext cx="2472645" cy="1408589"/>
+            </a:xfrm>
+            <a:prstGeom prst="rect">
+              <a:avLst/>
+            </a:prstGeom>
+            <a:solidFill>
+              <a:schemeClr val="accent1">
+                <a:lumMod val="20000"/>
+                <a:lumOff val="80000"/>
+              </a:schemeClr>
+            </a:solidFill>
+          </p:spPr>
+          <p:style>
+            <a:lnRef idx="2">
+              <a:schemeClr val="accent1">
+                <a:shade val="15000"/>
+              </a:schemeClr>
+            </a:lnRef>
+            <a:fillRef idx="1">
+              <a:schemeClr val="accent1"/>
+            </a:fillRef>
+            <a:effectRef idx="0">
+              <a:schemeClr val="accent1"/>
+            </a:effectRef>
+            <a:fontRef idx="minor">
+              <a:schemeClr val="lt1"/>
+            </a:fontRef>
+          </p:style>
+          <p:txBody>
+            <a:bodyPr rtlCol="0" anchor="ctr"/>
+            <a:lstStyle/>
+            <a:p>
+              <a:pPr algn="ctr"/>
+              <a:endParaRPr lang="en-GB" dirty="0"/>
+            </a:p>
+          </p:txBody>
+        </p:sp>
+        <p:sp>
+          <p:nvSpPr>
+            <p:cNvPr id="78" name="正方形/長方形 7">
+              <a:extLst>
+                <a:ext uri="{FF2B5EF4-FFF2-40B4-BE49-F238E27FC236}">
+                  <a16:creationId xmlns:a16="http://schemas.microsoft.com/office/drawing/2014/main" id="{CF8FE143-FB9A-B0FB-BA6F-1BF5F0AEDBEF}"/>
+                </a:ext>
+              </a:extLst>
+            </p:cNvPr>
+            <p:cNvSpPr/>
+            <p:nvPr/>
+          </p:nvSpPr>
+          <p:spPr>
+            <a:xfrm>
+              <a:off x="6773554" y="3218855"/>
+              <a:ext cx="857836" cy="575939"/>
+            </a:xfrm>
+            <a:prstGeom prst="rect">
+              <a:avLst/>
+            </a:prstGeom>
+            <a:ln>
+              <a:solidFill>
+                <a:schemeClr val="tx1"/>
+              </a:solidFill>
+            </a:ln>
+          </p:spPr>
+          <p:style>
+            <a:lnRef idx="2">
+              <a:schemeClr val="accent6"/>
+            </a:lnRef>
+            <a:fillRef idx="1">
+              <a:schemeClr val="lt1"/>
+            </a:fillRef>
+            <a:effectRef idx="0">
+              <a:schemeClr val="accent6"/>
+            </a:effectRef>
+            <a:fontRef idx="minor">
+              <a:schemeClr val="dk1"/>
+            </a:fontRef>
+          </p:style>
+          <p:txBody>
+            <a:bodyPr rtlCol="0" anchor="ctr"/>
+            <a:lstStyle/>
+            <a:p>
+              <a:pPr algn="ctr"/>
+              <a:r>
+                <a:rPr lang="en-GB" dirty="0">
+                  <a:latin typeface="Times New Roman" panose="02020603050405020304" pitchFamily="18" charset="0"/>
+                  <a:cs typeface="Times New Roman" panose="02020603050405020304" pitchFamily="18" charset="0"/>
+                </a:rPr>
+                <a:t>W</a:t>
+              </a:r>
+              <a:r>
+                <a:rPr lang="en-GB" baseline="-25000" dirty="0">
+                  <a:latin typeface="Times New Roman" panose="02020603050405020304" pitchFamily="18" charset="0"/>
+                  <a:cs typeface="Times New Roman" panose="02020603050405020304" pitchFamily="18" charset="0"/>
+                </a:rPr>
+                <a:t>i</a:t>
+              </a:r>
+            </a:p>
+          </p:txBody>
+        </p:sp>
+        <p:cxnSp>
+          <p:nvCxnSpPr>
+            <p:cNvPr id="85" name="直線矢印コネクタ 16">
+              <a:extLst>
+                <a:ext uri="{FF2B5EF4-FFF2-40B4-BE49-F238E27FC236}">
+                  <a16:creationId xmlns:a16="http://schemas.microsoft.com/office/drawing/2014/main" id="{145C3370-33B6-181F-2333-6473183D22CD}"/>
+                </a:ext>
+              </a:extLst>
+            </p:cNvPr>
+            <p:cNvCxnSpPr>
+              <a:cxnSpLocks/>
+              <a:stCxn id="78" idx="3"/>
+            </p:cNvCxnSpPr>
+            <p:nvPr/>
+          </p:nvCxnSpPr>
+          <p:spPr>
+            <a:xfrm>
+              <a:off x="7631390" y="3506825"/>
+              <a:ext cx="495282" cy="0"/>
+            </a:xfrm>
+            <a:prstGeom prst="straightConnector1">
+              <a:avLst/>
+            </a:prstGeom>
+            <a:ln w="19050">
+              <a:solidFill>
+                <a:schemeClr val="tx1"/>
+              </a:solidFill>
+              <a:tailEnd type="triangle"/>
+            </a:ln>
+          </p:spPr>
+          <p:style>
+            <a:lnRef idx="1">
+              <a:schemeClr val="accent1"/>
+            </a:lnRef>
+            <a:fillRef idx="0">
+              <a:schemeClr val="accent1"/>
+            </a:fillRef>
+            <a:effectRef idx="0">
+              <a:schemeClr val="accent1"/>
+            </a:effectRef>
+            <a:fontRef idx="minor">
+              <a:schemeClr val="tx1"/>
+            </a:fontRef>
+          </p:style>
+        </p:cxnSp>
+        <p:sp>
+          <p:nvSpPr>
+            <p:cNvPr id="89" name="TextBox 88">
+              <a:extLst>
+                <a:ext uri="{FF2B5EF4-FFF2-40B4-BE49-F238E27FC236}">
+                  <a16:creationId xmlns:a16="http://schemas.microsoft.com/office/drawing/2014/main" id="{473F09D9-3521-DF84-CCAD-A580E7B419BD}"/>
+                </a:ext>
+              </a:extLst>
+            </p:cNvPr>
+            <p:cNvSpPr txBox="1"/>
+            <p:nvPr/>
+          </p:nvSpPr>
+          <p:spPr>
+            <a:xfrm>
+              <a:off x="7719590" y="3034189"/>
+              <a:ext cx="407082" cy="369332"/>
+            </a:xfrm>
+            <a:prstGeom prst="rect">
+              <a:avLst/>
+            </a:prstGeom>
+            <a:noFill/>
+          </p:spPr>
+          <p:txBody>
+            <a:bodyPr wrap="square" rtlCol="0">
+              <a:spAutoFit/>
+            </a:bodyPr>
+            <a:lstStyle/>
+            <a:p>
+              <a:r>
+                <a:rPr lang="el-GR" altLang="ja-JP" dirty="0"/>
+                <a:t>ξ</a:t>
+              </a:r>
+              <a:endParaRPr lang="en-GB" dirty="0"/>
+            </a:p>
+          </p:txBody>
+        </p:sp>
+        <p:sp>
+          <p:nvSpPr>
+            <p:cNvPr id="102" name="TextBox 101">
+              <a:extLst>
+                <a:ext uri="{FF2B5EF4-FFF2-40B4-BE49-F238E27FC236}">
+                  <a16:creationId xmlns:a16="http://schemas.microsoft.com/office/drawing/2014/main" id="{A2161CAC-0038-948D-EB63-2841F0A58C0A}"/>
+                </a:ext>
+              </a:extLst>
+            </p:cNvPr>
+            <p:cNvSpPr txBox="1"/>
+            <p:nvPr/>
+          </p:nvSpPr>
+          <p:spPr>
+            <a:xfrm>
+              <a:off x="6386572" y="3088208"/>
+              <a:ext cx="342882" cy="369332"/>
+            </a:xfrm>
+            <a:prstGeom prst="rect">
+              <a:avLst/>
+            </a:prstGeom>
+            <a:noFill/>
+          </p:spPr>
+          <p:txBody>
+            <a:bodyPr wrap="square" rtlCol="0">
+              <a:spAutoFit/>
+            </a:bodyPr>
+            <a:lstStyle/>
+            <a:p>
+              <a:r>
+                <a:rPr lang="el-GR" i="1" dirty="0"/>
+                <a:t>κ</a:t>
+              </a:r>
+              <a:endParaRPr lang="en-GB" i="1" dirty="0"/>
+            </a:p>
+          </p:txBody>
+        </p:sp>
+        <p:sp>
+          <p:nvSpPr>
+            <p:cNvPr id="106" name="TextBox 105">
+              <a:extLst>
+                <a:ext uri="{FF2B5EF4-FFF2-40B4-BE49-F238E27FC236}">
+                  <a16:creationId xmlns:a16="http://schemas.microsoft.com/office/drawing/2014/main" id="{077BDE8D-4940-0A7B-0135-37A3D0EF86F2}"/>
+                </a:ext>
+              </a:extLst>
+            </p:cNvPr>
+            <p:cNvSpPr txBox="1"/>
+            <p:nvPr/>
+          </p:nvSpPr>
+          <p:spPr>
+            <a:xfrm>
+              <a:off x="6490630" y="3933521"/>
+              <a:ext cx="1564953" cy="369332"/>
+            </a:xfrm>
+            <a:prstGeom prst="rect">
+              <a:avLst/>
+            </a:prstGeom>
+            <a:noFill/>
+          </p:spPr>
+          <p:txBody>
+            <a:bodyPr wrap="square" rtlCol="0">
+              <a:spAutoFit/>
+            </a:bodyPr>
+            <a:lstStyle/>
+            <a:p>
+              <a:r>
+                <a:rPr lang="en-GB" b="1" i="1" dirty="0">
+                  <a:latin typeface="Arial" panose="020B0604020202020204" pitchFamily="34" charset="0"/>
+                  <a:cs typeface="Arial" panose="020B0604020202020204" pitchFamily="34" charset="0"/>
+                </a:rPr>
+                <a:t>ES model</a:t>
+              </a:r>
+            </a:p>
+          </p:txBody>
+        </p:sp>
+      </p:grpSp>
+      <p:sp>
+        <p:nvSpPr>
+          <p:cNvPr id="99" name="Rectangle 98">
+            <a:extLst>
+              <a:ext uri="{FF2B5EF4-FFF2-40B4-BE49-F238E27FC236}">
+                <a16:creationId xmlns:a16="http://schemas.microsoft.com/office/drawing/2014/main" id="{205EAAA4-53B6-79D6-7987-E93CE3EC87AC}"/>
               </a:ext>
             </a:extLst>
           </p:cNvPr>
@@ -3692,7 +3998,59 @@
         </p:nvSpPr>
         <p:spPr>
           <a:xfrm>
-            <a:off x="710126" y="1595616"/>
+            <a:off x="1626561" y="759261"/>
+            <a:ext cx="6985812" cy="1991659"/>
+          </a:xfrm>
+          <a:prstGeom prst="rect">
+            <a:avLst/>
+          </a:prstGeom>
+          <a:solidFill>
+            <a:schemeClr val="accent6">
+              <a:lumMod val="20000"/>
+              <a:lumOff val="80000"/>
+            </a:schemeClr>
+          </a:solidFill>
+        </p:spPr>
+        <p:style>
+          <a:lnRef idx="2">
+            <a:schemeClr val="accent1">
+              <a:shade val="15000"/>
+            </a:schemeClr>
+          </a:lnRef>
+          <a:fillRef idx="1">
+            <a:schemeClr val="accent1"/>
+          </a:fillRef>
+          <a:effectRef idx="0">
+            <a:schemeClr val="accent1"/>
+          </a:effectRef>
+          <a:fontRef idx="minor">
+            <a:schemeClr val="lt1"/>
+          </a:fontRef>
+        </p:style>
+        <p:txBody>
+          <a:bodyPr rtlCol="0" anchor="ctr"/>
+          <a:lstStyle/>
+          <a:p>
+            <a:pPr algn="ctr"/>
+            <a:endParaRPr lang="en-GB" dirty="0"/>
+          </a:p>
+        </p:txBody>
+      </p:sp>
+      <p:sp>
+        <p:nvSpPr>
+          <p:cNvPr id="6" name="正方形/長方形 4">
+            <a:extLst>
+              <a:ext uri="{FF2B5EF4-FFF2-40B4-BE49-F238E27FC236}">
+                <a16:creationId xmlns:a16="http://schemas.microsoft.com/office/drawing/2014/main" id="{71E43183-13BE-60FB-67F1-531FF92A95CC}"/>
+              </a:ext>
+            </a:extLst>
+          </p:cNvPr>
+          <p:cNvSpPr/>
+          <p:nvPr/>
+        </p:nvSpPr>
+        <p:spPr>
+          <a:xfrm>
+            <a:off x="2400887" y="1827314"/>
             <a:ext cx="785740" cy="614289"/>
           </a:xfrm>
           <a:prstGeom prst="rect">
@@ -3742,10 +4100,10 @@
       </p:sp>
       <p:sp>
         <p:nvSpPr>
-          <p:cNvPr id="6" name="正方形/長方形 5">
-            <a:extLst>
-              <a:ext uri="{FF2B5EF4-FFF2-40B4-BE49-F238E27FC236}">
-                <a16:creationId xmlns:a16="http://schemas.microsoft.com/office/drawing/2014/main" id="{A9DD66EA-AA08-2FBA-86E5-4ECE1F3CBC36}"/>
+          <p:cNvPr id="7" name="正方形/長方形 5">
+            <a:extLst>
+              <a:ext uri="{FF2B5EF4-FFF2-40B4-BE49-F238E27FC236}">
+                <a16:creationId xmlns:a16="http://schemas.microsoft.com/office/drawing/2014/main" id="{F157C196-8510-E428-7920-6AED09A7E8F8}"/>
               </a:ext>
             </a:extLst>
           </p:cNvPr>
@@ -3754,7 +4112,7 @@
         </p:nvSpPr>
         <p:spPr>
           <a:xfrm>
-            <a:off x="2264897" y="1595615"/>
+            <a:off x="4153332" y="1834154"/>
             <a:ext cx="857836" cy="614289"/>
           </a:xfrm>
           <a:prstGeom prst="rect">
@@ -3804,10 +4162,10 @@
       </p:sp>
       <p:sp>
         <p:nvSpPr>
-          <p:cNvPr id="7" name="正方形/長方形 6">
-            <a:extLst>
-              <a:ext uri="{FF2B5EF4-FFF2-40B4-BE49-F238E27FC236}">
-                <a16:creationId xmlns:a16="http://schemas.microsoft.com/office/drawing/2014/main" id="{14C35C08-62AD-557C-6CF6-661F744E78C6}"/>
+          <p:cNvPr id="8" name="正方形/長方形 6">
+            <a:extLst>
+              <a:ext uri="{FF2B5EF4-FFF2-40B4-BE49-F238E27FC236}">
+                <a16:creationId xmlns:a16="http://schemas.microsoft.com/office/drawing/2014/main" id="{DD38DE76-829F-CF44-5C75-AA5C273BCDF9}"/>
               </a:ext>
             </a:extLst>
           </p:cNvPr>
@@ -3816,7 +4174,7 @@
         </p:nvSpPr>
         <p:spPr>
           <a:xfrm>
-            <a:off x="3891764" y="1079800"/>
+            <a:off x="5780199" y="1829835"/>
             <a:ext cx="857836" cy="614289"/>
           </a:xfrm>
           <a:prstGeom prst="rect">
@@ -3859,7 +4217,7 @@
                 <a:latin typeface="Times New Roman" panose="02020603050405020304" pitchFamily="18" charset="0"/>
                 <a:cs typeface="Times New Roman" panose="02020603050405020304" pitchFamily="18" charset="0"/>
               </a:rPr>
-              <a:t>a,i</a:t>
+              <a:t>i</a:t>
             </a:r>
             <a:endParaRPr lang="en-GB" baseline="-25000" dirty="0">
               <a:latin typeface="Times New Roman" panose="02020603050405020304" pitchFamily="18" charset="0"/>
@@ -3873,21 +4231,21 @@
           <p:cNvPr id="9" name="直線矢印コネクタ 8">
             <a:extLst>
               <a:ext uri="{FF2B5EF4-FFF2-40B4-BE49-F238E27FC236}">
-                <a16:creationId xmlns:a16="http://schemas.microsoft.com/office/drawing/2014/main" id="{B30EBF94-F7AC-6D2E-F7D5-E221FE8F8893}"/>
+                <a16:creationId xmlns:a16="http://schemas.microsoft.com/office/drawing/2014/main" id="{C086AF70-01A7-F16E-1BBE-83960E8D0B6F}"/>
               </a:ext>
             </a:extLst>
           </p:cNvPr>
           <p:cNvCxnSpPr>
             <a:cxnSpLocks/>
-            <a:stCxn id="5" idx="3"/>
-            <a:endCxn id="6" idx="1"/>
+            <a:stCxn id="6" idx="3"/>
+            <a:endCxn id="7" idx="1"/>
           </p:cNvCxnSpPr>
           <p:nvPr/>
         </p:nvCxnSpPr>
         <p:spPr>
-          <a:xfrm flipV="1">
-            <a:off x="1495866" y="1902760"/>
-            <a:ext cx="769031" cy="1"/>
+          <a:xfrm>
+            <a:off x="3186627" y="2134459"/>
+            <a:ext cx="966705" cy="6840"/>
           </a:xfrm>
           <a:prstGeom prst="straightConnector1">
             <a:avLst/>
@@ -3916,24 +4274,24 @@
       </p:cxnSp>
       <p:cxnSp>
         <p:nvCxnSpPr>
-          <p:cNvPr id="13" name="直線矢印コネクタ 12">
-            <a:extLst>
-              <a:ext uri="{FF2B5EF4-FFF2-40B4-BE49-F238E27FC236}">
-                <a16:creationId xmlns:a16="http://schemas.microsoft.com/office/drawing/2014/main" id="{721B60B5-886D-359C-497B-278477619A6F}"/>
+          <p:cNvPr id="10" name="直線矢印コネクタ 12">
+            <a:extLst>
+              <a:ext uri="{FF2B5EF4-FFF2-40B4-BE49-F238E27FC236}">
+                <a16:creationId xmlns:a16="http://schemas.microsoft.com/office/drawing/2014/main" id="{DBAC2D4E-D393-2379-21EA-193D865B2362}"/>
               </a:ext>
             </a:extLst>
           </p:cNvPr>
           <p:cNvCxnSpPr>
             <a:cxnSpLocks/>
-            <a:stCxn id="6" idx="3"/>
-            <a:endCxn id="7" idx="1"/>
+            <a:stCxn id="7" idx="3"/>
+            <a:endCxn id="8" idx="1"/>
           </p:cNvCxnSpPr>
           <p:nvPr/>
         </p:nvCxnSpPr>
         <p:spPr>
           <a:xfrm flipV="1">
-            <a:off x="3122733" y="1386945"/>
-            <a:ext cx="769031" cy="515815"/>
+            <a:off x="5011168" y="2136980"/>
+            <a:ext cx="769031" cy="4319"/>
           </a:xfrm>
           <a:prstGeom prst="straightConnector1">
             <a:avLst/>
@@ -3962,24 +4320,24 @@
       </p:cxnSp>
       <p:cxnSp>
         <p:nvCxnSpPr>
-          <p:cNvPr id="17" name="直線矢印コネクタ 16">
-            <a:extLst>
-              <a:ext uri="{FF2B5EF4-FFF2-40B4-BE49-F238E27FC236}">
-                <a16:creationId xmlns:a16="http://schemas.microsoft.com/office/drawing/2014/main" id="{EB4F7E7A-AF55-2C0F-79B0-2D8A51FDDB09}"/>
+          <p:cNvPr id="11" name="直線矢印コネクタ 16">
+            <a:extLst>
+              <a:ext uri="{FF2B5EF4-FFF2-40B4-BE49-F238E27FC236}">
+                <a16:creationId xmlns:a16="http://schemas.microsoft.com/office/drawing/2014/main" id="{9475DE44-98AB-C94C-82ED-8471283C3B61}"/>
               </a:ext>
             </a:extLst>
           </p:cNvPr>
           <p:cNvCxnSpPr>
             <a:cxnSpLocks/>
-            <a:stCxn id="7" idx="3"/>
-            <a:endCxn id="3" idx="1"/>
+            <a:stCxn id="8" idx="3"/>
+            <a:endCxn id="18" idx="1"/>
           </p:cNvCxnSpPr>
           <p:nvPr/>
         </p:nvCxnSpPr>
         <p:spPr>
-          <a:xfrm>
-            <a:off x="4749600" y="1386945"/>
-            <a:ext cx="975289" cy="531353"/>
+          <a:xfrm flipV="1">
+            <a:off x="6638035" y="2134459"/>
+            <a:ext cx="813918" cy="2521"/>
           </a:xfrm>
           <a:prstGeom prst="straightConnector1">
             <a:avLst/>
@@ -4008,10 +4366,50 @@
       </p:cxnSp>
       <p:sp>
         <p:nvSpPr>
-          <p:cNvPr id="35" name="正方形/長方形 34">
-            <a:extLst>
-              <a:ext uri="{FF2B5EF4-FFF2-40B4-BE49-F238E27FC236}">
-                <a16:creationId xmlns:a16="http://schemas.microsoft.com/office/drawing/2014/main" id="{A10583FD-1679-6011-1EFF-64D6BC3B6BAD}"/>
+          <p:cNvPr id="16" name="テキスト ボックス 20">
+            <a:extLst>
+              <a:ext uri="{FF2B5EF4-FFF2-40B4-BE49-F238E27FC236}">
+                <a16:creationId xmlns:a16="http://schemas.microsoft.com/office/drawing/2014/main" id="{260A750C-82D3-749A-04C7-3942A385F8EF}"/>
+              </a:ext>
+            </a:extLst>
+          </p:cNvPr>
+          <p:cNvSpPr txBox="1"/>
+          <p:nvPr/>
+        </p:nvSpPr>
+        <p:spPr>
+          <a:xfrm>
+            <a:off x="6777404" y="1668785"/>
+            <a:ext cx="546884" cy="371209"/>
+          </a:xfrm>
+          <a:prstGeom prst="rect">
+            <a:avLst/>
+          </a:prstGeom>
+          <a:noFill/>
+        </p:spPr>
+        <p:txBody>
+          <a:bodyPr wrap="square" rtlCol="0">
+            <a:spAutoFit/>
+          </a:bodyPr>
+          <a:lstStyle/>
+          <a:p>
+            <a:r>
+              <a:rPr lang="el-GR" altLang="ja-JP" i="1" dirty="0"/>
+              <a:t>γ</a:t>
+            </a:r>
+            <a:r>
+              <a:rPr lang="en-US" altLang="ja-JP" baseline="-25000" dirty="0"/>
+              <a:t>2</a:t>
+            </a:r>
+            <a:endParaRPr lang="en-GB" baseline="-25000" dirty="0"/>
+          </a:p>
+        </p:txBody>
+      </p:sp>
+      <p:sp>
+        <p:nvSpPr>
+          <p:cNvPr id="18" name="正方形/長方形 7">
+            <a:extLst>
+              <a:ext uri="{FF2B5EF4-FFF2-40B4-BE49-F238E27FC236}">
+                <a16:creationId xmlns:a16="http://schemas.microsoft.com/office/drawing/2014/main" id="{A77E5967-604B-3DB4-8C01-37A2910322D5}"/>
               </a:ext>
             </a:extLst>
           </p:cNvPr>
@@ -4020,8 +4418,8 @@
         </p:nvSpPr>
         <p:spPr>
           <a:xfrm>
-            <a:off x="3891764" y="2209904"/>
-            <a:ext cx="857836" cy="614289"/>
+            <a:off x="7451953" y="1846489"/>
+            <a:ext cx="857836" cy="575939"/>
           </a:xfrm>
           <a:prstGeom prst="rect">
             <a:avLst/>
@@ -4056,49 +4454,37 @@
                 <a:latin typeface="Times New Roman" panose="02020603050405020304" pitchFamily="18" charset="0"/>
                 <a:cs typeface="Times New Roman" panose="02020603050405020304" pitchFamily="18" charset="0"/>
               </a:rPr>
-              <a:t>I</a:t>
+              <a:t>R</a:t>
             </a:r>
             <a:r>
               <a:rPr lang="en-GB" baseline="-25000" dirty="0">
                 <a:latin typeface="Times New Roman" panose="02020603050405020304" pitchFamily="18" charset="0"/>
                 <a:cs typeface="Times New Roman" panose="02020603050405020304" pitchFamily="18" charset="0"/>
               </a:rPr>
-              <a:t>AFP, </a:t>
-            </a:r>
-            <a:r>
-              <a:rPr lang="en-GB" baseline="-25000" dirty="0" err="1">
-                <a:latin typeface="Times New Roman" panose="02020603050405020304" pitchFamily="18" charset="0"/>
-                <a:cs typeface="Times New Roman" panose="02020603050405020304" pitchFamily="18" charset="0"/>
-              </a:rPr>
               <a:t>i</a:t>
             </a:r>
-            <a:endParaRPr lang="en-GB" baseline="-25000" dirty="0">
-              <a:latin typeface="Times New Roman" panose="02020603050405020304" pitchFamily="18" charset="0"/>
-              <a:cs typeface="Times New Roman" panose="02020603050405020304" pitchFamily="18" charset="0"/>
-            </a:endParaRPr>
           </a:p>
         </p:txBody>
       </p:sp>
       <p:cxnSp>
         <p:nvCxnSpPr>
-          <p:cNvPr id="36" name="直線矢印コネクタ 35">
-            <a:extLst>
-              <a:ext uri="{FF2B5EF4-FFF2-40B4-BE49-F238E27FC236}">
-                <a16:creationId xmlns:a16="http://schemas.microsoft.com/office/drawing/2014/main" id="{0C009F64-879D-9700-77DB-70F3BE7669FE}"/>
+          <p:cNvPr id="27" name="直線矢印コネクタ 8">
+            <a:extLst>
+              <a:ext uri="{FF2B5EF4-FFF2-40B4-BE49-F238E27FC236}">
+                <a16:creationId xmlns:a16="http://schemas.microsoft.com/office/drawing/2014/main" id="{C9444245-E6E3-3AF9-EBCD-670F4998B11C}"/>
               </a:ext>
             </a:extLst>
           </p:cNvPr>
           <p:cNvCxnSpPr>
             <a:cxnSpLocks/>
-            <a:stCxn id="6" idx="3"/>
-            <a:endCxn id="35" idx="1"/>
+            <a:endCxn id="6" idx="1"/>
           </p:cNvCxnSpPr>
           <p:nvPr/>
         </p:nvCxnSpPr>
         <p:spPr>
           <a:xfrm>
-            <a:off x="3122733" y="1902760"/>
-            <a:ext cx="769031" cy="614289"/>
+            <a:off x="1740456" y="2134457"/>
+            <a:ext cx="660431" cy="2"/>
           </a:xfrm>
           <a:prstGeom prst="straightConnector1">
             <a:avLst/>
@@ -4127,24 +4513,23 @@
       </p:cxnSp>
       <p:cxnSp>
         <p:nvCxnSpPr>
-          <p:cNvPr id="41" name="直線矢印コネクタ 40">
-            <a:extLst>
-              <a:ext uri="{FF2B5EF4-FFF2-40B4-BE49-F238E27FC236}">
-                <a16:creationId xmlns:a16="http://schemas.microsoft.com/office/drawing/2014/main" id="{D02CDAF2-38C1-3C91-02D9-0FF51115A22A}"/>
+          <p:cNvPr id="32" name="直線矢印コネクタ 8">
+            <a:extLst>
+              <a:ext uri="{FF2B5EF4-FFF2-40B4-BE49-F238E27FC236}">
+                <a16:creationId xmlns:a16="http://schemas.microsoft.com/office/drawing/2014/main" id="{4CB4AAB0-2984-6254-DE74-ACB1E796E021}"/>
               </a:ext>
             </a:extLst>
           </p:cNvPr>
           <p:cNvCxnSpPr>
             <a:cxnSpLocks/>
-            <a:stCxn id="35" idx="3"/>
-            <a:endCxn id="3" idx="1"/>
+            <a:stCxn id="6" idx="0"/>
           </p:cNvCxnSpPr>
           <p:nvPr/>
         </p:nvCxnSpPr>
         <p:spPr>
           <a:xfrm flipV="1">
-            <a:off x="4749600" y="1918298"/>
-            <a:ext cx="975289" cy="598751"/>
+            <a:off x="2793757" y="1496575"/>
+            <a:ext cx="392870" cy="330739"/>
           </a:xfrm>
           <a:prstGeom prst="straightConnector1">
             <a:avLst/>
@@ -4173,10 +4558,10 @@
       </p:cxnSp>
       <p:sp>
         <p:nvSpPr>
-          <p:cNvPr id="19" name="テキスト ボックス 18">
-            <a:extLst>
-              <a:ext uri="{FF2B5EF4-FFF2-40B4-BE49-F238E27FC236}">
-                <a16:creationId xmlns:a16="http://schemas.microsoft.com/office/drawing/2014/main" id="{0BE1140A-DC93-A89B-F351-DCF375DDF165}"/>
+          <p:cNvPr id="43" name="TextBox 42">
+            <a:extLst>
+              <a:ext uri="{FF2B5EF4-FFF2-40B4-BE49-F238E27FC236}">
+                <a16:creationId xmlns:a16="http://schemas.microsoft.com/office/drawing/2014/main" id="{534A9AE2-F3C5-05BF-57D5-F4C66E2B70B0}"/>
               </a:ext>
             </a:extLst>
           </p:cNvPr>
@@ -4185,8 +4570,8 @@
         </p:nvSpPr>
         <p:spPr>
           <a:xfrm>
-            <a:off x="2711670" y="1062621"/>
-            <a:ext cx="1259280" cy="369332"/>
+            <a:off x="6036579" y="1367015"/>
+            <a:ext cx="337931" cy="369332"/>
           </a:xfrm>
           <a:prstGeom prst="rect">
             <a:avLst/>
@@ -4200,35 +4585,64 @@
           <a:lstStyle/>
           <a:p>
             <a:r>
-              <a:rPr lang="en-US" altLang="ja-JP" dirty="0"/>
-              <a:t>(1-p</a:t>
-            </a:r>
-            <a:r>
-              <a:rPr lang="en-US" altLang="ja-JP" baseline="-25000" dirty="0"/>
-              <a:t>AFP</a:t>
-            </a:r>
-            <a:r>
-              <a:rPr lang="en-US" altLang="ja-JP" dirty="0"/>
-              <a:t>)</a:t>
-            </a:r>
-            <a:r>
-              <a:rPr lang="el-GR" altLang="ja-JP" dirty="0"/>
-              <a:t>γ</a:t>
-            </a:r>
-            <a:r>
-              <a:rPr lang="en-US" altLang="ja-JP" baseline="-25000" dirty="0"/>
-              <a:t>1</a:t>
-            </a:r>
-            <a:endParaRPr lang="en-GB" baseline="-25000" dirty="0"/>
-          </a:p>
-        </p:txBody>
-      </p:sp>
-      <p:sp>
-        <p:nvSpPr>
-          <p:cNvPr id="21" name="テキスト ボックス 20">
-            <a:extLst>
-              <a:ext uri="{FF2B5EF4-FFF2-40B4-BE49-F238E27FC236}">
-                <a16:creationId xmlns:a16="http://schemas.microsoft.com/office/drawing/2014/main" id="{47C084D1-B02E-D8FC-3C29-B8D8EFE2B96C}"/>
+              <a:rPr lang="en-US" altLang="ja-JP" i="1" dirty="0"/>
+              <a:t>μ</a:t>
+            </a:r>
+            <a:endParaRPr lang="en-GB" i="1" dirty="0"/>
+          </a:p>
+        </p:txBody>
+      </p:sp>
+      <p:cxnSp>
+        <p:nvCxnSpPr>
+          <p:cNvPr id="44" name="直線矢印コネクタ 8">
+            <a:extLst>
+              <a:ext uri="{FF2B5EF4-FFF2-40B4-BE49-F238E27FC236}">
+                <a16:creationId xmlns:a16="http://schemas.microsoft.com/office/drawing/2014/main" id="{7D76F219-C10C-51AA-E981-00518CBD5ADB}"/>
+              </a:ext>
+            </a:extLst>
+          </p:cNvPr>
+          <p:cNvCxnSpPr>
+            <a:cxnSpLocks/>
+            <a:stCxn id="8" idx="0"/>
+          </p:cNvCxnSpPr>
+          <p:nvPr/>
+        </p:nvCxnSpPr>
+        <p:spPr>
+          <a:xfrm flipV="1">
+            <a:off x="6209117" y="1501632"/>
+            <a:ext cx="339301" cy="328203"/>
+          </a:xfrm>
+          <a:prstGeom prst="straightConnector1">
+            <a:avLst/>
+          </a:prstGeom>
+          <a:ln w="19050">
+            <a:solidFill>
+              <a:schemeClr val="tx1"/>
+            </a:solidFill>
+            <a:tailEnd type="triangle"/>
+          </a:ln>
+        </p:spPr>
+        <p:style>
+          <a:lnRef idx="1">
+            <a:schemeClr val="accent1"/>
+          </a:lnRef>
+          <a:fillRef idx="0">
+            <a:schemeClr val="accent1"/>
+          </a:fillRef>
+          <a:effectRef idx="0">
+            <a:schemeClr val="accent1"/>
+          </a:effectRef>
+          <a:fontRef idx="minor">
+            <a:schemeClr val="tx1"/>
+          </a:fontRef>
+        </p:style>
+      </p:cxnSp>
+      <p:sp>
+        <p:nvSpPr>
+          <p:cNvPr id="47" name="TextBox 46">
+            <a:extLst>
+              <a:ext uri="{FF2B5EF4-FFF2-40B4-BE49-F238E27FC236}">
+                <a16:creationId xmlns:a16="http://schemas.microsoft.com/office/drawing/2014/main" id="{CC286922-E1BA-C680-9149-50BA8A02FE12}"/>
               </a:ext>
             </a:extLst>
           </p:cNvPr>
@@ -4237,8 +4651,8 @@
         </p:nvSpPr>
         <p:spPr>
           <a:xfrm>
-            <a:off x="4905076" y="1015734"/>
-            <a:ext cx="546884" cy="371209"/>
+            <a:off x="7719586" y="1371542"/>
+            <a:ext cx="337931" cy="369332"/>
           </a:xfrm>
           <a:prstGeom prst="rect">
             <a:avLst/>
@@ -4252,23 +4666,64 @@
           <a:lstStyle/>
           <a:p>
             <a:r>
-              <a:rPr lang="el-GR" altLang="ja-JP" dirty="0"/>
-              <a:t>γ</a:t>
-            </a:r>
-            <a:r>
-              <a:rPr lang="en-US" altLang="ja-JP" baseline="-25000" dirty="0"/>
-              <a:t>2</a:t>
-            </a:r>
-            <a:endParaRPr lang="en-GB" baseline="-25000" dirty="0"/>
-          </a:p>
-        </p:txBody>
-      </p:sp>
-      <p:sp>
-        <p:nvSpPr>
-          <p:cNvPr id="22" name="テキスト ボックス 21">
-            <a:extLst>
-              <a:ext uri="{FF2B5EF4-FFF2-40B4-BE49-F238E27FC236}">
-                <a16:creationId xmlns:a16="http://schemas.microsoft.com/office/drawing/2014/main" id="{5ADAC251-9665-E6AC-75D0-4065AF0398B2}"/>
+              <a:rPr lang="en-US" altLang="ja-JP" i="1" dirty="0"/>
+              <a:t>μ</a:t>
+            </a:r>
+            <a:endParaRPr lang="en-GB" i="1" dirty="0"/>
+          </a:p>
+        </p:txBody>
+      </p:sp>
+      <p:cxnSp>
+        <p:nvCxnSpPr>
+          <p:cNvPr id="48" name="直線矢印コネクタ 8">
+            <a:extLst>
+              <a:ext uri="{FF2B5EF4-FFF2-40B4-BE49-F238E27FC236}">
+                <a16:creationId xmlns:a16="http://schemas.microsoft.com/office/drawing/2014/main" id="{9FCFAE04-EC5E-36C7-31D6-6ACB54CE87A3}"/>
+              </a:ext>
+            </a:extLst>
+          </p:cNvPr>
+          <p:cNvCxnSpPr>
+            <a:cxnSpLocks/>
+            <a:stCxn id="18" idx="0"/>
+          </p:cNvCxnSpPr>
+          <p:nvPr/>
+        </p:nvCxnSpPr>
+        <p:spPr>
+          <a:xfrm flipV="1">
+            <a:off x="7880871" y="1547813"/>
+            <a:ext cx="367779" cy="298676"/>
+          </a:xfrm>
+          <a:prstGeom prst="straightConnector1">
+            <a:avLst/>
+          </a:prstGeom>
+          <a:ln w="19050">
+            <a:solidFill>
+              <a:schemeClr val="tx1"/>
+            </a:solidFill>
+            <a:tailEnd type="triangle"/>
+          </a:ln>
+        </p:spPr>
+        <p:style>
+          <a:lnRef idx="1">
+            <a:schemeClr val="accent1"/>
+          </a:lnRef>
+          <a:fillRef idx="0">
+            <a:schemeClr val="accent1"/>
+          </a:fillRef>
+          <a:effectRef idx="0">
+            <a:schemeClr val="accent1"/>
+          </a:effectRef>
+          <a:fontRef idx="minor">
+            <a:schemeClr val="tx1"/>
+          </a:fontRef>
+        </p:style>
+      </p:cxnSp>
+      <p:sp>
+        <p:nvSpPr>
+          <p:cNvPr id="65" name="TextBox 64">
+            <a:extLst>
+              <a:ext uri="{FF2B5EF4-FFF2-40B4-BE49-F238E27FC236}">
+                <a16:creationId xmlns:a16="http://schemas.microsoft.com/office/drawing/2014/main" id="{6D126937-EC10-6072-3C4C-F5B9F53E2CA1}"/>
               </a:ext>
             </a:extLst>
           </p:cNvPr>
@@ -4277,8 +4732,8 @@
         </p:nvSpPr>
         <p:spPr>
           <a:xfrm>
-            <a:off x="4993406" y="2299412"/>
-            <a:ext cx="525225" cy="371209"/>
+            <a:off x="1877206" y="1740874"/>
+            <a:ext cx="337931" cy="369332"/>
           </a:xfrm>
           <a:prstGeom prst="rect">
             <a:avLst/>
@@ -4292,12 +4747,174 @@
           <a:lstStyle/>
           <a:p>
             <a:r>
-              <a:rPr lang="el-GR" altLang="ja-JP" dirty="0"/>
+              <a:rPr lang="en-US" altLang="ja-JP" i="1" dirty="0"/>
+              <a:t>μ</a:t>
+            </a:r>
+            <a:endParaRPr lang="en-GB" i="1" dirty="0"/>
+          </a:p>
+        </p:txBody>
+      </p:sp>
+      <p:cxnSp>
+        <p:nvCxnSpPr>
+          <p:cNvPr id="68" name="直線矢印コネクタ 8">
+            <a:extLst>
+              <a:ext uri="{FF2B5EF4-FFF2-40B4-BE49-F238E27FC236}">
+                <a16:creationId xmlns:a16="http://schemas.microsoft.com/office/drawing/2014/main" id="{F3C7173E-39FB-7C80-9F99-23B671EFD414}"/>
+              </a:ext>
+            </a:extLst>
+          </p:cNvPr>
+          <p:cNvCxnSpPr>
+            <a:cxnSpLocks/>
+            <a:stCxn id="7" idx="0"/>
+          </p:cNvCxnSpPr>
+          <p:nvPr/>
+        </p:nvCxnSpPr>
+        <p:spPr>
+          <a:xfrm flipV="1">
+            <a:off x="4582250" y="1471936"/>
+            <a:ext cx="428918" cy="362218"/>
+          </a:xfrm>
+          <a:prstGeom prst="straightConnector1">
+            <a:avLst/>
+          </a:prstGeom>
+          <a:ln w="19050">
+            <a:solidFill>
+              <a:schemeClr val="tx1"/>
+            </a:solidFill>
+            <a:tailEnd type="triangle"/>
+          </a:ln>
+        </p:spPr>
+        <p:style>
+          <a:lnRef idx="1">
+            <a:schemeClr val="accent1"/>
+          </a:lnRef>
+          <a:fillRef idx="0">
+            <a:schemeClr val="accent1"/>
+          </a:fillRef>
+          <a:effectRef idx="0">
+            <a:schemeClr val="accent1"/>
+          </a:effectRef>
+          <a:fontRef idx="minor">
+            <a:schemeClr val="tx1"/>
+          </a:fontRef>
+        </p:style>
+      </p:cxnSp>
+      <p:sp>
+        <p:nvSpPr>
+          <p:cNvPr id="73" name="TextBox 72">
+            <a:extLst>
+              <a:ext uri="{FF2B5EF4-FFF2-40B4-BE49-F238E27FC236}">
+                <a16:creationId xmlns:a16="http://schemas.microsoft.com/office/drawing/2014/main" id="{7A950C07-BF13-6141-42EC-5E7C4920B7B9}"/>
+              </a:ext>
+            </a:extLst>
+          </p:cNvPr>
+          <p:cNvSpPr txBox="1"/>
+          <p:nvPr/>
+        </p:nvSpPr>
+        <p:spPr>
+          <a:xfrm>
+            <a:off x="4489258" y="1367006"/>
+            <a:ext cx="371603" cy="369332"/>
+          </a:xfrm>
+          <a:prstGeom prst="rect">
+            <a:avLst/>
+          </a:prstGeom>
+          <a:noFill/>
+        </p:spPr>
+        <p:txBody>
+          <a:bodyPr wrap="square" rtlCol="0">
+            <a:spAutoFit/>
+          </a:bodyPr>
+          <a:lstStyle/>
+          <a:p>
+            <a:r>
+              <a:rPr lang="en-US" altLang="ja-JP" i="1" dirty="0"/>
+              <a:t>μ</a:t>
+            </a:r>
+            <a:endParaRPr lang="en-GB" i="1" dirty="0"/>
+          </a:p>
+        </p:txBody>
+      </p:sp>
+      <p:cxnSp>
+        <p:nvCxnSpPr>
+          <p:cNvPr id="81" name="Connector: Elbow 80">
+            <a:extLst>
+              <a:ext uri="{FF2B5EF4-FFF2-40B4-BE49-F238E27FC236}">
+                <a16:creationId xmlns:a16="http://schemas.microsoft.com/office/drawing/2014/main" id="{92E62008-39F7-1F95-4A82-8F37FA91F384}"/>
+              </a:ext>
+            </a:extLst>
+          </p:cNvPr>
+          <p:cNvCxnSpPr>
+            <a:stCxn id="8" idx="2"/>
+            <a:endCxn id="78" idx="1"/>
+          </p:cNvCxnSpPr>
+          <p:nvPr/>
+        </p:nvCxnSpPr>
+        <p:spPr>
+          <a:xfrm rot="16200000" flipH="1">
+            <a:off x="6605726" y="2047515"/>
+            <a:ext cx="1054988" cy="1848206"/>
+          </a:xfrm>
+          <a:prstGeom prst="bentConnector2">
+            <a:avLst/>
+          </a:prstGeom>
+          <a:ln w="19050">
+            <a:solidFill>
+              <a:schemeClr val="tx1"/>
+            </a:solidFill>
+            <a:tailEnd type="triangle"/>
+          </a:ln>
+        </p:spPr>
+        <p:style>
+          <a:lnRef idx="1">
+            <a:schemeClr val="accent1"/>
+          </a:lnRef>
+          <a:fillRef idx="0">
+            <a:schemeClr val="accent1"/>
+          </a:fillRef>
+          <a:effectRef idx="0">
+            <a:schemeClr val="accent1"/>
+          </a:effectRef>
+          <a:fontRef idx="minor">
+            <a:schemeClr val="tx1"/>
+          </a:fontRef>
+        </p:style>
+      </p:cxnSp>
+      <p:sp>
+        <p:nvSpPr>
+          <p:cNvPr id="90" name="テキスト ボックス 20">
+            <a:extLst>
+              <a:ext uri="{FF2B5EF4-FFF2-40B4-BE49-F238E27FC236}">
+                <a16:creationId xmlns:a16="http://schemas.microsoft.com/office/drawing/2014/main" id="{16646F7F-6EF8-D63C-496F-F34C63785737}"/>
+              </a:ext>
+            </a:extLst>
+          </p:cNvPr>
+          <p:cNvSpPr txBox="1"/>
+          <p:nvPr/>
+        </p:nvSpPr>
+        <p:spPr>
+          <a:xfrm>
+            <a:off x="5195403" y="1644230"/>
+            <a:ext cx="546884" cy="371209"/>
+          </a:xfrm>
+          <a:prstGeom prst="rect">
+            <a:avLst/>
+          </a:prstGeom>
+          <a:noFill/>
+        </p:spPr>
+        <p:txBody>
+          <a:bodyPr wrap="square" rtlCol="0">
+            <a:spAutoFit/>
+          </a:bodyPr>
+          <a:lstStyle/>
+          <a:p>
+            <a:r>
+              <a:rPr lang="el-GR" altLang="ja-JP" i="1" dirty="0"/>
               <a:t>γ</a:t>
             </a:r>
             <a:r>
               <a:rPr lang="en-US" altLang="ja-JP" baseline="-25000" dirty="0"/>
-              <a:t>3</a:t>
+              <a:t>1</a:t>
             </a:r>
             <a:endParaRPr lang="en-GB" baseline="-25000" dirty="0"/>
           </a:p>
@@ -4305,10 +4922,124 @@
       </p:sp>
       <p:sp>
         <p:nvSpPr>
-          <p:cNvPr id="3" name="正方形/長方形 7">
-            <a:extLst>
-              <a:ext uri="{FF2B5EF4-FFF2-40B4-BE49-F238E27FC236}">
-                <a16:creationId xmlns:a16="http://schemas.microsoft.com/office/drawing/2014/main" id="{5F79FB49-6C50-85B6-B91B-3EACA8D7DB5A}"/>
+          <p:cNvPr id="92" name="TextBox 91">
+            <a:extLst>
+              <a:ext uri="{FF2B5EF4-FFF2-40B4-BE49-F238E27FC236}">
+                <a16:creationId xmlns:a16="http://schemas.microsoft.com/office/drawing/2014/main" id="{5182DD79-30C0-3570-87A5-087165FD6771}"/>
+              </a:ext>
+            </a:extLst>
+          </p:cNvPr>
+          <p:cNvSpPr txBox="1"/>
+          <p:nvPr/>
+        </p:nvSpPr>
+        <p:spPr>
+          <a:xfrm>
+            <a:off x="2673851" y="1385759"/>
+            <a:ext cx="451679" cy="369332"/>
+          </a:xfrm>
+          <a:prstGeom prst="rect">
+            <a:avLst/>
+          </a:prstGeom>
+          <a:noFill/>
+        </p:spPr>
+        <p:txBody>
+          <a:bodyPr wrap="square" rtlCol="0">
+            <a:spAutoFit/>
+          </a:bodyPr>
+          <a:lstStyle/>
+          <a:p>
+            <a:r>
+              <a:rPr lang="en-US" altLang="ja-JP" i="1" dirty="0"/>
+              <a:t>μ</a:t>
+            </a:r>
+            <a:endParaRPr lang="en-GB" i="1" dirty="0"/>
+          </a:p>
+        </p:txBody>
+      </p:sp>
+      <p:sp>
+        <p:nvSpPr>
+          <p:cNvPr id="98" name="テキスト ボックス 20">
+            <a:extLst>
+              <a:ext uri="{FF2B5EF4-FFF2-40B4-BE49-F238E27FC236}">
+                <a16:creationId xmlns:a16="http://schemas.microsoft.com/office/drawing/2014/main" id="{16827590-9CA9-29FF-C5AC-8E484B7792ED}"/>
+              </a:ext>
+            </a:extLst>
+          </p:cNvPr>
+          <p:cNvSpPr txBox="1"/>
+          <p:nvPr/>
+        </p:nvSpPr>
+        <p:spPr>
+          <a:xfrm>
+            <a:off x="3556839" y="1697151"/>
+            <a:ext cx="546884" cy="371209"/>
+          </a:xfrm>
+          <a:prstGeom prst="rect">
+            <a:avLst/>
+          </a:prstGeom>
+          <a:noFill/>
+        </p:spPr>
+        <p:txBody>
+          <a:bodyPr wrap="square" rtlCol="0">
+            <a:spAutoFit/>
+          </a:bodyPr>
+          <a:lstStyle/>
+          <a:p>
+            <a:r>
+              <a:rPr lang="el-GR" altLang="ja-JP" i="1" dirty="0"/>
+              <a:t>λ</a:t>
+            </a:r>
+            <a:r>
+              <a:rPr lang="en-GB" altLang="ja-JP" baseline="-25000" dirty="0" err="1"/>
+              <a:t>i</a:t>
+            </a:r>
+            <a:endParaRPr lang="en-GB" baseline="-25000" dirty="0"/>
+          </a:p>
+        </p:txBody>
+      </p:sp>
+      <p:sp>
+        <p:nvSpPr>
+          <p:cNvPr id="100" name="TextBox 99">
+            <a:extLst>
+              <a:ext uri="{FF2B5EF4-FFF2-40B4-BE49-F238E27FC236}">
+                <a16:creationId xmlns:a16="http://schemas.microsoft.com/office/drawing/2014/main" id="{D3E2EB98-9B73-FBBC-FFB7-1AED02073692}"/>
+              </a:ext>
+            </a:extLst>
+          </p:cNvPr>
+          <p:cNvSpPr txBox="1"/>
+          <p:nvPr/>
+        </p:nvSpPr>
+        <p:spPr>
+          <a:xfrm>
+            <a:off x="1795462" y="912949"/>
+            <a:ext cx="2527721" cy="369332"/>
+          </a:xfrm>
+          <a:prstGeom prst="rect">
+            <a:avLst/>
+          </a:prstGeom>
+          <a:noFill/>
+        </p:spPr>
+        <p:txBody>
+          <a:bodyPr wrap="square" rtlCol="0">
+            <a:spAutoFit/>
+          </a:bodyPr>
+          <a:lstStyle/>
+          <a:p>
+            <a:r>
+              <a:rPr lang="en-GB" b="1" i="1" dirty="0">
+                <a:latin typeface="Arial" panose="020B0604020202020204" pitchFamily="34" charset="0"/>
+                <a:cs typeface="Arial" panose="020B0604020202020204" pitchFamily="34" charset="0"/>
+              </a:rPr>
+              <a:t>Transmission model</a:t>
+            </a:r>
+          </a:p>
+        </p:txBody>
+      </p:sp>
+      <p:sp>
+        <p:nvSpPr>
+          <p:cNvPr id="110" name="正方形/長方形 4">
+            <a:extLst>
+              <a:ext uri="{FF2B5EF4-FFF2-40B4-BE49-F238E27FC236}">
+                <a16:creationId xmlns:a16="http://schemas.microsoft.com/office/drawing/2014/main" id="{36A9719B-E32E-802C-E9AD-306F27945779}"/>
               </a:ext>
             </a:extLst>
           </p:cNvPr>
@@ -4317,8 +5048,8 @@
         </p:nvSpPr>
         <p:spPr>
           <a:xfrm>
-            <a:off x="5724889" y="1631010"/>
-            <a:ext cx="857836" cy="574575"/>
+            <a:off x="2399789" y="4057592"/>
+            <a:ext cx="785740" cy="614289"/>
           </a:xfrm>
           <a:prstGeom prst="rect">
             <a:avLst/>
@@ -4353,7 +5084,258 @@
                 <a:latin typeface="Times New Roman" panose="02020603050405020304" pitchFamily="18" charset="0"/>
                 <a:cs typeface="Times New Roman" panose="02020603050405020304" pitchFamily="18" charset="0"/>
               </a:rPr>
-              <a:t>R</a:t>
+              <a:t>A</a:t>
+            </a:r>
+            <a:r>
+              <a:rPr lang="en-GB" baseline="-25000" dirty="0">
+                <a:latin typeface="Times New Roman" panose="02020603050405020304" pitchFamily="18" charset="0"/>
+                <a:cs typeface="Times New Roman" panose="02020603050405020304" pitchFamily="18" charset="0"/>
+              </a:rPr>
+              <a:t>1,i</a:t>
+            </a:r>
+          </a:p>
+        </p:txBody>
+      </p:sp>
+      <p:cxnSp>
+        <p:nvCxnSpPr>
+          <p:cNvPr id="111" name="直線矢印コネクタ 8">
+            <a:extLst>
+              <a:ext uri="{FF2B5EF4-FFF2-40B4-BE49-F238E27FC236}">
+                <a16:creationId xmlns:a16="http://schemas.microsoft.com/office/drawing/2014/main" id="{C0A9B16F-E1BA-9697-80E6-DF2C82075F2A}"/>
+              </a:ext>
+            </a:extLst>
+          </p:cNvPr>
+          <p:cNvCxnSpPr>
+            <a:cxnSpLocks/>
+            <a:stCxn id="110" idx="3"/>
+            <a:endCxn id="119" idx="1"/>
+          </p:cNvCxnSpPr>
+          <p:nvPr/>
+        </p:nvCxnSpPr>
+        <p:spPr>
+          <a:xfrm>
+            <a:off x="3185529" y="4364737"/>
+            <a:ext cx="537100" cy="4274"/>
+          </a:xfrm>
+          <a:prstGeom prst="straightConnector1">
+            <a:avLst/>
+          </a:prstGeom>
+          <a:ln w="19050">
+            <a:solidFill>
+              <a:schemeClr val="tx1"/>
+            </a:solidFill>
+            <a:tailEnd type="triangle"/>
+          </a:ln>
+        </p:spPr>
+        <p:style>
+          <a:lnRef idx="1">
+            <a:schemeClr val="accent1"/>
+          </a:lnRef>
+          <a:fillRef idx="0">
+            <a:schemeClr val="accent1"/>
+          </a:fillRef>
+          <a:effectRef idx="0">
+            <a:schemeClr val="accent1"/>
+          </a:effectRef>
+          <a:fontRef idx="minor">
+            <a:schemeClr val="tx1"/>
+          </a:fontRef>
+        </p:style>
+      </p:cxnSp>
+      <p:sp>
+        <p:nvSpPr>
+          <p:cNvPr id="119" name="TextBox 118">
+            <a:extLst>
+              <a:ext uri="{FF2B5EF4-FFF2-40B4-BE49-F238E27FC236}">
+                <a16:creationId xmlns:a16="http://schemas.microsoft.com/office/drawing/2014/main" id="{E5C26570-E39A-7F65-6267-E07FF339F23C}"/>
+              </a:ext>
+            </a:extLst>
+          </p:cNvPr>
+          <p:cNvSpPr txBox="1"/>
+          <p:nvPr/>
+        </p:nvSpPr>
+        <p:spPr>
+          <a:xfrm>
+            <a:off x="3722629" y="4184345"/>
+            <a:ext cx="505018" cy="369332"/>
+          </a:xfrm>
+          <a:prstGeom prst="rect">
+            <a:avLst/>
+          </a:prstGeom>
+          <a:noFill/>
+        </p:spPr>
+        <p:txBody>
+          <a:bodyPr wrap="square" rtlCol="0">
+            <a:spAutoFit/>
+          </a:bodyPr>
+          <a:lstStyle/>
+          <a:p>
+            <a:r>
+              <a:rPr lang="en-GB" dirty="0"/>
+              <a:t> …</a:t>
+            </a:r>
+          </a:p>
+        </p:txBody>
+      </p:sp>
+      <p:cxnSp>
+        <p:nvCxnSpPr>
+          <p:cNvPr id="120" name="直線矢印コネクタ 8">
+            <a:extLst>
+              <a:ext uri="{FF2B5EF4-FFF2-40B4-BE49-F238E27FC236}">
+                <a16:creationId xmlns:a16="http://schemas.microsoft.com/office/drawing/2014/main" id="{FE53D797-9774-51EF-34FA-1862328BF5C7}"/>
+              </a:ext>
+            </a:extLst>
+          </p:cNvPr>
+          <p:cNvCxnSpPr>
+            <a:cxnSpLocks/>
+            <a:stCxn id="119" idx="3"/>
+            <a:endCxn id="121" idx="1"/>
+          </p:cNvCxnSpPr>
+          <p:nvPr/>
+        </p:nvCxnSpPr>
+        <p:spPr>
+          <a:xfrm flipV="1">
+            <a:off x="4227647" y="4364737"/>
+            <a:ext cx="341406" cy="4274"/>
+          </a:xfrm>
+          <a:prstGeom prst="straightConnector1">
+            <a:avLst/>
+          </a:prstGeom>
+          <a:ln w="19050">
+            <a:solidFill>
+              <a:schemeClr val="tx1"/>
+            </a:solidFill>
+            <a:tailEnd type="triangle"/>
+          </a:ln>
+        </p:spPr>
+        <p:style>
+          <a:lnRef idx="1">
+            <a:schemeClr val="accent1"/>
+          </a:lnRef>
+          <a:fillRef idx="0">
+            <a:schemeClr val="accent1"/>
+          </a:fillRef>
+          <a:effectRef idx="0">
+            <a:schemeClr val="accent1"/>
+          </a:effectRef>
+          <a:fontRef idx="minor">
+            <a:schemeClr val="tx1"/>
+          </a:fontRef>
+        </p:style>
+      </p:cxnSp>
+      <p:sp>
+        <p:nvSpPr>
+          <p:cNvPr id="121" name="正方形/長方形 4">
+            <a:extLst>
+              <a:ext uri="{FF2B5EF4-FFF2-40B4-BE49-F238E27FC236}">
+                <a16:creationId xmlns:a16="http://schemas.microsoft.com/office/drawing/2014/main" id="{B9236349-D4D7-D96F-95C7-7D3C45F82871}"/>
+              </a:ext>
+            </a:extLst>
+          </p:cNvPr>
+          <p:cNvSpPr/>
+          <p:nvPr/>
+        </p:nvSpPr>
+        <p:spPr>
+          <a:xfrm>
+            <a:off x="4569053" y="4057592"/>
+            <a:ext cx="785740" cy="614289"/>
+          </a:xfrm>
+          <a:prstGeom prst="rect">
+            <a:avLst/>
+          </a:prstGeom>
+          <a:ln>
+            <a:solidFill>
+              <a:schemeClr val="tx1"/>
+            </a:solidFill>
+          </a:ln>
+        </p:spPr>
+        <p:style>
+          <a:lnRef idx="2">
+            <a:schemeClr val="accent6"/>
+          </a:lnRef>
+          <a:fillRef idx="1">
+            <a:schemeClr val="lt1"/>
+          </a:fillRef>
+          <a:effectRef idx="0">
+            <a:schemeClr val="accent6"/>
+          </a:effectRef>
+          <a:fontRef idx="minor">
+            <a:schemeClr val="dk1"/>
+          </a:fontRef>
+        </p:style>
+        <p:txBody>
+          <a:bodyPr rtlCol="0" anchor="ctr"/>
+          <a:lstStyle/>
+          <a:p>
+            <a:pPr algn="ctr"/>
+            <a:r>
+              <a:rPr lang="en-GB" dirty="0">
+                <a:latin typeface="Times New Roman" panose="02020603050405020304" pitchFamily="18" charset="0"/>
+                <a:cs typeface="Times New Roman" panose="02020603050405020304" pitchFamily="18" charset="0"/>
+              </a:rPr>
+              <a:t>A</a:t>
+            </a:r>
+            <a:r>
+              <a:rPr lang="en-GB" baseline="-25000" dirty="0">
+                <a:latin typeface="Times New Roman" panose="02020603050405020304" pitchFamily="18" charset="0"/>
+                <a:cs typeface="Times New Roman" panose="02020603050405020304" pitchFamily="18" charset="0"/>
+              </a:rPr>
+              <a:t>6,i</a:t>
+            </a:r>
+          </a:p>
+        </p:txBody>
+      </p:sp>
+      <p:sp>
+        <p:nvSpPr>
+          <p:cNvPr id="128" name="正方形/長方形 4">
+            <a:extLst>
+              <a:ext uri="{FF2B5EF4-FFF2-40B4-BE49-F238E27FC236}">
+                <a16:creationId xmlns:a16="http://schemas.microsoft.com/office/drawing/2014/main" id="{21E6C3D7-F4D9-19B4-5B9F-0190C4EA07E9}"/>
+              </a:ext>
+            </a:extLst>
+          </p:cNvPr>
+          <p:cNvSpPr/>
+          <p:nvPr/>
+        </p:nvSpPr>
+        <p:spPr>
+          <a:xfrm>
+            <a:off x="5852295" y="4057593"/>
+            <a:ext cx="785740" cy="614289"/>
+          </a:xfrm>
+          <a:prstGeom prst="rect">
+            <a:avLst/>
+          </a:prstGeom>
+          <a:ln>
+            <a:solidFill>
+              <a:schemeClr val="tx1"/>
+            </a:solidFill>
+          </a:ln>
+        </p:spPr>
+        <p:style>
+          <a:lnRef idx="2">
+            <a:schemeClr val="accent6"/>
+          </a:lnRef>
+          <a:fillRef idx="1">
+            <a:schemeClr val="lt1"/>
+          </a:fillRef>
+          <a:effectRef idx="0">
+            <a:schemeClr val="accent6"/>
+          </a:effectRef>
+          <a:fontRef idx="minor">
+            <a:schemeClr val="dk1"/>
+          </a:fontRef>
+        </p:style>
+        <p:txBody>
+          <a:bodyPr rtlCol="0" anchor="ctr"/>
+          <a:lstStyle/>
+          <a:p>
+            <a:pPr algn="ctr"/>
+            <a:r>
+              <a:rPr lang="en-GB" dirty="0">
+                <a:latin typeface="Times New Roman" panose="02020603050405020304" pitchFamily="18" charset="0"/>
+                <a:cs typeface="Times New Roman" panose="02020603050405020304" pitchFamily="18" charset="0"/>
+              </a:rPr>
+              <a:t>H</a:t>
             </a:r>
             <a:r>
               <a:rPr lang="en-GB" baseline="-25000" dirty="0">
@@ -4365,12 +5347,104 @@
           </a:p>
         </p:txBody>
       </p:sp>
-      <p:sp>
-        <p:nvSpPr>
-          <p:cNvPr id="16" name="テキスト ボックス 18">
-            <a:extLst>
-              <a:ext uri="{FF2B5EF4-FFF2-40B4-BE49-F238E27FC236}">
-                <a16:creationId xmlns:a16="http://schemas.microsoft.com/office/drawing/2014/main" id="{4FC3355B-8165-27B6-AB99-226946C4C4D0}"/>
+      <p:cxnSp>
+        <p:nvCxnSpPr>
+          <p:cNvPr id="129" name="直線矢印コネクタ 8">
+            <a:extLst>
+              <a:ext uri="{FF2B5EF4-FFF2-40B4-BE49-F238E27FC236}">
+                <a16:creationId xmlns:a16="http://schemas.microsoft.com/office/drawing/2014/main" id="{BF565F9C-A5E9-8A47-78AD-DB4412ADC47F}"/>
+              </a:ext>
+            </a:extLst>
+          </p:cNvPr>
+          <p:cNvCxnSpPr>
+            <a:cxnSpLocks/>
+            <a:stCxn id="121" idx="3"/>
+            <a:endCxn id="128" idx="1"/>
+          </p:cNvCxnSpPr>
+          <p:nvPr/>
+        </p:nvCxnSpPr>
+        <p:spPr>
+          <a:xfrm>
+            <a:off x="5354793" y="4364737"/>
+            <a:ext cx="497502" cy="1"/>
+          </a:xfrm>
+          <a:prstGeom prst="straightConnector1">
+            <a:avLst/>
+          </a:prstGeom>
+          <a:ln w="19050">
+            <a:solidFill>
+              <a:schemeClr val="tx1"/>
+            </a:solidFill>
+            <a:tailEnd type="triangle"/>
+          </a:ln>
+        </p:spPr>
+        <p:style>
+          <a:lnRef idx="1">
+            <a:schemeClr val="accent1"/>
+          </a:lnRef>
+          <a:fillRef idx="0">
+            <a:schemeClr val="accent1"/>
+          </a:fillRef>
+          <a:effectRef idx="0">
+            <a:schemeClr val="accent1"/>
+          </a:effectRef>
+          <a:fontRef idx="minor">
+            <a:schemeClr val="tx1"/>
+          </a:fontRef>
+        </p:style>
+      </p:cxnSp>
+      <p:cxnSp>
+        <p:nvCxnSpPr>
+          <p:cNvPr id="146" name="直線矢印コネクタ 8">
+            <a:extLst>
+              <a:ext uri="{FF2B5EF4-FFF2-40B4-BE49-F238E27FC236}">
+                <a16:creationId xmlns:a16="http://schemas.microsoft.com/office/drawing/2014/main" id="{99AC7A23-D8A7-3B31-6C54-D594B8FCA49F}"/>
+              </a:ext>
+            </a:extLst>
+          </p:cNvPr>
+          <p:cNvCxnSpPr>
+            <a:cxnSpLocks/>
+            <a:stCxn id="6" idx="2"/>
+            <a:endCxn id="110" idx="0"/>
+          </p:cNvCxnSpPr>
+          <p:nvPr/>
+        </p:nvCxnSpPr>
+        <p:spPr>
+          <a:xfrm flipH="1">
+            <a:off x="2792659" y="2441603"/>
+            <a:ext cx="1098" cy="1615989"/>
+          </a:xfrm>
+          <a:prstGeom prst="straightConnector1">
+            <a:avLst/>
+          </a:prstGeom>
+          <a:ln w="19050">
+            <a:solidFill>
+              <a:schemeClr val="tx1"/>
+            </a:solidFill>
+            <a:tailEnd type="triangle"/>
+          </a:ln>
+        </p:spPr>
+        <p:style>
+          <a:lnRef idx="1">
+            <a:schemeClr val="accent1"/>
+          </a:lnRef>
+          <a:fillRef idx="0">
+            <a:schemeClr val="accent1"/>
+          </a:fillRef>
+          <a:effectRef idx="0">
+            <a:schemeClr val="accent1"/>
+          </a:effectRef>
+          <a:fontRef idx="minor">
+            <a:schemeClr val="tx1"/>
+          </a:fontRef>
+        </p:style>
+      </p:cxnSp>
+      <p:sp>
+        <p:nvSpPr>
+          <p:cNvPr id="150" name="テキスト ボックス 20">
+            <a:extLst>
+              <a:ext uri="{FF2B5EF4-FFF2-40B4-BE49-F238E27FC236}">
+                <a16:creationId xmlns:a16="http://schemas.microsoft.com/office/drawing/2014/main" id="{34659143-C91C-EE76-2C8E-D5B19EF22EB2}"/>
               </a:ext>
             </a:extLst>
           </p:cNvPr>
@@ -4379,8 +5453,8 @@
         </p:nvSpPr>
         <p:spPr>
           <a:xfrm>
-            <a:off x="2773970" y="2284655"/>
-            <a:ext cx="1259280" cy="369332"/>
+            <a:off x="2840703" y="3016645"/>
+            <a:ext cx="840702" cy="369332"/>
           </a:xfrm>
           <a:prstGeom prst="rect">
             <a:avLst/>
@@ -4394,29 +5468,139 @@
           <a:lstStyle/>
           <a:p>
             <a:r>
-              <a:rPr lang="en-US" altLang="ja-JP" dirty="0" err="1"/>
+              <a:rPr lang="en-GB" altLang="ja-JP" i="1" dirty="0" err="1"/>
               <a:t>p</a:t>
             </a:r>
             <a:r>
-              <a:rPr lang="en-US" altLang="ja-JP" baseline="-25000" dirty="0" err="1"/>
+              <a:rPr lang="en-GB" altLang="ja-JP" baseline="-25000" dirty="0" err="1"/>
               <a:t>AFP</a:t>
             </a:r>
             <a:r>
-              <a:rPr lang="el-GR" altLang="ja-JP" dirty="0"/>
-              <a:t>γ</a:t>
-            </a:r>
-            <a:r>
-              <a:rPr lang="en-US" altLang="ja-JP" baseline="-25000" dirty="0"/>
-              <a:t>1</a:t>
+              <a:rPr lang="el-GR" altLang="ja-JP" i="1" dirty="0"/>
+              <a:t>λ</a:t>
+            </a:r>
+            <a:r>
+              <a:rPr lang="en-GB" altLang="ja-JP" baseline="-25000" dirty="0" err="1"/>
+              <a:t>i</a:t>
             </a:r>
             <a:endParaRPr lang="en-GB" baseline="-25000" dirty="0"/>
+          </a:p>
+        </p:txBody>
+      </p:sp>
+      <p:sp>
+        <p:nvSpPr>
+          <p:cNvPr id="160" name="TextBox 159">
+            <a:extLst>
+              <a:ext uri="{FF2B5EF4-FFF2-40B4-BE49-F238E27FC236}">
+                <a16:creationId xmlns:a16="http://schemas.microsoft.com/office/drawing/2014/main" id="{4D3B2F92-5983-84E6-C403-6F93914C3A57}"/>
+              </a:ext>
+            </a:extLst>
+          </p:cNvPr>
+          <p:cNvSpPr txBox="1"/>
+          <p:nvPr/>
+        </p:nvSpPr>
+        <p:spPr>
+          <a:xfrm>
+            <a:off x="3169319" y="4760427"/>
+            <a:ext cx="2852302" cy="369332"/>
+          </a:xfrm>
+          <a:prstGeom prst="rect">
+            <a:avLst/>
+          </a:prstGeom>
+          <a:noFill/>
+        </p:spPr>
+        <p:txBody>
+          <a:bodyPr wrap="square" rtlCol="0">
+            <a:spAutoFit/>
+          </a:bodyPr>
+          <a:lstStyle/>
+          <a:p>
+            <a:r>
+              <a:rPr lang="en-GB" b="1" i="1" dirty="0">
+                <a:latin typeface="Arial" panose="020B0604020202020204" pitchFamily="34" charset="0"/>
+                <a:cs typeface="Arial" panose="020B0604020202020204" pitchFamily="34" charset="0"/>
+              </a:rPr>
+              <a:t>AFP surveillance model</a:t>
+            </a:r>
+          </a:p>
+        </p:txBody>
+      </p:sp>
+      <p:sp>
+        <p:nvSpPr>
+          <p:cNvPr id="161" name="テキスト ボックス 20">
+            <a:extLst>
+              <a:ext uri="{FF2B5EF4-FFF2-40B4-BE49-F238E27FC236}">
+                <a16:creationId xmlns:a16="http://schemas.microsoft.com/office/drawing/2014/main" id="{454F8D11-8174-C656-5138-A83A0A71AE91}"/>
+              </a:ext>
+            </a:extLst>
+          </p:cNvPr>
+          <p:cNvSpPr txBox="1"/>
+          <p:nvPr/>
+        </p:nvSpPr>
+        <p:spPr>
+          <a:xfrm>
+            <a:off x="3291634" y="3941338"/>
+            <a:ext cx="546884" cy="369332"/>
+          </a:xfrm>
+          <a:prstGeom prst="rect">
+            <a:avLst/>
+          </a:prstGeom>
+          <a:noFill/>
+        </p:spPr>
+        <p:txBody>
+          <a:bodyPr wrap="square" rtlCol="0">
+            <a:spAutoFit/>
+          </a:bodyPr>
+          <a:lstStyle/>
+          <a:p>
+            <a:r>
+              <a:rPr lang="el-GR" dirty="0"/>
+              <a:t>σ</a:t>
+            </a:r>
+            <a:endParaRPr lang="en-GB" dirty="0"/>
+          </a:p>
+        </p:txBody>
+      </p:sp>
+      <p:sp>
+        <p:nvSpPr>
+          <p:cNvPr id="162" name="テキスト ボックス 20">
+            <a:extLst>
+              <a:ext uri="{FF2B5EF4-FFF2-40B4-BE49-F238E27FC236}">
+                <a16:creationId xmlns:a16="http://schemas.microsoft.com/office/drawing/2014/main" id="{1325A213-800C-C090-84A3-16E7CEED4605}"/>
+              </a:ext>
+            </a:extLst>
+          </p:cNvPr>
+          <p:cNvSpPr txBox="1"/>
+          <p:nvPr/>
+        </p:nvSpPr>
+        <p:spPr>
+          <a:xfrm>
+            <a:off x="5474737" y="3915747"/>
+            <a:ext cx="546884" cy="369332"/>
+          </a:xfrm>
+          <a:prstGeom prst="rect">
+            <a:avLst/>
+          </a:prstGeom>
+          <a:noFill/>
+        </p:spPr>
+        <p:txBody>
+          <a:bodyPr wrap="square" rtlCol="0">
+            <a:spAutoFit/>
+          </a:bodyPr>
+          <a:lstStyle/>
+          <a:p>
+            <a:r>
+              <a:rPr lang="el-GR" dirty="0"/>
+              <a:t>σ</a:t>
+            </a:r>
+            <a:endParaRPr lang="en-GB" dirty="0"/>
           </a:p>
         </p:txBody>
       </p:sp>
     </p:spTree>
     <p:extLst>
       <p:ext uri="{BB962C8B-B14F-4D97-AF65-F5344CB8AC3E}">
-        <p14:creationId xmlns:p14="http://schemas.microsoft.com/office/powerpoint/2010/main" val="2459115173"/>
+        <p14:creationId xmlns:p14="http://schemas.microsoft.com/office/powerpoint/2010/main" val="4187336012"/>
       </p:ext>
     </p:extLst>
   </p:cSld>
@@ -4445,10 +5629,10 @@
       </p:grpSpPr>
       <p:sp>
         <p:nvSpPr>
-          <p:cNvPr id="4" name="テキスト ボックス 3">
-            <a:extLst>
-              <a:ext uri="{FF2B5EF4-FFF2-40B4-BE49-F238E27FC236}">
-                <a16:creationId xmlns:a16="http://schemas.microsoft.com/office/drawing/2014/main" id="{4F4E67A6-F9BA-55F6-8FAE-F9F36A48090E}"/>
+          <p:cNvPr id="5" name="テキスト ボックス 3">
+            <a:extLst>
+              <a:ext uri="{FF2B5EF4-FFF2-40B4-BE49-F238E27FC236}">
+                <a16:creationId xmlns:a16="http://schemas.microsoft.com/office/drawing/2014/main" id="{E6E8F64F-D2FB-16C7-6802-D0D7080889F1}"/>
               </a:ext>
             </a:extLst>
           </p:cNvPr>
@@ -4457,7 +5641,7 @@
         </p:nvSpPr>
         <p:spPr>
           <a:xfrm>
-            <a:off x="819659" y="907477"/>
+            <a:off x="2034894" y="769000"/>
             <a:ext cx="2925788" cy="400110"/>
           </a:xfrm>
           <a:prstGeom prst="rect">
@@ -4471,22 +5655,29 @@
           </a:bodyPr>
           <a:lstStyle/>
           <a:p>
+            <a:r>
+              <a:rPr lang="en-GB" sz="2000">
+                <a:latin typeface="Times New Roman" panose="02020603050405020304" pitchFamily="18" charset="0"/>
+                <a:cs typeface="Times New Roman" panose="02020603050405020304" pitchFamily="18" charset="0"/>
+              </a:rPr>
+              <a:t>SEIRV </a:t>
+            </a:r>
             <a:r>
               <a:rPr lang="en-GB" sz="2000" dirty="0">
                 <a:latin typeface="Times New Roman" panose="02020603050405020304" pitchFamily="18" charset="0"/>
                 <a:cs typeface="Times New Roman" panose="02020603050405020304" pitchFamily="18" charset="0"/>
               </a:rPr>
-              <a:t>SEIR model</a:t>
-            </a:r>
-          </a:p>
-        </p:txBody>
-      </p:sp>
-      <p:sp>
-        <p:nvSpPr>
-          <p:cNvPr id="5" name="正方形/長方形 4">
-            <a:extLst>
-              <a:ext uri="{FF2B5EF4-FFF2-40B4-BE49-F238E27FC236}">
-                <a16:creationId xmlns:a16="http://schemas.microsoft.com/office/drawing/2014/main" id="{DAAEDDBD-F0E9-C0A2-693C-8E00F255F2F2}"/>
+              <a:t>model</a:t>
+            </a:r>
+          </a:p>
+        </p:txBody>
+      </p:sp>
+      <p:sp>
+        <p:nvSpPr>
+          <p:cNvPr id="6" name="正方形/長方形 4">
+            <a:extLst>
+              <a:ext uri="{FF2B5EF4-FFF2-40B4-BE49-F238E27FC236}">
+                <a16:creationId xmlns:a16="http://schemas.microsoft.com/office/drawing/2014/main" id="{71E43183-13BE-60FB-67F1-531FF92A95CC}"/>
               </a:ext>
             </a:extLst>
           </p:cNvPr>
@@ -4495,7 +5686,7 @@
         </p:nvSpPr>
         <p:spPr>
           <a:xfrm>
-            <a:off x="710126" y="1595616"/>
+            <a:off x="2598561" y="1834155"/>
             <a:ext cx="785740" cy="614289"/>
           </a:xfrm>
           <a:prstGeom prst="rect">
@@ -4533,15 +5724,22 @@
               </a:rPr>
               <a:t>S</a:t>
             </a:r>
-          </a:p>
-        </p:txBody>
-      </p:sp>
-      <p:sp>
-        <p:nvSpPr>
-          <p:cNvPr id="6" name="正方形/長方形 5">
-            <a:extLst>
-              <a:ext uri="{FF2B5EF4-FFF2-40B4-BE49-F238E27FC236}">
-                <a16:creationId xmlns:a16="http://schemas.microsoft.com/office/drawing/2014/main" id="{A9DD66EA-AA08-2FBA-86E5-4ECE1F3CBC36}"/>
+            <a:r>
+              <a:rPr lang="en-GB" baseline="-25000" dirty="0">
+                <a:latin typeface="Times New Roman" panose="02020603050405020304" pitchFamily="18" charset="0"/>
+                <a:cs typeface="Times New Roman" panose="02020603050405020304" pitchFamily="18" charset="0"/>
+              </a:rPr>
+              <a:t>i</a:t>
+            </a:r>
+          </a:p>
+        </p:txBody>
+      </p:sp>
+      <p:sp>
+        <p:nvSpPr>
+          <p:cNvPr id="7" name="正方形/長方形 5">
+            <a:extLst>
+              <a:ext uri="{FF2B5EF4-FFF2-40B4-BE49-F238E27FC236}">
+                <a16:creationId xmlns:a16="http://schemas.microsoft.com/office/drawing/2014/main" id="{F157C196-8510-E428-7920-6AED09A7E8F8}"/>
               </a:ext>
             </a:extLst>
           </p:cNvPr>
@@ -4550,7 +5748,7 @@
         </p:nvSpPr>
         <p:spPr>
           <a:xfrm>
-            <a:off x="2264897" y="1595615"/>
+            <a:off x="4153332" y="1834154"/>
             <a:ext cx="857836" cy="614289"/>
           </a:xfrm>
           <a:prstGeom prst="rect">
@@ -4588,15 +5786,22 @@
               </a:rPr>
               <a:t>E</a:t>
             </a:r>
-          </a:p>
-        </p:txBody>
-      </p:sp>
-      <p:sp>
-        <p:nvSpPr>
-          <p:cNvPr id="7" name="正方形/長方形 6">
-            <a:extLst>
-              <a:ext uri="{FF2B5EF4-FFF2-40B4-BE49-F238E27FC236}">
-                <a16:creationId xmlns:a16="http://schemas.microsoft.com/office/drawing/2014/main" id="{14C35C08-62AD-557C-6CF6-661F744E78C6}"/>
+            <a:r>
+              <a:rPr lang="en-GB" baseline="-25000" dirty="0">
+                <a:latin typeface="Times New Roman" panose="02020603050405020304" pitchFamily="18" charset="0"/>
+                <a:cs typeface="Times New Roman" panose="02020603050405020304" pitchFamily="18" charset="0"/>
+              </a:rPr>
+              <a:t>i</a:t>
+            </a:r>
+          </a:p>
+        </p:txBody>
+      </p:sp>
+      <p:sp>
+        <p:nvSpPr>
+          <p:cNvPr id="8" name="正方形/長方形 6">
+            <a:extLst>
+              <a:ext uri="{FF2B5EF4-FFF2-40B4-BE49-F238E27FC236}">
+                <a16:creationId xmlns:a16="http://schemas.microsoft.com/office/drawing/2014/main" id="{DD38DE76-829F-CF44-5C75-AA5C273BCDF9}"/>
               </a:ext>
             </a:extLst>
           </p:cNvPr>
@@ -4605,7 +5810,7 @@
         </p:nvSpPr>
         <p:spPr>
           <a:xfrm>
-            <a:off x="3891764" y="1079800"/>
+            <a:off x="5780199" y="1318339"/>
             <a:ext cx="857836" cy="614289"/>
           </a:xfrm>
           <a:prstGeom prst="rect">
@@ -4641,9 +5846,16 @@
                 <a:latin typeface="Times New Roman" panose="02020603050405020304" pitchFamily="18" charset="0"/>
                 <a:cs typeface="Times New Roman" panose="02020603050405020304" pitchFamily="18" charset="0"/>
               </a:rPr>
-              <a:t>Ia</a:t>
-            </a:r>
-            <a:endParaRPr lang="en-GB" dirty="0">
+              <a:t>I</a:t>
+            </a:r>
+            <a:r>
+              <a:rPr lang="en-GB" baseline="-25000" dirty="0" err="1">
+                <a:latin typeface="Times New Roman" panose="02020603050405020304" pitchFamily="18" charset="0"/>
+                <a:cs typeface="Times New Roman" panose="02020603050405020304" pitchFamily="18" charset="0"/>
+              </a:rPr>
+              <a:t>a,i</a:t>
+            </a:r>
+            <a:endParaRPr lang="en-GB" baseline="-25000" dirty="0">
               <a:latin typeface="Times New Roman" panose="02020603050405020304" pitchFamily="18" charset="0"/>
               <a:cs typeface="Times New Roman" panose="02020603050405020304" pitchFamily="18" charset="0"/>
             </a:endParaRPr>
@@ -4655,20 +5867,20 @@
           <p:cNvPr id="9" name="直線矢印コネクタ 8">
             <a:extLst>
               <a:ext uri="{FF2B5EF4-FFF2-40B4-BE49-F238E27FC236}">
-                <a16:creationId xmlns:a16="http://schemas.microsoft.com/office/drawing/2014/main" id="{B30EBF94-F7AC-6D2E-F7D5-E221FE8F8893}"/>
+                <a16:creationId xmlns:a16="http://schemas.microsoft.com/office/drawing/2014/main" id="{C086AF70-01A7-F16E-1BBE-83960E8D0B6F}"/>
               </a:ext>
             </a:extLst>
           </p:cNvPr>
           <p:cNvCxnSpPr>
             <a:cxnSpLocks/>
-            <a:stCxn id="5" idx="3"/>
-            <a:endCxn id="6" idx="1"/>
+            <a:stCxn id="6" idx="3"/>
+            <a:endCxn id="7" idx="1"/>
           </p:cNvCxnSpPr>
           <p:nvPr/>
         </p:nvCxnSpPr>
         <p:spPr>
           <a:xfrm flipV="1">
-            <a:off x="1495866" y="1902760"/>
+            <a:off x="3384301" y="2141299"/>
             <a:ext cx="769031" cy="1"/>
           </a:xfrm>
           <a:prstGeom prst="straightConnector1">
@@ -4698,23 +5910,23 @@
       </p:cxnSp>
       <p:cxnSp>
         <p:nvCxnSpPr>
-          <p:cNvPr id="13" name="直線矢印コネクタ 12">
-            <a:extLst>
-              <a:ext uri="{FF2B5EF4-FFF2-40B4-BE49-F238E27FC236}">
-                <a16:creationId xmlns:a16="http://schemas.microsoft.com/office/drawing/2014/main" id="{721B60B5-886D-359C-497B-278477619A6F}"/>
+          <p:cNvPr id="10" name="直線矢印コネクタ 12">
+            <a:extLst>
+              <a:ext uri="{FF2B5EF4-FFF2-40B4-BE49-F238E27FC236}">
+                <a16:creationId xmlns:a16="http://schemas.microsoft.com/office/drawing/2014/main" id="{DBAC2D4E-D393-2379-21EA-193D865B2362}"/>
               </a:ext>
             </a:extLst>
           </p:cNvPr>
           <p:cNvCxnSpPr>
             <a:cxnSpLocks/>
-            <a:stCxn id="6" idx="3"/>
-            <a:endCxn id="7" idx="1"/>
+            <a:stCxn id="7" idx="3"/>
+            <a:endCxn id="8" idx="1"/>
           </p:cNvCxnSpPr>
           <p:nvPr/>
         </p:nvCxnSpPr>
         <p:spPr>
           <a:xfrm flipV="1">
-            <a:off x="3122733" y="1386945"/>
+            <a:off x="5011168" y="1625484"/>
             <a:ext cx="769031" cy="515815"/>
           </a:xfrm>
           <a:prstGeom prst="straightConnector1">
@@ -4744,23 +5956,23 @@
       </p:cxnSp>
       <p:cxnSp>
         <p:nvCxnSpPr>
-          <p:cNvPr id="17" name="直線矢印コネクタ 16">
-            <a:extLst>
-              <a:ext uri="{FF2B5EF4-FFF2-40B4-BE49-F238E27FC236}">
-                <a16:creationId xmlns:a16="http://schemas.microsoft.com/office/drawing/2014/main" id="{EB4F7E7A-AF55-2C0F-79B0-2D8A51FDDB09}"/>
+          <p:cNvPr id="11" name="直線矢印コネクタ 16">
+            <a:extLst>
+              <a:ext uri="{FF2B5EF4-FFF2-40B4-BE49-F238E27FC236}">
+                <a16:creationId xmlns:a16="http://schemas.microsoft.com/office/drawing/2014/main" id="{9475DE44-98AB-C94C-82ED-8471283C3B61}"/>
               </a:ext>
             </a:extLst>
           </p:cNvPr>
           <p:cNvCxnSpPr>
             <a:cxnSpLocks/>
-            <a:stCxn id="7" idx="3"/>
-            <a:endCxn id="3" idx="1"/>
+            <a:stCxn id="8" idx="3"/>
+            <a:endCxn id="18" idx="1"/>
           </p:cNvCxnSpPr>
           <p:nvPr/>
         </p:nvCxnSpPr>
         <p:spPr>
           <a:xfrm>
-            <a:off x="4749600" y="1386945"/>
+            <a:off x="6638035" y="1625484"/>
             <a:ext cx="975289" cy="531353"/>
           </a:xfrm>
           <a:prstGeom prst="straightConnector1">
@@ -4790,10 +6002,10 @@
       </p:cxnSp>
       <p:sp>
         <p:nvSpPr>
-          <p:cNvPr id="35" name="正方形/長方形 34">
-            <a:extLst>
-              <a:ext uri="{FF2B5EF4-FFF2-40B4-BE49-F238E27FC236}">
-                <a16:creationId xmlns:a16="http://schemas.microsoft.com/office/drawing/2014/main" id="{A10583FD-1679-6011-1EFF-64D6BC3B6BAD}"/>
+          <p:cNvPr id="12" name="正方形/長方形 34">
+            <a:extLst>
+              <a:ext uri="{FF2B5EF4-FFF2-40B4-BE49-F238E27FC236}">
+                <a16:creationId xmlns:a16="http://schemas.microsoft.com/office/drawing/2014/main" id="{E5C5AD65-71C2-FFC1-3486-BF6A1805F321}"/>
               </a:ext>
             </a:extLst>
           </p:cNvPr>
@@ -4802,7 +6014,7 @@
         </p:nvSpPr>
         <p:spPr>
           <a:xfrm>
-            <a:off x="3891764" y="2209904"/>
+            <a:off x="5780199" y="2448443"/>
             <a:ext cx="857836" cy="614289"/>
           </a:xfrm>
           <a:prstGeom prst="rect">
@@ -4841,11 +6053,18 @@
               <a:t>I</a:t>
             </a:r>
             <a:r>
-              <a:rPr lang="en-GB" sz="2000" baseline="-25000" dirty="0">
+              <a:rPr lang="en-GB" baseline="-25000" dirty="0">
                 <a:latin typeface="Times New Roman" panose="02020603050405020304" pitchFamily="18" charset="0"/>
                 <a:cs typeface="Times New Roman" panose="02020603050405020304" pitchFamily="18" charset="0"/>
               </a:rPr>
-              <a:t>AFP</a:t>
+              <a:t>AFP, </a:t>
+            </a:r>
+            <a:r>
+              <a:rPr lang="en-GB" baseline="-25000" dirty="0" err="1">
+                <a:latin typeface="Times New Roman" panose="02020603050405020304" pitchFamily="18" charset="0"/>
+                <a:cs typeface="Times New Roman" panose="02020603050405020304" pitchFamily="18" charset="0"/>
+              </a:rPr>
+              <a:t>i</a:t>
             </a:r>
             <a:endParaRPr lang="en-GB" baseline="-25000" dirty="0">
               <a:latin typeface="Times New Roman" panose="02020603050405020304" pitchFamily="18" charset="0"/>
@@ -4856,23 +6075,23 @@
       </p:sp>
       <p:cxnSp>
         <p:nvCxnSpPr>
-          <p:cNvPr id="36" name="直線矢印コネクタ 35">
-            <a:extLst>
-              <a:ext uri="{FF2B5EF4-FFF2-40B4-BE49-F238E27FC236}">
-                <a16:creationId xmlns:a16="http://schemas.microsoft.com/office/drawing/2014/main" id="{0C009F64-879D-9700-77DB-70F3BE7669FE}"/>
+          <p:cNvPr id="13" name="直線矢印コネクタ 35">
+            <a:extLst>
+              <a:ext uri="{FF2B5EF4-FFF2-40B4-BE49-F238E27FC236}">
+                <a16:creationId xmlns:a16="http://schemas.microsoft.com/office/drawing/2014/main" id="{A3E9CD51-0450-EF70-CC69-E58452F443E1}"/>
               </a:ext>
             </a:extLst>
           </p:cNvPr>
           <p:cNvCxnSpPr>
             <a:cxnSpLocks/>
-            <a:stCxn id="6" idx="3"/>
-            <a:endCxn id="35" idx="1"/>
+            <a:stCxn id="7" idx="3"/>
+            <a:endCxn id="12" idx="1"/>
           </p:cNvCxnSpPr>
           <p:nvPr/>
         </p:nvCxnSpPr>
         <p:spPr>
           <a:xfrm>
-            <a:off x="3122733" y="1902760"/>
+            <a:off x="5011168" y="2141299"/>
             <a:ext cx="769031" cy="614289"/>
           </a:xfrm>
           <a:prstGeom prst="straightConnector1">
@@ -4902,23 +6121,23 @@
       </p:cxnSp>
       <p:cxnSp>
         <p:nvCxnSpPr>
-          <p:cNvPr id="41" name="直線矢印コネクタ 40">
-            <a:extLst>
-              <a:ext uri="{FF2B5EF4-FFF2-40B4-BE49-F238E27FC236}">
-                <a16:creationId xmlns:a16="http://schemas.microsoft.com/office/drawing/2014/main" id="{D02CDAF2-38C1-3C91-02D9-0FF51115A22A}"/>
+          <p:cNvPr id="14" name="直線矢印コネクタ 40">
+            <a:extLst>
+              <a:ext uri="{FF2B5EF4-FFF2-40B4-BE49-F238E27FC236}">
+                <a16:creationId xmlns:a16="http://schemas.microsoft.com/office/drawing/2014/main" id="{85B09645-97F2-B072-6E7E-775E6E736883}"/>
               </a:ext>
             </a:extLst>
           </p:cNvPr>
           <p:cNvCxnSpPr>
             <a:cxnSpLocks/>
-            <a:stCxn id="35" idx="3"/>
-            <a:endCxn id="3" idx="1"/>
+            <a:stCxn id="12" idx="3"/>
+            <a:endCxn id="18" idx="1"/>
           </p:cNvCxnSpPr>
           <p:nvPr/>
         </p:nvCxnSpPr>
         <p:spPr>
           <a:xfrm flipV="1">
-            <a:off x="4749600" y="1918298"/>
+            <a:off x="6638035" y="2156837"/>
             <a:ext cx="975289" cy="598751"/>
           </a:xfrm>
           <a:prstGeom prst="straightConnector1">
@@ -4948,10 +6167,10 @@
       </p:cxnSp>
       <p:sp>
         <p:nvSpPr>
-          <p:cNvPr id="19" name="テキスト ボックス 18">
-            <a:extLst>
-              <a:ext uri="{FF2B5EF4-FFF2-40B4-BE49-F238E27FC236}">
-                <a16:creationId xmlns:a16="http://schemas.microsoft.com/office/drawing/2014/main" id="{0BE1140A-DC93-A89B-F351-DCF375DDF165}"/>
+          <p:cNvPr id="15" name="テキスト ボックス 18">
+            <a:extLst>
+              <a:ext uri="{FF2B5EF4-FFF2-40B4-BE49-F238E27FC236}">
+                <a16:creationId xmlns:a16="http://schemas.microsoft.com/office/drawing/2014/main" id="{070C056C-04CC-184A-6814-4923348695AD}"/>
               </a:ext>
             </a:extLst>
           </p:cNvPr>
@@ -4960,7 +6179,7 @@
         </p:nvSpPr>
         <p:spPr>
           <a:xfrm>
-            <a:off x="2711670" y="1062621"/>
+            <a:off x="4747955" y="986383"/>
             <a:ext cx="1259280" cy="369332"/>
           </a:xfrm>
           <a:prstGeom prst="rect">
@@ -4976,26 +6195,34 @@
           <a:p>
             <a:r>
               <a:rPr lang="en-US" altLang="ja-JP" dirty="0"/>
-              <a:t>(1-pAFP)</a:t>
+              <a:t>(1-p</a:t>
+            </a:r>
+            <a:r>
+              <a:rPr lang="en-US" altLang="ja-JP" baseline="-25000" dirty="0"/>
+              <a:t>AFP</a:t>
+            </a:r>
+            <a:r>
+              <a:rPr lang="en-US" altLang="ja-JP" dirty="0"/>
+              <a:t>)</a:t>
             </a:r>
             <a:r>
               <a:rPr lang="el-GR" altLang="ja-JP" dirty="0"/>
               <a:t>γ</a:t>
             </a:r>
             <a:r>
-              <a:rPr lang="en-US" altLang="ja-JP" dirty="0"/>
+              <a:rPr lang="en-US" altLang="ja-JP" baseline="-25000" dirty="0"/>
               <a:t>1</a:t>
             </a:r>
-            <a:endParaRPr lang="en-GB" dirty="0"/>
-          </a:p>
-        </p:txBody>
-      </p:sp>
-      <p:sp>
-        <p:nvSpPr>
-          <p:cNvPr id="21" name="テキスト ボックス 20">
-            <a:extLst>
-              <a:ext uri="{FF2B5EF4-FFF2-40B4-BE49-F238E27FC236}">
-                <a16:creationId xmlns:a16="http://schemas.microsoft.com/office/drawing/2014/main" id="{47C084D1-B02E-D8FC-3C29-B8D8EFE2B96C}"/>
+            <a:endParaRPr lang="en-GB" baseline="-25000" dirty="0"/>
+          </a:p>
+        </p:txBody>
+      </p:sp>
+      <p:sp>
+        <p:nvSpPr>
+          <p:cNvPr id="16" name="テキスト ボックス 20">
+            <a:extLst>
+              <a:ext uri="{FF2B5EF4-FFF2-40B4-BE49-F238E27FC236}">
+                <a16:creationId xmlns:a16="http://schemas.microsoft.com/office/drawing/2014/main" id="{260A750C-82D3-749A-04C7-3942A385F8EF}"/>
               </a:ext>
             </a:extLst>
           </p:cNvPr>
@@ -5004,7 +6231,7 @@
         </p:nvSpPr>
         <p:spPr>
           <a:xfrm>
-            <a:off x="4905076" y="1015734"/>
+            <a:off x="6793511" y="1254273"/>
             <a:ext cx="546884" cy="371209"/>
           </a:xfrm>
           <a:prstGeom prst="rect">
@@ -5023,19 +6250,19 @@
               <a:t>γ</a:t>
             </a:r>
             <a:r>
-              <a:rPr lang="en-US" altLang="ja-JP" dirty="0"/>
+              <a:rPr lang="en-US" altLang="ja-JP" baseline="-25000" dirty="0"/>
               <a:t>2</a:t>
             </a:r>
-            <a:endParaRPr lang="en-GB" dirty="0"/>
-          </a:p>
-        </p:txBody>
-      </p:sp>
-      <p:sp>
-        <p:nvSpPr>
-          <p:cNvPr id="22" name="テキスト ボックス 21">
-            <a:extLst>
-              <a:ext uri="{FF2B5EF4-FFF2-40B4-BE49-F238E27FC236}">
-                <a16:creationId xmlns:a16="http://schemas.microsoft.com/office/drawing/2014/main" id="{5ADAC251-9665-E6AC-75D0-4065AF0398B2}"/>
+            <a:endParaRPr lang="en-GB" baseline="-25000" dirty="0"/>
+          </a:p>
+        </p:txBody>
+      </p:sp>
+      <p:sp>
+        <p:nvSpPr>
+          <p:cNvPr id="17" name="テキスト ボックス 21">
+            <a:extLst>
+              <a:ext uri="{FF2B5EF4-FFF2-40B4-BE49-F238E27FC236}">
+                <a16:creationId xmlns:a16="http://schemas.microsoft.com/office/drawing/2014/main" id="{47CF851C-19E8-C064-0ADE-9462C97C2887}"/>
               </a:ext>
             </a:extLst>
           </p:cNvPr>
@@ -5044,7 +6271,7 @@
         </p:nvSpPr>
         <p:spPr>
           <a:xfrm>
-            <a:off x="4987036" y="2225443"/>
+            <a:off x="6881841" y="2537951"/>
             <a:ext cx="525225" cy="371209"/>
           </a:xfrm>
           <a:prstGeom prst="rect">
@@ -5063,19 +6290,19 @@
               <a:t>γ</a:t>
             </a:r>
             <a:r>
-              <a:rPr lang="en-US" altLang="ja-JP" dirty="0"/>
+              <a:rPr lang="en-US" altLang="ja-JP" baseline="-25000" dirty="0"/>
               <a:t>3</a:t>
             </a:r>
-            <a:endParaRPr lang="en-GB" dirty="0"/>
-          </a:p>
-        </p:txBody>
-      </p:sp>
-      <p:sp>
-        <p:nvSpPr>
-          <p:cNvPr id="3" name="正方形/長方形 7">
-            <a:extLst>
-              <a:ext uri="{FF2B5EF4-FFF2-40B4-BE49-F238E27FC236}">
-                <a16:creationId xmlns:a16="http://schemas.microsoft.com/office/drawing/2014/main" id="{5F79FB49-6C50-85B6-B91B-3EACA8D7DB5A}"/>
+            <a:endParaRPr lang="en-GB" baseline="-25000" dirty="0"/>
+          </a:p>
+        </p:txBody>
+      </p:sp>
+      <p:sp>
+        <p:nvSpPr>
+          <p:cNvPr id="18" name="正方形/長方形 7">
+            <a:extLst>
+              <a:ext uri="{FF2B5EF4-FFF2-40B4-BE49-F238E27FC236}">
+                <a16:creationId xmlns:a16="http://schemas.microsoft.com/office/drawing/2014/main" id="{A77E5967-604B-3DB4-8C01-37A2910322D5}"/>
               </a:ext>
             </a:extLst>
           </p:cNvPr>
@@ -5084,7 +6311,7 @@
         </p:nvSpPr>
         <p:spPr>
           <a:xfrm>
-            <a:off x="5724889" y="1631010"/>
+            <a:off x="7613324" y="1869549"/>
             <a:ext cx="857836" cy="574575"/>
           </a:xfrm>
           <a:prstGeom prst="rect">
@@ -5122,15 +6349,22 @@
               </a:rPr>
               <a:t>R</a:t>
             </a:r>
-          </a:p>
-        </p:txBody>
-      </p:sp>
-      <p:sp>
-        <p:nvSpPr>
-          <p:cNvPr id="16" name="テキスト ボックス 18">
-            <a:extLst>
-              <a:ext uri="{FF2B5EF4-FFF2-40B4-BE49-F238E27FC236}">
-                <a16:creationId xmlns:a16="http://schemas.microsoft.com/office/drawing/2014/main" id="{4FC3355B-8165-27B6-AB99-226946C4C4D0}"/>
+            <a:r>
+              <a:rPr lang="en-GB" baseline="-25000" dirty="0">
+                <a:latin typeface="Times New Roman" panose="02020603050405020304" pitchFamily="18" charset="0"/>
+                <a:cs typeface="Times New Roman" panose="02020603050405020304" pitchFamily="18" charset="0"/>
+              </a:rPr>
+              <a:t>i</a:t>
+            </a:r>
+          </a:p>
+        </p:txBody>
+      </p:sp>
+      <p:sp>
+        <p:nvSpPr>
+          <p:cNvPr id="19" name="テキスト ボックス 18">
+            <a:extLst>
+              <a:ext uri="{FF2B5EF4-FFF2-40B4-BE49-F238E27FC236}">
+                <a16:creationId xmlns:a16="http://schemas.microsoft.com/office/drawing/2014/main" id="{F21670F2-7A5B-0F4D-340C-FD6399C2527E}"/>
               </a:ext>
             </a:extLst>
           </p:cNvPr>
@@ -5139,7 +6373,7 @@
         </p:nvSpPr>
         <p:spPr>
           <a:xfrm>
-            <a:off x="2796492" y="2260013"/>
+            <a:off x="4662405" y="2523194"/>
             <a:ext cx="1259280" cy="369332"/>
           </a:xfrm>
           <a:prstGeom prst="rect">
@@ -5155,15 +6389,1694 @@
           <a:p>
             <a:r>
               <a:rPr lang="en-US" altLang="ja-JP" dirty="0" err="1"/>
-              <a:t>pAFP</a:t>
+              <a:t>p</a:t>
+            </a:r>
+            <a:r>
+              <a:rPr lang="en-US" altLang="ja-JP" baseline="-25000" dirty="0" err="1"/>
+              <a:t>AFP</a:t>
             </a:r>
             <a:r>
               <a:rPr lang="el-GR" altLang="ja-JP" dirty="0"/>
               <a:t>γ</a:t>
             </a:r>
             <a:r>
+              <a:rPr lang="en-US" altLang="ja-JP" baseline="-25000" dirty="0"/>
+              <a:t>1</a:t>
+            </a:r>
+            <a:endParaRPr lang="en-GB" baseline="-25000" dirty="0"/>
+          </a:p>
+        </p:txBody>
+      </p:sp>
+      <p:sp>
+        <p:nvSpPr>
+          <p:cNvPr id="20" name="正方形/長方形 4">
+            <a:extLst>
+              <a:ext uri="{FF2B5EF4-FFF2-40B4-BE49-F238E27FC236}">
+                <a16:creationId xmlns:a16="http://schemas.microsoft.com/office/drawing/2014/main" id="{6E0E1C37-7D8E-994E-EF35-2A0D87F02CF8}"/>
+              </a:ext>
+            </a:extLst>
+          </p:cNvPr>
+          <p:cNvSpPr/>
+          <p:nvPr/>
+        </p:nvSpPr>
+        <p:spPr>
+          <a:xfrm>
+            <a:off x="2603241" y="4544555"/>
+            <a:ext cx="785740" cy="614289"/>
+          </a:xfrm>
+          <a:prstGeom prst="rect">
+            <a:avLst/>
+          </a:prstGeom>
+          <a:ln>
+            <a:solidFill>
+              <a:schemeClr val="tx1"/>
+            </a:solidFill>
+          </a:ln>
+        </p:spPr>
+        <p:style>
+          <a:lnRef idx="2">
+            <a:schemeClr val="accent6"/>
+          </a:lnRef>
+          <a:fillRef idx="1">
+            <a:schemeClr val="lt1"/>
+          </a:fillRef>
+          <a:effectRef idx="0">
+            <a:schemeClr val="accent6"/>
+          </a:effectRef>
+          <a:fontRef idx="minor">
+            <a:schemeClr val="dk1"/>
+          </a:fontRef>
+        </p:style>
+        <p:txBody>
+          <a:bodyPr rtlCol="0" anchor="ctr"/>
+          <a:lstStyle/>
+          <a:p>
+            <a:pPr algn="ctr"/>
+            <a:r>
+              <a:rPr lang="en-GB" dirty="0">
+                <a:latin typeface="Times New Roman" panose="02020603050405020304" pitchFamily="18" charset="0"/>
+                <a:cs typeface="Times New Roman" panose="02020603050405020304" pitchFamily="18" charset="0"/>
+              </a:rPr>
+              <a:t>V</a:t>
+            </a:r>
+            <a:r>
+              <a:rPr lang="en-GB" baseline="-25000" dirty="0">
+                <a:latin typeface="Times New Roman" panose="02020603050405020304" pitchFamily="18" charset="0"/>
+                <a:cs typeface="Times New Roman" panose="02020603050405020304" pitchFamily="18" charset="0"/>
+              </a:rPr>
+              <a:t>i</a:t>
+            </a:r>
+          </a:p>
+        </p:txBody>
+      </p:sp>
+      <p:cxnSp>
+        <p:nvCxnSpPr>
+          <p:cNvPr id="21" name="直線矢印コネクタ 8">
+            <a:extLst>
+              <a:ext uri="{FF2B5EF4-FFF2-40B4-BE49-F238E27FC236}">
+                <a16:creationId xmlns:a16="http://schemas.microsoft.com/office/drawing/2014/main" id="{F5B5D7E3-AB49-E292-779B-215AA3E2D2EB}"/>
+              </a:ext>
+            </a:extLst>
+          </p:cNvPr>
+          <p:cNvCxnSpPr>
+            <a:cxnSpLocks/>
+            <a:stCxn id="6" idx="2"/>
+            <a:endCxn id="20" idx="0"/>
+          </p:cNvCxnSpPr>
+          <p:nvPr/>
+        </p:nvCxnSpPr>
+        <p:spPr>
+          <a:xfrm>
+            <a:off x="2991431" y="2448444"/>
+            <a:ext cx="4680" cy="2096111"/>
+          </a:xfrm>
+          <a:prstGeom prst="straightConnector1">
+            <a:avLst/>
+          </a:prstGeom>
+          <a:ln w="19050">
+            <a:solidFill>
+              <a:schemeClr val="tx1"/>
+            </a:solidFill>
+            <a:tailEnd type="triangle"/>
+          </a:ln>
+        </p:spPr>
+        <p:style>
+          <a:lnRef idx="1">
+            <a:schemeClr val="accent1"/>
+          </a:lnRef>
+          <a:fillRef idx="0">
+            <a:schemeClr val="accent1"/>
+          </a:fillRef>
+          <a:effectRef idx="0">
+            <a:schemeClr val="accent1"/>
+          </a:effectRef>
+          <a:fontRef idx="minor">
+            <a:schemeClr val="tx1"/>
+          </a:fontRef>
+        </p:style>
+      </p:cxnSp>
+      <p:cxnSp>
+        <p:nvCxnSpPr>
+          <p:cNvPr id="27" name="直線矢印コネクタ 8">
+            <a:extLst>
+              <a:ext uri="{FF2B5EF4-FFF2-40B4-BE49-F238E27FC236}">
+                <a16:creationId xmlns:a16="http://schemas.microsoft.com/office/drawing/2014/main" id="{C9444245-E6E3-3AF9-EBCD-670F4998B11C}"/>
+              </a:ext>
+            </a:extLst>
+          </p:cNvPr>
+          <p:cNvCxnSpPr>
+            <a:cxnSpLocks/>
+            <a:endCxn id="6" idx="1"/>
+          </p:cNvCxnSpPr>
+          <p:nvPr/>
+        </p:nvCxnSpPr>
+        <p:spPr>
+          <a:xfrm>
+            <a:off x="1938130" y="2141298"/>
+            <a:ext cx="660431" cy="2"/>
+          </a:xfrm>
+          <a:prstGeom prst="straightConnector1">
+            <a:avLst/>
+          </a:prstGeom>
+          <a:ln w="19050">
+            <a:solidFill>
+              <a:schemeClr val="tx1"/>
+            </a:solidFill>
+            <a:tailEnd type="triangle"/>
+          </a:ln>
+        </p:spPr>
+        <p:style>
+          <a:lnRef idx="1">
+            <a:schemeClr val="accent1"/>
+          </a:lnRef>
+          <a:fillRef idx="0">
+            <a:schemeClr val="accent1"/>
+          </a:fillRef>
+          <a:effectRef idx="0">
+            <a:schemeClr val="accent1"/>
+          </a:effectRef>
+          <a:fontRef idx="minor">
+            <a:schemeClr val="tx1"/>
+          </a:fontRef>
+        </p:style>
+      </p:cxnSp>
+      <p:sp>
+        <p:nvSpPr>
+          <p:cNvPr id="30" name="TextBox 29">
+            <a:extLst>
+              <a:ext uri="{FF2B5EF4-FFF2-40B4-BE49-F238E27FC236}">
+                <a16:creationId xmlns:a16="http://schemas.microsoft.com/office/drawing/2014/main" id="{F1FB502D-26ED-1048-F7BD-5B0154650270}"/>
+              </a:ext>
+            </a:extLst>
+          </p:cNvPr>
+          <p:cNvSpPr txBox="1"/>
+          <p:nvPr/>
+        </p:nvSpPr>
+        <p:spPr>
+          <a:xfrm>
+            <a:off x="1997765" y="1670492"/>
+            <a:ext cx="337931" cy="369332"/>
+          </a:xfrm>
+          <a:prstGeom prst="rect">
+            <a:avLst/>
+          </a:prstGeom>
+          <a:noFill/>
+        </p:spPr>
+        <p:txBody>
+          <a:bodyPr wrap="square" rtlCol="0">
+            <a:spAutoFit/>
+          </a:bodyPr>
+          <a:lstStyle/>
+          <a:p>
+            <a:r>
+              <a:rPr lang="en-GB" dirty="0"/>
+              <a:t>b</a:t>
+            </a:r>
+          </a:p>
+        </p:txBody>
+      </p:sp>
+      <p:sp>
+        <p:nvSpPr>
+          <p:cNvPr id="31" name="TextBox 30">
+            <a:extLst>
+              <a:ext uri="{FF2B5EF4-FFF2-40B4-BE49-F238E27FC236}">
+                <a16:creationId xmlns:a16="http://schemas.microsoft.com/office/drawing/2014/main" id="{91AE9521-CEB0-58BC-AA70-9700F63091CE}"/>
+              </a:ext>
+            </a:extLst>
+          </p:cNvPr>
+          <p:cNvSpPr txBox="1"/>
+          <p:nvPr/>
+        </p:nvSpPr>
+        <p:spPr>
+          <a:xfrm>
+            <a:off x="3384301" y="1395056"/>
+            <a:ext cx="337931" cy="369332"/>
+          </a:xfrm>
+          <a:prstGeom prst="rect">
+            <a:avLst/>
+          </a:prstGeom>
+          <a:noFill/>
+        </p:spPr>
+        <p:txBody>
+          <a:bodyPr wrap="square" rtlCol="0">
+            <a:spAutoFit/>
+          </a:bodyPr>
+          <a:lstStyle/>
+          <a:p>
+            <a:r>
               <a:rPr lang="en-US" altLang="ja-JP" dirty="0"/>
+              <a:t>μ</a:t>
+            </a:r>
+            <a:endParaRPr lang="en-GB" dirty="0"/>
+          </a:p>
+        </p:txBody>
+      </p:sp>
+      <p:cxnSp>
+        <p:nvCxnSpPr>
+          <p:cNvPr id="32" name="直線矢印コネクタ 8">
+            <a:extLst>
+              <a:ext uri="{FF2B5EF4-FFF2-40B4-BE49-F238E27FC236}">
+                <a16:creationId xmlns:a16="http://schemas.microsoft.com/office/drawing/2014/main" id="{4CB4AAB0-2984-6254-DE74-ACB1E796E021}"/>
+              </a:ext>
+            </a:extLst>
+          </p:cNvPr>
+          <p:cNvCxnSpPr>
+            <a:cxnSpLocks/>
+            <a:stCxn id="6" idx="0"/>
+            <a:endCxn id="31" idx="1"/>
+          </p:cNvCxnSpPr>
+          <p:nvPr/>
+        </p:nvCxnSpPr>
+        <p:spPr>
+          <a:xfrm flipV="1">
+            <a:off x="2991431" y="1579722"/>
+            <a:ext cx="392870" cy="254433"/>
+          </a:xfrm>
+          <a:prstGeom prst="straightConnector1">
+            <a:avLst/>
+          </a:prstGeom>
+          <a:ln w="19050">
+            <a:solidFill>
+              <a:schemeClr val="tx1"/>
+            </a:solidFill>
+            <a:tailEnd type="triangle"/>
+          </a:ln>
+        </p:spPr>
+        <p:style>
+          <a:lnRef idx="1">
+            <a:schemeClr val="accent1"/>
+          </a:lnRef>
+          <a:fillRef idx="0">
+            <a:schemeClr val="accent1"/>
+          </a:fillRef>
+          <a:effectRef idx="0">
+            <a:schemeClr val="accent1"/>
+          </a:effectRef>
+          <a:fontRef idx="minor">
+            <a:schemeClr val="tx1"/>
+          </a:fontRef>
+        </p:style>
+      </p:cxnSp>
+      <p:sp>
+        <p:nvSpPr>
+          <p:cNvPr id="37" name="TextBox 36">
+            <a:extLst>
+              <a:ext uri="{FF2B5EF4-FFF2-40B4-BE49-F238E27FC236}">
+                <a16:creationId xmlns:a16="http://schemas.microsoft.com/office/drawing/2014/main" id="{DF030AC0-FAFD-9892-2EAE-BEC9B6003199}"/>
+              </a:ext>
+            </a:extLst>
+          </p:cNvPr>
+          <p:cNvSpPr txBox="1"/>
+          <p:nvPr/>
+        </p:nvSpPr>
+        <p:spPr>
+          <a:xfrm>
+            <a:off x="2971536" y="5158844"/>
+            <a:ext cx="337931" cy="369332"/>
+          </a:xfrm>
+          <a:prstGeom prst="rect">
+            <a:avLst/>
+          </a:prstGeom>
+          <a:noFill/>
+        </p:spPr>
+        <p:txBody>
+          <a:bodyPr wrap="square" rtlCol="0">
+            <a:spAutoFit/>
+          </a:bodyPr>
+          <a:lstStyle/>
+          <a:p>
+            <a:r>
+              <a:rPr lang="en-US" altLang="ja-JP" dirty="0"/>
+              <a:t>μ</a:t>
+            </a:r>
+            <a:endParaRPr lang="en-GB" dirty="0"/>
+          </a:p>
+        </p:txBody>
+      </p:sp>
+      <p:cxnSp>
+        <p:nvCxnSpPr>
+          <p:cNvPr id="38" name="直線矢印コネクタ 8">
+            <a:extLst>
+              <a:ext uri="{FF2B5EF4-FFF2-40B4-BE49-F238E27FC236}">
+                <a16:creationId xmlns:a16="http://schemas.microsoft.com/office/drawing/2014/main" id="{090A62A9-96BF-8907-7555-C601113D58D9}"/>
+              </a:ext>
+            </a:extLst>
+          </p:cNvPr>
+          <p:cNvCxnSpPr>
+            <a:cxnSpLocks/>
+            <a:stCxn id="20" idx="2"/>
+          </p:cNvCxnSpPr>
+          <p:nvPr/>
+        </p:nvCxnSpPr>
+        <p:spPr>
+          <a:xfrm>
+            <a:off x="2996111" y="5158844"/>
+            <a:ext cx="318299" cy="234520"/>
+          </a:xfrm>
+          <a:prstGeom prst="straightConnector1">
+            <a:avLst/>
+          </a:prstGeom>
+          <a:ln w="19050">
+            <a:solidFill>
+              <a:schemeClr val="tx1"/>
+            </a:solidFill>
+            <a:tailEnd type="triangle"/>
+          </a:ln>
+        </p:spPr>
+        <p:style>
+          <a:lnRef idx="1">
+            <a:schemeClr val="accent1"/>
+          </a:lnRef>
+          <a:fillRef idx="0">
+            <a:schemeClr val="accent1"/>
+          </a:fillRef>
+          <a:effectRef idx="0">
+            <a:schemeClr val="accent1"/>
+          </a:effectRef>
+          <a:fontRef idx="minor">
+            <a:schemeClr val="tx1"/>
+          </a:fontRef>
+        </p:style>
+      </p:cxnSp>
+      <p:sp>
+        <p:nvSpPr>
+          <p:cNvPr id="43" name="TextBox 42">
+            <a:extLst>
+              <a:ext uri="{FF2B5EF4-FFF2-40B4-BE49-F238E27FC236}">
+                <a16:creationId xmlns:a16="http://schemas.microsoft.com/office/drawing/2014/main" id="{534A9AE2-F3C5-05BF-57D5-F4C66E2B70B0}"/>
+              </a:ext>
+            </a:extLst>
+          </p:cNvPr>
+          <p:cNvSpPr txBox="1"/>
+          <p:nvPr/>
+        </p:nvSpPr>
+        <p:spPr>
+          <a:xfrm>
+            <a:off x="6638035" y="790588"/>
+            <a:ext cx="337931" cy="369332"/>
+          </a:xfrm>
+          <a:prstGeom prst="rect">
+            <a:avLst/>
+          </a:prstGeom>
+          <a:noFill/>
+        </p:spPr>
+        <p:txBody>
+          <a:bodyPr wrap="square" rtlCol="0">
+            <a:spAutoFit/>
+          </a:bodyPr>
+          <a:lstStyle/>
+          <a:p>
+            <a:r>
+              <a:rPr lang="en-US" altLang="ja-JP" dirty="0"/>
+              <a:t>μ</a:t>
+            </a:r>
+            <a:endParaRPr lang="en-GB" dirty="0"/>
+          </a:p>
+        </p:txBody>
+      </p:sp>
+      <p:cxnSp>
+        <p:nvCxnSpPr>
+          <p:cNvPr id="44" name="直線矢印コネクタ 8">
+            <a:extLst>
+              <a:ext uri="{FF2B5EF4-FFF2-40B4-BE49-F238E27FC236}">
+                <a16:creationId xmlns:a16="http://schemas.microsoft.com/office/drawing/2014/main" id="{7D76F219-C10C-51AA-E981-00518CBD5ADB}"/>
+              </a:ext>
+            </a:extLst>
+          </p:cNvPr>
+          <p:cNvCxnSpPr>
+            <a:cxnSpLocks/>
+            <a:stCxn id="8" idx="0"/>
+            <a:endCxn id="43" idx="1"/>
+          </p:cNvCxnSpPr>
+          <p:nvPr/>
+        </p:nvCxnSpPr>
+        <p:spPr>
+          <a:xfrm flipV="1">
+            <a:off x="6209117" y="1017479"/>
+            <a:ext cx="428918" cy="300860"/>
+          </a:xfrm>
+          <a:prstGeom prst="straightConnector1">
+            <a:avLst/>
+          </a:prstGeom>
+          <a:ln w="19050">
+            <a:solidFill>
+              <a:schemeClr val="tx1"/>
+            </a:solidFill>
+            <a:tailEnd type="triangle"/>
+          </a:ln>
+        </p:spPr>
+        <p:style>
+          <a:lnRef idx="1">
+            <a:schemeClr val="accent1"/>
+          </a:lnRef>
+          <a:fillRef idx="0">
+            <a:schemeClr val="accent1"/>
+          </a:fillRef>
+          <a:effectRef idx="0">
+            <a:schemeClr val="accent1"/>
+          </a:effectRef>
+          <a:fontRef idx="minor">
+            <a:schemeClr val="tx1"/>
+          </a:fontRef>
+        </p:style>
+      </p:cxnSp>
+      <p:sp>
+        <p:nvSpPr>
+          <p:cNvPr id="47" name="TextBox 46">
+            <a:extLst>
+              <a:ext uri="{FF2B5EF4-FFF2-40B4-BE49-F238E27FC236}">
+                <a16:creationId xmlns:a16="http://schemas.microsoft.com/office/drawing/2014/main" id="{CC286922-E1BA-C680-9149-50BA8A02FE12}"/>
+              </a:ext>
+            </a:extLst>
+          </p:cNvPr>
+          <p:cNvSpPr txBox="1"/>
+          <p:nvPr/>
+        </p:nvSpPr>
+        <p:spPr>
+          <a:xfrm>
+            <a:off x="8380086" y="1412342"/>
+            <a:ext cx="337931" cy="369332"/>
+          </a:xfrm>
+          <a:prstGeom prst="rect">
+            <a:avLst/>
+          </a:prstGeom>
+          <a:noFill/>
+        </p:spPr>
+        <p:txBody>
+          <a:bodyPr wrap="square" rtlCol="0">
+            <a:spAutoFit/>
+          </a:bodyPr>
+          <a:lstStyle/>
+          <a:p>
+            <a:r>
+              <a:rPr lang="en-US" altLang="ja-JP" dirty="0"/>
+              <a:t>μ</a:t>
+            </a:r>
+            <a:endParaRPr lang="en-GB" dirty="0"/>
+          </a:p>
+        </p:txBody>
+      </p:sp>
+      <p:cxnSp>
+        <p:nvCxnSpPr>
+          <p:cNvPr id="48" name="直線矢印コネクタ 8">
+            <a:extLst>
+              <a:ext uri="{FF2B5EF4-FFF2-40B4-BE49-F238E27FC236}">
+                <a16:creationId xmlns:a16="http://schemas.microsoft.com/office/drawing/2014/main" id="{9FCFAE04-EC5E-36C7-31D6-6ACB54CE87A3}"/>
+              </a:ext>
+            </a:extLst>
+          </p:cNvPr>
+          <p:cNvCxnSpPr>
+            <a:cxnSpLocks/>
+            <a:stCxn id="18" idx="0"/>
+            <a:endCxn id="47" idx="1"/>
+          </p:cNvCxnSpPr>
+          <p:nvPr/>
+        </p:nvCxnSpPr>
+        <p:spPr>
+          <a:xfrm flipV="1">
+            <a:off x="8042242" y="1597008"/>
+            <a:ext cx="337844" cy="272541"/>
+          </a:xfrm>
+          <a:prstGeom prst="straightConnector1">
+            <a:avLst/>
+          </a:prstGeom>
+          <a:ln w="19050">
+            <a:solidFill>
+              <a:schemeClr val="tx1"/>
+            </a:solidFill>
+            <a:tailEnd type="triangle"/>
+          </a:ln>
+        </p:spPr>
+        <p:style>
+          <a:lnRef idx="1">
+            <a:schemeClr val="accent1"/>
+          </a:lnRef>
+          <a:fillRef idx="0">
+            <a:schemeClr val="accent1"/>
+          </a:fillRef>
+          <a:effectRef idx="0">
+            <a:schemeClr val="accent1"/>
+          </a:effectRef>
+          <a:fontRef idx="minor">
+            <a:schemeClr val="tx1"/>
+          </a:fontRef>
+        </p:style>
+      </p:cxnSp>
+      <p:sp>
+        <p:nvSpPr>
+          <p:cNvPr id="52" name="TextBox 51">
+            <a:extLst>
+              <a:ext uri="{FF2B5EF4-FFF2-40B4-BE49-F238E27FC236}">
+                <a16:creationId xmlns:a16="http://schemas.microsoft.com/office/drawing/2014/main" id="{E09370D4-094B-E19B-857D-2A421B3FF444}"/>
+              </a:ext>
+            </a:extLst>
+          </p:cNvPr>
+          <p:cNvSpPr txBox="1"/>
+          <p:nvPr/>
+        </p:nvSpPr>
+        <p:spPr>
+          <a:xfrm>
+            <a:off x="4265732" y="2693400"/>
+            <a:ext cx="364429" cy="369332"/>
+          </a:xfrm>
+          <a:prstGeom prst="rect">
+            <a:avLst/>
+          </a:prstGeom>
+          <a:noFill/>
+        </p:spPr>
+        <p:txBody>
+          <a:bodyPr wrap="square" rtlCol="0">
+            <a:spAutoFit/>
+          </a:bodyPr>
+          <a:lstStyle/>
+          <a:p>
+            <a:r>
+              <a:rPr lang="en-US" altLang="ja-JP" dirty="0"/>
+              <a:t>μ</a:t>
+            </a:r>
+            <a:endParaRPr lang="en-GB" dirty="0"/>
+          </a:p>
+        </p:txBody>
+      </p:sp>
+      <p:cxnSp>
+        <p:nvCxnSpPr>
+          <p:cNvPr id="62" name="直線矢印コネクタ 8">
+            <a:extLst>
+              <a:ext uri="{FF2B5EF4-FFF2-40B4-BE49-F238E27FC236}">
+                <a16:creationId xmlns:a16="http://schemas.microsoft.com/office/drawing/2014/main" id="{1EE3B477-4ECC-E849-ACC2-9868845AB8D7}"/>
+              </a:ext>
+            </a:extLst>
+          </p:cNvPr>
+          <p:cNvCxnSpPr>
+            <a:cxnSpLocks/>
+            <a:stCxn id="7" idx="2"/>
+          </p:cNvCxnSpPr>
+          <p:nvPr/>
+        </p:nvCxnSpPr>
+        <p:spPr>
+          <a:xfrm flipH="1">
+            <a:off x="4331943" y="2448443"/>
+            <a:ext cx="250307" cy="307144"/>
+          </a:xfrm>
+          <a:prstGeom prst="straightConnector1">
+            <a:avLst/>
+          </a:prstGeom>
+          <a:ln w="19050">
+            <a:solidFill>
+              <a:schemeClr val="tx1"/>
+            </a:solidFill>
+            <a:tailEnd type="triangle"/>
+          </a:ln>
+        </p:spPr>
+        <p:style>
+          <a:lnRef idx="1">
+            <a:schemeClr val="accent1"/>
+          </a:lnRef>
+          <a:fillRef idx="0">
+            <a:schemeClr val="accent1"/>
+          </a:fillRef>
+          <a:effectRef idx="0">
+            <a:schemeClr val="accent1"/>
+          </a:effectRef>
+          <a:fontRef idx="minor">
+            <a:schemeClr val="tx1"/>
+          </a:fontRef>
+        </p:style>
+      </p:cxnSp>
+      <p:cxnSp>
+        <p:nvCxnSpPr>
+          <p:cNvPr id="66" name="直線矢印コネクタ 8">
+            <a:extLst>
+              <a:ext uri="{FF2B5EF4-FFF2-40B4-BE49-F238E27FC236}">
+                <a16:creationId xmlns:a16="http://schemas.microsoft.com/office/drawing/2014/main" id="{42F15518-8B47-18FE-8C36-CCD8E8F2C1F3}"/>
+              </a:ext>
+            </a:extLst>
+          </p:cNvPr>
+          <p:cNvCxnSpPr>
+            <a:cxnSpLocks/>
+            <a:stCxn id="12" idx="2"/>
+          </p:cNvCxnSpPr>
+          <p:nvPr/>
+        </p:nvCxnSpPr>
+        <p:spPr>
+          <a:xfrm flipH="1">
+            <a:off x="5904461" y="3062732"/>
+            <a:ext cx="304656" cy="286967"/>
+          </a:xfrm>
+          <a:prstGeom prst="straightConnector1">
+            <a:avLst/>
+          </a:prstGeom>
+          <a:ln w="19050">
+            <a:solidFill>
+              <a:schemeClr val="tx1"/>
+            </a:solidFill>
+            <a:tailEnd type="triangle"/>
+          </a:ln>
+        </p:spPr>
+        <p:style>
+          <a:lnRef idx="1">
+            <a:schemeClr val="accent1"/>
+          </a:lnRef>
+          <a:fillRef idx="0">
+            <a:schemeClr val="accent1"/>
+          </a:fillRef>
+          <a:effectRef idx="0">
+            <a:schemeClr val="accent1"/>
+          </a:effectRef>
+          <a:fontRef idx="minor">
+            <a:schemeClr val="tx1"/>
+          </a:fontRef>
+        </p:style>
+      </p:cxnSp>
+      <p:sp>
+        <p:nvSpPr>
+          <p:cNvPr id="69" name="TextBox 68">
+            <a:extLst>
+              <a:ext uri="{FF2B5EF4-FFF2-40B4-BE49-F238E27FC236}">
+                <a16:creationId xmlns:a16="http://schemas.microsoft.com/office/drawing/2014/main" id="{3D837006-0C61-DDE8-2F55-0925A42ABF31}"/>
+              </a:ext>
+            </a:extLst>
+          </p:cNvPr>
+          <p:cNvSpPr txBox="1"/>
+          <p:nvPr/>
+        </p:nvSpPr>
+        <p:spPr>
+          <a:xfrm>
+            <a:off x="6038856" y="3150573"/>
+            <a:ext cx="364429" cy="369332"/>
+          </a:xfrm>
+          <a:prstGeom prst="rect">
+            <a:avLst/>
+          </a:prstGeom>
+          <a:noFill/>
+        </p:spPr>
+        <p:txBody>
+          <a:bodyPr wrap="square" rtlCol="0">
+            <a:spAutoFit/>
+          </a:bodyPr>
+          <a:lstStyle/>
+          <a:p>
+            <a:r>
+              <a:rPr lang="en-US" altLang="ja-JP" dirty="0"/>
+              <a:t>μ</a:t>
+            </a:r>
+            <a:endParaRPr lang="en-GB" dirty="0"/>
+          </a:p>
+        </p:txBody>
+      </p:sp>
+      <p:cxnSp>
+        <p:nvCxnSpPr>
+          <p:cNvPr id="3" name="直線矢印コネクタ 8">
+            <a:extLst>
+              <a:ext uri="{FF2B5EF4-FFF2-40B4-BE49-F238E27FC236}">
+                <a16:creationId xmlns:a16="http://schemas.microsoft.com/office/drawing/2014/main" id="{CE59C91C-4780-7616-6BA8-C7D74CB49564}"/>
+              </a:ext>
+            </a:extLst>
+          </p:cNvPr>
+          <p:cNvCxnSpPr>
+            <a:cxnSpLocks/>
+            <a:stCxn id="20" idx="3"/>
+          </p:cNvCxnSpPr>
+          <p:nvPr/>
+        </p:nvCxnSpPr>
+        <p:spPr>
+          <a:xfrm flipV="1">
+            <a:off x="3388981" y="4851698"/>
+            <a:ext cx="670837" cy="2"/>
+          </a:xfrm>
+          <a:prstGeom prst="straightConnector1">
+            <a:avLst/>
+          </a:prstGeom>
+          <a:ln w="19050">
+            <a:solidFill>
+              <a:schemeClr val="tx1"/>
+            </a:solidFill>
+            <a:tailEnd type="triangle"/>
+          </a:ln>
+        </p:spPr>
+        <p:style>
+          <a:lnRef idx="1">
+            <a:schemeClr val="accent1"/>
+          </a:lnRef>
+          <a:fillRef idx="0">
+            <a:schemeClr val="accent1"/>
+          </a:fillRef>
+          <a:effectRef idx="0">
+            <a:schemeClr val="accent1"/>
+          </a:effectRef>
+          <a:fontRef idx="minor">
+            <a:schemeClr val="tx1"/>
+          </a:fontRef>
+        </p:style>
+      </p:cxnSp>
+      <p:sp>
+        <p:nvSpPr>
+          <p:cNvPr id="2" name="正方形/長方形 5">
+            <a:extLst>
+              <a:ext uri="{FF2B5EF4-FFF2-40B4-BE49-F238E27FC236}">
+                <a16:creationId xmlns:a16="http://schemas.microsoft.com/office/drawing/2014/main" id="{801C0623-F1BB-9281-1B26-2000B66EDC42}"/>
+              </a:ext>
+            </a:extLst>
+          </p:cNvPr>
+          <p:cNvSpPr/>
+          <p:nvPr/>
+        </p:nvSpPr>
+        <p:spPr>
+          <a:xfrm>
+            <a:off x="4201243" y="4618227"/>
+            <a:ext cx="857836" cy="614289"/>
+          </a:xfrm>
+          <a:prstGeom prst="rect">
+            <a:avLst/>
+          </a:prstGeom>
+          <a:ln>
+            <a:solidFill>
+              <a:schemeClr val="tx1"/>
+            </a:solidFill>
+          </a:ln>
+        </p:spPr>
+        <p:style>
+          <a:lnRef idx="2">
+            <a:schemeClr val="accent6"/>
+          </a:lnRef>
+          <a:fillRef idx="1">
+            <a:schemeClr val="lt1"/>
+          </a:fillRef>
+          <a:effectRef idx="0">
+            <a:schemeClr val="accent6"/>
+          </a:effectRef>
+          <a:fontRef idx="minor">
+            <a:schemeClr val="dk1"/>
+          </a:fontRef>
+        </p:style>
+        <p:txBody>
+          <a:bodyPr rtlCol="0" anchor="ctr"/>
+          <a:lstStyle/>
+          <a:p>
+            <a:pPr algn="ctr"/>
+            <a:r>
+              <a:rPr lang="en-GB" dirty="0">
+                <a:latin typeface="Times New Roman" panose="02020603050405020304" pitchFamily="18" charset="0"/>
+                <a:cs typeface="Times New Roman" panose="02020603050405020304" pitchFamily="18" charset="0"/>
+              </a:rPr>
+              <a:t>E</a:t>
+            </a:r>
+            <a:r>
+              <a:rPr lang="en-GB" baseline="-25000" dirty="0">
+                <a:latin typeface="Times New Roman" panose="02020603050405020304" pitchFamily="18" charset="0"/>
+                <a:cs typeface="Times New Roman" panose="02020603050405020304" pitchFamily="18" charset="0"/>
+              </a:rPr>
+              <a:t>i</a:t>
+            </a:r>
+          </a:p>
+        </p:txBody>
+      </p:sp>
+      <p:sp>
+        <p:nvSpPr>
+          <p:cNvPr id="4" name="正方形/長方形 6">
+            <a:extLst>
+              <a:ext uri="{FF2B5EF4-FFF2-40B4-BE49-F238E27FC236}">
+                <a16:creationId xmlns:a16="http://schemas.microsoft.com/office/drawing/2014/main" id="{2B9F56FE-30D2-DB03-25E0-9F330D89B906}"/>
+              </a:ext>
+            </a:extLst>
+          </p:cNvPr>
+          <p:cNvSpPr/>
+          <p:nvPr/>
+        </p:nvSpPr>
+        <p:spPr>
+          <a:xfrm>
+            <a:off x="5828110" y="4102412"/>
+            <a:ext cx="857836" cy="614289"/>
+          </a:xfrm>
+          <a:prstGeom prst="rect">
+            <a:avLst/>
+          </a:prstGeom>
+          <a:ln>
+            <a:solidFill>
+              <a:schemeClr val="tx1"/>
+            </a:solidFill>
+          </a:ln>
+        </p:spPr>
+        <p:style>
+          <a:lnRef idx="2">
+            <a:schemeClr val="accent6"/>
+          </a:lnRef>
+          <a:fillRef idx="1">
+            <a:schemeClr val="lt1"/>
+          </a:fillRef>
+          <a:effectRef idx="0">
+            <a:schemeClr val="accent6"/>
+          </a:effectRef>
+          <a:fontRef idx="minor">
+            <a:schemeClr val="dk1"/>
+          </a:fontRef>
+        </p:style>
+        <p:txBody>
+          <a:bodyPr rtlCol="0" anchor="ctr"/>
+          <a:lstStyle/>
+          <a:p>
+            <a:pPr algn="ctr"/>
+            <a:r>
+              <a:rPr lang="en-GB" dirty="0" err="1">
+                <a:latin typeface="Times New Roman" panose="02020603050405020304" pitchFamily="18" charset="0"/>
+                <a:cs typeface="Times New Roman" panose="02020603050405020304" pitchFamily="18" charset="0"/>
+              </a:rPr>
+              <a:t>I</a:t>
+            </a:r>
+            <a:r>
+              <a:rPr lang="en-GB" baseline="-25000" dirty="0" err="1">
+                <a:latin typeface="Times New Roman" panose="02020603050405020304" pitchFamily="18" charset="0"/>
+                <a:cs typeface="Times New Roman" panose="02020603050405020304" pitchFamily="18" charset="0"/>
+              </a:rPr>
+              <a:t>a,i</a:t>
+            </a:r>
+            <a:endParaRPr lang="en-GB" baseline="-25000" dirty="0">
+              <a:latin typeface="Times New Roman" panose="02020603050405020304" pitchFamily="18" charset="0"/>
+              <a:cs typeface="Times New Roman" panose="02020603050405020304" pitchFamily="18" charset="0"/>
+            </a:endParaRPr>
+          </a:p>
+        </p:txBody>
+      </p:sp>
+      <p:cxnSp>
+        <p:nvCxnSpPr>
+          <p:cNvPr id="23" name="直線矢印コネクタ 12">
+            <a:extLst>
+              <a:ext uri="{FF2B5EF4-FFF2-40B4-BE49-F238E27FC236}">
+                <a16:creationId xmlns:a16="http://schemas.microsoft.com/office/drawing/2014/main" id="{41D393EC-3761-CF57-1C8C-728CCB292D8B}"/>
+              </a:ext>
+            </a:extLst>
+          </p:cNvPr>
+          <p:cNvCxnSpPr>
+            <a:cxnSpLocks/>
+            <a:stCxn id="2" idx="3"/>
+            <a:endCxn id="4" idx="1"/>
+          </p:cNvCxnSpPr>
+          <p:nvPr/>
+        </p:nvCxnSpPr>
+        <p:spPr>
+          <a:xfrm flipV="1">
+            <a:off x="5059079" y="4409557"/>
+            <a:ext cx="769031" cy="515815"/>
+          </a:xfrm>
+          <a:prstGeom prst="straightConnector1">
+            <a:avLst/>
+          </a:prstGeom>
+          <a:ln w="19050">
+            <a:solidFill>
+              <a:schemeClr val="tx1"/>
+            </a:solidFill>
+            <a:tailEnd type="triangle"/>
+          </a:ln>
+        </p:spPr>
+        <p:style>
+          <a:lnRef idx="1">
+            <a:schemeClr val="accent1"/>
+          </a:lnRef>
+          <a:fillRef idx="0">
+            <a:schemeClr val="accent1"/>
+          </a:fillRef>
+          <a:effectRef idx="0">
+            <a:schemeClr val="accent1"/>
+          </a:effectRef>
+          <a:fontRef idx="minor">
+            <a:schemeClr val="tx1"/>
+          </a:fontRef>
+        </p:style>
+      </p:cxnSp>
+      <p:cxnSp>
+        <p:nvCxnSpPr>
+          <p:cNvPr id="24" name="直線矢印コネクタ 16">
+            <a:extLst>
+              <a:ext uri="{FF2B5EF4-FFF2-40B4-BE49-F238E27FC236}">
+                <a16:creationId xmlns:a16="http://schemas.microsoft.com/office/drawing/2014/main" id="{EE396005-8CE3-BEB9-7122-E35729DB1012}"/>
+              </a:ext>
+            </a:extLst>
+          </p:cNvPr>
+          <p:cNvCxnSpPr>
+            <a:cxnSpLocks/>
+            <a:stCxn id="4" idx="3"/>
+            <a:endCxn id="35" idx="1"/>
+          </p:cNvCxnSpPr>
+          <p:nvPr/>
+        </p:nvCxnSpPr>
+        <p:spPr>
+          <a:xfrm>
+            <a:off x="6685946" y="4409557"/>
+            <a:ext cx="975289" cy="531353"/>
+          </a:xfrm>
+          <a:prstGeom prst="straightConnector1">
+            <a:avLst/>
+          </a:prstGeom>
+          <a:ln w="19050">
+            <a:solidFill>
+              <a:schemeClr val="tx1"/>
+            </a:solidFill>
+            <a:tailEnd type="triangle"/>
+          </a:ln>
+        </p:spPr>
+        <p:style>
+          <a:lnRef idx="1">
+            <a:schemeClr val="accent1"/>
+          </a:lnRef>
+          <a:fillRef idx="0">
+            <a:schemeClr val="accent1"/>
+          </a:fillRef>
+          <a:effectRef idx="0">
+            <a:schemeClr val="accent1"/>
+          </a:effectRef>
+          <a:fontRef idx="minor">
+            <a:schemeClr val="tx1"/>
+          </a:fontRef>
+        </p:style>
+      </p:cxnSp>
+      <p:sp>
+        <p:nvSpPr>
+          <p:cNvPr id="25" name="正方形/長方形 34">
+            <a:extLst>
+              <a:ext uri="{FF2B5EF4-FFF2-40B4-BE49-F238E27FC236}">
+                <a16:creationId xmlns:a16="http://schemas.microsoft.com/office/drawing/2014/main" id="{63CD1897-B188-54AE-3D04-98E47A5C38F6}"/>
+              </a:ext>
+            </a:extLst>
+          </p:cNvPr>
+          <p:cNvSpPr/>
+          <p:nvPr/>
+        </p:nvSpPr>
+        <p:spPr>
+          <a:xfrm>
+            <a:off x="5828110" y="5232516"/>
+            <a:ext cx="857836" cy="614289"/>
+          </a:xfrm>
+          <a:prstGeom prst="rect">
+            <a:avLst/>
+          </a:prstGeom>
+          <a:ln>
+            <a:solidFill>
+              <a:schemeClr val="tx1"/>
+            </a:solidFill>
+          </a:ln>
+        </p:spPr>
+        <p:style>
+          <a:lnRef idx="2">
+            <a:schemeClr val="accent6"/>
+          </a:lnRef>
+          <a:fillRef idx="1">
+            <a:schemeClr val="lt1"/>
+          </a:fillRef>
+          <a:effectRef idx="0">
+            <a:schemeClr val="accent6"/>
+          </a:effectRef>
+          <a:fontRef idx="minor">
+            <a:schemeClr val="dk1"/>
+          </a:fontRef>
+        </p:style>
+        <p:txBody>
+          <a:bodyPr rtlCol="0" anchor="ctr"/>
+          <a:lstStyle/>
+          <a:p>
+            <a:pPr algn="ctr"/>
+            <a:r>
+              <a:rPr lang="en-GB" dirty="0">
+                <a:latin typeface="Times New Roman" panose="02020603050405020304" pitchFamily="18" charset="0"/>
+                <a:cs typeface="Times New Roman" panose="02020603050405020304" pitchFamily="18" charset="0"/>
+              </a:rPr>
+              <a:t>I</a:t>
+            </a:r>
+            <a:r>
+              <a:rPr lang="en-GB" baseline="-25000" dirty="0">
+                <a:latin typeface="Times New Roman" panose="02020603050405020304" pitchFamily="18" charset="0"/>
+                <a:cs typeface="Times New Roman" panose="02020603050405020304" pitchFamily="18" charset="0"/>
+              </a:rPr>
+              <a:t>AFP, </a:t>
+            </a:r>
+            <a:r>
+              <a:rPr lang="en-GB" baseline="-25000" dirty="0" err="1">
+                <a:latin typeface="Times New Roman" panose="02020603050405020304" pitchFamily="18" charset="0"/>
+                <a:cs typeface="Times New Roman" panose="02020603050405020304" pitchFamily="18" charset="0"/>
+              </a:rPr>
+              <a:t>i</a:t>
+            </a:r>
+            <a:endParaRPr lang="en-GB" baseline="-25000" dirty="0">
+              <a:latin typeface="Times New Roman" panose="02020603050405020304" pitchFamily="18" charset="0"/>
+              <a:cs typeface="Times New Roman" panose="02020603050405020304" pitchFamily="18" charset="0"/>
+            </a:endParaRPr>
+          </a:p>
+        </p:txBody>
+      </p:sp>
+      <p:cxnSp>
+        <p:nvCxnSpPr>
+          <p:cNvPr id="26" name="直線矢印コネクタ 35">
+            <a:extLst>
+              <a:ext uri="{FF2B5EF4-FFF2-40B4-BE49-F238E27FC236}">
+                <a16:creationId xmlns:a16="http://schemas.microsoft.com/office/drawing/2014/main" id="{25DA6A36-034D-E8BF-4CAF-B4C97C6312C5}"/>
+              </a:ext>
+            </a:extLst>
+          </p:cNvPr>
+          <p:cNvCxnSpPr>
+            <a:cxnSpLocks/>
+            <a:stCxn id="2" idx="3"/>
+            <a:endCxn id="25" idx="1"/>
+          </p:cNvCxnSpPr>
+          <p:nvPr/>
+        </p:nvCxnSpPr>
+        <p:spPr>
+          <a:xfrm>
+            <a:off x="5059079" y="4925372"/>
+            <a:ext cx="769031" cy="614289"/>
+          </a:xfrm>
+          <a:prstGeom prst="straightConnector1">
+            <a:avLst/>
+          </a:prstGeom>
+          <a:ln w="19050">
+            <a:solidFill>
+              <a:schemeClr val="tx1"/>
+            </a:solidFill>
+            <a:tailEnd type="triangle"/>
+          </a:ln>
+        </p:spPr>
+        <p:style>
+          <a:lnRef idx="1">
+            <a:schemeClr val="accent1"/>
+          </a:lnRef>
+          <a:fillRef idx="0">
+            <a:schemeClr val="accent1"/>
+          </a:fillRef>
+          <a:effectRef idx="0">
+            <a:schemeClr val="accent1"/>
+          </a:effectRef>
+          <a:fontRef idx="minor">
+            <a:schemeClr val="tx1"/>
+          </a:fontRef>
+        </p:style>
+      </p:cxnSp>
+      <p:cxnSp>
+        <p:nvCxnSpPr>
+          <p:cNvPr id="28" name="直線矢印コネクタ 40">
+            <a:extLst>
+              <a:ext uri="{FF2B5EF4-FFF2-40B4-BE49-F238E27FC236}">
+                <a16:creationId xmlns:a16="http://schemas.microsoft.com/office/drawing/2014/main" id="{60DB557B-D7E2-53EA-B076-4A2D79BE2962}"/>
+              </a:ext>
+            </a:extLst>
+          </p:cNvPr>
+          <p:cNvCxnSpPr>
+            <a:cxnSpLocks/>
+            <a:stCxn id="25" idx="3"/>
+            <a:endCxn id="35" idx="1"/>
+          </p:cNvCxnSpPr>
+          <p:nvPr/>
+        </p:nvCxnSpPr>
+        <p:spPr>
+          <a:xfrm flipV="1">
+            <a:off x="6685946" y="4940910"/>
+            <a:ext cx="975289" cy="598751"/>
+          </a:xfrm>
+          <a:prstGeom prst="straightConnector1">
+            <a:avLst/>
+          </a:prstGeom>
+          <a:ln w="19050">
+            <a:solidFill>
+              <a:schemeClr val="tx1"/>
+            </a:solidFill>
+            <a:tailEnd type="triangle"/>
+          </a:ln>
+        </p:spPr>
+        <p:style>
+          <a:lnRef idx="1">
+            <a:schemeClr val="accent1"/>
+          </a:lnRef>
+          <a:fillRef idx="0">
+            <a:schemeClr val="accent1"/>
+          </a:fillRef>
+          <a:effectRef idx="0">
+            <a:schemeClr val="accent1"/>
+          </a:effectRef>
+          <a:fontRef idx="minor">
+            <a:schemeClr val="tx1"/>
+          </a:fontRef>
+        </p:style>
+      </p:cxnSp>
+      <p:sp>
+        <p:nvSpPr>
+          <p:cNvPr id="29" name="テキスト ボックス 18">
+            <a:extLst>
+              <a:ext uri="{FF2B5EF4-FFF2-40B4-BE49-F238E27FC236}">
+                <a16:creationId xmlns:a16="http://schemas.microsoft.com/office/drawing/2014/main" id="{432612DF-A503-BC63-B698-6B20BCA25C18}"/>
+              </a:ext>
+            </a:extLst>
+          </p:cNvPr>
+          <p:cNvSpPr txBox="1"/>
+          <p:nvPr/>
+        </p:nvSpPr>
+        <p:spPr>
+          <a:xfrm>
+            <a:off x="4795866" y="3770456"/>
+            <a:ext cx="1259280" cy="369332"/>
+          </a:xfrm>
+          <a:prstGeom prst="rect">
+            <a:avLst/>
+          </a:prstGeom>
+          <a:noFill/>
+        </p:spPr>
+        <p:txBody>
+          <a:bodyPr wrap="square" rtlCol="0">
+            <a:spAutoFit/>
+          </a:bodyPr>
+          <a:lstStyle/>
+          <a:p>
+            <a:r>
+              <a:rPr lang="en-US" altLang="ja-JP" dirty="0"/>
+              <a:t>(1-p</a:t>
+            </a:r>
+            <a:r>
+              <a:rPr lang="en-US" altLang="ja-JP" baseline="-25000" dirty="0"/>
+              <a:t>AFP</a:t>
+            </a:r>
+            <a:r>
+              <a:rPr lang="en-US" altLang="ja-JP" dirty="0"/>
+              <a:t>)</a:t>
+            </a:r>
+            <a:r>
+              <a:rPr lang="el-GR" altLang="ja-JP" dirty="0"/>
+              <a:t>γ</a:t>
+            </a:r>
+            <a:r>
+              <a:rPr lang="en-US" altLang="ja-JP" baseline="-25000" dirty="0"/>
               <a:t>1</a:t>
+            </a:r>
+            <a:endParaRPr lang="en-GB" baseline="-25000" dirty="0"/>
+          </a:p>
+        </p:txBody>
+      </p:sp>
+      <p:sp>
+        <p:nvSpPr>
+          <p:cNvPr id="33" name="テキスト ボックス 20">
+            <a:extLst>
+              <a:ext uri="{FF2B5EF4-FFF2-40B4-BE49-F238E27FC236}">
+                <a16:creationId xmlns:a16="http://schemas.microsoft.com/office/drawing/2014/main" id="{A86E5A6E-65CA-5B41-13FA-7530B43CB837}"/>
+              </a:ext>
+            </a:extLst>
+          </p:cNvPr>
+          <p:cNvSpPr txBox="1"/>
+          <p:nvPr/>
+        </p:nvSpPr>
+        <p:spPr>
+          <a:xfrm>
+            <a:off x="6841422" y="4038346"/>
+            <a:ext cx="546884" cy="371209"/>
+          </a:xfrm>
+          <a:prstGeom prst="rect">
+            <a:avLst/>
+          </a:prstGeom>
+          <a:noFill/>
+        </p:spPr>
+        <p:txBody>
+          <a:bodyPr wrap="square" rtlCol="0">
+            <a:spAutoFit/>
+          </a:bodyPr>
+          <a:lstStyle/>
+          <a:p>
+            <a:r>
+              <a:rPr lang="el-GR" altLang="ja-JP" dirty="0"/>
+              <a:t>γ</a:t>
+            </a:r>
+            <a:r>
+              <a:rPr lang="en-US" altLang="ja-JP" baseline="-25000" dirty="0"/>
+              <a:t>2</a:t>
+            </a:r>
+            <a:endParaRPr lang="en-GB" baseline="-25000" dirty="0"/>
+          </a:p>
+        </p:txBody>
+      </p:sp>
+      <p:sp>
+        <p:nvSpPr>
+          <p:cNvPr id="34" name="テキスト ボックス 21">
+            <a:extLst>
+              <a:ext uri="{FF2B5EF4-FFF2-40B4-BE49-F238E27FC236}">
+                <a16:creationId xmlns:a16="http://schemas.microsoft.com/office/drawing/2014/main" id="{6560A13E-3F67-1022-1E05-551EFB4387A6}"/>
+              </a:ext>
+            </a:extLst>
+          </p:cNvPr>
+          <p:cNvSpPr txBox="1"/>
+          <p:nvPr/>
+        </p:nvSpPr>
+        <p:spPr>
+          <a:xfrm>
+            <a:off x="6929752" y="5322024"/>
+            <a:ext cx="525225" cy="371209"/>
+          </a:xfrm>
+          <a:prstGeom prst="rect">
+            <a:avLst/>
+          </a:prstGeom>
+          <a:noFill/>
+        </p:spPr>
+        <p:txBody>
+          <a:bodyPr wrap="square" rtlCol="0">
+            <a:spAutoFit/>
+          </a:bodyPr>
+          <a:lstStyle/>
+          <a:p>
+            <a:r>
+              <a:rPr lang="el-GR" altLang="ja-JP" dirty="0"/>
+              <a:t>γ</a:t>
+            </a:r>
+            <a:r>
+              <a:rPr lang="en-US" altLang="ja-JP" baseline="-25000" dirty="0"/>
+              <a:t>3</a:t>
+            </a:r>
+            <a:endParaRPr lang="en-GB" baseline="-25000" dirty="0"/>
+          </a:p>
+        </p:txBody>
+      </p:sp>
+      <p:sp>
+        <p:nvSpPr>
+          <p:cNvPr id="35" name="正方形/長方形 7">
+            <a:extLst>
+              <a:ext uri="{FF2B5EF4-FFF2-40B4-BE49-F238E27FC236}">
+                <a16:creationId xmlns:a16="http://schemas.microsoft.com/office/drawing/2014/main" id="{4F23303B-AB02-BE10-4967-958D414989CA}"/>
+              </a:ext>
+            </a:extLst>
+          </p:cNvPr>
+          <p:cNvSpPr/>
+          <p:nvPr/>
+        </p:nvSpPr>
+        <p:spPr>
+          <a:xfrm>
+            <a:off x="7661235" y="4653622"/>
+            <a:ext cx="857836" cy="574575"/>
+          </a:xfrm>
+          <a:prstGeom prst="rect">
+            <a:avLst/>
+          </a:prstGeom>
+          <a:ln>
+            <a:solidFill>
+              <a:schemeClr val="tx1"/>
+            </a:solidFill>
+          </a:ln>
+        </p:spPr>
+        <p:style>
+          <a:lnRef idx="2">
+            <a:schemeClr val="accent6"/>
+          </a:lnRef>
+          <a:fillRef idx="1">
+            <a:schemeClr val="lt1"/>
+          </a:fillRef>
+          <a:effectRef idx="0">
+            <a:schemeClr val="accent6"/>
+          </a:effectRef>
+          <a:fontRef idx="minor">
+            <a:schemeClr val="dk1"/>
+          </a:fontRef>
+        </p:style>
+        <p:txBody>
+          <a:bodyPr rtlCol="0" anchor="ctr"/>
+          <a:lstStyle/>
+          <a:p>
+            <a:pPr algn="ctr"/>
+            <a:r>
+              <a:rPr lang="en-GB" dirty="0">
+                <a:latin typeface="Times New Roman" panose="02020603050405020304" pitchFamily="18" charset="0"/>
+                <a:cs typeface="Times New Roman" panose="02020603050405020304" pitchFamily="18" charset="0"/>
+              </a:rPr>
+              <a:t>R</a:t>
+            </a:r>
+            <a:r>
+              <a:rPr lang="en-GB" baseline="-25000" dirty="0">
+                <a:latin typeface="Times New Roman" panose="02020603050405020304" pitchFamily="18" charset="0"/>
+                <a:cs typeface="Times New Roman" panose="02020603050405020304" pitchFamily="18" charset="0"/>
+              </a:rPr>
+              <a:t>i</a:t>
+            </a:r>
+          </a:p>
+        </p:txBody>
+      </p:sp>
+      <p:sp>
+        <p:nvSpPr>
+          <p:cNvPr id="36" name="テキスト ボックス 18">
+            <a:extLst>
+              <a:ext uri="{FF2B5EF4-FFF2-40B4-BE49-F238E27FC236}">
+                <a16:creationId xmlns:a16="http://schemas.microsoft.com/office/drawing/2014/main" id="{5EEBD51E-0502-DA33-5025-7BEA9A2DB9CC}"/>
+              </a:ext>
+            </a:extLst>
+          </p:cNvPr>
+          <p:cNvSpPr txBox="1"/>
+          <p:nvPr/>
+        </p:nvSpPr>
+        <p:spPr>
+          <a:xfrm>
+            <a:off x="4710316" y="5307267"/>
+            <a:ext cx="1259280" cy="369332"/>
+          </a:xfrm>
+          <a:prstGeom prst="rect">
+            <a:avLst/>
+          </a:prstGeom>
+          <a:noFill/>
+        </p:spPr>
+        <p:txBody>
+          <a:bodyPr wrap="square" rtlCol="0">
+            <a:spAutoFit/>
+          </a:bodyPr>
+          <a:lstStyle/>
+          <a:p>
+            <a:r>
+              <a:rPr lang="en-US" altLang="ja-JP" dirty="0" err="1"/>
+              <a:t>p</a:t>
+            </a:r>
+            <a:r>
+              <a:rPr lang="en-US" altLang="ja-JP" baseline="-25000" dirty="0" err="1"/>
+              <a:t>AFP</a:t>
+            </a:r>
+            <a:r>
+              <a:rPr lang="el-GR" altLang="ja-JP" dirty="0"/>
+              <a:t>γ</a:t>
+            </a:r>
+            <a:r>
+              <a:rPr lang="en-US" altLang="ja-JP" baseline="-25000" dirty="0"/>
+              <a:t>1</a:t>
+            </a:r>
+            <a:endParaRPr lang="en-GB" baseline="-25000" dirty="0"/>
+          </a:p>
+        </p:txBody>
+      </p:sp>
+      <p:sp>
+        <p:nvSpPr>
+          <p:cNvPr id="40" name="TextBox 39">
+            <a:extLst>
+              <a:ext uri="{FF2B5EF4-FFF2-40B4-BE49-F238E27FC236}">
+                <a16:creationId xmlns:a16="http://schemas.microsoft.com/office/drawing/2014/main" id="{FF1660B4-4C74-5522-38BC-BD750A3B027B}"/>
+              </a:ext>
+            </a:extLst>
+          </p:cNvPr>
+          <p:cNvSpPr txBox="1"/>
+          <p:nvPr/>
+        </p:nvSpPr>
+        <p:spPr>
+          <a:xfrm>
+            <a:off x="6685946" y="3574661"/>
+            <a:ext cx="337931" cy="369332"/>
+          </a:xfrm>
+          <a:prstGeom prst="rect">
+            <a:avLst/>
+          </a:prstGeom>
+          <a:noFill/>
+        </p:spPr>
+        <p:txBody>
+          <a:bodyPr wrap="square" rtlCol="0">
+            <a:spAutoFit/>
+          </a:bodyPr>
+          <a:lstStyle/>
+          <a:p>
+            <a:r>
+              <a:rPr lang="en-US" altLang="ja-JP" dirty="0"/>
+              <a:t>μ</a:t>
+            </a:r>
+            <a:endParaRPr lang="en-GB" dirty="0"/>
+          </a:p>
+        </p:txBody>
+      </p:sp>
+      <p:cxnSp>
+        <p:nvCxnSpPr>
+          <p:cNvPr id="41" name="直線矢印コネクタ 8">
+            <a:extLst>
+              <a:ext uri="{FF2B5EF4-FFF2-40B4-BE49-F238E27FC236}">
+                <a16:creationId xmlns:a16="http://schemas.microsoft.com/office/drawing/2014/main" id="{12BE8D6C-8E6C-7B06-33AC-2E90D052D60B}"/>
+              </a:ext>
+            </a:extLst>
+          </p:cNvPr>
+          <p:cNvCxnSpPr>
+            <a:cxnSpLocks/>
+            <a:stCxn id="4" idx="0"/>
+            <a:endCxn id="40" idx="1"/>
+          </p:cNvCxnSpPr>
+          <p:nvPr/>
+        </p:nvCxnSpPr>
+        <p:spPr>
+          <a:xfrm flipV="1">
+            <a:off x="6257028" y="3801552"/>
+            <a:ext cx="428918" cy="300860"/>
+          </a:xfrm>
+          <a:prstGeom prst="straightConnector1">
+            <a:avLst/>
+          </a:prstGeom>
+          <a:ln w="19050">
+            <a:solidFill>
+              <a:schemeClr val="tx1"/>
+            </a:solidFill>
+            <a:tailEnd type="triangle"/>
+          </a:ln>
+        </p:spPr>
+        <p:style>
+          <a:lnRef idx="1">
+            <a:schemeClr val="accent1"/>
+          </a:lnRef>
+          <a:fillRef idx="0">
+            <a:schemeClr val="accent1"/>
+          </a:fillRef>
+          <a:effectRef idx="0">
+            <a:schemeClr val="accent1"/>
+          </a:effectRef>
+          <a:fontRef idx="minor">
+            <a:schemeClr val="tx1"/>
+          </a:fontRef>
+        </p:style>
+      </p:cxnSp>
+      <p:sp>
+        <p:nvSpPr>
+          <p:cNvPr id="42" name="TextBox 41">
+            <a:extLst>
+              <a:ext uri="{FF2B5EF4-FFF2-40B4-BE49-F238E27FC236}">
+                <a16:creationId xmlns:a16="http://schemas.microsoft.com/office/drawing/2014/main" id="{E36725D1-6429-FD1B-C1D3-696C95A895FD}"/>
+              </a:ext>
+            </a:extLst>
+          </p:cNvPr>
+          <p:cNvSpPr txBox="1"/>
+          <p:nvPr/>
+        </p:nvSpPr>
+        <p:spPr>
+          <a:xfrm>
+            <a:off x="8427997" y="4196415"/>
+            <a:ext cx="337931" cy="369332"/>
+          </a:xfrm>
+          <a:prstGeom prst="rect">
+            <a:avLst/>
+          </a:prstGeom>
+          <a:noFill/>
+        </p:spPr>
+        <p:txBody>
+          <a:bodyPr wrap="square" rtlCol="0">
+            <a:spAutoFit/>
+          </a:bodyPr>
+          <a:lstStyle/>
+          <a:p>
+            <a:r>
+              <a:rPr lang="en-US" altLang="ja-JP" dirty="0"/>
+              <a:t>μ</a:t>
+            </a:r>
+            <a:endParaRPr lang="en-GB" dirty="0"/>
+          </a:p>
+        </p:txBody>
+      </p:sp>
+      <p:cxnSp>
+        <p:nvCxnSpPr>
+          <p:cNvPr id="45" name="直線矢印コネクタ 8">
+            <a:extLst>
+              <a:ext uri="{FF2B5EF4-FFF2-40B4-BE49-F238E27FC236}">
+                <a16:creationId xmlns:a16="http://schemas.microsoft.com/office/drawing/2014/main" id="{20D5CBAC-2F1F-5487-DDF9-76059B30618F}"/>
+              </a:ext>
+            </a:extLst>
+          </p:cNvPr>
+          <p:cNvCxnSpPr>
+            <a:cxnSpLocks/>
+            <a:stCxn id="35" idx="0"/>
+            <a:endCxn id="42" idx="1"/>
+          </p:cNvCxnSpPr>
+          <p:nvPr/>
+        </p:nvCxnSpPr>
+        <p:spPr>
+          <a:xfrm flipV="1">
+            <a:off x="8090153" y="4381081"/>
+            <a:ext cx="337844" cy="272541"/>
+          </a:xfrm>
+          <a:prstGeom prst="straightConnector1">
+            <a:avLst/>
+          </a:prstGeom>
+          <a:ln w="19050">
+            <a:solidFill>
+              <a:schemeClr val="tx1"/>
+            </a:solidFill>
+            <a:tailEnd type="triangle"/>
+          </a:ln>
+        </p:spPr>
+        <p:style>
+          <a:lnRef idx="1">
+            <a:schemeClr val="accent1"/>
+          </a:lnRef>
+          <a:fillRef idx="0">
+            <a:schemeClr val="accent1"/>
+          </a:fillRef>
+          <a:effectRef idx="0">
+            <a:schemeClr val="accent1"/>
+          </a:effectRef>
+          <a:fontRef idx="minor">
+            <a:schemeClr val="tx1"/>
+          </a:fontRef>
+        </p:style>
+      </p:cxnSp>
+      <p:sp>
+        <p:nvSpPr>
+          <p:cNvPr id="46" name="TextBox 45">
+            <a:extLst>
+              <a:ext uri="{FF2B5EF4-FFF2-40B4-BE49-F238E27FC236}">
+                <a16:creationId xmlns:a16="http://schemas.microsoft.com/office/drawing/2014/main" id="{1A29FABD-8B7E-EEC4-3482-127A52CB211F}"/>
+              </a:ext>
+            </a:extLst>
+          </p:cNvPr>
+          <p:cNvSpPr txBox="1"/>
+          <p:nvPr/>
+        </p:nvSpPr>
+        <p:spPr>
+          <a:xfrm>
+            <a:off x="4313643" y="5477473"/>
+            <a:ext cx="364429" cy="369332"/>
+          </a:xfrm>
+          <a:prstGeom prst="rect">
+            <a:avLst/>
+          </a:prstGeom>
+          <a:noFill/>
+        </p:spPr>
+        <p:txBody>
+          <a:bodyPr wrap="square" rtlCol="0">
+            <a:spAutoFit/>
+          </a:bodyPr>
+          <a:lstStyle/>
+          <a:p>
+            <a:r>
+              <a:rPr lang="en-US" altLang="ja-JP" dirty="0"/>
+              <a:t>μ</a:t>
+            </a:r>
+            <a:endParaRPr lang="en-GB" dirty="0"/>
+          </a:p>
+        </p:txBody>
+      </p:sp>
+      <p:cxnSp>
+        <p:nvCxnSpPr>
+          <p:cNvPr id="49" name="直線矢印コネクタ 8">
+            <a:extLst>
+              <a:ext uri="{FF2B5EF4-FFF2-40B4-BE49-F238E27FC236}">
+                <a16:creationId xmlns:a16="http://schemas.microsoft.com/office/drawing/2014/main" id="{2259275A-D524-FF0C-7322-17E226AA272F}"/>
+              </a:ext>
+            </a:extLst>
+          </p:cNvPr>
+          <p:cNvCxnSpPr>
+            <a:cxnSpLocks/>
+            <a:stCxn id="2" idx="2"/>
+          </p:cNvCxnSpPr>
+          <p:nvPr/>
+        </p:nvCxnSpPr>
+        <p:spPr>
+          <a:xfrm flipH="1">
+            <a:off x="4379854" y="5232516"/>
+            <a:ext cx="250307" cy="307144"/>
+          </a:xfrm>
+          <a:prstGeom prst="straightConnector1">
+            <a:avLst/>
+          </a:prstGeom>
+          <a:ln w="19050">
+            <a:solidFill>
+              <a:schemeClr val="tx1"/>
+            </a:solidFill>
+            <a:tailEnd type="triangle"/>
+          </a:ln>
+        </p:spPr>
+        <p:style>
+          <a:lnRef idx="1">
+            <a:schemeClr val="accent1"/>
+          </a:lnRef>
+          <a:fillRef idx="0">
+            <a:schemeClr val="accent1"/>
+          </a:fillRef>
+          <a:effectRef idx="0">
+            <a:schemeClr val="accent1"/>
+          </a:effectRef>
+          <a:fontRef idx="minor">
+            <a:schemeClr val="tx1"/>
+          </a:fontRef>
+        </p:style>
+      </p:cxnSp>
+      <p:cxnSp>
+        <p:nvCxnSpPr>
+          <p:cNvPr id="50" name="直線矢印コネクタ 8">
+            <a:extLst>
+              <a:ext uri="{FF2B5EF4-FFF2-40B4-BE49-F238E27FC236}">
+                <a16:creationId xmlns:a16="http://schemas.microsoft.com/office/drawing/2014/main" id="{EA26847D-1F3C-EB33-B94D-EDE5DB64E90B}"/>
+              </a:ext>
+            </a:extLst>
+          </p:cNvPr>
+          <p:cNvCxnSpPr>
+            <a:cxnSpLocks/>
+            <a:stCxn id="25" idx="2"/>
+          </p:cNvCxnSpPr>
+          <p:nvPr/>
+        </p:nvCxnSpPr>
+        <p:spPr>
+          <a:xfrm flipH="1">
+            <a:off x="5952372" y="5846805"/>
+            <a:ext cx="304656" cy="286967"/>
+          </a:xfrm>
+          <a:prstGeom prst="straightConnector1">
+            <a:avLst/>
+          </a:prstGeom>
+          <a:ln w="19050">
+            <a:solidFill>
+              <a:schemeClr val="tx1"/>
+            </a:solidFill>
+            <a:tailEnd type="triangle"/>
+          </a:ln>
+        </p:spPr>
+        <p:style>
+          <a:lnRef idx="1">
+            <a:schemeClr val="accent1"/>
+          </a:lnRef>
+          <a:fillRef idx="0">
+            <a:schemeClr val="accent1"/>
+          </a:fillRef>
+          <a:effectRef idx="0">
+            <a:schemeClr val="accent1"/>
+          </a:effectRef>
+          <a:fontRef idx="minor">
+            <a:schemeClr val="tx1"/>
+          </a:fontRef>
+        </p:style>
+      </p:cxnSp>
+      <p:sp>
+        <p:nvSpPr>
+          <p:cNvPr id="51" name="TextBox 50">
+            <a:extLst>
+              <a:ext uri="{FF2B5EF4-FFF2-40B4-BE49-F238E27FC236}">
+                <a16:creationId xmlns:a16="http://schemas.microsoft.com/office/drawing/2014/main" id="{DD72F5F4-6359-887F-E8E3-22DC3F42353C}"/>
+              </a:ext>
+            </a:extLst>
+          </p:cNvPr>
+          <p:cNvSpPr txBox="1"/>
+          <p:nvPr/>
+        </p:nvSpPr>
+        <p:spPr>
+          <a:xfrm>
+            <a:off x="6086767" y="5934646"/>
+            <a:ext cx="364429" cy="369332"/>
+          </a:xfrm>
+          <a:prstGeom prst="rect">
+            <a:avLst/>
+          </a:prstGeom>
+          <a:noFill/>
+        </p:spPr>
+        <p:txBody>
+          <a:bodyPr wrap="square" rtlCol="0">
+            <a:spAutoFit/>
+          </a:bodyPr>
+          <a:lstStyle/>
+          <a:p>
+            <a:r>
+              <a:rPr lang="en-US" altLang="ja-JP" dirty="0"/>
+              <a:t>μ</a:t>
             </a:r>
             <a:endParaRPr lang="en-GB" dirty="0"/>
           </a:p>
@@ -5172,7 +8085,7 @@
     </p:spTree>
     <p:extLst>
       <p:ext uri="{BB962C8B-B14F-4D97-AF65-F5344CB8AC3E}">
-        <p14:creationId xmlns:p14="http://schemas.microsoft.com/office/powerpoint/2010/main" val="2967361661"/>
+        <p14:creationId xmlns:p14="http://schemas.microsoft.com/office/powerpoint/2010/main" val="696113238"/>
       </p:ext>
     </p:extLst>
   </p:cSld>
@@ -5213,7 +8126,7 @@
         </p:nvSpPr>
         <p:spPr>
           <a:xfrm>
-            <a:off x="825590" y="928983"/>
+            <a:off x="751257" y="749405"/>
             <a:ext cx="2925788" cy="400110"/>
           </a:xfrm>
           <a:prstGeom prst="rect">
@@ -5289,6 +8202,13 @@
               </a:rPr>
               <a:t>S</a:t>
             </a:r>
+            <a:r>
+              <a:rPr lang="en-GB" baseline="-25000" dirty="0">
+                <a:latin typeface="Times New Roman" panose="02020603050405020304" pitchFamily="18" charset="0"/>
+                <a:cs typeface="Times New Roman" panose="02020603050405020304" pitchFamily="18" charset="0"/>
+              </a:rPr>
+              <a:t>i</a:t>
+            </a:r>
           </a:p>
         </p:txBody>
       </p:sp>
@@ -5344,6 +8264,13 @@
               </a:rPr>
               <a:t>E</a:t>
             </a:r>
+            <a:r>
+              <a:rPr lang="en-GB" baseline="-25000" dirty="0">
+                <a:latin typeface="Times New Roman" panose="02020603050405020304" pitchFamily="18" charset="0"/>
+                <a:cs typeface="Times New Roman" panose="02020603050405020304" pitchFamily="18" charset="0"/>
+              </a:rPr>
+              <a:t>i</a:t>
+            </a:r>
           </a:p>
         </p:txBody>
       </p:sp>
@@ -5397,9 +8324,16 @@
                 <a:latin typeface="Times New Roman" panose="02020603050405020304" pitchFamily="18" charset="0"/>
                 <a:cs typeface="Times New Roman" panose="02020603050405020304" pitchFamily="18" charset="0"/>
               </a:rPr>
-              <a:t>Ia</a:t>
-            </a:r>
-            <a:endParaRPr lang="en-GB" dirty="0">
+              <a:t>I</a:t>
+            </a:r>
+            <a:r>
+              <a:rPr lang="en-GB" baseline="-25000" dirty="0" err="1">
+                <a:latin typeface="Times New Roman" panose="02020603050405020304" pitchFamily="18" charset="0"/>
+                <a:cs typeface="Times New Roman" panose="02020603050405020304" pitchFamily="18" charset="0"/>
+              </a:rPr>
+              <a:t>a,i</a:t>
+            </a:r>
+            <a:endParaRPr lang="en-GB" baseline="-25000" dirty="0">
               <a:latin typeface="Times New Roman" panose="02020603050405020304" pitchFamily="18" charset="0"/>
               <a:cs typeface="Times New Roman" panose="02020603050405020304" pitchFamily="18" charset="0"/>
             </a:endParaRPr>
@@ -5510,14 +8444,14 @@
           <p:cNvCxnSpPr>
             <a:cxnSpLocks/>
             <a:stCxn id="7" idx="3"/>
-            <a:endCxn id="46" idx="1"/>
+            <a:endCxn id="3" idx="1"/>
           </p:cNvCxnSpPr>
           <p:nvPr/>
         </p:nvCxnSpPr>
         <p:spPr>
-          <a:xfrm flipV="1">
-            <a:off x="4749600" y="1386928"/>
-            <a:ext cx="549293" cy="17"/>
+          <a:xfrm>
+            <a:off x="4749600" y="1386945"/>
+            <a:ext cx="975289" cy="531353"/>
           </a:xfrm>
           <a:prstGeom prst="straightConnector1">
             <a:avLst/>
@@ -5597,11 +8531,18 @@
               <a:t>I</a:t>
             </a:r>
             <a:r>
-              <a:rPr lang="en-GB" sz="2000" baseline="-25000" dirty="0">
+              <a:rPr lang="en-GB" baseline="-25000" dirty="0">
                 <a:latin typeface="Times New Roman" panose="02020603050405020304" pitchFamily="18" charset="0"/>
                 <a:cs typeface="Times New Roman" panose="02020603050405020304" pitchFamily="18" charset="0"/>
               </a:rPr>
-              <a:t>AFP</a:t>
+              <a:t>AFP, </a:t>
+            </a:r>
+            <a:r>
+              <a:rPr lang="en-GB" baseline="-25000" dirty="0" err="1">
+                <a:latin typeface="Times New Roman" panose="02020603050405020304" pitchFamily="18" charset="0"/>
+                <a:cs typeface="Times New Roman" panose="02020603050405020304" pitchFamily="18" charset="0"/>
+              </a:rPr>
+              <a:t>i</a:t>
             </a:r>
             <a:endParaRPr lang="en-GB" baseline="-25000" dirty="0">
               <a:latin typeface="Times New Roman" panose="02020603050405020304" pitchFamily="18" charset="0"/>
@@ -5668,14 +8609,14 @@
           <p:cNvCxnSpPr>
             <a:cxnSpLocks/>
             <a:stCxn id="35" idx="3"/>
-            <a:endCxn id="12" idx="1"/>
+            <a:endCxn id="3" idx="1"/>
           </p:cNvCxnSpPr>
           <p:nvPr/>
         </p:nvCxnSpPr>
         <p:spPr>
           <a:xfrm flipV="1">
-            <a:off x="4749600" y="2517048"/>
-            <a:ext cx="917482" cy="1"/>
+            <a:off x="4749600" y="1918298"/>
+            <a:ext cx="975289" cy="598751"/>
           </a:xfrm>
           <a:prstGeom prst="straightConnector1">
             <a:avLst/>
@@ -5704,10 +8645,142 @@
       </p:cxnSp>
       <p:sp>
         <p:nvSpPr>
-          <p:cNvPr id="12" name="正方形/長方形 11">
-            <a:extLst>
-              <a:ext uri="{FF2B5EF4-FFF2-40B4-BE49-F238E27FC236}">
-                <a16:creationId xmlns:a16="http://schemas.microsoft.com/office/drawing/2014/main" id="{6A1B3995-1E73-B21C-8AA4-8602BF14562D}"/>
+          <p:cNvPr id="19" name="テキスト ボックス 18">
+            <a:extLst>
+              <a:ext uri="{FF2B5EF4-FFF2-40B4-BE49-F238E27FC236}">
+                <a16:creationId xmlns:a16="http://schemas.microsoft.com/office/drawing/2014/main" id="{0BE1140A-DC93-A89B-F351-DCF375DDF165}"/>
+              </a:ext>
+            </a:extLst>
+          </p:cNvPr>
+          <p:cNvSpPr txBox="1"/>
+          <p:nvPr/>
+        </p:nvSpPr>
+        <p:spPr>
+          <a:xfrm>
+            <a:off x="2711670" y="1062621"/>
+            <a:ext cx="1259280" cy="369332"/>
+          </a:xfrm>
+          <a:prstGeom prst="rect">
+            <a:avLst/>
+          </a:prstGeom>
+          <a:noFill/>
+        </p:spPr>
+        <p:txBody>
+          <a:bodyPr wrap="square" rtlCol="0">
+            <a:spAutoFit/>
+          </a:bodyPr>
+          <a:lstStyle/>
+          <a:p>
+            <a:r>
+              <a:rPr lang="en-US" altLang="ja-JP" dirty="0"/>
+              <a:t>(1-p</a:t>
+            </a:r>
+            <a:r>
+              <a:rPr lang="en-US" altLang="ja-JP" baseline="-25000" dirty="0"/>
+              <a:t>AFP</a:t>
+            </a:r>
+            <a:r>
+              <a:rPr lang="en-US" altLang="ja-JP" dirty="0"/>
+              <a:t>)</a:t>
+            </a:r>
+            <a:r>
+              <a:rPr lang="el-GR" altLang="ja-JP" dirty="0"/>
+              <a:t>γ</a:t>
+            </a:r>
+            <a:r>
+              <a:rPr lang="en-US" altLang="ja-JP" baseline="-25000" dirty="0"/>
+              <a:t>1</a:t>
+            </a:r>
+            <a:endParaRPr lang="en-GB" baseline="-25000" dirty="0"/>
+          </a:p>
+        </p:txBody>
+      </p:sp>
+      <p:sp>
+        <p:nvSpPr>
+          <p:cNvPr id="21" name="テキスト ボックス 20">
+            <a:extLst>
+              <a:ext uri="{FF2B5EF4-FFF2-40B4-BE49-F238E27FC236}">
+                <a16:creationId xmlns:a16="http://schemas.microsoft.com/office/drawing/2014/main" id="{47C084D1-B02E-D8FC-3C29-B8D8EFE2B96C}"/>
+              </a:ext>
+            </a:extLst>
+          </p:cNvPr>
+          <p:cNvSpPr txBox="1"/>
+          <p:nvPr/>
+        </p:nvSpPr>
+        <p:spPr>
+          <a:xfrm>
+            <a:off x="4905076" y="1015734"/>
+            <a:ext cx="546884" cy="371209"/>
+          </a:xfrm>
+          <a:prstGeom prst="rect">
+            <a:avLst/>
+          </a:prstGeom>
+          <a:noFill/>
+        </p:spPr>
+        <p:txBody>
+          <a:bodyPr wrap="square" rtlCol="0">
+            <a:spAutoFit/>
+          </a:bodyPr>
+          <a:lstStyle/>
+          <a:p>
+            <a:r>
+              <a:rPr lang="el-GR" altLang="ja-JP" dirty="0"/>
+              <a:t>γ</a:t>
+            </a:r>
+            <a:r>
+              <a:rPr lang="en-US" altLang="ja-JP" baseline="-25000" dirty="0"/>
+              <a:t>2</a:t>
+            </a:r>
+            <a:endParaRPr lang="en-GB" baseline="-25000" dirty="0"/>
+          </a:p>
+        </p:txBody>
+      </p:sp>
+      <p:sp>
+        <p:nvSpPr>
+          <p:cNvPr id="22" name="テキスト ボックス 21">
+            <a:extLst>
+              <a:ext uri="{FF2B5EF4-FFF2-40B4-BE49-F238E27FC236}">
+                <a16:creationId xmlns:a16="http://schemas.microsoft.com/office/drawing/2014/main" id="{5ADAC251-9665-E6AC-75D0-4065AF0398B2}"/>
+              </a:ext>
+            </a:extLst>
+          </p:cNvPr>
+          <p:cNvSpPr txBox="1"/>
+          <p:nvPr/>
+        </p:nvSpPr>
+        <p:spPr>
+          <a:xfrm>
+            <a:off x="4993406" y="2299412"/>
+            <a:ext cx="525225" cy="371209"/>
+          </a:xfrm>
+          <a:prstGeom prst="rect">
+            <a:avLst/>
+          </a:prstGeom>
+          <a:noFill/>
+        </p:spPr>
+        <p:txBody>
+          <a:bodyPr wrap="square" rtlCol="0">
+            <a:spAutoFit/>
+          </a:bodyPr>
+          <a:lstStyle/>
+          <a:p>
+            <a:r>
+              <a:rPr lang="el-GR" altLang="ja-JP" dirty="0"/>
+              <a:t>γ</a:t>
+            </a:r>
+            <a:r>
+              <a:rPr lang="en-US" altLang="ja-JP" baseline="-25000" dirty="0"/>
+              <a:t>3</a:t>
+            </a:r>
+            <a:endParaRPr lang="en-GB" baseline="-25000" dirty="0"/>
+          </a:p>
+        </p:txBody>
+      </p:sp>
+      <p:sp>
+        <p:nvSpPr>
+          <p:cNvPr id="3" name="正方形/長方形 7">
+            <a:extLst>
+              <a:ext uri="{FF2B5EF4-FFF2-40B4-BE49-F238E27FC236}">
+                <a16:creationId xmlns:a16="http://schemas.microsoft.com/office/drawing/2014/main" id="{5F79FB49-6C50-85B6-B91B-3EACA8D7DB5A}"/>
               </a:ext>
             </a:extLst>
           </p:cNvPr>
@@ -5716,8 +8789,8 @@
         </p:nvSpPr>
         <p:spPr>
           <a:xfrm>
-            <a:off x="5667082" y="2209903"/>
-            <a:ext cx="857836" cy="614289"/>
+            <a:off x="5724889" y="1631010"/>
+            <a:ext cx="857836" cy="574575"/>
           </a:xfrm>
           <a:prstGeom prst="rect">
             <a:avLst/>
@@ -5752,17 +8825,24 @@
                 <a:latin typeface="Times New Roman" panose="02020603050405020304" pitchFamily="18" charset="0"/>
                 <a:cs typeface="Times New Roman" panose="02020603050405020304" pitchFamily="18" charset="0"/>
               </a:rPr>
-              <a:t>H</a:t>
-            </a:r>
-          </a:p>
-        </p:txBody>
-      </p:sp>
-      <p:sp>
-        <p:nvSpPr>
-          <p:cNvPr id="19" name="テキスト ボックス 18">
-            <a:extLst>
-              <a:ext uri="{FF2B5EF4-FFF2-40B4-BE49-F238E27FC236}">
-                <a16:creationId xmlns:a16="http://schemas.microsoft.com/office/drawing/2014/main" id="{0BE1140A-DC93-A89B-F351-DCF375DDF165}"/>
+              <a:t>R</a:t>
+            </a:r>
+            <a:r>
+              <a:rPr lang="en-GB" baseline="-25000" dirty="0">
+                <a:latin typeface="Times New Roman" panose="02020603050405020304" pitchFamily="18" charset="0"/>
+                <a:cs typeface="Times New Roman" panose="02020603050405020304" pitchFamily="18" charset="0"/>
+              </a:rPr>
+              <a:t>i</a:t>
+            </a:r>
+          </a:p>
+        </p:txBody>
+      </p:sp>
+      <p:sp>
+        <p:nvSpPr>
+          <p:cNvPr id="16" name="テキスト ボックス 18">
+            <a:extLst>
+              <a:ext uri="{FF2B5EF4-FFF2-40B4-BE49-F238E27FC236}">
+                <a16:creationId xmlns:a16="http://schemas.microsoft.com/office/drawing/2014/main" id="{4FC3355B-8165-27B6-AB99-226946C4C4D0}"/>
               </a:ext>
             </a:extLst>
           </p:cNvPr>
@@ -5771,8 +8851,8 @@
         </p:nvSpPr>
         <p:spPr>
           <a:xfrm>
-            <a:off x="3205966" y="1238516"/>
-            <a:ext cx="602565" cy="369332"/>
+            <a:off x="2773970" y="2284655"/>
+            <a:ext cx="1259280" cy="369332"/>
           </a:xfrm>
           <a:prstGeom prst="rect">
             <a:avLst/>
@@ -5786,506 +8866,29 @@
           <a:lstStyle/>
           <a:p>
             <a:r>
+              <a:rPr lang="en-US" altLang="ja-JP" dirty="0" err="1"/>
+              <a:t>p</a:t>
+            </a:r>
+            <a:r>
+              <a:rPr lang="en-US" altLang="ja-JP" baseline="-25000" dirty="0" err="1"/>
+              <a:t>AFP</a:t>
+            </a:r>
+            <a:r>
               <a:rPr lang="el-GR" altLang="ja-JP" dirty="0"/>
               <a:t>γ</a:t>
             </a:r>
             <a:r>
-              <a:rPr lang="en-US" altLang="ja-JP" dirty="0"/>
+              <a:rPr lang="en-US" altLang="ja-JP" baseline="-25000" dirty="0"/>
               <a:t>1</a:t>
             </a:r>
-            <a:endParaRPr lang="en-GB" dirty="0"/>
-          </a:p>
-        </p:txBody>
-      </p:sp>
-      <p:sp>
-        <p:nvSpPr>
-          <p:cNvPr id="20" name="テキスト ボックス 19">
-            <a:extLst>
-              <a:ext uri="{FF2B5EF4-FFF2-40B4-BE49-F238E27FC236}">
-                <a16:creationId xmlns:a16="http://schemas.microsoft.com/office/drawing/2014/main" id="{E0350099-D1B7-1ED8-9FD7-41FEB3D718E1}"/>
-              </a:ext>
-            </a:extLst>
-          </p:cNvPr>
-          <p:cNvSpPr txBox="1"/>
-          <p:nvPr/>
-        </p:nvSpPr>
-        <p:spPr>
-          <a:xfrm>
-            <a:off x="3227650" y="2182076"/>
-            <a:ext cx="546884" cy="371209"/>
-          </a:xfrm>
-          <a:prstGeom prst="rect">
-            <a:avLst/>
-          </a:prstGeom>
-          <a:noFill/>
-        </p:spPr>
-        <p:txBody>
-          <a:bodyPr wrap="square" rtlCol="0">
-            <a:spAutoFit/>
-          </a:bodyPr>
-          <a:lstStyle/>
-          <a:p>
-            <a:r>
-              <a:rPr lang="el-GR" altLang="ja-JP" dirty="0"/>
-              <a:t>γ</a:t>
-            </a:r>
-            <a:r>
-              <a:rPr lang="en-US" altLang="ja-JP" dirty="0"/>
-              <a:t>1</a:t>
-            </a:r>
-            <a:endParaRPr lang="en-GB" dirty="0"/>
-          </a:p>
-        </p:txBody>
-      </p:sp>
-      <p:sp>
-        <p:nvSpPr>
-          <p:cNvPr id="21" name="テキスト ボックス 20">
-            <a:extLst>
-              <a:ext uri="{FF2B5EF4-FFF2-40B4-BE49-F238E27FC236}">
-                <a16:creationId xmlns:a16="http://schemas.microsoft.com/office/drawing/2014/main" id="{47C084D1-B02E-D8FC-3C29-B8D8EFE2B96C}"/>
-              </a:ext>
-            </a:extLst>
-          </p:cNvPr>
-          <p:cNvSpPr txBox="1"/>
-          <p:nvPr/>
-        </p:nvSpPr>
-        <p:spPr>
-          <a:xfrm>
-            <a:off x="4905076" y="1015734"/>
-            <a:ext cx="546884" cy="371209"/>
-          </a:xfrm>
-          <a:prstGeom prst="rect">
-            <a:avLst/>
-          </a:prstGeom>
-          <a:noFill/>
-        </p:spPr>
-        <p:txBody>
-          <a:bodyPr wrap="square" rtlCol="0">
-            <a:spAutoFit/>
-          </a:bodyPr>
-          <a:lstStyle/>
-          <a:p>
-            <a:r>
-              <a:rPr lang="el-GR" altLang="ja-JP" dirty="0"/>
-              <a:t>γ</a:t>
-            </a:r>
-            <a:r>
-              <a:rPr lang="en-US" altLang="ja-JP" dirty="0"/>
-              <a:t>2</a:t>
-            </a:r>
-            <a:endParaRPr lang="en-GB" dirty="0"/>
-          </a:p>
-        </p:txBody>
-      </p:sp>
-      <p:sp>
-        <p:nvSpPr>
-          <p:cNvPr id="22" name="テキスト ボックス 21">
-            <a:extLst>
-              <a:ext uri="{FF2B5EF4-FFF2-40B4-BE49-F238E27FC236}">
-                <a16:creationId xmlns:a16="http://schemas.microsoft.com/office/drawing/2014/main" id="{5ADAC251-9665-E6AC-75D0-4065AF0398B2}"/>
-              </a:ext>
-            </a:extLst>
-          </p:cNvPr>
-          <p:cNvSpPr txBox="1"/>
-          <p:nvPr/>
-        </p:nvSpPr>
-        <p:spPr>
-          <a:xfrm>
-            <a:off x="4934899" y="2107049"/>
-            <a:ext cx="517061" cy="371209"/>
-          </a:xfrm>
-          <a:prstGeom prst="rect">
-            <a:avLst/>
-          </a:prstGeom>
-          <a:noFill/>
-        </p:spPr>
-        <p:txBody>
-          <a:bodyPr wrap="square" rtlCol="0">
-            <a:spAutoFit/>
-          </a:bodyPr>
-          <a:lstStyle/>
-          <a:p>
-            <a:r>
-              <a:rPr lang="el-GR" altLang="ja-JP" dirty="0"/>
-              <a:t>γ</a:t>
-            </a:r>
-            <a:r>
-              <a:rPr lang="en-US" altLang="ja-JP" dirty="0"/>
-              <a:t>3</a:t>
-            </a:r>
-            <a:endParaRPr lang="en-GB" dirty="0"/>
-          </a:p>
-        </p:txBody>
-      </p:sp>
-      <p:sp>
-        <p:nvSpPr>
-          <p:cNvPr id="3" name="正方形/長方形 7">
-            <a:extLst>
-              <a:ext uri="{FF2B5EF4-FFF2-40B4-BE49-F238E27FC236}">
-                <a16:creationId xmlns:a16="http://schemas.microsoft.com/office/drawing/2014/main" id="{5F79FB49-6C50-85B6-B91B-3EACA8D7DB5A}"/>
-              </a:ext>
-            </a:extLst>
-          </p:cNvPr>
-          <p:cNvSpPr/>
-          <p:nvPr/>
-        </p:nvSpPr>
-        <p:spPr>
-          <a:xfrm>
-            <a:off x="8301566" y="1088767"/>
-            <a:ext cx="857836" cy="574575"/>
-          </a:xfrm>
-          <a:prstGeom prst="rect">
-            <a:avLst/>
-          </a:prstGeom>
-          <a:ln>
-            <a:solidFill>
-              <a:schemeClr val="tx1"/>
-            </a:solidFill>
-          </a:ln>
-        </p:spPr>
-        <p:style>
-          <a:lnRef idx="2">
-            <a:schemeClr val="accent6"/>
-          </a:lnRef>
-          <a:fillRef idx="1">
-            <a:schemeClr val="lt1"/>
-          </a:fillRef>
-          <a:effectRef idx="0">
-            <a:schemeClr val="accent6"/>
-          </a:effectRef>
-          <a:fontRef idx="minor">
-            <a:schemeClr val="dk1"/>
-          </a:fontRef>
-        </p:style>
-        <p:txBody>
-          <a:bodyPr rtlCol="0" anchor="ctr"/>
-          <a:lstStyle/>
-          <a:p>
-            <a:pPr algn="ctr"/>
-            <a:r>
-              <a:rPr lang="en-GB" dirty="0">
-                <a:latin typeface="Times New Roman" panose="02020603050405020304" pitchFamily="18" charset="0"/>
-                <a:cs typeface="Times New Roman" panose="02020603050405020304" pitchFamily="18" charset="0"/>
-              </a:rPr>
-              <a:t>R</a:t>
-            </a:r>
-          </a:p>
-        </p:txBody>
-      </p:sp>
-      <p:sp>
-        <p:nvSpPr>
-          <p:cNvPr id="10" name="正方形/長方形 6">
-            <a:extLst>
-              <a:ext uri="{FF2B5EF4-FFF2-40B4-BE49-F238E27FC236}">
-                <a16:creationId xmlns:a16="http://schemas.microsoft.com/office/drawing/2014/main" id="{B0EC1827-EB48-8E23-7AC7-17CF541D2DFC}"/>
-              </a:ext>
-            </a:extLst>
-          </p:cNvPr>
-          <p:cNvSpPr/>
-          <p:nvPr/>
-        </p:nvSpPr>
-        <p:spPr>
-          <a:xfrm>
-            <a:off x="6420017" y="1068911"/>
-            <a:ext cx="857836" cy="614289"/>
-          </a:xfrm>
-          <a:prstGeom prst="rect">
-            <a:avLst/>
-          </a:prstGeom>
-          <a:ln>
-            <a:solidFill>
-              <a:schemeClr val="tx1"/>
-            </a:solidFill>
-          </a:ln>
-        </p:spPr>
-        <p:style>
-          <a:lnRef idx="2">
-            <a:schemeClr val="accent6"/>
-          </a:lnRef>
-          <a:fillRef idx="1">
-            <a:schemeClr val="lt1"/>
-          </a:fillRef>
-          <a:effectRef idx="0">
-            <a:schemeClr val="accent6"/>
-          </a:effectRef>
-          <a:fontRef idx="minor">
-            <a:schemeClr val="dk1"/>
-          </a:fontRef>
-        </p:style>
-        <p:txBody>
-          <a:bodyPr rtlCol="0" anchor="ctr"/>
-          <a:lstStyle/>
-          <a:p>
-            <a:pPr algn="ctr"/>
-            <a:r>
-              <a:rPr lang="en-GB" dirty="0" err="1">
-                <a:latin typeface="Times New Roman" panose="02020603050405020304" pitchFamily="18" charset="0"/>
-                <a:cs typeface="Times New Roman" panose="02020603050405020304" pitchFamily="18" charset="0"/>
-              </a:rPr>
-              <a:t>Ia</a:t>
-            </a:r>
-            <a:endParaRPr lang="en-GB" dirty="0">
-              <a:latin typeface="Times New Roman" panose="02020603050405020304" pitchFamily="18" charset="0"/>
-              <a:cs typeface="Times New Roman" panose="02020603050405020304" pitchFamily="18" charset="0"/>
-            </a:endParaRPr>
-          </a:p>
-        </p:txBody>
-      </p:sp>
-      <p:cxnSp>
-        <p:nvCxnSpPr>
-          <p:cNvPr id="15" name="直線矢印コネクタ 16">
-            <a:extLst>
-              <a:ext uri="{FF2B5EF4-FFF2-40B4-BE49-F238E27FC236}">
-                <a16:creationId xmlns:a16="http://schemas.microsoft.com/office/drawing/2014/main" id="{0CC3BBAD-2929-E946-D72A-60FD7F0D177A}"/>
-              </a:ext>
-            </a:extLst>
-          </p:cNvPr>
-          <p:cNvCxnSpPr>
-            <a:cxnSpLocks/>
-            <a:stCxn id="10" idx="3"/>
-            <a:endCxn id="3" idx="1"/>
-          </p:cNvCxnSpPr>
-          <p:nvPr/>
-        </p:nvCxnSpPr>
-        <p:spPr>
-          <a:xfrm flipV="1">
-            <a:off x="7277853" y="1376055"/>
-            <a:ext cx="1023713" cy="1"/>
-          </a:xfrm>
-          <a:prstGeom prst="straightConnector1">
-            <a:avLst/>
-          </a:prstGeom>
-          <a:ln w="19050">
-            <a:solidFill>
-              <a:schemeClr val="tx1"/>
-            </a:solidFill>
-            <a:tailEnd type="triangle"/>
-          </a:ln>
-        </p:spPr>
-        <p:style>
-          <a:lnRef idx="1">
-            <a:schemeClr val="accent1"/>
-          </a:lnRef>
-          <a:fillRef idx="0">
-            <a:schemeClr val="accent1"/>
-          </a:fillRef>
-          <a:effectRef idx="0">
-            <a:schemeClr val="accent1"/>
-          </a:effectRef>
-          <a:fontRef idx="minor">
-            <a:schemeClr val="tx1"/>
-          </a:fontRef>
-        </p:style>
-      </p:cxnSp>
-      <p:sp>
-        <p:nvSpPr>
-          <p:cNvPr id="31" name="テキスト ボックス 20">
-            <a:extLst>
-              <a:ext uri="{FF2B5EF4-FFF2-40B4-BE49-F238E27FC236}">
-                <a16:creationId xmlns:a16="http://schemas.microsoft.com/office/drawing/2014/main" id="{EAB38820-D57D-A785-BA54-DF5ABD2B15E6}"/>
-              </a:ext>
-            </a:extLst>
-          </p:cNvPr>
-          <p:cNvSpPr txBox="1"/>
-          <p:nvPr/>
-        </p:nvSpPr>
-        <p:spPr>
-          <a:xfrm>
-            <a:off x="7581274" y="943433"/>
-            <a:ext cx="546884" cy="371209"/>
-          </a:xfrm>
-          <a:prstGeom prst="rect">
-            <a:avLst/>
-          </a:prstGeom>
-          <a:noFill/>
-        </p:spPr>
-        <p:txBody>
-          <a:bodyPr wrap="square" rtlCol="0">
-            <a:spAutoFit/>
-          </a:bodyPr>
-          <a:lstStyle/>
-          <a:p>
-            <a:r>
-              <a:rPr lang="el-GR" altLang="ja-JP" dirty="0"/>
-              <a:t>γ</a:t>
-            </a:r>
-            <a:r>
-              <a:rPr lang="en-US" altLang="ja-JP" dirty="0"/>
-              <a:t>2</a:t>
-            </a:r>
-            <a:endParaRPr lang="en-GB" dirty="0"/>
-          </a:p>
-        </p:txBody>
-      </p:sp>
-      <p:sp>
-        <p:nvSpPr>
-          <p:cNvPr id="32" name="Left Brace 31">
-            <a:extLst>
-              <a:ext uri="{FF2B5EF4-FFF2-40B4-BE49-F238E27FC236}">
-                <a16:creationId xmlns:a16="http://schemas.microsoft.com/office/drawing/2014/main" id="{A3D00E51-6E7B-3A7D-2EFF-E8B3341C7DD5}"/>
-              </a:ext>
-            </a:extLst>
-          </p:cNvPr>
-          <p:cNvSpPr/>
-          <p:nvPr/>
-        </p:nvSpPr>
-        <p:spPr>
-          <a:xfrm rot="5400000">
-            <a:off x="5475831" y="-864844"/>
-            <a:ext cx="268636" cy="3181502"/>
-          </a:xfrm>
-          <a:prstGeom prst="leftBrace">
-            <a:avLst/>
-          </a:prstGeom>
-          <a:ln>
-            <a:solidFill>
-              <a:schemeClr val="tx1"/>
-            </a:solidFill>
-          </a:ln>
-        </p:spPr>
-        <p:style>
-          <a:lnRef idx="1">
-            <a:schemeClr val="accent1"/>
-          </a:lnRef>
-          <a:fillRef idx="0">
-            <a:schemeClr val="accent1"/>
-          </a:fillRef>
-          <a:effectRef idx="0">
-            <a:schemeClr val="accent1"/>
-          </a:effectRef>
-          <a:fontRef idx="minor">
-            <a:schemeClr val="tx1"/>
-          </a:fontRef>
-        </p:style>
-        <p:txBody>
-          <a:bodyPr rtlCol="0" anchor="ctr"/>
-          <a:lstStyle/>
-          <a:p>
-            <a:pPr algn="ctr"/>
-            <a:endParaRPr lang="en-GB"/>
-          </a:p>
-        </p:txBody>
-      </p:sp>
-      <p:sp>
-        <p:nvSpPr>
-          <p:cNvPr id="33" name="TextBox 32">
-            <a:extLst>
-              <a:ext uri="{FF2B5EF4-FFF2-40B4-BE49-F238E27FC236}">
-                <a16:creationId xmlns:a16="http://schemas.microsoft.com/office/drawing/2014/main" id="{1F401F88-89E1-E651-F2EA-616B61B055DA}"/>
-              </a:ext>
-            </a:extLst>
-          </p:cNvPr>
-          <p:cNvSpPr txBox="1"/>
-          <p:nvPr/>
-        </p:nvSpPr>
-        <p:spPr>
-          <a:xfrm>
-            <a:off x="3458300" y="189520"/>
-            <a:ext cx="3987319" cy="369332"/>
-          </a:xfrm>
-          <a:prstGeom prst="rect">
-            <a:avLst/>
-          </a:prstGeom>
-          <a:noFill/>
-        </p:spPr>
-        <p:txBody>
-          <a:bodyPr wrap="square" rtlCol="0">
-            <a:spAutoFit/>
-          </a:bodyPr>
-          <a:lstStyle/>
-          <a:p>
-            <a:r>
-              <a:rPr lang="en-GB" dirty="0"/>
-              <a:t>For gamma-distributed shedding</a:t>
-            </a:r>
-          </a:p>
-        </p:txBody>
-      </p:sp>
-      <p:sp>
-        <p:nvSpPr>
-          <p:cNvPr id="46" name="TextBox 45">
-            <a:extLst>
-              <a:ext uri="{FF2B5EF4-FFF2-40B4-BE49-F238E27FC236}">
-                <a16:creationId xmlns:a16="http://schemas.microsoft.com/office/drawing/2014/main" id="{FB75918D-697B-EA6A-602C-8792FA84F416}"/>
-              </a:ext>
-            </a:extLst>
-          </p:cNvPr>
-          <p:cNvSpPr txBox="1"/>
-          <p:nvPr/>
-        </p:nvSpPr>
-        <p:spPr>
-          <a:xfrm>
-            <a:off x="5298893" y="1202262"/>
-            <a:ext cx="408432" cy="369332"/>
-          </a:xfrm>
-          <a:prstGeom prst="rect">
-            <a:avLst/>
-          </a:prstGeom>
-          <a:noFill/>
-        </p:spPr>
-        <p:txBody>
-          <a:bodyPr wrap="square" rtlCol="0">
-            <a:spAutoFit/>
-          </a:bodyPr>
-          <a:lstStyle/>
-          <a:p>
-            <a:r>
-              <a:rPr lang="en-GB" dirty="0"/>
-              <a:t>…</a:t>
-            </a:r>
-          </a:p>
-        </p:txBody>
-      </p:sp>
-      <p:cxnSp>
-        <p:nvCxnSpPr>
-          <p:cNvPr id="47" name="直線矢印コネクタ 16">
-            <a:extLst>
-              <a:ext uri="{FF2B5EF4-FFF2-40B4-BE49-F238E27FC236}">
-                <a16:creationId xmlns:a16="http://schemas.microsoft.com/office/drawing/2014/main" id="{2B7DFEEF-FDCA-99DC-F9A2-498F969644E6}"/>
-              </a:ext>
-            </a:extLst>
-          </p:cNvPr>
-          <p:cNvCxnSpPr>
-            <a:cxnSpLocks/>
-            <a:stCxn id="46" idx="3"/>
-            <a:endCxn id="10" idx="1"/>
-          </p:cNvCxnSpPr>
-          <p:nvPr/>
-        </p:nvCxnSpPr>
-        <p:spPr>
-          <a:xfrm flipV="1">
-            <a:off x="5707325" y="1376056"/>
-            <a:ext cx="712692" cy="10872"/>
-          </a:xfrm>
-          <a:prstGeom prst="straightConnector1">
-            <a:avLst/>
-          </a:prstGeom>
-          <a:ln w="19050">
-            <a:solidFill>
-              <a:schemeClr val="tx1"/>
-            </a:solidFill>
-            <a:tailEnd type="triangle"/>
-          </a:ln>
-        </p:spPr>
-        <p:style>
-          <a:lnRef idx="1">
-            <a:schemeClr val="accent1"/>
-          </a:lnRef>
-          <a:fillRef idx="0">
-            <a:schemeClr val="accent1"/>
-          </a:fillRef>
-          <a:effectRef idx="0">
-            <a:schemeClr val="accent1"/>
-          </a:effectRef>
-          <a:fontRef idx="minor">
-            <a:schemeClr val="tx1"/>
-          </a:fontRef>
-        </p:style>
-      </p:cxnSp>
+            <a:endParaRPr lang="en-GB" baseline="-25000" dirty="0"/>
+          </a:p>
+        </p:txBody>
+      </p:sp>
     </p:spTree>
     <p:extLst>
       <p:ext uri="{BB962C8B-B14F-4D97-AF65-F5344CB8AC3E}">
-        <p14:creationId xmlns:p14="http://schemas.microsoft.com/office/powerpoint/2010/main" val="1758449626"/>
+        <p14:creationId xmlns:p14="http://schemas.microsoft.com/office/powerpoint/2010/main" val="2459115173"/>
       </p:ext>
     </p:extLst>
   </p:cSld>
@@ -6317,7 +8920,7 @@
           <p:cNvPr id="4" name="テキスト ボックス 3">
             <a:extLst>
               <a:ext uri="{FF2B5EF4-FFF2-40B4-BE49-F238E27FC236}">
-                <a16:creationId xmlns:a16="http://schemas.microsoft.com/office/drawing/2014/main" id="{21230F41-A4F3-45F6-16D7-60CBD85BBC69}"/>
+                <a16:creationId xmlns:a16="http://schemas.microsoft.com/office/drawing/2014/main" id="{4F4E67A6-F9BA-55F6-8FAE-F9F36A48090E}"/>
               </a:ext>
             </a:extLst>
           </p:cNvPr>
@@ -6326,8 +8929,8 @@
         </p:nvSpPr>
         <p:spPr>
           <a:xfrm>
-            <a:off x="654440" y="765161"/>
-            <a:ext cx="2761957" cy="400110"/>
+            <a:off x="819659" y="907477"/>
+            <a:ext cx="2925788" cy="400110"/>
           </a:xfrm>
           <a:prstGeom prst="rect">
             <a:avLst/>
@@ -6345,17 +8948,17 @@
                 <a:latin typeface="Times New Roman" panose="02020603050405020304" pitchFamily="18" charset="0"/>
                 <a:cs typeface="Times New Roman" panose="02020603050405020304" pitchFamily="18" charset="0"/>
               </a:rPr>
-              <a:t>Natural history of polio</a:t>
-            </a:r>
-          </a:p>
-        </p:txBody>
-      </p:sp>
-      <p:sp>
-        <p:nvSpPr>
-          <p:cNvPr id="9" name="正方形/長方形 8">
-            <a:extLst>
-              <a:ext uri="{FF2B5EF4-FFF2-40B4-BE49-F238E27FC236}">
-                <a16:creationId xmlns:a16="http://schemas.microsoft.com/office/drawing/2014/main" id="{C78163F6-C15B-D180-D851-456E4EC78B12}"/>
+              <a:t>SEIR model</a:t>
+            </a:r>
+          </a:p>
+        </p:txBody>
+      </p:sp>
+      <p:sp>
+        <p:nvSpPr>
+          <p:cNvPr id="5" name="正方形/長方形 4">
+            <a:extLst>
+              <a:ext uri="{FF2B5EF4-FFF2-40B4-BE49-F238E27FC236}">
+                <a16:creationId xmlns:a16="http://schemas.microsoft.com/office/drawing/2014/main" id="{DAAEDDBD-F0E9-C0A2-693C-8E00F255F2F2}"/>
               </a:ext>
             </a:extLst>
           </p:cNvPr>
@@ -6364,8 +8967,8 @@
         </p:nvSpPr>
         <p:spPr>
           <a:xfrm>
-            <a:off x="508488" y="1472417"/>
-            <a:ext cx="1397391" cy="614289"/>
+            <a:off x="710126" y="1595616"/>
+            <a:ext cx="785740" cy="614289"/>
           </a:xfrm>
           <a:prstGeom prst="rect">
             <a:avLst/>
@@ -6400,17 +9003,17 @@
                 <a:latin typeface="Times New Roman" panose="02020603050405020304" pitchFamily="18" charset="0"/>
                 <a:cs typeface="Times New Roman" panose="02020603050405020304" pitchFamily="18" charset="0"/>
               </a:rPr>
-              <a:t>Susceptible</a:t>
-            </a:r>
-          </a:p>
-        </p:txBody>
-      </p:sp>
-      <p:sp>
-        <p:nvSpPr>
-          <p:cNvPr id="10" name="正方形/長方形 9">
-            <a:extLst>
-              <a:ext uri="{FF2B5EF4-FFF2-40B4-BE49-F238E27FC236}">
-                <a16:creationId xmlns:a16="http://schemas.microsoft.com/office/drawing/2014/main" id="{5C93BC17-5801-56D4-05EF-52C229E346C5}"/>
+              <a:t>S</a:t>
+            </a:r>
+          </a:p>
+        </p:txBody>
+      </p:sp>
+      <p:sp>
+        <p:nvSpPr>
+          <p:cNvPr id="6" name="正方形/長方形 5">
+            <a:extLst>
+              <a:ext uri="{FF2B5EF4-FFF2-40B4-BE49-F238E27FC236}">
+                <a16:creationId xmlns:a16="http://schemas.microsoft.com/office/drawing/2014/main" id="{A9DD66EA-AA08-2FBA-86E5-4ECE1F3CBC36}"/>
               </a:ext>
             </a:extLst>
           </p:cNvPr>
@@ -6419,8 +9022,8 @@
         </p:nvSpPr>
         <p:spPr>
           <a:xfrm>
-            <a:off x="2717702" y="1472416"/>
-            <a:ext cx="1397391" cy="614289"/>
+            <a:off x="2264897" y="1595615"/>
+            <a:ext cx="857836" cy="614289"/>
           </a:xfrm>
           <a:prstGeom prst="rect">
             <a:avLst/>
@@ -6455,17 +9058,17 @@
                 <a:latin typeface="Times New Roman" panose="02020603050405020304" pitchFamily="18" charset="0"/>
                 <a:cs typeface="Times New Roman" panose="02020603050405020304" pitchFamily="18" charset="0"/>
               </a:rPr>
-              <a:t>Infected</a:t>
-            </a:r>
-          </a:p>
-        </p:txBody>
-      </p:sp>
-      <p:sp>
-        <p:nvSpPr>
-          <p:cNvPr id="12" name="正方形/長方形 11">
-            <a:extLst>
-              <a:ext uri="{FF2B5EF4-FFF2-40B4-BE49-F238E27FC236}">
-                <a16:creationId xmlns:a16="http://schemas.microsoft.com/office/drawing/2014/main" id="{071A0224-0E89-E83C-F4B2-9CE21785B42C}"/>
+              <a:t>E</a:t>
+            </a:r>
+          </a:p>
+        </p:txBody>
+      </p:sp>
+      <p:sp>
+        <p:nvSpPr>
+          <p:cNvPr id="7" name="正方形/長方形 6">
+            <a:extLst>
+              <a:ext uri="{FF2B5EF4-FFF2-40B4-BE49-F238E27FC236}">
+                <a16:creationId xmlns:a16="http://schemas.microsoft.com/office/drawing/2014/main" id="{14C35C08-62AD-557C-6CF6-661F744E78C6}"/>
               </a:ext>
             </a:extLst>
           </p:cNvPr>
@@ -6474,8 +9077,8 @@
         </p:nvSpPr>
         <p:spPr>
           <a:xfrm>
-            <a:off x="5261611" y="858127"/>
-            <a:ext cx="1397391" cy="614289"/>
+            <a:off x="3891764" y="1079800"/>
+            <a:ext cx="857836" cy="614289"/>
           </a:xfrm>
           <a:prstGeom prst="rect">
             <a:avLst/>
@@ -6506,34 +9109,39 @@
           <a:p>
             <a:pPr algn="ctr"/>
             <a:r>
-              <a:rPr lang="en-GB" dirty="0">
+              <a:rPr lang="en-GB" dirty="0" err="1">
                 <a:latin typeface="Times New Roman" panose="02020603050405020304" pitchFamily="18" charset="0"/>
                 <a:cs typeface="Times New Roman" panose="02020603050405020304" pitchFamily="18" charset="0"/>
               </a:rPr>
-              <a:t>Onset of AFP</a:t>
-            </a:r>
+              <a:t>Ia</a:t>
+            </a:r>
+            <a:endParaRPr lang="en-GB" dirty="0">
+              <a:latin typeface="Times New Roman" panose="02020603050405020304" pitchFamily="18" charset="0"/>
+              <a:cs typeface="Times New Roman" panose="02020603050405020304" pitchFamily="18" charset="0"/>
+            </a:endParaRPr>
           </a:p>
         </p:txBody>
       </p:sp>
       <p:cxnSp>
         <p:nvCxnSpPr>
-          <p:cNvPr id="14" name="直線矢印コネクタ 13">
-            <a:extLst>
-              <a:ext uri="{FF2B5EF4-FFF2-40B4-BE49-F238E27FC236}">
-                <a16:creationId xmlns:a16="http://schemas.microsoft.com/office/drawing/2014/main" id="{C6F46BDE-C67D-D7EA-2B31-4F87A26BBE37}"/>
+          <p:cNvPr id="9" name="直線矢印コネクタ 8">
+            <a:extLst>
+              <a:ext uri="{FF2B5EF4-FFF2-40B4-BE49-F238E27FC236}">
+                <a16:creationId xmlns:a16="http://schemas.microsoft.com/office/drawing/2014/main" id="{B30EBF94-F7AC-6D2E-F7D5-E221FE8F8893}"/>
               </a:ext>
             </a:extLst>
           </p:cNvPr>
           <p:cNvCxnSpPr>
-            <a:stCxn id="9" idx="3"/>
-            <a:endCxn id="10" idx="1"/>
+            <a:cxnSpLocks/>
+            <a:stCxn id="5" idx="3"/>
+            <a:endCxn id="6" idx="1"/>
           </p:cNvCxnSpPr>
           <p:nvPr/>
         </p:nvCxnSpPr>
         <p:spPr>
           <a:xfrm flipV="1">
-            <a:off x="1905879" y="1779561"/>
-            <a:ext cx="811823" cy="1"/>
+            <a:off x="1495866" y="1902760"/>
+            <a:ext cx="769031" cy="1"/>
           </a:xfrm>
           <a:prstGeom prst="straightConnector1">
             <a:avLst/>
@@ -6562,24 +9170,24 @@
       </p:cxnSp>
       <p:cxnSp>
         <p:nvCxnSpPr>
-          <p:cNvPr id="15" name="直線矢印コネクタ 14">
-            <a:extLst>
-              <a:ext uri="{FF2B5EF4-FFF2-40B4-BE49-F238E27FC236}">
-                <a16:creationId xmlns:a16="http://schemas.microsoft.com/office/drawing/2014/main" id="{3FC421C2-DA3B-326D-3EDC-D9941322B11D}"/>
+          <p:cNvPr id="13" name="直線矢印コネクタ 12">
+            <a:extLst>
+              <a:ext uri="{FF2B5EF4-FFF2-40B4-BE49-F238E27FC236}">
+                <a16:creationId xmlns:a16="http://schemas.microsoft.com/office/drawing/2014/main" id="{721B60B5-886D-359C-497B-278477619A6F}"/>
               </a:ext>
             </a:extLst>
           </p:cNvPr>
           <p:cNvCxnSpPr>
             <a:cxnSpLocks/>
-            <a:stCxn id="10" idx="3"/>
-            <a:endCxn id="12" idx="1"/>
+            <a:stCxn id="6" idx="3"/>
+            <a:endCxn id="7" idx="1"/>
           </p:cNvCxnSpPr>
           <p:nvPr/>
         </p:nvCxnSpPr>
         <p:spPr>
           <a:xfrm flipV="1">
-            <a:off x="4115093" y="1165272"/>
-            <a:ext cx="1146518" cy="614289"/>
+            <a:off x="3122733" y="1386945"/>
+            <a:ext cx="769031" cy="515815"/>
           </a:xfrm>
           <a:prstGeom prst="straightConnector1">
             <a:avLst/>
@@ -6606,12 +9214,58 @@
           </a:fontRef>
         </p:style>
       </p:cxnSp>
-      <p:sp>
-        <p:nvSpPr>
-          <p:cNvPr id="21" name="正方形/長方形 20">
-            <a:extLst>
-              <a:ext uri="{FF2B5EF4-FFF2-40B4-BE49-F238E27FC236}">
-                <a16:creationId xmlns:a16="http://schemas.microsoft.com/office/drawing/2014/main" id="{2C1B784D-3F47-EC80-379E-CE537C8F1ACB}"/>
+      <p:cxnSp>
+        <p:nvCxnSpPr>
+          <p:cNvPr id="17" name="直線矢印コネクタ 16">
+            <a:extLst>
+              <a:ext uri="{FF2B5EF4-FFF2-40B4-BE49-F238E27FC236}">
+                <a16:creationId xmlns:a16="http://schemas.microsoft.com/office/drawing/2014/main" id="{EB4F7E7A-AF55-2C0F-79B0-2D8A51FDDB09}"/>
+              </a:ext>
+            </a:extLst>
+          </p:cNvPr>
+          <p:cNvCxnSpPr>
+            <a:cxnSpLocks/>
+            <a:stCxn id="7" idx="3"/>
+            <a:endCxn id="3" idx="1"/>
+          </p:cNvCxnSpPr>
+          <p:nvPr/>
+        </p:nvCxnSpPr>
+        <p:spPr>
+          <a:xfrm>
+            <a:off x="4749600" y="1386945"/>
+            <a:ext cx="975289" cy="531353"/>
+          </a:xfrm>
+          <a:prstGeom prst="straightConnector1">
+            <a:avLst/>
+          </a:prstGeom>
+          <a:ln w="19050">
+            <a:solidFill>
+              <a:schemeClr val="tx1"/>
+            </a:solidFill>
+            <a:tailEnd type="triangle"/>
+          </a:ln>
+        </p:spPr>
+        <p:style>
+          <a:lnRef idx="1">
+            <a:schemeClr val="accent1"/>
+          </a:lnRef>
+          <a:fillRef idx="0">
+            <a:schemeClr val="accent1"/>
+          </a:fillRef>
+          <a:effectRef idx="0">
+            <a:schemeClr val="accent1"/>
+          </a:effectRef>
+          <a:fontRef idx="minor">
+            <a:schemeClr val="tx1"/>
+          </a:fontRef>
+        </p:style>
+      </p:cxnSp>
+      <p:sp>
+        <p:nvSpPr>
+          <p:cNvPr id="35" name="正方形/長方形 34">
+            <a:extLst>
+              <a:ext uri="{FF2B5EF4-FFF2-40B4-BE49-F238E27FC236}">
+                <a16:creationId xmlns:a16="http://schemas.microsoft.com/office/drawing/2014/main" id="{A10583FD-1679-6011-1EFF-64D6BC3B6BAD}"/>
               </a:ext>
             </a:extLst>
           </p:cNvPr>
@@ -6620,8 +9274,8 @@
         </p:nvSpPr>
         <p:spPr>
           <a:xfrm>
-            <a:off x="7378214" y="858124"/>
-            <a:ext cx="1397391" cy="614289"/>
+            <a:off x="3891764" y="2209904"/>
+            <a:ext cx="857836" cy="614289"/>
           </a:xfrm>
           <a:prstGeom prst="rect">
             <a:avLst/>
@@ -6656,31 +9310,42 @@
                 <a:latin typeface="Times New Roman" panose="02020603050405020304" pitchFamily="18" charset="0"/>
                 <a:cs typeface="Times New Roman" panose="02020603050405020304" pitchFamily="18" charset="0"/>
               </a:rPr>
-              <a:t>Seeking healthcare</a:t>
-            </a:r>
+              <a:t>I</a:t>
+            </a:r>
+            <a:r>
+              <a:rPr lang="en-GB" sz="2000" baseline="-25000" dirty="0">
+                <a:latin typeface="Times New Roman" panose="02020603050405020304" pitchFamily="18" charset="0"/>
+                <a:cs typeface="Times New Roman" panose="02020603050405020304" pitchFamily="18" charset="0"/>
+              </a:rPr>
+              <a:t>AFP</a:t>
+            </a:r>
+            <a:endParaRPr lang="en-GB" baseline="-25000" dirty="0">
+              <a:latin typeface="Times New Roman" panose="02020603050405020304" pitchFamily="18" charset="0"/>
+              <a:cs typeface="Times New Roman" panose="02020603050405020304" pitchFamily="18" charset="0"/>
+            </a:endParaRPr>
           </a:p>
         </p:txBody>
       </p:sp>
       <p:cxnSp>
         <p:nvCxnSpPr>
-          <p:cNvPr id="22" name="直線矢印コネクタ 21">
-            <a:extLst>
-              <a:ext uri="{FF2B5EF4-FFF2-40B4-BE49-F238E27FC236}">
-                <a16:creationId xmlns:a16="http://schemas.microsoft.com/office/drawing/2014/main" id="{55E4BE6A-EE40-D556-C041-2652B1116B5C}"/>
+          <p:cNvPr id="36" name="直線矢印コネクタ 35">
+            <a:extLst>
+              <a:ext uri="{FF2B5EF4-FFF2-40B4-BE49-F238E27FC236}">
+                <a16:creationId xmlns:a16="http://schemas.microsoft.com/office/drawing/2014/main" id="{0C009F64-879D-9700-77DB-70F3BE7669FE}"/>
               </a:ext>
             </a:extLst>
           </p:cNvPr>
           <p:cNvCxnSpPr>
             <a:cxnSpLocks/>
-            <a:stCxn id="12" idx="3"/>
-            <a:endCxn id="21" idx="1"/>
+            <a:stCxn id="6" idx="3"/>
+            <a:endCxn id="35" idx="1"/>
           </p:cNvCxnSpPr>
           <p:nvPr/>
         </p:nvCxnSpPr>
         <p:spPr>
-          <a:xfrm flipV="1">
-            <a:off x="6659002" y="1165269"/>
-            <a:ext cx="719212" cy="3"/>
+          <a:xfrm>
+            <a:off x="3122733" y="1902760"/>
+            <a:ext cx="769031" cy="614289"/>
           </a:xfrm>
           <a:prstGeom prst="straightConnector1">
             <a:avLst/>
@@ -6709,24 +9374,24 @@
       </p:cxnSp>
       <p:cxnSp>
         <p:nvCxnSpPr>
-          <p:cNvPr id="26" name="直線矢印コネクタ 25">
-            <a:extLst>
-              <a:ext uri="{FF2B5EF4-FFF2-40B4-BE49-F238E27FC236}">
-                <a16:creationId xmlns:a16="http://schemas.microsoft.com/office/drawing/2014/main" id="{84867389-54E0-8EAB-5604-B9567DCED117}"/>
+          <p:cNvPr id="41" name="直線矢印コネクタ 40">
+            <a:extLst>
+              <a:ext uri="{FF2B5EF4-FFF2-40B4-BE49-F238E27FC236}">
+                <a16:creationId xmlns:a16="http://schemas.microsoft.com/office/drawing/2014/main" id="{D02CDAF2-38C1-3C91-02D9-0FF51115A22A}"/>
               </a:ext>
             </a:extLst>
           </p:cNvPr>
           <p:cNvCxnSpPr>
             <a:cxnSpLocks/>
-            <a:stCxn id="21" idx="3"/>
-            <a:endCxn id="29" idx="1"/>
+            <a:stCxn id="35" idx="3"/>
+            <a:endCxn id="3" idx="1"/>
           </p:cNvCxnSpPr>
           <p:nvPr/>
         </p:nvCxnSpPr>
         <p:spPr>
-          <a:xfrm>
-            <a:off x="8775605" y="1165269"/>
-            <a:ext cx="907950" cy="1"/>
+          <a:xfrm flipV="1">
+            <a:off x="4749600" y="1918298"/>
+            <a:ext cx="975289" cy="598751"/>
           </a:xfrm>
           <a:prstGeom prst="straightConnector1">
             <a:avLst/>
@@ -6755,10 +9420,134 @@
       </p:cxnSp>
       <p:sp>
         <p:nvSpPr>
-          <p:cNvPr id="29" name="正方形/長方形 28">
-            <a:extLst>
-              <a:ext uri="{FF2B5EF4-FFF2-40B4-BE49-F238E27FC236}">
-                <a16:creationId xmlns:a16="http://schemas.microsoft.com/office/drawing/2014/main" id="{BA4D8A8A-ED52-1714-72B0-AB2E1BCF3E86}"/>
+          <p:cNvPr id="19" name="テキスト ボックス 18">
+            <a:extLst>
+              <a:ext uri="{FF2B5EF4-FFF2-40B4-BE49-F238E27FC236}">
+                <a16:creationId xmlns:a16="http://schemas.microsoft.com/office/drawing/2014/main" id="{0BE1140A-DC93-A89B-F351-DCF375DDF165}"/>
+              </a:ext>
+            </a:extLst>
+          </p:cNvPr>
+          <p:cNvSpPr txBox="1"/>
+          <p:nvPr/>
+        </p:nvSpPr>
+        <p:spPr>
+          <a:xfrm>
+            <a:off x="2711670" y="1062621"/>
+            <a:ext cx="1259280" cy="369332"/>
+          </a:xfrm>
+          <a:prstGeom prst="rect">
+            <a:avLst/>
+          </a:prstGeom>
+          <a:noFill/>
+        </p:spPr>
+        <p:txBody>
+          <a:bodyPr wrap="square" rtlCol="0">
+            <a:spAutoFit/>
+          </a:bodyPr>
+          <a:lstStyle/>
+          <a:p>
+            <a:r>
+              <a:rPr lang="en-US" altLang="ja-JP" dirty="0"/>
+              <a:t>(1-pAFP)</a:t>
+            </a:r>
+            <a:r>
+              <a:rPr lang="el-GR" altLang="ja-JP" dirty="0"/>
+              <a:t>γ</a:t>
+            </a:r>
+            <a:r>
+              <a:rPr lang="en-US" altLang="ja-JP" dirty="0"/>
+              <a:t>1</a:t>
+            </a:r>
+            <a:endParaRPr lang="en-GB" dirty="0"/>
+          </a:p>
+        </p:txBody>
+      </p:sp>
+      <p:sp>
+        <p:nvSpPr>
+          <p:cNvPr id="21" name="テキスト ボックス 20">
+            <a:extLst>
+              <a:ext uri="{FF2B5EF4-FFF2-40B4-BE49-F238E27FC236}">
+                <a16:creationId xmlns:a16="http://schemas.microsoft.com/office/drawing/2014/main" id="{47C084D1-B02E-D8FC-3C29-B8D8EFE2B96C}"/>
+              </a:ext>
+            </a:extLst>
+          </p:cNvPr>
+          <p:cNvSpPr txBox="1"/>
+          <p:nvPr/>
+        </p:nvSpPr>
+        <p:spPr>
+          <a:xfrm>
+            <a:off x="4905076" y="1015734"/>
+            <a:ext cx="546884" cy="371209"/>
+          </a:xfrm>
+          <a:prstGeom prst="rect">
+            <a:avLst/>
+          </a:prstGeom>
+          <a:noFill/>
+        </p:spPr>
+        <p:txBody>
+          <a:bodyPr wrap="square" rtlCol="0">
+            <a:spAutoFit/>
+          </a:bodyPr>
+          <a:lstStyle/>
+          <a:p>
+            <a:r>
+              <a:rPr lang="el-GR" altLang="ja-JP" dirty="0"/>
+              <a:t>γ</a:t>
+            </a:r>
+            <a:r>
+              <a:rPr lang="en-US" altLang="ja-JP" dirty="0"/>
+              <a:t>2</a:t>
+            </a:r>
+            <a:endParaRPr lang="en-GB" dirty="0"/>
+          </a:p>
+        </p:txBody>
+      </p:sp>
+      <p:sp>
+        <p:nvSpPr>
+          <p:cNvPr id="22" name="テキスト ボックス 21">
+            <a:extLst>
+              <a:ext uri="{FF2B5EF4-FFF2-40B4-BE49-F238E27FC236}">
+                <a16:creationId xmlns:a16="http://schemas.microsoft.com/office/drawing/2014/main" id="{5ADAC251-9665-E6AC-75D0-4065AF0398B2}"/>
+              </a:ext>
+            </a:extLst>
+          </p:cNvPr>
+          <p:cNvSpPr txBox="1"/>
+          <p:nvPr/>
+        </p:nvSpPr>
+        <p:spPr>
+          <a:xfrm>
+            <a:off x="4987036" y="2225443"/>
+            <a:ext cx="525225" cy="371209"/>
+          </a:xfrm>
+          <a:prstGeom prst="rect">
+            <a:avLst/>
+          </a:prstGeom>
+          <a:noFill/>
+        </p:spPr>
+        <p:txBody>
+          <a:bodyPr wrap="square" rtlCol="0">
+            <a:spAutoFit/>
+          </a:bodyPr>
+          <a:lstStyle/>
+          <a:p>
+            <a:r>
+              <a:rPr lang="el-GR" altLang="ja-JP" dirty="0"/>
+              <a:t>γ</a:t>
+            </a:r>
+            <a:r>
+              <a:rPr lang="en-US" altLang="ja-JP" dirty="0"/>
+              <a:t>3</a:t>
+            </a:r>
+            <a:endParaRPr lang="en-GB" dirty="0"/>
+          </a:p>
+        </p:txBody>
+      </p:sp>
+      <p:sp>
+        <p:nvSpPr>
+          <p:cNvPr id="3" name="正方形/長方形 7">
+            <a:extLst>
+              <a:ext uri="{FF2B5EF4-FFF2-40B4-BE49-F238E27FC236}">
+                <a16:creationId xmlns:a16="http://schemas.microsoft.com/office/drawing/2014/main" id="{5F79FB49-6C50-85B6-B91B-3EACA8D7DB5A}"/>
               </a:ext>
             </a:extLst>
           </p:cNvPr>
@@ -6767,8 +9556,8 @@
         </p:nvSpPr>
         <p:spPr>
           <a:xfrm>
-            <a:off x="9683555" y="858125"/>
-            <a:ext cx="1397391" cy="614289"/>
+            <a:off x="5724889" y="1631010"/>
+            <a:ext cx="857836" cy="574575"/>
           </a:xfrm>
           <a:prstGeom prst="rect">
             <a:avLst/>
@@ -6803,219 +9592,17 @@
                 <a:latin typeface="Times New Roman" panose="02020603050405020304" pitchFamily="18" charset="0"/>
                 <a:cs typeface="Times New Roman" panose="02020603050405020304" pitchFamily="18" charset="0"/>
               </a:rPr>
-              <a:t>Notified as polio</a:t>
-            </a:r>
-          </a:p>
-        </p:txBody>
-      </p:sp>
-      <p:sp>
-        <p:nvSpPr>
-          <p:cNvPr id="32" name="正方形/長方形 31">
-            <a:extLst>
-              <a:ext uri="{FF2B5EF4-FFF2-40B4-BE49-F238E27FC236}">
-                <a16:creationId xmlns:a16="http://schemas.microsoft.com/office/drawing/2014/main" id="{E6A7F4BA-2BB6-FB98-34BF-B1E2214A7209}"/>
-              </a:ext>
-            </a:extLst>
-          </p:cNvPr>
-          <p:cNvSpPr/>
-          <p:nvPr/>
-        </p:nvSpPr>
-        <p:spPr>
-          <a:xfrm>
-            <a:off x="5205339" y="2086705"/>
-            <a:ext cx="1397391" cy="614289"/>
-          </a:xfrm>
-          <a:prstGeom prst="rect">
-            <a:avLst/>
-          </a:prstGeom>
-          <a:ln>
-            <a:solidFill>
-              <a:schemeClr val="tx1"/>
-            </a:solidFill>
-          </a:ln>
-        </p:spPr>
-        <p:style>
-          <a:lnRef idx="2">
-            <a:schemeClr val="accent6"/>
-          </a:lnRef>
-          <a:fillRef idx="1">
-            <a:schemeClr val="lt1"/>
-          </a:fillRef>
-          <a:effectRef idx="0">
-            <a:schemeClr val="accent6"/>
-          </a:effectRef>
-          <a:fontRef idx="minor">
-            <a:schemeClr val="dk1"/>
-          </a:fontRef>
-        </p:style>
-        <p:txBody>
-          <a:bodyPr rtlCol="0" anchor="ctr"/>
-          <a:lstStyle/>
-          <a:p>
-            <a:pPr algn="ctr"/>
-            <a:r>
-              <a:rPr lang="en-GB" dirty="0">
-                <a:latin typeface="Times New Roman" panose="02020603050405020304" pitchFamily="18" charset="0"/>
-                <a:cs typeface="Times New Roman" panose="02020603050405020304" pitchFamily="18" charset="0"/>
-              </a:rPr>
-              <a:t>Secretion in sewage</a:t>
-            </a:r>
-          </a:p>
-        </p:txBody>
-      </p:sp>
-      <p:cxnSp>
-        <p:nvCxnSpPr>
-          <p:cNvPr id="33" name="直線矢印コネクタ 32">
-            <a:extLst>
-              <a:ext uri="{FF2B5EF4-FFF2-40B4-BE49-F238E27FC236}">
-                <a16:creationId xmlns:a16="http://schemas.microsoft.com/office/drawing/2014/main" id="{98CFBD4D-716D-89F3-54A7-EE3181FB477D}"/>
-              </a:ext>
-            </a:extLst>
-          </p:cNvPr>
-          <p:cNvCxnSpPr>
-            <a:cxnSpLocks/>
-            <a:stCxn id="10" idx="3"/>
-            <a:endCxn id="32" idx="1"/>
-          </p:cNvCxnSpPr>
-          <p:nvPr/>
-        </p:nvCxnSpPr>
-        <p:spPr>
-          <a:xfrm>
-            <a:off x="4115093" y="1779561"/>
-            <a:ext cx="1090246" cy="614289"/>
-          </a:xfrm>
-          <a:prstGeom prst="straightConnector1">
-            <a:avLst/>
-          </a:prstGeom>
-          <a:ln w="19050">
-            <a:solidFill>
-              <a:schemeClr val="tx1"/>
-            </a:solidFill>
-            <a:tailEnd type="triangle"/>
-          </a:ln>
-        </p:spPr>
-        <p:style>
-          <a:lnRef idx="1">
-            <a:schemeClr val="accent1"/>
-          </a:lnRef>
-          <a:fillRef idx="0">
-            <a:schemeClr val="accent1"/>
-          </a:fillRef>
-          <a:effectRef idx="0">
-            <a:schemeClr val="accent1"/>
-          </a:effectRef>
-          <a:fontRef idx="minor">
-            <a:schemeClr val="tx1"/>
-          </a:fontRef>
-        </p:style>
-      </p:cxnSp>
-      <p:sp>
-        <p:nvSpPr>
-          <p:cNvPr id="36" name="正方形/長方形 35">
-            <a:extLst>
-              <a:ext uri="{FF2B5EF4-FFF2-40B4-BE49-F238E27FC236}">
-                <a16:creationId xmlns:a16="http://schemas.microsoft.com/office/drawing/2014/main" id="{8C66B611-8016-BC55-3ADA-3A12A3637C74}"/>
-              </a:ext>
-            </a:extLst>
-          </p:cNvPr>
-          <p:cNvSpPr/>
-          <p:nvPr/>
-        </p:nvSpPr>
-        <p:spPr>
-          <a:xfrm>
-            <a:off x="7371471" y="2086704"/>
-            <a:ext cx="1397391" cy="614289"/>
-          </a:xfrm>
-          <a:prstGeom prst="rect">
-            <a:avLst/>
-          </a:prstGeom>
-          <a:ln>
-            <a:solidFill>
-              <a:schemeClr val="tx1"/>
-            </a:solidFill>
-          </a:ln>
-        </p:spPr>
-        <p:style>
-          <a:lnRef idx="2">
-            <a:schemeClr val="accent6"/>
-          </a:lnRef>
-          <a:fillRef idx="1">
-            <a:schemeClr val="lt1"/>
-          </a:fillRef>
-          <a:effectRef idx="0">
-            <a:schemeClr val="accent6"/>
-          </a:effectRef>
-          <a:fontRef idx="minor">
-            <a:schemeClr val="dk1"/>
-          </a:fontRef>
-        </p:style>
-        <p:txBody>
-          <a:bodyPr rtlCol="0" anchor="ctr"/>
-          <a:lstStyle/>
-          <a:p>
-            <a:pPr algn="ctr"/>
-            <a:r>
-              <a:rPr lang="en-GB" dirty="0">
-                <a:latin typeface="Times New Roman" panose="02020603050405020304" pitchFamily="18" charset="0"/>
-                <a:cs typeface="Times New Roman" panose="02020603050405020304" pitchFamily="18" charset="0"/>
-              </a:rPr>
-              <a:t>Detected in sewage</a:t>
-            </a:r>
-          </a:p>
-        </p:txBody>
-      </p:sp>
-      <p:cxnSp>
-        <p:nvCxnSpPr>
-          <p:cNvPr id="37" name="直線矢印コネクタ 36">
-            <a:extLst>
-              <a:ext uri="{FF2B5EF4-FFF2-40B4-BE49-F238E27FC236}">
-                <a16:creationId xmlns:a16="http://schemas.microsoft.com/office/drawing/2014/main" id="{A3EBF08E-B76F-3714-6745-BB30F9E45156}"/>
-              </a:ext>
-            </a:extLst>
-          </p:cNvPr>
-          <p:cNvCxnSpPr>
-            <a:cxnSpLocks/>
-            <a:stCxn id="32" idx="3"/>
-            <a:endCxn id="36" idx="1"/>
-          </p:cNvCxnSpPr>
-          <p:nvPr/>
-        </p:nvCxnSpPr>
-        <p:spPr>
-          <a:xfrm flipV="1">
-            <a:off x="6602730" y="2393849"/>
-            <a:ext cx="768741" cy="1"/>
-          </a:xfrm>
-          <a:prstGeom prst="straightConnector1">
-            <a:avLst/>
-          </a:prstGeom>
-          <a:ln w="19050">
-            <a:solidFill>
-              <a:schemeClr val="tx1"/>
-            </a:solidFill>
-            <a:tailEnd type="triangle"/>
-          </a:ln>
-        </p:spPr>
-        <p:style>
-          <a:lnRef idx="1">
-            <a:schemeClr val="accent1"/>
-          </a:lnRef>
-          <a:fillRef idx="0">
-            <a:schemeClr val="accent1"/>
-          </a:fillRef>
-          <a:effectRef idx="0">
-            <a:schemeClr val="accent1"/>
-          </a:effectRef>
-          <a:fontRef idx="minor">
-            <a:schemeClr val="tx1"/>
-          </a:fontRef>
-        </p:style>
-      </p:cxnSp>
-      <p:sp>
-        <p:nvSpPr>
-          <p:cNvPr id="45" name="テキスト ボックス 44">
-            <a:extLst>
-              <a:ext uri="{FF2B5EF4-FFF2-40B4-BE49-F238E27FC236}">
-                <a16:creationId xmlns:a16="http://schemas.microsoft.com/office/drawing/2014/main" id="{98D124C9-85D3-8E4D-20DC-6E866FE168F3}"/>
+              <a:t>R</a:t>
+            </a:r>
+          </a:p>
+        </p:txBody>
+      </p:sp>
+      <p:sp>
+        <p:nvSpPr>
+          <p:cNvPr id="16" name="テキスト ボックス 18">
+            <a:extLst>
+              <a:ext uri="{FF2B5EF4-FFF2-40B4-BE49-F238E27FC236}">
+                <a16:creationId xmlns:a16="http://schemas.microsoft.com/office/drawing/2014/main" id="{4FC3355B-8165-27B6-AB99-226946C4C4D0}"/>
               </a:ext>
             </a:extLst>
           </p:cNvPr>
@@ -7024,8 +9611,8 @@
         </p:nvSpPr>
         <p:spPr>
           <a:xfrm>
-            <a:off x="3840774" y="2736063"/>
-            <a:ext cx="914400" cy="646331"/>
+            <a:off x="2796492" y="2260013"/>
+            <a:ext cx="1259280" cy="369332"/>
           </a:xfrm>
           <a:prstGeom prst="rect">
             <a:avLst/>
@@ -7038,224 +9625,17 @@
           </a:bodyPr>
           <a:lstStyle/>
           <a:p>
-            <a:endParaRPr lang="en-GB" dirty="0"/>
-          </a:p>
-          <a:p>
-            <a:endParaRPr lang="en-GB" dirty="0"/>
-          </a:p>
-        </p:txBody>
-      </p:sp>
-      <p:sp>
-        <p:nvSpPr>
-          <p:cNvPr id="46" name="テキスト ボックス 45">
-            <a:extLst>
-              <a:ext uri="{FF2B5EF4-FFF2-40B4-BE49-F238E27FC236}">
-                <a16:creationId xmlns:a16="http://schemas.microsoft.com/office/drawing/2014/main" id="{499A47F3-D5B5-E755-ED1B-00BBA036A3C2}"/>
-              </a:ext>
-            </a:extLst>
-          </p:cNvPr>
-          <p:cNvSpPr txBox="1"/>
-          <p:nvPr/>
-        </p:nvSpPr>
-        <p:spPr>
-          <a:xfrm>
-            <a:off x="2204230" y="1426597"/>
-            <a:ext cx="914400" cy="369332"/>
-          </a:xfrm>
-          <a:prstGeom prst="rect">
-            <a:avLst/>
-          </a:prstGeom>
-          <a:noFill/>
-        </p:spPr>
-        <p:txBody>
-          <a:bodyPr wrap="square" rtlCol="0">
-            <a:spAutoFit/>
-          </a:bodyPr>
-          <a:lstStyle/>
-          <a:p>
+            <a:r>
+              <a:rPr lang="en-US" altLang="ja-JP" dirty="0" err="1"/>
+              <a:t>pAFP</a:t>
+            </a:r>
+            <a:r>
+              <a:rPr lang="el-GR" altLang="ja-JP" dirty="0"/>
+              <a:t>γ</a:t>
+            </a:r>
             <a:r>
               <a:rPr lang="en-US" altLang="ja-JP" dirty="0"/>
-              <a:t>λ</a:t>
-            </a:r>
-            <a:endParaRPr lang="en-GB" dirty="0"/>
-          </a:p>
-        </p:txBody>
-      </p:sp>
-      <p:sp>
-        <p:nvSpPr>
-          <p:cNvPr id="47" name="テキスト ボックス 46">
-            <a:extLst>
-              <a:ext uri="{FF2B5EF4-FFF2-40B4-BE49-F238E27FC236}">
-                <a16:creationId xmlns:a16="http://schemas.microsoft.com/office/drawing/2014/main" id="{58EA09DF-D8A2-0DA8-C5A3-44A43E7EA331}"/>
-              </a:ext>
-            </a:extLst>
-          </p:cNvPr>
-          <p:cNvSpPr txBox="1"/>
-          <p:nvPr/>
-        </p:nvSpPr>
-        <p:spPr>
-          <a:xfrm>
-            <a:off x="4410223" y="1050102"/>
-            <a:ext cx="602565" cy="369332"/>
-          </a:xfrm>
-          <a:prstGeom prst="rect">
-            <a:avLst/>
-          </a:prstGeom>
-          <a:noFill/>
-        </p:spPr>
-        <p:txBody>
-          <a:bodyPr wrap="square" rtlCol="0">
-            <a:spAutoFit/>
-          </a:bodyPr>
-          <a:lstStyle/>
-          <a:p>
-            <a:r>
-              <a:rPr lang="en-US" altLang="ja-JP" dirty="0"/>
-              <a:t>γ1</a:t>
-            </a:r>
-            <a:endParaRPr lang="en-GB" dirty="0"/>
-          </a:p>
-        </p:txBody>
-      </p:sp>
-      <p:sp>
-        <p:nvSpPr>
-          <p:cNvPr id="51" name="テキスト ボックス 50">
-            <a:extLst>
-              <a:ext uri="{FF2B5EF4-FFF2-40B4-BE49-F238E27FC236}">
-                <a16:creationId xmlns:a16="http://schemas.microsoft.com/office/drawing/2014/main" id="{41FE5B16-A1D1-2F85-FFB1-DDB0DD4B5810}"/>
-              </a:ext>
-            </a:extLst>
-          </p:cNvPr>
-          <p:cNvSpPr txBox="1"/>
-          <p:nvPr/>
-        </p:nvSpPr>
-        <p:spPr>
-          <a:xfrm>
-            <a:off x="6811694" y="764845"/>
-            <a:ext cx="602565" cy="369332"/>
-          </a:xfrm>
-          <a:prstGeom prst="rect">
-            <a:avLst/>
-          </a:prstGeom>
-          <a:noFill/>
-        </p:spPr>
-        <p:txBody>
-          <a:bodyPr wrap="square" rtlCol="0">
-            <a:spAutoFit/>
-          </a:bodyPr>
-          <a:lstStyle/>
-          <a:p>
-            <a:r>
-              <a:rPr lang="en-US" altLang="ja-JP" dirty="0"/>
-              <a:t>γ2</a:t>
-            </a:r>
-            <a:endParaRPr lang="en-GB" dirty="0"/>
-          </a:p>
-        </p:txBody>
-      </p:sp>
-      <p:sp>
-        <p:nvSpPr>
-          <p:cNvPr id="52" name="テキスト ボックス 51">
-            <a:extLst>
-              <a:ext uri="{FF2B5EF4-FFF2-40B4-BE49-F238E27FC236}">
-                <a16:creationId xmlns:a16="http://schemas.microsoft.com/office/drawing/2014/main" id="{4B7E9364-0D37-079B-9C57-189C0A47767A}"/>
-              </a:ext>
-            </a:extLst>
-          </p:cNvPr>
-          <p:cNvSpPr txBox="1"/>
-          <p:nvPr/>
-        </p:nvSpPr>
-        <p:spPr>
-          <a:xfrm>
-            <a:off x="8892252" y="680770"/>
-            <a:ext cx="602565" cy="369332"/>
-          </a:xfrm>
-          <a:prstGeom prst="rect">
-            <a:avLst/>
-          </a:prstGeom>
-          <a:noFill/>
-        </p:spPr>
-        <p:txBody>
-          <a:bodyPr wrap="square" rtlCol="0">
-            <a:spAutoFit/>
-          </a:bodyPr>
-          <a:lstStyle/>
-          <a:p>
-            <a:r>
-              <a:rPr lang="en-US" altLang="ja-JP" dirty="0"/>
-              <a:t>γ3</a:t>
-            </a:r>
-            <a:endParaRPr lang="en-GB" dirty="0"/>
-          </a:p>
-        </p:txBody>
-      </p:sp>
-      <p:sp>
-        <p:nvSpPr>
-          <p:cNvPr id="53" name="テキスト ボックス 52">
-            <a:extLst>
-              <a:ext uri="{FF2B5EF4-FFF2-40B4-BE49-F238E27FC236}">
-                <a16:creationId xmlns:a16="http://schemas.microsoft.com/office/drawing/2014/main" id="{9B780C6E-8915-57E7-7310-3FC1F52F88AA}"/>
-              </a:ext>
-            </a:extLst>
-          </p:cNvPr>
-          <p:cNvSpPr txBox="1"/>
-          <p:nvPr/>
-        </p:nvSpPr>
-        <p:spPr>
-          <a:xfrm>
-            <a:off x="4403188" y="2139688"/>
-            <a:ext cx="602565" cy="369332"/>
-          </a:xfrm>
-          <a:prstGeom prst="rect">
-            <a:avLst/>
-          </a:prstGeom>
-          <a:noFill/>
-        </p:spPr>
-        <p:txBody>
-          <a:bodyPr wrap="square" rtlCol="0">
-            <a:spAutoFit/>
-          </a:bodyPr>
-          <a:lstStyle/>
-          <a:p>
-            <a:r>
-              <a:rPr lang="en-US" altLang="ja-JP" dirty="0"/>
-              <a:t>τ1</a:t>
-            </a:r>
-            <a:endParaRPr lang="en-GB" dirty="0"/>
-          </a:p>
-        </p:txBody>
-      </p:sp>
-      <p:sp>
-        <p:nvSpPr>
-          <p:cNvPr id="54" name="テキスト ボックス 53">
-            <a:extLst>
-              <a:ext uri="{FF2B5EF4-FFF2-40B4-BE49-F238E27FC236}">
-                <a16:creationId xmlns:a16="http://schemas.microsoft.com/office/drawing/2014/main" id="{E097E5DF-FE42-B757-062C-C2FF69A5DD65}"/>
-              </a:ext>
-            </a:extLst>
-          </p:cNvPr>
-          <p:cNvSpPr txBox="1"/>
-          <p:nvPr/>
-        </p:nvSpPr>
-        <p:spPr>
-          <a:xfrm>
-            <a:off x="6717325" y="1984217"/>
-            <a:ext cx="602565" cy="369332"/>
-          </a:xfrm>
-          <a:prstGeom prst="rect">
-            <a:avLst/>
-          </a:prstGeom>
-          <a:noFill/>
-        </p:spPr>
-        <p:txBody>
-          <a:bodyPr wrap="square" rtlCol="0">
-            <a:spAutoFit/>
-          </a:bodyPr>
-          <a:lstStyle/>
-          <a:p>
-            <a:r>
-              <a:rPr lang="en-US" altLang="ja-JP" dirty="0"/>
-              <a:t>τ2</a:t>
+              <a:t>1</a:t>
             </a:r>
             <a:endParaRPr lang="en-GB" dirty="0"/>
           </a:p>
@@ -7264,7 +9644,7 @@
     </p:spTree>
     <p:extLst>
       <p:ext uri="{BB962C8B-B14F-4D97-AF65-F5344CB8AC3E}">
-        <p14:creationId xmlns:p14="http://schemas.microsoft.com/office/powerpoint/2010/main" val="1977013916"/>
+        <p14:creationId xmlns:p14="http://schemas.microsoft.com/office/powerpoint/2010/main" val="2967361661"/>
       </p:ext>
     </p:extLst>
   </p:cSld>
@@ -7296,7 +9676,7 @@
           <p:cNvPr id="4" name="テキスト ボックス 3">
             <a:extLst>
               <a:ext uri="{FF2B5EF4-FFF2-40B4-BE49-F238E27FC236}">
-                <a16:creationId xmlns:a16="http://schemas.microsoft.com/office/drawing/2014/main" id="{21230F41-A4F3-45F6-16D7-60CBD85BBC69}"/>
+                <a16:creationId xmlns:a16="http://schemas.microsoft.com/office/drawing/2014/main" id="{4F4E67A6-F9BA-55F6-8FAE-F9F36A48090E}"/>
               </a:ext>
             </a:extLst>
           </p:cNvPr>
@@ -7305,8 +9685,8 @@
         </p:nvSpPr>
         <p:spPr>
           <a:xfrm>
-            <a:off x="491783" y="40429"/>
-            <a:ext cx="2761957" cy="400110"/>
+            <a:off x="825590" y="928983"/>
+            <a:ext cx="2925788" cy="400110"/>
           </a:xfrm>
           <a:prstGeom prst="rect">
             <a:avLst/>
@@ -7324,17 +9704,17 @@
                 <a:latin typeface="Times New Roman" panose="02020603050405020304" pitchFamily="18" charset="0"/>
                 <a:cs typeface="Times New Roman" panose="02020603050405020304" pitchFamily="18" charset="0"/>
               </a:rPr>
-              <a:t>Natural history of polio</a:t>
-            </a:r>
-          </a:p>
-        </p:txBody>
-      </p:sp>
-      <p:sp>
-        <p:nvSpPr>
-          <p:cNvPr id="9" name="正方形/長方形 8">
-            <a:extLst>
-              <a:ext uri="{FF2B5EF4-FFF2-40B4-BE49-F238E27FC236}">
-                <a16:creationId xmlns:a16="http://schemas.microsoft.com/office/drawing/2014/main" id="{C78163F6-C15B-D180-D851-456E4EC78B12}"/>
+              <a:t>SEIR model</a:t>
+            </a:r>
+          </a:p>
+        </p:txBody>
+      </p:sp>
+      <p:sp>
+        <p:nvSpPr>
+          <p:cNvPr id="5" name="正方形/長方形 4">
+            <a:extLst>
+              <a:ext uri="{FF2B5EF4-FFF2-40B4-BE49-F238E27FC236}">
+                <a16:creationId xmlns:a16="http://schemas.microsoft.com/office/drawing/2014/main" id="{DAAEDDBD-F0E9-C0A2-693C-8E00F255F2F2}"/>
               </a:ext>
             </a:extLst>
           </p:cNvPr>
@@ -7343,8 +9723,8 @@
         </p:nvSpPr>
         <p:spPr>
           <a:xfrm>
-            <a:off x="508487" y="2107720"/>
-            <a:ext cx="1397391" cy="614289"/>
+            <a:off x="710126" y="1595616"/>
+            <a:ext cx="785740" cy="614289"/>
           </a:xfrm>
           <a:prstGeom prst="rect">
             <a:avLst/>
@@ -7379,17 +9759,17 @@
                 <a:latin typeface="Times New Roman" panose="02020603050405020304" pitchFamily="18" charset="0"/>
                 <a:cs typeface="Times New Roman" panose="02020603050405020304" pitchFamily="18" charset="0"/>
               </a:rPr>
-              <a:t>Susceptible</a:t>
-            </a:r>
-          </a:p>
-        </p:txBody>
-      </p:sp>
-      <p:sp>
-        <p:nvSpPr>
-          <p:cNvPr id="10" name="正方形/長方形 9">
-            <a:extLst>
-              <a:ext uri="{FF2B5EF4-FFF2-40B4-BE49-F238E27FC236}">
-                <a16:creationId xmlns:a16="http://schemas.microsoft.com/office/drawing/2014/main" id="{5C93BC17-5801-56D4-05EF-52C229E346C5}"/>
+              <a:t>S</a:t>
+            </a:r>
+          </a:p>
+        </p:txBody>
+      </p:sp>
+      <p:sp>
+        <p:nvSpPr>
+          <p:cNvPr id="6" name="正方形/長方形 5">
+            <a:extLst>
+              <a:ext uri="{FF2B5EF4-FFF2-40B4-BE49-F238E27FC236}">
+                <a16:creationId xmlns:a16="http://schemas.microsoft.com/office/drawing/2014/main" id="{A9DD66EA-AA08-2FBA-86E5-4ECE1F3CBC36}"/>
               </a:ext>
             </a:extLst>
           </p:cNvPr>
@@ -7398,8 +9778,8 @@
         </p:nvSpPr>
         <p:spPr>
           <a:xfrm>
-            <a:off x="2717701" y="2107719"/>
-            <a:ext cx="1397391" cy="614289"/>
+            <a:off x="2264897" y="1595615"/>
+            <a:ext cx="857836" cy="614289"/>
           </a:xfrm>
           <a:prstGeom prst="rect">
             <a:avLst/>
@@ -7434,17 +9814,17 @@
                 <a:latin typeface="Times New Roman" panose="02020603050405020304" pitchFamily="18" charset="0"/>
                 <a:cs typeface="Times New Roman" panose="02020603050405020304" pitchFamily="18" charset="0"/>
               </a:rPr>
-              <a:t>Infected</a:t>
-            </a:r>
-          </a:p>
-        </p:txBody>
-      </p:sp>
-      <p:sp>
-        <p:nvSpPr>
-          <p:cNvPr id="12" name="正方形/長方形 11">
-            <a:extLst>
-              <a:ext uri="{FF2B5EF4-FFF2-40B4-BE49-F238E27FC236}">
-                <a16:creationId xmlns:a16="http://schemas.microsoft.com/office/drawing/2014/main" id="{071A0224-0E89-E83C-F4B2-9CE21785B42C}"/>
+              <a:t>E</a:t>
+            </a:r>
+          </a:p>
+        </p:txBody>
+      </p:sp>
+      <p:sp>
+        <p:nvSpPr>
+          <p:cNvPr id="7" name="正方形/長方形 6">
+            <a:extLst>
+              <a:ext uri="{FF2B5EF4-FFF2-40B4-BE49-F238E27FC236}">
+                <a16:creationId xmlns:a16="http://schemas.microsoft.com/office/drawing/2014/main" id="{14C35C08-62AD-557C-6CF6-661F744E78C6}"/>
               </a:ext>
             </a:extLst>
           </p:cNvPr>
@@ -7453,8 +9833,8 @@
         </p:nvSpPr>
         <p:spPr>
           <a:xfrm>
-            <a:off x="5261610" y="1493430"/>
-            <a:ext cx="1397391" cy="614289"/>
+            <a:off x="3891764" y="1079800"/>
+            <a:ext cx="857836" cy="614289"/>
           </a:xfrm>
           <a:prstGeom prst="rect">
             <a:avLst/>
@@ -7485,34 +9865,39 @@
           <a:p>
             <a:pPr algn="ctr"/>
             <a:r>
-              <a:rPr lang="en-GB" dirty="0">
+              <a:rPr lang="en-GB" dirty="0" err="1">
                 <a:latin typeface="Times New Roman" panose="02020603050405020304" pitchFamily="18" charset="0"/>
                 <a:cs typeface="Times New Roman" panose="02020603050405020304" pitchFamily="18" charset="0"/>
               </a:rPr>
-              <a:t>Onset of AFP</a:t>
-            </a:r>
+              <a:t>Ia</a:t>
+            </a:r>
+            <a:endParaRPr lang="en-GB" dirty="0">
+              <a:latin typeface="Times New Roman" panose="02020603050405020304" pitchFamily="18" charset="0"/>
+              <a:cs typeface="Times New Roman" panose="02020603050405020304" pitchFamily="18" charset="0"/>
+            </a:endParaRPr>
           </a:p>
         </p:txBody>
       </p:sp>
       <p:cxnSp>
         <p:nvCxnSpPr>
-          <p:cNvPr id="14" name="直線矢印コネクタ 13">
-            <a:extLst>
-              <a:ext uri="{FF2B5EF4-FFF2-40B4-BE49-F238E27FC236}">
-                <a16:creationId xmlns:a16="http://schemas.microsoft.com/office/drawing/2014/main" id="{C6F46BDE-C67D-D7EA-2B31-4F87A26BBE37}"/>
+          <p:cNvPr id="9" name="直線矢印コネクタ 8">
+            <a:extLst>
+              <a:ext uri="{FF2B5EF4-FFF2-40B4-BE49-F238E27FC236}">
+                <a16:creationId xmlns:a16="http://schemas.microsoft.com/office/drawing/2014/main" id="{B30EBF94-F7AC-6D2E-F7D5-E221FE8F8893}"/>
               </a:ext>
             </a:extLst>
           </p:cNvPr>
           <p:cNvCxnSpPr>
-            <a:stCxn id="9" idx="3"/>
-            <a:endCxn id="10" idx="1"/>
+            <a:cxnSpLocks/>
+            <a:stCxn id="5" idx="3"/>
+            <a:endCxn id="6" idx="1"/>
           </p:cNvCxnSpPr>
           <p:nvPr/>
         </p:nvCxnSpPr>
         <p:spPr>
           <a:xfrm flipV="1">
-            <a:off x="1905878" y="2414864"/>
-            <a:ext cx="811823" cy="1"/>
+            <a:off x="1495866" y="1902760"/>
+            <a:ext cx="769031" cy="1"/>
           </a:xfrm>
           <a:prstGeom prst="straightConnector1">
             <a:avLst/>
@@ -7541,24 +9926,24 @@
       </p:cxnSp>
       <p:cxnSp>
         <p:nvCxnSpPr>
-          <p:cNvPr id="15" name="直線矢印コネクタ 14">
-            <a:extLst>
-              <a:ext uri="{FF2B5EF4-FFF2-40B4-BE49-F238E27FC236}">
-                <a16:creationId xmlns:a16="http://schemas.microsoft.com/office/drawing/2014/main" id="{3FC421C2-DA3B-326D-3EDC-D9941322B11D}"/>
+          <p:cNvPr id="13" name="直線矢印コネクタ 12">
+            <a:extLst>
+              <a:ext uri="{FF2B5EF4-FFF2-40B4-BE49-F238E27FC236}">
+                <a16:creationId xmlns:a16="http://schemas.microsoft.com/office/drawing/2014/main" id="{721B60B5-886D-359C-497B-278477619A6F}"/>
               </a:ext>
             </a:extLst>
           </p:cNvPr>
           <p:cNvCxnSpPr>
             <a:cxnSpLocks/>
-            <a:stCxn id="10" idx="3"/>
-            <a:endCxn id="12" idx="1"/>
+            <a:stCxn id="6" idx="3"/>
+            <a:endCxn id="7" idx="1"/>
           </p:cNvCxnSpPr>
           <p:nvPr/>
         </p:nvCxnSpPr>
         <p:spPr>
           <a:xfrm flipV="1">
-            <a:off x="4115092" y="1800575"/>
-            <a:ext cx="1146518" cy="614289"/>
+            <a:off x="3122733" y="1386945"/>
+            <a:ext cx="769031" cy="515815"/>
           </a:xfrm>
           <a:prstGeom prst="straightConnector1">
             <a:avLst/>
@@ -7585,12 +9970,58 @@
           </a:fontRef>
         </p:style>
       </p:cxnSp>
-      <p:sp>
-        <p:nvSpPr>
-          <p:cNvPr id="21" name="正方形/長方形 20">
-            <a:extLst>
-              <a:ext uri="{FF2B5EF4-FFF2-40B4-BE49-F238E27FC236}">
-                <a16:creationId xmlns:a16="http://schemas.microsoft.com/office/drawing/2014/main" id="{2C1B784D-3F47-EC80-379E-CE537C8F1ACB}"/>
+      <p:cxnSp>
+        <p:nvCxnSpPr>
+          <p:cNvPr id="17" name="直線矢印コネクタ 16">
+            <a:extLst>
+              <a:ext uri="{FF2B5EF4-FFF2-40B4-BE49-F238E27FC236}">
+                <a16:creationId xmlns:a16="http://schemas.microsoft.com/office/drawing/2014/main" id="{EB4F7E7A-AF55-2C0F-79B0-2D8A51FDDB09}"/>
+              </a:ext>
+            </a:extLst>
+          </p:cNvPr>
+          <p:cNvCxnSpPr>
+            <a:cxnSpLocks/>
+            <a:stCxn id="7" idx="3"/>
+            <a:endCxn id="46" idx="1"/>
+          </p:cNvCxnSpPr>
+          <p:nvPr/>
+        </p:nvCxnSpPr>
+        <p:spPr>
+          <a:xfrm flipV="1">
+            <a:off x="4749600" y="1386928"/>
+            <a:ext cx="549293" cy="17"/>
+          </a:xfrm>
+          <a:prstGeom prst="straightConnector1">
+            <a:avLst/>
+          </a:prstGeom>
+          <a:ln w="19050">
+            <a:solidFill>
+              <a:schemeClr val="tx1"/>
+            </a:solidFill>
+            <a:tailEnd type="triangle"/>
+          </a:ln>
+        </p:spPr>
+        <p:style>
+          <a:lnRef idx="1">
+            <a:schemeClr val="accent1"/>
+          </a:lnRef>
+          <a:fillRef idx="0">
+            <a:schemeClr val="accent1"/>
+          </a:fillRef>
+          <a:effectRef idx="0">
+            <a:schemeClr val="accent1"/>
+          </a:effectRef>
+          <a:fontRef idx="minor">
+            <a:schemeClr val="tx1"/>
+          </a:fontRef>
+        </p:style>
+      </p:cxnSp>
+      <p:sp>
+        <p:nvSpPr>
+          <p:cNvPr id="35" name="正方形/長方形 34">
+            <a:extLst>
+              <a:ext uri="{FF2B5EF4-FFF2-40B4-BE49-F238E27FC236}">
+                <a16:creationId xmlns:a16="http://schemas.microsoft.com/office/drawing/2014/main" id="{A10583FD-1679-6011-1EFF-64D6BC3B6BAD}"/>
               </a:ext>
             </a:extLst>
           </p:cNvPr>
@@ -7599,8 +10030,8 @@
         </p:nvSpPr>
         <p:spPr>
           <a:xfrm>
-            <a:off x="7378213" y="1493427"/>
-            <a:ext cx="1397391" cy="614289"/>
+            <a:off x="3891764" y="2209904"/>
+            <a:ext cx="857836" cy="614289"/>
           </a:xfrm>
           <a:prstGeom prst="rect">
             <a:avLst/>
@@ -7635,31 +10066,42 @@
                 <a:latin typeface="Times New Roman" panose="02020603050405020304" pitchFamily="18" charset="0"/>
                 <a:cs typeface="Times New Roman" panose="02020603050405020304" pitchFamily="18" charset="0"/>
               </a:rPr>
-              <a:t>Seeking healthcare</a:t>
-            </a:r>
+              <a:t>I</a:t>
+            </a:r>
+            <a:r>
+              <a:rPr lang="en-GB" sz="2000" baseline="-25000" dirty="0">
+                <a:latin typeface="Times New Roman" panose="02020603050405020304" pitchFamily="18" charset="0"/>
+                <a:cs typeface="Times New Roman" panose="02020603050405020304" pitchFamily="18" charset="0"/>
+              </a:rPr>
+              <a:t>AFP</a:t>
+            </a:r>
+            <a:endParaRPr lang="en-GB" baseline="-25000" dirty="0">
+              <a:latin typeface="Times New Roman" panose="02020603050405020304" pitchFamily="18" charset="0"/>
+              <a:cs typeface="Times New Roman" panose="02020603050405020304" pitchFamily="18" charset="0"/>
+            </a:endParaRPr>
           </a:p>
         </p:txBody>
       </p:sp>
       <p:cxnSp>
         <p:nvCxnSpPr>
-          <p:cNvPr id="22" name="直線矢印コネクタ 21">
-            <a:extLst>
-              <a:ext uri="{FF2B5EF4-FFF2-40B4-BE49-F238E27FC236}">
-                <a16:creationId xmlns:a16="http://schemas.microsoft.com/office/drawing/2014/main" id="{55E4BE6A-EE40-D556-C041-2652B1116B5C}"/>
+          <p:cNvPr id="36" name="直線矢印コネクタ 35">
+            <a:extLst>
+              <a:ext uri="{FF2B5EF4-FFF2-40B4-BE49-F238E27FC236}">
+                <a16:creationId xmlns:a16="http://schemas.microsoft.com/office/drawing/2014/main" id="{0C009F64-879D-9700-77DB-70F3BE7669FE}"/>
               </a:ext>
             </a:extLst>
           </p:cNvPr>
           <p:cNvCxnSpPr>
             <a:cxnSpLocks/>
-            <a:stCxn id="12" idx="3"/>
-            <a:endCxn id="21" idx="1"/>
+            <a:stCxn id="6" idx="3"/>
+            <a:endCxn id="35" idx="1"/>
           </p:cNvCxnSpPr>
           <p:nvPr/>
         </p:nvCxnSpPr>
         <p:spPr>
-          <a:xfrm flipV="1">
-            <a:off x="6659001" y="1800572"/>
-            <a:ext cx="719212" cy="3"/>
+          <a:xfrm>
+            <a:off x="3122733" y="1902760"/>
+            <a:ext cx="769031" cy="614289"/>
           </a:xfrm>
           <a:prstGeom prst="straightConnector1">
             <a:avLst/>
@@ -7688,24 +10130,24 @@
       </p:cxnSp>
       <p:cxnSp>
         <p:nvCxnSpPr>
-          <p:cNvPr id="26" name="直線矢印コネクタ 25">
-            <a:extLst>
-              <a:ext uri="{FF2B5EF4-FFF2-40B4-BE49-F238E27FC236}">
-                <a16:creationId xmlns:a16="http://schemas.microsoft.com/office/drawing/2014/main" id="{84867389-54E0-8EAB-5604-B9567DCED117}"/>
+          <p:cNvPr id="41" name="直線矢印コネクタ 40">
+            <a:extLst>
+              <a:ext uri="{FF2B5EF4-FFF2-40B4-BE49-F238E27FC236}">
+                <a16:creationId xmlns:a16="http://schemas.microsoft.com/office/drawing/2014/main" id="{D02CDAF2-38C1-3C91-02D9-0FF51115A22A}"/>
               </a:ext>
             </a:extLst>
           </p:cNvPr>
           <p:cNvCxnSpPr>
             <a:cxnSpLocks/>
-            <a:stCxn id="21" idx="3"/>
-            <a:endCxn id="29" idx="1"/>
+            <a:stCxn id="35" idx="3"/>
+            <a:endCxn id="12" idx="1"/>
           </p:cNvCxnSpPr>
           <p:nvPr/>
         </p:nvCxnSpPr>
         <p:spPr>
-          <a:xfrm>
-            <a:off x="8775604" y="1800572"/>
-            <a:ext cx="907950" cy="1"/>
+          <a:xfrm flipV="1">
+            <a:off x="4749600" y="2517048"/>
+            <a:ext cx="917482" cy="1"/>
           </a:xfrm>
           <a:prstGeom prst="straightConnector1">
             <a:avLst/>
@@ -7734,10 +10176,10 @@
       </p:cxnSp>
       <p:sp>
         <p:nvSpPr>
-          <p:cNvPr id="29" name="正方形/長方形 28">
-            <a:extLst>
-              <a:ext uri="{FF2B5EF4-FFF2-40B4-BE49-F238E27FC236}">
-                <a16:creationId xmlns:a16="http://schemas.microsoft.com/office/drawing/2014/main" id="{BA4D8A8A-ED52-1714-72B0-AB2E1BCF3E86}"/>
+          <p:cNvPr id="12" name="正方形/長方形 11">
+            <a:extLst>
+              <a:ext uri="{FF2B5EF4-FFF2-40B4-BE49-F238E27FC236}">
+                <a16:creationId xmlns:a16="http://schemas.microsoft.com/office/drawing/2014/main" id="{6A1B3995-1E73-B21C-8AA4-8602BF14562D}"/>
               </a:ext>
             </a:extLst>
           </p:cNvPr>
@@ -7746,8 +10188,8 @@
         </p:nvSpPr>
         <p:spPr>
           <a:xfrm>
-            <a:off x="9683554" y="1493428"/>
-            <a:ext cx="1397391" cy="614289"/>
+            <a:off x="5667082" y="2209903"/>
+            <a:ext cx="857836" cy="614289"/>
           </a:xfrm>
           <a:prstGeom prst="rect">
             <a:avLst/>
@@ -7782,17 +10224,177 @@
                 <a:latin typeface="Times New Roman" panose="02020603050405020304" pitchFamily="18" charset="0"/>
                 <a:cs typeface="Times New Roman" panose="02020603050405020304" pitchFamily="18" charset="0"/>
               </a:rPr>
-              <a:t>Notified as polio</a:t>
-            </a:r>
-          </a:p>
-        </p:txBody>
-      </p:sp>
-      <p:sp>
-        <p:nvSpPr>
-          <p:cNvPr id="32" name="正方形/長方形 31">
-            <a:extLst>
-              <a:ext uri="{FF2B5EF4-FFF2-40B4-BE49-F238E27FC236}">
-                <a16:creationId xmlns:a16="http://schemas.microsoft.com/office/drawing/2014/main" id="{E6A7F4BA-2BB6-FB98-34BF-B1E2214A7209}"/>
+              <a:t>H</a:t>
+            </a:r>
+          </a:p>
+        </p:txBody>
+      </p:sp>
+      <p:sp>
+        <p:nvSpPr>
+          <p:cNvPr id="19" name="テキスト ボックス 18">
+            <a:extLst>
+              <a:ext uri="{FF2B5EF4-FFF2-40B4-BE49-F238E27FC236}">
+                <a16:creationId xmlns:a16="http://schemas.microsoft.com/office/drawing/2014/main" id="{0BE1140A-DC93-A89B-F351-DCF375DDF165}"/>
+              </a:ext>
+            </a:extLst>
+          </p:cNvPr>
+          <p:cNvSpPr txBox="1"/>
+          <p:nvPr/>
+        </p:nvSpPr>
+        <p:spPr>
+          <a:xfrm>
+            <a:off x="3205966" y="1238516"/>
+            <a:ext cx="602565" cy="369332"/>
+          </a:xfrm>
+          <a:prstGeom prst="rect">
+            <a:avLst/>
+          </a:prstGeom>
+          <a:noFill/>
+        </p:spPr>
+        <p:txBody>
+          <a:bodyPr wrap="square" rtlCol="0">
+            <a:spAutoFit/>
+          </a:bodyPr>
+          <a:lstStyle/>
+          <a:p>
+            <a:r>
+              <a:rPr lang="el-GR" altLang="ja-JP" dirty="0"/>
+              <a:t>γ</a:t>
+            </a:r>
+            <a:r>
+              <a:rPr lang="en-US" altLang="ja-JP" dirty="0"/>
+              <a:t>1</a:t>
+            </a:r>
+            <a:endParaRPr lang="en-GB" dirty="0"/>
+          </a:p>
+        </p:txBody>
+      </p:sp>
+      <p:sp>
+        <p:nvSpPr>
+          <p:cNvPr id="20" name="テキスト ボックス 19">
+            <a:extLst>
+              <a:ext uri="{FF2B5EF4-FFF2-40B4-BE49-F238E27FC236}">
+                <a16:creationId xmlns:a16="http://schemas.microsoft.com/office/drawing/2014/main" id="{E0350099-D1B7-1ED8-9FD7-41FEB3D718E1}"/>
+              </a:ext>
+            </a:extLst>
+          </p:cNvPr>
+          <p:cNvSpPr txBox="1"/>
+          <p:nvPr/>
+        </p:nvSpPr>
+        <p:spPr>
+          <a:xfrm>
+            <a:off x="3227650" y="2182076"/>
+            <a:ext cx="546884" cy="371209"/>
+          </a:xfrm>
+          <a:prstGeom prst="rect">
+            <a:avLst/>
+          </a:prstGeom>
+          <a:noFill/>
+        </p:spPr>
+        <p:txBody>
+          <a:bodyPr wrap="square" rtlCol="0">
+            <a:spAutoFit/>
+          </a:bodyPr>
+          <a:lstStyle/>
+          <a:p>
+            <a:r>
+              <a:rPr lang="el-GR" altLang="ja-JP" dirty="0"/>
+              <a:t>γ</a:t>
+            </a:r>
+            <a:r>
+              <a:rPr lang="en-US" altLang="ja-JP" dirty="0"/>
+              <a:t>1</a:t>
+            </a:r>
+            <a:endParaRPr lang="en-GB" dirty="0"/>
+          </a:p>
+        </p:txBody>
+      </p:sp>
+      <p:sp>
+        <p:nvSpPr>
+          <p:cNvPr id="21" name="テキスト ボックス 20">
+            <a:extLst>
+              <a:ext uri="{FF2B5EF4-FFF2-40B4-BE49-F238E27FC236}">
+                <a16:creationId xmlns:a16="http://schemas.microsoft.com/office/drawing/2014/main" id="{47C084D1-B02E-D8FC-3C29-B8D8EFE2B96C}"/>
+              </a:ext>
+            </a:extLst>
+          </p:cNvPr>
+          <p:cNvSpPr txBox="1"/>
+          <p:nvPr/>
+        </p:nvSpPr>
+        <p:spPr>
+          <a:xfrm>
+            <a:off x="4905076" y="1015734"/>
+            <a:ext cx="546884" cy="371209"/>
+          </a:xfrm>
+          <a:prstGeom prst="rect">
+            <a:avLst/>
+          </a:prstGeom>
+          <a:noFill/>
+        </p:spPr>
+        <p:txBody>
+          <a:bodyPr wrap="square" rtlCol="0">
+            <a:spAutoFit/>
+          </a:bodyPr>
+          <a:lstStyle/>
+          <a:p>
+            <a:r>
+              <a:rPr lang="el-GR" altLang="ja-JP" dirty="0"/>
+              <a:t>γ</a:t>
+            </a:r>
+            <a:r>
+              <a:rPr lang="en-US" altLang="ja-JP" dirty="0"/>
+              <a:t>2</a:t>
+            </a:r>
+            <a:endParaRPr lang="en-GB" dirty="0"/>
+          </a:p>
+        </p:txBody>
+      </p:sp>
+      <p:sp>
+        <p:nvSpPr>
+          <p:cNvPr id="22" name="テキスト ボックス 21">
+            <a:extLst>
+              <a:ext uri="{FF2B5EF4-FFF2-40B4-BE49-F238E27FC236}">
+                <a16:creationId xmlns:a16="http://schemas.microsoft.com/office/drawing/2014/main" id="{5ADAC251-9665-E6AC-75D0-4065AF0398B2}"/>
+              </a:ext>
+            </a:extLst>
+          </p:cNvPr>
+          <p:cNvSpPr txBox="1"/>
+          <p:nvPr/>
+        </p:nvSpPr>
+        <p:spPr>
+          <a:xfrm>
+            <a:off x="4934899" y="2107049"/>
+            <a:ext cx="517061" cy="371209"/>
+          </a:xfrm>
+          <a:prstGeom prst="rect">
+            <a:avLst/>
+          </a:prstGeom>
+          <a:noFill/>
+        </p:spPr>
+        <p:txBody>
+          <a:bodyPr wrap="square" rtlCol="0">
+            <a:spAutoFit/>
+          </a:bodyPr>
+          <a:lstStyle/>
+          <a:p>
+            <a:r>
+              <a:rPr lang="el-GR" altLang="ja-JP" dirty="0"/>
+              <a:t>γ</a:t>
+            </a:r>
+            <a:r>
+              <a:rPr lang="en-US" altLang="ja-JP" dirty="0"/>
+              <a:t>3</a:t>
+            </a:r>
+            <a:endParaRPr lang="en-GB" dirty="0"/>
+          </a:p>
+        </p:txBody>
+      </p:sp>
+      <p:sp>
+        <p:nvSpPr>
+          <p:cNvPr id="3" name="正方形/長方形 7">
+            <a:extLst>
+              <a:ext uri="{FF2B5EF4-FFF2-40B4-BE49-F238E27FC236}">
+                <a16:creationId xmlns:a16="http://schemas.microsoft.com/office/drawing/2014/main" id="{5F79FB49-6C50-85B6-B91B-3EACA8D7DB5A}"/>
               </a:ext>
             </a:extLst>
           </p:cNvPr>
@@ -7801,8 +10403,8 @@
         </p:nvSpPr>
         <p:spPr>
           <a:xfrm>
-            <a:off x="5205338" y="2722008"/>
-            <a:ext cx="1397391" cy="614289"/>
+            <a:off x="8301566" y="1088767"/>
+            <a:ext cx="857836" cy="574575"/>
           </a:xfrm>
           <a:prstGeom prst="rect">
             <a:avLst/>
@@ -7837,63 +10439,17 @@
                 <a:latin typeface="Times New Roman" panose="02020603050405020304" pitchFamily="18" charset="0"/>
                 <a:cs typeface="Times New Roman" panose="02020603050405020304" pitchFamily="18" charset="0"/>
               </a:rPr>
-              <a:t>Secretion in sewage</a:t>
-            </a:r>
-          </a:p>
-        </p:txBody>
-      </p:sp>
-      <p:cxnSp>
-        <p:nvCxnSpPr>
-          <p:cNvPr id="33" name="直線矢印コネクタ 32">
-            <a:extLst>
-              <a:ext uri="{FF2B5EF4-FFF2-40B4-BE49-F238E27FC236}">
-                <a16:creationId xmlns:a16="http://schemas.microsoft.com/office/drawing/2014/main" id="{98CFBD4D-716D-89F3-54A7-EE3181FB477D}"/>
-              </a:ext>
-            </a:extLst>
-          </p:cNvPr>
-          <p:cNvCxnSpPr>
-            <a:cxnSpLocks/>
-            <a:stCxn id="10" idx="3"/>
-            <a:endCxn id="32" idx="1"/>
-          </p:cNvCxnSpPr>
-          <p:nvPr/>
-        </p:nvCxnSpPr>
-        <p:spPr>
-          <a:xfrm>
-            <a:off x="4115092" y="2414864"/>
-            <a:ext cx="1090246" cy="614289"/>
-          </a:xfrm>
-          <a:prstGeom prst="straightConnector1">
-            <a:avLst/>
-          </a:prstGeom>
-          <a:ln w="19050">
-            <a:solidFill>
-              <a:schemeClr val="tx1"/>
-            </a:solidFill>
-            <a:tailEnd type="triangle"/>
-          </a:ln>
-        </p:spPr>
-        <p:style>
-          <a:lnRef idx="1">
-            <a:schemeClr val="accent1"/>
-          </a:lnRef>
-          <a:fillRef idx="0">
-            <a:schemeClr val="accent1"/>
-          </a:fillRef>
-          <a:effectRef idx="0">
-            <a:schemeClr val="accent1"/>
-          </a:effectRef>
-          <a:fontRef idx="minor">
-            <a:schemeClr val="tx1"/>
-          </a:fontRef>
-        </p:style>
-      </p:cxnSp>
-      <p:sp>
-        <p:nvSpPr>
-          <p:cNvPr id="36" name="正方形/長方形 35">
-            <a:extLst>
-              <a:ext uri="{FF2B5EF4-FFF2-40B4-BE49-F238E27FC236}">
-                <a16:creationId xmlns:a16="http://schemas.microsoft.com/office/drawing/2014/main" id="{8C66B611-8016-BC55-3ADA-3A12A3637C74}"/>
+              <a:t>R</a:t>
+            </a:r>
+          </a:p>
+        </p:txBody>
+      </p:sp>
+      <p:sp>
+        <p:nvSpPr>
+          <p:cNvPr id="10" name="正方形/長方形 6">
+            <a:extLst>
+              <a:ext uri="{FF2B5EF4-FFF2-40B4-BE49-F238E27FC236}">
+                <a16:creationId xmlns:a16="http://schemas.microsoft.com/office/drawing/2014/main" id="{B0EC1827-EB48-8E23-7AC7-17CF541D2DFC}"/>
               </a:ext>
             </a:extLst>
           </p:cNvPr>
@@ -7902,8 +10458,8 @@
         </p:nvSpPr>
         <p:spPr>
           <a:xfrm>
-            <a:off x="7371470" y="2722007"/>
-            <a:ext cx="1397391" cy="614289"/>
+            <a:off x="6420017" y="1068911"/>
+            <a:ext cx="857836" cy="614289"/>
           </a:xfrm>
           <a:prstGeom prst="rect">
             <a:avLst/>
@@ -7934,35 +10490,39 @@
           <a:p>
             <a:pPr algn="ctr"/>
             <a:r>
-              <a:rPr lang="en-GB" dirty="0">
+              <a:rPr lang="en-GB" dirty="0" err="1">
                 <a:latin typeface="Times New Roman" panose="02020603050405020304" pitchFamily="18" charset="0"/>
                 <a:cs typeface="Times New Roman" panose="02020603050405020304" pitchFamily="18" charset="0"/>
               </a:rPr>
-              <a:t>Detected in sewage</a:t>
-            </a:r>
+              <a:t>Ia</a:t>
+            </a:r>
+            <a:endParaRPr lang="en-GB" dirty="0">
+              <a:latin typeface="Times New Roman" panose="02020603050405020304" pitchFamily="18" charset="0"/>
+              <a:cs typeface="Times New Roman" panose="02020603050405020304" pitchFamily="18" charset="0"/>
+            </a:endParaRPr>
           </a:p>
         </p:txBody>
       </p:sp>
       <p:cxnSp>
         <p:nvCxnSpPr>
-          <p:cNvPr id="37" name="直線矢印コネクタ 36">
-            <a:extLst>
-              <a:ext uri="{FF2B5EF4-FFF2-40B4-BE49-F238E27FC236}">
-                <a16:creationId xmlns:a16="http://schemas.microsoft.com/office/drawing/2014/main" id="{A3EBF08E-B76F-3714-6745-BB30F9E45156}"/>
+          <p:cNvPr id="15" name="直線矢印コネクタ 16">
+            <a:extLst>
+              <a:ext uri="{FF2B5EF4-FFF2-40B4-BE49-F238E27FC236}">
+                <a16:creationId xmlns:a16="http://schemas.microsoft.com/office/drawing/2014/main" id="{0CC3BBAD-2929-E946-D72A-60FD7F0D177A}"/>
               </a:ext>
             </a:extLst>
           </p:cNvPr>
           <p:cNvCxnSpPr>
             <a:cxnSpLocks/>
-            <a:stCxn id="32" idx="3"/>
-            <a:endCxn id="36" idx="1"/>
+            <a:stCxn id="10" idx="3"/>
+            <a:endCxn id="3" idx="1"/>
           </p:cNvCxnSpPr>
           <p:nvPr/>
         </p:nvCxnSpPr>
         <p:spPr>
           <a:xfrm flipV="1">
-            <a:off x="6602729" y="3029152"/>
-            <a:ext cx="768741" cy="1"/>
+            <a:off x="7277853" y="1376055"/>
+            <a:ext cx="1023713" cy="1"/>
           </a:xfrm>
           <a:prstGeom prst="straightConnector1">
             <a:avLst/>
@@ -7991,10 +10551,10 @@
       </p:cxnSp>
       <p:sp>
         <p:nvSpPr>
-          <p:cNvPr id="45" name="テキスト ボックス 44">
-            <a:extLst>
-              <a:ext uri="{FF2B5EF4-FFF2-40B4-BE49-F238E27FC236}">
-                <a16:creationId xmlns:a16="http://schemas.microsoft.com/office/drawing/2014/main" id="{98D124C9-85D3-8E4D-20DC-6E866FE168F3}"/>
+          <p:cNvPr id="31" name="テキスト ボックス 20">
+            <a:extLst>
+              <a:ext uri="{FF2B5EF4-FFF2-40B4-BE49-F238E27FC236}">
+                <a16:creationId xmlns:a16="http://schemas.microsoft.com/office/drawing/2014/main" id="{EAB38820-D57D-A785-BA54-DF5ABD2B15E6}"/>
               </a:ext>
             </a:extLst>
           </p:cNvPr>
@@ -8003,8 +10563,8 @@
         </p:nvSpPr>
         <p:spPr>
           <a:xfrm>
-            <a:off x="3847516" y="3299660"/>
-            <a:ext cx="914400" cy="646331"/>
+            <a:off x="7581274" y="943433"/>
+            <a:ext cx="546884" cy="371209"/>
           </a:xfrm>
           <a:prstGeom prst="rect">
             <a:avLst/>
@@ -8017,19 +10577,73 @@
           </a:bodyPr>
           <a:lstStyle/>
           <a:p>
+            <a:r>
+              <a:rPr lang="el-GR" altLang="ja-JP" dirty="0"/>
+              <a:t>γ</a:t>
+            </a:r>
+            <a:r>
+              <a:rPr lang="en-US" altLang="ja-JP" dirty="0"/>
+              <a:t>2</a:t>
+            </a:r>
             <a:endParaRPr lang="en-GB" dirty="0"/>
           </a:p>
-          <a:p>
-            <a:endParaRPr lang="en-GB" dirty="0"/>
-          </a:p>
-        </p:txBody>
-      </p:sp>
-      <p:sp>
-        <p:nvSpPr>
-          <p:cNvPr id="46" name="テキスト ボックス 45">
-            <a:extLst>
-              <a:ext uri="{FF2B5EF4-FFF2-40B4-BE49-F238E27FC236}">
-                <a16:creationId xmlns:a16="http://schemas.microsoft.com/office/drawing/2014/main" id="{499A47F3-D5B5-E755-ED1B-00BBA036A3C2}"/>
+        </p:txBody>
+      </p:sp>
+      <p:sp>
+        <p:nvSpPr>
+          <p:cNvPr id="32" name="Left Brace 31">
+            <a:extLst>
+              <a:ext uri="{FF2B5EF4-FFF2-40B4-BE49-F238E27FC236}">
+                <a16:creationId xmlns:a16="http://schemas.microsoft.com/office/drawing/2014/main" id="{A3D00E51-6E7B-3A7D-2EFF-E8B3341C7DD5}"/>
+              </a:ext>
+            </a:extLst>
+          </p:cNvPr>
+          <p:cNvSpPr/>
+          <p:nvPr/>
+        </p:nvSpPr>
+        <p:spPr>
+          <a:xfrm rot="5400000">
+            <a:off x="5475831" y="-864844"/>
+            <a:ext cx="268636" cy="3181502"/>
+          </a:xfrm>
+          <a:prstGeom prst="leftBrace">
+            <a:avLst/>
+          </a:prstGeom>
+          <a:ln>
+            <a:solidFill>
+              <a:schemeClr val="tx1"/>
+            </a:solidFill>
+          </a:ln>
+        </p:spPr>
+        <p:style>
+          <a:lnRef idx="1">
+            <a:schemeClr val="accent1"/>
+          </a:lnRef>
+          <a:fillRef idx="0">
+            <a:schemeClr val="accent1"/>
+          </a:fillRef>
+          <a:effectRef idx="0">
+            <a:schemeClr val="accent1"/>
+          </a:effectRef>
+          <a:fontRef idx="minor">
+            <a:schemeClr val="tx1"/>
+          </a:fontRef>
+        </p:style>
+        <p:txBody>
+          <a:bodyPr rtlCol="0" anchor="ctr"/>
+          <a:lstStyle/>
+          <a:p>
+            <a:pPr algn="ctr"/>
+            <a:endParaRPr lang="en-GB"/>
+          </a:p>
+        </p:txBody>
+      </p:sp>
+      <p:sp>
+        <p:nvSpPr>
+          <p:cNvPr id="33" name="TextBox 32">
+            <a:extLst>
+              <a:ext uri="{FF2B5EF4-FFF2-40B4-BE49-F238E27FC236}">
+                <a16:creationId xmlns:a16="http://schemas.microsoft.com/office/drawing/2014/main" id="{1F401F88-89E1-E651-F2EA-616B61B055DA}"/>
               </a:ext>
             </a:extLst>
           </p:cNvPr>
@@ -8038,8 +10652,8 @@
         </p:nvSpPr>
         <p:spPr>
           <a:xfrm>
-            <a:off x="2204229" y="2061900"/>
-            <a:ext cx="914400" cy="369332"/>
+            <a:off x="3458300" y="189520"/>
+            <a:ext cx="3987319" cy="369332"/>
           </a:xfrm>
           <a:prstGeom prst="rect">
             <a:avLst/>
@@ -8053,19 +10667,18 @@
           <a:lstStyle/>
           <a:p>
             <a:r>
-              <a:rPr lang="en-US" altLang="ja-JP" dirty="0"/>
-              <a:t>λ</a:t>
-            </a:r>
-            <a:endParaRPr lang="en-GB" dirty="0"/>
-          </a:p>
-        </p:txBody>
-      </p:sp>
-      <p:sp>
-        <p:nvSpPr>
-          <p:cNvPr id="47" name="テキスト ボックス 46">
-            <a:extLst>
-              <a:ext uri="{FF2B5EF4-FFF2-40B4-BE49-F238E27FC236}">
-                <a16:creationId xmlns:a16="http://schemas.microsoft.com/office/drawing/2014/main" id="{58EA09DF-D8A2-0DA8-C5A3-44A43E7EA331}"/>
+              <a:rPr lang="en-GB" dirty="0"/>
+              <a:t>For gamma-distributed shedding</a:t>
+            </a:r>
+          </a:p>
+        </p:txBody>
+      </p:sp>
+      <p:sp>
+        <p:nvSpPr>
+          <p:cNvPr id="46" name="TextBox 45">
+            <a:extLst>
+              <a:ext uri="{FF2B5EF4-FFF2-40B4-BE49-F238E27FC236}">
+                <a16:creationId xmlns:a16="http://schemas.microsoft.com/office/drawing/2014/main" id="{FB75918D-697B-EA6A-602C-8792FA84F416}"/>
               </a:ext>
             </a:extLst>
           </p:cNvPr>
@@ -8074,8 +10687,8 @@
         </p:nvSpPr>
         <p:spPr>
           <a:xfrm>
-            <a:off x="4516316" y="1685405"/>
-            <a:ext cx="602565" cy="369332"/>
+            <a:off x="5298893" y="1202262"/>
+            <a:ext cx="408432" cy="369332"/>
           </a:xfrm>
           <a:prstGeom prst="rect">
             <a:avLst/>
@@ -8089,177 +10702,32 @@
           <a:lstStyle/>
           <a:p>
             <a:r>
-              <a:rPr lang="en-US" altLang="ja-JP" dirty="0"/>
-              <a:t>pγ1</a:t>
-            </a:r>
-            <a:endParaRPr lang="en-GB" dirty="0"/>
-          </a:p>
-        </p:txBody>
-      </p:sp>
-      <p:sp>
-        <p:nvSpPr>
-          <p:cNvPr id="51" name="テキスト ボックス 50">
-            <a:extLst>
-              <a:ext uri="{FF2B5EF4-FFF2-40B4-BE49-F238E27FC236}">
-                <a16:creationId xmlns:a16="http://schemas.microsoft.com/office/drawing/2014/main" id="{41FE5B16-A1D1-2F85-FFB1-DDB0DD4B5810}"/>
-              </a:ext>
-            </a:extLst>
-          </p:cNvPr>
-          <p:cNvSpPr txBox="1"/>
-          <p:nvPr/>
-        </p:nvSpPr>
-        <p:spPr>
-          <a:xfrm>
-            <a:off x="6811693" y="1400148"/>
-            <a:ext cx="602565" cy="369332"/>
-          </a:xfrm>
-          <a:prstGeom prst="rect">
-            <a:avLst/>
-          </a:prstGeom>
-          <a:noFill/>
-        </p:spPr>
-        <p:txBody>
-          <a:bodyPr wrap="square" rtlCol="0">
-            <a:spAutoFit/>
-          </a:bodyPr>
-          <a:lstStyle/>
-          <a:p>
-            <a:r>
-              <a:rPr lang="en-US" altLang="ja-JP" dirty="0"/>
-              <a:t>γ2</a:t>
-            </a:r>
-            <a:endParaRPr lang="en-GB" dirty="0"/>
-          </a:p>
-        </p:txBody>
-      </p:sp>
-      <p:sp>
-        <p:nvSpPr>
-          <p:cNvPr id="52" name="テキスト ボックス 51">
-            <a:extLst>
-              <a:ext uri="{FF2B5EF4-FFF2-40B4-BE49-F238E27FC236}">
-                <a16:creationId xmlns:a16="http://schemas.microsoft.com/office/drawing/2014/main" id="{4B7E9364-0D37-079B-9C57-189C0A47767A}"/>
-              </a:ext>
-            </a:extLst>
-          </p:cNvPr>
-          <p:cNvSpPr txBox="1"/>
-          <p:nvPr/>
-        </p:nvSpPr>
-        <p:spPr>
-          <a:xfrm>
-            <a:off x="8892251" y="1316073"/>
-            <a:ext cx="602565" cy="369332"/>
-          </a:xfrm>
-          <a:prstGeom prst="rect">
-            <a:avLst/>
-          </a:prstGeom>
-          <a:noFill/>
-        </p:spPr>
-        <p:txBody>
-          <a:bodyPr wrap="square" rtlCol="0">
-            <a:spAutoFit/>
-          </a:bodyPr>
-          <a:lstStyle/>
-          <a:p>
-            <a:r>
-              <a:rPr lang="en-US" altLang="ja-JP" dirty="0"/>
-              <a:t>γ3</a:t>
-            </a:r>
-            <a:endParaRPr lang="en-GB" dirty="0"/>
-          </a:p>
-        </p:txBody>
-      </p:sp>
-      <p:sp>
-        <p:nvSpPr>
-          <p:cNvPr id="53" name="テキスト ボックス 52">
-            <a:extLst>
-              <a:ext uri="{FF2B5EF4-FFF2-40B4-BE49-F238E27FC236}">
-                <a16:creationId xmlns:a16="http://schemas.microsoft.com/office/drawing/2014/main" id="{9B780C6E-8915-57E7-7310-3FC1F52F88AA}"/>
-              </a:ext>
-            </a:extLst>
-          </p:cNvPr>
-          <p:cNvSpPr txBox="1"/>
-          <p:nvPr/>
-        </p:nvSpPr>
-        <p:spPr>
-          <a:xfrm>
-            <a:off x="4403187" y="2774991"/>
-            <a:ext cx="602565" cy="369332"/>
-          </a:xfrm>
-          <a:prstGeom prst="rect">
-            <a:avLst/>
-          </a:prstGeom>
-          <a:noFill/>
-        </p:spPr>
-        <p:txBody>
-          <a:bodyPr wrap="square" rtlCol="0">
-            <a:spAutoFit/>
-          </a:bodyPr>
-          <a:lstStyle/>
-          <a:p>
-            <a:r>
-              <a:rPr lang="en-US" altLang="ja-JP" dirty="0"/>
-              <a:t>τ1</a:t>
-            </a:r>
-            <a:endParaRPr lang="en-GB" dirty="0"/>
-          </a:p>
-        </p:txBody>
-      </p:sp>
-      <p:sp>
-        <p:nvSpPr>
-          <p:cNvPr id="54" name="テキスト ボックス 53">
-            <a:extLst>
-              <a:ext uri="{FF2B5EF4-FFF2-40B4-BE49-F238E27FC236}">
-                <a16:creationId xmlns:a16="http://schemas.microsoft.com/office/drawing/2014/main" id="{E097E5DF-FE42-B757-062C-C2FF69A5DD65}"/>
-              </a:ext>
-            </a:extLst>
-          </p:cNvPr>
-          <p:cNvSpPr txBox="1"/>
-          <p:nvPr/>
-        </p:nvSpPr>
-        <p:spPr>
-          <a:xfrm>
-            <a:off x="6717324" y="2619520"/>
-            <a:ext cx="602565" cy="369332"/>
-          </a:xfrm>
-          <a:prstGeom prst="rect">
-            <a:avLst/>
-          </a:prstGeom>
-          <a:noFill/>
-        </p:spPr>
-        <p:txBody>
-          <a:bodyPr wrap="square" rtlCol="0">
-            <a:spAutoFit/>
-          </a:bodyPr>
-          <a:lstStyle/>
-          <a:p>
-            <a:r>
-              <a:rPr lang="en-US" altLang="ja-JP" dirty="0"/>
-              <a:t>τ2</a:t>
-            </a:r>
-            <a:endParaRPr lang="en-GB" dirty="0"/>
+              <a:rPr lang="en-GB" dirty="0"/>
+              <a:t>…</a:t>
+            </a:r>
           </a:p>
         </p:txBody>
       </p:sp>
       <p:cxnSp>
         <p:nvCxnSpPr>
-          <p:cNvPr id="34" name="直線矢印コネクタ 33">
-            <a:extLst>
-              <a:ext uri="{FF2B5EF4-FFF2-40B4-BE49-F238E27FC236}">
-                <a16:creationId xmlns:a16="http://schemas.microsoft.com/office/drawing/2014/main" id="{8A5341B1-A03F-591C-4115-701D13A266A9}"/>
+          <p:cNvPr id="47" name="直線矢印コネクタ 16">
+            <a:extLst>
+              <a:ext uri="{FF2B5EF4-FFF2-40B4-BE49-F238E27FC236}">
+                <a16:creationId xmlns:a16="http://schemas.microsoft.com/office/drawing/2014/main" id="{2B7DFEEF-FDCA-99DC-F9A2-498F969644E6}"/>
               </a:ext>
             </a:extLst>
           </p:cNvPr>
           <p:cNvCxnSpPr>
             <a:cxnSpLocks/>
-            <a:stCxn id="10" idx="3"/>
-            <a:endCxn id="39" idx="1"/>
+            <a:stCxn id="46" idx="3"/>
+            <a:endCxn id="10" idx="1"/>
           </p:cNvCxnSpPr>
           <p:nvPr/>
         </p:nvCxnSpPr>
         <p:spPr>
           <a:xfrm flipV="1">
-            <a:off x="4115092" y="849926"/>
-            <a:ext cx="1146517" cy="1564938"/>
+            <a:off x="5707325" y="1376056"/>
+            <a:ext cx="712692" cy="10872"/>
           </a:xfrm>
           <a:prstGeom prst="straightConnector1">
             <a:avLst/>
@@ -8286,12 +10754,80 @@
           </a:fontRef>
         </p:style>
       </p:cxnSp>
-      <p:sp>
-        <p:nvSpPr>
-          <p:cNvPr id="39" name="正方形/長方形 38">
-            <a:extLst>
-              <a:ext uri="{FF2B5EF4-FFF2-40B4-BE49-F238E27FC236}">
-                <a16:creationId xmlns:a16="http://schemas.microsoft.com/office/drawing/2014/main" id="{BCFAC2D2-29F5-CC45-12BF-FD7ADA0750BC}"/>
+    </p:spTree>
+    <p:extLst>
+      <p:ext uri="{BB962C8B-B14F-4D97-AF65-F5344CB8AC3E}">
+        <p14:creationId xmlns:p14="http://schemas.microsoft.com/office/powerpoint/2010/main" val="1758449626"/>
+      </p:ext>
+    </p:extLst>
+  </p:cSld>
+  <p:clrMapOvr>
+    <a:masterClrMapping/>
+  </p:clrMapOvr>
+</p:sld>
+</file>
+
+<file path=ppt/slides/slide6.xml><?xml version="1.0" encoding="utf-8"?>
+<p:sld xmlns:a="http://schemas.openxmlformats.org/drawingml/2006/main" xmlns:r="http://schemas.openxmlformats.org/officeDocument/2006/relationships" xmlns:p="http://schemas.openxmlformats.org/presentationml/2006/main">
+  <p:cSld>
+    <p:spTree>
+      <p:nvGrpSpPr>
+        <p:cNvPr id="1" name=""/>
+        <p:cNvGrpSpPr/>
+        <p:nvPr/>
+      </p:nvGrpSpPr>
+      <p:grpSpPr>
+        <a:xfrm>
+          <a:off x="0" y="0"/>
+          <a:ext cx="0" cy="0"/>
+          <a:chOff x="0" y="0"/>
+          <a:chExt cx="0" cy="0"/>
+        </a:xfrm>
+      </p:grpSpPr>
+      <p:sp>
+        <p:nvSpPr>
+          <p:cNvPr id="4" name="テキスト ボックス 3">
+            <a:extLst>
+              <a:ext uri="{FF2B5EF4-FFF2-40B4-BE49-F238E27FC236}">
+                <a16:creationId xmlns:a16="http://schemas.microsoft.com/office/drawing/2014/main" id="{21230F41-A4F3-45F6-16D7-60CBD85BBC69}"/>
+              </a:ext>
+            </a:extLst>
+          </p:cNvPr>
+          <p:cNvSpPr txBox="1"/>
+          <p:nvPr/>
+        </p:nvSpPr>
+        <p:spPr>
+          <a:xfrm>
+            <a:off x="654440" y="765161"/>
+            <a:ext cx="2761957" cy="400110"/>
+          </a:xfrm>
+          <a:prstGeom prst="rect">
+            <a:avLst/>
+          </a:prstGeom>
+          <a:noFill/>
+        </p:spPr>
+        <p:txBody>
+          <a:bodyPr wrap="square" rtlCol="0">
+            <a:spAutoFit/>
+          </a:bodyPr>
+          <a:lstStyle/>
+          <a:p>
+            <a:r>
+              <a:rPr lang="en-GB" sz="2000" dirty="0">
+                <a:latin typeface="Times New Roman" panose="02020603050405020304" pitchFamily="18" charset="0"/>
+                <a:cs typeface="Times New Roman" panose="02020603050405020304" pitchFamily="18" charset="0"/>
+              </a:rPr>
+              <a:t>Natural history of polio</a:t>
+            </a:r>
+          </a:p>
+        </p:txBody>
+      </p:sp>
+      <p:sp>
+        <p:nvSpPr>
+          <p:cNvPr id="9" name="正方形/長方形 8">
+            <a:extLst>
+              <a:ext uri="{FF2B5EF4-FFF2-40B4-BE49-F238E27FC236}">
+                <a16:creationId xmlns:a16="http://schemas.microsoft.com/office/drawing/2014/main" id="{C78163F6-C15B-D180-D851-456E4EC78B12}"/>
               </a:ext>
             </a:extLst>
           </p:cNvPr>
@@ -8300,8 +10836,8 @@
         </p:nvSpPr>
         <p:spPr>
           <a:xfrm>
-            <a:off x="5261609" y="542781"/>
-            <a:ext cx="1550084" cy="614289"/>
+            <a:off x="508488" y="1472417"/>
+            <a:ext cx="1397391" cy="614289"/>
           </a:xfrm>
           <a:prstGeom prst="rect">
             <a:avLst/>
@@ -8336,6 +10872,1942 @@
                 <a:latin typeface="Times New Roman" panose="02020603050405020304" pitchFamily="18" charset="0"/>
                 <a:cs typeface="Times New Roman" panose="02020603050405020304" pitchFamily="18" charset="0"/>
               </a:rPr>
+              <a:t>Susceptible</a:t>
+            </a:r>
+          </a:p>
+        </p:txBody>
+      </p:sp>
+      <p:sp>
+        <p:nvSpPr>
+          <p:cNvPr id="10" name="正方形/長方形 9">
+            <a:extLst>
+              <a:ext uri="{FF2B5EF4-FFF2-40B4-BE49-F238E27FC236}">
+                <a16:creationId xmlns:a16="http://schemas.microsoft.com/office/drawing/2014/main" id="{5C93BC17-5801-56D4-05EF-52C229E346C5}"/>
+              </a:ext>
+            </a:extLst>
+          </p:cNvPr>
+          <p:cNvSpPr/>
+          <p:nvPr/>
+        </p:nvSpPr>
+        <p:spPr>
+          <a:xfrm>
+            <a:off x="2717702" y="1472416"/>
+            <a:ext cx="1397391" cy="614289"/>
+          </a:xfrm>
+          <a:prstGeom prst="rect">
+            <a:avLst/>
+          </a:prstGeom>
+          <a:ln>
+            <a:solidFill>
+              <a:schemeClr val="tx1"/>
+            </a:solidFill>
+          </a:ln>
+        </p:spPr>
+        <p:style>
+          <a:lnRef idx="2">
+            <a:schemeClr val="accent6"/>
+          </a:lnRef>
+          <a:fillRef idx="1">
+            <a:schemeClr val="lt1"/>
+          </a:fillRef>
+          <a:effectRef idx="0">
+            <a:schemeClr val="accent6"/>
+          </a:effectRef>
+          <a:fontRef idx="minor">
+            <a:schemeClr val="dk1"/>
+          </a:fontRef>
+        </p:style>
+        <p:txBody>
+          <a:bodyPr rtlCol="0" anchor="ctr"/>
+          <a:lstStyle/>
+          <a:p>
+            <a:pPr algn="ctr"/>
+            <a:r>
+              <a:rPr lang="en-GB" dirty="0">
+                <a:latin typeface="Times New Roman" panose="02020603050405020304" pitchFamily="18" charset="0"/>
+                <a:cs typeface="Times New Roman" panose="02020603050405020304" pitchFamily="18" charset="0"/>
+              </a:rPr>
+              <a:t>Infected</a:t>
+            </a:r>
+          </a:p>
+        </p:txBody>
+      </p:sp>
+      <p:sp>
+        <p:nvSpPr>
+          <p:cNvPr id="12" name="正方形/長方形 11">
+            <a:extLst>
+              <a:ext uri="{FF2B5EF4-FFF2-40B4-BE49-F238E27FC236}">
+                <a16:creationId xmlns:a16="http://schemas.microsoft.com/office/drawing/2014/main" id="{071A0224-0E89-E83C-F4B2-9CE21785B42C}"/>
+              </a:ext>
+            </a:extLst>
+          </p:cNvPr>
+          <p:cNvSpPr/>
+          <p:nvPr/>
+        </p:nvSpPr>
+        <p:spPr>
+          <a:xfrm>
+            <a:off x="5261611" y="858127"/>
+            <a:ext cx="1397391" cy="614289"/>
+          </a:xfrm>
+          <a:prstGeom prst="rect">
+            <a:avLst/>
+          </a:prstGeom>
+          <a:ln>
+            <a:solidFill>
+              <a:schemeClr val="tx1"/>
+            </a:solidFill>
+          </a:ln>
+        </p:spPr>
+        <p:style>
+          <a:lnRef idx="2">
+            <a:schemeClr val="accent6"/>
+          </a:lnRef>
+          <a:fillRef idx="1">
+            <a:schemeClr val="lt1"/>
+          </a:fillRef>
+          <a:effectRef idx="0">
+            <a:schemeClr val="accent6"/>
+          </a:effectRef>
+          <a:fontRef idx="minor">
+            <a:schemeClr val="dk1"/>
+          </a:fontRef>
+        </p:style>
+        <p:txBody>
+          <a:bodyPr rtlCol="0" anchor="ctr"/>
+          <a:lstStyle/>
+          <a:p>
+            <a:pPr algn="ctr"/>
+            <a:r>
+              <a:rPr lang="en-GB" dirty="0">
+                <a:latin typeface="Times New Roman" panose="02020603050405020304" pitchFamily="18" charset="0"/>
+                <a:cs typeface="Times New Roman" panose="02020603050405020304" pitchFamily="18" charset="0"/>
+              </a:rPr>
+              <a:t>Onset of AFP</a:t>
+            </a:r>
+          </a:p>
+        </p:txBody>
+      </p:sp>
+      <p:cxnSp>
+        <p:nvCxnSpPr>
+          <p:cNvPr id="14" name="直線矢印コネクタ 13">
+            <a:extLst>
+              <a:ext uri="{FF2B5EF4-FFF2-40B4-BE49-F238E27FC236}">
+                <a16:creationId xmlns:a16="http://schemas.microsoft.com/office/drawing/2014/main" id="{C6F46BDE-C67D-D7EA-2B31-4F87A26BBE37}"/>
+              </a:ext>
+            </a:extLst>
+          </p:cNvPr>
+          <p:cNvCxnSpPr>
+            <a:stCxn id="9" idx="3"/>
+            <a:endCxn id="10" idx="1"/>
+          </p:cNvCxnSpPr>
+          <p:nvPr/>
+        </p:nvCxnSpPr>
+        <p:spPr>
+          <a:xfrm flipV="1">
+            <a:off x="1905879" y="1779561"/>
+            <a:ext cx="811823" cy="1"/>
+          </a:xfrm>
+          <a:prstGeom prst="straightConnector1">
+            <a:avLst/>
+          </a:prstGeom>
+          <a:ln w="19050">
+            <a:solidFill>
+              <a:schemeClr val="tx1"/>
+            </a:solidFill>
+            <a:tailEnd type="triangle"/>
+          </a:ln>
+        </p:spPr>
+        <p:style>
+          <a:lnRef idx="1">
+            <a:schemeClr val="accent1"/>
+          </a:lnRef>
+          <a:fillRef idx="0">
+            <a:schemeClr val="accent1"/>
+          </a:fillRef>
+          <a:effectRef idx="0">
+            <a:schemeClr val="accent1"/>
+          </a:effectRef>
+          <a:fontRef idx="minor">
+            <a:schemeClr val="tx1"/>
+          </a:fontRef>
+        </p:style>
+      </p:cxnSp>
+      <p:cxnSp>
+        <p:nvCxnSpPr>
+          <p:cNvPr id="15" name="直線矢印コネクタ 14">
+            <a:extLst>
+              <a:ext uri="{FF2B5EF4-FFF2-40B4-BE49-F238E27FC236}">
+                <a16:creationId xmlns:a16="http://schemas.microsoft.com/office/drawing/2014/main" id="{3FC421C2-DA3B-326D-3EDC-D9941322B11D}"/>
+              </a:ext>
+            </a:extLst>
+          </p:cNvPr>
+          <p:cNvCxnSpPr>
+            <a:cxnSpLocks/>
+            <a:stCxn id="10" idx="3"/>
+            <a:endCxn id="12" idx="1"/>
+          </p:cNvCxnSpPr>
+          <p:nvPr/>
+        </p:nvCxnSpPr>
+        <p:spPr>
+          <a:xfrm flipV="1">
+            <a:off x="4115093" y="1165272"/>
+            <a:ext cx="1146518" cy="614289"/>
+          </a:xfrm>
+          <a:prstGeom prst="straightConnector1">
+            <a:avLst/>
+          </a:prstGeom>
+          <a:ln w="19050">
+            <a:solidFill>
+              <a:schemeClr val="tx1"/>
+            </a:solidFill>
+            <a:tailEnd type="triangle"/>
+          </a:ln>
+        </p:spPr>
+        <p:style>
+          <a:lnRef idx="1">
+            <a:schemeClr val="accent1"/>
+          </a:lnRef>
+          <a:fillRef idx="0">
+            <a:schemeClr val="accent1"/>
+          </a:fillRef>
+          <a:effectRef idx="0">
+            <a:schemeClr val="accent1"/>
+          </a:effectRef>
+          <a:fontRef idx="minor">
+            <a:schemeClr val="tx1"/>
+          </a:fontRef>
+        </p:style>
+      </p:cxnSp>
+      <p:sp>
+        <p:nvSpPr>
+          <p:cNvPr id="21" name="正方形/長方形 20">
+            <a:extLst>
+              <a:ext uri="{FF2B5EF4-FFF2-40B4-BE49-F238E27FC236}">
+                <a16:creationId xmlns:a16="http://schemas.microsoft.com/office/drawing/2014/main" id="{2C1B784D-3F47-EC80-379E-CE537C8F1ACB}"/>
+              </a:ext>
+            </a:extLst>
+          </p:cNvPr>
+          <p:cNvSpPr/>
+          <p:nvPr/>
+        </p:nvSpPr>
+        <p:spPr>
+          <a:xfrm>
+            <a:off x="7378214" y="858124"/>
+            <a:ext cx="1397391" cy="614289"/>
+          </a:xfrm>
+          <a:prstGeom prst="rect">
+            <a:avLst/>
+          </a:prstGeom>
+          <a:ln>
+            <a:solidFill>
+              <a:schemeClr val="tx1"/>
+            </a:solidFill>
+          </a:ln>
+        </p:spPr>
+        <p:style>
+          <a:lnRef idx="2">
+            <a:schemeClr val="accent6"/>
+          </a:lnRef>
+          <a:fillRef idx="1">
+            <a:schemeClr val="lt1"/>
+          </a:fillRef>
+          <a:effectRef idx="0">
+            <a:schemeClr val="accent6"/>
+          </a:effectRef>
+          <a:fontRef idx="minor">
+            <a:schemeClr val="dk1"/>
+          </a:fontRef>
+        </p:style>
+        <p:txBody>
+          <a:bodyPr rtlCol="0" anchor="ctr"/>
+          <a:lstStyle/>
+          <a:p>
+            <a:pPr algn="ctr"/>
+            <a:r>
+              <a:rPr lang="en-GB" dirty="0">
+                <a:latin typeface="Times New Roman" panose="02020603050405020304" pitchFamily="18" charset="0"/>
+                <a:cs typeface="Times New Roman" panose="02020603050405020304" pitchFamily="18" charset="0"/>
+              </a:rPr>
+              <a:t>Seeking healthcare</a:t>
+            </a:r>
+          </a:p>
+        </p:txBody>
+      </p:sp>
+      <p:cxnSp>
+        <p:nvCxnSpPr>
+          <p:cNvPr id="22" name="直線矢印コネクタ 21">
+            <a:extLst>
+              <a:ext uri="{FF2B5EF4-FFF2-40B4-BE49-F238E27FC236}">
+                <a16:creationId xmlns:a16="http://schemas.microsoft.com/office/drawing/2014/main" id="{55E4BE6A-EE40-D556-C041-2652B1116B5C}"/>
+              </a:ext>
+            </a:extLst>
+          </p:cNvPr>
+          <p:cNvCxnSpPr>
+            <a:cxnSpLocks/>
+            <a:stCxn id="12" idx="3"/>
+            <a:endCxn id="21" idx="1"/>
+          </p:cNvCxnSpPr>
+          <p:nvPr/>
+        </p:nvCxnSpPr>
+        <p:spPr>
+          <a:xfrm flipV="1">
+            <a:off x="6659002" y="1165269"/>
+            <a:ext cx="719212" cy="3"/>
+          </a:xfrm>
+          <a:prstGeom prst="straightConnector1">
+            <a:avLst/>
+          </a:prstGeom>
+          <a:ln w="19050">
+            <a:solidFill>
+              <a:schemeClr val="tx1"/>
+            </a:solidFill>
+            <a:tailEnd type="triangle"/>
+          </a:ln>
+        </p:spPr>
+        <p:style>
+          <a:lnRef idx="1">
+            <a:schemeClr val="accent1"/>
+          </a:lnRef>
+          <a:fillRef idx="0">
+            <a:schemeClr val="accent1"/>
+          </a:fillRef>
+          <a:effectRef idx="0">
+            <a:schemeClr val="accent1"/>
+          </a:effectRef>
+          <a:fontRef idx="minor">
+            <a:schemeClr val="tx1"/>
+          </a:fontRef>
+        </p:style>
+      </p:cxnSp>
+      <p:cxnSp>
+        <p:nvCxnSpPr>
+          <p:cNvPr id="26" name="直線矢印コネクタ 25">
+            <a:extLst>
+              <a:ext uri="{FF2B5EF4-FFF2-40B4-BE49-F238E27FC236}">
+                <a16:creationId xmlns:a16="http://schemas.microsoft.com/office/drawing/2014/main" id="{84867389-54E0-8EAB-5604-B9567DCED117}"/>
+              </a:ext>
+            </a:extLst>
+          </p:cNvPr>
+          <p:cNvCxnSpPr>
+            <a:cxnSpLocks/>
+            <a:stCxn id="21" idx="3"/>
+            <a:endCxn id="29" idx="1"/>
+          </p:cNvCxnSpPr>
+          <p:nvPr/>
+        </p:nvCxnSpPr>
+        <p:spPr>
+          <a:xfrm>
+            <a:off x="8775605" y="1165269"/>
+            <a:ext cx="907950" cy="1"/>
+          </a:xfrm>
+          <a:prstGeom prst="straightConnector1">
+            <a:avLst/>
+          </a:prstGeom>
+          <a:ln w="19050">
+            <a:solidFill>
+              <a:schemeClr val="tx1"/>
+            </a:solidFill>
+            <a:tailEnd type="triangle"/>
+          </a:ln>
+        </p:spPr>
+        <p:style>
+          <a:lnRef idx="1">
+            <a:schemeClr val="accent1"/>
+          </a:lnRef>
+          <a:fillRef idx="0">
+            <a:schemeClr val="accent1"/>
+          </a:fillRef>
+          <a:effectRef idx="0">
+            <a:schemeClr val="accent1"/>
+          </a:effectRef>
+          <a:fontRef idx="minor">
+            <a:schemeClr val="tx1"/>
+          </a:fontRef>
+        </p:style>
+      </p:cxnSp>
+      <p:sp>
+        <p:nvSpPr>
+          <p:cNvPr id="29" name="正方形/長方形 28">
+            <a:extLst>
+              <a:ext uri="{FF2B5EF4-FFF2-40B4-BE49-F238E27FC236}">
+                <a16:creationId xmlns:a16="http://schemas.microsoft.com/office/drawing/2014/main" id="{BA4D8A8A-ED52-1714-72B0-AB2E1BCF3E86}"/>
+              </a:ext>
+            </a:extLst>
+          </p:cNvPr>
+          <p:cNvSpPr/>
+          <p:nvPr/>
+        </p:nvSpPr>
+        <p:spPr>
+          <a:xfrm>
+            <a:off x="9683555" y="858125"/>
+            <a:ext cx="1397391" cy="614289"/>
+          </a:xfrm>
+          <a:prstGeom prst="rect">
+            <a:avLst/>
+          </a:prstGeom>
+          <a:ln>
+            <a:solidFill>
+              <a:schemeClr val="tx1"/>
+            </a:solidFill>
+          </a:ln>
+        </p:spPr>
+        <p:style>
+          <a:lnRef idx="2">
+            <a:schemeClr val="accent6"/>
+          </a:lnRef>
+          <a:fillRef idx="1">
+            <a:schemeClr val="lt1"/>
+          </a:fillRef>
+          <a:effectRef idx="0">
+            <a:schemeClr val="accent6"/>
+          </a:effectRef>
+          <a:fontRef idx="minor">
+            <a:schemeClr val="dk1"/>
+          </a:fontRef>
+        </p:style>
+        <p:txBody>
+          <a:bodyPr rtlCol="0" anchor="ctr"/>
+          <a:lstStyle/>
+          <a:p>
+            <a:pPr algn="ctr"/>
+            <a:r>
+              <a:rPr lang="en-GB" dirty="0">
+                <a:latin typeface="Times New Roman" panose="02020603050405020304" pitchFamily="18" charset="0"/>
+                <a:cs typeface="Times New Roman" panose="02020603050405020304" pitchFamily="18" charset="0"/>
+              </a:rPr>
+              <a:t>Notified as polio</a:t>
+            </a:r>
+          </a:p>
+        </p:txBody>
+      </p:sp>
+      <p:sp>
+        <p:nvSpPr>
+          <p:cNvPr id="32" name="正方形/長方形 31">
+            <a:extLst>
+              <a:ext uri="{FF2B5EF4-FFF2-40B4-BE49-F238E27FC236}">
+                <a16:creationId xmlns:a16="http://schemas.microsoft.com/office/drawing/2014/main" id="{E6A7F4BA-2BB6-FB98-34BF-B1E2214A7209}"/>
+              </a:ext>
+            </a:extLst>
+          </p:cNvPr>
+          <p:cNvSpPr/>
+          <p:nvPr/>
+        </p:nvSpPr>
+        <p:spPr>
+          <a:xfrm>
+            <a:off x="5205339" y="2086705"/>
+            <a:ext cx="1397391" cy="614289"/>
+          </a:xfrm>
+          <a:prstGeom prst="rect">
+            <a:avLst/>
+          </a:prstGeom>
+          <a:ln>
+            <a:solidFill>
+              <a:schemeClr val="tx1"/>
+            </a:solidFill>
+          </a:ln>
+        </p:spPr>
+        <p:style>
+          <a:lnRef idx="2">
+            <a:schemeClr val="accent6"/>
+          </a:lnRef>
+          <a:fillRef idx="1">
+            <a:schemeClr val="lt1"/>
+          </a:fillRef>
+          <a:effectRef idx="0">
+            <a:schemeClr val="accent6"/>
+          </a:effectRef>
+          <a:fontRef idx="minor">
+            <a:schemeClr val="dk1"/>
+          </a:fontRef>
+        </p:style>
+        <p:txBody>
+          <a:bodyPr rtlCol="0" anchor="ctr"/>
+          <a:lstStyle/>
+          <a:p>
+            <a:pPr algn="ctr"/>
+            <a:r>
+              <a:rPr lang="en-GB" dirty="0">
+                <a:latin typeface="Times New Roman" panose="02020603050405020304" pitchFamily="18" charset="0"/>
+                <a:cs typeface="Times New Roman" panose="02020603050405020304" pitchFamily="18" charset="0"/>
+              </a:rPr>
+              <a:t>Secretion in sewage</a:t>
+            </a:r>
+          </a:p>
+        </p:txBody>
+      </p:sp>
+      <p:cxnSp>
+        <p:nvCxnSpPr>
+          <p:cNvPr id="33" name="直線矢印コネクタ 32">
+            <a:extLst>
+              <a:ext uri="{FF2B5EF4-FFF2-40B4-BE49-F238E27FC236}">
+                <a16:creationId xmlns:a16="http://schemas.microsoft.com/office/drawing/2014/main" id="{98CFBD4D-716D-89F3-54A7-EE3181FB477D}"/>
+              </a:ext>
+            </a:extLst>
+          </p:cNvPr>
+          <p:cNvCxnSpPr>
+            <a:cxnSpLocks/>
+            <a:stCxn id="10" idx="3"/>
+            <a:endCxn id="32" idx="1"/>
+          </p:cNvCxnSpPr>
+          <p:nvPr/>
+        </p:nvCxnSpPr>
+        <p:spPr>
+          <a:xfrm>
+            <a:off x="4115093" y="1779561"/>
+            <a:ext cx="1090246" cy="614289"/>
+          </a:xfrm>
+          <a:prstGeom prst="straightConnector1">
+            <a:avLst/>
+          </a:prstGeom>
+          <a:ln w="19050">
+            <a:solidFill>
+              <a:schemeClr val="tx1"/>
+            </a:solidFill>
+            <a:tailEnd type="triangle"/>
+          </a:ln>
+        </p:spPr>
+        <p:style>
+          <a:lnRef idx="1">
+            <a:schemeClr val="accent1"/>
+          </a:lnRef>
+          <a:fillRef idx="0">
+            <a:schemeClr val="accent1"/>
+          </a:fillRef>
+          <a:effectRef idx="0">
+            <a:schemeClr val="accent1"/>
+          </a:effectRef>
+          <a:fontRef idx="minor">
+            <a:schemeClr val="tx1"/>
+          </a:fontRef>
+        </p:style>
+      </p:cxnSp>
+      <p:sp>
+        <p:nvSpPr>
+          <p:cNvPr id="36" name="正方形/長方形 35">
+            <a:extLst>
+              <a:ext uri="{FF2B5EF4-FFF2-40B4-BE49-F238E27FC236}">
+                <a16:creationId xmlns:a16="http://schemas.microsoft.com/office/drawing/2014/main" id="{8C66B611-8016-BC55-3ADA-3A12A3637C74}"/>
+              </a:ext>
+            </a:extLst>
+          </p:cNvPr>
+          <p:cNvSpPr/>
+          <p:nvPr/>
+        </p:nvSpPr>
+        <p:spPr>
+          <a:xfrm>
+            <a:off x="7371471" y="2086704"/>
+            <a:ext cx="1397391" cy="614289"/>
+          </a:xfrm>
+          <a:prstGeom prst="rect">
+            <a:avLst/>
+          </a:prstGeom>
+          <a:ln>
+            <a:solidFill>
+              <a:schemeClr val="tx1"/>
+            </a:solidFill>
+          </a:ln>
+        </p:spPr>
+        <p:style>
+          <a:lnRef idx="2">
+            <a:schemeClr val="accent6"/>
+          </a:lnRef>
+          <a:fillRef idx="1">
+            <a:schemeClr val="lt1"/>
+          </a:fillRef>
+          <a:effectRef idx="0">
+            <a:schemeClr val="accent6"/>
+          </a:effectRef>
+          <a:fontRef idx="minor">
+            <a:schemeClr val="dk1"/>
+          </a:fontRef>
+        </p:style>
+        <p:txBody>
+          <a:bodyPr rtlCol="0" anchor="ctr"/>
+          <a:lstStyle/>
+          <a:p>
+            <a:pPr algn="ctr"/>
+            <a:r>
+              <a:rPr lang="en-GB" dirty="0">
+                <a:latin typeface="Times New Roman" panose="02020603050405020304" pitchFamily="18" charset="0"/>
+                <a:cs typeface="Times New Roman" panose="02020603050405020304" pitchFamily="18" charset="0"/>
+              </a:rPr>
+              <a:t>Detected in sewage</a:t>
+            </a:r>
+          </a:p>
+        </p:txBody>
+      </p:sp>
+      <p:cxnSp>
+        <p:nvCxnSpPr>
+          <p:cNvPr id="37" name="直線矢印コネクタ 36">
+            <a:extLst>
+              <a:ext uri="{FF2B5EF4-FFF2-40B4-BE49-F238E27FC236}">
+                <a16:creationId xmlns:a16="http://schemas.microsoft.com/office/drawing/2014/main" id="{A3EBF08E-B76F-3714-6745-BB30F9E45156}"/>
+              </a:ext>
+            </a:extLst>
+          </p:cNvPr>
+          <p:cNvCxnSpPr>
+            <a:cxnSpLocks/>
+            <a:stCxn id="32" idx="3"/>
+            <a:endCxn id="36" idx="1"/>
+          </p:cNvCxnSpPr>
+          <p:nvPr/>
+        </p:nvCxnSpPr>
+        <p:spPr>
+          <a:xfrm flipV="1">
+            <a:off x="6602730" y="2393849"/>
+            <a:ext cx="768741" cy="1"/>
+          </a:xfrm>
+          <a:prstGeom prst="straightConnector1">
+            <a:avLst/>
+          </a:prstGeom>
+          <a:ln w="19050">
+            <a:solidFill>
+              <a:schemeClr val="tx1"/>
+            </a:solidFill>
+            <a:tailEnd type="triangle"/>
+          </a:ln>
+        </p:spPr>
+        <p:style>
+          <a:lnRef idx="1">
+            <a:schemeClr val="accent1"/>
+          </a:lnRef>
+          <a:fillRef idx="0">
+            <a:schemeClr val="accent1"/>
+          </a:fillRef>
+          <a:effectRef idx="0">
+            <a:schemeClr val="accent1"/>
+          </a:effectRef>
+          <a:fontRef idx="minor">
+            <a:schemeClr val="tx1"/>
+          </a:fontRef>
+        </p:style>
+      </p:cxnSp>
+      <p:sp>
+        <p:nvSpPr>
+          <p:cNvPr id="45" name="テキスト ボックス 44">
+            <a:extLst>
+              <a:ext uri="{FF2B5EF4-FFF2-40B4-BE49-F238E27FC236}">
+                <a16:creationId xmlns:a16="http://schemas.microsoft.com/office/drawing/2014/main" id="{98D124C9-85D3-8E4D-20DC-6E866FE168F3}"/>
+              </a:ext>
+            </a:extLst>
+          </p:cNvPr>
+          <p:cNvSpPr txBox="1"/>
+          <p:nvPr/>
+        </p:nvSpPr>
+        <p:spPr>
+          <a:xfrm>
+            <a:off x="3840774" y="2736063"/>
+            <a:ext cx="914400" cy="646331"/>
+          </a:xfrm>
+          <a:prstGeom prst="rect">
+            <a:avLst/>
+          </a:prstGeom>
+          <a:noFill/>
+        </p:spPr>
+        <p:txBody>
+          <a:bodyPr wrap="square" rtlCol="0">
+            <a:spAutoFit/>
+          </a:bodyPr>
+          <a:lstStyle/>
+          <a:p>
+            <a:endParaRPr lang="en-GB" dirty="0"/>
+          </a:p>
+          <a:p>
+            <a:endParaRPr lang="en-GB" dirty="0"/>
+          </a:p>
+        </p:txBody>
+      </p:sp>
+      <p:sp>
+        <p:nvSpPr>
+          <p:cNvPr id="46" name="テキスト ボックス 45">
+            <a:extLst>
+              <a:ext uri="{FF2B5EF4-FFF2-40B4-BE49-F238E27FC236}">
+                <a16:creationId xmlns:a16="http://schemas.microsoft.com/office/drawing/2014/main" id="{499A47F3-D5B5-E755-ED1B-00BBA036A3C2}"/>
+              </a:ext>
+            </a:extLst>
+          </p:cNvPr>
+          <p:cNvSpPr txBox="1"/>
+          <p:nvPr/>
+        </p:nvSpPr>
+        <p:spPr>
+          <a:xfrm>
+            <a:off x="2204230" y="1426597"/>
+            <a:ext cx="914400" cy="369332"/>
+          </a:xfrm>
+          <a:prstGeom prst="rect">
+            <a:avLst/>
+          </a:prstGeom>
+          <a:noFill/>
+        </p:spPr>
+        <p:txBody>
+          <a:bodyPr wrap="square" rtlCol="0">
+            <a:spAutoFit/>
+          </a:bodyPr>
+          <a:lstStyle/>
+          <a:p>
+            <a:r>
+              <a:rPr lang="en-US" altLang="ja-JP" dirty="0"/>
+              <a:t>λ</a:t>
+            </a:r>
+            <a:endParaRPr lang="en-GB" dirty="0"/>
+          </a:p>
+        </p:txBody>
+      </p:sp>
+      <p:sp>
+        <p:nvSpPr>
+          <p:cNvPr id="47" name="テキスト ボックス 46">
+            <a:extLst>
+              <a:ext uri="{FF2B5EF4-FFF2-40B4-BE49-F238E27FC236}">
+                <a16:creationId xmlns:a16="http://schemas.microsoft.com/office/drawing/2014/main" id="{58EA09DF-D8A2-0DA8-C5A3-44A43E7EA331}"/>
+              </a:ext>
+            </a:extLst>
+          </p:cNvPr>
+          <p:cNvSpPr txBox="1"/>
+          <p:nvPr/>
+        </p:nvSpPr>
+        <p:spPr>
+          <a:xfrm>
+            <a:off x="4410223" y="1050102"/>
+            <a:ext cx="602565" cy="369332"/>
+          </a:xfrm>
+          <a:prstGeom prst="rect">
+            <a:avLst/>
+          </a:prstGeom>
+          <a:noFill/>
+        </p:spPr>
+        <p:txBody>
+          <a:bodyPr wrap="square" rtlCol="0">
+            <a:spAutoFit/>
+          </a:bodyPr>
+          <a:lstStyle/>
+          <a:p>
+            <a:r>
+              <a:rPr lang="en-US" altLang="ja-JP" dirty="0"/>
+              <a:t>γ1</a:t>
+            </a:r>
+            <a:endParaRPr lang="en-GB" dirty="0"/>
+          </a:p>
+        </p:txBody>
+      </p:sp>
+      <p:sp>
+        <p:nvSpPr>
+          <p:cNvPr id="51" name="テキスト ボックス 50">
+            <a:extLst>
+              <a:ext uri="{FF2B5EF4-FFF2-40B4-BE49-F238E27FC236}">
+                <a16:creationId xmlns:a16="http://schemas.microsoft.com/office/drawing/2014/main" id="{41FE5B16-A1D1-2F85-FFB1-DDB0DD4B5810}"/>
+              </a:ext>
+            </a:extLst>
+          </p:cNvPr>
+          <p:cNvSpPr txBox="1"/>
+          <p:nvPr/>
+        </p:nvSpPr>
+        <p:spPr>
+          <a:xfrm>
+            <a:off x="6811694" y="764845"/>
+            <a:ext cx="602565" cy="369332"/>
+          </a:xfrm>
+          <a:prstGeom prst="rect">
+            <a:avLst/>
+          </a:prstGeom>
+          <a:noFill/>
+        </p:spPr>
+        <p:txBody>
+          <a:bodyPr wrap="square" rtlCol="0">
+            <a:spAutoFit/>
+          </a:bodyPr>
+          <a:lstStyle/>
+          <a:p>
+            <a:r>
+              <a:rPr lang="en-US" altLang="ja-JP" dirty="0"/>
+              <a:t>γ2</a:t>
+            </a:r>
+            <a:endParaRPr lang="en-GB" dirty="0"/>
+          </a:p>
+        </p:txBody>
+      </p:sp>
+      <p:sp>
+        <p:nvSpPr>
+          <p:cNvPr id="52" name="テキスト ボックス 51">
+            <a:extLst>
+              <a:ext uri="{FF2B5EF4-FFF2-40B4-BE49-F238E27FC236}">
+                <a16:creationId xmlns:a16="http://schemas.microsoft.com/office/drawing/2014/main" id="{4B7E9364-0D37-079B-9C57-189C0A47767A}"/>
+              </a:ext>
+            </a:extLst>
+          </p:cNvPr>
+          <p:cNvSpPr txBox="1"/>
+          <p:nvPr/>
+        </p:nvSpPr>
+        <p:spPr>
+          <a:xfrm>
+            <a:off x="8892252" y="680770"/>
+            <a:ext cx="602565" cy="369332"/>
+          </a:xfrm>
+          <a:prstGeom prst="rect">
+            <a:avLst/>
+          </a:prstGeom>
+          <a:noFill/>
+        </p:spPr>
+        <p:txBody>
+          <a:bodyPr wrap="square" rtlCol="0">
+            <a:spAutoFit/>
+          </a:bodyPr>
+          <a:lstStyle/>
+          <a:p>
+            <a:r>
+              <a:rPr lang="en-US" altLang="ja-JP" dirty="0"/>
+              <a:t>γ3</a:t>
+            </a:r>
+            <a:endParaRPr lang="en-GB" dirty="0"/>
+          </a:p>
+        </p:txBody>
+      </p:sp>
+      <p:sp>
+        <p:nvSpPr>
+          <p:cNvPr id="53" name="テキスト ボックス 52">
+            <a:extLst>
+              <a:ext uri="{FF2B5EF4-FFF2-40B4-BE49-F238E27FC236}">
+                <a16:creationId xmlns:a16="http://schemas.microsoft.com/office/drawing/2014/main" id="{9B780C6E-8915-57E7-7310-3FC1F52F88AA}"/>
+              </a:ext>
+            </a:extLst>
+          </p:cNvPr>
+          <p:cNvSpPr txBox="1"/>
+          <p:nvPr/>
+        </p:nvSpPr>
+        <p:spPr>
+          <a:xfrm>
+            <a:off x="4403188" y="2139688"/>
+            <a:ext cx="602565" cy="369332"/>
+          </a:xfrm>
+          <a:prstGeom prst="rect">
+            <a:avLst/>
+          </a:prstGeom>
+          <a:noFill/>
+        </p:spPr>
+        <p:txBody>
+          <a:bodyPr wrap="square" rtlCol="0">
+            <a:spAutoFit/>
+          </a:bodyPr>
+          <a:lstStyle/>
+          <a:p>
+            <a:r>
+              <a:rPr lang="en-US" altLang="ja-JP" dirty="0"/>
+              <a:t>τ1</a:t>
+            </a:r>
+            <a:endParaRPr lang="en-GB" dirty="0"/>
+          </a:p>
+        </p:txBody>
+      </p:sp>
+      <p:sp>
+        <p:nvSpPr>
+          <p:cNvPr id="54" name="テキスト ボックス 53">
+            <a:extLst>
+              <a:ext uri="{FF2B5EF4-FFF2-40B4-BE49-F238E27FC236}">
+                <a16:creationId xmlns:a16="http://schemas.microsoft.com/office/drawing/2014/main" id="{E097E5DF-FE42-B757-062C-C2FF69A5DD65}"/>
+              </a:ext>
+            </a:extLst>
+          </p:cNvPr>
+          <p:cNvSpPr txBox="1"/>
+          <p:nvPr/>
+        </p:nvSpPr>
+        <p:spPr>
+          <a:xfrm>
+            <a:off x="6717325" y="1984217"/>
+            <a:ext cx="602565" cy="369332"/>
+          </a:xfrm>
+          <a:prstGeom prst="rect">
+            <a:avLst/>
+          </a:prstGeom>
+          <a:noFill/>
+        </p:spPr>
+        <p:txBody>
+          <a:bodyPr wrap="square" rtlCol="0">
+            <a:spAutoFit/>
+          </a:bodyPr>
+          <a:lstStyle/>
+          <a:p>
+            <a:r>
+              <a:rPr lang="en-US" altLang="ja-JP" dirty="0"/>
+              <a:t>τ2</a:t>
+            </a:r>
+            <a:endParaRPr lang="en-GB" dirty="0"/>
+          </a:p>
+        </p:txBody>
+      </p:sp>
+    </p:spTree>
+    <p:extLst>
+      <p:ext uri="{BB962C8B-B14F-4D97-AF65-F5344CB8AC3E}">
+        <p14:creationId xmlns:p14="http://schemas.microsoft.com/office/powerpoint/2010/main" val="1977013916"/>
+      </p:ext>
+    </p:extLst>
+  </p:cSld>
+  <p:clrMapOvr>
+    <a:masterClrMapping/>
+  </p:clrMapOvr>
+</p:sld>
+</file>
+
+<file path=ppt/slides/slide7.xml><?xml version="1.0" encoding="utf-8"?>
+<p:sld xmlns:a="http://schemas.openxmlformats.org/drawingml/2006/main" xmlns:r="http://schemas.openxmlformats.org/officeDocument/2006/relationships" xmlns:p="http://schemas.openxmlformats.org/presentationml/2006/main">
+  <p:cSld>
+    <p:spTree>
+      <p:nvGrpSpPr>
+        <p:cNvPr id="1" name=""/>
+        <p:cNvGrpSpPr/>
+        <p:nvPr/>
+      </p:nvGrpSpPr>
+      <p:grpSpPr>
+        <a:xfrm>
+          <a:off x="0" y="0"/>
+          <a:ext cx="0" cy="0"/>
+          <a:chOff x="0" y="0"/>
+          <a:chExt cx="0" cy="0"/>
+        </a:xfrm>
+      </p:grpSpPr>
+      <p:sp>
+        <p:nvSpPr>
+          <p:cNvPr id="4" name="テキスト ボックス 3">
+            <a:extLst>
+              <a:ext uri="{FF2B5EF4-FFF2-40B4-BE49-F238E27FC236}">
+                <a16:creationId xmlns:a16="http://schemas.microsoft.com/office/drawing/2014/main" id="{21230F41-A4F3-45F6-16D7-60CBD85BBC69}"/>
+              </a:ext>
+            </a:extLst>
+          </p:cNvPr>
+          <p:cNvSpPr txBox="1"/>
+          <p:nvPr/>
+        </p:nvSpPr>
+        <p:spPr>
+          <a:xfrm>
+            <a:off x="491783" y="40429"/>
+            <a:ext cx="2761957" cy="400110"/>
+          </a:xfrm>
+          <a:prstGeom prst="rect">
+            <a:avLst/>
+          </a:prstGeom>
+          <a:noFill/>
+        </p:spPr>
+        <p:txBody>
+          <a:bodyPr wrap="square" rtlCol="0">
+            <a:spAutoFit/>
+          </a:bodyPr>
+          <a:lstStyle/>
+          <a:p>
+            <a:r>
+              <a:rPr lang="en-GB" sz="2000" dirty="0">
+                <a:latin typeface="Times New Roman" panose="02020603050405020304" pitchFamily="18" charset="0"/>
+                <a:cs typeface="Times New Roman" panose="02020603050405020304" pitchFamily="18" charset="0"/>
+              </a:rPr>
+              <a:t>Natural history of polio</a:t>
+            </a:r>
+          </a:p>
+        </p:txBody>
+      </p:sp>
+      <p:sp>
+        <p:nvSpPr>
+          <p:cNvPr id="9" name="正方形/長方形 8">
+            <a:extLst>
+              <a:ext uri="{FF2B5EF4-FFF2-40B4-BE49-F238E27FC236}">
+                <a16:creationId xmlns:a16="http://schemas.microsoft.com/office/drawing/2014/main" id="{C78163F6-C15B-D180-D851-456E4EC78B12}"/>
+              </a:ext>
+            </a:extLst>
+          </p:cNvPr>
+          <p:cNvSpPr/>
+          <p:nvPr/>
+        </p:nvSpPr>
+        <p:spPr>
+          <a:xfrm>
+            <a:off x="508487" y="2107720"/>
+            <a:ext cx="1397391" cy="614289"/>
+          </a:xfrm>
+          <a:prstGeom prst="rect">
+            <a:avLst/>
+          </a:prstGeom>
+          <a:ln>
+            <a:solidFill>
+              <a:schemeClr val="tx1"/>
+            </a:solidFill>
+          </a:ln>
+        </p:spPr>
+        <p:style>
+          <a:lnRef idx="2">
+            <a:schemeClr val="accent6"/>
+          </a:lnRef>
+          <a:fillRef idx="1">
+            <a:schemeClr val="lt1"/>
+          </a:fillRef>
+          <a:effectRef idx="0">
+            <a:schemeClr val="accent6"/>
+          </a:effectRef>
+          <a:fontRef idx="minor">
+            <a:schemeClr val="dk1"/>
+          </a:fontRef>
+        </p:style>
+        <p:txBody>
+          <a:bodyPr rtlCol="0" anchor="ctr"/>
+          <a:lstStyle/>
+          <a:p>
+            <a:pPr algn="ctr"/>
+            <a:r>
+              <a:rPr lang="en-GB" dirty="0">
+                <a:latin typeface="Times New Roman" panose="02020603050405020304" pitchFamily="18" charset="0"/>
+                <a:cs typeface="Times New Roman" panose="02020603050405020304" pitchFamily="18" charset="0"/>
+              </a:rPr>
+              <a:t>Susceptible</a:t>
+            </a:r>
+          </a:p>
+        </p:txBody>
+      </p:sp>
+      <p:sp>
+        <p:nvSpPr>
+          <p:cNvPr id="10" name="正方形/長方形 9">
+            <a:extLst>
+              <a:ext uri="{FF2B5EF4-FFF2-40B4-BE49-F238E27FC236}">
+                <a16:creationId xmlns:a16="http://schemas.microsoft.com/office/drawing/2014/main" id="{5C93BC17-5801-56D4-05EF-52C229E346C5}"/>
+              </a:ext>
+            </a:extLst>
+          </p:cNvPr>
+          <p:cNvSpPr/>
+          <p:nvPr/>
+        </p:nvSpPr>
+        <p:spPr>
+          <a:xfrm>
+            <a:off x="2717701" y="2107719"/>
+            <a:ext cx="1397391" cy="614289"/>
+          </a:xfrm>
+          <a:prstGeom prst="rect">
+            <a:avLst/>
+          </a:prstGeom>
+          <a:ln>
+            <a:solidFill>
+              <a:schemeClr val="tx1"/>
+            </a:solidFill>
+          </a:ln>
+        </p:spPr>
+        <p:style>
+          <a:lnRef idx="2">
+            <a:schemeClr val="accent6"/>
+          </a:lnRef>
+          <a:fillRef idx="1">
+            <a:schemeClr val="lt1"/>
+          </a:fillRef>
+          <a:effectRef idx="0">
+            <a:schemeClr val="accent6"/>
+          </a:effectRef>
+          <a:fontRef idx="minor">
+            <a:schemeClr val="dk1"/>
+          </a:fontRef>
+        </p:style>
+        <p:txBody>
+          <a:bodyPr rtlCol="0" anchor="ctr"/>
+          <a:lstStyle/>
+          <a:p>
+            <a:pPr algn="ctr"/>
+            <a:r>
+              <a:rPr lang="en-GB" dirty="0">
+                <a:latin typeface="Times New Roman" panose="02020603050405020304" pitchFamily="18" charset="0"/>
+                <a:cs typeface="Times New Roman" panose="02020603050405020304" pitchFamily="18" charset="0"/>
+              </a:rPr>
+              <a:t>Infected</a:t>
+            </a:r>
+          </a:p>
+        </p:txBody>
+      </p:sp>
+      <p:sp>
+        <p:nvSpPr>
+          <p:cNvPr id="12" name="正方形/長方形 11">
+            <a:extLst>
+              <a:ext uri="{FF2B5EF4-FFF2-40B4-BE49-F238E27FC236}">
+                <a16:creationId xmlns:a16="http://schemas.microsoft.com/office/drawing/2014/main" id="{071A0224-0E89-E83C-F4B2-9CE21785B42C}"/>
+              </a:ext>
+            </a:extLst>
+          </p:cNvPr>
+          <p:cNvSpPr/>
+          <p:nvPr/>
+        </p:nvSpPr>
+        <p:spPr>
+          <a:xfrm>
+            <a:off x="5261610" y="1493430"/>
+            <a:ext cx="1397391" cy="614289"/>
+          </a:xfrm>
+          <a:prstGeom prst="rect">
+            <a:avLst/>
+          </a:prstGeom>
+          <a:ln>
+            <a:solidFill>
+              <a:schemeClr val="tx1"/>
+            </a:solidFill>
+          </a:ln>
+        </p:spPr>
+        <p:style>
+          <a:lnRef idx="2">
+            <a:schemeClr val="accent6"/>
+          </a:lnRef>
+          <a:fillRef idx="1">
+            <a:schemeClr val="lt1"/>
+          </a:fillRef>
+          <a:effectRef idx="0">
+            <a:schemeClr val="accent6"/>
+          </a:effectRef>
+          <a:fontRef idx="minor">
+            <a:schemeClr val="dk1"/>
+          </a:fontRef>
+        </p:style>
+        <p:txBody>
+          <a:bodyPr rtlCol="0" anchor="ctr"/>
+          <a:lstStyle/>
+          <a:p>
+            <a:pPr algn="ctr"/>
+            <a:r>
+              <a:rPr lang="en-GB" dirty="0">
+                <a:latin typeface="Times New Roman" panose="02020603050405020304" pitchFamily="18" charset="0"/>
+                <a:cs typeface="Times New Roman" panose="02020603050405020304" pitchFamily="18" charset="0"/>
+              </a:rPr>
+              <a:t>Onset of AFP</a:t>
+            </a:r>
+          </a:p>
+        </p:txBody>
+      </p:sp>
+      <p:cxnSp>
+        <p:nvCxnSpPr>
+          <p:cNvPr id="14" name="直線矢印コネクタ 13">
+            <a:extLst>
+              <a:ext uri="{FF2B5EF4-FFF2-40B4-BE49-F238E27FC236}">
+                <a16:creationId xmlns:a16="http://schemas.microsoft.com/office/drawing/2014/main" id="{C6F46BDE-C67D-D7EA-2B31-4F87A26BBE37}"/>
+              </a:ext>
+            </a:extLst>
+          </p:cNvPr>
+          <p:cNvCxnSpPr>
+            <a:stCxn id="9" idx="3"/>
+            <a:endCxn id="10" idx="1"/>
+          </p:cNvCxnSpPr>
+          <p:nvPr/>
+        </p:nvCxnSpPr>
+        <p:spPr>
+          <a:xfrm flipV="1">
+            <a:off x="1905878" y="2414864"/>
+            <a:ext cx="811823" cy="1"/>
+          </a:xfrm>
+          <a:prstGeom prst="straightConnector1">
+            <a:avLst/>
+          </a:prstGeom>
+          <a:ln w="19050">
+            <a:solidFill>
+              <a:schemeClr val="tx1"/>
+            </a:solidFill>
+            <a:tailEnd type="triangle"/>
+          </a:ln>
+        </p:spPr>
+        <p:style>
+          <a:lnRef idx="1">
+            <a:schemeClr val="accent1"/>
+          </a:lnRef>
+          <a:fillRef idx="0">
+            <a:schemeClr val="accent1"/>
+          </a:fillRef>
+          <a:effectRef idx="0">
+            <a:schemeClr val="accent1"/>
+          </a:effectRef>
+          <a:fontRef idx="minor">
+            <a:schemeClr val="tx1"/>
+          </a:fontRef>
+        </p:style>
+      </p:cxnSp>
+      <p:cxnSp>
+        <p:nvCxnSpPr>
+          <p:cNvPr id="15" name="直線矢印コネクタ 14">
+            <a:extLst>
+              <a:ext uri="{FF2B5EF4-FFF2-40B4-BE49-F238E27FC236}">
+                <a16:creationId xmlns:a16="http://schemas.microsoft.com/office/drawing/2014/main" id="{3FC421C2-DA3B-326D-3EDC-D9941322B11D}"/>
+              </a:ext>
+            </a:extLst>
+          </p:cNvPr>
+          <p:cNvCxnSpPr>
+            <a:cxnSpLocks/>
+            <a:stCxn id="10" idx="3"/>
+            <a:endCxn id="12" idx="1"/>
+          </p:cNvCxnSpPr>
+          <p:nvPr/>
+        </p:nvCxnSpPr>
+        <p:spPr>
+          <a:xfrm flipV="1">
+            <a:off x="4115092" y="1800575"/>
+            <a:ext cx="1146518" cy="614289"/>
+          </a:xfrm>
+          <a:prstGeom prst="straightConnector1">
+            <a:avLst/>
+          </a:prstGeom>
+          <a:ln w="19050">
+            <a:solidFill>
+              <a:schemeClr val="tx1"/>
+            </a:solidFill>
+            <a:tailEnd type="triangle"/>
+          </a:ln>
+        </p:spPr>
+        <p:style>
+          <a:lnRef idx="1">
+            <a:schemeClr val="accent1"/>
+          </a:lnRef>
+          <a:fillRef idx="0">
+            <a:schemeClr val="accent1"/>
+          </a:fillRef>
+          <a:effectRef idx="0">
+            <a:schemeClr val="accent1"/>
+          </a:effectRef>
+          <a:fontRef idx="minor">
+            <a:schemeClr val="tx1"/>
+          </a:fontRef>
+        </p:style>
+      </p:cxnSp>
+      <p:sp>
+        <p:nvSpPr>
+          <p:cNvPr id="21" name="正方形/長方形 20">
+            <a:extLst>
+              <a:ext uri="{FF2B5EF4-FFF2-40B4-BE49-F238E27FC236}">
+                <a16:creationId xmlns:a16="http://schemas.microsoft.com/office/drawing/2014/main" id="{2C1B784D-3F47-EC80-379E-CE537C8F1ACB}"/>
+              </a:ext>
+            </a:extLst>
+          </p:cNvPr>
+          <p:cNvSpPr/>
+          <p:nvPr/>
+        </p:nvSpPr>
+        <p:spPr>
+          <a:xfrm>
+            <a:off x="7378213" y="1493427"/>
+            <a:ext cx="1397391" cy="614289"/>
+          </a:xfrm>
+          <a:prstGeom prst="rect">
+            <a:avLst/>
+          </a:prstGeom>
+          <a:ln>
+            <a:solidFill>
+              <a:schemeClr val="tx1"/>
+            </a:solidFill>
+          </a:ln>
+        </p:spPr>
+        <p:style>
+          <a:lnRef idx="2">
+            <a:schemeClr val="accent6"/>
+          </a:lnRef>
+          <a:fillRef idx="1">
+            <a:schemeClr val="lt1"/>
+          </a:fillRef>
+          <a:effectRef idx="0">
+            <a:schemeClr val="accent6"/>
+          </a:effectRef>
+          <a:fontRef idx="minor">
+            <a:schemeClr val="dk1"/>
+          </a:fontRef>
+        </p:style>
+        <p:txBody>
+          <a:bodyPr rtlCol="0" anchor="ctr"/>
+          <a:lstStyle/>
+          <a:p>
+            <a:pPr algn="ctr"/>
+            <a:r>
+              <a:rPr lang="en-GB" dirty="0">
+                <a:latin typeface="Times New Roman" panose="02020603050405020304" pitchFamily="18" charset="0"/>
+                <a:cs typeface="Times New Roman" panose="02020603050405020304" pitchFamily="18" charset="0"/>
+              </a:rPr>
+              <a:t>Seeking healthcare</a:t>
+            </a:r>
+          </a:p>
+        </p:txBody>
+      </p:sp>
+      <p:cxnSp>
+        <p:nvCxnSpPr>
+          <p:cNvPr id="22" name="直線矢印コネクタ 21">
+            <a:extLst>
+              <a:ext uri="{FF2B5EF4-FFF2-40B4-BE49-F238E27FC236}">
+                <a16:creationId xmlns:a16="http://schemas.microsoft.com/office/drawing/2014/main" id="{55E4BE6A-EE40-D556-C041-2652B1116B5C}"/>
+              </a:ext>
+            </a:extLst>
+          </p:cNvPr>
+          <p:cNvCxnSpPr>
+            <a:cxnSpLocks/>
+            <a:stCxn id="12" idx="3"/>
+            <a:endCxn id="21" idx="1"/>
+          </p:cNvCxnSpPr>
+          <p:nvPr/>
+        </p:nvCxnSpPr>
+        <p:spPr>
+          <a:xfrm flipV="1">
+            <a:off x="6659001" y="1800572"/>
+            <a:ext cx="719212" cy="3"/>
+          </a:xfrm>
+          <a:prstGeom prst="straightConnector1">
+            <a:avLst/>
+          </a:prstGeom>
+          <a:ln w="19050">
+            <a:solidFill>
+              <a:schemeClr val="tx1"/>
+            </a:solidFill>
+            <a:tailEnd type="triangle"/>
+          </a:ln>
+        </p:spPr>
+        <p:style>
+          <a:lnRef idx="1">
+            <a:schemeClr val="accent1"/>
+          </a:lnRef>
+          <a:fillRef idx="0">
+            <a:schemeClr val="accent1"/>
+          </a:fillRef>
+          <a:effectRef idx="0">
+            <a:schemeClr val="accent1"/>
+          </a:effectRef>
+          <a:fontRef idx="minor">
+            <a:schemeClr val="tx1"/>
+          </a:fontRef>
+        </p:style>
+      </p:cxnSp>
+      <p:cxnSp>
+        <p:nvCxnSpPr>
+          <p:cNvPr id="26" name="直線矢印コネクタ 25">
+            <a:extLst>
+              <a:ext uri="{FF2B5EF4-FFF2-40B4-BE49-F238E27FC236}">
+                <a16:creationId xmlns:a16="http://schemas.microsoft.com/office/drawing/2014/main" id="{84867389-54E0-8EAB-5604-B9567DCED117}"/>
+              </a:ext>
+            </a:extLst>
+          </p:cNvPr>
+          <p:cNvCxnSpPr>
+            <a:cxnSpLocks/>
+            <a:stCxn id="21" idx="3"/>
+            <a:endCxn id="29" idx="1"/>
+          </p:cNvCxnSpPr>
+          <p:nvPr/>
+        </p:nvCxnSpPr>
+        <p:spPr>
+          <a:xfrm>
+            <a:off x="8775604" y="1800572"/>
+            <a:ext cx="907950" cy="1"/>
+          </a:xfrm>
+          <a:prstGeom prst="straightConnector1">
+            <a:avLst/>
+          </a:prstGeom>
+          <a:ln w="19050">
+            <a:solidFill>
+              <a:schemeClr val="tx1"/>
+            </a:solidFill>
+            <a:tailEnd type="triangle"/>
+          </a:ln>
+        </p:spPr>
+        <p:style>
+          <a:lnRef idx="1">
+            <a:schemeClr val="accent1"/>
+          </a:lnRef>
+          <a:fillRef idx="0">
+            <a:schemeClr val="accent1"/>
+          </a:fillRef>
+          <a:effectRef idx="0">
+            <a:schemeClr val="accent1"/>
+          </a:effectRef>
+          <a:fontRef idx="minor">
+            <a:schemeClr val="tx1"/>
+          </a:fontRef>
+        </p:style>
+      </p:cxnSp>
+      <p:sp>
+        <p:nvSpPr>
+          <p:cNvPr id="29" name="正方形/長方形 28">
+            <a:extLst>
+              <a:ext uri="{FF2B5EF4-FFF2-40B4-BE49-F238E27FC236}">
+                <a16:creationId xmlns:a16="http://schemas.microsoft.com/office/drawing/2014/main" id="{BA4D8A8A-ED52-1714-72B0-AB2E1BCF3E86}"/>
+              </a:ext>
+            </a:extLst>
+          </p:cNvPr>
+          <p:cNvSpPr/>
+          <p:nvPr/>
+        </p:nvSpPr>
+        <p:spPr>
+          <a:xfrm>
+            <a:off x="9683554" y="1493428"/>
+            <a:ext cx="1397391" cy="614289"/>
+          </a:xfrm>
+          <a:prstGeom prst="rect">
+            <a:avLst/>
+          </a:prstGeom>
+          <a:ln>
+            <a:solidFill>
+              <a:schemeClr val="tx1"/>
+            </a:solidFill>
+          </a:ln>
+        </p:spPr>
+        <p:style>
+          <a:lnRef idx="2">
+            <a:schemeClr val="accent6"/>
+          </a:lnRef>
+          <a:fillRef idx="1">
+            <a:schemeClr val="lt1"/>
+          </a:fillRef>
+          <a:effectRef idx="0">
+            <a:schemeClr val="accent6"/>
+          </a:effectRef>
+          <a:fontRef idx="minor">
+            <a:schemeClr val="dk1"/>
+          </a:fontRef>
+        </p:style>
+        <p:txBody>
+          <a:bodyPr rtlCol="0" anchor="ctr"/>
+          <a:lstStyle/>
+          <a:p>
+            <a:pPr algn="ctr"/>
+            <a:r>
+              <a:rPr lang="en-GB" dirty="0">
+                <a:latin typeface="Times New Roman" panose="02020603050405020304" pitchFamily="18" charset="0"/>
+                <a:cs typeface="Times New Roman" panose="02020603050405020304" pitchFamily="18" charset="0"/>
+              </a:rPr>
+              <a:t>Notified as polio</a:t>
+            </a:r>
+          </a:p>
+        </p:txBody>
+      </p:sp>
+      <p:sp>
+        <p:nvSpPr>
+          <p:cNvPr id="32" name="正方形/長方形 31">
+            <a:extLst>
+              <a:ext uri="{FF2B5EF4-FFF2-40B4-BE49-F238E27FC236}">
+                <a16:creationId xmlns:a16="http://schemas.microsoft.com/office/drawing/2014/main" id="{E6A7F4BA-2BB6-FB98-34BF-B1E2214A7209}"/>
+              </a:ext>
+            </a:extLst>
+          </p:cNvPr>
+          <p:cNvSpPr/>
+          <p:nvPr/>
+        </p:nvSpPr>
+        <p:spPr>
+          <a:xfrm>
+            <a:off x="5205338" y="2722008"/>
+            <a:ext cx="1397391" cy="614289"/>
+          </a:xfrm>
+          <a:prstGeom prst="rect">
+            <a:avLst/>
+          </a:prstGeom>
+          <a:ln>
+            <a:solidFill>
+              <a:schemeClr val="tx1"/>
+            </a:solidFill>
+          </a:ln>
+        </p:spPr>
+        <p:style>
+          <a:lnRef idx="2">
+            <a:schemeClr val="accent6"/>
+          </a:lnRef>
+          <a:fillRef idx="1">
+            <a:schemeClr val="lt1"/>
+          </a:fillRef>
+          <a:effectRef idx="0">
+            <a:schemeClr val="accent6"/>
+          </a:effectRef>
+          <a:fontRef idx="minor">
+            <a:schemeClr val="dk1"/>
+          </a:fontRef>
+        </p:style>
+        <p:txBody>
+          <a:bodyPr rtlCol="0" anchor="ctr"/>
+          <a:lstStyle/>
+          <a:p>
+            <a:pPr algn="ctr"/>
+            <a:r>
+              <a:rPr lang="en-GB" dirty="0">
+                <a:latin typeface="Times New Roman" panose="02020603050405020304" pitchFamily="18" charset="0"/>
+                <a:cs typeface="Times New Roman" panose="02020603050405020304" pitchFamily="18" charset="0"/>
+              </a:rPr>
+              <a:t>Secretion in sewage</a:t>
+            </a:r>
+          </a:p>
+        </p:txBody>
+      </p:sp>
+      <p:cxnSp>
+        <p:nvCxnSpPr>
+          <p:cNvPr id="33" name="直線矢印コネクタ 32">
+            <a:extLst>
+              <a:ext uri="{FF2B5EF4-FFF2-40B4-BE49-F238E27FC236}">
+                <a16:creationId xmlns:a16="http://schemas.microsoft.com/office/drawing/2014/main" id="{98CFBD4D-716D-89F3-54A7-EE3181FB477D}"/>
+              </a:ext>
+            </a:extLst>
+          </p:cNvPr>
+          <p:cNvCxnSpPr>
+            <a:cxnSpLocks/>
+            <a:stCxn id="10" idx="3"/>
+            <a:endCxn id="32" idx="1"/>
+          </p:cNvCxnSpPr>
+          <p:nvPr/>
+        </p:nvCxnSpPr>
+        <p:spPr>
+          <a:xfrm>
+            <a:off x="4115092" y="2414864"/>
+            <a:ext cx="1090246" cy="614289"/>
+          </a:xfrm>
+          <a:prstGeom prst="straightConnector1">
+            <a:avLst/>
+          </a:prstGeom>
+          <a:ln w="19050">
+            <a:solidFill>
+              <a:schemeClr val="tx1"/>
+            </a:solidFill>
+            <a:tailEnd type="triangle"/>
+          </a:ln>
+        </p:spPr>
+        <p:style>
+          <a:lnRef idx="1">
+            <a:schemeClr val="accent1"/>
+          </a:lnRef>
+          <a:fillRef idx="0">
+            <a:schemeClr val="accent1"/>
+          </a:fillRef>
+          <a:effectRef idx="0">
+            <a:schemeClr val="accent1"/>
+          </a:effectRef>
+          <a:fontRef idx="minor">
+            <a:schemeClr val="tx1"/>
+          </a:fontRef>
+        </p:style>
+      </p:cxnSp>
+      <p:sp>
+        <p:nvSpPr>
+          <p:cNvPr id="36" name="正方形/長方形 35">
+            <a:extLst>
+              <a:ext uri="{FF2B5EF4-FFF2-40B4-BE49-F238E27FC236}">
+                <a16:creationId xmlns:a16="http://schemas.microsoft.com/office/drawing/2014/main" id="{8C66B611-8016-BC55-3ADA-3A12A3637C74}"/>
+              </a:ext>
+            </a:extLst>
+          </p:cNvPr>
+          <p:cNvSpPr/>
+          <p:nvPr/>
+        </p:nvSpPr>
+        <p:spPr>
+          <a:xfrm>
+            <a:off x="7371470" y="2722007"/>
+            <a:ext cx="1397391" cy="614289"/>
+          </a:xfrm>
+          <a:prstGeom prst="rect">
+            <a:avLst/>
+          </a:prstGeom>
+          <a:ln>
+            <a:solidFill>
+              <a:schemeClr val="tx1"/>
+            </a:solidFill>
+          </a:ln>
+        </p:spPr>
+        <p:style>
+          <a:lnRef idx="2">
+            <a:schemeClr val="accent6"/>
+          </a:lnRef>
+          <a:fillRef idx="1">
+            <a:schemeClr val="lt1"/>
+          </a:fillRef>
+          <a:effectRef idx="0">
+            <a:schemeClr val="accent6"/>
+          </a:effectRef>
+          <a:fontRef idx="minor">
+            <a:schemeClr val="dk1"/>
+          </a:fontRef>
+        </p:style>
+        <p:txBody>
+          <a:bodyPr rtlCol="0" anchor="ctr"/>
+          <a:lstStyle/>
+          <a:p>
+            <a:pPr algn="ctr"/>
+            <a:r>
+              <a:rPr lang="en-GB" dirty="0">
+                <a:latin typeface="Times New Roman" panose="02020603050405020304" pitchFamily="18" charset="0"/>
+                <a:cs typeface="Times New Roman" panose="02020603050405020304" pitchFamily="18" charset="0"/>
+              </a:rPr>
+              <a:t>Detected in sewage</a:t>
+            </a:r>
+          </a:p>
+        </p:txBody>
+      </p:sp>
+      <p:cxnSp>
+        <p:nvCxnSpPr>
+          <p:cNvPr id="37" name="直線矢印コネクタ 36">
+            <a:extLst>
+              <a:ext uri="{FF2B5EF4-FFF2-40B4-BE49-F238E27FC236}">
+                <a16:creationId xmlns:a16="http://schemas.microsoft.com/office/drawing/2014/main" id="{A3EBF08E-B76F-3714-6745-BB30F9E45156}"/>
+              </a:ext>
+            </a:extLst>
+          </p:cNvPr>
+          <p:cNvCxnSpPr>
+            <a:cxnSpLocks/>
+            <a:stCxn id="32" idx="3"/>
+            <a:endCxn id="36" idx="1"/>
+          </p:cNvCxnSpPr>
+          <p:nvPr/>
+        </p:nvCxnSpPr>
+        <p:spPr>
+          <a:xfrm flipV="1">
+            <a:off x="6602729" y="3029152"/>
+            <a:ext cx="768741" cy="1"/>
+          </a:xfrm>
+          <a:prstGeom prst="straightConnector1">
+            <a:avLst/>
+          </a:prstGeom>
+          <a:ln w="19050">
+            <a:solidFill>
+              <a:schemeClr val="tx1"/>
+            </a:solidFill>
+            <a:tailEnd type="triangle"/>
+          </a:ln>
+        </p:spPr>
+        <p:style>
+          <a:lnRef idx="1">
+            <a:schemeClr val="accent1"/>
+          </a:lnRef>
+          <a:fillRef idx="0">
+            <a:schemeClr val="accent1"/>
+          </a:fillRef>
+          <a:effectRef idx="0">
+            <a:schemeClr val="accent1"/>
+          </a:effectRef>
+          <a:fontRef idx="minor">
+            <a:schemeClr val="tx1"/>
+          </a:fontRef>
+        </p:style>
+      </p:cxnSp>
+      <p:sp>
+        <p:nvSpPr>
+          <p:cNvPr id="45" name="テキスト ボックス 44">
+            <a:extLst>
+              <a:ext uri="{FF2B5EF4-FFF2-40B4-BE49-F238E27FC236}">
+                <a16:creationId xmlns:a16="http://schemas.microsoft.com/office/drawing/2014/main" id="{98D124C9-85D3-8E4D-20DC-6E866FE168F3}"/>
+              </a:ext>
+            </a:extLst>
+          </p:cNvPr>
+          <p:cNvSpPr txBox="1"/>
+          <p:nvPr/>
+        </p:nvSpPr>
+        <p:spPr>
+          <a:xfrm>
+            <a:off x="3847516" y="3299660"/>
+            <a:ext cx="914400" cy="646331"/>
+          </a:xfrm>
+          <a:prstGeom prst="rect">
+            <a:avLst/>
+          </a:prstGeom>
+          <a:noFill/>
+        </p:spPr>
+        <p:txBody>
+          <a:bodyPr wrap="square" rtlCol="0">
+            <a:spAutoFit/>
+          </a:bodyPr>
+          <a:lstStyle/>
+          <a:p>
+            <a:endParaRPr lang="en-GB" dirty="0"/>
+          </a:p>
+          <a:p>
+            <a:endParaRPr lang="en-GB" dirty="0"/>
+          </a:p>
+        </p:txBody>
+      </p:sp>
+      <p:sp>
+        <p:nvSpPr>
+          <p:cNvPr id="46" name="テキスト ボックス 45">
+            <a:extLst>
+              <a:ext uri="{FF2B5EF4-FFF2-40B4-BE49-F238E27FC236}">
+                <a16:creationId xmlns:a16="http://schemas.microsoft.com/office/drawing/2014/main" id="{499A47F3-D5B5-E755-ED1B-00BBA036A3C2}"/>
+              </a:ext>
+            </a:extLst>
+          </p:cNvPr>
+          <p:cNvSpPr txBox="1"/>
+          <p:nvPr/>
+        </p:nvSpPr>
+        <p:spPr>
+          <a:xfrm>
+            <a:off x="2204229" y="2061900"/>
+            <a:ext cx="914400" cy="369332"/>
+          </a:xfrm>
+          <a:prstGeom prst="rect">
+            <a:avLst/>
+          </a:prstGeom>
+          <a:noFill/>
+        </p:spPr>
+        <p:txBody>
+          <a:bodyPr wrap="square" rtlCol="0">
+            <a:spAutoFit/>
+          </a:bodyPr>
+          <a:lstStyle/>
+          <a:p>
+            <a:r>
+              <a:rPr lang="en-US" altLang="ja-JP" dirty="0"/>
+              <a:t>λ</a:t>
+            </a:r>
+            <a:endParaRPr lang="en-GB" dirty="0"/>
+          </a:p>
+        </p:txBody>
+      </p:sp>
+      <p:sp>
+        <p:nvSpPr>
+          <p:cNvPr id="47" name="テキスト ボックス 46">
+            <a:extLst>
+              <a:ext uri="{FF2B5EF4-FFF2-40B4-BE49-F238E27FC236}">
+                <a16:creationId xmlns:a16="http://schemas.microsoft.com/office/drawing/2014/main" id="{58EA09DF-D8A2-0DA8-C5A3-44A43E7EA331}"/>
+              </a:ext>
+            </a:extLst>
+          </p:cNvPr>
+          <p:cNvSpPr txBox="1"/>
+          <p:nvPr/>
+        </p:nvSpPr>
+        <p:spPr>
+          <a:xfrm>
+            <a:off x="4516316" y="1685405"/>
+            <a:ext cx="602565" cy="369332"/>
+          </a:xfrm>
+          <a:prstGeom prst="rect">
+            <a:avLst/>
+          </a:prstGeom>
+          <a:noFill/>
+        </p:spPr>
+        <p:txBody>
+          <a:bodyPr wrap="square" rtlCol="0">
+            <a:spAutoFit/>
+          </a:bodyPr>
+          <a:lstStyle/>
+          <a:p>
+            <a:r>
+              <a:rPr lang="en-US" altLang="ja-JP" dirty="0"/>
+              <a:t>pγ1</a:t>
+            </a:r>
+            <a:endParaRPr lang="en-GB" dirty="0"/>
+          </a:p>
+        </p:txBody>
+      </p:sp>
+      <p:sp>
+        <p:nvSpPr>
+          <p:cNvPr id="51" name="テキスト ボックス 50">
+            <a:extLst>
+              <a:ext uri="{FF2B5EF4-FFF2-40B4-BE49-F238E27FC236}">
+                <a16:creationId xmlns:a16="http://schemas.microsoft.com/office/drawing/2014/main" id="{41FE5B16-A1D1-2F85-FFB1-DDB0DD4B5810}"/>
+              </a:ext>
+            </a:extLst>
+          </p:cNvPr>
+          <p:cNvSpPr txBox="1"/>
+          <p:nvPr/>
+        </p:nvSpPr>
+        <p:spPr>
+          <a:xfrm>
+            <a:off x="6811693" y="1400148"/>
+            <a:ext cx="602565" cy="369332"/>
+          </a:xfrm>
+          <a:prstGeom prst="rect">
+            <a:avLst/>
+          </a:prstGeom>
+          <a:noFill/>
+        </p:spPr>
+        <p:txBody>
+          <a:bodyPr wrap="square" rtlCol="0">
+            <a:spAutoFit/>
+          </a:bodyPr>
+          <a:lstStyle/>
+          <a:p>
+            <a:r>
+              <a:rPr lang="en-US" altLang="ja-JP" dirty="0"/>
+              <a:t>γ2</a:t>
+            </a:r>
+            <a:endParaRPr lang="en-GB" dirty="0"/>
+          </a:p>
+        </p:txBody>
+      </p:sp>
+      <p:sp>
+        <p:nvSpPr>
+          <p:cNvPr id="52" name="テキスト ボックス 51">
+            <a:extLst>
+              <a:ext uri="{FF2B5EF4-FFF2-40B4-BE49-F238E27FC236}">
+                <a16:creationId xmlns:a16="http://schemas.microsoft.com/office/drawing/2014/main" id="{4B7E9364-0D37-079B-9C57-189C0A47767A}"/>
+              </a:ext>
+            </a:extLst>
+          </p:cNvPr>
+          <p:cNvSpPr txBox="1"/>
+          <p:nvPr/>
+        </p:nvSpPr>
+        <p:spPr>
+          <a:xfrm>
+            <a:off x="8892251" y="1316073"/>
+            <a:ext cx="602565" cy="369332"/>
+          </a:xfrm>
+          <a:prstGeom prst="rect">
+            <a:avLst/>
+          </a:prstGeom>
+          <a:noFill/>
+        </p:spPr>
+        <p:txBody>
+          <a:bodyPr wrap="square" rtlCol="0">
+            <a:spAutoFit/>
+          </a:bodyPr>
+          <a:lstStyle/>
+          <a:p>
+            <a:r>
+              <a:rPr lang="en-US" altLang="ja-JP" dirty="0"/>
+              <a:t>γ3</a:t>
+            </a:r>
+            <a:endParaRPr lang="en-GB" dirty="0"/>
+          </a:p>
+        </p:txBody>
+      </p:sp>
+      <p:sp>
+        <p:nvSpPr>
+          <p:cNvPr id="53" name="テキスト ボックス 52">
+            <a:extLst>
+              <a:ext uri="{FF2B5EF4-FFF2-40B4-BE49-F238E27FC236}">
+                <a16:creationId xmlns:a16="http://schemas.microsoft.com/office/drawing/2014/main" id="{9B780C6E-8915-57E7-7310-3FC1F52F88AA}"/>
+              </a:ext>
+            </a:extLst>
+          </p:cNvPr>
+          <p:cNvSpPr txBox="1"/>
+          <p:nvPr/>
+        </p:nvSpPr>
+        <p:spPr>
+          <a:xfrm>
+            <a:off x="4403187" y="2774991"/>
+            <a:ext cx="602565" cy="369332"/>
+          </a:xfrm>
+          <a:prstGeom prst="rect">
+            <a:avLst/>
+          </a:prstGeom>
+          <a:noFill/>
+        </p:spPr>
+        <p:txBody>
+          <a:bodyPr wrap="square" rtlCol="0">
+            <a:spAutoFit/>
+          </a:bodyPr>
+          <a:lstStyle/>
+          <a:p>
+            <a:r>
+              <a:rPr lang="en-US" altLang="ja-JP" dirty="0"/>
+              <a:t>τ1</a:t>
+            </a:r>
+            <a:endParaRPr lang="en-GB" dirty="0"/>
+          </a:p>
+        </p:txBody>
+      </p:sp>
+      <p:sp>
+        <p:nvSpPr>
+          <p:cNvPr id="54" name="テキスト ボックス 53">
+            <a:extLst>
+              <a:ext uri="{FF2B5EF4-FFF2-40B4-BE49-F238E27FC236}">
+                <a16:creationId xmlns:a16="http://schemas.microsoft.com/office/drawing/2014/main" id="{E097E5DF-FE42-B757-062C-C2FF69A5DD65}"/>
+              </a:ext>
+            </a:extLst>
+          </p:cNvPr>
+          <p:cNvSpPr txBox="1"/>
+          <p:nvPr/>
+        </p:nvSpPr>
+        <p:spPr>
+          <a:xfrm>
+            <a:off x="6717324" y="2619520"/>
+            <a:ext cx="602565" cy="369332"/>
+          </a:xfrm>
+          <a:prstGeom prst="rect">
+            <a:avLst/>
+          </a:prstGeom>
+          <a:noFill/>
+        </p:spPr>
+        <p:txBody>
+          <a:bodyPr wrap="square" rtlCol="0">
+            <a:spAutoFit/>
+          </a:bodyPr>
+          <a:lstStyle/>
+          <a:p>
+            <a:r>
+              <a:rPr lang="en-US" altLang="ja-JP" dirty="0"/>
+              <a:t>τ2</a:t>
+            </a:r>
+            <a:endParaRPr lang="en-GB" dirty="0"/>
+          </a:p>
+        </p:txBody>
+      </p:sp>
+      <p:cxnSp>
+        <p:nvCxnSpPr>
+          <p:cNvPr id="34" name="直線矢印コネクタ 33">
+            <a:extLst>
+              <a:ext uri="{FF2B5EF4-FFF2-40B4-BE49-F238E27FC236}">
+                <a16:creationId xmlns:a16="http://schemas.microsoft.com/office/drawing/2014/main" id="{8A5341B1-A03F-591C-4115-701D13A266A9}"/>
+              </a:ext>
+            </a:extLst>
+          </p:cNvPr>
+          <p:cNvCxnSpPr>
+            <a:cxnSpLocks/>
+            <a:stCxn id="10" idx="3"/>
+            <a:endCxn id="39" idx="1"/>
+          </p:cNvCxnSpPr>
+          <p:nvPr/>
+        </p:nvCxnSpPr>
+        <p:spPr>
+          <a:xfrm flipV="1">
+            <a:off x="4115092" y="849926"/>
+            <a:ext cx="1146517" cy="1564938"/>
+          </a:xfrm>
+          <a:prstGeom prst="straightConnector1">
+            <a:avLst/>
+          </a:prstGeom>
+          <a:ln w="19050">
+            <a:solidFill>
+              <a:schemeClr val="tx1"/>
+            </a:solidFill>
+            <a:tailEnd type="triangle"/>
+          </a:ln>
+        </p:spPr>
+        <p:style>
+          <a:lnRef idx="1">
+            <a:schemeClr val="accent1"/>
+          </a:lnRef>
+          <a:fillRef idx="0">
+            <a:schemeClr val="accent1"/>
+          </a:fillRef>
+          <a:effectRef idx="0">
+            <a:schemeClr val="accent1"/>
+          </a:effectRef>
+          <a:fontRef idx="minor">
+            <a:schemeClr val="tx1"/>
+          </a:fontRef>
+        </p:style>
+      </p:cxnSp>
+      <p:sp>
+        <p:nvSpPr>
+          <p:cNvPr id="39" name="正方形/長方形 38">
+            <a:extLst>
+              <a:ext uri="{FF2B5EF4-FFF2-40B4-BE49-F238E27FC236}">
+                <a16:creationId xmlns:a16="http://schemas.microsoft.com/office/drawing/2014/main" id="{BCFAC2D2-29F5-CC45-12BF-FD7ADA0750BC}"/>
+              </a:ext>
+            </a:extLst>
+          </p:cNvPr>
+          <p:cNvSpPr/>
+          <p:nvPr/>
+        </p:nvSpPr>
+        <p:spPr>
+          <a:xfrm>
+            <a:off x="5261609" y="542781"/>
+            <a:ext cx="1550084" cy="614289"/>
+          </a:xfrm>
+          <a:prstGeom prst="rect">
+            <a:avLst/>
+          </a:prstGeom>
+          <a:ln>
+            <a:solidFill>
+              <a:schemeClr val="tx1"/>
+            </a:solidFill>
+          </a:ln>
+        </p:spPr>
+        <p:style>
+          <a:lnRef idx="2">
+            <a:schemeClr val="accent6"/>
+          </a:lnRef>
+          <a:fillRef idx="1">
+            <a:schemeClr val="lt1"/>
+          </a:fillRef>
+          <a:effectRef idx="0">
+            <a:schemeClr val="accent6"/>
+          </a:effectRef>
+          <a:fontRef idx="minor">
+            <a:schemeClr val="dk1"/>
+          </a:fontRef>
+        </p:style>
+        <p:txBody>
+          <a:bodyPr rtlCol="0" anchor="ctr"/>
+          <a:lstStyle/>
+          <a:p>
+            <a:pPr algn="ctr"/>
+            <a:r>
+              <a:rPr lang="en-GB" dirty="0">
+                <a:latin typeface="Times New Roman" panose="02020603050405020304" pitchFamily="18" charset="0"/>
+                <a:cs typeface="Times New Roman" panose="02020603050405020304" pitchFamily="18" charset="0"/>
+              </a:rPr>
               <a:t>Asymptomatic</a:t>
             </a:r>
           </a:p>
@@ -8390,7 +12862,7 @@
 </p:sld>
 </file>
 
-<file path=ppt/slides/slide6.xml><?xml version="1.0" encoding="utf-8"?>
+<file path=ppt/slides/slide8.xml><?xml version="1.0" encoding="utf-8"?>
 <p:sld xmlns:a="http://schemas.openxmlformats.org/drawingml/2006/main" xmlns:r="http://schemas.openxmlformats.org/officeDocument/2006/relationships" xmlns:p="http://schemas.openxmlformats.org/presentationml/2006/main">
   <p:cSld>
     <p:spTree>

--- a/doc_ideas/202305_flowchart.pptx
+++ b/doc_ideas/202305_flowchart.pptx
@@ -268,7 +268,7 @@
           <a:p>
             <a:fld id="{F467A90D-6061-43A1-9F48-580B251C3410}" type="datetimeFigureOut">
               <a:rPr lang="en-GB" smtClean="0"/>
-              <a:t>11/07/2023</a:t>
+              <a:t>17/07/2023</a:t>
             </a:fld>
             <a:endParaRPr lang="en-GB"/>
           </a:p>
@@ -500,7 +500,7 @@
           <a:p>
             <a:fld id="{F467A90D-6061-43A1-9F48-580B251C3410}" type="datetimeFigureOut">
               <a:rPr lang="en-GB" smtClean="0"/>
-              <a:t>11/07/2023</a:t>
+              <a:t>17/07/2023</a:t>
             </a:fld>
             <a:endParaRPr lang="en-GB"/>
           </a:p>
@@ -742,7 +742,7 @@
           <a:p>
             <a:fld id="{F467A90D-6061-43A1-9F48-580B251C3410}" type="datetimeFigureOut">
               <a:rPr lang="en-GB" smtClean="0"/>
-              <a:t>11/07/2023</a:t>
+              <a:t>17/07/2023</a:t>
             </a:fld>
             <a:endParaRPr lang="en-GB"/>
           </a:p>
@@ -974,7 +974,7 @@
           <a:p>
             <a:fld id="{F467A90D-6061-43A1-9F48-580B251C3410}" type="datetimeFigureOut">
               <a:rPr lang="en-GB" smtClean="0"/>
-              <a:t>11/07/2023</a:t>
+              <a:t>17/07/2023</a:t>
             </a:fld>
             <a:endParaRPr lang="en-GB"/>
           </a:p>
@@ -1250,7 +1250,7 @@
           <a:p>
             <a:fld id="{F467A90D-6061-43A1-9F48-580B251C3410}" type="datetimeFigureOut">
               <a:rPr lang="en-GB" smtClean="0"/>
-              <a:t>11/07/2023</a:t>
+              <a:t>17/07/2023</a:t>
             </a:fld>
             <a:endParaRPr lang="en-GB"/>
           </a:p>
@@ -1582,7 +1582,7 @@
           <a:p>
             <a:fld id="{F467A90D-6061-43A1-9F48-580B251C3410}" type="datetimeFigureOut">
               <a:rPr lang="en-GB" smtClean="0"/>
-              <a:t>11/07/2023</a:t>
+              <a:t>17/07/2023</a:t>
             </a:fld>
             <a:endParaRPr lang="en-GB"/>
           </a:p>
@@ -2061,7 +2061,7 @@
           <a:p>
             <a:fld id="{F467A90D-6061-43A1-9F48-580B251C3410}" type="datetimeFigureOut">
               <a:rPr lang="en-GB" smtClean="0"/>
-              <a:t>11/07/2023</a:t>
+              <a:t>17/07/2023</a:t>
             </a:fld>
             <a:endParaRPr lang="en-GB"/>
           </a:p>
@@ -2203,7 +2203,7 @@
           <a:p>
             <a:fld id="{F467A90D-6061-43A1-9F48-580B251C3410}" type="datetimeFigureOut">
               <a:rPr lang="en-GB" smtClean="0"/>
-              <a:t>11/07/2023</a:t>
+              <a:t>17/07/2023</a:t>
             </a:fld>
             <a:endParaRPr lang="en-GB"/>
           </a:p>
@@ -2316,7 +2316,7 @@
           <a:p>
             <a:fld id="{F467A90D-6061-43A1-9F48-580B251C3410}" type="datetimeFigureOut">
               <a:rPr lang="en-GB" smtClean="0"/>
-              <a:t>11/07/2023</a:t>
+              <a:t>17/07/2023</a:t>
             </a:fld>
             <a:endParaRPr lang="en-GB"/>
           </a:p>
@@ -2661,7 +2661,7 @@
           <a:p>
             <a:fld id="{F467A90D-6061-43A1-9F48-580B251C3410}" type="datetimeFigureOut">
               <a:rPr lang="en-GB" smtClean="0"/>
-              <a:t>11/07/2023</a:t>
+              <a:t>17/07/2023</a:t>
             </a:fld>
             <a:endParaRPr lang="en-GB"/>
           </a:p>
@@ -2950,7 +2950,7 @@
           <a:p>
             <a:fld id="{F467A90D-6061-43A1-9F48-580B251C3410}" type="datetimeFigureOut">
               <a:rPr lang="en-GB" smtClean="0"/>
-              <a:t>11/07/2023</a:t>
+              <a:t>17/07/2023</a:t>
             </a:fld>
             <a:endParaRPr lang="en-GB"/>
           </a:p>
@@ -3225,7 +3225,7 @@
           <a:p>
             <a:fld id="{F467A90D-6061-43A1-9F48-580B251C3410}" type="datetimeFigureOut">
               <a:rPr lang="en-GB" smtClean="0"/>
-              <a:t>11/07/2023</a:t>
+              <a:t>17/07/2023</a:t>
             </a:fld>
             <a:endParaRPr lang="en-GB"/>
           </a:p>
@@ -3642,58 +3642,6 @@
           <a:chExt cx="0" cy="0"/>
         </a:xfrm>
       </p:grpSpPr>
-      <p:sp>
-        <p:nvSpPr>
-          <p:cNvPr id="159" name="Rectangle 158">
-            <a:extLst>
-              <a:ext uri="{FF2B5EF4-FFF2-40B4-BE49-F238E27FC236}">
-                <a16:creationId xmlns:a16="http://schemas.microsoft.com/office/drawing/2014/main" id="{4091D693-0C0C-1202-7A2E-B9A231B0891F}"/>
-              </a:ext>
-            </a:extLst>
-          </p:cNvPr>
-          <p:cNvSpPr/>
-          <p:nvPr/>
-        </p:nvSpPr>
-        <p:spPr>
-          <a:xfrm>
-            <a:off x="2169085" y="3775960"/>
-            <a:ext cx="4697622" cy="1437810"/>
-          </a:xfrm>
-          <a:prstGeom prst="rect">
-            <a:avLst/>
-          </a:prstGeom>
-          <a:solidFill>
-            <a:schemeClr val="accent2">
-              <a:lumMod val="20000"/>
-              <a:lumOff val="80000"/>
-            </a:schemeClr>
-          </a:solidFill>
-        </p:spPr>
-        <p:style>
-          <a:lnRef idx="2">
-            <a:schemeClr val="accent1">
-              <a:shade val="15000"/>
-            </a:schemeClr>
-          </a:lnRef>
-          <a:fillRef idx="1">
-            <a:schemeClr val="accent1"/>
-          </a:fillRef>
-          <a:effectRef idx="0">
-            <a:schemeClr val="accent1"/>
-          </a:effectRef>
-          <a:fontRef idx="minor">
-            <a:schemeClr val="lt1"/>
-          </a:fontRef>
-        </p:style>
-        <p:txBody>
-          <a:bodyPr rtlCol="0" anchor="ctr"/>
-          <a:lstStyle/>
-          <a:p>
-            <a:pPr algn="ctr"/>
-            <a:endParaRPr lang="en-GB"/>
-          </a:p>
-        </p:txBody>
-      </p:sp>
       <p:grpSp>
         <p:nvGrpSpPr>
           <p:cNvPr id="108" name="Group 107">
@@ -3708,8 +3656,8 @@
         </p:nvGrpSpPr>
         <p:grpSpPr>
           <a:xfrm>
-            <a:off x="7246254" y="2956149"/>
-            <a:ext cx="2472645" cy="1408589"/>
+            <a:off x="6570734" y="3108672"/>
+            <a:ext cx="2472645" cy="1508784"/>
             <a:chOff x="5962485" y="2963862"/>
             <a:chExt cx="2472645" cy="1408589"/>
           </a:xfrm>
@@ -3999,7 +3947,7 @@
         <p:spPr>
           <a:xfrm>
             <a:off x="1626561" y="759261"/>
-            <a:ext cx="6985812" cy="1991659"/>
+            <a:ext cx="7416818" cy="1991659"/>
           </a:xfrm>
           <a:prstGeom prst="rect">
             <a:avLst/>
@@ -4335,9 +4283,9 @@
           <p:nvPr/>
         </p:nvCxnSpPr>
         <p:spPr>
-          <a:xfrm flipV="1">
-            <a:off x="6638035" y="2134459"/>
-            <a:ext cx="813918" cy="2521"/>
+          <a:xfrm>
+            <a:off x="6638035" y="2136980"/>
+            <a:ext cx="1081551" cy="6384"/>
           </a:xfrm>
           <a:prstGeom prst="straightConnector1">
             <a:avLst/>
@@ -4378,7 +4326,7 @@
         </p:nvSpPr>
         <p:spPr>
           <a:xfrm>
-            <a:off x="6777404" y="1668785"/>
+            <a:off x="6964411" y="1691222"/>
             <a:ext cx="546884" cy="371209"/>
           </a:xfrm>
           <a:prstGeom prst="rect">
@@ -4418,7 +4366,7 @@
         </p:nvSpPr>
         <p:spPr>
           <a:xfrm>
-            <a:off x="7451953" y="1846489"/>
+            <a:off x="7719586" y="1855394"/>
             <a:ext cx="857836" cy="575939"/>
           </a:xfrm>
           <a:prstGeom prst="rect">
@@ -4651,7 +4599,7 @@
         </p:nvSpPr>
         <p:spPr>
           <a:xfrm>
-            <a:off x="7719586" y="1371542"/>
+            <a:off x="7881355" y="1372303"/>
             <a:ext cx="337931" cy="369332"/>
           </a:xfrm>
           <a:prstGeom prst="rect">
@@ -4690,8 +4638,8 @@
         </p:nvCxnSpPr>
         <p:spPr>
           <a:xfrm flipV="1">
-            <a:off x="7880871" y="1547813"/>
-            <a:ext cx="367779" cy="298676"/>
+            <a:off x="8148504" y="1496575"/>
+            <a:ext cx="298939" cy="358819"/>
           </a:xfrm>
           <a:prstGeom prst="straightConnector1">
             <a:avLst/>
@@ -4852,8 +4800,8 @@
         </p:nvCxnSpPr>
         <p:spPr>
           <a:xfrm rot="16200000" flipH="1">
-            <a:off x="6605726" y="2047515"/>
-            <a:ext cx="1054988" cy="1848206"/>
+            <a:off x="6172394" y="2480847"/>
+            <a:ext cx="1246132" cy="1172686"/>
           </a:xfrm>
           <a:prstGeom prst="bentConnector2">
             <a:avLst/>
@@ -5034,88 +4982,460 @@
           </a:p>
         </p:txBody>
       </p:sp>
-      <p:sp>
-        <p:nvSpPr>
-          <p:cNvPr id="110" name="正方形/長方形 4">
-            <a:extLst>
-              <a:ext uri="{FF2B5EF4-FFF2-40B4-BE49-F238E27FC236}">
-                <a16:creationId xmlns:a16="http://schemas.microsoft.com/office/drawing/2014/main" id="{36A9719B-E32E-802C-E9AD-306F27945779}"/>
-              </a:ext>
-            </a:extLst>
-          </p:cNvPr>
-          <p:cNvSpPr/>
-          <p:nvPr/>
-        </p:nvSpPr>
-        <p:spPr>
-          <a:xfrm>
-            <a:off x="2399789" y="4057592"/>
-            <a:ext cx="785740" cy="614289"/>
-          </a:xfrm>
-          <a:prstGeom prst="rect">
-            <a:avLst/>
-          </a:prstGeom>
-          <a:ln>
+      <p:grpSp>
+        <p:nvGrpSpPr>
+          <p:cNvPr id="21" name="Group 20">
+            <a:extLst>
+              <a:ext uri="{FF2B5EF4-FFF2-40B4-BE49-F238E27FC236}">
+                <a16:creationId xmlns:a16="http://schemas.microsoft.com/office/drawing/2014/main" id="{AB5F9CA8-292E-53BE-B068-2074117C5A01}"/>
+              </a:ext>
+            </a:extLst>
+          </p:cNvPr>
+          <p:cNvGrpSpPr/>
+          <p:nvPr/>
+        </p:nvGrpSpPr>
+        <p:grpSpPr>
+          <a:xfrm>
+            <a:off x="2143971" y="3111534"/>
+            <a:ext cx="3466171" cy="1508784"/>
+            <a:chOff x="2143971" y="3171416"/>
+            <a:chExt cx="3466171" cy="1508784"/>
+          </a:xfrm>
+        </p:grpSpPr>
+        <p:sp>
+          <p:nvSpPr>
+            <p:cNvPr id="159" name="Rectangle 158">
+              <a:extLst>
+                <a:ext uri="{FF2B5EF4-FFF2-40B4-BE49-F238E27FC236}">
+                  <a16:creationId xmlns:a16="http://schemas.microsoft.com/office/drawing/2014/main" id="{4091D693-0C0C-1202-7A2E-B9A231B0891F}"/>
+                </a:ext>
+              </a:extLst>
+            </p:cNvPr>
+            <p:cNvSpPr/>
+            <p:nvPr/>
+          </p:nvSpPr>
+          <p:spPr>
+            <a:xfrm>
+              <a:off x="2143971" y="3171416"/>
+              <a:ext cx="3466171" cy="1508784"/>
+            </a:xfrm>
+            <a:prstGeom prst="rect">
+              <a:avLst/>
+            </a:prstGeom>
             <a:solidFill>
+              <a:schemeClr val="accent2">
+                <a:lumMod val="20000"/>
+                <a:lumOff val="80000"/>
+              </a:schemeClr>
+            </a:solidFill>
+          </p:spPr>
+          <p:style>
+            <a:lnRef idx="2">
+              <a:schemeClr val="accent1">
+                <a:shade val="15000"/>
+              </a:schemeClr>
+            </a:lnRef>
+            <a:fillRef idx="1">
+              <a:schemeClr val="accent1"/>
+            </a:fillRef>
+            <a:effectRef idx="0">
+              <a:schemeClr val="accent1"/>
+            </a:effectRef>
+            <a:fontRef idx="minor">
+              <a:schemeClr val="lt1"/>
+            </a:fontRef>
+          </p:style>
+          <p:txBody>
+            <a:bodyPr rtlCol="0" anchor="ctr"/>
+            <a:lstStyle/>
+            <a:p>
+              <a:pPr algn="ctr"/>
+              <a:endParaRPr lang="en-GB"/>
+            </a:p>
+          </p:txBody>
+        </p:sp>
+        <p:sp>
+          <p:nvSpPr>
+            <p:cNvPr id="110" name="正方形/長方形 4">
+              <a:extLst>
+                <a:ext uri="{FF2B5EF4-FFF2-40B4-BE49-F238E27FC236}">
+                  <a16:creationId xmlns:a16="http://schemas.microsoft.com/office/drawing/2014/main" id="{36A9719B-E32E-802C-E9AD-306F27945779}"/>
+                </a:ext>
+              </a:extLst>
+            </p:cNvPr>
+            <p:cNvSpPr/>
+            <p:nvPr/>
+          </p:nvSpPr>
+          <p:spPr>
+            <a:xfrm>
+              <a:off x="2392580" y="3464775"/>
+              <a:ext cx="785740" cy="644612"/>
+            </a:xfrm>
+            <a:prstGeom prst="rect">
+              <a:avLst/>
+            </a:prstGeom>
+            <a:ln>
+              <a:solidFill>
+                <a:schemeClr val="tx1"/>
+              </a:solidFill>
+            </a:ln>
+          </p:spPr>
+          <p:style>
+            <a:lnRef idx="2">
+              <a:schemeClr val="accent6"/>
+            </a:lnRef>
+            <a:fillRef idx="1">
+              <a:schemeClr val="lt1"/>
+            </a:fillRef>
+            <a:effectRef idx="0">
+              <a:schemeClr val="accent6"/>
+            </a:effectRef>
+            <a:fontRef idx="minor">
+              <a:schemeClr val="dk1"/>
+            </a:fontRef>
+          </p:style>
+          <p:txBody>
+            <a:bodyPr rtlCol="0" anchor="ctr"/>
+            <a:lstStyle/>
+            <a:p>
+              <a:pPr algn="ctr"/>
+              <a:r>
+                <a:rPr lang="en-GB" dirty="0">
+                  <a:latin typeface="Times New Roman" panose="02020603050405020304" pitchFamily="18" charset="0"/>
+                  <a:cs typeface="Times New Roman" panose="02020603050405020304" pitchFamily="18" charset="0"/>
+                </a:rPr>
+                <a:t>A</a:t>
+              </a:r>
+              <a:r>
+                <a:rPr lang="en-GB" baseline="-25000" dirty="0">
+                  <a:latin typeface="Times New Roman" panose="02020603050405020304" pitchFamily="18" charset="0"/>
+                  <a:cs typeface="Times New Roman" panose="02020603050405020304" pitchFamily="18" charset="0"/>
+                </a:rPr>
+                <a:t>1,i</a:t>
+              </a:r>
+            </a:p>
+          </p:txBody>
+        </p:sp>
+        <p:cxnSp>
+          <p:nvCxnSpPr>
+            <p:cNvPr id="111" name="直線矢印コネクタ 8">
+              <a:extLst>
+                <a:ext uri="{FF2B5EF4-FFF2-40B4-BE49-F238E27FC236}">
+                  <a16:creationId xmlns:a16="http://schemas.microsoft.com/office/drawing/2014/main" id="{C0A9B16F-E1BA-9697-80E6-DF2C82075F2A}"/>
+                </a:ext>
+              </a:extLst>
+            </p:cNvPr>
+            <p:cNvCxnSpPr>
+              <a:cxnSpLocks/>
+              <a:stCxn id="110" idx="3"/>
+              <a:endCxn id="119" idx="1"/>
+            </p:cNvCxnSpPr>
+            <p:nvPr/>
+          </p:nvCxnSpPr>
+          <p:spPr>
+            <a:xfrm>
+              <a:off x="3178320" y="3787081"/>
+              <a:ext cx="519195" cy="6661"/>
+            </a:xfrm>
+            <a:prstGeom prst="straightConnector1">
+              <a:avLst/>
+            </a:prstGeom>
+            <a:ln w="19050">
+              <a:solidFill>
+                <a:schemeClr val="tx1"/>
+              </a:solidFill>
+              <a:tailEnd type="triangle"/>
+            </a:ln>
+          </p:spPr>
+          <p:style>
+            <a:lnRef idx="1">
+              <a:schemeClr val="accent1"/>
+            </a:lnRef>
+            <a:fillRef idx="0">
+              <a:schemeClr val="accent1"/>
+            </a:fillRef>
+            <a:effectRef idx="0">
+              <a:schemeClr val="accent1"/>
+            </a:effectRef>
+            <a:fontRef idx="minor">
               <a:schemeClr val="tx1"/>
-            </a:solidFill>
-          </a:ln>
-        </p:spPr>
-        <p:style>
-          <a:lnRef idx="2">
-            <a:schemeClr val="accent6"/>
-          </a:lnRef>
-          <a:fillRef idx="1">
-            <a:schemeClr val="lt1"/>
-          </a:fillRef>
-          <a:effectRef idx="0">
-            <a:schemeClr val="accent6"/>
-          </a:effectRef>
-          <a:fontRef idx="minor">
-            <a:schemeClr val="dk1"/>
-          </a:fontRef>
-        </p:style>
-        <p:txBody>
-          <a:bodyPr rtlCol="0" anchor="ctr"/>
-          <a:lstStyle/>
-          <a:p>
-            <a:pPr algn="ctr"/>
-            <a:r>
-              <a:rPr lang="en-GB" dirty="0">
-                <a:latin typeface="Times New Roman" panose="02020603050405020304" pitchFamily="18" charset="0"/>
-                <a:cs typeface="Times New Roman" panose="02020603050405020304" pitchFamily="18" charset="0"/>
-              </a:rPr>
-              <a:t>A</a:t>
-            </a:r>
-            <a:r>
-              <a:rPr lang="en-GB" baseline="-25000" dirty="0">
-                <a:latin typeface="Times New Roman" panose="02020603050405020304" pitchFamily="18" charset="0"/>
-                <a:cs typeface="Times New Roman" panose="02020603050405020304" pitchFamily="18" charset="0"/>
-              </a:rPr>
-              <a:t>1,i</a:t>
-            </a:r>
-          </a:p>
-        </p:txBody>
-      </p:sp>
+            </a:fontRef>
+          </p:style>
+        </p:cxnSp>
+        <p:sp>
+          <p:nvSpPr>
+            <p:cNvPr id="119" name="TextBox 118">
+              <a:extLst>
+                <a:ext uri="{FF2B5EF4-FFF2-40B4-BE49-F238E27FC236}">
+                  <a16:creationId xmlns:a16="http://schemas.microsoft.com/office/drawing/2014/main" id="{E5C26570-E39A-7F65-6267-E07FF339F23C}"/>
+                </a:ext>
+              </a:extLst>
+            </p:cNvPr>
+            <p:cNvSpPr txBox="1"/>
+            <p:nvPr/>
+          </p:nvSpPr>
+          <p:spPr>
+            <a:xfrm>
+              <a:off x="3697515" y="3599960"/>
+              <a:ext cx="505018" cy="387563"/>
+            </a:xfrm>
+            <a:prstGeom prst="rect">
+              <a:avLst/>
+            </a:prstGeom>
+            <a:noFill/>
+          </p:spPr>
+          <p:txBody>
+            <a:bodyPr wrap="square" rtlCol="0">
+              <a:spAutoFit/>
+            </a:bodyPr>
+            <a:lstStyle/>
+            <a:p>
+              <a:r>
+                <a:rPr lang="en-GB" dirty="0"/>
+                <a:t> …</a:t>
+              </a:r>
+            </a:p>
+          </p:txBody>
+        </p:sp>
+        <p:cxnSp>
+          <p:nvCxnSpPr>
+            <p:cNvPr id="120" name="直線矢印コネクタ 8">
+              <a:extLst>
+                <a:ext uri="{FF2B5EF4-FFF2-40B4-BE49-F238E27FC236}">
+                  <a16:creationId xmlns:a16="http://schemas.microsoft.com/office/drawing/2014/main" id="{FE53D797-9774-51EF-34FA-1862328BF5C7}"/>
+                </a:ext>
+              </a:extLst>
+            </p:cNvPr>
+            <p:cNvCxnSpPr>
+              <a:cxnSpLocks/>
+              <a:stCxn id="119" idx="3"/>
+              <a:endCxn id="121" idx="1"/>
+            </p:cNvCxnSpPr>
+            <p:nvPr/>
+          </p:nvCxnSpPr>
+          <p:spPr>
+            <a:xfrm flipV="1">
+              <a:off x="4202533" y="3789256"/>
+              <a:ext cx="341406" cy="4486"/>
+            </a:xfrm>
+            <a:prstGeom prst="straightConnector1">
+              <a:avLst/>
+            </a:prstGeom>
+            <a:ln w="19050">
+              <a:solidFill>
+                <a:schemeClr val="tx1"/>
+              </a:solidFill>
+              <a:tailEnd type="triangle"/>
+            </a:ln>
+          </p:spPr>
+          <p:style>
+            <a:lnRef idx="1">
+              <a:schemeClr val="accent1"/>
+            </a:lnRef>
+            <a:fillRef idx="0">
+              <a:schemeClr val="accent1"/>
+            </a:fillRef>
+            <a:effectRef idx="0">
+              <a:schemeClr val="accent1"/>
+            </a:effectRef>
+            <a:fontRef idx="minor">
+              <a:schemeClr val="tx1"/>
+            </a:fontRef>
+          </p:style>
+        </p:cxnSp>
+        <p:sp>
+          <p:nvSpPr>
+            <p:cNvPr id="121" name="正方形/長方形 4">
+              <a:extLst>
+                <a:ext uri="{FF2B5EF4-FFF2-40B4-BE49-F238E27FC236}">
+                  <a16:creationId xmlns:a16="http://schemas.microsoft.com/office/drawing/2014/main" id="{B9236349-D4D7-D96F-95C7-7D3C45F82871}"/>
+                </a:ext>
+              </a:extLst>
+            </p:cNvPr>
+            <p:cNvSpPr/>
+            <p:nvPr/>
+          </p:nvSpPr>
+          <p:spPr>
+            <a:xfrm>
+              <a:off x="4543939" y="3466950"/>
+              <a:ext cx="785740" cy="644612"/>
+            </a:xfrm>
+            <a:prstGeom prst="rect">
+              <a:avLst/>
+            </a:prstGeom>
+            <a:ln>
+              <a:solidFill>
+                <a:schemeClr val="tx1"/>
+              </a:solidFill>
+            </a:ln>
+          </p:spPr>
+          <p:style>
+            <a:lnRef idx="2">
+              <a:schemeClr val="accent6"/>
+            </a:lnRef>
+            <a:fillRef idx="1">
+              <a:schemeClr val="lt1"/>
+            </a:fillRef>
+            <a:effectRef idx="0">
+              <a:schemeClr val="accent6"/>
+            </a:effectRef>
+            <a:fontRef idx="minor">
+              <a:schemeClr val="dk1"/>
+            </a:fontRef>
+          </p:style>
+          <p:txBody>
+            <a:bodyPr rtlCol="0" anchor="ctr"/>
+            <a:lstStyle/>
+            <a:p>
+              <a:pPr algn="ctr"/>
+              <a:r>
+                <a:rPr lang="en-GB" dirty="0">
+                  <a:latin typeface="Times New Roman" panose="02020603050405020304" pitchFamily="18" charset="0"/>
+                  <a:cs typeface="Times New Roman" panose="02020603050405020304" pitchFamily="18" charset="0"/>
+                </a:rPr>
+                <a:t>A</a:t>
+              </a:r>
+              <a:r>
+                <a:rPr lang="en-GB" baseline="-25000" dirty="0">
+                  <a:latin typeface="Times New Roman" panose="02020603050405020304" pitchFamily="18" charset="0"/>
+                  <a:cs typeface="Times New Roman" panose="02020603050405020304" pitchFamily="18" charset="0"/>
+                </a:rPr>
+                <a:t>6,i</a:t>
+              </a:r>
+            </a:p>
+          </p:txBody>
+        </p:sp>
+        <p:sp>
+          <p:nvSpPr>
+            <p:cNvPr id="160" name="TextBox 159">
+              <a:extLst>
+                <a:ext uri="{FF2B5EF4-FFF2-40B4-BE49-F238E27FC236}">
+                  <a16:creationId xmlns:a16="http://schemas.microsoft.com/office/drawing/2014/main" id="{4D3B2F92-5983-84E6-C403-6F93914C3A57}"/>
+                </a:ext>
+              </a:extLst>
+            </p:cNvPr>
+            <p:cNvSpPr txBox="1"/>
+            <p:nvPr/>
+          </p:nvSpPr>
+          <p:spPr>
+            <a:xfrm>
+              <a:off x="2523873" y="4195746"/>
+              <a:ext cx="2852302" cy="387563"/>
+            </a:xfrm>
+            <a:prstGeom prst="rect">
+              <a:avLst/>
+            </a:prstGeom>
+            <a:noFill/>
+          </p:spPr>
+          <p:txBody>
+            <a:bodyPr wrap="square" rtlCol="0">
+              <a:spAutoFit/>
+            </a:bodyPr>
+            <a:lstStyle/>
+            <a:p>
+              <a:r>
+                <a:rPr lang="en-GB" b="1" i="1" dirty="0">
+                  <a:latin typeface="Arial" panose="020B0604020202020204" pitchFamily="34" charset="0"/>
+                  <a:cs typeface="Arial" panose="020B0604020202020204" pitchFamily="34" charset="0"/>
+                </a:rPr>
+                <a:t>AFP surveillance model</a:t>
+              </a:r>
+            </a:p>
+          </p:txBody>
+        </p:sp>
+        <p:sp>
+          <p:nvSpPr>
+            <p:cNvPr id="161" name="テキスト ボックス 20">
+              <a:extLst>
+                <a:ext uri="{FF2B5EF4-FFF2-40B4-BE49-F238E27FC236}">
+                  <a16:creationId xmlns:a16="http://schemas.microsoft.com/office/drawing/2014/main" id="{454F8D11-8174-C656-5138-A83A0A71AE91}"/>
+                </a:ext>
+              </a:extLst>
+            </p:cNvPr>
+            <p:cNvSpPr txBox="1"/>
+            <p:nvPr/>
+          </p:nvSpPr>
+          <p:spPr>
+            <a:xfrm>
+              <a:off x="3266520" y="3344957"/>
+              <a:ext cx="546884" cy="387563"/>
+            </a:xfrm>
+            <a:prstGeom prst="rect">
+              <a:avLst/>
+            </a:prstGeom>
+            <a:noFill/>
+          </p:spPr>
+          <p:txBody>
+            <a:bodyPr wrap="square" rtlCol="0">
+              <a:spAutoFit/>
+            </a:bodyPr>
+            <a:lstStyle/>
+            <a:p>
+              <a:r>
+                <a:rPr lang="el-GR" dirty="0"/>
+                <a:t>σ</a:t>
+              </a:r>
+              <a:endParaRPr lang="en-GB" dirty="0"/>
+            </a:p>
+          </p:txBody>
+        </p:sp>
+        <p:sp>
+          <p:nvSpPr>
+            <p:cNvPr id="162" name="テキスト ボックス 20">
+              <a:extLst>
+                <a:ext uri="{FF2B5EF4-FFF2-40B4-BE49-F238E27FC236}">
+                  <a16:creationId xmlns:a16="http://schemas.microsoft.com/office/drawing/2014/main" id="{1325A213-800C-C090-84A3-16E7CEED4605}"/>
+                </a:ext>
+              </a:extLst>
+            </p:cNvPr>
+            <p:cNvSpPr txBox="1"/>
+            <p:nvPr/>
+          </p:nvSpPr>
+          <p:spPr>
+            <a:xfrm>
+              <a:off x="4202533" y="3344957"/>
+              <a:ext cx="546884" cy="387563"/>
+            </a:xfrm>
+            <a:prstGeom prst="rect">
+              <a:avLst/>
+            </a:prstGeom>
+            <a:noFill/>
+          </p:spPr>
+          <p:txBody>
+            <a:bodyPr wrap="square" rtlCol="0">
+              <a:spAutoFit/>
+            </a:bodyPr>
+            <a:lstStyle/>
+            <a:p>
+              <a:r>
+                <a:rPr lang="el-GR" dirty="0"/>
+                <a:t>σ</a:t>
+              </a:r>
+              <a:endParaRPr lang="en-GB" dirty="0"/>
+            </a:p>
+          </p:txBody>
+        </p:sp>
+      </p:grpSp>
       <p:cxnSp>
         <p:nvCxnSpPr>
-          <p:cNvPr id="111" name="直線矢印コネクタ 8">
-            <a:extLst>
-              <a:ext uri="{FF2B5EF4-FFF2-40B4-BE49-F238E27FC236}">
-                <a16:creationId xmlns:a16="http://schemas.microsoft.com/office/drawing/2014/main" id="{C0A9B16F-E1BA-9697-80E6-DF2C82075F2A}"/>
+          <p:cNvPr id="146" name="直線矢印コネクタ 8">
+            <a:extLst>
+              <a:ext uri="{FF2B5EF4-FFF2-40B4-BE49-F238E27FC236}">
+                <a16:creationId xmlns:a16="http://schemas.microsoft.com/office/drawing/2014/main" id="{99AC7A23-D8A7-3B31-6C54-D594B8FCA49F}"/>
               </a:ext>
             </a:extLst>
           </p:cNvPr>
           <p:cNvCxnSpPr>
             <a:cxnSpLocks/>
-            <a:stCxn id="110" idx="3"/>
-            <a:endCxn id="119" idx="1"/>
+            <a:stCxn id="6" idx="2"/>
+            <a:endCxn id="110" idx="0"/>
           </p:cNvCxnSpPr>
           <p:nvPr/>
         </p:nvCxnSpPr>
         <p:spPr>
-          <a:xfrm>
-            <a:off x="3185529" y="4364737"/>
-            <a:ext cx="537100" cy="4274"/>
+          <a:xfrm flipH="1">
+            <a:off x="2785450" y="2441603"/>
+            <a:ext cx="8307" cy="963290"/>
           </a:xfrm>
           <a:prstGeom prst="straightConnector1">
             <a:avLst/>
@@ -5144,10 +5464,10 @@
       </p:cxnSp>
       <p:sp>
         <p:nvSpPr>
-          <p:cNvPr id="119" name="TextBox 118">
-            <a:extLst>
-              <a:ext uri="{FF2B5EF4-FFF2-40B4-BE49-F238E27FC236}">
-                <a16:creationId xmlns:a16="http://schemas.microsoft.com/office/drawing/2014/main" id="{E5C26570-E39A-7F65-6267-E07FF339F23C}"/>
+          <p:cNvPr id="150" name="テキスト ボックス 20">
+            <a:extLst>
+              <a:ext uri="{FF2B5EF4-FFF2-40B4-BE49-F238E27FC236}">
+                <a16:creationId xmlns:a16="http://schemas.microsoft.com/office/drawing/2014/main" id="{34659143-C91C-EE76-2C8E-D5B19EF22EB2}"/>
               </a:ext>
             </a:extLst>
           </p:cNvPr>
@@ -5156,8 +5476,8 @@
         </p:nvSpPr>
         <p:spPr>
           <a:xfrm>
-            <a:off x="3722629" y="4184345"/>
-            <a:ext cx="505018" cy="369332"/>
+            <a:off x="2762737" y="2731632"/>
+            <a:ext cx="840702" cy="369332"/>
           </a:xfrm>
           <a:prstGeom prst="rect">
             <a:avLst/>
@@ -5171,303 +5491,6 @@
           <a:lstStyle/>
           <a:p>
             <a:r>
-              <a:rPr lang="en-GB" dirty="0"/>
-              <a:t> …</a:t>
-            </a:r>
-          </a:p>
-        </p:txBody>
-      </p:sp>
-      <p:cxnSp>
-        <p:nvCxnSpPr>
-          <p:cNvPr id="120" name="直線矢印コネクタ 8">
-            <a:extLst>
-              <a:ext uri="{FF2B5EF4-FFF2-40B4-BE49-F238E27FC236}">
-                <a16:creationId xmlns:a16="http://schemas.microsoft.com/office/drawing/2014/main" id="{FE53D797-9774-51EF-34FA-1862328BF5C7}"/>
-              </a:ext>
-            </a:extLst>
-          </p:cNvPr>
-          <p:cNvCxnSpPr>
-            <a:cxnSpLocks/>
-            <a:stCxn id="119" idx="3"/>
-            <a:endCxn id="121" idx="1"/>
-          </p:cNvCxnSpPr>
-          <p:nvPr/>
-        </p:nvCxnSpPr>
-        <p:spPr>
-          <a:xfrm flipV="1">
-            <a:off x="4227647" y="4364737"/>
-            <a:ext cx="341406" cy="4274"/>
-          </a:xfrm>
-          <a:prstGeom prst="straightConnector1">
-            <a:avLst/>
-          </a:prstGeom>
-          <a:ln w="19050">
-            <a:solidFill>
-              <a:schemeClr val="tx1"/>
-            </a:solidFill>
-            <a:tailEnd type="triangle"/>
-          </a:ln>
-        </p:spPr>
-        <p:style>
-          <a:lnRef idx="1">
-            <a:schemeClr val="accent1"/>
-          </a:lnRef>
-          <a:fillRef idx="0">
-            <a:schemeClr val="accent1"/>
-          </a:fillRef>
-          <a:effectRef idx="0">
-            <a:schemeClr val="accent1"/>
-          </a:effectRef>
-          <a:fontRef idx="minor">
-            <a:schemeClr val="tx1"/>
-          </a:fontRef>
-        </p:style>
-      </p:cxnSp>
-      <p:sp>
-        <p:nvSpPr>
-          <p:cNvPr id="121" name="正方形/長方形 4">
-            <a:extLst>
-              <a:ext uri="{FF2B5EF4-FFF2-40B4-BE49-F238E27FC236}">
-                <a16:creationId xmlns:a16="http://schemas.microsoft.com/office/drawing/2014/main" id="{B9236349-D4D7-D96F-95C7-7D3C45F82871}"/>
-              </a:ext>
-            </a:extLst>
-          </p:cNvPr>
-          <p:cNvSpPr/>
-          <p:nvPr/>
-        </p:nvSpPr>
-        <p:spPr>
-          <a:xfrm>
-            <a:off x="4569053" y="4057592"/>
-            <a:ext cx="785740" cy="614289"/>
-          </a:xfrm>
-          <a:prstGeom prst="rect">
-            <a:avLst/>
-          </a:prstGeom>
-          <a:ln>
-            <a:solidFill>
-              <a:schemeClr val="tx1"/>
-            </a:solidFill>
-          </a:ln>
-        </p:spPr>
-        <p:style>
-          <a:lnRef idx="2">
-            <a:schemeClr val="accent6"/>
-          </a:lnRef>
-          <a:fillRef idx="1">
-            <a:schemeClr val="lt1"/>
-          </a:fillRef>
-          <a:effectRef idx="0">
-            <a:schemeClr val="accent6"/>
-          </a:effectRef>
-          <a:fontRef idx="minor">
-            <a:schemeClr val="dk1"/>
-          </a:fontRef>
-        </p:style>
-        <p:txBody>
-          <a:bodyPr rtlCol="0" anchor="ctr"/>
-          <a:lstStyle/>
-          <a:p>
-            <a:pPr algn="ctr"/>
-            <a:r>
-              <a:rPr lang="en-GB" dirty="0">
-                <a:latin typeface="Times New Roman" panose="02020603050405020304" pitchFamily="18" charset="0"/>
-                <a:cs typeface="Times New Roman" panose="02020603050405020304" pitchFamily="18" charset="0"/>
-              </a:rPr>
-              <a:t>A</a:t>
-            </a:r>
-            <a:r>
-              <a:rPr lang="en-GB" baseline="-25000" dirty="0">
-                <a:latin typeface="Times New Roman" panose="02020603050405020304" pitchFamily="18" charset="0"/>
-                <a:cs typeface="Times New Roman" panose="02020603050405020304" pitchFamily="18" charset="0"/>
-              </a:rPr>
-              <a:t>6,i</a:t>
-            </a:r>
-          </a:p>
-        </p:txBody>
-      </p:sp>
-      <p:sp>
-        <p:nvSpPr>
-          <p:cNvPr id="128" name="正方形/長方形 4">
-            <a:extLst>
-              <a:ext uri="{FF2B5EF4-FFF2-40B4-BE49-F238E27FC236}">
-                <a16:creationId xmlns:a16="http://schemas.microsoft.com/office/drawing/2014/main" id="{21E6C3D7-F4D9-19B4-5B9F-0190C4EA07E9}"/>
-              </a:ext>
-            </a:extLst>
-          </p:cNvPr>
-          <p:cNvSpPr/>
-          <p:nvPr/>
-        </p:nvSpPr>
-        <p:spPr>
-          <a:xfrm>
-            <a:off x="5852295" y="4057593"/>
-            <a:ext cx="785740" cy="614289"/>
-          </a:xfrm>
-          <a:prstGeom prst="rect">
-            <a:avLst/>
-          </a:prstGeom>
-          <a:ln>
-            <a:solidFill>
-              <a:schemeClr val="tx1"/>
-            </a:solidFill>
-          </a:ln>
-        </p:spPr>
-        <p:style>
-          <a:lnRef idx="2">
-            <a:schemeClr val="accent6"/>
-          </a:lnRef>
-          <a:fillRef idx="1">
-            <a:schemeClr val="lt1"/>
-          </a:fillRef>
-          <a:effectRef idx="0">
-            <a:schemeClr val="accent6"/>
-          </a:effectRef>
-          <a:fontRef idx="minor">
-            <a:schemeClr val="dk1"/>
-          </a:fontRef>
-        </p:style>
-        <p:txBody>
-          <a:bodyPr rtlCol="0" anchor="ctr"/>
-          <a:lstStyle/>
-          <a:p>
-            <a:pPr algn="ctr"/>
-            <a:r>
-              <a:rPr lang="en-GB" dirty="0">
-                <a:latin typeface="Times New Roman" panose="02020603050405020304" pitchFamily="18" charset="0"/>
-                <a:cs typeface="Times New Roman" panose="02020603050405020304" pitchFamily="18" charset="0"/>
-              </a:rPr>
-              <a:t>H</a:t>
-            </a:r>
-            <a:r>
-              <a:rPr lang="en-GB" baseline="-25000" dirty="0">
-                <a:latin typeface="Times New Roman" panose="02020603050405020304" pitchFamily="18" charset="0"/>
-                <a:cs typeface="Times New Roman" panose="02020603050405020304" pitchFamily="18" charset="0"/>
-              </a:rPr>
-              <a:t>i</a:t>
-            </a:r>
-          </a:p>
-        </p:txBody>
-      </p:sp>
-      <p:cxnSp>
-        <p:nvCxnSpPr>
-          <p:cNvPr id="129" name="直線矢印コネクタ 8">
-            <a:extLst>
-              <a:ext uri="{FF2B5EF4-FFF2-40B4-BE49-F238E27FC236}">
-                <a16:creationId xmlns:a16="http://schemas.microsoft.com/office/drawing/2014/main" id="{BF565F9C-A5E9-8A47-78AD-DB4412ADC47F}"/>
-              </a:ext>
-            </a:extLst>
-          </p:cNvPr>
-          <p:cNvCxnSpPr>
-            <a:cxnSpLocks/>
-            <a:stCxn id="121" idx="3"/>
-            <a:endCxn id="128" idx="1"/>
-          </p:cNvCxnSpPr>
-          <p:nvPr/>
-        </p:nvCxnSpPr>
-        <p:spPr>
-          <a:xfrm>
-            <a:off x="5354793" y="4364737"/>
-            <a:ext cx="497502" cy="1"/>
-          </a:xfrm>
-          <a:prstGeom prst="straightConnector1">
-            <a:avLst/>
-          </a:prstGeom>
-          <a:ln w="19050">
-            <a:solidFill>
-              <a:schemeClr val="tx1"/>
-            </a:solidFill>
-            <a:tailEnd type="triangle"/>
-          </a:ln>
-        </p:spPr>
-        <p:style>
-          <a:lnRef idx="1">
-            <a:schemeClr val="accent1"/>
-          </a:lnRef>
-          <a:fillRef idx="0">
-            <a:schemeClr val="accent1"/>
-          </a:fillRef>
-          <a:effectRef idx="0">
-            <a:schemeClr val="accent1"/>
-          </a:effectRef>
-          <a:fontRef idx="minor">
-            <a:schemeClr val="tx1"/>
-          </a:fontRef>
-        </p:style>
-      </p:cxnSp>
-      <p:cxnSp>
-        <p:nvCxnSpPr>
-          <p:cNvPr id="146" name="直線矢印コネクタ 8">
-            <a:extLst>
-              <a:ext uri="{FF2B5EF4-FFF2-40B4-BE49-F238E27FC236}">
-                <a16:creationId xmlns:a16="http://schemas.microsoft.com/office/drawing/2014/main" id="{99AC7A23-D8A7-3B31-6C54-D594B8FCA49F}"/>
-              </a:ext>
-            </a:extLst>
-          </p:cNvPr>
-          <p:cNvCxnSpPr>
-            <a:cxnSpLocks/>
-            <a:stCxn id="6" idx="2"/>
-            <a:endCxn id="110" idx="0"/>
-          </p:cNvCxnSpPr>
-          <p:nvPr/>
-        </p:nvCxnSpPr>
-        <p:spPr>
-          <a:xfrm flipH="1">
-            <a:off x="2792659" y="2441603"/>
-            <a:ext cx="1098" cy="1615989"/>
-          </a:xfrm>
-          <a:prstGeom prst="straightConnector1">
-            <a:avLst/>
-          </a:prstGeom>
-          <a:ln w="19050">
-            <a:solidFill>
-              <a:schemeClr val="tx1"/>
-            </a:solidFill>
-            <a:tailEnd type="triangle"/>
-          </a:ln>
-        </p:spPr>
-        <p:style>
-          <a:lnRef idx="1">
-            <a:schemeClr val="accent1"/>
-          </a:lnRef>
-          <a:fillRef idx="0">
-            <a:schemeClr val="accent1"/>
-          </a:fillRef>
-          <a:effectRef idx="0">
-            <a:schemeClr val="accent1"/>
-          </a:effectRef>
-          <a:fontRef idx="minor">
-            <a:schemeClr val="tx1"/>
-          </a:fontRef>
-        </p:style>
-      </p:cxnSp>
-      <p:sp>
-        <p:nvSpPr>
-          <p:cNvPr id="150" name="テキスト ボックス 20">
-            <a:extLst>
-              <a:ext uri="{FF2B5EF4-FFF2-40B4-BE49-F238E27FC236}">
-                <a16:creationId xmlns:a16="http://schemas.microsoft.com/office/drawing/2014/main" id="{34659143-C91C-EE76-2C8E-D5B19EF22EB2}"/>
-              </a:ext>
-            </a:extLst>
-          </p:cNvPr>
-          <p:cNvSpPr txBox="1"/>
-          <p:nvPr/>
-        </p:nvSpPr>
-        <p:spPr>
-          <a:xfrm>
-            <a:off x="2840703" y="3016645"/>
-            <a:ext cx="840702" cy="369332"/>
-          </a:xfrm>
-          <a:prstGeom prst="rect">
-            <a:avLst/>
-          </a:prstGeom>
-          <a:noFill/>
-        </p:spPr>
-        <p:txBody>
-          <a:bodyPr wrap="square" rtlCol="0">
-            <a:spAutoFit/>
-          </a:bodyPr>
-          <a:lstStyle/>
-          <a:p>
-            <a:r>
               <a:rPr lang="en-GB" altLang="ja-JP" i="1" dirty="0" err="1"/>
               <a:t>p</a:t>
             </a:r>
@@ -5484,116 +5507,6 @@
               <a:t>i</a:t>
             </a:r>
             <a:endParaRPr lang="en-GB" baseline="-25000" dirty="0"/>
-          </a:p>
-        </p:txBody>
-      </p:sp>
-      <p:sp>
-        <p:nvSpPr>
-          <p:cNvPr id="160" name="TextBox 159">
-            <a:extLst>
-              <a:ext uri="{FF2B5EF4-FFF2-40B4-BE49-F238E27FC236}">
-                <a16:creationId xmlns:a16="http://schemas.microsoft.com/office/drawing/2014/main" id="{4D3B2F92-5983-84E6-C403-6F93914C3A57}"/>
-              </a:ext>
-            </a:extLst>
-          </p:cNvPr>
-          <p:cNvSpPr txBox="1"/>
-          <p:nvPr/>
-        </p:nvSpPr>
-        <p:spPr>
-          <a:xfrm>
-            <a:off x="3169319" y="4760427"/>
-            <a:ext cx="2852302" cy="369332"/>
-          </a:xfrm>
-          <a:prstGeom prst="rect">
-            <a:avLst/>
-          </a:prstGeom>
-          <a:noFill/>
-        </p:spPr>
-        <p:txBody>
-          <a:bodyPr wrap="square" rtlCol="0">
-            <a:spAutoFit/>
-          </a:bodyPr>
-          <a:lstStyle/>
-          <a:p>
-            <a:r>
-              <a:rPr lang="en-GB" b="1" i="1" dirty="0">
-                <a:latin typeface="Arial" panose="020B0604020202020204" pitchFamily="34" charset="0"/>
-                <a:cs typeface="Arial" panose="020B0604020202020204" pitchFamily="34" charset="0"/>
-              </a:rPr>
-              <a:t>AFP surveillance model</a:t>
-            </a:r>
-          </a:p>
-        </p:txBody>
-      </p:sp>
-      <p:sp>
-        <p:nvSpPr>
-          <p:cNvPr id="161" name="テキスト ボックス 20">
-            <a:extLst>
-              <a:ext uri="{FF2B5EF4-FFF2-40B4-BE49-F238E27FC236}">
-                <a16:creationId xmlns:a16="http://schemas.microsoft.com/office/drawing/2014/main" id="{454F8D11-8174-C656-5138-A83A0A71AE91}"/>
-              </a:ext>
-            </a:extLst>
-          </p:cNvPr>
-          <p:cNvSpPr txBox="1"/>
-          <p:nvPr/>
-        </p:nvSpPr>
-        <p:spPr>
-          <a:xfrm>
-            <a:off x="3291634" y="3941338"/>
-            <a:ext cx="546884" cy="369332"/>
-          </a:xfrm>
-          <a:prstGeom prst="rect">
-            <a:avLst/>
-          </a:prstGeom>
-          <a:noFill/>
-        </p:spPr>
-        <p:txBody>
-          <a:bodyPr wrap="square" rtlCol="0">
-            <a:spAutoFit/>
-          </a:bodyPr>
-          <a:lstStyle/>
-          <a:p>
-            <a:r>
-              <a:rPr lang="el-GR" dirty="0"/>
-              <a:t>σ</a:t>
-            </a:r>
-            <a:endParaRPr lang="en-GB" dirty="0"/>
-          </a:p>
-        </p:txBody>
-      </p:sp>
-      <p:sp>
-        <p:nvSpPr>
-          <p:cNvPr id="162" name="テキスト ボックス 20">
-            <a:extLst>
-              <a:ext uri="{FF2B5EF4-FFF2-40B4-BE49-F238E27FC236}">
-                <a16:creationId xmlns:a16="http://schemas.microsoft.com/office/drawing/2014/main" id="{1325A213-800C-C090-84A3-16E7CEED4605}"/>
-              </a:ext>
-            </a:extLst>
-          </p:cNvPr>
-          <p:cNvSpPr txBox="1"/>
-          <p:nvPr/>
-        </p:nvSpPr>
-        <p:spPr>
-          <a:xfrm>
-            <a:off x="5474737" y="3915747"/>
-            <a:ext cx="546884" cy="369332"/>
-          </a:xfrm>
-          <a:prstGeom prst="rect">
-            <a:avLst/>
-          </a:prstGeom>
-          <a:noFill/>
-        </p:spPr>
-        <p:txBody>
-          <a:bodyPr wrap="square" rtlCol="0">
-            <a:spAutoFit/>
-          </a:bodyPr>
-          <a:lstStyle/>
-          <a:p>
-            <a:r>
-              <a:rPr lang="el-GR" dirty="0"/>
-              <a:t>σ</a:t>
-            </a:r>
-            <a:endParaRPr lang="en-GB" dirty="0"/>
           </a:p>
         </p:txBody>
       </p:sp>
